--- a/dviz_ppt.pptx
+++ b/dviz_ppt.pptx
@@ -4,12 +4,30 @@
   <p:sldMasterIdLst>
     <p:sldMasterId id="2147483648" r:id="rId2"/>
     <p:sldMasterId id="2147483661" r:id="rId3"/>
-    <p:sldMasterId id="2147483674" r:id="rId4"/>
   </p:sldMasterIdLst>
   <p:sldIdLst>
-    <p:sldId id="256" r:id="rId5"/>
-    <p:sldId id="257" r:id="rId6"/>
-    <p:sldId id="258" r:id="rId7"/>
+    <p:sldId id="256" r:id="rId4"/>
+    <p:sldId id="257" r:id="rId5"/>
+    <p:sldId id="258" r:id="rId6"/>
+    <p:sldId id="259" r:id="rId7"/>
+    <p:sldId id="260" r:id="rId8"/>
+    <p:sldId id="261" r:id="rId9"/>
+    <p:sldId id="262" r:id="rId10"/>
+    <p:sldId id="263" r:id="rId11"/>
+    <p:sldId id="264" r:id="rId12"/>
+    <p:sldId id="265" r:id="rId13"/>
+    <p:sldId id="266" r:id="rId14"/>
+    <p:sldId id="267" r:id="rId15"/>
+    <p:sldId id="268" r:id="rId16"/>
+    <p:sldId id="269" r:id="rId17"/>
+    <p:sldId id="270" r:id="rId18"/>
+    <p:sldId id="271" r:id="rId19"/>
+    <p:sldId id="272" r:id="rId20"/>
+    <p:sldId id="273" r:id="rId21"/>
+    <p:sldId id="274" r:id="rId22"/>
+    <p:sldId id="275" r:id="rId23"/>
+    <p:sldId id="276" r:id="rId24"/>
+    <p:sldId id="277" r:id="rId25"/>
   </p:sldIdLst>
   <p:sldSz cx="9144000" cy="5143500"/>
   <p:notesSz cx="7772400" cy="10058400"/>
@@ -1963,351 +1981,6 @@
 </p:sldLayout>
 </file>
 
-<file path=ppt/slideLayouts/slideLayout25.xml><?xml version="1.0" encoding="utf-8"?>
-<p:sldLayout xmlns:a="http://schemas.openxmlformats.org/drawingml/2006/main" xmlns:p="http://schemas.openxmlformats.org/presentationml/2006/main" xmlns:r="http://schemas.openxmlformats.org/officeDocument/2006/relationships" xmlns:p14="http://schemas.microsoft.com/office/powerpoint/2010/main" xmlns:p15="http://schemas.microsoft.com/office/powerpoint/2012/main" xmlns:mc="http://schemas.openxmlformats.org/markup-compatibility/2006" type="blank" preserve="1">
-  <p:cSld name="Blank Slide">
-    <p:spTree>
-      <p:nvGrpSpPr>
-        <p:cNvPr id="1" name=""/>
-        <p:cNvGrpSpPr/>
-        <p:nvPr/>
-      </p:nvGrpSpPr>
-      <p:grpSpPr>
-        <a:xfrm>
-          <a:off x="0" y="0"/>
-          <a:ext cx="0" cy="0"/>
-          <a:chOff x="0" y="0"/>
-          <a:chExt cx="0" cy="0"/>
-        </a:xfrm>
-      </p:grpSpPr>
-    </p:spTree>
-  </p:cSld>
-</p:sldLayout>
-</file>
-
-<file path=ppt/slideLayouts/slideLayout26.xml><?xml version="1.0" encoding="utf-8"?>
-<p:sldLayout xmlns:a="http://schemas.openxmlformats.org/drawingml/2006/main" xmlns:p="http://schemas.openxmlformats.org/presentationml/2006/main" xmlns:r="http://schemas.openxmlformats.org/officeDocument/2006/relationships" xmlns:p14="http://schemas.microsoft.com/office/powerpoint/2010/main" xmlns:p15="http://schemas.microsoft.com/office/powerpoint/2012/main" xmlns:mc="http://schemas.openxmlformats.org/markup-compatibility/2006" type="tx" preserve="1">
-  <p:cSld name="Title Slide">
-    <p:spTree>
-      <p:nvGrpSpPr>
-        <p:cNvPr id="1" name=""/>
-        <p:cNvGrpSpPr/>
-        <p:nvPr/>
-      </p:nvGrpSpPr>
-      <p:grpSpPr>
-        <a:xfrm>
-          <a:off x="0" y="0"/>
-          <a:ext cx="0" cy="0"/>
-          <a:chOff x="0" y="0"/>
-          <a:chExt cx="0" cy="0"/>
-        </a:xfrm>
-      </p:grpSpPr>
-      <p:sp>
-        <p:nvSpPr>
-          <p:cNvPr id="90" name="PlaceHolder 1"/>
-          <p:cNvSpPr>
-            <a:spLocks noGrp="1"/>
-          </p:cNvSpPr>
-          <p:nvPr>
-            <p:ph type="title"/>
-          </p:nvPr>
-        </p:nvSpPr>
-        <p:spPr>
-          <a:xfrm>
-            <a:off x="457200" y="205200"/>
-            <a:ext cx="8229240" cy="858600"/>
-          </a:xfrm>
-          <a:prstGeom prst="rect">
-            <a:avLst/>
-          </a:prstGeom>
-        </p:spPr>
-        <p:txBody>
-          <a:bodyPr lIns="0" rIns="0" tIns="0" bIns="0" anchor="ctr"/>
-          <a:p>
-            <a:pPr algn="ctr"/>
-            <a:endParaRPr b="0" lang="en-US" sz="4400" spc="-1" strike="noStrike">
-              <a:latin typeface="Arial"/>
-            </a:endParaRPr>
-          </a:p>
-        </p:txBody>
-      </p:sp>
-      <p:sp>
-        <p:nvSpPr>
-          <p:cNvPr id="91" name="PlaceHolder 2"/>
-          <p:cNvSpPr>
-            <a:spLocks noGrp="1"/>
-          </p:cNvSpPr>
-          <p:nvPr>
-            <p:ph type="subTitle"/>
-          </p:nvPr>
-        </p:nvSpPr>
-        <p:spPr>
-          <a:xfrm>
-            <a:off x="457200" y="1203480"/>
-            <a:ext cx="8229240" cy="2982960"/>
-          </a:xfrm>
-          <a:prstGeom prst="rect">
-            <a:avLst/>
-          </a:prstGeom>
-        </p:spPr>
-        <p:txBody>
-          <a:bodyPr lIns="0" rIns="0" tIns="0" bIns="0" anchor="ctr"/>
-          <a:p>
-            <a:pPr algn="ctr"/>
-            <a:endParaRPr b="0" lang="en-US" sz="3200" spc="-1" strike="noStrike">
-              <a:latin typeface="Arial"/>
-            </a:endParaRPr>
-          </a:p>
-        </p:txBody>
-      </p:sp>
-    </p:spTree>
-  </p:cSld>
-</p:sldLayout>
-</file>
-
-<file path=ppt/slideLayouts/slideLayout27.xml><?xml version="1.0" encoding="utf-8"?>
-<p:sldLayout xmlns:a="http://schemas.openxmlformats.org/drawingml/2006/main" xmlns:p="http://schemas.openxmlformats.org/presentationml/2006/main" xmlns:r="http://schemas.openxmlformats.org/officeDocument/2006/relationships" xmlns:p14="http://schemas.microsoft.com/office/powerpoint/2010/main" xmlns:p15="http://schemas.microsoft.com/office/powerpoint/2012/main" xmlns:mc="http://schemas.openxmlformats.org/markup-compatibility/2006" type="obj" preserve="1">
-  <p:cSld name="Title, Content">
-    <p:spTree>
-      <p:nvGrpSpPr>
-        <p:cNvPr id="1" name=""/>
-        <p:cNvGrpSpPr/>
-        <p:nvPr/>
-      </p:nvGrpSpPr>
-      <p:grpSpPr>
-        <a:xfrm>
-          <a:off x="0" y="0"/>
-          <a:ext cx="0" cy="0"/>
-          <a:chOff x="0" y="0"/>
-          <a:chExt cx="0" cy="0"/>
-        </a:xfrm>
-      </p:grpSpPr>
-      <p:sp>
-        <p:nvSpPr>
-          <p:cNvPr id="92" name="PlaceHolder 1"/>
-          <p:cNvSpPr>
-            <a:spLocks noGrp="1"/>
-          </p:cNvSpPr>
-          <p:nvPr>
-            <p:ph type="title"/>
-          </p:nvPr>
-        </p:nvSpPr>
-        <p:spPr>
-          <a:xfrm>
-            <a:off x="457200" y="205200"/>
-            <a:ext cx="8229240" cy="858600"/>
-          </a:xfrm>
-          <a:prstGeom prst="rect">
-            <a:avLst/>
-          </a:prstGeom>
-        </p:spPr>
-        <p:txBody>
-          <a:bodyPr lIns="0" rIns="0" tIns="0" bIns="0" anchor="ctr"/>
-          <a:p>
-            <a:pPr algn="ctr"/>
-            <a:endParaRPr b="0" lang="en-US" sz="4400" spc="-1" strike="noStrike">
-              <a:latin typeface="Arial"/>
-            </a:endParaRPr>
-          </a:p>
-        </p:txBody>
-      </p:sp>
-      <p:sp>
-        <p:nvSpPr>
-          <p:cNvPr id="93" name="PlaceHolder 2"/>
-          <p:cNvSpPr>
-            <a:spLocks noGrp="1"/>
-          </p:cNvSpPr>
-          <p:nvPr>
-            <p:ph type="body"/>
-          </p:nvPr>
-        </p:nvSpPr>
-        <p:spPr>
-          <a:xfrm>
-            <a:off x="457200" y="1203480"/>
-            <a:ext cx="8229240" cy="2982960"/>
-          </a:xfrm>
-          <a:prstGeom prst="rect">
-            <a:avLst/>
-          </a:prstGeom>
-        </p:spPr>
-        <p:txBody>
-          <a:bodyPr lIns="0" rIns="0" tIns="0" bIns="0">
-            <a:normAutofit/>
-          </a:bodyPr>
-          <a:p>
-            <a:endParaRPr b="0" lang="en-US" sz="3200" spc="-1" strike="noStrike">
-              <a:latin typeface="Arial"/>
-            </a:endParaRPr>
-          </a:p>
-        </p:txBody>
-      </p:sp>
-    </p:spTree>
-  </p:cSld>
-</p:sldLayout>
-</file>
-
-<file path=ppt/slideLayouts/slideLayout28.xml><?xml version="1.0" encoding="utf-8"?>
-<p:sldLayout xmlns:a="http://schemas.openxmlformats.org/drawingml/2006/main" xmlns:p="http://schemas.openxmlformats.org/presentationml/2006/main" xmlns:r="http://schemas.openxmlformats.org/officeDocument/2006/relationships" xmlns:p14="http://schemas.microsoft.com/office/powerpoint/2010/main" xmlns:p15="http://schemas.microsoft.com/office/powerpoint/2012/main" xmlns:mc="http://schemas.openxmlformats.org/markup-compatibility/2006" type="twoObj" preserve="1">
-  <p:cSld name="Title, 2 Content">
-    <p:spTree>
-      <p:nvGrpSpPr>
-        <p:cNvPr id="1" name=""/>
-        <p:cNvGrpSpPr/>
-        <p:nvPr/>
-      </p:nvGrpSpPr>
-      <p:grpSpPr>
-        <a:xfrm>
-          <a:off x="0" y="0"/>
-          <a:ext cx="0" cy="0"/>
-          <a:chOff x="0" y="0"/>
-          <a:chExt cx="0" cy="0"/>
-        </a:xfrm>
-      </p:grpSpPr>
-      <p:sp>
-        <p:nvSpPr>
-          <p:cNvPr id="94" name="PlaceHolder 1"/>
-          <p:cNvSpPr>
-            <a:spLocks noGrp="1"/>
-          </p:cNvSpPr>
-          <p:nvPr>
-            <p:ph type="title"/>
-          </p:nvPr>
-        </p:nvSpPr>
-        <p:spPr>
-          <a:xfrm>
-            <a:off x="457200" y="205200"/>
-            <a:ext cx="8229240" cy="858600"/>
-          </a:xfrm>
-          <a:prstGeom prst="rect">
-            <a:avLst/>
-          </a:prstGeom>
-        </p:spPr>
-        <p:txBody>
-          <a:bodyPr lIns="0" rIns="0" tIns="0" bIns="0" anchor="ctr"/>
-          <a:p>
-            <a:pPr algn="ctr"/>
-            <a:endParaRPr b="0" lang="en-US" sz="4400" spc="-1" strike="noStrike">
-              <a:latin typeface="Arial"/>
-            </a:endParaRPr>
-          </a:p>
-        </p:txBody>
-      </p:sp>
-      <p:sp>
-        <p:nvSpPr>
-          <p:cNvPr id="95" name="PlaceHolder 2"/>
-          <p:cNvSpPr>
-            <a:spLocks noGrp="1"/>
-          </p:cNvSpPr>
-          <p:nvPr>
-            <p:ph type="body"/>
-          </p:nvPr>
-        </p:nvSpPr>
-        <p:spPr>
-          <a:xfrm>
-            <a:off x="457200" y="1203480"/>
-            <a:ext cx="4015800" cy="2982960"/>
-          </a:xfrm>
-          <a:prstGeom prst="rect">
-            <a:avLst/>
-          </a:prstGeom>
-        </p:spPr>
-        <p:txBody>
-          <a:bodyPr lIns="0" rIns="0" tIns="0" bIns="0">
-            <a:normAutofit/>
-          </a:bodyPr>
-          <a:p>
-            <a:endParaRPr b="0" lang="en-US" sz="3200" spc="-1" strike="noStrike">
-              <a:latin typeface="Arial"/>
-            </a:endParaRPr>
-          </a:p>
-        </p:txBody>
-      </p:sp>
-      <p:sp>
-        <p:nvSpPr>
-          <p:cNvPr id="96" name="PlaceHolder 3"/>
-          <p:cNvSpPr>
-            <a:spLocks noGrp="1"/>
-          </p:cNvSpPr>
-          <p:nvPr>
-            <p:ph type="body"/>
-          </p:nvPr>
-        </p:nvSpPr>
-        <p:spPr>
-          <a:xfrm>
-            <a:off x="4674240" y="1203480"/>
-            <a:ext cx="4015800" cy="2982960"/>
-          </a:xfrm>
-          <a:prstGeom prst="rect">
-            <a:avLst/>
-          </a:prstGeom>
-        </p:spPr>
-        <p:txBody>
-          <a:bodyPr lIns="0" rIns="0" tIns="0" bIns="0">
-            <a:normAutofit/>
-          </a:bodyPr>
-          <a:p>
-            <a:endParaRPr b="0" lang="en-US" sz="3200" spc="-1" strike="noStrike">
-              <a:latin typeface="Arial"/>
-            </a:endParaRPr>
-          </a:p>
-        </p:txBody>
-      </p:sp>
-    </p:spTree>
-  </p:cSld>
-</p:sldLayout>
-</file>
-
-<file path=ppt/slideLayouts/slideLayout29.xml><?xml version="1.0" encoding="utf-8"?>
-<p:sldLayout xmlns:a="http://schemas.openxmlformats.org/drawingml/2006/main" xmlns:p="http://schemas.openxmlformats.org/presentationml/2006/main" xmlns:r="http://schemas.openxmlformats.org/officeDocument/2006/relationships" xmlns:p14="http://schemas.microsoft.com/office/powerpoint/2010/main" xmlns:p15="http://schemas.microsoft.com/office/powerpoint/2012/main" xmlns:mc="http://schemas.openxmlformats.org/markup-compatibility/2006" type="titleOnly" preserve="1">
-  <p:cSld name="Title Only">
-    <p:spTree>
-      <p:nvGrpSpPr>
-        <p:cNvPr id="1" name=""/>
-        <p:cNvGrpSpPr/>
-        <p:nvPr/>
-      </p:nvGrpSpPr>
-      <p:grpSpPr>
-        <a:xfrm>
-          <a:off x="0" y="0"/>
-          <a:ext cx="0" cy="0"/>
-          <a:chOff x="0" y="0"/>
-          <a:chExt cx="0" cy="0"/>
-        </a:xfrm>
-      </p:grpSpPr>
-      <p:sp>
-        <p:nvSpPr>
-          <p:cNvPr id="97" name="PlaceHolder 1"/>
-          <p:cNvSpPr>
-            <a:spLocks noGrp="1"/>
-          </p:cNvSpPr>
-          <p:nvPr>
-            <p:ph type="title"/>
-          </p:nvPr>
-        </p:nvSpPr>
-        <p:spPr>
-          <a:xfrm>
-            <a:off x="457200" y="205200"/>
-            <a:ext cx="8229240" cy="858600"/>
-          </a:xfrm>
-          <a:prstGeom prst="rect">
-            <a:avLst/>
-          </a:prstGeom>
-        </p:spPr>
-        <p:txBody>
-          <a:bodyPr lIns="0" rIns="0" tIns="0" bIns="0" anchor="ctr"/>
-          <a:p>
-            <a:pPr algn="ctr"/>
-            <a:endParaRPr b="0" lang="en-US" sz="4400" spc="-1" strike="noStrike">
-              <a:latin typeface="Arial"/>
-            </a:endParaRPr>
-          </a:p>
-        </p:txBody>
-      </p:sp>
-    </p:spTree>
-  </p:cSld>
-</p:sldLayout>
-</file>
-
 <file path=ppt/slideLayouts/slideLayout3.xml><?xml version="1.0" encoding="utf-8"?>
 <p:sldLayout xmlns:a="http://schemas.openxmlformats.org/drawingml/2006/main" xmlns:p="http://schemas.openxmlformats.org/presentationml/2006/main" xmlns:r="http://schemas.openxmlformats.org/officeDocument/2006/relationships" xmlns:p14="http://schemas.microsoft.com/office/powerpoint/2010/main" xmlns:p15="http://schemas.microsoft.com/office/powerpoint/2012/main" xmlns:mc="http://schemas.openxmlformats.org/markup-compatibility/2006" type="obj" preserve="1">
   <p:cSld name="Title, Content">
@@ -2368,993 +2041,6 @@
           <a:xfrm>
             <a:off x="457200" y="1203480"/>
             <a:ext cx="8229240" cy="2982960"/>
-          </a:xfrm>
-          <a:prstGeom prst="rect">
-            <a:avLst/>
-          </a:prstGeom>
-        </p:spPr>
-        <p:txBody>
-          <a:bodyPr lIns="0" rIns="0" tIns="0" bIns="0">
-            <a:normAutofit/>
-          </a:bodyPr>
-          <a:p>
-            <a:endParaRPr b="0" lang="en-US" sz="3200" spc="-1" strike="noStrike">
-              <a:latin typeface="Arial"/>
-            </a:endParaRPr>
-          </a:p>
-        </p:txBody>
-      </p:sp>
-    </p:spTree>
-  </p:cSld>
-</p:sldLayout>
-</file>
-
-<file path=ppt/slideLayouts/slideLayout30.xml><?xml version="1.0" encoding="utf-8"?>
-<p:sldLayout xmlns:a="http://schemas.openxmlformats.org/drawingml/2006/main" xmlns:p="http://schemas.openxmlformats.org/presentationml/2006/main" xmlns:r="http://schemas.openxmlformats.org/officeDocument/2006/relationships" xmlns:p14="http://schemas.microsoft.com/office/powerpoint/2010/main" xmlns:p15="http://schemas.microsoft.com/office/powerpoint/2012/main" xmlns:mc="http://schemas.openxmlformats.org/markup-compatibility/2006" type="objOnly" preserve="1">
-  <p:cSld name="Centered Text">
-    <p:spTree>
-      <p:nvGrpSpPr>
-        <p:cNvPr id="1" name=""/>
-        <p:cNvGrpSpPr/>
-        <p:nvPr/>
-      </p:nvGrpSpPr>
-      <p:grpSpPr>
-        <a:xfrm>
-          <a:off x="0" y="0"/>
-          <a:ext cx="0" cy="0"/>
-          <a:chOff x="0" y="0"/>
-          <a:chExt cx="0" cy="0"/>
-        </a:xfrm>
-      </p:grpSpPr>
-      <p:sp>
-        <p:nvSpPr>
-          <p:cNvPr id="98" name="PlaceHolder 1"/>
-          <p:cNvSpPr>
-            <a:spLocks noGrp="1"/>
-          </p:cNvSpPr>
-          <p:nvPr>
-            <p:ph type="subTitle"/>
-          </p:nvPr>
-        </p:nvSpPr>
-        <p:spPr>
-          <a:xfrm>
-            <a:off x="457200" y="205200"/>
-            <a:ext cx="8229240" cy="3981240"/>
-          </a:xfrm>
-          <a:prstGeom prst="rect">
-            <a:avLst/>
-          </a:prstGeom>
-        </p:spPr>
-        <p:txBody>
-          <a:bodyPr lIns="0" rIns="0" tIns="0" bIns="0" anchor="ctr"/>
-          <a:p>
-            <a:pPr algn="ctr"/>
-            <a:endParaRPr b="0" lang="en-US" sz="3200" spc="-1" strike="noStrike">
-              <a:latin typeface="Arial"/>
-            </a:endParaRPr>
-          </a:p>
-        </p:txBody>
-      </p:sp>
-    </p:spTree>
-  </p:cSld>
-</p:sldLayout>
-</file>
-
-<file path=ppt/slideLayouts/slideLayout31.xml><?xml version="1.0" encoding="utf-8"?>
-<p:sldLayout xmlns:a="http://schemas.openxmlformats.org/drawingml/2006/main" xmlns:p="http://schemas.openxmlformats.org/presentationml/2006/main" xmlns:r="http://schemas.openxmlformats.org/officeDocument/2006/relationships" xmlns:p14="http://schemas.microsoft.com/office/powerpoint/2010/main" xmlns:p15="http://schemas.microsoft.com/office/powerpoint/2012/main" xmlns:mc="http://schemas.openxmlformats.org/markup-compatibility/2006" type="twoObjAndObj" preserve="1">
-  <p:cSld name="Title, 2 Content and Content">
-    <p:spTree>
-      <p:nvGrpSpPr>
-        <p:cNvPr id="1" name=""/>
-        <p:cNvGrpSpPr/>
-        <p:nvPr/>
-      </p:nvGrpSpPr>
-      <p:grpSpPr>
-        <a:xfrm>
-          <a:off x="0" y="0"/>
-          <a:ext cx="0" cy="0"/>
-          <a:chOff x="0" y="0"/>
-          <a:chExt cx="0" cy="0"/>
-        </a:xfrm>
-      </p:grpSpPr>
-      <p:sp>
-        <p:nvSpPr>
-          <p:cNvPr id="99" name="PlaceHolder 1"/>
-          <p:cNvSpPr>
-            <a:spLocks noGrp="1"/>
-          </p:cNvSpPr>
-          <p:nvPr>
-            <p:ph type="title"/>
-          </p:nvPr>
-        </p:nvSpPr>
-        <p:spPr>
-          <a:xfrm>
-            <a:off x="457200" y="205200"/>
-            <a:ext cx="8229240" cy="858600"/>
-          </a:xfrm>
-          <a:prstGeom prst="rect">
-            <a:avLst/>
-          </a:prstGeom>
-        </p:spPr>
-        <p:txBody>
-          <a:bodyPr lIns="0" rIns="0" tIns="0" bIns="0" anchor="ctr"/>
-          <a:p>
-            <a:pPr algn="ctr"/>
-            <a:endParaRPr b="0" lang="en-US" sz="4400" spc="-1" strike="noStrike">
-              <a:latin typeface="Arial"/>
-            </a:endParaRPr>
-          </a:p>
-        </p:txBody>
-      </p:sp>
-      <p:sp>
-        <p:nvSpPr>
-          <p:cNvPr id="100" name="PlaceHolder 2"/>
-          <p:cNvSpPr>
-            <a:spLocks noGrp="1"/>
-          </p:cNvSpPr>
-          <p:nvPr>
-            <p:ph type="body"/>
-          </p:nvPr>
-        </p:nvSpPr>
-        <p:spPr>
-          <a:xfrm>
-            <a:off x="457200" y="1203480"/>
-            <a:ext cx="4015800" cy="1422720"/>
-          </a:xfrm>
-          <a:prstGeom prst="rect">
-            <a:avLst/>
-          </a:prstGeom>
-        </p:spPr>
-        <p:txBody>
-          <a:bodyPr lIns="0" rIns="0" tIns="0" bIns="0">
-            <a:normAutofit/>
-          </a:bodyPr>
-          <a:p>
-            <a:endParaRPr b="0" lang="en-US" sz="3200" spc="-1" strike="noStrike">
-              <a:latin typeface="Arial"/>
-            </a:endParaRPr>
-          </a:p>
-        </p:txBody>
-      </p:sp>
-      <p:sp>
-        <p:nvSpPr>
-          <p:cNvPr id="101" name="PlaceHolder 3"/>
-          <p:cNvSpPr>
-            <a:spLocks noGrp="1"/>
-          </p:cNvSpPr>
-          <p:nvPr>
-            <p:ph type="body"/>
-          </p:nvPr>
-        </p:nvSpPr>
-        <p:spPr>
-          <a:xfrm>
-            <a:off x="4674240" y="1203480"/>
-            <a:ext cx="4015800" cy="2982960"/>
-          </a:xfrm>
-          <a:prstGeom prst="rect">
-            <a:avLst/>
-          </a:prstGeom>
-        </p:spPr>
-        <p:txBody>
-          <a:bodyPr lIns="0" rIns="0" tIns="0" bIns="0">
-            <a:normAutofit/>
-          </a:bodyPr>
-          <a:p>
-            <a:endParaRPr b="0" lang="en-US" sz="3200" spc="-1" strike="noStrike">
-              <a:latin typeface="Arial"/>
-            </a:endParaRPr>
-          </a:p>
-        </p:txBody>
-      </p:sp>
-      <p:sp>
-        <p:nvSpPr>
-          <p:cNvPr id="102" name="PlaceHolder 4"/>
-          <p:cNvSpPr>
-            <a:spLocks noGrp="1"/>
-          </p:cNvSpPr>
-          <p:nvPr>
-            <p:ph type="body"/>
-          </p:nvPr>
-        </p:nvSpPr>
-        <p:spPr>
-          <a:xfrm>
-            <a:off x="457200" y="2761920"/>
-            <a:ext cx="4015800" cy="1422720"/>
-          </a:xfrm>
-          <a:prstGeom prst="rect">
-            <a:avLst/>
-          </a:prstGeom>
-        </p:spPr>
-        <p:txBody>
-          <a:bodyPr lIns="0" rIns="0" tIns="0" bIns="0">
-            <a:normAutofit/>
-          </a:bodyPr>
-          <a:p>
-            <a:endParaRPr b="0" lang="en-US" sz="3200" spc="-1" strike="noStrike">
-              <a:latin typeface="Arial"/>
-            </a:endParaRPr>
-          </a:p>
-        </p:txBody>
-      </p:sp>
-    </p:spTree>
-  </p:cSld>
-</p:sldLayout>
-</file>
-
-<file path=ppt/slideLayouts/slideLayout32.xml><?xml version="1.0" encoding="utf-8"?>
-<p:sldLayout xmlns:a="http://schemas.openxmlformats.org/drawingml/2006/main" xmlns:p="http://schemas.openxmlformats.org/presentationml/2006/main" xmlns:r="http://schemas.openxmlformats.org/officeDocument/2006/relationships" xmlns:p14="http://schemas.microsoft.com/office/powerpoint/2010/main" xmlns:p15="http://schemas.microsoft.com/office/powerpoint/2012/main" xmlns:mc="http://schemas.openxmlformats.org/markup-compatibility/2006" type="objAndTwoObj" preserve="1">
-  <p:cSld name="Title Content and 2 Content">
-    <p:spTree>
-      <p:nvGrpSpPr>
-        <p:cNvPr id="1" name=""/>
-        <p:cNvGrpSpPr/>
-        <p:nvPr/>
-      </p:nvGrpSpPr>
-      <p:grpSpPr>
-        <a:xfrm>
-          <a:off x="0" y="0"/>
-          <a:ext cx="0" cy="0"/>
-          <a:chOff x="0" y="0"/>
-          <a:chExt cx="0" cy="0"/>
-        </a:xfrm>
-      </p:grpSpPr>
-      <p:sp>
-        <p:nvSpPr>
-          <p:cNvPr id="103" name="PlaceHolder 1"/>
-          <p:cNvSpPr>
-            <a:spLocks noGrp="1"/>
-          </p:cNvSpPr>
-          <p:nvPr>
-            <p:ph type="title"/>
-          </p:nvPr>
-        </p:nvSpPr>
-        <p:spPr>
-          <a:xfrm>
-            <a:off x="457200" y="205200"/>
-            <a:ext cx="8229240" cy="858600"/>
-          </a:xfrm>
-          <a:prstGeom prst="rect">
-            <a:avLst/>
-          </a:prstGeom>
-        </p:spPr>
-        <p:txBody>
-          <a:bodyPr lIns="0" rIns="0" tIns="0" bIns="0" anchor="ctr"/>
-          <a:p>
-            <a:pPr algn="ctr"/>
-            <a:endParaRPr b="0" lang="en-US" sz="4400" spc="-1" strike="noStrike">
-              <a:latin typeface="Arial"/>
-            </a:endParaRPr>
-          </a:p>
-        </p:txBody>
-      </p:sp>
-      <p:sp>
-        <p:nvSpPr>
-          <p:cNvPr id="104" name="PlaceHolder 2"/>
-          <p:cNvSpPr>
-            <a:spLocks noGrp="1"/>
-          </p:cNvSpPr>
-          <p:nvPr>
-            <p:ph type="body"/>
-          </p:nvPr>
-        </p:nvSpPr>
-        <p:spPr>
-          <a:xfrm>
-            <a:off x="457200" y="1203480"/>
-            <a:ext cx="4015800" cy="2982960"/>
-          </a:xfrm>
-          <a:prstGeom prst="rect">
-            <a:avLst/>
-          </a:prstGeom>
-        </p:spPr>
-        <p:txBody>
-          <a:bodyPr lIns="0" rIns="0" tIns="0" bIns="0">
-            <a:normAutofit/>
-          </a:bodyPr>
-          <a:p>
-            <a:endParaRPr b="0" lang="en-US" sz="3200" spc="-1" strike="noStrike">
-              <a:latin typeface="Arial"/>
-            </a:endParaRPr>
-          </a:p>
-        </p:txBody>
-      </p:sp>
-      <p:sp>
-        <p:nvSpPr>
-          <p:cNvPr id="105" name="PlaceHolder 3"/>
-          <p:cNvSpPr>
-            <a:spLocks noGrp="1"/>
-          </p:cNvSpPr>
-          <p:nvPr>
-            <p:ph type="body"/>
-          </p:nvPr>
-        </p:nvSpPr>
-        <p:spPr>
-          <a:xfrm>
-            <a:off x="4674240" y="1203480"/>
-            <a:ext cx="4015800" cy="1422720"/>
-          </a:xfrm>
-          <a:prstGeom prst="rect">
-            <a:avLst/>
-          </a:prstGeom>
-        </p:spPr>
-        <p:txBody>
-          <a:bodyPr lIns="0" rIns="0" tIns="0" bIns="0">
-            <a:normAutofit/>
-          </a:bodyPr>
-          <a:p>
-            <a:endParaRPr b="0" lang="en-US" sz="3200" spc="-1" strike="noStrike">
-              <a:latin typeface="Arial"/>
-            </a:endParaRPr>
-          </a:p>
-        </p:txBody>
-      </p:sp>
-      <p:sp>
-        <p:nvSpPr>
-          <p:cNvPr id="106" name="PlaceHolder 4"/>
-          <p:cNvSpPr>
-            <a:spLocks noGrp="1"/>
-          </p:cNvSpPr>
-          <p:nvPr>
-            <p:ph type="body"/>
-          </p:nvPr>
-        </p:nvSpPr>
-        <p:spPr>
-          <a:xfrm>
-            <a:off x="4674240" y="2761920"/>
-            <a:ext cx="4015800" cy="1422720"/>
-          </a:xfrm>
-          <a:prstGeom prst="rect">
-            <a:avLst/>
-          </a:prstGeom>
-        </p:spPr>
-        <p:txBody>
-          <a:bodyPr lIns="0" rIns="0" tIns="0" bIns="0">
-            <a:normAutofit/>
-          </a:bodyPr>
-          <a:p>
-            <a:endParaRPr b="0" lang="en-US" sz="3200" spc="-1" strike="noStrike">
-              <a:latin typeface="Arial"/>
-            </a:endParaRPr>
-          </a:p>
-        </p:txBody>
-      </p:sp>
-    </p:spTree>
-  </p:cSld>
-</p:sldLayout>
-</file>
-
-<file path=ppt/slideLayouts/slideLayout33.xml><?xml version="1.0" encoding="utf-8"?>
-<p:sldLayout xmlns:a="http://schemas.openxmlformats.org/drawingml/2006/main" xmlns:p="http://schemas.openxmlformats.org/presentationml/2006/main" xmlns:r="http://schemas.openxmlformats.org/officeDocument/2006/relationships" xmlns:p14="http://schemas.microsoft.com/office/powerpoint/2010/main" xmlns:p15="http://schemas.microsoft.com/office/powerpoint/2012/main" xmlns:mc="http://schemas.openxmlformats.org/markup-compatibility/2006" type="twoObjOverTx" preserve="1">
-  <p:cSld name="Title, 2 Content over Content">
-    <p:spTree>
-      <p:nvGrpSpPr>
-        <p:cNvPr id="1" name=""/>
-        <p:cNvGrpSpPr/>
-        <p:nvPr/>
-      </p:nvGrpSpPr>
-      <p:grpSpPr>
-        <a:xfrm>
-          <a:off x="0" y="0"/>
-          <a:ext cx="0" cy="0"/>
-          <a:chOff x="0" y="0"/>
-          <a:chExt cx="0" cy="0"/>
-        </a:xfrm>
-      </p:grpSpPr>
-      <p:sp>
-        <p:nvSpPr>
-          <p:cNvPr id="107" name="PlaceHolder 1"/>
-          <p:cNvSpPr>
-            <a:spLocks noGrp="1"/>
-          </p:cNvSpPr>
-          <p:nvPr>
-            <p:ph type="title"/>
-          </p:nvPr>
-        </p:nvSpPr>
-        <p:spPr>
-          <a:xfrm>
-            <a:off x="457200" y="205200"/>
-            <a:ext cx="8229240" cy="858600"/>
-          </a:xfrm>
-          <a:prstGeom prst="rect">
-            <a:avLst/>
-          </a:prstGeom>
-        </p:spPr>
-        <p:txBody>
-          <a:bodyPr lIns="0" rIns="0" tIns="0" bIns="0" anchor="ctr"/>
-          <a:p>
-            <a:pPr algn="ctr"/>
-            <a:endParaRPr b="0" lang="en-US" sz="4400" spc="-1" strike="noStrike">
-              <a:latin typeface="Arial"/>
-            </a:endParaRPr>
-          </a:p>
-        </p:txBody>
-      </p:sp>
-      <p:sp>
-        <p:nvSpPr>
-          <p:cNvPr id="108" name="PlaceHolder 2"/>
-          <p:cNvSpPr>
-            <a:spLocks noGrp="1"/>
-          </p:cNvSpPr>
-          <p:nvPr>
-            <p:ph type="body"/>
-          </p:nvPr>
-        </p:nvSpPr>
-        <p:spPr>
-          <a:xfrm>
-            <a:off x="457200" y="1203480"/>
-            <a:ext cx="4015800" cy="1422720"/>
-          </a:xfrm>
-          <a:prstGeom prst="rect">
-            <a:avLst/>
-          </a:prstGeom>
-        </p:spPr>
-        <p:txBody>
-          <a:bodyPr lIns="0" rIns="0" tIns="0" bIns="0">
-            <a:normAutofit/>
-          </a:bodyPr>
-          <a:p>
-            <a:endParaRPr b="0" lang="en-US" sz="3200" spc="-1" strike="noStrike">
-              <a:latin typeface="Arial"/>
-            </a:endParaRPr>
-          </a:p>
-        </p:txBody>
-      </p:sp>
-      <p:sp>
-        <p:nvSpPr>
-          <p:cNvPr id="109" name="PlaceHolder 3"/>
-          <p:cNvSpPr>
-            <a:spLocks noGrp="1"/>
-          </p:cNvSpPr>
-          <p:nvPr>
-            <p:ph type="body"/>
-          </p:nvPr>
-        </p:nvSpPr>
-        <p:spPr>
-          <a:xfrm>
-            <a:off x="4674240" y="1203480"/>
-            <a:ext cx="4015800" cy="1422720"/>
-          </a:xfrm>
-          <a:prstGeom prst="rect">
-            <a:avLst/>
-          </a:prstGeom>
-        </p:spPr>
-        <p:txBody>
-          <a:bodyPr lIns="0" rIns="0" tIns="0" bIns="0">
-            <a:normAutofit/>
-          </a:bodyPr>
-          <a:p>
-            <a:endParaRPr b="0" lang="en-US" sz="3200" spc="-1" strike="noStrike">
-              <a:latin typeface="Arial"/>
-            </a:endParaRPr>
-          </a:p>
-        </p:txBody>
-      </p:sp>
-      <p:sp>
-        <p:nvSpPr>
-          <p:cNvPr id="110" name="PlaceHolder 4"/>
-          <p:cNvSpPr>
-            <a:spLocks noGrp="1"/>
-          </p:cNvSpPr>
-          <p:nvPr>
-            <p:ph type="body"/>
-          </p:nvPr>
-        </p:nvSpPr>
-        <p:spPr>
-          <a:xfrm>
-            <a:off x="457200" y="2761920"/>
-            <a:ext cx="8229240" cy="1422720"/>
-          </a:xfrm>
-          <a:prstGeom prst="rect">
-            <a:avLst/>
-          </a:prstGeom>
-        </p:spPr>
-        <p:txBody>
-          <a:bodyPr lIns="0" rIns="0" tIns="0" bIns="0">
-            <a:normAutofit/>
-          </a:bodyPr>
-          <a:p>
-            <a:endParaRPr b="0" lang="en-US" sz="3200" spc="-1" strike="noStrike">
-              <a:latin typeface="Arial"/>
-            </a:endParaRPr>
-          </a:p>
-        </p:txBody>
-      </p:sp>
-    </p:spTree>
-  </p:cSld>
-</p:sldLayout>
-</file>
-
-<file path=ppt/slideLayouts/slideLayout34.xml><?xml version="1.0" encoding="utf-8"?>
-<p:sldLayout xmlns:a="http://schemas.openxmlformats.org/drawingml/2006/main" xmlns:p="http://schemas.openxmlformats.org/presentationml/2006/main" xmlns:r="http://schemas.openxmlformats.org/officeDocument/2006/relationships" xmlns:p14="http://schemas.microsoft.com/office/powerpoint/2010/main" xmlns:p15="http://schemas.microsoft.com/office/powerpoint/2012/main" xmlns:mc="http://schemas.openxmlformats.org/markup-compatibility/2006" type="objOverTx" preserve="1">
-  <p:cSld name="Title, Content over Content">
-    <p:spTree>
-      <p:nvGrpSpPr>
-        <p:cNvPr id="1" name=""/>
-        <p:cNvGrpSpPr/>
-        <p:nvPr/>
-      </p:nvGrpSpPr>
-      <p:grpSpPr>
-        <a:xfrm>
-          <a:off x="0" y="0"/>
-          <a:ext cx="0" cy="0"/>
-          <a:chOff x="0" y="0"/>
-          <a:chExt cx="0" cy="0"/>
-        </a:xfrm>
-      </p:grpSpPr>
-      <p:sp>
-        <p:nvSpPr>
-          <p:cNvPr id="111" name="PlaceHolder 1"/>
-          <p:cNvSpPr>
-            <a:spLocks noGrp="1"/>
-          </p:cNvSpPr>
-          <p:nvPr>
-            <p:ph type="title"/>
-          </p:nvPr>
-        </p:nvSpPr>
-        <p:spPr>
-          <a:xfrm>
-            <a:off x="457200" y="205200"/>
-            <a:ext cx="8229240" cy="858600"/>
-          </a:xfrm>
-          <a:prstGeom prst="rect">
-            <a:avLst/>
-          </a:prstGeom>
-        </p:spPr>
-        <p:txBody>
-          <a:bodyPr lIns="0" rIns="0" tIns="0" bIns="0" anchor="ctr"/>
-          <a:p>
-            <a:pPr algn="ctr"/>
-            <a:endParaRPr b="0" lang="en-US" sz="4400" spc="-1" strike="noStrike">
-              <a:latin typeface="Arial"/>
-            </a:endParaRPr>
-          </a:p>
-        </p:txBody>
-      </p:sp>
-      <p:sp>
-        <p:nvSpPr>
-          <p:cNvPr id="112" name="PlaceHolder 2"/>
-          <p:cNvSpPr>
-            <a:spLocks noGrp="1"/>
-          </p:cNvSpPr>
-          <p:nvPr>
-            <p:ph type="body"/>
-          </p:nvPr>
-        </p:nvSpPr>
-        <p:spPr>
-          <a:xfrm>
-            <a:off x="457200" y="1203480"/>
-            <a:ext cx="8229240" cy="1422720"/>
-          </a:xfrm>
-          <a:prstGeom prst="rect">
-            <a:avLst/>
-          </a:prstGeom>
-        </p:spPr>
-        <p:txBody>
-          <a:bodyPr lIns="0" rIns="0" tIns="0" bIns="0">
-            <a:normAutofit/>
-          </a:bodyPr>
-          <a:p>
-            <a:endParaRPr b="0" lang="en-US" sz="3200" spc="-1" strike="noStrike">
-              <a:latin typeface="Arial"/>
-            </a:endParaRPr>
-          </a:p>
-        </p:txBody>
-      </p:sp>
-      <p:sp>
-        <p:nvSpPr>
-          <p:cNvPr id="113" name="PlaceHolder 3"/>
-          <p:cNvSpPr>
-            <a:spLocks noGrp="1"/>
-          </p:cNvSpPr>
-          <p:nvPr>
-            <p:ph type="body"/>
-          </p:nvPr>
-        </p:nvSpPr>
-        <p:spPr>
-          <a:xfrm>
-            <a:off x="457200" y="2761920"/>
-            <a:ext cx="8229240" cy="1422720"/>
-          </a:xfrm>
-          <a:prstGeom prst="rect">
-            <a:avLst/>
-          </a:prstGeom>
-        </p:spPr>
-        <p:txBody>
-          <a:bodyPr lIns="0" rIns="0" tIns="0" bIns="0">
-            <a:normAutofit/>
-          </a:bodyPr>
-          <a:p>
-            <a:endParaRPr b="0" lang="en-US" sz="3200" spc="-1" strike="noStrike">
-              <a:latin typeface="Arial"/>
-            </a:endParaRPr>
-          </a:p>
-        </p:txBody>
-      </p:sp>
-    </p:spTree>
-  </p:cSld>
-</p:sldLayout>
-</file>
-
-<file path=ppt/slideLayouts/slideLayout35.xml><?xml version="1.0" encoding="utf-8"?>
-<p:sldLayout xmlns:a="http://schemas.openxmlformats.org/drawingml/2006/main" xmlns:p="http://schemas.openxmlformats.org/presentationml/2006/main" xmlns:r="http://schemas.openxmlformats.org/officeDocument/2006/relationships" xmlns:p14="http://schemas.microsoft.com/office/powerpoint/2010/main" xmlns:p15="http://schemas.microsoft.com/office/powerpoint/2012/main" xmlns:mc="http://schemas.openxmlformats.org/markup-compatibility/2006" type="fourObj" preserve="1">
-  <p:cSld name="Title, 4 Content">
-    <p:spTree>
-      <p:nvGrpSpPr>
-        <p:cNvPr id="1" name=""/>
-        <p:cNvGrpSpPr/>
-        <p:nvPr/>
-      </p:nvGrpSpPr>
-      <p:grpSpPr>
-        <a:xfrm>
-          <a:off x="0" y="0"/>
-          <a:ext cx="0" cy="0"/>
-          <a:chOff x="0" y="0"/>
-          <a:chExt cx="0" cy="0"/>
-        </a:xfrm>
-      </p:grpSpPr>
-      <p:sp>
-        <p:nvSpPr>
-          <p:cNvPr id="114" name="PlaceHolder 1"/>
-          <p:cNvSpPr>
-            <a:spLocks noGrp="1"/>
-          </p:cNvSpPr>
-          <p:nvPr>
-            <p:ph type="title"/>
-          </p:nvPr>
-        </p:nvSpPr>
-        <p:spPr>
-          <a:xfrm>
-            <a:off x="457200" y="205200"/>
-            <a:ext cx="8229240" cy="858600"/>
-          </a:xfrm>
-          <a:prstGeom prst="rect">
-            <a:avLst/>
-          </a:prstGeom>
-        </p:spPr>
-        <p:txBody>
-          <a:bodyPr lIns="0" rIns="0" tIns="0" bIns="0" anchor="ctr"/>
-          <a:p>
-            <a:pPr algn="ctr"/>
-            <a:endParaRPr b="0" lang="en-US" sz="4400" spc="-1" strike="noStrike">
-              <a:latin typeface="Arial"/>
-            </a:endParaRPr>
-          </a:p>
-        </p:txBody>
-      </p:sp>
-      <p:sp>
-        <p:nvSpPr>
-          <p:cNvPr id="115" name="PlaceHolder 2"/>
-          <p:cNvSpPr>
-            <a:spLocks noGrp="1"/>
-          </p:cNvSpPr>
-          <p:nvPr>
-            <p:ph type="body"/>
-          </p:nvPr>
-        </p:nvSpPr>
-        <p:spPr>
-          <a:xfrm>
-            <a:off x="457200" y="1203480"/>
-            <a:ext cx="4015800" cy="1422720"/>
-          </a:xfrm>
-          <a:prstGeom prst="rect">
-            <a:avLst/>
-          </a:prstGeom>
-        </p:spPr>
-        <p:txBody>
-          <a:bodyPr lIns="0" rIns="0" tIns="0" bIns="0">
-            <a:normAutofit/>
-          </a:bodyPr>
-          <a:p>
-            <a:endParaRPr b="0" lang="en-US" sz="3200" spc="-1" strike="noStrike">
-              <a:latin typeface="Arial"/>
-            </a:endParaRPr>
-          </a:p>
-        </p:txBody>
-      </p:sp>
-      <p:sp>
-        <p:nvSpPr>
-          <p:cNvPr id="116" name="PlaceHolder 3"/>
-          <p:cNvSpPr>
-            <a:spLocks noGrp="1"/>
-          </p:cNvSpPr>
-          <p:nvPr>
-            <p:ph type="body"/>
-          </p:nvPr>
-        </p:nvSpPr>
-        <p:spPr>
-          <a:xfrm>
-            <a:off x="4674240" y="1203480"/>
-            <a:ext cx="4015800" cy="1422720"/>
-          </a:xfrm>
-          <a:prstGeom prst="rect">
-            <a:avLst/>
-          </a:prstGeom>
-        </p:spPr>
-        <p:txBody>
-          <a:bodyPr lIns="0" rIns="0" tIns="0" bIns="0">
-            <a:normAutofit/>
-          </a:bodyPr>
-          <a:p>
-            <a:endParaRPr b="0" lang="en-US" sz="3200" spc="-1" strike="noStrike">
-              <a:latin typeface="Arial"/>
-            </a:endParaRPr>
-          </a:p>
-        </p:txBody>
-      </p:sp>
-      <p:sp>
-        <p:nvSpPr>
-          <p:cNvPr id="117" name="PlaceHolder 4"/>
-          <p:cNvSpPr>
-            <a:spLocks noGrp="1"/>
-          </p:cNvSpPr>
-          <p:nvPr>
-            <p:ph type="body"/>
-          </p:nvPr>
-        </p:nvSpPr>
-        <p:spPr>
-          <a:xfrm>
-            <a:off x="457200" y="2761920"/>
-            <a:ext cx="4015800" cy="1422720"/>
-          </a:xfrm>
-          <a:prstGeom prst="rect">
-            <a:avLst/>
-          </a:prstGeom>
-        </p:spPr>
-        <p:txBody>
-          <a:bodyPr lIns="0" rIns="0" tIns="0" bIns="0">
-            <a:normAutofit/>
-          </a:bodyPr>
-          <a:p>
-            <a:endParaRPr b="0" lang="en-US" sz="3200" spc="-1" strike="noStrike">
-              <a:latin typeface="Arial"/>
-            </a:endParaRPr>
-          </a:p>
-        </p:txBody>
-      </p:sp>
-      <p:sp>
-        <p:nvSpPr>
-          <p:cNvPr id="118" name="PlaceHolder 5"/>
-          <p:cNvSpPr>
-            <a:spLocks noGrp="1"/>
-          </p:cNvSpPr>
-          <p:nvPr>
-            <p:ph type="body"/>
-          </p:nvPr>
-        </p:nvSpPr>
-        <p:spPr>
-          <a:xfrm>
-            <a:off x="4674240" y="2761920"/>
-            <a:ext cx="4015800" cy="1422720"/>
-          </a:xfrm>
-          <a:prstGeom prst="rect">
-            <a:avLst/>
-          </a:prstGeom>
-        </p:spPr>
-        <p:txBody>
-          <a:bodyPr lIns="0" rIns="0" tIns="0" bIns="0">
-            <a:normAutofit/>
-          </a:bodyPr>
-          <a:p>
-            <a:endParaRPr b="0" lang="en-US" sz="3200" spc="-1" strike="noStrike">
-              <a:latin typeface="Arial"/>
-            </a:endParaRPr>
-          </a:p>
-        </p:txBody>
-      </p:sp>
-    </p:spTree>
-  </p:cSld>
-</p:sldLayout>
-</file>
-
-<file path=ppt/slideLayouts/slideLayout36.xml><?xml version="1.0" encoding="utf-8"?>
-<p:sldLayout xmlns:a="http://schemas.openxmlformats.org/drawingml/2006/main" xmlns:p="http://schemas.openxmlformats.org/presentationml/2006/main" xmlns:r="http://schemas.openxmlformats.org/officeDocument/2006/relationships" xmlns:p14="http://schemas.microsoft.com/office/powerpoint/2010/main" xmlns:p15="http://schemas.microsoft.com/office/powerpoint/2012/main" xmlns:mc="http://schemas.openxmlformats.org/markup-compatibility/2006" type="blank" preserve="1">
-  <p:cSld name="Title, 6 Content">
-    <p:spTree>
-      <p:nvGrpSpPr>
-        <p:cNvPr id="1" name=""/>
-        <p:cNvGrpSpPr/>
-        <p:nvPr/>
-      </p:nvGrpSpPr>
-      <p:grpSpPr>
-        <a:xfrm>
-          <a:off x="0" y="0"/>
-          <a:ext cx="0" cy="0"/>
-          <a:chOff x="0" y="0"/>
-          <a:chExt cx="0" cy="0"/>
-        </a:xfrm>
-      </p:grpSpPr>
-      <p:sp>
-        <p:nvSpPr>
-          <p:cNvPr id="119" name="PlaceHolder 1"/>
-          <p:cNvSpPr>
-            <a:spLocks noGrp="1"/>
-          </p:cNvSpPr>
-          <p:nvPr>
-            <p:ph type="title"/>
-          </p:nvPr>
-        </p:nvSpPr>
-        <p:spPr>
-          <a:xfrm>
-            <a:off x="457200" y="205200"/>
-            <a:ext cx="8229240" cy="858600"/>
-          </a:xfrm>
-          <a:prstGeom prst="rect">
-            <a:avLst/>
-          </a:prstGeom>
-        </p:spPr>
-        <p:txBody>
-          <a:bodyPr lIns="0" rIns="0" tIns="0" bIns="0" anchor="ctr"/>
-          <a:p>
-            <a:pPr algn="ctr"/>
-            <a:endParaRPr b="0" lang="en-US" sz="4400" spc="-1" strike="noStrike">
-              <a:latin typeface="Arial"/>
-            </a:endParaRPr>
-          </a:p>
-        </p:txBody>
-      </p:sp>
-      <p:sp>
-        <p:nvSpPr>
-          <p:cNvPr id="120" name="PlaceHolder 2"/>
-          <p:cNvSpPr>
-            <a:spLocks noGrp="1"/>
-          </p:cNvSpPr>
-          <p:nvPr>
-            <p:ph type="body"/>
-          </p:nvPr>
-        </p:nvSpPr>
-        <p:spPr>
-          <a:xfrm>
-            <a:off x="457200" y="1203480"/>
-            <a:ext cx="2649600" cy="1422720"/>
-          </a:xfrm>
-          <a:prstGeom prst="rect">
-            <a:avLst/>
-          </a:prstGeom>
-        </p:spPr>
-        <p:txBody>
-          <a:bodyPr lIns="0" rIns="0" tIns="0" bIns="0">
-            <a:normAutofit/>
-          </a:bodyPr>
-          <a:p>
-            <a:endParaRPr b="0" lang="en-US" sz="3200" spc="-1" strike="noStrike">
-              <a:latin typeface="Arial"/>
-            </a:endParaRPr>
-          </a:p>
-        </p:txBody>
-      </p:sp>
-      <p:sp>
-        <p:nvSpPr>
-          <p:cNvPr id="121" name="PlaceHolder 3"/>
-          <p:cNvSpPr>
-            <a:spLocks noGrp="1"/>
-          </p:cNvSpPr>
-          <p:nvPr>
-            <p:ph type="body"/>
-          </p:nvPr>
-        </p:nvSpPr>
-        <p:spPr>
-          <a:xfrm>
-            <a:off x="3239640" y="1203480"/>
-            <a:ext cx="2649600" cy="1422720"/>
-          </a:xfrm>
-          <a:prstGeom prst="rect">
-            <a:avLst/>
-          </a:prstGeom>
-        </p:spPr>
-        <p:txBody>
-          <a:bodyPr lIns="0" rIns="0" tIns="0" bIns="0">
-            <a:normAutofit/>
-          </a:bodyPr>
-          <a:p>
-            <a:endParaRPr b="0" lang="en-US" sz="3200" spc="-1" strike="noStrike">
-              <a:latin typeface="Arial"/>
-            </a:endParaRPr>
-          </a:p>
-        </p:txBody>
-      </p:sp>
-      <p:sp>
-        <p:nvSpPr>
-          <p:cNvPr id="122" name="PlaceHolder 4"/>
-          <p:cNvSpPr>
-            <a:spLocks noGrp="1"/>
-          </p:cNvSpPr>
-          <p:nvPr>
-            <p:ph type="body"/>
-          </p:nvPr>
-        </p:nvSpPr>
-        <p:spPr>
-          <a:xfrm>
-            <a:off x="6022080" y="1203480"/>
-            <a:ext cx="2649600" cy="1422720"/>
-          </a:xfrm>
-          <a:prstGeom prst="rect">
-            <a:avLst/>
-          </a:prstGeom>
-        </p:spPr>
-        <p:txBody>
-          <a:bodyPr lIns="0" rIns="0" tIns="0" bIns="0">
-            <a:normAutofit/>
-          </a:bodyPr>
-          <a:p>
-            <a:endParaRPr b="0" lang="en-US" sz="3200" spc="-1" strike="noStrike">
-              <a:latin typeface="Arial"/>
-            </a:endParaRPr>
-          </a:p>
-        </p:txBody>
-      </p:sp>
-      <p:sp>
-        <p:nvSpPr>
-          <p:cNvPr id="123" name="PlaceHolder 5"/>
-          <p:cNvSpPr>
-            <a:spLocks noGrp="1"/>
-          </p:cNvSpPr>
-          <p:nvPr>
-            <p:ph type="body"/>
-          </p:nvPr>
-        </p:nvSpPr>
-        <p:spPr>
-          <a:xfrm>
-            <a:off x="457200" y="2761920"/>
-            <a:ext cx="2649600" cy="1422720"/>
-          </a:xfrm>
-          <a:prstGeom prst="rect">
-            <a:avLst/>
-          </a:prstGeom>
-        </p:spPr>
-        <p:txBody>
-          <a:bodyPr lIns="0" rIns="0" tIns="0" bIns="0">
-            <a:normAutofit/>
-          </a:bodyPr>
-          <a:p>
-            <a:endParaRPr b="0" lang="en-US" sz="3200" spc="-1" strike="noStrike">
-              <a:latin typeface="Arial"/>
-            </a:endParaRPr>
-          </a:p>
-        </p:txBody>
-      </p:sp>
-      <p:sp>
-        <p:nvSpPr>
-          <p:cNvPr id="124" name="PlaceHolder 6"/>
-          <p:cNvSpPr>
-            <a:spLocks noGrp="1"/>
-          </p:cNvSpPr>
-          <p:nvPr>
-            <p:ph type="body"/>
-          </p:nvPr>
-        </p:nvSpPr>
-        <p:spPr>
-          <a:xfrm>
-            <a:off x="3239640" y="2761920"/>
-            <a:ext cx="2649600" cy="1422720"/>
-          </a:xfrm>
-          <a:prstGeom prst="rect">
-            <a:avLst/>
-          </a:prstGeom>
-        </p:spPr>
-        <p:txBody>
-          <a:bodyPr lIns="0" rIns="0" tIns="0" bIns="0">
-            <a:normAutofit/>
-          </a:bodyPr>
-          <a:p>
-            <a:endParaRPr b="0" lang="en-US" sz="3200" spc="-1" strike="noStrike">
-              <a:latin typeface="Arial"/>
-            </a:endParaRPr>
-          </a:p>
-        </p:txBody>
-      </p:sp>
-      <p:sp>
-        <p:nvSpPr>
-          <p:cNvPr id="125" name="PlaceHolder 7"/>
-          <p:cNvSpPr>
-            <a:spLocks noGrp="1"/>
-          </p:cNvSpPr>
-          <p:nvPr>
-            <p:ph type="body"/>
-          </p:nvPr>
-        </p:nvSpPr>
-        <p:spPr>
-          <a:xfrm>
-            <a:off x="6022080" y="2761920"/>
-            <a:ext cx="2649600" cy="1422720"/>
           </a:xfrm>
           <a:prstGeom prst="rect">
             <a:avLst/>
@@ -4045,9 +2731,9 @@
         <p:grpSpPr>
           <a:xfrm>
             <a:off x="633240" y="-648360"/>
-            <a:ext cx="731880" cy="2365920"/>
+            <a:ext cx="731520" cy="2365560"/>
             <a:chOff x="633240" y="-648360"/>
-            <a:chExt cx="731880" cy="2365920"/>
+            <a:chExt cx="731520" cy="2365560"/>
           </a:xfrm>
         </p:grpSpPr>
         <p:sp>
@@ -4059,7 +2745,7 @@
           <p:spPr>
             <a:xfrm>
               <a:off x="633240" y="-648360"/>
-              <a:ext cx="731880" cy="2365920"/>
+              <a:ext cx="731520" cy="2365560"/>
             </a:xfrm>
             <a:prstGeom prst="rect">
               <a:avLst/>
@@ -4091,7 +2777,7 @@
           <p:spPr>
             <a:xfrm>
               <a:off x="755640" y="978480"/>
-              <a:ext cx="487800" cy="619200"/>
+              <a:ext cx="487440" cy="618840"/>
             </a:xfrm>
             <a:prstGeom prst="rect">
               <a:avLst/>
@@ -4369,7 +3055,7 @@
         <p:spPr>
           <a:xfrm>
             <a:off x="0" y="957960"/>
-            <a:ext cx="81360" cy="385920"/>
+            <a:ext cx="81000" cy="385560"/>
           </a:xfrm>
           <a:prstGeom prst="rect">
             <a:avLst/>
@@ -4397,7 +3083,7 @@
         <p:spPr>
           <a:xfrm>
             <a:off x="3556080" y="3540960"/>
-            <a:ext cx="183240" cy="367920"/>
+            <a:ext cx="182880" cy="367560"/>
           </a:xfrm>
           <a:prstGeom prst="rect">
             <a:avLst/>
@@ -4423,9 +3109,9 @@
         <p:grpSpPr>
           <a:xfrm>
             <a:off x="-30960" y="4661640"/>
-            <a:ext cx="9227160" cy="527400"/>
+            <a:ext cx="9226800" cy="527040"/>
             <a:chOff x="-30960" y="4661640"/>
-            <a:chExt cx="9227160" cy="527400"/>
+            <a:chExt cx="9226800" cy="527040"/>
           </a:xfrm>
         </p:grpSpPr>
         <p:sp>
@@ -4437,7 +3123,7 @@
           <p:spPr>
             <a:xfrm>
               <a:off x="-30960" y="4734720"/>
-              <a:ext cx="9227160" cy="454320"/>
+              <a:ext cx="9226800" cy="453960"/>
             </a:xfrm>
             <a:prstGeom prst="rect">
               <a:avLst/>
@@ -4465,7 +3151,7 @@
           <p:spPr>
             <a:xfrm>
               <a:off x="635400" y="4661640"/>
-              <a:ext cx="385920" cy="527400"/>
+              <a:ext cx="385560" cy="527040"/>
             </a:xfrm>
             <a:prstGeom prst="rect">
               <a:avLst/>
@@ -4497,7 +3183,7 @@
           <p:spPr>
             <a:xfrm>
               <a:off x="699840" y="4726800"/>
-              <a:ext cx="256680" cy="326160"/>
+              <a:ext cx="256320" cy="325800"/>
             </a:xfrm>
             <a:prstGeom prst="rect">
               <a:avLst/>
@@ -4516,7 +3202,7 @@
           <p:spPr>
             <a:xfrm>
               <a:off x="1031040" y="4823640"/>
-              <a:ext cx="3612240" cy="229320"/>
+              <a:ext cx="3611880" cy="228960"/>
             </a:xfrm>
             <a:prstGeom prst="rect">
               <a:avLst/>
@@ -4791,156 +3477,6 @@
 </p:sldMaster>
 </file>
 
-<file path=ppt/slideMasters/slideMaster3.xml><?xml version="1.0" encoding="utf-8"?>
-<p:sldMaster xmlns:a="http://schemas.openxmlformats.org/drawingml/2006/main" xmlns:p="http://schemas.openxmlformats.org/presentationml/2006/main" xmlns:r="http://schemas.openxmlformats.org/officeDocument/2006/relationships" xmlns:p14="http://schemas.microsoft.com/office/powerpoint/2010/main" xmlns:p15="http://schemas.microsoft.com/office/powerpoint/2012/main" xmlns:mc="http://schemas.openxmlformats.org/markup-compatibility/2006">
-  <p:cSld>
-    <p:bg>
-      <p:bgPr>
-        <a:solidFill>
-          <a:srgbClr val="660b13"/>
-        </a:solidFill>
-      </p:bgPr>
-    </p:bg>
-    <p:spTree>
-      <p:nvGrpSpPr>
-        <p:cNvPr id="1" name=""/>
-        <p:cNvGrpSpPr/>
-        <p:nvPr/>
-      </p:nvGrpSpPr>
-      <p:grpSpPr>
-        <a:xfrm>
-          <a:off x="0" y="0"/>
-          <a:ext cx="0" cy="0"/>
-          <a:chOff x="0" y="0"/>
-          <a:chExt cx="0" cy="0"/>
-        </a:xfrm>
-      </p:grpSpPr>
-      <p:sp>
-        <p:nvSpPr>
-          <p:cNvPr id="86" name="CustomShape 1"/>
-          <p:cNvSpPr/>
-          <p:nvPr/>
-        </p:nvSpPr>
-        <p:spPr>
-          <a:xfrm>
-            <a:off x="1378800" y="2390400"/>
-            <a:ext cx="183240" cy="367920"/>
-          </a:xfrm>
-          <a:prstGeom prst="rect">
-            <a:avLst/>
-          </a:prstGeom>
-          <a:noFill/>
-          <a:ln>
-            <a:noFill/>
-          </a:ln>
-        </p:spPr>
-        <p:style>
-          <a:lnRef idx="0"/>
-          <a:fillRef idx="0"/>
-          <a:effectRef idx="0"/>
-          <a:fontRef idx="minor"/>
-        </p:style>
-      </p:sp>
-      <p:sp>
-        <p:nvSpPr>
-          <p:cNvPr id="87" name="CustomShape 2"/>
-          <p:cNvSpPr/>
-          <p:nvPr/>
-        </p:nvSpPr>
-        <p:spPr>
-          <a:xfrm>
-            <a:off x="1378800" y="2390400"/>
-            <a:ext cx="183240" cy="367920"/>
-          </a:xfrm>
-          <a:prstGeom prst="rect">
-            <a:avLst/>
-          </a:prstGeom>
-          <a:noFill/>
-          <a:ln>
-            <a:noFill/>
-          </a:ln>
-        </p:spPr>
-        <p:style>
-          <a:lnRef idx="0"/>
-          <a:fillRef idx="0"/>
-          <a:effectRef idx="0"/>
-          <a:fontRef idx="minor"/>
-        </p:style>
-      </p:sp>
-      <p:sp>
-        <p:nvSpPr>
-          <p:cNvPr id="88" name="CustomShape 3"/>
-          <p:cNvSpPr/>
-          <p:nvPr/>
-        </p:nvSpPr>
-        <p:spPr>
-          <a:xfrm>
-            <a:off x="1378800" y="2390400"/>
-            <a:ext cx="183240" cy="367920"/>
-          </a:xfrm>
-          <a:prstGeom prst="rect">
-            <a:avLst/>
-          </a:prstGeom>
-          <a:noFill/>
-          <a:ln>
-            <a:noFill/>
-          </a:ln>
-        </p:spPr>
-        <p:style>
-          <a:lnRef idx="0"/>
-          <a:fillRef idx="0"/>
-          <a:effectRef idx="0"/>
-          <a:fontRef idx="minor"/>
-        </p:style>
-      </p:sp>
-      <p:sp>
-        <p:nvSpPr>
-          <p:cNvPr id="89" name="CustomShape 4"/>
-          <p:cNvSpPr/>
-          <p:nvPr/>
-        </p:nvSpPr>
-        <p:spPr>
-          <a:xfrm>
-            <a:off x="-15120" y="2031840"/>
-            <a:ext cx="147240" cy="835200"/>
-          </a:xfrm>
-          <a:prstGeom prst="rect">
-            <a:avLst/>
-          </a:prstGeom>
-          <a:solidFill>
-            <a:srgbClr val="990000"/>
-          </a:solidFill>
-          <a:ln>
-            <a:noFill/>
-          </a:ln>
-        </p:spPr>
-        <p:style>
-          <a:lnRef idx="0"/>
-          <a:fillRef idx="0"/>
-          <a:effectRef idx="0"/>
-          <a:fontRef idx="minor"/>
-        </p:style>
-      </p:sp>
-    </p:spTree>
-  </p:cSld>
-  <p:clrMap bg1="lt1" bg2="lt2" tx1="dk1" tx2="dk2" accent1="accent1" accent2="accent2" accent3="accent3" accent4="accent4" accent5="accent5" accent6="accent6" hlink="hlink" folHlink="folHlink"/>
-  <p:sldLayoutIdLst>
-    <p:sldLayoutId id="2147483675" r:id="rId2"/>
-    <p:sldLayoutId id="2147483676" r:id="rId3"/>
-    <p:sldLayoutId id="2147483677" r:id="rId4"/>
-    <p:sldLayoutId id="2147483678" r:id="rId5"/>
-    <p:sldLayoutId id="2147483679" r:id="rId6"/>
-    <p:sldLayoutId id="2147483680" r:id="rId7"/>
-    <p:sldLayoutId id="2147483681" r:id="rId8"/>
-    <p:sldLayoutId id="2147483682" r:id="rId9"/>
-    <p:sldLayoutId id="2147483683" r:id="rId10"/>
-    <p:sldLayoutId id="2147483684" r:id="rId11"/>
-    <p:sldLayoutId id="2147483685" r:id="rId12"/>
-    <p:sldLayoutId id="2147483686" r:id="rId13"/>
-  </p:sldLayoutIdLst>
-</p:sldMaster>
-</file>
-
 <file path=ppt/slides/slide1.xml><?xml version="1.0" encoding="utf-8"?>
 <p:sld xmlns:a="http://schemas.openxmlformats.org/drawingml/2006/main" xmlns:p="http://schemas.openxmlformats.org/presentationml/2006/main" xmlns:r="http://schemas.openxmlformats.org/officeDocument/2006/relationships" xmlns:p14="http://schemas.microsoft.com/office/powerpoint/2010/main" xmlns:p15="http://schemas.microsoft.com/office/powerpoint/2012/main" xmlns:mc="http://schemas.openxmlformats.org/markup-compatibility/2006">
   <p:cSld>
@@ -4960,14 +3496,14 @@
       </p:grpSpPr>
       <p:sp>
         <p:nvSpPr>
-          <p:cNvPr id="126" name="CustomShape 1"/>
+          <p:cNvPr id="86" name="CustomShape 1"/>
           <p:cNvSpPr/>
           <p:nvPr/>
         </p:nvSpPr>
         <p:spPr>
           <a:xfrm>
             <a:off x="502920" y="2766600"/>
-            <a:ext cx="7732800" cy="693000"/>
+            <a:ext cx="7732440" cy="692640"/>
           </a:xfrm>
           <a:prstGeom prst="rect">
             <a:avLst/>
@@ -4986,7 +3522,7 @@
         <p:txBody>
           <a:bodyPr lIns="90000" rIns="90000" tIns="45000" bIns="45000" anchor="ctr"/>
           <a:p>
-            <a:pPr>
+            <a:pPr algn="ctr">
               <a:lnSpc>
                 <a:spcPct val="90000"/>
               </a:lnSpc>
@@ -4999,24 +3535,54 @@
                 <a:latin typeface="Calibri"/>
                 <a:ea typeface="Arial"/>
               </a:rPr>
-              <a:t>dsfas</a:t>
+              <a:t>Data Visualization </a:t>
             </a:r>
             <a:endParaRPr b="0" lang="en-US" sz="3600" spc="-1" strike="noStrike">
               <a:latin typeface="Arial"/>
             </a:endParaRPr>
           </a:p>
-        </p:txBody>
-      </p:sp>
-      <p:sp>
-        <p:nvSpPr>
-          <p:cNvPr id="127" name="CustomShape 2"/>
+          <a:p>
+            <a:pPr algn="ctr">
+              <a:lnSpc>
+                <a:spcPct val="90000"/>
+              </a:lnSpc>
+            </a:pPr>
+            <a:endParaRPr b="0" lang="en-US" sz="3600" spc="-1" strike="noStrike">
+              <a:latin typeface="Arial"/>
+            </a:endParaRPr>
+          </a:p>
+          <a:p>
+            <a:pPr algn="ctr">
+              <a:lnSpc>
+                <a:spcPct val="90000"/>
+              </a:lnSpc>
+            </a:pPr>
+            <a:r>
+              <a:rPr b="1" lang="en-US" sz="3600" spc="-1" strike="noStrike">
+                <a:solidFill>
+                  <a:srgbClr val="ffffff"/>
+                </a:solidFill>
+                <a:latin typeface="Calibri"/>
+                <a:ea typeface="Arial"/>
+              </a:rPr>
+              <a:t>Journalists Killed Since 1992</a:t>
+            </a:r>
+            <a:endParaRPr b="0" lang="en-US" sz="3600" spc="-1" strike="noStrike">
+              <a:latin typeface="Arial"/>
+            </a:endParaRPr>
+          </a:p>
+        </p:txBody>
+      </p:sp>
+      <p:sp>
+        <p:nvSpPr>
+          <p:cNvPr id="87" name="CustomShape 2"/>
           <p:cNvSpPr/>
           <p:nvPr/>
         </p:nvSpPr>
         <p:spPr>
           <a:xfrm>
             <a:off x="530640" y="3461040"/>
-            <a:ext cx="7732800" cy="250920"/>
+            <a:ext cx="7732440" cy="250560"/>
           </a:xfrm>
           <a:prstGeom prst="rect">
             <a:avLst/>
@@ -5032,29 +3598,6 @@
           <a:effectRef idx="0"/>
           <a:fontRef idx="minor"/>
         </p:style>
-        <p:txBody>
-          <a:bodyPr lIns="90000" rIns="90000" tIns="45000" bIns="45000" anchor="ctr"/>
-          <a:p>
-            <a:pPr>
-              <a:lnSpc>
-                <a:spcPct val="100000"/>
-              </a:lnSpc>
-            </a:pPr>
-            <a:r>
-              <a:rPr b="0" lang="en-US" sz="1800" spc="-1" strike="noStrike">
-                <a:solidFill>
-                  <a:srgbClr val="a6a6a6"/>
-                </a:solidFill>
-                <a:latin typeface="Calibri"/>
-                <a:ea typeface="Arial"/>
-              </a:rPr>
-              <a:t>sadfsf</a:t>
-            </a:r>
-            <a:endParaRPr b="0" lang="en-US" sz="1800" spc="-1" strike="noStrike">
-              <a:latin typeface="Arial"/>
-            </a:endParaRPr>
-          </a:p>
-        </p:txBody>
       </p:sp>
     </p:spTree>
   </p:cSld>
@@ -5065,6 +3608,986 @@
           <p:childTnLst>
             <p:seq>
               <p:cTn id="2" dur="indefinite" nodeType="mainSeq"/>
+              <p:prevCondLst>
+                <p:cond delay="0" evt="onPrev">
+                  <p:tgtEl>
+                    <p:sldTgt/>
+                  </p:tgtEl>
+                </p:cond>
+              </p:prevCondLst>
+              <p:nextCondLst>
+                <p:cond delay="0" evt="onNext">
+                  <p:tgtEl>
+                    <p:sldTgt/>
+                  </p:tgtEl>
+                </p:cond>
+              </p:nextCondLst>
+            </p:seq>
+          </p:childTnLst>
+        </p:cTn>
+      </p:par>
+    </p:tnLst>
+  </p:timing>
+</p:sld>
+</file>
+
+<file path=ppt/slides/slide10.xml><?xml version="1.0" encoding="utf-8"?>
+<p:sld xmlns:a="http://schemas.openxmlformats.org/drawingml/2006/main" xmlns:p="http://schemas.openxmlformats.org/presentationml/2006/main" xmlns:r="http://schemas.openxmlformats.org/officeDocument/2006/relationships" xmlns:p14="http://schemas.microsoft.com/office/powerpoint/2010/main" xmlns:p15="http://schemas.microsoft.com/office/powerpoint/2012/main" xmlns:mc="http://schemas.openxmlformats.org/markup-compatibility/2006">
+  <p:cSld>
+    <p:spTree>
+      <p:nvGrpSpPr>
+        <p:cNvPr id="1" name=""/>
+        <p:cNvGrpSpPr/>
+        <p:nvPr/>
+      </p:nvGrpSpPr>
+      <p:grpSpPr>
+        <a:xfrm>
+          <a:off x="0" y="0"/>
+          <a:ext cx="0" cy="0"/>
+          <a:chOff x="0" y="0"/>
+          <a:chExt cx="0" cy="0"/>
+        </a:xfrm>
+      </p:grpSpPr>
+      <p:sp>
+        <p:nvSpPr>
+          <p:cNvPr id="97" name="CustomShape 1"/>
+          <p:cNvSpPr/>
+          <p:nvPr/>
+        </p:nvSpPr>
+        <p:spPr>
+          <a:xfrm>
+            <a:off x="529920" y="759240"/>
+            <a:ext cx="8002440" cy="697320"/>
+          </a:xfrm>
+          <a:prstGeom prst="rect">
+            <a:avLst/>
+          </a:prstGeom>
+          <a:noFill/>
+          <a:ln>
+            <a:noFill/>
+          </a:ln>
+        </p:spPr>
+        <p:style>
+          <a:lnRef idx="0"/>
+          <a:fillRef idx="0"/>
+          <a:effectRef idx="0"/>
+          <a:fontRef idx="minor"/>
+        </p:style>
+        <p:txBody>
+          <a:bodyPr lIns="90000" rIns="90000" tIns="45000" bIns="45000" anchor="ctr"/>
+          <a:p>
+            <a:pPr>
+              <a:lnSpc>
+                <a:spcPct val="100000"/>
+              </a:lnSpc>
+            </a:pPr>
+            <a:r>
+              <a:rPr b="1" lang="en-US" sz="3000" spc="-1" strike="noStrike">
+                <a:solidFill>
+                  <a:srgbClr val="404041"/>
+                </a:solidFill>
+                <a:latin typeface="Arial"/>
+                <a:ea typeface="Arial"/>
+              </a:rPr>
+              <a:t>Exploratory Analysis: Tortured?</a:t>
+            </a:r>
+            <a:endParaRPr b="0" lang="en-US" sz="3000" spc="-1" strike="noStrike">
+              <a:latin typeface="Arial"/>
+            </a:endParaRPr>
+          </a:p>
+        </p:txBody>
+      </p:sp>
+    </p:spTree>
+  </p:cSld>
+  <p:timing>
+    <p:tnLst>
+      <p:par>
+        <p:cTn id="19" dur="indefinite" restart="never" nodeType="tmRoot">
+          <p:childTnLst>
+            <p:seq>
+              <p:cTn id="20" dur="indefinite" nodeType="mainSeq"/>
+              <p:prevCondLst>
+                <p:cond delay="0" evt="onPrev">
+                  <p:tgtEl>
+                    <p:sldTgt/>
+                  </p:tgtEl>
+                </p:cond>
+              </p:prevCondLst>
+              <p:nextCondLst>
+                <p:cond delay="0" evt="onNext">
+                  <p:tgtEl>
+                    <p:sldTgt/>
+                  </p:tgtEl>
+                </p:cond>
+              </p:nextCondLst>
+            </p:seq>
+          </p:childTnLst>
+        </p:cTn>
+      </p:par>
+    </p:tnLst>
+  </p:timing>
+</p:sld>
+</file>
+
+<file path=ppt/slides/slide11.xml><?xml version="1.0" encoding="utf-8"?>
+<p:sld xmlns:a="http://schemas.openxmlformats.org/drawingml/2006/main" xmlns:p="http://schemas.openxmlformats.org/presentationml/2006/main" xmlns:r="http://schemas.openxmlformats.org/officeDocument/2006/relationships" xmlns:p14="http://schemas.microsoft.com/office/powerpoint/2010/main" xmlns:p15="http://schemas.microsoft.com/office/powerpoint/2012/main" xmlns:mc="http://schemas.openxmlformats.org/markup-compatibility/2006">
+  <p:cSld>
+    <p:spTree>
+      <p:nvGrpSpPr>
+        <p:cNvPr id="1" name=""/>
+        <p:cNvGrpSpPr/>
+        <p:nvPr/>
+      </p:nvGrpSpPr>
+      <p:grpSpPr>
+        <a:xfrm>
+          <a:off x="0" y="0"/>
+          <a:ext cx="0" cy="0"/>
+          <a:chOff x="0" y="0"/>
+          <a:chExt cx="0" cy="0"/>
+        </a:xfrm>
+      </p:grpSpPr>
+      <p:sp>
+        <p:nvSpPr>
+          <p:cNvPr id="98" name="CustomShape 1"/>
+          <p:cNvSpPr/>
+          <p:nvPr/>
+        </p:nvSpPr>
+        <p:spPr>
+          <a:xfrm>
+            <a:off x="529920" y="759240"/>
+            <a:ext cx="8002440" cy="697320"/>
+          </a:xfrm>
+          <a:prstGeom prst="rect">
+            <a:avLst/>
+          </a:prstGeom>
+          <a:noFill/>
+          <a:ln>
+            <a:noFill/>
+          </a:ln>
+        </p:spPr>
+        <p:style>
+          <a:lnRef idx="0"/>
+          <a:fillRef idx="0"/>
+          <a:effectRef idx="0"/>
+          <a:fontRef idx="minor"/>
+        </p:style>
+        <p:txBody>
+          <a:bodyPr lIns="90000" rIns="90000" tIns="45000" bIns="45000" anchor="ctr"/>
+          <a:p>
+            <a:pPr>
+              <a:lnSpc>
+                <a:spcPct val="100000"/>
+              </a:lnSpc>
+            </a:pPr>
+            <a:r>
+              <a:rPr b="1" lang="en-US" sz="3000" spc="-1" strike="noStrike">
+                <a:solidFill>
+                  <a:srgbClr val="404041"/>
+                </a:solidFill>
+                <a:latin typeface="Arial"/>
+                <a:ea typeface="Arial"/>
+              </a:rPr>
+              <a:t>Exploratory Analysis: Medium</a:t>
+            </a:r>
+            <a:endParaRPr b="0" lang="en-US" sz="3000" spc="-1" strike="noStrike">
+              <a:latin typeface="Arial"/>
+            </a:endParaRPr>
+          </a:p>
+        </p:txBody>
+      </p:sp>
+    </p:spTree>
+  </p:cSld>
+  <p:timing>
+    <p:tnLst>
+      <p:par>
+        <p:cTn id="21" dur="indefinite" restart="never" nodeType="tmRoot">
+          <p:childTnLst>
+            <p:seq>
+              <p:cTn id="22" dur="indefinite" nodeType="mainSeq"/>
+              <p:prevCondLst>
+                <p:cond delay="0" evt="onPrev">
+                  <p:tgtEl>
+                    <p:sldTgt/>
+                  </p:tgtEl>
+                </p:cond>
+              </p:prevCondLst>
+              <p:nextCondLst>
+                <p:cond delay="0" evt="onNext">
+                  <p:tgtEl>
+                    <p:sldTgt/>
+                  </p:tgtEl>
+                </p:cond>
+              </p:nextCondLst>
+            </p:seq>
+          </p:childTnLst>
+        </p:cTn>
+      </p:par>
+    </p:tnLst>
+  </p:timing>
+</p:sld>
+</file>
+
+<file path=ppt/slides/slide12.xml><?xml version="1.0" encoding="utf-8"?>
+<p:sld xmlns:a="http://schemas.openxmlformats.org/drawingml/2006/main" xmlns:p="http://schemas.openxmlformats.org/presentationml/2006/main" xmlns:r="http://schemas.openxmlformats.org/officeDocument/2006/relationships" xmlns:p14="http://schemas.microsoft.com/office/powerpoint/2010/main" xmlns:p15="http://schemas.microsoft.com/office/powerpoint/2012/main" xmlns:mc="http://schemas.openxmlformats.org/markup-compatibility/2006">
+  <p:cSld>
+    <p:spTree>
+      <p:nvGrpSpPr>
+        <p:cNvPr id="1" name=""/>
+        <p:cNvGrpSpPr/>
+        <p:nvPr/>
+      </p:nvGrpSpPr>
+      <p:grpSpPr>
+        <a:xfrm>
+          <a:off x="0" y="0"/>
+          <a:ext cx="0" cy="0"/>
+          <a:chOff x="0" y="0"/>
+          <a:chExt cx="0" cy="0"/>
+        </a:xfrm>
+      </p:grpSpPr>
+      <p:sp>
+        <p:nvSpPr>
+          <p:cNvPr id="99" name="CustomShape 1"/>
+          <p:cNvSpPr/>
+          <p:nvPr/>
+        </p:nvSpPr>
+        <p:spPr>
+          <a:xfrm>
+            <a:off x="529920" y="759240"/>
+            <a:ext cx="8002440" cy="697320"/>
+          </a:xfrm>
+          <a:prstGeom prst="rect">
+            <a:avLst/>
+          </a:prstGeom>
+          <a:noFill/>
+          <a:ln>
+            <a:noFill/>
+          </a:ln>
+        </p:spPr>
+        <p:style>
+          <a:lnRef idx="0"/>
+          <a:fillRef idx="0"/>
+          <a:effectRef idx="0"/>
+          <a:fontRef idx="minor"/>
+        </p:style>
+        <p:txBody>
+          <a:bodyPr lIns="90000" rIns="90000" tIns="45000" bIns="45000" anchor="ctr"/>
+          <a:p>
+            <a:pPr>
+              <a:lnSpc>
+                <a:spcPct val="100000"/>
+              </a:lnSpc>
+            </a:pPr>
+            <a:r>
+              <a:rPr b="1" lang="en-US" sz="3000" spc="-1" strike="noStrike">
+                <a:solidFill>
+                  <a:srgbClr val="404041"/>
+                </a:solidFill>
+                <a:latin typeface="Arial"/>
+                <a:ea typeface="Arial"/>
+              </a:rPr>
+              <a:t>Exploratory Analysis: Source of Fire</a:t>
+            </a:r>
+            <a:endParaRPr b="0" lang="en-US" sz="3000" spc="-1" strike="noStrike">
+              <a:latin typeface="Arial"/>
+            </a:endParaRPr>
+          </a:p>
+        </p:txBody>
+      </p:sp>
+    </p:spTree>
+  </p:cSld>
+  <p:timing>
+    <p:tnLst>
+      <p:par>
+        <p:cTn id="23" dur="indefinite" restart="never" nodeType="tmRoot">
+          <p:childTnLst>
+            <p:seq>
+              <p:cTn id="24" dur="indefinite" nodeType="mainSeq"/>
+              <p:prevCondLst>
+                <p:cond delay="0" evt="onPrev">
+                  <p:tgtEl>
+                    <p:sldTgt/>
+                  </p:tgtEl>
+                </p:cond>
+              </p:prevCondLst>
+              <p:nextCondLst>
+                <p:cond delay="0" evt="onNext">
+                  <p:tgtEl>
+                    <p:sldTgt/>
+                  </p:tgtEl>
+                </p:cond>
+              </p:nextCondLst>
+            </p:seq>
+          </p:childTnLst>
+        </p:cTn>
+      </p:par>
+    </p:tnLst>
+  </p:timing>
+</p:sld>
+</file>
+
+<file path=ppt/slides/slide13.xml><?xml version="1.0" encoding="utf-8"?>
+<p:sld xmlns:a="http://schemas.openxmlformats.org/drawingml/2006/main" xmlns:p="http://schemas.openxmlformats.org/presentationml/2006/main" xmlns:r="http://schemas.openxmlformats.org/officeDocument/2006/relationships" xmlns:p14="http://schemas.microsoft.com/office/powerpoint/2010/main" xmlns:p15="http://schemas.microsoft.com/office/powerpoint/2012/main" xmlns:mc="http://schemas.openxmlformats.org/markup-compatibility/2006">
+  <p:cSld>
+    <p:spTree>
+      <p:nvGrpSpPr>
+        <p:cNvPr id="1" name=""/>
+        <p:cNvGrpSpPr/>
+        <p:nvPr/>
+      </p:nvGrpSpPr>
+      <p:grpSpPr>
+        <a:xfrm>
+          <a:off x="0" y="0"/>
+          <a:ext cx="0" cy="0"/>
+          <a:chOff x="0" y="0"/>
+          <a:chExt cx="0" cy="0"/>
+        </a:xfrm>
+      </p:grpSpPr>
+      <p:sp>
+        <p:nvSpPr>
+          <p:cNvPr id="100" name="CustomShape 1"/>
+          <p:cNvSpPr/>
+          <p:nvPr/>
+        </p:nvSpPr>
+        <p:spPr>
+          <a:xfrm>
+            <a:off x="529920" y="759240"/>
+            <a:ext cx="8002440" cy="697320"/>
+          </a:xfrm>
+          <a:prstGeom prst="rect">
+            <a:avLst/>
+          </a:prstGeom>
+          <a:noFill/>
+          <a:ln>
+            <a:noFill/>
+          </a:ln>
+        </p:spPr>
+        <p:style>
+          <a:lnRef idx="0"/>
+          <a:fillRef idx="0"/>
+          <a:effectRef idx="0"/>
+          <a:fontRef idx="minor"/>
+        </p:style>
+        <p:txBody>
+          <a:bodyPr lIns="90000" rIns="90000" tIns="45000" bIns="45000" anchor="ctr"/>
+          <a:p>
+            <a:pPr>
+              <a:lnSpc>
+                <a:spcPct val="100000"/>
+              </a:lnSpc>
+            </a:pPr>
+            <a:r>
+              <a:rPr b="1" lang="en-US" sz="3000" spc="-1" strike="noStrike">
+                <a:solidFill>
+                  <a:srgbClr val="404041"/>
+                </a:solidFill>
+                <a:latin typeface="Arial"/>
+                <a:ea typeface="Arial"/>
+              </a:rPr>
+              <a:t>Exploratory Analysis: Coverage</a:t>
+            </a:r>
+            <a:endParaRPr b="0" lang="en-US" sz="3000" spc="-1" strike="noStrike">
+              <a:latin typeface="Arial"/>
+            </a:endParaRPr>
+          </a:p>
+        </p:txBody>
+      </p:sp>
+    </p:spTree>
+  </p:cSld>
+  <p:timing>
+    <p:tnLst>
+      <p:par>
+        <p:cTn id="25" dur="indefinite" restart="never" nodeType="tmRoot">
+          <p:childTnLst>
+            <p:seq>
+              <p:cTn id="26" dur="indefinite" nodeType="mainSeq"/>
+              <p:prevCondLst>
+                <p:cond delay="0" evt="onPrev">
+                  <p:tgtEl>
+                    <p:sldTgt/>
+                  </p:tgtEl>
+                </p:cond>
+              </p:prevCondLst>
+              <p:nextCondLst>
+                <p:cond delay="0" evt="onNext">
+                  <p:tgtEl>
+                    <p:sldTgt/>
+                  </p:tgtEl>
+                </p:cond>
+              </p:nextCondLst>
+            </p:seq>
+          </p:childTnLst>
+        </p:cTn>
+      </p:par>
+    </p:tnLst>
+  </p:timing>
+</p:sld>
+</file>
+
+<file path=ppt/slides/slide14.xml><?xml version="1.0" encoding="utf-8"?>
+<p:sld xmlns:a="http://schemas.openxmlformats.org/drawingml/2006/main" xmlns:p="http://schemas.openxmlformats.org/presentationml/2006/main" xmlns:r="http://schemas.openxmlformats.org/officeDocument/2006/relationships" xmlns:p14="http://schemas.microsoft.com/office/powerpoint/2010/main" xmlns:p15="http://schemas.microsoft.com/office/powerpoint/2012/main" xmlns:mc="http://schemas.openxmlformats.org/markup-compatibility/2006">
+  <p:cSld>
+    <p:spTree>
+      <p:nvGrpSpPr>
+        <p:cNvPr id="1" name=""/>
+        <p:cNvGrpSpPr/>
+        <p:nvPr/>
+      </p:nvGrpSpPr>
+      <p:grpSpPr>
+        <a:xfrm>
+          <a:off x="0" y="0"/>
+          <a:ext cx="0" cy="0"/>
+          <a:chOff x="0" y="0"/>
+          <a:chExt cx="0" cy="0"/>
+        </a:xfrm>
+      </p:grpSpPr>
+      <p:sp>
+        <p:nvSpPr>
+          <p:cNvPr id="101" name="CustomShape 1"/>
+          <p:cNvSpPr/>
+          <p:nvPr/>
+        </p:nvSpPr>
+        <p:spPr>
+          <a:xfrm>
+            <a:off x="529920" y="759240"/>
+            <a:ext cx="8002440" cy="697320"/>
+          </a:xfrm>
+          <a:prstGeom prst="rect">
+            <a:avLst/>
+          </a:prstGeom>
+          <a:noFill/>
+          <a:ln>
+            <a:noFill/>
+          </a:ln>
+        </p:spPr>
+        <p:style>
+          <a:lnRef idx="0"/>
+          <a:fillRef idx="0"/>
+          <a:effectRef idx="0"/>
+          <a:fontRef idx="minor"/>
+        </p:style>
+        <p:txBody>
+          <a:bodyPr lIns="90000" rIns="90000" tIns="45000" bIns="45000" anchor="ctr"/>
+          <a:p>
+            <a:pPr>
+              <a:lnSpc>
+                <a:spcPct val="100000"/>
+              </a:lnSpc>
+            </a:pPr>
+            <a:r>
+              <a:rPr b="1" lang="en-US" sz="3000" spc="-1" strike="noStrike">
+                <a:solidFill>
+                  <a:srgbClr val="404041"/>
+                </a:solidFill>
+                <a:latin typeface="Arial"/>
+                <a:ea typeface="Arial"/>
+              </a:rPr>
+              <a:t>Data Map: Country Codes</a:t>
+            </a:r>
+            <a:endParaRPr b="0" lang="en-US" sz="3000" spc="-1" strike="noStrike">
+              <a:latin typeface="Arial"/>
+            </a:endParaRPr>
+          </a:p>
+        </p:txBody>
+      </p:sp>
+    </p:spTree>
+  </p:cSld>
+  <p:timing>
+    <p:tnLst>
+      <p:par>
+        <p:cTn id="27" dur="indefinite" restart="never" nodeType="tmRoot">
+          <p:childTnLst>
+            <p:seq>
+              <p:cTn id="28" dur="indefinite" nodeType="mainSeq"/>
+              <p:prevCondLst>
+                <p:cond delay="0" evt="onPrev">
+                  <p:tgtEl>
+                    <p:sldTgt/>
+                  </p:tgtEl>
+                </p:cond>
+              </p:prevCondLst>
+              <p:nextCondLst>
+                <p:cond delay="0" evt="onNext">
+                  <p:tgtEl>
+                    <p:sldTgt/>
+                  </p:tgtEl>
+                </p:cond>
+              </p:nextCondLst>
+            </p:seq>
+          </p:childTnLst>
+        </p:cTn>
+      </p:par>
+    </p:tnLst>
+  </p:timing>
+</p:sld>
+</file>
+
+<file path=ppt/slides/slide15.xml><?xml version="1.0" encoding="utf-8"?>
+<p:sld xmlns:a="http://schemas.openxmlformats.org/drawingml/2006/main" xmlns:p="http://schemas.openxmlformats.org/presentationml/2006/main" xmlns:r="http://schemas.openxmlformats.org/officeDocument/2006/relationships" xmlns:p14="http://schemas.microsoft.com/office/powerpoint/2010/main" xmlns:p15="http://schemas.microsoft.com/office/powerpoint/2012/main" xmlns:mc="http://schemas.openxmlformats.org/markup-compatibility/2006">
+  <p:cSld>
+    <p:spTree>
+      <p:nvGrpSpPr>
+        <p:cNvPr id="1" name=""/>
+        <p:cNvGrpSpPr/>
+        <p:nvPr/>
+      </p:nvGrpSpPr>
+      <p:grpSpPr>
+        <a:xfrm>
+          <a:off x="0" y="0"/>
+          <a:ext cx="0" cy="0"/>
+          <a:chOff x="0" y="0"/>
+          <a:chExt cx="0" cy="0"/>
+        </a:xfrm>
+      </p:grpSpPr>
+      <p:sp>
+        <p:nvSpPr>
+          <p:cNvPr id="102" name="CustomShape 1"/>
+          <p:cNvSpPr/>
+          <p:nvPr/>
+        </p:nvSpPr>
+        <p:spPr>
+          <a:xfrm>
+            <a:off x="529920" y="759240"/>
+            <a:ext cx="8002440" cy="697320"/>
+          </a:xfrm>
+          <a:prstGeom prst="rect">
+            <a:avLst/>
+          </a:prstGeom>
+          <a:noFill/>
+          <a:ln>
+            <a:noFill/>
+          </a:ln>
+        </p:spPr>
+        <p:style>
+          <a:lnRef idx="0"/>
+          <a:fillRef idx="0"/>
+          <a:effectRef idx="0"/>
+          <a:fontRef idx="minor"/>
+        </p:style>
+        <p:txBody>
+          <a:bodyPr lIns="90000" rIns="90000" tIns="45000" bIns="45000" anchor="ctr"/>
+          <a:p>
+            <a:pPr>
+              <a:lnSpc>
+                <a:spcPct val="100000"/>
+              </a:lnSpc>
+            </a:pPr>
+            <a:r>
+              <a:rPr b="1" lang="en-US" sz="3000" spc="-1" strike="noStrike">
+                <a:solidFill>
+                  <a:srgbClr val="404041"/>
+                </a:solidFill>
+                <a:latin typeface="Arial"/>
+                <a:ea typeface="Arial"/>
+              </a:rPr>
+              <a:t>Data Map: 1992 - 2016</a:t>
+            </a:r>
+            <a:endParaRPr b="0" lang="en-US" sz="3000" spc="-1" strike="noStrike">
+              <a:latin typeface="Arial"/>
+            </a:endParaRPr>
+          </a:p>
+        </p:txBody>
+      </p:sp>
+    </p:spTree>
+  </p:cSld>
+  <p:timing>
+    <p:tnLst>
+      <p:par>
+        <p:cTn id="29" dur="indefinite" restart="never" nodeType="tmRoot">
+          <p:childTnLst>
+            <p:seq>
+              <p:cTn id="30" dur="indefinite" nodeType="mainSeq"/>
+              <p:prevCondLst>
+                <p:cond delay="0" evt="onPrev">
+                  <p:tgtEl>
+                    <p:sldTgt/>
+                  </p:tgtEl>
+                </p:cond>
+              </p:prevCondLst>
+              <p:nextCondLst>
+                <p:cond delay="0" evt="onNext">
+                  <p:tgtEl>
+                    <p:sldTgt/>
+                  </p:tgtEl>
+                </p:cond>
+              </p:nextCondLst>
+            </p:seq>
+          </p:childTnLst>
+        </p:cTn>
+      </p:par>
+    </p:tnLst>
+  </p:timing>
+</p:sld>
+</file>
+
+<file path=ppt/slides/slide16.xml><?xml version="1.0" encoding="utf-8"?>
+<p:sld xmlns:a="http://schemas.openxmlformats.org/drawingml/2006/main" xmlns:p="http://schemas.openxmlformats.org/presentationml/2006/main" xmlns:r="http://schemas.openxmlformats.org/officeDocument/2006/relationships" xmlns:p14="http://schemas.microsoft.com/office/powerpoint/2010/main" xmlns:p15="http://schemas.microsoft.com/office/powerpoint/2012/main" xmlns:mc="http://schemas.openxmlformats.org/markup-compatibility/2006">
+  <p:cSld>
+    <p:spTree>
+      <p:nvGrpSpPr>
+        <p:cNvPr id="1" name=""/>
+        <p:cNvGrpSpPr/>
+        <p:nvPr/>
+      </p:nvGrpSpPr>
+      <p:grpSpPr>
+        <a:xfrm>
+          <a:off x="0" y="0"/>
+          <a:ext cx="0" cy="0"/>
+          <a:chOff x="0" y="0"/>
+          <a:chExt cx="0" cy="0"/>
+        </a:xfrm>
+      </p:grpSpPr>
+      <p:sp>
+        <p:nvSpPr>
+          <p:cNvPr id="103" name="CustomShape 1"/>
+          <p:cNvSpPr/>
+          <p:nvPr/>
+        </p:nvSpPr>
+        <p:spPr>
+          <a:xfrm>
+            <a:off x="529920" y="759240"/>
+            <a:ext cx="8002440" cy="697320"/>
+          </a:xfrm>
+          <a:prstGeom prst="rect">
+            <a:avLst/>
+          </a:prstGeom>
+          <a:noFill/>
+          <a:ln>
+            <a:noFill/>
+          </a:ln>
+        </p:spPr>
+        <p:style>
+          <a:lnRef idx="0"/>
+          <a:fillRef idx="0"/>
+          <a:effectRef idx="0"/>
+          <a:fontRef idx="minor"/>
+        </p:style>
+        <p:txBody>
+          <a:bodyPr lIns="90000" rIns="90000" tIns="45000" bIns="45000" anchor="ctr"/>
+          <a:p>
+            <a:pPr>
+              <a:lnSpc>
+                <a:spcPct val="100000"/>
+              </a:lnSpc>
+            </a:pPr>
+            <a:r>
+              <a:rPr b="1" lang="en-US" sz="3000" spc="-1" strike="noStrike">
+                <a:solidFill>
+                  <a:srgbClr val="404041"/>
+                </a:solidFill>
+                <a:latin typeface="Arial"/>
+                <a:ea typeface="Arial"/>
+              </a:rPr>
+              <a:t>Data Map: # some interesting years</a:t>
+            </a:r>
+            <a:endParaRPr b="0" lang="en-US" sz="3000" spc="-1" strike="noStrike">
+              <a:latin typeface="Arial"/>
+            </a:endParaRPr>
+          </a:p>
+        </p:txBody>
+      </p:sp>
+    </p:spTree>
+  </p:cSld>
+  <p:timing>
+    <p:tnLst>
+      <p:par>
+        <p:cTn id="31" dur="indefinite" restart="never" nodeType="tmRoot">
+          <p:childTnLst>
+            <p:seq>
+              <p:cTn id="32" dur="indefinite" nodeType="mainSeq"/>
+              <p:prevCondLst>
+                <p:cond delay="0" evt="onPrev">
+                  <p:tgtEl>
+                    <p:sldTgt/>
+                  </p:tgtEl>
+                </p:cond>
+              </p:prevCondLst>
+              <p:nextCondLst>
+                <p:cond delay="0" evt="onNext">
+                  <p:tgtEl>
+                    <p:sldTgt/>
+                  </p:tgtEl>
+                </p:cond>
+              </p:nextCondLst>
+            </p:seq>
+          </p:childTnLst>
+        </p:cTn>
+      </p:par>
+    </p:tnLst>
+  </p:timing>
+</p:sld>
+</file>
+
+<file path=ppt/slides/slide17.xml><?xml version="1.0" encoding="utf-8"?>
+<p:sld xmlns:a="http://schemas.openxmlformats.org/drawingml/2006/main" xmlns:p="http://schemas.openxmlformats.org/presentationml/2006/main" xmlns:r="http://schemas.openxmlformats.org/officeDocument/2006/relationships" xmlns:p14="http://schemas.microsoft.com/office/powerpoint/2010/main" xmlns:p15="http://schemas.microsoft.com/office/powerpoint/2012/main" xmlns:mc="http://schemas.openxmlformats.org/markup-compatibility/2006">
+  <p:cSld>
+    <p:spTree>
+      <p:nvGrpSpPr>
+        <p:cNvPr id="1" name=""/>
+        <p:cNvGrpSpPr/>
+        <p:nvPr/>
+      </p:nvGrpSpPr>
+      <p:grpSpPr>
+        <a:xfrm>
+          <a:off x="0" y="0"/>
+          <a:ext cx="0" cy="0"/>
+          <a:chOff x="0" y="0"/>
+          <a:chExt cx="0" cy="0"/>
+        </a:xfrm>
+      </p:grpSpPr>
+      <p:sp>
+        <p:nvSpPr>
+          <p:cNvPr id="104" name="CustomShape 1"/>
+          <p:cNvSpPr/>
+          <p:nvPr/>
+        </p:nvSpPr>
+        <p:spPr>
+          <a:xfrm>
+            <a:off x="529920" y="759240"/>
+            <a:ext cx="8002440" cy="697320"/>
+          </a:xfrm>
+          <a:prstGeom prst="rect">
+            <a:avLst/>
+          </a:prstGeom>
+          <a:noFill/>
+          <a:ln>
+            <a:noFill/>
+          </a:ln>
+        </p:spPr>
+        <p:style>
+          <a:lnRef idx="0"/>
+          <a:fillRef idx="0"/>
+          <a:effectRef idx="0"/>
+          <a:fontRef idx="minor"/>
+        </p:style>
+        <p:txBody>
+          <a:bodyPr lIns="90000" rIns="90000" tIns="45000" bIns="45000" anchor="ctr"/>
+          <a:p>
+            <a:pPr>
+              <a:lnSpc>
+                <a:spcPct val="100000"/>
+              </a:lnSpc>
+            </a:pPr>
+            <a:r>
+              <a:rPr b="1" lang="en-US" sz="3000" spc="-1" strike="noStrike">
+                <a:solidFill>
+                  <a:srgbClr val="404041"/>
+                </a:solidFill>
+                <a:latin typeface="Arial"/>
+                <a:ea typeface="Arial"/>
+              </a:rPr>
+              <a:t>Network Graph: 1992-2016</a:t>
+            </a:r>
+            <a:endParaRPr b="0" lang="en-US" sz="3000" spc="-1" strike="noStrike">
+              <a:latin typeface="Arial"/>
+            </a:endParaRPr>
+          </a:p>
+        </p:txBody>
+      </p:sp>
+    </p:spTree>
+  </p:cSld>
+  <p:timing>
+    <p:tnLst>
+      <p:par>
+        <p:cTn id="33" dur="indefinite" restart="never" nodeType="tmRoot">
+          <p:childTnLst>
+            <p:seq>
+              <p:cTn id="34" dur="indefinite" nodeType="mainSeq"/>
+              <p:prevCondLst>
+                <p:cond delay="0" evt="onPrev">
+                  <p:tgtEl>
+                    <p:sldTgt/>
+                  </p:tgtEl>
+                </p:cond>
+              </p:prevCondLst>
+              <p:nextCondLst>
+                <p:cond delay="0" evt="onNext">
+                  <p:tgtEl>
+                    <p:sldTgt/>
+                  </p:tgtEl>
+                </p:cond>
+              </p:nextCondLst>
+            </p:seq>
+          </p:childTnLst>
+        </p:cTn>
+      </p:par>
+    </p:tnLst>
+  </p:timing>
+</p:sld>
+</file>
+
+<file path=ppt/slides/slide18.xml><?xml version="1.0" encoding="utf-8"?>
+<p:sld xmlns:a="http://schemas.openxmlformats.org/drawingml/2006/main" xmlns:p="http://schemas.openxmlformats.org/presentationml/2006/main" xmlns:r="http://schemas.openxmlformats.org/officeDocument/2006/relationships" xmlns:p14="http://schemas.microsoft.com/office/powerpoint/2010/main" xmlns:p15="http://schemas.microsoft.com/office/powerpoint/2012/main" xmlns:mc="http://schemas.openxmlformats.org/markup-compatibility/2006">
+  <p:cSld>
+    <p:spTree>
+      <p:nvGrpSpPr>
+        <p:cNvPr id="1" name=""/>
+        <p:cNvGrpSpPr/>
+        <p:nvPr/>
+      </p:nvGrpSpPr>
+      <p:grpSpPr>
+        <a:xfrm>
+          <a:off x="0" y="0"/>
+          <a:ext cx="0" cy="0"/>
+          <a:chOff x="0" y="0"/>
+          <a:chExt cx="0" cy="0"/>
+        </a:xfrm>
+      </p:grpSpPr>
+      <p:sp>
+        <p:nvSpPr>
+          <p:cNvPr id="105" name="CustomShape 1"/>
+          <p:cNvSpPr/>
+          <p:nvPr/>
+        </p:nvSpPr>
+        <p:spPr>
+          <a:xfrm>
+            <a:off x="529920" y="759240"/>
+            <a:ext cx="8002440" cy="697320"/>
+          </a:xfrm>
+          <a:prstGeom prst="rect">
+            <a:avLst/>
+          </a:prstGeom>
+          <a:noFill/>
+          <a:ln>
+            <a:noFill/>
+          </a:ln>
+        </p:spPr>
+        <p:style>
+          <a:lnRef idx="0"/>
+          <a:fillRef idx="0"/>
+          <a:effectRef idx="0"/>
+          <a:fontRef idx="minor"/>
+        </p:style>
+        <p:txBody>
+          <a:bodyPr lIns="90000" rIns="90000" tIns="45000" bIns="45000" anchor="ctr"/>
+          <a:p>
+            <a:pPr>
+              <a:lnSpc>
+                <a:spcPct val="100000"/>
+              </a:lnSpc>
+            </a:pPr>
+            <a:r>
+              <a:rPr b="1" lang="en-US" sz="3000" spc="-1" strike="noStrike">
+                <a:solidFill>
+                  <a:srgbClr val="404041"/>
+                </a:solidFill>
+                <a:latin typeface="Arial"/>
+                <a:ea typeface="Arial"/>
+              </a:rPr>
+              <a:t>Network Graph: #some interesting years</a:t>
+            </a:r>
+            <a:endParaRPr b="0" lang="en-US" sz="3000" spc="-1" strike="noStrike">
+              <a:latin typeface="Arial"/>
+            </a:endParaRPr>
+          </a:p>
+        </p:txBody>
+      </p:sp>
+    </p:spTree>
+  </p:cSld>
+  <p:timing>
+    <p:tnLst>
+      <p:par>
+        <p:cTn id="35" dur="indefinite" restart="never" nodeType="tmRoot">
+          <p:childTnLst>
+            <p:seq>
+              <p:cTn id="36" dur="indefinite" nodeType="mainSeq"/>
+              <p:prevCondLst>
+                <p:cond delay="0" evt="onPrev">
+                  <p:tgtEl>
+                    <p:sldTgt/>
+                  </p:tgtEl>
+                </p:cond>
+              </p:prevCondLst>
+              <p:nextCondLst>
+                <p:cond delay="0" evt="onNext">
+                  <p:tgtEl>
+                    <p:sldTgt/>
+                  </p:tgtEl>
+                </p:cond>
+              </p:nextCondLst>
+            </p:seq>
+          </p:childTnLst>
+        </p:cTn>
+      </p:par>
+    </p:tnLst>
+  </p:timing>
+</p:sld>
+</file>
+
+<file path=ppt/slides/slide19.xml><?xml version="1.0" encoding="utf-8"?>
+<p:sld xmlns:a="http://schemas.openxmlformats.org/drawingml/2006/main" xmlns:p="http://schemas.openxmlformats.org/presentationml/2006/main" xmlns:r="http://schemas.openxmlformats.org/officeDocument/2006/relationships" xmlns:p14="http://schemas.microsoft.com/office/powerpoint/2010/main" xmlns:p15="http://schemas.microsoft.com/office/powerpoint/2012/main" xmlns:mc="http://schemas.openxmlformats.org/markup-compatibility/2006">
+  <p:cSld>
+    <p:spTree>
+      <p:nvGrpSpPr>
+        <p:cNvPr id="1" name=""/>
+        <p:cNvGrpSpPr/>
+        <p:nvPr/>
+      </p:nvGrpSpPr>
+      <p:grpSpPr>
+        <a:xfrm>
+          <a:off x="0" y="0"/>
+          <a:ext cx="0" cy="0"/>
+          <a:chOff x="0" y="0"/>
+          <a:chExt cx="0" cy="0"/>
+        </a:xfrm>
+      </p:grpSpPr>
+      <p:sp>
+        <p:nvSpPr>
+          <p:cNvPr id="106" name="CustomShape 1"/>
+          <p:cNvSpPr/>
+          <p:nvPr/>
+        </p:nvSpPr>
+        <p:spPr>
+          <a:xfrm>
+            <a:off x="529920" y="759240"/>
+            <a:ext cx="8002440" cy="697320"/>
+          </a:xfrm>
+          <a:prstGeom prst="rect">
+            <a:avLst/>
+          </a:prstGeom>
+          <a:noFill/>
+          <a:ln>
+            <a:noFill/>
+          </a:ln>
+        </p:spPr>
+        <p:style>
+          <a:lnRef idx="0"/>
+          <a:fillRef idx="0"/>
+          <a:effectRef idx="0"/>
+          <a:fontRef idx="minor"/>
+        </p:style>
+        <p:txBody>
+          <a:bodyPr lIns="90000" rIns="90000" tIns="45000" bIns="45000" anchor="ctr"/>
+          <a:p>
+            <a:pPr>
+              <a:lnSpc>
+                <a:spcPct val="100000"/>
+              </a:lnSpc>
+            </a:pPr>
+            <a:r>
+              <a:rPr b="1" lang="en-US" sz="3000" spc="-1" strike="noStrike">
+                <a:solidFill>
+                  <a:srgbClr val="404041"/>
+                </a:solidFill>
+                <a:latin typeface="Arial"/>
+                <a:ea typeface="Arial"/>
+              </a:rPr>
+              <a:t>Interesting Observations</a:t>
+            </a:r>
+            <a:endParaRPr b="0" lang="en-US" sz="3000" spc="-1" strike="noStrike">
+              <a:latin typeface="Arial"/>
+            </a:endParaRPr>
+          </a:p>
+        </p:txBody>
+      </p:sp>
+    </p:spTree>
+  </p:cSld>
+  <p:timing>
+    <p:tnLst>
+      <p:par>
+        <p:cTn id="37" dur="indefinite" restart="never" nodeType="tmRoot">
+          <p:childTnLst>
+            <p:seq>
+              <p:cTn id="38" dur="indefinite" nodeType="mainSeq"/>
               <p:prevCondLst>
                 <p:cond delay="0" evt="onPrev">
                   <p:tgtEl>
@@ -5107,14 +4630,14 @@
       </p:grpSpPr>
       <p:sp>
         <p:nvSpPr>
-          <p:cNvPr id="128" name="CustomShape 1"/>
+          <p:cNvPr id="88" name="CustomShape 1"/>
           <p:cNvSpPr/>
           <p:nvPr/>
         </p:nvSpPr>
         <p:spPr>
           <a:xfrm>
             <a:off x="529920" y="759240"/>
-            <a:ext cx="8002800" cy="697680"/>
+            <a:ext cx="8002440" cy="697320"/>
           </a:xfrm>
           <a:prstGeom prst="rect">
             <a:avLst/>
@@ -5156,14 +4679,14 @@
       </p:sp>
       <p:sp>
         <p:nvSpPr>
-          <p:cNvPr id="129" name="CustomShape 2"/>
+          <p:cNvPr id="89" name="CustomShape 2"/>
           <p:cNvSpPr/>
           <p:nvPr/>
         </p:nvSpPr>
         <p:spPr>
           <a:xfrm>
             <a:off x="518760" y="1458000"/>
-            <a:ext cx="8490240" cy="3067920"/>
+            <a:ext cx="8489880" cy="3067560"/>
           </a:xfrm>
           <a:prstGeom prst="rect">
             <a:avLst/>
@@ -5182,7 +4705,7 @@
         <p:txBody>
           <a:bodyPr lIns="90000" rIns="90000" tIns="45000" bIns="45000"/>
           <a:p>
-            <a:pPr marL="228600" indent="-227160">
+            <a:pPr marL="228600" indent="-226800">
               <a:lnSpc>
                 <a:spcPct val="90000"/>
               </a:lnSpc>
@@ -5195,86 +4718,12 @@
               <a:buFont typeface="Arial"/>
               <a:buChar char="•"/>
             </a:pPr>
-            <a:r>
-              <a:rPr b="1" lang="en-US" sz="1400" spc="-1" strike="noStrike">
-                <a:solidFill>
-                  <a:srgbClr val="000000"/>
-                </a:solidFill>
-                <a:latin typeface="Calibri"/>
-                <a:ea typeface="DejaVu Sans"/>
-              </a:rPr>
-              <a:t>Lead </a:t>
-            </a:r>
-            <a:r>
-              <a:rPr b="0" lang="en-US" sz="1400" spc="-1" strike="noStrike">
-                <a:solidFill>
-                  <a:srgbClr val="000000"/>
-                </a:solidFill>
-                <a:latin typeface="Calibri"/>
-                <a:ea typeface="DejaVu Sans"/>
-              </a:rPr>
-              <a:t>Prof Damir Cavar – Department of Linguistic, Indiana University [</a:t>
-            </a:r>
-            <a:r>
-              <a:rPr b="0" lang="en-US" sz="1400" spc="-1" strike="noStrike" u="sng">
-                <a:solidFill>
-                  <a:srgbClr val="0000ff"/>
-                </a:solidFill>
-                <a:uFillTx/>
-                <a:latin typeface="Calibri"/>
-                <a:ea typeface="DejaVu Sans"/>
-                <a:hlinkClick r:id="rId1"/>
-              </a:rPr>
-              <a:t>website</a:t>
-            </a:r>
-            <a:r>
-              <a:rPr b="0" lang="en-US" sz="1400" spc="-1" strike="noStrike">
-                <a:solidFill>
-                  <a:srgbClr val="000000"/>
-                </a:solidFill>
-                <a:latin typeface="Calibri"/>
-                <a:ea typeface="DejaVu Sans"/>
-              </a:rPr>
-              <a:t>, </a:t>
-            </a:r>
-            <a:r>
-              <a:rPr b="0" lang="en-US" sz="1400" spc="-1" strike="noStrike" u="sng">
-                <a:solidFill>
-                  <a:srgbClr val="0000ff"/>
-                </a:solidFill>
-                <a:uFillTx/>
-                <a:latin typeface="Calibri"/>
-                <a:ea typeface="DejaVu Sans"/>
-                <a:hlinkClick r:id="rId2"/>
-              </a:rPr>
-              <a:t>dcavar@iu.edu</a:t>
-            </a:r>
-            <a:r>
-              <a:rPr b="0" lang="en-US" sz="1400" spc="-1" strike="noStrike">
-                <a:solidFill>
-                  <a:srgbClr val="000000"/>
-                </a:solidFill>
-                <a:latin typeface="Calibri"/>
-                <a:ea typeface="DejaVu Sans"/>
-              </a:rPr>
-              <a:t>]</a:t>
-            </a:r>
-            <a:r>
-              <a:rPr b="0" lang="en-US" sz="1400" spc="-1" strike="noStrike">
-                <a:solidFill>
-                  <a:srgbClr val="000000"/>
-                </a:solidFill>
-                <a:latin typeface="Calibri"/>
-                <a:ea typeface="DejaVu Sans"/>
-              </a:rPr>
-              <a:t>	</a:t>
-            </a:r>
-            <a:endParaRPr b="0" lang="en-US" sz="1400" spc="-1" strike="noStrike">
-              <a:latin typeface="Arial"/>
-            </a:endParaRPr>
-          </a:p>
-          <a:p>
-            <a:pPr marL="228600" indent="-227160">
+            <a:endParaRPr b="0" lang="en-US" sz="1800" spc="-1" strike="noStrike">
+              <a:latin typeface="Arial"/>
+            </a:endParaRPr>
+          </a:p>
+          <a:p>
+            <a:pPr marL="228600" indent="-226800">
               <a:lnSpc>
                 <a:spcPct val="90000"/>
               </a:lnSpc>
@@ -5295,14 +4744,14 @@
                 <a:latin typeface="Calibri"/>
                 <a:ea typeface="DejaVu Sans"/>
               </a:rPr>
-              <a:t>Arnav – Data Science [aarnav@iu.edu]</a:t>
+              <a:t>Arnav – Online Section [aarnav@iu.edu]</a:t>
             </a:r>
             <a:endParaRPr b="0" lang="en-US" sz="1400" spc="-1" strike="noStrike">
               <a:latin typeface="Arial"/>
             </a:endParaRPr>
           </a:p>
           <a:p>
-            <a:pPr marL="228600" indent="-227160">
+            <a:pPr marL="228600" indent="-226800">
               <a:lnSpc>
                 <a:spcPct val="90000"/>
               </a:lnSpc>
@@ -5323,14 +4772,14 @@
                 <a:latin typeface="Calibri"/>
                 <a:ea typeface="DejaVu Sans"/>
               </a:rPr>
-              <a:t>Abhishek Babuji – Data Science [ababuji@iu.edu]</a:t>
+              <a:t>Karen Sanchez Trejo – Residential Section [karsanc@iu.edu]</a:t>
             </a:r>
             <a:endParaRPr b="0" lang="en-US" sz="1400" spc="-1" strike="noStrike">
               <a:latin typeface="Arial"/>
             </a:endParaRPr>
           </a:p>
           <a:p>
-            <a:pPr marL="228600" indent="-227160">
+            <a:pPr marL="228600" indent="-226800">
               <a:lnSpc>
                 <a:spcPct val="90000"/>
               </a:lnSpc>
@@ -5343,86 +4792,12 @@
               <a:buFont typeface="Arial"/>
               <a:buChar char="•"/>
             </a:pPr>
-            <a:r>
-              <a:rPr b="0" lang="en-US" sz="1400" spc="-1" strike="noStrike">
-                <a:solidFill>
-                  <a:srgbClr val="000000"/>
-                </a:solidFill>
-                <a:latin typeface="Calibri"/>
-                <a:ea typeface="DejaVu Sans"/>
-              </a:rPr>
-              <a:t>Shreejith Panicker – Data Science [skpanick@iu.edu]</a:t>
-            </a:r>
             <a:endParaRPr b="0" lang="en-US" sz="1400" spc="-1" strike="noStrike">
               <a:latin typeface="Arial"/>
             </a:endParaRPr>
           </a:p>
-          <a:p>
-            <a:pPr marL="228600" indent="-227160">
-              <a:lnSpc>
-                <a:spcPct val="90000"/>
-              </a:lnSpc>
-              <a:spcBef>
-                <a:spcPts val="1001"/>
-              </a:spcBef>
-              <a:buClr>
-                <a:srgbClr val="7f7f7f"/>
-              </a:buClr>
-              <a:buFont typeface="Arial"/>
-              <a:buChar char="•"/>
-            </a:pPr>
-            <a:r>
-              <a:rPr b="0" lang="en-US" sz="1400" spc="-1" strike="noStrike">
-                <a:solidFill>
-                  <a:srgbClr val="000000"/>
-                </a:solidFill>
-                <a:latin typeface="Calibri"/>
-                <a:ea typeface="DejaVu Sans"/>
-              </a:rPr>
-              <a:t>Prashant Modak – Computer Science [prkumoda@iu.edu]</a:t>
-            </a:r>
-            <a:endParaRPr b="0" lang="en-US" sz="1400" spc="-1" strike="noStrike">
-              <a:latin typeface="Arial"/>
-            </a:endParaRPr>
-          </a:p>
-          <a:p>
-            <a:pPr>
-              <a:lnSpc>
-                <a:spcPct val="90000"/>
-              </a:lnSpc>
-              <a:spcBef>
-                <a:spcPts val="1001"/>
-              </a:spcBef>
-            </a:pPr>
-            <a:endParaRPr b="0" lang="en-US" sz="1400" spc="-1" strike="noStrike">
-              <a:latin typeface="Arial"/>
-            </a:endParaRPr>
-          </a:p>
-        </p:txBody>
-      </p:sp>
-      <p:pic>
-        <p:nvPicPr>
-          <p:cNvPr id="130" name="Picture 8" descr=""/>
-          <p:cNvPicPr/>
-          <p:nvPr/>
-        </p:nvPicPr>
-        <p:blipFill>
-          <a:blip r:embed="rId3"/>
-          <a:stretch/>
-        </p:blipFill>
-        <p:spPr>
-          <a:xfrm>
-            <a:off x="7242840" y="1774800"/>
-            <a:ext cx="1168920" cy="1607760"/>
-          </a:xfrm>
-          <a:prstGeom prst="rect">
-            <a:avLst/>
-          </a:prstGeom>
-          <a:ln>
-            <a:noFill/>
-          </a:ln>
-        </p:spPr>
-      </p:pic>
+        </p:txBody>
+      </p:sp>
     </p:spTree>
   </p:cSld>
   <p:timing>
@@ -5432,6 +4807,300 @@
           <p:childTnLst>
             <p:seq>
               <p:cTn id="4" dur="indefinite" nodeType="mainSeq"/>
+              <p:prevCondLst>
+                <p:cond delay="0" evt="onPrev">
+                  <p:tgtEl>
+                    <p:sldTgt/>
+                  </p:tgtEl>
+                </p:cond>
+              </p:prevCondLst>
+              <p:nextCondLst>
+                <p:cond delay="0" evt="onNext">
+                  <p:tgtEl>
+                    <p:sldTgt/>
+                  </p:tgtEl>
+                </p:cond>
+              </p:nextCondLst>
+            </p:seq>
+          </p:childTnLst>
+        </p:cTn>
+      </p:par>
+    </p:tnLst>
+  </p:timing>
+</p:sld>
+</file>
+
+<file path=ppt/slides/slide20.xml><?xml version="1.0" encoding="utf-8"?>
+<p:sld xmlns:a="http://schemas.openxmlformats.org/drawingml/2006/main" xmlns:p="http://schemas.openxmlformats.org/presentationml/2006/main" xmlns:r="http://schemas.openxmlformats.org/officeDocument/2006/relationships" xmlns:p14="http://schemas.microsoft.com/office/powerpoint/2010/main" xmlns:p15="http://schemas.microsoft.com/office/powerpoint/2012/main" xmlns:mc="http://schemas.openxmlformats.org/markup-compatibility/2006">
+  <p:cSld>
+    <p:spTree>
+      <p:nvGrpSpPr>
+        <p:cNvPr id="1" name=""/>
+        <p:cNvGrpSpPr/>
+        <p:nvPr/>
+      </p:nvGrpSpPr>
+      <p:grpSpPr>
+        <a:xfrm>
+          <a:off x="0" y="0"/>
+          <a:ext cx="0" cy="0"/>
+          <a:chOff x="0" y="0"/>
+          <a:chExt cx="0" cy="0"/>
+        </a:xfrm>
+      </p:grpSpPr>
+      <p:sp>
+        <p:nvSpPr>
+          <p:cNvPr id="107" name="CustomShape 1"/>
+          <p:cNvSpPr/>
+          <p:nvPr/>
+        </p:nvSpPr>
+        <p:spPr>
+          <a:xfrm>
+            <a:off x="529920" y="759240"/>
+            <a:ext cx="8002440" cy="697320"/>
+          </a:xfrm>
+          <a:prstGeom prst="rect">
+            <a:avLst/>
+          </a:prstGeom>
+          <a:noFill/>
+          <a:ln>
+            <a:noFill/>
+          </a:ln>
+        </p:spPr>
+        <p:style>
+          <a:lnRef idx="0"/>
+          <a:fillRef idx="0"/>
+          <a:effectRef idx="0"/>
+          <a:fontRef idx="minor"/>
+        </p:style>
+        <p:txBody>
+          <a:bodyPr lIns="90000" rIns="90000" tIns="45000" bIns="45000" anchor="ctr"/>
+          <a:p>
+            <a:pPr>
+              <a:lnSpc>
+                <a:spcPct val="100000"/>
+              </a:lnSpc>
+            </a:pPr>
+            <a:r>
+              <a:rPr b="1" lang="en-US" sz="3000" spc="-1" strike="noStrike">
+                <a:solidFill>
+                  <a:srgbClr val="404041"/>
+                </a:solidFill>
+                <a:latin typeface="Arial"/>
+                <a:ea typeface="Arial"/>
+              </a:rPr>
+              <a:t>Challenges</a:t>
+            </a:r>
+            <a:endParaRPr b="0" lang="en-US" sz="3000" spc="-1" strike="noStrike">
+              <a:latin typeface="Arial"/>
+            </a:endParaRPr>
+          </a:p>
+        </p:txBody>
+      </p:sp>
+    </p:spTree>
+  </p:cSld>
+  <p:timing>
+    <p:tnLst>
+      <p:par>
+        <p:cTn id="39" dur="indefinite" restart="never" nodeType="tmRoot">
+          <p:childTnLst>
+            <p:seq>
+              <p:cTn id="40" dur="indefinite" nodeType="mainSeq"/>
+              <p:prevCondLst>
+                <p:cond delay="0" evt="onPrev">
+                  <p:tgtEl>
+                    <p:sldTgt/>
+                  </p:tgtEl>
+                </p:cond>
+              </p:prevCondLst>
+              <p:nextCondLst>
+                <p:cond delay="0" evt="onNext">
+                  <p:tgtEl>
+                    <p:sldTgt/>
+                  </p:tgtEl>
+                </p:cond>
+              </p:nextCondLst>
+            </p:seq>
+          </p:childTnLst>
+        </p:cTn>
+      </p:par>
+    </p:tnLst>
+  </p:timing>
+</p:sld>
+</file>
+
+<file path=ppt/slides/slide21.xml><?xml version="1.0" encoding="utf-8"?>
+<p:sld xmlns:a="http://schemas.openxmlformats.org/drawingml/2006/main" xmlns:p="http://schemas.openxmlformats.org/presentationml/2006/main" xmlns:r="http://schemas.openxmlformats.org/officeDocument/2006/relationships" xmlns:p14="http://schemas.microsoft.com/office/powerpoint/2010/main" xmlns:p15="http://schemas.microsoft.com/office/powerpoint/2012/main" xmlns:mc="http://schemas.openxmlformats.org/markup-compatibility/2006">
+  <p:cSld>
+    <p:spTree>
+      <p:nvGrpSpPr>
+        <p:cNvPr id="1" name=""/>
+        <p:cNvGrpSpPr/>
+        <p:nvPr/>
+      </p:nvGrpSpPr>
+      <p:grpSpPr>
+        <a:xfrm>
+          <a:off x="0" y="0"/>
+          <a:ext cx="0" cy="0"/>
+          <a:chOff x="0" y="0"/>
+          <a:chExt cx="0" cy="0"/>
+        </a:xfrm>
+      </p:grpSpPr>
+      <p:sp>
+        <p:nvSpPr>
+          <p:cNvPr id="108" name="CustomShape 1"/>
+          <p:cNvSpPr/>
+          <p:nvPr/>
+        </p:nvSpPr>
+        <p:spPr>
+          <a:xfrm>
+            <a:off x="529920" y="759240"/>
+            <a:ext cx="8002440" cy="697320"/>
+          </a:xfrm>
+          <a:prstGeom prst="rect">
+            <a:avLst/>
+          </a:prstGeom>
+          <a:noFill/>
+          <a:ln>
+            <a:noFill/>
+          </a:ln>
+        </p:spPr>
+        <p:style>
+          <a:lnRef idx="0"/>
+          <a:fillRef idx="0"/>
+          <a:effectRef idx="0"/>
+          <a:fontRef idx="minor"/>
+        </p:style>
+        <p:txBody>
+          <a:bodyPr lIns="90000" rIns="90000" tIns="45000" bIns="45000" anchor="ctr"/>
+          <a:p>
+            <a:pPr>
+              <a:lnSpc>
+                <a:spcPct val="100000"/>
+              </a:lnSpc>
+            </a:pPr>
+            <a:r>
+              <a:rPr b="1" lang="en-US" sz="3000" spc="-1" strike="noStrike">
+                <a:solidFill>
+                  <a:srgbClr val="404041"/>
+                </a:solidFill>
+                <a:latin typeface="Arial"/>
+                <a:ea typeface="Arial"/>
+              </a:rPr>
+              <a:t>Future Work</a:t>
+            </a:r>
+            <a:endParaRPr b="0" lang="en-US" sz="3000" spc="-1" strike="noStrike">
+              <a:latin typeface="Arial"/>
+            </a:endParaRPr>
+          </a:p>
+        </p:txBody>
+      </p:sp>
+    </p:spTree>
+  </p:cSld>
+  <p:timing>
+    <p:tnLst>
+      <p:par>
+        <p:cTn id="41" dur="indefinite" restart="never" nodeType="tmRoot">
+          <p:childTnLst>
+            <p:seq>
+              <p:cTn id="42" dur="indefinite" nodeType="mainSeq"/>
+              <p:prevCondLst>
+                <p:cond delay="0" evt="onPrev">
+                  <p:tgtEl>
+                    <p:sldTgt/>
+                  </p:tgtEl>
+                </p:cond>
+              </p:prevCondLst>
+              <p:nextCondLst>
+                <p:cond delay="0" evt="onNext">
+                  <p:tgtEl>
+                    <p:sldTgt/>
+                  </p:tgtEl>
+                </p:cond>
+              </p:nextCondLst>
+            </p:seq>
+          </p:childTnLst>
+        </p:cTn>
+      </p:par>
+    </p:tnLst>
+  </p:timing>
+</p:sld>
+</file>
+
+<file path=ppt/slides/slide22.xml><?xml version="1.0" encoding="utf-8"?>
+<p:sld xmlns:a="http://schemas.openxmlformats.org/drawingml/2006/main" xmlns:p="http://schemas.openxmlformats.org/presentationml/2006/main" xmlns:r="http://schemas.openxmlformats.org/officeDocument/2006/relationships" xmlns:p14="http://schemas.microsoft.com/office/powerpoint/2010/main" xmlns:p15="http://schemas.microsoft.com/office/powerpoint/2012/main" xmlns:mc="http://schemas.openxmlformats.org/markup-compatibility/2006">
+  <p:cSld>
+    <p:spTree>
+      <p:nvGrpSpPr>
+        <p:cNvPr id="1" name=""/>
+        <p:cNvGrpSpPr/>
+        <p:nvPr/>
+      </p:nvGrpSpPr>
+      <p:grpSpPr>
+        <a:xfrm>
+          <a:off x="0" y="0"/>
+          <a:ext cx="0" cy="0"/>
+          <a:chOff x="0" y="0"/>
+          <a:chExt cx="0" cy="0"/>
+        </a:xfrm>
+      </p:grpSpPr>
+      <p:sp>
+        <p:nvSpPr>
+          <p:cNvPr id="109" name="CustomShape 1"/>
+          <p:cNvSpPr/>
+          <p:nvPr/>
+        </p:nvSpPr>
+        <p:spPr>
+          <a:xfrm>
+            <a:off x="529920" y="759240"/>
+            <a:ext cx="8002440" cy="697320"/>
+          </a:xfrm>
+          <a:prstGeom prst="rect">
+            <a:avLst/>
+          </a:prstGeom>
+          <a:noFill/>
+          <a:ln>
+            <a:noFill/>
+          </a:ln>
+        </p:spPr>
+        <p:style>
+          <a:lnRef idx="0"/>
+          <a:fillRef idx="0"/>
+          <a:effectRef idx="0"/>
+          <a:fontRef idx="minor"/>
+        </p:style>
+        <p:txBody>
+          <a:bodyPr lIns="90000" rIns="90000" tIns="45000" bIns="45000" anchor="ctr"/>
+          <a:p>
+            <a:pPr>
+              <a:lnSpc>
+                <a:spcPct val="100000"/>
+              </a:lnSpc>
+            </a:pPr>
+            <a:r>
+              <a:rPr b="1" lang="en-US" sz="3000" spc="-1" strike="noStrike">
+                <a:solidFill>
+                  <a:srgbClr val="404041"/>
+                </a:solidFill>
+                <a:latin typeface="Arial"/>
+                <a:ea typeface="Arial"/>
+              </a:rPr>
+              <a:t>References</a:t>
+            </a:r>
+            <a:endParaRPr b="0" lang="en-US" sz="3000" spc="-1" strike="noStrike">
+              <a:latin typeface="Arial"/>
+            </a:endParaRPr>
+          </a:p>
+        </p:txBody>
+      </p:sp>
+    </p:spTree>
+  </p:cSld>
+  <p:timing>
+    <p:tnLst>
+      <p:par>
+        <p:cTn id="43" dur="indefinite" restart="never" nodeType="tmRoot">
+          <p:childTnLst>
+            <p:seq>
+              <p:cTn id="44" dur="indefinite" nodeType="mainSeq"/>
               <p:prevCondLst>
                 <p:cond delay="0" evt="onPrev">
                   <p:tgtEl>
@@ -5474,14 +5143,14 @@
       </p:grpSpPr>
       <p:sp>
         <p:nvSpPr>
-          <p:cNvPr id="131" name="CustomShape 1"/>
+          <p:cNvPr id="90" name="CustomShape 1"/>
           <p:cNvSpPr/>
           <p:nvPr/>
         </p:nvSpPr>
         <p:spPr>
           <a:xfrm>
             <a:off x="529920" y="759240"/>
-            <a:ext cx="8002800" cy="697680"/>
+            <a:ext cx="8002440" cy="697320"/>
           </a:xfrm>
           <a:prstGeom prst="rect">
             <a:avLst/>
@@ -5513,7 +5182,7 @@
                 <a:latin typeface="Arial"/>
                 <a:ea typeface="Arial"/>
               </a:rPr>
-              <a:t>asdf</a:t>
+              <a:t>Introduction</a:t>
             </a:r>
             <a:endParaRPr b="0" lang="en-US" sz="3000" spc="-1" strike="noStrike">
               <a:latin typeface="Arial"/>
@@ -5530,6 +5199,594 @@
           <p:childTnLst>
             <p:seq>
               <p:cTn id="6" dur="indefinite" nodeType="mainSeq"/>
+              <p:prevCondLst>
+                <p:cond delay="0" evt="onPrev">
+                  <p:tgtEl>
+                    <p:sldTgt/>
+                  </p:tgtEl>
+                </p:cond>
+              </p:prevCondLst>
+              <p:nextCondLst>
+                <p:cond delay="0" evt="onNext">
+                  <p:tgtEl>
+                    <p:sldTgt/>
+                  </p:tgtEl>
+                </p:cond>
+              </p:nextCondLst>
+            </p:seq>
+          </p:childTnLst>
+        </p:cTn>
+      </p:par>
+    </p:tnLst>
+  </p:timing>
+</p:sld>
+</file>
+
+<file path=ppt/slides/slide4.xml><?xml version="1.0" encoding="utf-8"?>
+<p:sld xmlns:a="http://schemas.openxmlformats.org/drawingml/2006/main" xmlns:p="http://schemas.openxmlformats.org/presentationml/2006/main" xmlns:r="http://schemas.openxmlformats.org/officeDocument/2006/relationships" xmlns:p14="http://schemas.microsoft.com/office/powerpoint/2010/main" xmlns:p15="http://schemas.microsoft.com/office/powerpoint/2012/main" xmlns:mc="http://schemas.openxmlformats.org/markup-compatibility/2006">
+  <p:cSld>
+    <p:spTree>
+      <p:nvGrpSpPr>
+        <p:cNvPr id="1" name=""/>
+        <p:cNvGrpSpPr/>
+        <p:nvPr/>
+      </p:nvGrpSpPr>
+      <p:grpSpPr>
+        <a:xfrm>
+          <a:off x="0" y="0"/>
+          <a:ext cx="0" cy="0"/>
+          <a:chOff x="0" y="0"/>
+          <a:chExt cx="0" cy="0"/>
+        </a:xfrm>
+      </p:grpSpPr>
+      <p:sp>
+        <p:nvSpPr>
+          <p:cNvPr id="91" name="CustomShape 1"/>
+          <p:cNvSpPr/>
+          <p:nvPr/>
+        </p:nvSpPr>
+        <p:spPr>
+          <a:xfrm>
+            <a:off x="529920" y="759240"/>
+            <a:ext cx="8002440" cy="697320"/>
+          </a:xfrm>
+          <a:prstGeom prst="rect">
+            <a:avLst/>
+          </a:prstGeom>
+          <a:noFill/>
+          <a:ln>
+            <a:noFill/>
+          </a:ln>
+        </p:spPr>
+        <p:style>
+          <a:lnRef idx="0"/>
+          <a:fillRef idx="0"/>
+          <a:effectRef idx="0"/>
+          <a:fontRef idx="minor"/>
+        </p:style>
+        <p:txBody>
+          <a:bodyPr lIns="90000" rIns="90000" tIns="45000" bIns="45000" anchor="ctr"/>
+          <a:p>
+            <a:pPr>
+              <a:lnSpc>
+                <a:spcPct val="100000"/>
+              </a:lnSpc>
+            </a:pPr>
+            <a:r>
+              <a:rPr b="1" lang="en-US" sz="3000" spc="-1" strike="noStrike">
+                <a:solidFill>
+                  <a:srgbClr val="404041"/>
+                </a:solidFill>
+                <a:latin typeface="Arial"/>
+                <a:ea typeface="Arial"/>
+              </a:rPr>
+              <a:t>Motivation</a:t>
+            </a:r>
+            <a:endParaRPr b="0" lang="en-US" sz="3000" spc="-1" strike="noStrike">
+              <a:latin typeface="Arial"/>
+            </a:endParaRPr>
+          </a:p>
+        </p:txBody>
+      </p:sp>
+    </p:spTree>
+  </p:cSld>
+  <p:timing>
+    <p:tnLst>
+      <p:par>
+        <p:cTn id="7" dur="indefinite" restart="never" nodeType="tmRoot">
+          <p:childTnLst>
+            <p:seq>
+              <p:cTn id="8" dur="indefinite" nodeType="mainSeq"/>
+              <p:prevCondLst>
+                <p:cond delay="0" evt="onPrev">
+                  <p:tgtEl>
+                    <p:sldTgt/>
+                  </p:tgtEl>
+                </p:cond>
+              </p:prevCondLst>
+              <p:nextCondLst>
+                <p:cond delay="0" evt="onNext">
+                  <p:tgtEl>
+                    <p:sldTgt/>
+                  </p:tgtEl>
+                </p:cond>
+              </p:nextCondLst>
+            </p:seq>
+          </p:childTnLst>
+        </p:cTn>
+      </p:par>
+    </p:tnLst>
+  </p:timing>
+</p:sld>
+</file>
+
+<file path=ppt/slides/slide5.xml><?xml version="1.0" encoding="utf-8"?>
+<p:sld xmlns:a="http://schemas.openxmlformats.org/drawingml/2006/main" xmlns:p="http://schemas.openxmlformats.org/presentationml/2006/main" xmlns:r="http://schemas.openxmlformats.org/officeDocument/2006/relationships" xmlns:p14="http://schemas.microsoft.com/office/powerpoint/2010/main" xmlns:p15="http://schemas.microsoft.com/office/powerpoint/2012/main" xmlns:mc="http://schemas.openxmlformats.org/markup-compatibility/2006">
+  <p:cSld>
+    <p:spTree>
+      <p:nvGrpSpPr>
+        <p:cNvPr id="1" name=""/>
+        <p:cNvGrpSpPr/>
+        <p:nvPr/>
+      </p:nvGrpSpPr>
+      <p:grpSpPr>
+        <a:xfrm>
+          <a:off x="0" y="0"/>
+          <a:ext cx="0" cy="0"/>
+          <a:chOff x="0" y="0"/>
+          <a:chExt cx="0" cy="0"/>
+        </a:xfrm>
+      </p:grpSpPr>
+      <p:sp>
+        <p:nvSpPr>
+          <p:cNvPr id="92" name="CustomShape 1"/>
+          <p:cNvSpPr/>
+          <p:nvPr/>
+        </p:nvSpPr>
+        <p:spPr>
+          <a:xfrm>
+            <a:off x="529920" y="759240"/>
+            <a:ext cx="8002440" cy="697320"/>
+          </a:xfrm>
+          <a:prstGeom prst="rect">
+            <a:avLst/>
+          </a:prstGeom>
+          <a:noFill/>
+          <a:ln>
+            <a:noFill/>
+          </a:ln>
+        </p:spPr>
+        <p:style>
+          <a:lnRef idx="0"/>
+          <a:fillRef idx="0"/>
+          <a:effectRef idx="0"/>
+          <a:fontRef idx="minor"/>
+        </p:style>
+        <p:txBody>
+          <a:bodyPr lIns="90000" rIns="90000" tIns="45000" bIns="45000" anchor="ctr"/>
+          <a:p>
+            <a:pPr>
+              <a:lnSpc>
+                <a:spcPct val="100000"/>
+              </a:lnSpc>
+            </a:pPr>
+            <a:r>
+              <a:rPr b="1" lang="en-US" sz="3000" spc="-1" strike="noStrike">
+                <a:solidFill>
+                  <a:srgbClr val="404041"/>
+                </a:solidFill>
+                <a:latin typeface="Arial"/>
+                <a:ea typeface="Arial"/>
+              </a:rPr>
+              <a:t>Background</a:t>
+            </a:r>
+            <a:endParaRPr b="0" lang="en-US" sz="3000" spc="-1" strike="noStrike">
+              <a:latin typeface="Arial"/>
+            </a:endParaRPr>
+          </a:p>
+        </p:txBody>
+      </p:sp>
+    </p:spTree>
+  </p:cSld>
+  <p:timing>
+    <p:tnLst>
+      <p:par>
+        <p:cTn id="9" dur="indefinite" restart="never" nodeType="tmRoot">
+          <p:childTnLst>
+            <p:seq>
+              <p:cTn id="10" dur="indefinite" nodeType="mainSeq"/>
+              <p:prevCondLst>
+                <p:cond delay="0" evt="onPrev">
+                  <p:tgtEl>
+                    <p:sldTgt/>
+                  </p:tgtEl>
+                </p:cond>
+              </p:prevCondLst>
+              <p:nextCondLst>
+                <p:cond delay="0" evt="onNext">
+                  <p:tgtEl>
+                    <p:sldTgt/>
+                  </p:tgtEl>
+                </p:cond>
+              </p:nextCondLst>
+            </p:seq>
+          </p:childTnLst>
+        </p:cTn>
+      </p:par>
+    </p:tnLst>
+  </p:timing>
+</p:sld>
+</file>
+
+<file path=ppt/slides/slide6.xml><?xml version="1.0" encoding="utf-8"?>
+<p:sld xmlns:a="http://schemas.openxmlformats.org/drawingml/2006/main" xmlns:p="http://schemas.openxmlformats.org/presentationml/2006/main" xmlns:r="http://schemas.openxmlformats.org/officeDocument/2006/relationships" xmlns:p14="http://schemas.microsoft.com/office/powerpoint/2010/main" xmlns:p15="http://schemas.microsoft.com/office/powerpoint/2012/main" xmlns:mc="http://schemas.openxmlformats.org/markup-compatibility/2006">
+  <p:cSld>
+    <p:spTree>
+      <p:nvGrpSpPr>
+        <p:cNvPr id="1" name=""/>
+        <p:cNvGrpSpPr/>
+        <p:nvPr/>
+      </p:nvGrpSpPr>
+      <p:grpSpPr>
+        <a:xfrm>
+          <a:off x="0" y="0"/>
+          <a:ext cx="0" cy="0"/>
+          <a:chOff x="0" y="0"/>
+          <a:chExt cx="0" cy="0"/>
+        </a:xfrm>
+      </p:grpSpPr>
+      <p:sp>
+        <p:nvSpPr>
+          <p:cNvPr id="93" name="CustomShape 1"/>
+          <p:cNvSpPr/>
+          <p:nvPr/>
+        </p:nvSpPr>
+        <p:spPr>
+          <a:xfrm>
+            <a:off x="529920" y="759240"/>
+            <a:ext cx="8002440" cy="697320"/>
+          </a:xfrm>
+          <a:prstGeom prst="rect">
+            <a:avLst/>
+          </a:prstGeom>
+          <a:noFill/>
+          <a:ln>
+            <a:noFill/>
+          </a:ln>
+        </p:spPr>
+        <p:style>
+          <a:lnRef idx="0"/>
+          <a:fillRef idx="0"/>
+          <a:effectRef idx="0"/>
+          <a:fontRef idx="minor"/>
+        </p:style>
+        <p:txBody>
+          <a:bodyPr lIns="90000" rIns="90000" tIns="45000" bIns="45000" anchor="ctr"/>
+          <a:p>
+            <a:pPr>
+              <a:lnSpc>
+                <a:spcPct val="100000"/>
+              </a:lnSpc>
+            </a:pPr>
+            <a:r>
+              <a:rPr b="1" lang="en-US" sz="3000" spc="-1" strike="noStrike">
+                <a:solidFill>
+                  <a:srgbClr val="404041"/>
+                </a:solidFill>
+                <a:latin typeface="Arial"/>
+                <a:ea typeface="Arial"/>
+              </a:rPr>
+              <a:t>Data Description</a:t>
+            </a:r>
+            <a:endParaRPr b="0" lang="en-US" sz="3000" spc="-1" strike="noStrike">
+              <a:latin typeface="Arial"/>
+            </a:endParaRPr>
+          </a:p>
+        </p:txBody>
+      </p:sp>
+    </p:spTree>
+  </p:cSld>
+  <p:timing>
+    <p:tnLst>
+      <p:par>
+        <p:cTn id="11" dur="indefinite" restart="never" nodeType="tmRoot">
+          <p:childTnLst>
+            <p:seq>
+              <p:cTn id="12" dur="indefinite" nodeType="mainSeq"/>
+              <p:prevCondLst>
+                <p:cond delay="0" evt="onPrev">
+                  <p:tgtEl>
+                    <p:sldTgt/>
+                  </p:tgtEl>
+                </p:cond>
+              </p:prevCondLst>
+              <p:nextCondLst>
+                <p:cond delay="0" evt="onNext">
+                  <p:tgtEl>
+                    <p:sldTgt/>
+                  </p:tgtEl>
+                </p:cond>
+              </p:nextCondLst>
+            </p:seq>
+          </p:childTnLst>
+        </p:cTn>
+      </p:par>
+    </p:tnLst>
+  </p:timing>
+</p:sld>
+</file>
+
+<file path=ppt/slides/slide7.xml><?xml version="1.0" encoding="utf-8"?>
+<p:sld xmlns:a="http://schemas.openxmlformats.org/drawingml/2006/main" xmlns:p="http://schemas.openxmlformats.org/presentationml/2006/main" xmlns:r="http://schemas.openxmlformats.org/officeDocument/2006/relationships" xmlns:p14="http://schemas.microsoft.com/office/powerpoint/2010/main" xmlns:p15="http://schemas.microsoft.com/office/powerpoint/2012/main" xmlns:mc="http://schemas.openxmlformats.org/markup-compatibility/2006">
+  <p:cSld>
+    <p:spTree>
+      <p:nvGrpSpPr>
+        <p:cNvPr id="1" name=""/>
+        <p:cNvGrpSpPr/>
+        <p:nvPr/>
+      </p:nvGrpSpPr>
+      <p:grpSpPr>
+        <a:xfrm>
+          <a:off x="0" y="0"/>
+          <a:ext cx="0" cy="0"/>
+          <a:chOff x="0" y="0"/>
+          <a:chExt cx="0" cy="0"/>
+        </a:xfrm>
+      </p:grpSpPr>
+      <p:sp>
+        <p:nvSpPr>
+          <p:cNvPr id="94" name="CustomShape 1"/>
+          <p:cNvSpPr/>
+          <p:nvPr/>
+        </p:nvSpPr>
+        <p:spPr>
+          <a:xfrm>
+            <a:off x="529920" y="759240"/>
+            <a:ext cx="8002440" cy="697320"/>
+          </a:xfrm>
+          <a:prstGeom prst="rect">
+            <a:avLst/>
+          </a:prstGeom>
+          <a:noFill/>
+          <a:ln>
+            <a:noFill/>
+          </a:ln>
+        </p:spPr>
+        <p:style>
+          <a:lnRef idx="0"/>
+          <a:fillRef idx="0"/>
+          <a:effectRef idx="0"/>
+          <a:fontRef idx="minor"/>
+        </p:style>
+        <p:txBody>
+          <a:bodyPr lIns="90000" rIns="90000" tIns="45000" bIns="45000" anchor="ctr"/>
+          <a:p>
+            <a:pPr>
+              <a:lnSpc>
+                <a:spcPct val="100000"/>
+              </a:lnSpc>
+            </a:pPr>
+            <a:r>
+              <a:rPr b="1" lang="en-US" sz="3000" spc="-1" strike="noStrike">
+                <a:solidFill>
+                  <a:srgbClr val="404041"/>
+                </a:solidFill>
+                <a:latin typeface="Arial"/>
+                <a:ea typeface="Arial"/>
+              </a:rPr>
+              <a:t>Exploratory Analysis: Time series</a:t>
+            </a:r>
+            <a:endParaRPr b="0" lang="en-US" sz="3000" spc="-1" strike="noStrike">
+              <a:latin typeface="Arial"/>
+            </a:endParaRPr>
+          </a:p>
+        </p:txBody>
+      </p:sp>
+    </p:spTree>
+  </p:cSld>
+  <p:timing>
+    <p:tnLst>
+      <p:par>
+        <p:cTn id="13" dur="indefinite" restart="never" nodeType="tmRoot">
+          <p:childTnLst>
+            <p:seq>
+              <p:cTn id="14" dur="indefinite" nodeType="mainSeq"/>
+              <p:prevCondLst>
+                <p:cond delay="0" evt="onPrev">
+                  <p:tgtEl>
+                    <p:sldTgt/>
+                  </p:tgtEl>
+                </p:cond>
+              </p:prevCondLst>
+              <p:nextCondLst>
+                <p:cond delay="0" evt="onNext">
+                  <p:tgtEl>
+                    <p:sldTgt/>
+                  </p:tgtEl>
+                </p:cond>
+              </p:nextCondLst>
+            </p:seq>
+          </p:childTnLst>
+        </p:cTn>
+      </p:par>
+    </p:tnLst>
+  </p:timing>
+</p:sld>
+</file>
+
+<file path=ppt/slides/slide8.xml><?xml version="1.0" encoding="utf-8"?>
+<p:sld xmlns:a="http://schemas.openxmlformats.org/drawingml/2006/main" xmlns:p="http://schemas.openxmlformats.org/presentationml/2006/main" xmlns:r="http://schemas.openxmlformats.org/officeDocument/2006/relationships" xmlns:p14="http://schemas.microsoft.com/office/powerpoint/2010/main" xmlns:p15="http://schemas.microsoft.com/office/powerpoint/2012/main" xmlns:mc="http://schemas.openxmlformats.org/markup-compatibility/2006">
+  <p:cSld>
+    <p:spTree>
+      <p:nvGrpSpPr>
+        <p:cNvPr id="1" name=""/>
+        <p:cNvGrpSpPr/>
+        <p:nvPr/>
+      </p:nvGrpSpPr>
+      <p:grpSpPr>
+        <a:xfrm>
+          <a:off x="0" y="0"/>
+          <a:ext cx="0" cy="0"/>
+          <a:chOff x="0" y="0"/>
+          <a:chExt cx="0" cy="0"/>
+        </a:xfrm>
+      </p:grpSpPr>
+      <p:sp>
+        <p:nvSpPr>
+          <p:cNvPr id="95" name="CustomShape 1"/>
+          <p:cNvSpPr/>
+          <p:nvPr/>
+        </p:nvSpPr>
+        <p:spPr>
+          <a:xfrm>
+            <a:off x="529920" y="759240"/>
+            <a:ext cx="8002440" cy="697320"/>
+          </a:xfrm>
+          <a:prstGeom prst="rect">
+            <a:avLst/>
+          </a:prstGeom>
+          <a:noFill/>
+          <a:ln>
+            <a:noFill/>
+          </a:ln>
+        </p:spPr>
+        <p:style>
+          <a:lnRef idx="0"/>
+          <a:fillRef idx="0"/>
+          <a:effectRef idx="0"/>
+          <a:fontRef idx="minor"/>
+        </p:style>
+        <p:txBody>
+          <a:bodyPr lIns="90000" rIns="90000" tIns="45000" bIns="45000" anchor="ctr"/>
+          <a:p>
+            <a:pPr>
+              <a:lnSpc>
+                <a:spcPct val="100000"/>
+              </a:lnSpc>
+            </a:pPr>
+            <a:r>
+              <a:rPr b="1" lang="en-US" sz="3000" spc="-1" strike="noStrike">
+                <a:solidFill>
+                  <a:srgbClr val="404041"/>
+                </a:solidFill>
+                <a:latin typeface="Arial"/>
+                <a:ea typeface="Arial"/>
+              </a:rPr>
+              <a:t>Exploratory Analysis: Countries</a:t>
+            </a:r>
+            <a:endParaRPr b="0" lang="en-US" sz="3000" spc="-1" strike="noStrike">
+              <a:latin typeface="Arial"/>
+            </a:endParaRPr>
+          </a:p>
+        </p:txBody>
+      </p:sp>
+    </p:spTree>
+  </p:cSld>
+  <p:timing>
+    <p:tnLst>
+      <p:par>
+        <p:cTn id="15" dur="indefinite" restart="never" nodeType="tmRoot">
+          <p:childTnLst>
+            <p:seq>
+              <p:cTn id="16" dur="indefinite" nodeType="mainSeq"/>
+              <p:prevCondLst>
+                <p:cond delay="0" evt="onPrev">
+                  <p:tgtEl>
+                    <p:sldTgt/>
+                  </p:tgtEl>
+                </p:cond>
+              </p:prevCondLst>
+              <p:nextCondLst>
+                <p:cond delay="0" evt="onNext">
+                  <p:tgtEl>
+                    <p:sldTgt/>
+                  </p:tgtEl>
+                </p:cond>
+              </p:nextCondLst>
+            </p:seq>
+          </p:childTnLst>
+        </p:cTn>
+      </p:par>
+    </p:tnLst>
+  </p:timing>
+</p:sld>
+</file>
+
+<file path=ppt/slides/slide9.xml><?xml version="1.0" encoding="utf-8"?>
+<p:sld xmlns:a="http://schemas.openxmlformats.org/drawingml/2006/main" xmlns:p="http://schemas.openxmlformats.org/presentationml/2006/main" xmlns:r="http://schemas.openxmlformats.org/officeDocument/2006/relationships" xmlns:p14="http://schemas.microsoft.com/office/powerpoint/2010/main" xmlns:p15="http://schemas.microsoft.com/office/powerpoint/2012/main" xmlns:mc="http://schemas.openxmlformats.org/markup-compatibility/2006">
+  <p:cSld>
+    <p:spTree>
+      <p:nvGrpSpPr>
+        <p:cNvPr id="1" name=""/>
+        <p:cNvGrpSpPr/>
+        <p:nvPr/>
+      </p:nvGrpSpPr>
+      <p:grpSpPr>
+        <a:xfrm>
+          <a:off x="0" y="0"/>
+          <a:ext cx="0" cy="0"/>
+          <a:chOff x="0" y="0"/>
+          <a:chExt cx="0" cy="0"/>
+        </a:xfrm>
+      </p:grpSpPr>
+      <p:sp>
+        <p:nvSpPr>
+          <p:cNvPr id="96" name="CustomShape 1"/>
+          <p:cNvSpPr/>
+          <p:nvPr/>
+        </p:nvSpPr>
+        <p:spPr>
+          <a:xfrm>
+            <a:off x="529920" y="759240"/>
+            <a:ext cx="8002440" cy="697320"/>
+          </a:xfrm>
+          <a:prstGeom prst="rect">
+            <a:avLst/>
+          </a:prstGeom>
+          <a:noFill/>
+          <a:ln>
+            <a:noFill/>
+          </a:ln>
+        </p:spPr>
+        <p:style>
+          <a:lnRef idx="0"/>
+          <a:fillRef idx="0"/>
+          <a:effectRef idx="0"/>
+          <a:fontRef idx="minor"/>
+        </p:style>
+        <p:txBody>
+          <a:bodyPr lIns="90000" rIns="90000" tIns="45000" bIns="45000" anchor="ctr"/>
+          <a:p>
+            <a:pPr>
+              <a:lnSpc>
+                <a:spcPct val="100000"/>
+              </a:lnSpc>
+            </a:pPr>
+            <a:r>
+              <a:rPr b="1" lang="en-US" sz="3000" spc="-1" strike="noStrike">
+                <a:solidFill>
+                  <a:srgbClr val="404041"/>
+                </a:solidFill>
+                <a:latin typeface="Arial"/>
+                <a:ea typeface="Arial"/>
+              </a:rPr>
+              <a:t>Exploratory Analysis: Gender ratios </a:t>
+            </a:r>
+            <a:endParaRPr b="0" lang="en-US" sz="3000" spc="-1" strike="noStrike">
+              <a:latin typeface="Arial"/>
+            </a:endParaRPr>
+          </a:p>
+        </p:txBody>
+      </p:sp>
+    </p:spTree>
+  </p:cSld>
+  <p:timing>
+    <p:tnLst>
+      <p:par>
+        <p:cTn id="17" dur="indefinite" restart="never" nodeType="tmRoot">
+          <p:childTnLst>
+            <p:seq>
+              <p:cTn id="18" dur="indefinite" nodeType="mainSeq"/>
               <p:prevCondLst>
                 <p:cond delay="0" evt="onPrev">
                   <p:tgtEl>
@@ -5997,227 +6254,4 @@
     </a:fmtScheme>
   </a:themeElements>
 </a:theme>
-</file>
-
-<file path=ppt/theme/theme3.xml><?xml version="1.0" encoding="utf-8"?>
-<a:theme xmlns:a="http://schemas.openxmlformats.org/drawingml/2006/main" name="Office Theme">
-  <a:themeElements>
-    <a:clrScheme name="Office">
-      <a:dk1>
-        <a:sysClr val="windowText" lastClr="000000"/>
-      </a:dk1>
-      <a:lt1>
-        <a:sysClr val="window" lastClr="FFFFFF"/>
-      </a:lt1>
-      <a:dk2>
-        <a:srgbClr val="1f497d"/>
-      </a:dk2>
-      <a:lt2>
-        <a:srgbClr val="eeece1"/>
-      </a:lt2>
-      <a:accent1>
-        <a:srgbClr val="4f81bd"/>
-      </a:accent1>
-      <a:accent2>
-        <a:srgbClr val="c0504d"/>
-      </a:accent2>
-      <a:accent3>
-        <a:srgbClr val="9bbb59"/>
-      </a:accent3>
-      <a:accent4>
-        <a:srgbClr val="8064a2"/>
-      </a:accent4>
-      <a:accent5>
-        <a:srgbClr val="4bacc6"/>
-      </a:accent5>
-      <a:accent6>
-        <a:srgbClr val="f79646"/>
-      </a:accent6>
-      <a:hlink>
-        <a:srgbClr val="0000ff"/>
-      </a:hlink>
-      <a:folHlink>
-        <a:srgbClr val="800080"/>
-      </a:folHlink>
-    </a:clrScheme>
-    <a:fontScheme name="Office">
-      <a:majorFont>
-        <a:latin typeface="Arial"/>
-        <a:ea typeface="DejaVu Sans"/>
-        <a:cs typeface="DejaVu Sans"/>
-      </a:majorFont>
-      <a:minorFont>
-        <a:latin typeface="Arial"/>
-        <a:ea typeface="DejaVu Sans"/>
-        <a:cs typeface="DejaVu Sans"/>
-      </a:minorFont>
-    </a:fontScheme>
-    <a:fmtScheme name="Office">
-      <a:fillStyleLst>
-        <a:solidFill>
-          <a:schemeClr val="phClr"/>
-        </a:solidFill>
-        <a:gradFill rotWithShape="1">
-          <a:gsLst>
-            <a:gs pos="0">
-              <a:schemeClr val="phClr">
-                <a:tint val="50000"/>
-                <a:satMod val="300000"/>
-              </a:schemeClr>
-            </a:gs>
-            <a:gs pos="35000">
-              <a:schemeClr val="phClr">
-                <a:tint val="37000"/>
-                <a:satMod val="300000"/>
-              </a:schemeClr>
-            </a:gs>
-            <a:gs pos="100000">
-              <a:schemeClr val="phClr">
-                <a:tint val="15000"/>
-                <a:satMod val="350000"/>
-              </a:schemeClr>
-            </a:gs>
-          </a:gsLst>
-          <a:lin ang="16200000" scaled="1"/>
-        </a:gradFill>
-        <a:gradFill rotWithShape="1">
-          <a:gsLst>
-            <a:gs pos="0">
-              <a:schemeClr val="phClr">
-                <a:shade val="51000"/>
-                <a:satMod val="130000"/>
-              </a:schemeClr>
-            </a:gs>
-            <a:gs pos="80000">
-              <a:schemeClr val="phClr">
-                <a:shade val="93000"/>
-                <a:satMod val="130000"/>
-              </a:schemeClr>
-            </a:gs>
-            <a:gs pos="100000">
-              <a:schemeClr val="phClr">
-                <a:shade val="94000"/>
-                <a:satMod val="135000"/>
-              </a:schemeClr>
-            </a:gs>
-          </a:gsLst>
-          <a:lin ang="16200000" scaled="0"/>
-        </a:gradFill>
-      </a:fillStyleLst>
-      <a:lnStyleLst>
-        <a:ln w="9525" cap="flat" cmpd="sng" algn="ctr">
-          <a:solidFill>
-            <a:schemeClr val="phClr">
-              <a:shade val="95000"/>
-              <a:satMod val="105000"/>
-            </a:schemeClr>
-          </a:solidFill>
-          <a:prstDash val="solid"/>
-        </a:ln>
-        <a:ln w="25400" cap="flat" cmpd="sng" algn="ctr">
-          <a:solidFill>
-            <a:schemeClr val="phClr"/>
-          </a:solidFill>
-          <a:prstDash val="solid"/>
-        </a:ln>
-        <a:ln w="38100" cap="flat" cmpd="sng" algn="ctr">
-          <a:solidFill>
-            <a:schemeClr val="phClr"/>
-          </a:solidFill>
-          <a:prstDash val="solid"/>
-        </a:ln>
-      </a:lnStyleLst>
-      <a:effectStyleLst>
-        <a:effectStyle>
-          <a:effectLst>
-            <a:outerShdw blurRad="40000" dist="20000" dir="5400000" rotWithShape="0">
-              <a:srgbClr val="000000">
-                <a:alpha val="38000"/>
-              </a:srgbClr>
-            </a:outerShdw>
-          </a:effectLst>
-        </a:effectStyle>
-        <a:effectStyle>
-          <a:effectLst>
-            <a:outerShdw blurRad="40000" dist="23000" dir="5400000" rotWithShape="0">
-              <a:srgbClr val="000000">
-                <a:alpha val="35000"/>
-              </a:srgbClr>
-            </a:outerShdw>
-          </a:effectLst>
-        </a:effectStyle>
-        <a:effectStyle>
-          <a:effectLst>
-            <a:outerShdw blurRad="40000" dist="23000" dir="5400000" rotWithShape="0">
-              <a:srgbClr val="000000">
-                <a:alpha val="35000"/>
-              </a:srgbClr>
-            </a:outerShdw>
-          </a:effectLst>
-          <a:scene3d>
-            <a:camera prst="orthographicFront">
-              <a:rot lat="0" lon="0" rev="0"/>
-            </a:camera>
-            <a:lightRig rig="threePt" dir="t">
-              <a:rot lat="0" lon="0" rev="1200000"/>
-            </a:lightRig>
-          </a:scene3d>
-          <a:sp3d>
-            <a:bevelT w="63500" h="25400"/>
-          </a:sp3d>
-        </a:effectStyle>
-      </a:effectStyleLst>
-      <a:bgFillStyleLst>
-        <a:solidFill>
-          <a:schemeClr val="phClr"/>
-        </a:solidFill>
-        <a:gradFill rotWithShape="1">
-          <a:gsLst>
-            <a:gs pos="0">
-              <a:schemeClr val="phClr">
-                <a:tint val="40000"/>
-                <a:satMod val="350000"/>
-              </a:schemeClr>
-            </a:gs>
-            <a:gs pos="40000">
-              <a:schemeClr val="phClr">
-                <a:tint val="45000"/>
-                <a:shade val="99000"/>
-                <a:satMod val="350000"/>
-              </a:schemeClr>
-            </a:gs>
-            <a:gs pos="100000">
-              <a:schemeClr val="phClr">
-                <a:shade val="20000"/>
-                <a:satMod val="255000"/>
-              </a:schemeClr>
-            </a:gs>
-          </a:gsLst>
-          <a:path path="circle">
-            <a:fillToRect l="50000" t="-80000" r="50000" b="180000"/>
-          </a:path>
-        </a:gradFill>
-        <a:gradFill rotWithShape="1">
-          <a:gsLst>
-            <a:gs pos="0">
-              <a:schemeClr val="phClr">
-                <a:tint val="80000"/>
-                <a:satMod val="300000"/>
-              </a:schemeClr>
-            </a:gs>
-            <a:gs pos="100000">
-              <a:schemeClr val="phClr">
-                <a:shade val="30000"/>
-                <a:satMod val="200000"/>
-              </a:schemeClr>
-            </a:gs>
-          </a:gsLst>
-          <a:path path="circle">
-            <a:fillToRect l="50000" t="50000" r="50000" b="50000"/>
-          </a:path>
-        </a:gradFill>
-      </a:bgFillStyleLst>
-    </a:fmtScheme>
-  </a:themeElements>
-</a:theme>
 </file>
--- a/dviz_ppt.pptx
+++ b/dviz_ppt.pptx
@@ -28,6 +28,15 @@
     <p:sldId id="275" r:id="rId23"/>
     <p:sldId id="276" r:id="rId24"/>
     <p:sldId id="277" r:id="rId25"/>
+    <p:sldId id="278" r:id="rId26"/>
+    <p:sldId id="279" r:id="rId27"/>
+    <p:sldId id="280" r:id="rId28"/>
+    <p:sldId id="281" r:id="rId29"/>
+    <p:sldId id="282" r:id="rId30"/>
+    <p:sldId id="283" r:id="rId31"/>
+    <p:sldId id="284" r:id="rId32"/>
+    <p:sldId id="285" r:id="rId33"/>
+    <p:sldId id="286" r:id="rId34"/>
   </p:sldIdLst>
   <p:sldSz cx="9144000" cy="5143500"/>
   <p:notesSz cx="7772400" cy="10058400"/>
@@ -2731,9 +2740,9 @@
         <p:grpSpPr>
           <a:xfrm>
             <a:off x="633240" y="-648360"/>
-            <a:ext cx="731520" cy="2365560"/>
+            <a:ext cx="731160" cy="2365200"/>
             <a:chOff x="633240" y="-648360"/>
-            <a:chExt cx="731520" cy="2365560"/>
+            <a:chExt cx="731160" cy="2365200"/>
           </a:xfrm>
         </p:grpSpPr>
         <p:sp>
@@ -2745,7 +2754,7 @@
           <p:spPr>
             <a:xfrm>
               <a:off x="633240" y="-648360"/>
-              <a:ext cx="731520" cy="2365560"/>
+              <a:ext cx="731160" cy="2365200"/>
             </a:xfrm>
             <a:prstGeom prst="rect">
               <a:avLst/>
@@ -2777,7 +2786,7 @@
           <p:spPr>
             <a:xfrm>
               <a:off x="755640" y="978480"/>
-              <a:ext cx="487440" cy="618840"/>
+              <a:ext cx="487080" cy="618480"/>
             </a:xfrm>
             <a:prstGeom prst="rect">
               <a:avLst/>
@@ -3055,7 +3064,7 @@
         <p:spPr>
           <a:xfrm>
             <a:off x="0" y="957960"/>
-            <a:ext cx="81000" cy="385560"/>
+            <a:ext cx="80640" cy="385200"/>
           </a:xfrm>
           <a:prstGeom prst="rect">
             <a:avLst/>
@@ -3083,7 +3092,7 @@
         <p:spPr>
           <a:xfrm>
             <a:off x="3556080" y="3540960"/>
-            <a:ext cx="182880" cy="367560"/>
+            <a:ext cx="182520" cy="367200"/>
           </a:xfrm>
           <a:prstGeom prst="rect">
             <a:avLst/>
@@ -3109,9 +3118,9 @@
         <p:grpSpPr>
           <a:xfrm>
             <a:off x="-30960" y="4661640"/>
-            <a:ext cx="9226800" cy="527040"/>
+            <a:ext cx="9226440" cy="526680"/>
             <a:chOff x="-30960" y="4661640"/>
-            <a:chExt cx="9226800" cy="527040"/>
+            <a:chExt cx="9226440" cy="526680"/>
           </a:xfrm>
         </p:grpSpPr>
         <p:sp>
@@ -3123,7 +3132,7 @@
           <p:spPr>
             <a:xfrm>
               <a:off x="-30960" y="4734720"/>
-              <a:ext cx="9226800" cy="453960"/>
+              <a:ext cx="9226440" cy="453600"/>
             </a:xfrm>
             <a:prstGeom prst="rect">
               <a:avLst/>
@@ -3151,7 +3160,7 @@
           <p:spPr>
             <a:xfrm>
               <a:off x="635400" y="4661640"/>
-              <a:ext cx="385560" cy="527040"/>
+              <a:ext cx="385200" cy="526680"/>
             </a:xfrm>
             <a:prstGeom prst="rect">
               <a:avLst/>
@@ -3183,7 +3192,7 @@
           <p:spPr>
             <a:xfrm>
               <a:off x="699840" y="4726800"/>
-              <a:ext cx="256320" cy="325800"/>
+              <a:ext cx="255960" cy="325440"/>
             </a:xfrm>
             <a:prstGeom prst="rect">
               <a:avLst/>
@@ -3202,7 +3211,7 @@
           <p:spPr>
             <a:xfrm>
               <a:off x="1031040" y="4823640"/>
-              <a:ext cx="3611880" cy="228960"/>
+              <a:ext cx="3611520" cy="228600"/>
             </a:xfrm>
             <a:prstGeom prst="rect">
               <a:avLst/>
@@ -3503,7 +3512,7 @@
         <p:spPr>
           <a:xfrm>
             <a:off x="502920" y="2766600"/>
-            <a:ext cx="7732440" cy="692640"/>
+            <a:ext cx="7732080" cy="692280"/>
           </a:xfrm>
           <a:prstGeom prst="rect">
             <a:avLst/>
@@ -3582,7 +3591,7 @@
         <p:spPr>
           <a:xfrm>
             <a:off x="530640" y="3461040"/>
-            <a:ext cx="7732440" cy="250560"/>
+            <a:ext cx="7732080" cy="250200"/>
           </a:xfrm>
           <a:prstGeom prst="rect">
             <a:avLst/>
@@ -3650,14 +3659,14 @@
       </p:grpSpPr>
       <p:sp>
         <p:nvSpPr>
-          <p:cNvPr id="97" name="CustomShape 1"/>
+          <p:cNvPr id="113" name="CustomShape 1"/>
           <p:cNvSpPr/>
           <p:nvPr/>
         </p:nvSpPr>
         <p:spPr>
           <a:xfrm>
-            <a:off x="529920" y="759240"/>
-            <a:ext cx="8002440" cy="697320"/>
+            <a:off x="529920" y="475200"/>
+            <a:ext cx="8002080" cy="696960"/>
           </a:xfrm>
           <a:prstGeom prst="rect">
             <a:avLst/>
@@ -3689,7 +3698,7 @@
                 <a:latin typeface="Arial"/>
                 <a:ea typeface="Arial"/>
               </a:rPr>
-              <a:t>Exploratory Analysis: Tortured?</a:t>
+              <a:t>Related Work</a:t>
             </a:r>
             <a:endParaRPr b="0" lang="en-US" sz="3000" spc="-1" strike="noStrike">
               <a:latin typeface="Arial"/>
@@ -3697,6 +3706,71 @@
           </a:p>
         </p:txBody>
       </p:sp>
+      <p:sp>
+        <p:nvSpPr>
+          <p:cNvPr id="114" name="TextShape 2"/>
+          <p:cNvSpPr txBox="1"/>
+          <p:nvPr/>
+        </p:nvSpPr>
+        <p:spPr>
+          <a:xfrm>
+            <a:off x="457200" y="1136160"/>
+            <a:ext cx="8046720" cy="343440"/>
+          </a:xfrm>
+          <a:prstGeom prst="rect">
+            <a:avLst/>
+          </a:prstGeom>
+          <a:noFill/>
+          <a:ln>
+            <a:noFill/>
+          </a:ln>
+        </p:spPr>
+        <p:txBody>
+          <a:bodyPr lIns="90000" rIns="90000" tIns="45000" bIns="45000"/>
+          <a:p>
+            <a:pPr marL="216000" indent="-216000">
+              <a:buClr>
+                <a:srgbClr val="000000"/>
+              </a:buClr>
+              <a:buSzPct val="45000"/>
+              <a:buFont typeface="Wingdings" charset="2"/>
+              <a:buChar char=""/>
+            </a:pPr>
+            <a:r>
+              <a:rPr b="0" lang="en-US" sz="1800" spc="-1" strike="noStrike">
+                <a:latin typeface="Times New Roman"/>
+              </a:rPr>
+              <a:t>RSF data map for Worldwide Press Freedom Index</a:t>
+            </a:r>
+            <a:endParaRPr b="0" lang="en-US" sz="1800" spc="-1" strike="noStrike">
+              <a:latin typeface="Times New Roman"/>
+            </a:endParaRPr>
+          </a:p>
+        </p:txBody>
+      </p:sp>
+      <p:pic>
+        <p:nvPicPr>
+          <p:cNvPr id="115" name="" descr=""/>
+          <p:cNvPicPr/>
+          <p:nvPr/>
+        </p:nvPicPr>
+        <p:blipFill>
+          <a:blip r:embed="rId1"/>
+          <a:stretch/>
+        </p:blipFill>
+        <p:spPr>
+          <a:xfrm>
+            <a:off x="2103120" y="1587600"/>
+            <a:ext cx="4833360" cy="3171600"/>
+          </a:xfrm>
+          <a:prstGeom prst="rect">
+            <a:avLst/>
+          </a:prstGeom>
+          <a:ln>
+            <a:noFill/>
+          </a:ln>
+        </p:spPr>
+      </p:pic>
     </p:spTree>
   </p:cSld>
   <p:timing>
@@ -3748,14 +3822,14 @@
       </p:grpSpPr>
       <p:sp>
         <p:nvSpPr>
-          <p:cNvPr id="98" name="CustomShape 1"/>
+          <p:cNvPr id="116" name="CustomShape 1"/>
           <p:cNvSpPr/>
           <p:nvPr/>
         </p:nvSpPr>
         <p:spPr>
           <a:xfrm>
-            <a:off x="529920" y="759240"/>
-            <a:ext cx="8002440" cy="697320"/>
+            <a:off x="529920" y="475200"/>
+            <a:ext cx="8002080" cy="696960"/>
           </a:xfrm>
           <a:prstGeom prst="rect">
             <a:avLst/>
@@ -3787,10 +3861,75 @@
                 <a:latin typeface="Arial"/>
                 <a:ea typeface="Arial"/>
               </a:rPr>
-              <a:t>Exploratory Analysis: Medium</a:t>
+              <a:t>Related Work</a:t>
             </a:r>
             <a:endParaRPr b="0" lang="en-US" sz="3000" spc="-1" strike="noStrike">
               <a:latin typeface="Arial"/>
+            </a:endParaRPr>
+          </a:p>
+        </p:txBody>
+      </p:sp>
+      <p:pic>
+        <p:nvPicPr>
+          <p:cNvPr id="117" name="" descr=""/>
+          <p:cNvPicPr/>
+          <p:nvPr/>
+        </p:nvPicPr>
+        <p:blipFill>
+          <a:blip r:embed="rId1"/>
+          <a:stretch/>
+        </p:blipFill>
+        <p:spPr>
+          <a:xfrm>
+            <a:off x="2286000" y="1628640"/>
+            <a:ext cx="4832640" cy="3034800"/>
+          </a:xfrm>
+          <a:prstGeom prst="rect">
+            <a:avLst/>
+          </a:prstGeom>
+          <a:ln>
+            <a:noFill/>
+          </a:ln>
+        </p:spPr>
+      </p:pic>
+      <p:sp>
+        <p:nvSpPr>
+          <p:cNvPr id="118" name="TextShape 2"/>
+          <p:cNvSpPr txBox="1"/>
+          <p:nvPr/>
+        </p:nvSpPr>
+        <p:spPr>
+          <a:xfrm>
+            <a:off x="457200" y="1049400"/>
+            <a:ext cx="8046720" cy="596520"/>
+          </a:xfrm>
+          <a:prstGeom prst="rect">
+            <a:avLst/>
+          </a:prstGeom>
+          <a:noFill/>
+          <a:ln>
+            <a:noFill/>
+          </a:ln>
+        </p:spPr>
+        <p:txBody>
+          <a:bodyPr lIns="90000" rIns="90000" tIns="45000" bIns="45000"/>
+          <a:p>
+            <a:pPr marL="216000" indent="-216000">
+              <a:buClr>
+                <a:srgbClr val="000000"/>
+              </a:buClr>
+              <a:buSzPct val="45000"/>
+              <a:buFont typeface="Wingdings" charset="2"/>
+              <a:buChar char=""/>
+            </a:pPr>
+            <a:r>
+              <a:rPr b="0" lang="en-US" sz="1800" spc="-1" strike="noStrike">
+                <a:latin typeface="Times New Roman"/>
+              </a:rPr>
+              <a:t>Congressional Research Services compares homicides of media workers in Mexico for different years in 3 different databases</a:t>
+            </a:r>
+            <a:endParaRPr b="0" lang="en-US" sz="1800" spc="-1" strike="noStrike">
+              <a:latin typeface="Times New Roman"/>
             </a:endParaRPr>
           </a:p>
         </p:txBody>
@@ -3846,14 +3985,14 @@
       </p:grpSpPr>
       <p:sp>
         <p:nvSpPr>
-          <p:cNvPr id="99" name="CustomShape 1"/>
+          <p:cNvPr id="119" name="CustomShape 1"/>
           <p:cNvSpPr/>
           <p:nvPr/>
         </p:nvSpPr>
         <p:spPr>
           <a:xfrm>
-            <a:off x="529920" y="759240"/>
-            <a:ext cx="8002440" cy="697320"/>
+            <a:off x="529920" y="475200"/>
+            <a:ext cx="8002080" cy="696960"/>
           </a:xfrm>
           <a:prstGeom prst="rect">
             <a:avLst/>
@@ -3885,7 +4024,7 @@
                 <a:latin typeface="Arial"/>
                 <a:ea typeface="Arial"/>
               </a:rPr>
-              <a:t>Exploratory Analysis: Source of Fire</a:t>
+              <a:t>Related Work</a:t>
             </a:r>
             <a:endParaRPr b="0" lang="en-US" sz="3000" spc="-1" strike="noStrike">
               <a:latin typeface="Arial"/>
@@ -3893,6 +4032,71 @@
           </a:p>
         </p:txBody>
       </p:sp>
+      <p:sp>
+        <p:nvSpPr>
+          <p:cNvPr id="120" name="TextShape 2"/>
+          <p:cNvSpPr txBox="1"/>
+          <p:nvPr/>
+        </p:nvSpPr>
+        <p:spPr>
+          <a:xfrm>
+            <a:off x="457200" y="1049400"/>
+            <a:ext cx="8046720" cy="596520"/>
+          </a:xfrm>
+          <a:prstGeom prst="rect">
+            <a:avLst/>
+          </a:prstGeom>
+          <a:noFill/>
+          <a:ln>
+            <a:noFill/>
+          </a:ln>
+        </p:spPr>
+        <p:txBody>
+          <a:bodyPr lIns="90000" rIns="90000" tIns="45000" bIns="45000"/>
+          <a:p>
+            <a:pPr marL="216000" indent="-216000">
+              <a:buClr>
+                <a:srgbClr val="000000"/>
+              </a:buClr>
+              <a:buSzPct val="45000"/>
+              <a:buFont typeface="Wingdings" charset="2"/>
+              <a:buChar char=""/>
+            </a:pPr>
+            <a:r>
+              <a:rPr b="0" lang="en-US" sz="1800" spc="-1" strike="noStrike">
+                <a:latin typeface="Times New Roman"/>
+              </a:rPr>
+              <a:t>National Coalition Against Censorship visualizes book censorship in different states in the U.S.</a:t>
+            </a:r>
+            <a:endParaRPr b="0" lang="en-US" sz="1800" spc="-1" strike="noStrike">
+              <a:latin typeface="Times New Roman"/>
+            </a:endParaRPr>
+          </a:p>
+        </p:txBody>
+      </p:sp>
+      <p:pic>
+        <p:nvPicPr>
+          <p:cNvPr id="121" name="" descr=""/>
+          <p:cNvPicPr/>
+          <p:nvPr/>
+        </p:nvPicPr>
+        <p:blipFill>
+          <a:blip r:embed="rId1"/>
+          <a:stretch/>
+        </p:blipFill>
+        <p:spPr>
+          <a:xfrm>
+            <a:off x="2103120" y="1624680"/>
+            <a:ext cx="4754880" cy="3130200"/>
+          </a:xfrm>
+          <a:prstGeom prst="rect">
+            <a:avLst/>
+          </a:prstGeom>
+          <a:ln>
+            <a:noFill/>
+          </a:ln>
+        </p:spPr>
+      </p:pic>
     </p:spTree>
   </p:cSld>
   <p:timing>
@@ -3944,14 +4148,14 @@
       </p:grpSpPr>
       <p:sp>
         <p:nvSpPr>
-          <p:cNvPr id="100" name="CustomShape 1"/>
+          <p:cNvPr id="122" name="CustomShape 1"/>
           <p:cNvSpPr/>
           <p:nvPr/>
         </p:nvSpPr>
         <p:spPr>
           <a:xfrm>
-            <a:off x="529920" y="759240"/>
-            <a:ext cx="8002440" cy="697320"/>
+            <a:off x="529920" y="579240"/>
+            <a:ext cx="8002080" cy="696960"/>
           </a:xfrm>
           <a:prstGeom prst="rect">
             <a:avLst/>
@@ -3983,10 +4187,198 @@
                 <a:latin typeface="Arial"/>
                 <a:ea typeface="Arial"/>
               </a:rPr>
-              <a:t>Exploratory Analysis: Coverage</a:t>
+              <a:t>Data Description</a:t>
             </a:r>
             <a:endParaRPr b="0" lang="en-US" sz="3000" spc="-1" strike="noStrike">
               <a:latin typeface="Arial"/>
+            </a:endParaRPr>
+          </a:p>
+        </p:txBody>
+      </p:sp>
+      <p:sp>
+        <p:nvSpPr>
+          <p:cNvPr id="123" name="TextShape 2"/>
+          <p:cNvSpPr txBox="1"/>
+          <p:nvPr/>
+        </p:nvSpPr>
+        <p:spPr>
+          <a:xfrm>
+            <a:off x="457200" y="1445760"/>
+            <a:ext cx="8046720" cy="2368080"/>
+          </a:xfrm>
+          <a:prstGeom prst="rect">
+            <a:avLst/>
+          </a:prstGeom>
+          <a:noFill/>
+          <a:ln>
+            <a:noFill/>
+          </a:ln>
+        </p:spPr>
+        <p:txBody>
+          <a:bodyPr lIns="90000" rIns="90000" tIns="45000" bIns="45000"/>
+          <a:p>
+            <a:pPr marL="216000" indent="-216000">
+              <a:buClr>
+                <a:srgbClr val="000000"/>
+              </a:buClr>
+              <a:buSzPct val="45000"/>
+              <a:buFont typeface="Wingdings" charset="2"/>
+              <a:buChar char=""/>
+            </a:pPr>
+            <a:r>
+              <a:rPr b="0" lang="en-US" sz="1800" spc="-1" strike="noStrike">
+                <a:latin typeface="Times New Roman"/>
+              </a:rPr>
+              <a:t>This project uses the data from the CPJ provided on Kaggle</a:t>
+            </a:r>
+            <a:endParaRPr b="0" lang="en-US" sz="1800" spc="-1" strike="noStrike">
+              <a:latin typeface="Times New Roman"/>
+            </a:endParaRPr>
+          </a:p>
+          <a:p>
+            <a:pPr marL="216000" indent="-216000">
+              <a:buClr>
+                <a:srgbClr val="000000"/>
+              </a:buClr>
+              <a:buSzPct val="45000"/>
+              <a:buFont typeface="Wingdings" charset="2"/>
+              <a:buChar char=""/>
+            </a:pPr>
+            <a:r>
+              <a:rPr b="0" lang="en-US" sz="1800" spc="-1" strike="noStrike">
+                <a:latin typeface="Times New Roman"/>
+              </a:rPr>
+              <a:t>The data contains information about 1782 journalist deaths between 1992 and 2018</a:t>
+            </a:r>
+            <a:endParaRPr b="0" lang="en-US" sz="1800" spc="-1" strike="noStrike">
+              <a:latin typeface="Times New Roman"/>
+            </a:endParaRPr>
+          </a:p>
+          <a:p>
+            <a:pPr marL="216000" indent="-216000">
+              <a:buClr>
+                <a:srgbClr val="000000"/>
+              </a:buClr>
+              <a:buSzPct val="45000"/>
+              <a:buFont typeface="Wingdings" charset="2"/>
+              <a:buChar char=""/>
+            </a:pPr>
+            <a:endParaRPr b="0" lang="en-US" sz="1800" spc="-1" strike="noStrike">
+              <a:latin typeface="Times New Roman"/>
+            </a:endParaRPr>
+          </a:p>
+          <a:p>
+            <a:pPr marL="216000" indent="-216000">
+              <a:buClr>
+                <a:srgbClr val="000000"/>
+              </a:buClr>
+              <a:buSzPct val="45000"/>
+              <a:buFont typeface="Wingdings" charset="2"/>
+              <a:buChar char=""/>
+            </a:pPr>
+            <a:r>
+              <a:rPr b="0" lang="en-US" sz="1800" spc="-1" strike="noStrike">
+                <a:latin typeface="Times New Roman"/>
+              </a:rPr>
+              <a:t>The data contains some interesting features:</a:t>
+            </a:r>
+            <a:endParaRPr b="0" lang="en-US" sz="1800" spc="-1" strike="noStrike">
+              <a:latin typeface="Times New Roman"/>
+            </a:endParaRPr>
+          </a:p>
+          <a:p>
+            <a:pPr lvl="1" marL="432000" indent="-216000">
+              <a:buClr>
+                <a:srgbClr val="000000"/>
+              </a:buClr>
+              <a:buSzPct val="45000"/>
+              <a:buFont typeface="Wingdings" charset="2"/>
+              <a:buChar char=""/>
+            </a:pPr>
+            <a:r>
+              <a:rPr b="0" lang="en-US" sz="1800" spc="-1" strike="noStrike">
+                <a:latin typeface="Times New Roman"/>
+              </a:rPr>
+              <a:t>date of death</a:t>
+            </a:r>
+            <a:endParaRPr b="0" lang="en-US" sz="1800" spc="-1" strike="noStrike">
+              <a:latin typeface="Times New Roman"/>
+            </a:endParaRPr>
+          </a:p>
+          <a:p>
+            <a:pPr lvl="1" marL="432000" indent="-216000">
+              <a:buClr>
+                <a:srgbClr val="000000"/>
+              </a:buClr>
+              <a:buSzPct val="45000"/>
+              <a:buFont typeface="Wingdings" charset="2"/>
+              <a:buChar char=""/>
+            </a:pPr>
+            <a:r>
+              <a:rPr b="0" lang="en-US" sz="1800" spc="-1" strike="noStrike">
+                <a:latin typeface="Times New Roman"/>
+              </a:rPr>
+              <a:t>coverage (topics being reported at the time of death)</a:t>
+            </a:r>
+            <a:endParaRPr b="0" lang="en-US" sz="1800" spc="-1" strike="noStrike">
+              <a:latin typeface="Times New Roman"/>
+            </a:endParaRPr>
+          </a:p>
+          <a:p>
+            <a:pPr lvl="1" marL="432000" indent="-216000">
+              <a:buClr>
+                <a:srgbClr val="000000"/>
+              </a:buClr>
+              <a:buSzPct val="45000"/>
+              <a:buFont typeface="Wingdings" charset="2"/>
+              <a:buChar char=""/>
+            </a:pPr>
+            <a:r>
+              <a:rPr b="0" lang="en-US" sz="1800" spc="-1" strike="noStrike">
+                <a:latin typeface="Times New Roman"/>
+              </a:rPr>
+              <a:t>Gender</a:t>
+            </a:r>
+            <a:endParaRPr b="0" lang="en-US" sz="1800" spc="-1" strike="noStrike">
+              <a:latin typeface="Times New Roman"/>
+            </a:endParaRPr>
+          </a:p>
+          <a:p>
+            <a:pPr lvl="1" marL="432000" indent="-216000">
+              <a:buClr>
+                <a:srgbClr val="000000"/>
+              </a:buClr>
+              <a:buSzPct val="45000"/>
+              <a:buFont typeface="Wingdings" charset="2"/>
+              <a:buChar char=""/>
+            </a:pPr>
+            <a:r>
+              <a:rPr b="0" lang="en-US" sz="1800" spc="-1" strike="noStrike">
+                <a:latin typeface="Times New Roman"/>
+              </a:rPr>
+              <a:t>Country killed</a:t>
+            </a:r>
+            <a:endParaRPr b="0" lang="en-US" sz="1800" spc="-1" strike="noStrike">
+              <a:latin typeface="Times New Roman"/>
+            </a:endParaRPr>
+          </a:p>
+          <a:p>
+            <a:pPr lvl="1" marL="432000" indent="-216000">
+              <a:buClr>
+                <a:srgbClr val="000000"/>
+              </a:buClr>
+              <a:buSzPct val="45000"/>
+              <a:buFont typeface="Wingdings" charset="2"/>
+              <a:buChar char=""/>
+            </a:pPr>
+            <a:r>
+              <a:rPr b="0" lang="en-US" sz="1800" spc="-1" strike="noStrike">
+                <a:latin typeface="Times New Roman"/>
+              </a:rPr>
+              <a:t>Organization</a:t>
+            </a:r>
+            <a:endParaRPr b="0" lang="en-US" sz="1800" spc="-1" strike="noStrike">
+              <a:latin typeface="Times New Roman"/>
             </a:endParaRPr>
           </a:p>
         </p:txBody>
@@ -4042,14 +4434,14 @@
       </p:grpSpPr>
       <p:sp>
         <p:nvSpPr>
-          <p:cNvPr id="101" name="CustomShape 1"/>
+          <p:cNvPr id="124" name="CustomShape 1"/>
           <p:cNvSpPr/>
           <p:nvPr/>
         </p:nvSpPr>
         <p:spPr>
           <a:xfrm>
-            <a:off x="529920" y="759240"/>
-            <a:ext cx="8002440" cy="697320"/>
+            <a:off x="529920" y="399240"/>
+            <a:ext cx="8002080" cy="696960"/>
           </a:xfrm>
           <a:prstGeom prst="rect">
             <a:avLst/>
@@ -4081,10 +4473,75 @@
                 <a:latin typeface="Arial"/>
                 <a:ea typeface="Arial"/>
               </a:rPr>
-              <a:t>Data Map: Country Codes</a:t>
+              <a:t>Exploratory Analysis: Time series</a:t>
             </a:r>
             <a:endParaRPr b="0" lang="en-US" sz="3000" spc="-1" strike="noStrike">
               <a:latin typeface="Arial"/>
+            </a:endParaRPr>
+          </a:p>
+        </p:txBody>
+      </p:sp>
+      <p:pic>
+        <p:nvPicPr>
+          <p:cNvPr id="125" name="" descr=""/>
+          <p:cNvPicPr/>
+          <p:nvPr/>
+        </p:nvPicPr>
+        <p:blipFill>
+          <a:blip r:embed="rId1"/>
+          <a:stretch/>
+        </p:blipFill>
+        <p:spPr>
+          <a:xfrm>
+            <a:off x="1097280" y="1828800"/>
+            <a:ext cx="7040880" cy="2784960"/>
+          </a:xfrm>
+          <a:prstGeom prst="rect">
+            <a:avLst/>
+          </a:prstGeom>
+          <a:ln>
+            <a:noFill/>
+          </a:ln>
+        </p:spPr>
+      </p:pic>
+      <p:sp>
+        <p:nvSpPr>
+          <p:cNvPr id="126" name="TextShape 2"/>
+          <p:cNvSpPr txBox="1"/>
+          <p:nvPr/>
+        </p:nvSpPr>
+        <p:spPr>
+          <a:xfrm>
+            <a:off x="457200" y="1049760"/>
+            <a:ext cx="8046720" cy="596520"/>
+          </a:xfrm>
+          <a:prstGeom prst="rect">
+            <a:avLst/>
+          </a:prstGeom>
+          <a:noFill/>
+          <a:ln>
+            <a:noFill/>
+          </a:ln>
+        </p:spPr>
+        <p:txBody>
+          <a:bodyPr lIns="90000" rIns="90000" tIns="45000" bIns="45000"/>
+          <a:p>
+            <a:pPr marL="216000" indent="-216000">
+              <a:buClr>
+                <a:srgbClr val="000000"/>
+              </a:buClr>
+              <a:buSzPct val="45000"/>
+              <a:buFont typeface="Wingdings" charset="2"/>
+              <a:buChar char=""/>
+            </a:pPr>
+            <a:r>
+              <a:rPr b="0" lang="en-US" sz="1800" spc="-1" strike="noStrike">
+                <a:latin typeface="Times New Roman"/>
+              </a:rPr>
+              <a:t>Interactive Time series plot of for the number of deaths in each month between 1992 and 2016</a:t>
+            </a:r>
+            <a:endParaRPr b="0" lang="en-US" sz="1800" spc="-1" strike="noStrike">
+              <a:latin typeface="Times New Roman"/>
             </a:endParaRPr>
           </a:p>
         </p:txBody>
@@ -4140,14 +4597,14 @@
       </p:grpSpPr>
       <p:sp>
         <p:nvSpPr>
-          <p:cNvPr id="102" name="CustomShape 1"/>
+          <p:cNvPr id="127" name="CustomShape 1"/>
           <p:cNvSpPr/>
           <p:nvPr/>
         </p:nvSpPr>
         <p:spPr>
           <a:xfrm>
-            <a:off x="529920" y="759240"/>
-            <a:ext cx="8002440" cy="697320"/>
+            <a:off x="529920" y="399240"/>
+            <a:ext cx="8002080" cy="696960"/>
           </a:xfrm>
           <a:prstGeom prst="rect">
             <a:avLst/>
@@ -4179,7 +4636,7 @@
                 <a:latin typeface="Arial"/>
                 <a:ea typeface="Arial"/>
               </a:rPr>
-              <a:t>Data Map: 1992 - 2016</a:t>
+              <a:t>Exploratory Analysis: Time series</a:t>
             </a:r>
             <a:endParaRPr b="0" lang="en-US" sz="3000" spc="-1" strike="noStrike">
               <a:latin typeface="Arial"/>
@@ -4187,6 +4644,71 @@
           </a:p>
         </p:txBody>
       </p:sp>
+      <p:sp>
+        <p:nvSpPr>
+          <p:cNvPr id="128" name="TextShape 2"/>
+          <p:cNvSpPr txBox="1"/>
+          <p:nvPr/>
+        </p:nvSpPr>
+        <p:spPr>
+          <a:xfrm>
+            <a:off x="457200" y="1049760"/>
+            <a:ext cx="8046720" cy="343440"/>
+          </a:xfrm>
+          <a:prstGeom prst="rect">
+            <a:avLst/>
+          </a:prstGeom>
+          <a:noFill/>
+          <a:ln>
+            <a:noFill/>
+          </a:ln>
+        </p:spPr>
+        <p:txBody>
+          <a:bodyPr lIns="90000" rIns="90000" tIns="45000" bIns="45000"/>
+          <a:p>
+            <a:pPr marL="216000" indent="-216000">
+              <a:buClr>
+                <a:srgbClr val="000000"/>
+              </a:buClr>
+              <a:buSzPct val="45000"/>
+              <a:buFont typeface="Wingdings" charset="2"/>
+              <a:buChar char=""/>
+            </a:pPr>
+            <a:r>
+              <a:rPr b="0" lang="en-US" sz="1800" spc="-1" strike="noStrike">
+                <a:latin typeface="Times New Roman"/>
+              </a:rPr>
+              <a:t>Number of deaths by year in top 5 countries with most deaths</a:t>
+            </a:r>
+            <a:endParaRPr b="0" lang="en-US" sz="1800" spc="-1" strike="noStrike">
+              <a:latin typeface="Times New Roman"/>
+            </a:endParaRPr>
+          </a:p>
+        </p:txBody>
+      </p:sp>
+      <p:pic>
+        <p:nvPicPr>
+          <p:cNvPr id="129" name="" descr=""/>
+          <p:cNvPicPr/>
+          <p:nvPr/>
+        </p:nvPicPr>
+        <p:blipFill>
+          <a:blip r:embed="rId1"/>
+          <a:stretch/>
+        </p:blipFill>
+        <p:spPr>
+          <a:xfrm>
+            <a:off x="2124720" y="1290960"/>
+            <a:ext cx="5686200" cy="3342960"/>
+          </a:xfrm>
+          <a:prstGeom prst="rect">
+            <a:avLst/>
+          </a:prstGeom>
+          <a:ln>
+            <a:noFill/>
+          </a:ln>
+        </p:spPr>
+      </p:pic>
     </p:spTree>
   </p:cSld>
   <p:timing>
@@ -4238,14 +4760,14 @@
       </p:grpSpPr>
       <p:sp>
         <p:nvSpPr>
-          <p:cNvPr id="103" name="CustomShape 1"/>
+          <p:cNvPr id="130" name="CustomShape 1"/>
           <p:cNvSpPr/>
           <p:nvPr/>
         </p:nvSpPr>
         <p:spPr>
           <a:xfrm>
             <a:off x="529920" y="759240"/>
-            <a:ext cx="8002440" cy="697320"/>
+            <a:ext cx="8002080" cy="696960"/>
           </a:xfrm>
           <a:prstGeom prst="rect">
             <a:avLst/>
@@ -4277,7 +4799,7 @@
                 <a:latin typeface="Arial"/>
                 <a:ea typeface="Arial"/>
               </a:rPr>
-              <a:t>Data Map: # some interesting years</a:t>
+              <a:t>Exploratory Analysis: Countries</a:t>
             </a:r>
             <a:endParaRPr b="0" lang="en-US" sz="3000" spc="-1" strike="noStrike">
               <a:latin typeface="Arial"/>
@@ -4336,14 +4858,14 @@
       </p:grpSpPr>
       <p:sp>
         <p:nvSpPr>
-          <p:cNvPr id="104" name="CustomShape 1"/>
+          <p:cNvPr id="131" name="CustomShape 1"/>
           <p:cNvSpPr/>
           <p:nvPr/>
         </p:nvSpPr>
         <p:spPr>
           <a:xfrm>
             <a:off x="529920" y="759240"/>
-            <a:ext cx="8002440" cy="697320"/>
+            <a:ext cx="8002080" cy="696960"/>
           </a:xfrm>
           <a:prstGeom prst="rect">
             <a:avLst/>
@@ -4375,7 +4897,7 @@
                 <a:latin typeface="Arial"/>
                 <a:ea typeface="Arial"/>
               </a:rPr>
-              <a:t>Network Graph: 1992-2016</a:t>
+              <a:t>Exploratory Analysis: Gender ratios </a:t>
             </a:r>
             <a:endParaRPr b="0" lang="en-US" sz="3000" spc="-1" strike="noStrike">
               <a:latin typeface="Arial"/>
@@ -4434,14 +4956,14 @@
       </p:grpSpPr>
       <p:sp>
         <p:nvSpPr>
-          <p:cNvPr id="105" name="CustomShape 1"/>
+          <p:cNvPr id="132" name="CustomShape 1"/>
           <p:cNvSpPr/>
           <p:nvPr/>
         </p:nvSpPr>
         <p:spPr>
           <a:xfrm>
             <a:off x="529920" y="759240"/>
-            <a:ext cx="8002440" cy="697320"/>
+            <a:ext cx="8002080" cy="696960"/>
           </a:xfrm>
           <a:prstGeom prst="rect">
             <a:avLst/>
@@ -4473,7 +4995,7 @@
                 <a:latin typeface="Arial"/>
                 <a:ea typeface="Arial"/>
               </a:rPr>
-              <a:t>Network Graph: #some interesting years</a:t>
+              <a:t>Exploratory Analysis: Tortured?</a:t>
             </a:r>
             <a:endParaRPr b="0" lang="en-US" sz="3000" spc="-1" strike="noStrike">
               <a:latin typeface="Arial"/>
@@ -4532,14 +5054,14 @@
       </p:grpSpPr>
       <p:sp>
         <p:nvSpPr>
-          <p:cNvPr id="106" name="CustomShape 1"/>
+          <p:cNvPr id="133" name="CustomShape 1"/>
           <p:cNvSpPr/>
           <p:nvPr/>
         </p:nvSpPr>
         <p:spPr>
           <a:xfrm>
             <a:off x="529920" y="759240"/>
-            <a:ext cx="8002440" cy="697320"/>
+            <a:ext cx="8002080" cy="696960"/>
           </a:xfrm>
           <a:prstGeom prst="rect">
             <a:avLst/>
@@ -4571,7 +5093,7 @@
                 <a:latin typeface="Arial"/>
                 <a:ea typeface="Arial"/>
               </a:rPr>
-              <a:t>Interesting Observations</a:t>
+              <a:t>Exploratory Analysis: Medium</a:t>
             </a:r>
             <a:endParaRPr b="0" lang="en-US" sz="3000" spc="-1" strike="noStrike">
               <a:latin typeface="Arial"/>
@@ -4637,7 +5159,7 @@
         <p:spPr>
           <a:xfrm>
             <a:off x="529920" y="759240"/>
-            <a:ext cx="8002440" cy="697320"/>
+            <a:ext cx="8002080" cy="696960"/>
           </a:xfrm>
           <a:prstGeom prst="rect">
             <a:avLst/>
@@ -4686,7 +5208,7 @@
         <p:spPr>
           <a:xfrm>
             <a:off x="518760" y="1458000"/>
-            <a:ext cx="8489880" cy="3067560"/>
+            <a:ext cx="8489520" cy="3067200"/>
           </a:xfrm>
           <a:prstGeom prst="rect">
             <a:avLst/>
@@ -4705,25 +5227,20 @@
         <p:txBody>
           <a:bodyPr lIns="90000" rIns="90000" tIns="45000" bIns="45000"/>
           <a:p>
-            <a:pPr marL="228600" indent="-226800">
+            <a:pPr>
               <a:lnSpc>
                 <a:spcPct val="90000"/>
               </a:lnSpc>
               <a:spcBef>
                 <a:spcPts val="1001"/>
               </a:spcBef>
-              <a:buClr>
-                <a:srgbClr val="7f7f7f"/>
-              </a:buClr>
-              <a:buFont typeface="Arial"/>
-              <a:buChar char="•"/>
             </a:pPr>
             <a:endParaRPr b="0" lang="en-US" sz="1800" spc="-1" strike="noStrike">
               <a:latin typeface="Arial"/>
             </a:endParaRPr>
           </a:p>
           <a:p>
-            <a:pPr marL="228600" indent="-226800">
+            <a:pPr marL="228600" indent="-226440">
               <a:lnSpc>
                 <a:spcPct val="90000"/>
               </a:lnSpc>
@@ -4751,7 +5268,7 @@
             </a:endParaRPr>
           </a:p>
           <a:p>
-            <a:pPr marL="228600" indent="-226800">
+            <a:pPr marL="228600" indent="-226440">
               <a:lnSpc>
                 <a:spcPct val="90000"/>
               </a:lnSpc>
@@ -4779,18 +5296,13 @@
             </a:endParaRPr>
           </a:p>
           <a:p>
-            <a:pPr marL="228600" indent="-226800">
+            <a:pPr>
               <a:lnSpc>
                 <a:spcPct val="90000"/>
               </a:lnSpc>
               <a:spcBef>
                 <a:spcPts val="1001"/>
               </a:spcBef>
-              <a:buClr>
-                <a:srgbClr val="7f7f7f"/>
-              </a:buClr>
-              <a:buFont typeface="Arial"/>
-              <a:buChar char="•"/>
             </a:pPr>
             <a:endParaRPr b="0" lang="en-US" sz="1400" spc="-1" strike="noStrike">
               <a:latin typeface="Arial"/>
@@ -4849,14 +5361,14 @@
       </p:grpSpPr>
       <p:sp>
         <p:nvSpPr>
-          <p:cNvPr id="107" name="CustomShape 1"/>
+          <p:cNvPr id="134" name="CustomShape 1"/>
           <p:cNvSpPr/>
           <p:nvPr/>
         </p:nvSpPr>
         <p:spPr>
           <a:xfrm>
             <a:off x="529920" y="759240"/>
-            <a:ext cx="8002440" cy="697320"/>
+            <a:ext cx="8002080" cy="696960"/>
           </a:xfrm>
           <a:prstGeom prst="rect">
             <a:avLst/>
@@ -4888,7 +5400,7 @@
                 <a:latin typeface="Arial"/>
                 <a:ea typeface="Arial"/>
               </a:rPr>
-              <a:t>Challenges</a:t>
+              <a:t>Exploratory Analysis: Source of Fire</a:t>
             </a:r>
             <a:endParaRPr b="0" lang="en-US" sz="3000" spc="-1" strike="noStrike">
               <a:latin typeface="Arial"/>
@@ -4947,14 +5459,14 @@
       </p:grpSpPr>
       <p:sp>
         <p:nvSpPr>
-          <p:cNvPr id="108" name="CustomShape 1"/>
+          <p:cNvPr id="135" name="CustomShape 1"/>
           <p:cNvSpPr/>
           <p:nvPr/>
         </p:nvSpPr>
         <p:spPr>
           <a:xfrm>
             <a:off x="529920" y="759240"/>
-            <a:ext cx="8002440" cy="697320"/>
+            <a:ext cx="8002080" cy="696960"/>
           </a:xfrm>
           <a:prstGeom prst="rect">
             <a:avLst/>
@@ -4986,7 +5498,7 @@
                 <a:latin typeface="Arial"/>
                 <a:ea typeface="Arial"/>
               </a:rPr>
-              <a:t>Future Work</a:t>
+              <a:t>Exploratory Analysis: Coverage</a:t>
             </a:r>
             <a:endParaRPr b="0" lang="en-US" sz="3000" spc="-1" strike="noStrike">
               <a:latin typeface="Arial"/>
@@ -5045,14 +5557,14 @@
       </p:grpSpPr>
       <p:sp>
         <p:nvSpPr>
-          <p:cNvPr id="109" name="CustomShape 1"/>
+          <p:cNvPr id="136" name="CustomShape 1"/>
           <p:cNvSpPr/>
           <p:nvPr/>
         </p:nvSpPr>
         <p:spPr>
           <a:xfrm>
             <a:off x="529920" y="759240"/>
-            <a:ext cx="8002440" cy="697320"/>
+            <a:ext cx="8002080" cy="696960"/>
           </a:xfrm>
           <a:prstGeom prst="rect">
             <a:avLst/>
@@ -5084,7 +5596,7 @@
                 <a:latin typeface="Arial"/>
                 <a:ea typeface="Arial"/>
               </a:rPr>
-              <a:t>References</a:t>
+              <a:t>Data Map: Country Codes</a:t>
             </a:r>
             <a:endParaRPr b="0" lang="en-US" sz="3000" spc="-1" strike="noStrike">
               <a:latin typeface="Arial"/>
@@ -5101,6 +5613,692 @@
           <p:childTnLst>
             <p:seq>
               <p:cTn id="44" dur="indefinite" nodeType="mainSeq"/>
+              <p:prevCondLst>
+                <p:cond delay="0" evt="onPrev">
+                  <p:tgtEl>
+                    <p:sldTgt/>
+                  </p:tgtEl>
+                </p:cond>
+              </p:prevCondLst>
+              <p:nextCondLst>
+                <p:cond delay="0" evt="onNext">
+                  <p:tgtEl>
+                    <p:sldTgt/>
+                  </p:tgtEl>
+                </p:cond>
+              </p:nextCondLst>
+            </p:seq>
+          </p:childTnLst>
+        </p:cTn>
+      </p:par>
+    </p:tnLst>
+  </p:timing>
+</p:sld>
+</file>
+
+<file path=ppt/slides/slide23.xml><?xml version="1.0" encoding="utf-8"?>
+<p:sld xmlns:a="http://schemas.openxmlformats.org/drawingml/2006/main" xmlns:p="http://schemas.openxmlformats.org/presentationml/2006/main" xmlns:r="http://schemas.openxmlformats.org/officeDocument/2006/relationships" xmlns:p14="http://schemas.microsoft.com/office/powerpoint/2010/main" xmlns:p15="http://schemas.microsoft.com/office/powerpoint/2012/main" xmlns:mc="http://schemas.openxmlformats.org/markup-compatibility/2006">
+  <p:cSld>
+    <p:spTree>
+      <p:nvGrpSpPr>
+        <p:cNvPr id="1" name=""/>
+        <p:cNvGrpSpPr/>
+        <p:nvPr/>
+      </p:nvGrpSpPr>
+      <p:grpSpPr>
+        <a:xfrm>
+          <a:off x="0" y="0"/>
+          <a:ext cx="0" cy="0"/>
+          <a:chOff x="0" y="0"/>
+          <a:chExt cx="0" cy="0"/>
+        </a:xfrm>
+      </p:grpSpPr>
+      <p:sp>
+        <p:nvSpPr>
+          <p:cNvPr id="137" name="CustomShape 1"/>
+          <p:cNvSpPr/>
+          <p:nvPr/>
+        </p:nvSpPr>
+        <p:spPr>
+          <a:xfrm>
+            <a:off x="529920" y="759240"/>
+            <a:ext cx="8002080" cy="696960"/>
+          </a:xfrm>
+          <a:prstGeom prst="rect">
+            <a:avLst/>
+          </a:prstGeom>
+          <a:noFill/>
+          <a:ln>
+            <a:noFill/>
+          </a:ln>
+        </p:spPr>
+        <p:style>
+          <a:lnRef idx="0"/>
+          <a:fillRef idx="0"/>
+          <a:effectRef idx="0"/>
+          <a:fontRef idx="minor"/>
+        </p:style>
+        <p:txBody>
+          <a:bodyPr lIns="90000" rIns="90000" tIns="45000" bIns="45000" anchor="ctr"/>
+          <a:p>
+            <a:pPr>
+              <a:lnSpc>
+                <a:spcPct val="100000"/>
+              </a:lnSpc>
+            </a:pPr>
+            <a:r>
+              <a:rPr b="1" lang="en-US" sz="3000" spc="-1" strike="noStrike">
+                <a:solidFill>
+                  <a:srgbClr val="404041"/>
+                </a:solidFill>
+                <a:latin typeface="Arial"/>
+                <a:ea typeface="Arial"/>
+              </a:rPr>
+              <a:t>Data Map: 1992 - 2016</a:t>
+            </a:r>
+            <a:endParaRPr b="0" lang="en-US" sz="3000" spc="-1" strike="noStrike">
+              <a:latin typeface="Arial"/>
+            </a:endParaRPr>
+          </a:p>
+        </p:txBody>
+      </p:sp>
+    </p:spTree>
+  </p:cSld>
+  <p:timing>
+    <p:tnLst>
+      <p:par>
+        <p:cTn id="45" dur="indefinite" restart="never" nodeType="tmRoot">
+          <p:childTnLst>
+            <p:seq>
+              <p:cTn id="46" dur="indefinite" nodeType="mainSeq"/>
+              <p:prevCondLst>
+                <p:cond delay="0" evt="onPrev">
+                  <p:tgtEl>
+                    <p:sldTgt/>
+                  </p:tgtEl>
+                </p:cond>
+              </p:prevCondLst>
+              <p:nextCondLst>
+                <p:cond delay="0" evt="onNext">
+                  <p:tgtEl>
+                    <p:sldTgt/>
+                  </p:tgtEl>
+                </p:cond>
+              </p:nextCondLst>
+            </p:seq>
+          </p:childTnLst>
+        </p:cTn>
+      </p:par>
+    </p:tnLst>
+  </p:timing>
+</p:sld>
+</file>
+
+<file path=ppt/slides/slide24.xml><?xml version="1.0" encoding="utf-8"?>
+<p:sld xmlns:a="http://schemas.openxmlformats.org/drawingml/2006/main" xmlns:p="http://schemas.openxmlformats.org/presentationml/2006/main" xmlns:r="http://schemas.openxmlformats.org/officeDocument/2006/relationships" xmlns:p14="http://schemas.microsoft.com/office/powerpoint/2010/main" xmlns:p15="http://schemas.microsoft.com/office/powerpoint/2012/main" xmlns:mc="http://schemas.openxmlformats.org/markup-compatibility/2006">
+  <p:cSld>
+    <p:spTree>
+      <p:nvGrpSpPr>
+        <p:cNvPr id="1" name=""/>
+        <p:cNvGrpSpPr/>
+        <p:nvPr/>
+      </p:nvGrpSpPr>
+      <p:grpSpPr>
+        <a:xfrm>
+          <a:off x="0" y="0"/>
+          <a:ext cx="0" cy="0"/>
+          <a:chOff x="0" y="0"/>
+          <a:chExt cx="0" cy="0"/>
+        </a:xfrm>
+      </p:grpSpPr>
+      <p:sp>
+        <p:nvSpPr>
+          <p:cNvPr id="138" name="CustomShape 1"/>
+          <p:cNvSpPr/>
+          <p:nvPr/>
+        </p:nvSpPr>
+        <p:spPr>
+          <a:xfrm>
+            <a:off x="529920" y="759240"/>
+            <a:ext cx="8002080" cy="696960"/>
+          </a:xfrm>
+          <a:prstGeom prst="rect">
+            <a:avLst/>
+          </a:prstGeom>
+          <a:noFill/>
+          <a:ln>
+            <a:noFill/>
+          </a:ln>
+        </p:spPr>
+        <p:style>
+          <a:lnRef idx="0"/>
+          <a:fillRef idx="0"/>
+          <a:effectRef idx="0"/>
+          <a:fontRef idx="minor"/>
+        </p:style>
+        <p:txBody>
+          <a:bodyPr lIns="90000" rIns="90000" tIns="45000" bIns="45000" anchor="ctr"/>
+          <a:p>
+            <a:pPr>
+              <a:lnSpc>
+                <a:spcPct val="100000"/>
+              </a:lnSpc>
+            </a:pPr>
+            <a:r>
+              <a:rPr b="1" lang="en-US" sz="3000" spc="-1" strike="noStrike">
+                <a:solidFill>
+                  <a:srgbClr val="404041"/>
+                </a:solidFill>
+                <a:latin typeface="Arial"/>
+                <a:ea typeface="Arial"/>
+              </a:rPr>
+              <a:t>Data Map: # some interesting years</a:t>
+            </a:r>
+            <a:endParaRPr b="0" lang="en-US" sz="3000" spc="-1" strike="noStrike">
+              <a:latin typeface="Arial"/>
+            </a:endParaRPr>
+          </a:p>
+        </p:txBody>
+      </p:sp>
+    </p:spTree>
+  </p:cSld>
+  <p:timing>
+    <p:tnLst>
+      <p:par>
+        <p:cTn id="47" dur="indefinite" restart="never" nodeType="tmRoot">
+          <p:childTnLst>
+            <p:seq>
+              <p:cTn id="48" dur="indefinite" nodeType="mainSeq"/>
+              <p:prevCondLst>
+                <p:cond delay="0" evt="onPrev">
+                  <p:tgtEl>
+                    <p:sldTgt/>
+                  </p:tgtEl>
+                </p:cond>
+              </p:prevCondLst>
+              <p:nextCondLst>
+                <p:cond delay="0" evt="onNext">
+                  <p:tgtEl>
+                    <p:sldTgt/>
+                  </p:tgtEl>
+                </p:cond>
+              </p:nextCondLst>
+            </p:seq>
+          </p:childTnLst>
+        </p:cTn>
+      </p:par>
+    </p:tnLst>
+  </p:timing>
+</p:sld>
+</file>
+
+<file path=ppt/slides/slide25.xml><?xml version="1.0" encoding="utf-8"?>
+<p:sld xmlns:a="http://schemas.openxmlformats.org/drawingml/2006/main" xmlns:p="http://schemas.openxmlformats.org/presentationml/2006/main" xmlns:r="http://schemas.openxmlformats.org/officeDocument/2006/relationships" xmlns:p14="http://schemas.microsoft.com/office/powerpoint/2010/main" xmlns:p15="http://schemas.microsoft.com/office/powerpoint/2012/main" xmlns:mc="http://schemas.openxmlformats.org/markup-compatibility/2006">
+  <p:cSld>
+    <p:spTree>
+      <p:nvGrpSpPr>
+        <p:cNvPr id="1" name=""/>
+        <p:cNvGrpSpPr/>
+        <p:nvPr/>
+      </p:nvGrpSpPr>
+      <p:grpSpPr>
+        <a:xfrm>
+          <a:off x="0" y="0"/>
+          <a:ext cx="0" cy="0"/>
+          <a:chOff x="0" y="0"/>
+          <a:chExt cx="0" cy="0"/>
+        </a:xfrm>
+      </p:grpSpPr>
+      <p:sp>
+        <p:nvSpPr>
+          <p:cNvPr id="139" name="CustomShape 1"/>
+          <p:cNvSpPr/>
+          <p:nvPr/>
+        </p:nvSpPr>
+        <p:spPr>
+          <a:xfrm>
+            <a:off x="529920" y="759240"/>
+            <a:ext cx="8002080" cy="696960"/>
+          </a:xfrm>
+          <a:prstGeom prst="rect">
+            <a:avLst/>
+          </a:prstGeom>
+          <a:noFill/>
+          <a:ln>
+            <a:noFill/>
+          </a:ln>
+        </p:spPr>
+        <p:style>
+          <a:lnRef idx="0"/>
+          <a:fillRef idx="0"/>
+          <a:effectRef idx="0"/>
+          <a:fontRef idx="minor"/>
+        </p:style>
+        <p:txBody>
+          <a:bodyPr lIns="90000" rIns="90000" tIns="45000" bIns="45000" anchor="ctr"/>
+          <a:p>
+            <a:pPr>
+              <a:lnSpc>
+                <a:spcPct val="100000"/>
+              </a:lnSpc>
+            </a:pPr>
+            <a:r>
+              <a:rPr b="1" lang="en-US" sz="3000" spc="-1" strike="noStrike">
+                <a:solidFill>
+                  <a:srgbClr val="404041"/>
+                </a:solidFill>
+                <a:latin typeface="Arial"/>
+                <a:ea typeface="Arial"/>
+              </a:rPr>
+              <a:t>Network Graph: 1992-2016</a:t>
+            </a:r>
+            <a:endParaRPr b="0" lang="en-US" sz="3000" spc="-1" strike="noStrike">
+              <a:latin typeface="Arial"/>
+            </a:endParaRPr>
+          </a:p>
+        </p:txBody>
+      </p:sp>
+    </p:spTree>
+  </p:cSld>
+  <p:timing>
+    <p:tnLst>
+      <p:par>
+        <p:cTn id="49" dur="indefinite" restart="never" nodeType="tmRoot">
+          <p:childTnLst>
+            <p:seq>
+              <p:cTn id="50" dur="indefinite" nodeType="mainSeq"/>
+              <p:prevCondLst>
+                <p:cond delay="0" evt="onPrev">
+                  <p:tgtEl>
+                    <p:sldTgt/>
+                  </p:tgtEl>
+                </p:cond>
+              </p:prevCondLst>
+              <p:nextCondLst>
+                <p:cond delay="0" evt="onNext">
+                  <p:tgtEl>
+                    <p:sldTgt/>
+                  </p:tgtEl>
+                </p:cond>
+              </p:nextCondLst>
+            </p:seq>
+          </p:childTnLst>
+        </p:cTn>
+      </p:par>
+    </p:tnLst>
+  </p:timing>
+</p:sld>
+</file>
+
+<file path=ppt/slides/slide26.xml><?xml version="1.0" encoding="utf-8"?>
+<p:sld xmlns:a="http://schemas.openxmlformats.org/drawingml/2006/main" xmlns:p="http://schemas.openxmlformats.org/presentationml/2006/main" xmlns:r="http://schemas.openxmlformats.org/officeDocument/2006/relationships" xmlns:p14="http://schemas.microsoft.com/office/powerpoint/2010/main" xmlns:p15="http://schemas.microsoft.com/office/powerpoint/2012/main" xmlns:mc="http://schemas.openxmlformats.org/markup-compatibility/2006">
+  <p:cSld>
+    <p:spTree>
+      <p:nvGrpSpPr>
+        <p:cNvPr id="1" name=""/>
+        <p:cNvGrpSpPr/>
+        <p:nvPr/>
+      </p:nvGrpSpPr>
+      <p:grpSpPr>
+        <a:xfrm>
+          <a:off x="0" y="0"/>
+          <a:ext cx="0" cy="0"/>
+          <a:chOff x="0" y="0"/>
+          <a:chExt cx="0" cy="0"/>
+        </a:xfrm>
+      </p:grpSpPr>
+      <p:sp>
+        <p:nvSpPr>
+          <p:cNvPr id="140" name="CustomShape 1"/>
+          <p:cNvSpPr/>
+          <p:nvPr/>
+        </p:nvSpPr>
+        <p:spPr>
+          <a:xfrm>
+            <a:off x="529920" y="759240"/>
+            <a:ext cx="8002080" cy="696960"/>
+          </a:xfrm>
+          <a:prstGeom prst="rect">
+            <a:avLst/>
+          </a:prstGeom>
+          <a:noFill/>
+          <a:ln>
+            <a:noFill/>
+          </a:ln>
+        </p:spPr>
+        <p:style>
+          <a:lnRef idx="0"/>
+          <a:fillRef idx="0"/>
+          <a:effectRef idx="0"/>
+          <a:fontRef idx="minor"/>
+        </p:style>
+        <p:txBody>
+          <a:bodyPr lIns="90000" rIns="90000" tIns="45000" bIns="45000" anchor="ctr"/>
+          <a:p>
+            <a:pPr>
+              <a:lnSpc>
+                <a:spcPct val="100000"/>
+              </a:lnSpc>
+            </a:pPr>
+            <a:r>
+              <a:rPr b="1" lang="en-US" sz="3000" spc="-1" strike="noStrike">
+                <a:solidFill>
+                  <a:srgbClr val="404041"/>
+                </a:solidFill>
+                <a:latin typeface="Arial"/>
+                <a:ea typeface="Arial"/>
+              </a:rPr>
+              <a:t>Network Graph: #some interesting years</a:t>
+            </a:r>
+            <a:endParaRPr b="0" lang="en-US" sz="3000" spc="-1" strike="noStrike">
+              <a:latin typeface="Arial"/>
+            </a:endParaRPr>
+          </a:p>
+        </p:txBody>
+      </p:sp>
+    </p:spTree>
+  </p:cSld>
+  <p:timing>
+    <p:tnLst>
+      <p:par>
+        <p:cTn id="51" dur="indefinite" restart="never" nodeType="tmRoot">
+          <p:childTnLst>
+            <p:seq>
+              <p:cTn id="52" dur="indefinite" nodeType="mainSeq"/>
+              <p:prevCondLst>
+                <p:cond delay="0" evt="onPrev">
+                  <p:tgtEl>
+                    <p:sldTgt/>
+                  </p:tgtEl>
+                </p:cond>
+              </p:prevCondLst>
+              <p:nextCondLst>
+                <p:cond delay="0" evt="onNext">
+                  <p:tgtEl>
+                    <p:sldTgt/>
+                  </p:tgtEl>
+                </p:cond>
+              </p:nextCondLst>
+            </p:seq>
+          </p:childTnLst>
+        </p:cTn>
+      </p:par>
+    </p:tnLst>
+  </p:timing>
+</p:sld>
+</file>
+
+<file path=ppt/slides/slide27.xml><?xml version="1.0" encoding="utf-8"?>
+<p:sld xmlns:a="http://schemas.openxmlformats.org/drawingml/2006/main" xmlns:p="http://schemas.openxmlformats.org/presentationml/2006/main" xmlns:r="http://schemas.openxmlformats.org/officeDocument/2006/relationships" xmlns:p14="http://schemas.microsoft.com/office/powerpoint/2010/main" xmlns:p15="http://schemas.microsoft.com/office/powerpoint/2012/main" xmlns:mc="http://schemas.openxmlformats.org/markup-compatibility/2006">
+  <p:cSld>
+    <p:spTree>
+      <p:nvGrpSpPr>
+        <p:cNvPr id="1" name=""/>
+        <p:cNvGrpSpPr/>
+        <p:nvPr/>
+      </p:nvGrpSpPr>
+      <p:grpSpPr>
+        <a:xfrm>
+          <a:off x="0" y="0"/>
+          <a:ext cx="0" cy="0"/>
+          <a:chOff x="0" y="0"/>
+          <a:chExt cx="0" cy="0"/>
+        </a:xfrm>
+      </p:grpSpPr>
+      <p:sp>
+        <p:nvSpPr>
+          <p:cNvPr id="141" name="CustomShape 1"/>
+          <p:cNvSpPr/>
+          <p:nvPr/>
+        </p:nvSpPr>
+        <p:spPr>
+          <a:xfrm>
+            <a:off x="529920" y="759240"/>
+            <a:ext cx="8002080" cy="696960"/>
+          </a:xfrm>
+          <a:prstGeom prst="rect">
+            <a:avLst/>
+          </a:prstGeom>
+          <a:noFill/>
+          <a:ln>
+            <a:noFill/>
+          </a:ln>
+        </p:spPr>
+        <p:style>
+          <a:lnRef idx="0"/>
+          <a:fillRef idx="0"/>
+          <a:effectRef idx="0"/>
+          <a:fontRef idx="minor"/>
+        </p:style>
+        <p:txBody>
+          <a:bodyPr lIns="90000" rIns="90000" tIns="45000" bIns="45000" anchor="ctr"/>
+          <a:p>
+            <a:pPr>
+              <a:lnSpc>
+                <a:spcPct val="100000"/>
+              </a:lnSpc>
+            </a:pPr>
+            <a:r>
+              <a:rPr b="1" lang="en-US" sz="3000" spc="-1" strike="noStrike">
+                <a:solidFill>
+                  <a:srgbClr val="404041"/>
+                </a:solidFill>
+                <a:latin typeface="Arial"/>
+                <a:ea typeface="Arial"/>
+              </a:rPr>
+              <a:t>Interesting Observations</a:t>
+            </a:r>
+            <a:endParaRPr b="0" lang="en-US" sz="3000" spc="-1" strike="noStrike">
+              <a:latin typeface="Arial"/>
+            </a:endParaRPr>
+          </a:p>
+        </p:txBody>
+      </p:sp>
+    </p:spTree>
+  </p:cSld>
+  <p:timing>
+    <p:tnLst>
+      <p:par>
+        <p:cTn id="53" dur="indefinite" restart="never" nodeType="tmRoot">
+          <p:childTnLst>
+            <p:seq>
+              <p:cTn id="54" dur="indefinite" nodeType="mainSeq"/>
+              <p:prevCondLst>
+                <p:cond delay="0" evt="onPrev">
+                  <p:tgtEl>
+                    <p:sldTgt/>
+                  </p:tgtEl>
+                </p:cond>
+              </p:prevCondLst>
+              <p:nextCondLst>
+                <p:cond delay="0" evt="onNext">
+                  <p:tgtEl>
+                    <p:sldTgt/>
+                  </p:tgtEl>
+                </p:cond>
+              </p:nextCondLst>
+            </p:seq>
+          </p:childTnLst>
+        </p:cTn>
+      </p:par>
+    </p:tnLst>
+  </p:timing>
+</p:sld>
+</file>
+
+<file path=ppt/slides/slide28.xml><?xml version="1.0" encoding="utf-8"?>
+<p:sld xmlns:a="http://schemas.openxmlformats.org/drawingml/2006/main" xmlns:p="http://schemas.openxmlformats.org/presentationml/2006/main" xmlns:r="http://schemas.openxmlformats.org/officeDocument/2006/relationships" xmlns:p14="http://schemas.microsoft.com/office/powerpoint/2010/main" xmlns:p15="http://schemas.microsoft.com/office/powerpoint/2012/main" xmlns:mc="http://schemas.openxmlformats.org/markup-compatibility/2006">
+  <p:cSld>
+    <p:spTree>
+      <p:nvGrpSpPr>
+        <p:cNvPr id="1" name=""/>
+        <p:cNvGrpSpPr/>
+        <p:nvPr/>
+      </p:nvGrpSpPr>
+      <p:grpSpPr>
+        <a:xfrm>
+          <a:off x="0" y="0"/>
+          <a:ext cx="0" cy="0"/>
+          <a:chOff x="0" y="0"/>
+          <a:chExt cx="0" cy="0"/>
+        </a:xfrm>
+      </p:grpSpPr>
+      <p:sp>
+        <p:nvSpPr>
+          <p:cNvPr id="142" name="CustomShape 1"/>
+          <p:cNvSpPr/>
+          <p:nvPr/>
+        </p:nvSpPr>
+        <p:spPr>
+          <a:xfrm>
+            <a:off x="529920" y="759240"/>
+            <a:ext cx="8002080" cy="696960"/>
+          </a:xfrm>
+          <a:prstGeom prst="rect">
+            <a:avLst/>
+          </a:prstGeom>
+          <a:noFill/>
+          <a:ln>
+            <a:noFill/>
+          </a:ln>
+        </p:spPr>
+        <p:style>
+          <a:lnRef idx="0"/>
+          <a:fillRef idx="0"/>
+          <a:effectRef idx="0"/>
+          <a:fontRef idx="minor"/>
+        </p:style>
+        <p:txBody>
+          <a:bodyPr lIns="90000" rIns="90000" tIns="45000" bIns="45000" anchor="ctr"/>
+          <a:p>
+            <a:pPr>
+              <a:lnSpc>
+                <a:spcPct val="100000"/>
+              </a:lnSpc>
+            </a:pPr>
+            <a:r>
+              <a:rPr b="1" lang="en-US" sz="3000" spc="-1" strike="noStrike">
+                <a:solidFill>
+                  <a:srgbClr val="404041"/>
+                </a:solidFill>
+                <a:latin typeface="Arial"/>
+                <a:ea typeface="Arial"/>
+              </a:rPr>
+              <a:t>Challenges</a:t>
+            </a:r>
+            <a:endParaRPr b="0" lang="en-US" sz="3000" spc="-1" strike="noStrike">
+              <a:latin typeface="Arial"/>
+            </a:endParaRPr>
+          </a:p>
+        </p:txBody>
+      </p:sp>
+    </p:spTree>
+  </p:cSld>
+  <p:timing>
+    <p:tnLst>
+      <p:par>
+        <p:cTn id="55" dur="indefinite" restart="never" nodeType="tmRoot">
+          <p:childTnLst>
+            <p:seq>
+              <p:cTn id="56" dur="indefinite" nodeType="mainSeq"/>
+              <p:prevCondLst>
+                <p:cond delay="0" evt="onPrev">
+                  <p:tgtEl>
+                    <p:sldTgt/>
+                  </p:tgtEl>
+                </p:cond>
+              </p:prevCondLst>
+              <p:nextCondLst>
+                <p:cond delay="0" evt="onNext">
+                  <p:tgtEl>
+                    <p:sldTgt/>
+                  </p:tgtEl>
+                </p:cond>
+              </p:nextCondLst>
+            </p:seq>
+          </p:childTnLst>
+        </p:cTn>
+      </p:par>
+    </p:tnLst>
+  </p:timing>
+</p:sld>
+</file>
+
+<file path=ppt/slides/slide29.xml><?xml version="1.0" encoding="utf-8"?>
+<p:sld xmlns:a="http://schemas.openxmlformats.org/drawingml/2006/main" xmlns:p="http://schemas.openxmlformats.org/presentationml/2006/main" xmlns:r="http://schemas.openxmlformats.org/officeDocument/2006/relationships" xmlns:p14="http://schemas.microsoft.com/office/powerpoint/2010/main" xmlns:p15="http://schemas.microsoft.com/office/powerpoint/2012/main" xmlns:mc="http://schemas.openxmlformats.org/markup-compatibility/2006">
+  <p:cSld>
+    <p:spTree>
+      <p:nvGrpSpPr>
+        <p:cNvPr id="1" name=""/>
+        <p:cNvGrpSpPr/>
+        <p:nvPr/>
+      </p:nvGrpSpPr>
+      <p:grpSpPr>
+        <a:xfrm>
+          <a:off x="0" y="0"/>
+          <a:ext cx="0" cy="0"/>
+          <a:chOff x="0" y="0"/>
+          <a:chExt cx="0" cy="0"/>
+        </a:xfrm>
+      </p:grpSpPr>
+      <p:sp>
+        <p:nvSpPr>
+          <p:cNvPr id="143" name="CustomShape 1"/>
+          <p:cNvSpPr/>
+          <p:nvPr/>
+        </p:nvSpPr>
+        <p:spPr>
+          <a:xfrm>
+            <a:off x="529920" y="759240"/>
+            <a:ext cx="8002080" cy="696960"/>
+          </a:xfrm>
+          <a:prstGeom prst="rect">
+            <a:avLst/>
+          </a:prstGeom>
+          <a:noFill/>
+          <a:ln>
+            <a:noFill/>
+          </a:ln>
+        </p:spPr>
+        <p:style>
+          <a:lnRef idx="0"/>
+          <a:fillRef idx="0"/>
+          <a:effectRef idx="0"/>
+          <a:fontRef idx="minor"/>
+        </p:style>
+        <p:txBody>
+          <a:bodyPr lIns="90000" rIns="90000" tIns="45000" bIns="45000" anchor="ctr"/>
+          <a:p>
+            <a:pPr>
+              <a:lnSpc>
+                <a:spcPct val="100000"/>
+              </a:lnSpc>
+            </a:pPr>
+            <a:r>
+              <a:rPr b="1" lang="en-US" sz="3000" spc="-1" strike="noStrike">
+                <a:solidFill>
+                  <a:srgbClr val="404041"/>
+                </a:solidFill>
+                <a:latin typeface="Arial"/>
+                <a:ea typeface="Arial"/>
+              </a:rPr>
+              <a:t>Future Work</a:t>
+            </a:r>
+            <a:endParaRPr b="0" lang="en-US" sz="3000" spc="-1" strike="noStrike">
+              <a:latin typeface="Arial"/>
+            </a:endParaRPr>
+          </a:p>
+        </p:txBody>
+      </p:sp>
+    </p:spTree>
+  </p:cSld>
+  <p:timing>
+    <p:tnLst>
+      <p:par>
+        <p:cTn id="57" dur="indefinite" restart="never" nodeType="tmRoot">
+          <p:childTnLst>
+            <p:seq>
+              <p:cTn id="58" dur="indefinite" nodeType="mainSeq"/>
               <p:prevCondLst>
                 <p:cond delay="0" evt="onPrev">
                   <p:tgtEl>
@@ -5150,7 +6348,7 @@
         <p:spPr>
           <a:xfrm>
             <a:off x="529920" y="759240"/>
-            <a:ext cx="8002440" cy="697320"/>
+            <a:ext cx="8002080" cy="696960"/>
           </a:xfrm>
           <a:prstGeom prst="rect">
             <a:avLst/>
@@ -5186,6 +6384,80 @@
             </a:r>
             <a:endParaRPr b="0" lang="en-US" sz="3000" spc="-1" strike="noStrike">
               <a:latin typeface="Arial"/>
+            </a:endParaRPr>
+          </a:p>
+        </p:txBody>
+      </p:sp>
+      <p:sp>
+        <p:nvSpPr>
+          <p:cNvPr id="91" name="TextShape 2"/>
+          <p:cNvSpPr txBox="1"/>
+          <p:nvPr/>
+        </p:nvSpPr>
+        <p:spPr>
+          <a:xfrm>
+            <a:off x="731520" y="1972800"/>
+            <a:ext cx="8046720" cy="1355760"/>
+          </a:xfrm>
+          <a:prstGeom prst="rect">
+            <a:avLst/>
+          </a:prstGeom>
+          <a:noFill/>
+          <a:ln>
+            <a:noFill/>
+          </a:ln>
+        </p:spPr>
+        <p:txBody>
+          <a:bodyPr lIns="90000" rIns="90000" tIns="45000" bIns="45000"/>
+          <a:p>
+            <a:pPr marL="216000" indent="-216000">
+              <a:buClr>
+                <a:srgbClr val="000000"/>
+              </a:buClr>
+              <a:buSzPct val="45000"/>
+              <a:buFont typeface="Wingdings" charset="2"/>
+              <a:buChar char=""/>
+            </a:pPr>
+            <a:r>
+              <a:rPr b="0" lang="en-US" sz="1800" spc="-1" strike="noStrike">
+                <a:latin typeface="Times New Roman"/>
+              </a:rPr>
+              <a:t>Over the years journalists have had to face various perilous situations and many of them have been fatal.</a:t>
+            </a:r>
+            <a:endParaRPr b="0" lang="en-US" sz="1800" spc="-1" strike="noStrike">
+              <a:latin typeface="Times New Roman"/>
+            </a:endParaRPr>
+          </a:p>
+          <a:p>
+            <a:pPr marL="216000" indent="-216000">
+              <a:buClr>
+                <a:srgbClr val="000000"/>
+              </a:buClr>
+              <a:buSzPct val="45000"/>
+              <a:buFont typeface="Wingdings" charset="2"/>
+              <a:buChar char=""/>
+            </a:pPr>
+            <a:endParaRPr b="0" lang="en-US" sz="1800" spc="-1" strike="noStrike">
+              <a:latin typeface="Times New Roman"/>
+            </a:endParaRPr>
+          </a:p>
+          <a:p>
+            <a:pPr marL="216000" indent="-216000">
+              <a:buClr>
+                <a:srgbClr val="000000"/>
+              </a:buClr>
+              <a:buSzPct val="45000"/>
+              <a:buFont typeface="Wingdings" charset="2"/>
+              <a:buChar char=""/>
+            </a:pPr>
+            <a:r>
+              <a:rPr b="0" lang="en-US" sz="1800" spc="-1" strike="noStrike">
+                <a:latin typeface="Times New Roman"/>
+              </a:rPr>
+              <a:t>In this project, we aim to visualize the information about the journalists who gave their life for the job</a:t>
+            </a:r>
+            <a:endParaRPr b="0" lang="en-US" sz="1800" spc="-1" strike="noStrike">
+              <a:latin typeface="Times New Roman"/>
             </a:endParaRPr>
           </a:p>
         </p:txBody>
@@ -5222,6 +6494,211 @@
 </p:sld>
 </file>
 
+<file path=ppt/slides/slide30.xml><?xml version="1.0" encoding="utf-8"?>
+<p:sld xmlns:a="http://schemas.openxmlformats.org/drawingml/2006/main" xmlns:p="http://schemas.openxmlformats.org/presentationml/2006/main" xmlns:r="http://schemas.openxmlformats.org/officeDocument/2006/relationships" xmlns:p14="http://schemas.microsoft.com/office/powerpoint/2010/main" xmlns:p15="http://schemas.microsoft.com/office/powerpoint/2012/main" xmlns:mc="http://schemas.openxmlformats.org/markup-compatibility/2006">
+  <p:cSld>
+    <p:spTree>
+      <p:nvGrpSpPr>
+        <p:cNvPr id="1" name=""/>
+        <p:cNvGrpSpPr/>
+        <p:nvPr/>
+      </p:nvGrpSpPr>
+      <p:grpSpPr>
+        <a:xfrm>
+          <a:off x="0" y="0"/>
+          <a:ext cx="0" cy="0"/>
+          <a:chOff x="0" y="0"/>
+          <a:chExt cx="0" cy="0"/>
+        </a:xfrm>
+      </p:grpSpPr>
+      <p:sp>
+        <p:nvSpPr>
+          <p:cNvPr id="144" name="CustomShape 1"/>
+          <p:cNvSpPr/>
+          <p:nvPr/>
+        </p:nvSpPr>
+        <p:spPr>
+          <a:xfrm>
+            <a:off x="529920" y="759240"/>
+            <a:ext cx="8002080" cy="696960"/>
+          </a:xfrm>
+          <a:prstGeom prst="rect">
+            <a:avLst/>
+          </a:prstGeom>
+          <a:noFill/>
+          <a:ln>
+            <a:noFill/>
+          </a:ln>
+        </p:spPr>
+        <p:style>
+          <a:lnRef idx="0"/>
+          <a:fillRef idx="0"/>
+          <a:effectRef idx="0"/>
+          <a:fontRef idx="minor"/>
+        </p:style>
+        <p:txBody>
+          <a:bodyPr lIns="90000" rIns="90000" tIns="45000" bIns="45000" anchor="ctr"/>
+          <a:p>
+            <a:pPr>
+              <a:lnSpc>
+                <a:spcPct val="100000"/>
+              </a:lnSpc>
+            </a:pPr>
+            <a:r>
+              <a:rPr b="1" lang="en-US" sz="3000" spc="-1" strike="noStrike">
+                <a:solidFill>
+                  <a:srgbClr val="404041"/>
+                </a:solidFill>
+                <a:latin typeface="Arial"/>
+                <a:ea typeface="Arial"/>
+              </a:rPr>
+              <a:t>References</a:t>
+            </a:r>
+            <a:endParaRPr b="0" lang="en-US" sz="3000" spc="-1" strike="noStrike">
+              <a:latin typeface="Arial"/>
+            </a:endParaRPr>
+          </a:p>
+        </p:txBody>
+      </p:sp>
+      <p:sp>
+        <p:nvSpPr>
+          <p:cNvPr id="145" name="TextShape 2"/>
+          <p:cNvSpPr txBox="1"/>
+          <p:nvPr/>
+        </p:nvSpPr>
+        <p:spPr>
+          <a:xfrm>
+            <a:off x="548640" y="1492200"/>
+            <a:ext cx="6583680" cy="376920"/>
+          </a:xfrm>
+          <a:prstGeom prst="rect">
+            <a:avLst/>
+          </a:prstGeom>
+          <a:noFill/>
+          <a:ln>
+            <a:noFill/>
+          </a:ln>
+        </p:spPr>
+        <p:txBody>
+          <a:bodyPr lIns="90000" rIns="90000" tIns="45000" bIns="45000"/>
+          <a:p>
+            <a:pPr marL="216000" indent="-216000">
+              <a:buClr>
+                <a:srgbClr val="000000"/>
+              </a:buClr>
+              <a:buSzPct val="45000"/>
+              <a:buFont typeface="Symbol" charset="2"/>
+              <a:buChar char=""/>
+            </a:pPr>
+            <a:r>
+              <a:rPr b="0" lang="en-US" sz="1200" spc="-1" strike="noStrike">
+                <a:latin typeface="Arial"/>
+                <a:hlinkClick r:id="rId1"/>
+              </a:rPr>
+              <a:t>https://ichef.bbci.co.uk/news/624/media/images/80127000/jpg/_80127035_0b2b0a90-e3b4-4c0a-b1b3-06569f774e57.jpg</a:t>
+            </a:r>
+            <a:endParaRPr b="0" lang="en-US" sz="1200" spc="-1" strike="noStrike">
+              <a:latin typeface="Arial"/>
+            </a:endParaRPr>
+          </a:p>
+          <a:p>
+            <a:pPr marL="216000" indent="-216000">
+              <a:buClr>
+                <a:srgbClr val="000000"/>
+              </a:buClr>
+              <a:buSzPct val="45000"/>
+              <a:buFont typeface="Symbol" charset="2"/>
+              <a:buChar char=""/>
+            </a:pPr>
+            <a:r>
+              <a:rPr b="0" lang="en-US" sz="1200" spc="-1" strike="noStrike">
+                <a:latin typeface="Arial"/>
+              </a:rPr>
+              <a:t> </a:t>
+            </a:r>
+            <a:endParaRPr b="0" lang="en-US" sz="1200" spc="-1" strike="noStrike">
+              <a:latin typeface="Arial"/>
+            </a:endParaRPr>
+          </a:p>
+        </p:txBody>
+      </p:sp>
+    </p:spTree>
+  </p:cSld>
+  <p:timing>
+    <p:tnLst>
+      <p:par>
+        <p:cTn id="59" dur="indefinite" restart="never" nodeType="tmRoot">
+          <p:childTnLst>
+            <p:seq>
+              <p:cTn id="60" dur="indefinite" nodeType="mainSeq"/>
+              <p:prevCondLst>
+                <p:cond delay="0" evt="onPrev">
+                  <p:tgtEl>
+                    <p:sldTgt/>
+                  </p:tgtEl>
+                </p:cond>
+              </p:prevCondLst>
+              <p:nextCondLst>
+                <p:cond delay="0" evt="onNext">
+                  <p:tgtEl>
+                    <p:sldTgt/>
+                  </p:tgtEl>
+                </p:cond>
+              </p:nextCondLst>
+            </p:seq>
+          </p:childTnLst>
+        </p:cTn>
+      </p:par>
+    </p:tnLst>
+  </p:timing>
+</p:sld>
+</file>
+
+<file path=ppt/slides/slide31.xml><?xml version="1.0" encoding="utf-8"?>
+<p:sld xmlns:a="http://schemas.openxmlformats.org/drawingml/2006/main" xmlns:p="http://schemas.openxmlformats.org/presentationml/2006/main" xmlns:r="http://schemas.openxmlformats.org/officeDocument/2006/relationships" xmlns:p14="http://schemas.microsoft.com/office/powerpoint/2010/main" xmlns:p15="http://schemas.microsoft.com/office/powerpoint/2012/main" xmlns:mc="http://schemas.openxmlformats.org/markup-compatibility/2006">
+  <p:cSld>
+    <p:spTree>
+      <p:nvGrpSpPr>
+        <p:cNvPr id="1" name=""/>
+        <p:cNvGrpSpPr/>
+        <p:nvPr/>
+      </p:nvGrpSpPr>
+      <p:grpSpPr>
+        <a:xfrm>
+          <a:off x="0" y="0"/>
+          <a:ext cx="0" cy="0"/>
+          <a:chOff x="0" y="0"/>
+          <a:chExt cx="0" cy="0"/>
+        </a:xfrm>
+      </p:grpSpPr>
+      <p:pic>
+        <p:nvPicPr>
+          <p:cNvPr id="146" name="" descr=""/>
+          <p:cNvPicPr/>
+          <p:nvPr/>
+        </p:nvPicPr>
+        <p:blipFill>
+          <a:blip r:embed="rId1"/>
+          <a:stretch/>
+        </p:blipFill>
+        <p:spPr>
+          <a:xfrm>
+            <a:off x="197640" y="0"/>
+            <a:ext cx="8748360" cy="5143680"/>
+          </a:xfrm>
+          <a:prstGeom prst="rect">
+            <a:avLst/>
+          </a:prstGeom>
+          <a:ln>
+            <a:noFill/>
+          </a:ln>
+        </p:spPr>
+      </p:pic>
+    </p:spTree>
+  </p:cSld>
+</p:sld>
+</file>
+
 <file path=ppt/slides/slide4.xml><?xml version="1.0" encoding="utf-8"?>
 <p:sld xmlns:a="http://schemas.openxmlformats.org/drawingml/2006/main" xmlns:p="http://schemas.openxmlformats.org/presentationml/2006/main" xmlns:r="http://schemas.openxmlformats.org/officeDocument/2006/relationships" xmlns:p14="http://schemas.microsoft.com/office/powerpoint/2010/main" xmlns:p15="http://schemas.microsoft.com/office/powerpoint/2012/main" xmlns:mc="http://schemas.openxmlformats.org/markup-compatibility/2006">
   <p:cSld>
@@ -5241,14 +6718,14 @@
       </p:grpSpPr>
       <p:sp>
         <p:nvSpPr>
-          <p:cNvPr id="91" name="CustomShape 1"/>
+          <p:cNvPr id="92" name="CustomShape 1"/>
           <p:cNvSpPr/>
           <p:nvPr/>
         </p:nvSpPr>
         <p:spPr>
           <a:xfrm>
             <a:off x="529920" y="759240"/>
-            <a:ext cx="8002440" cy="697320"/>
+            <a:ext cx="8002080" cy="696960"/>
           </a:xfrm>
           <a:prstGeom prst="rect">
             <a:avLst/>
@@ -5280,7 +6757,7 @@
                 <a:latin typeface="Arial"/>
                 <a:ea typeface="Arial"/>
               </a:rPr>
-              <a:t>Motivation</a:t>
+              <a:t>Motivation: Attacks on Journalists</a:t>
             </a:r>
             <a:endParaRPr b="0" lang="en-US" sz="3000" spc="-1" strike="noStrike">
               <a:latin typeface="Arial"/>
@@ -5288,6 +6765,71 @@
           </a:p>
         </p:txBody>
       </p:sp>
+      <p:sp>
+        <p:nvSpPr>
+          <p:cNvPr id="93" name="TextShape 2"/>
+          <p:cNvSpPr txBox="1"/>
+          <p:nvPr/>
+        </p:nvSpPr>
+        <p:spPr>
+          <a:xfrm>
+            <a:off x="640080" y="1687680"/>
+            <a:ext cx="8046720" cy="849600"/>
+          </a:xfrm>
+          <a:prstGeom prst="rect">
+            <a:avLst/>
+          </a:prstGeom>
+          <a:noFill/>
+          <a:ln>
+            <a:noFill/>
+          </a:ln>
+        </p:spPr>
+        <p:txBody>
+          <a:bodyPr lIns="90000" rIns="90000" tIns="45000" bIns="45000"/>
+          <a:p>
+            <a:pPr marL="216000" indent="-216000">
+              <a:buClr>
+                <a:srgbClr val="000000"/>
+              </a:buClr>
+              <a:buSzPct val="45000"/>
+              <a:buFont typeface="Wingdings" charset="2"/>
+              <a:buChar char=""/>
+            </a:pPr>
+            <a:r>
+              <a:rPr b="0" lang="en-US" sz="1800" spc="-1" strike="noStrike">
+                <a:latin typeface="Times New Roman"/>
+              </a:rPr>
+              <a:t>One of the most noticeable attacks on the freedom of press in the recent past has been the attack on the office of the French satirical newspaper Charlie Hebdo in Paris in 2015.</a:t>
+            </a:r>
+            <a:endParaRPr b="0" lang="en-US" sz="1800" spc="-1" strike="noStrike">
+              <a:latin typeface="Times New Roman"/>
+            </a:endParaRPr>
+          </a:p>
+        </p:txBody>
+      </p:sp>
+      <p:pic>
+        <p:nvPicPr>
+          <p:cNvPr id="94" name="" descr=""/>
+          <p:cNvPicPr/>
+          <p:nvPr/>
+        </p:nvPicPr>
+        <p:blipFill>
+          <a:blip r:embed="rId1"/>
+          <a:stretch/>
+        </p:blipFill>
+        <p:spPr>
+          <a:xfrm>
+            <a:off x="3474720" y="2286000"/>
+            <a:ext cx="4389120" cy="2468880"/>
+          </a:xfrm>
+          <a:prstGeom prst="rect">
+            <a:avLst/>
+          </a:prstGeom>
+          <a:ln>
+            <a:noFill/>
+          </a:ln>
+        </p:spPr>
+      </p:pic>
     </p:spTree>
   </p:cSld>
   <p:timing>
@@ -5339,14 +6881,14 @@
       </p:grpSpPr>
       <p:sp>
         <p:nvSpPr>
-          <p:cNvPr id="92" name="CustomShape 1"/>
+          <p:cNvPr id="95" name="CustomShape 1"/>
           <p:cNvSpPr/>
           <p:nvPr/>
         </p:nvSpPr>
         <p:spPr>
           <a:xfrm>
             <a:off x="529920" y="759240"/>
-            <a:ext cx="8002440" cy="697320"/>
+            <a:ext cx="8002080" cy="696960"/>
           </a:xfrm>
           <a:prstGeom prst="rect">
             <a:avLst/>
@@ -5378,9 +6920,243 @@
                 <a:latin typeface="Arial"/>
                 <a:ea typeface="Arial"/>
               </a:rPr>
-              <a:t>Background</a:t>
+              <a:t>Motiva</a:t>
+            </a:r>
+            <a:r>
+              <a:rPr b="1" lang="en-US" sz="3000" spc="-1" strike="noStrike">
+                <a:solidFill>
+                  <a:srgbClr val="404041"/>
+                </a:solidFill>
+                <a:latin typeface="Arial"/>
+                <a:ea typeface="Arial"/>
+              </a:rPr>
+              <a:t>tion: </a:t>
+            </a:r>
+            <a:r>
+              <a:rPr b="1" lang="en-US" sz="3000" spc="-1" strike="noStrike">
+                <a:solidFill>
+                  <a:srgbClr val="404041"/>
+                </a:solidFill>
+                <a:latin typeface="Arial"/>
+                <a:ea typeface="Arial"/>
+              </a:rPr>
+              <a:t>Missin</a:t>
+            </a:r>
+            <a:r>
+              <a:rPr b="1" lang="en-US" sz="3000" spc="-1" strike="noStrike">
+                <a:solidFill>
+                  <a:srgbClr val="404041"/>
+                </a:solidFill>
+                <a:latin typeface="Arial"/>
+                <a:ea typeface="Arial"/>
+              </a:rPr>
+              <a:t>g </a:t>
+            </a:r>
+            <a:r>
+              <a:rPr b="1" lang="en-US" sz="3000" spc="-1" strike="noStrike">
+                <a:solidFill>
+                  <a:srgbClr val="404041"/>
+                </a:solidFill>
+                <a:latin typeface="Arial"/>
+                <a:ea typeface="Arial"/>
+              </a:rPr>
+              <a:t>Journ</a:t>
+            </a:r>
+            <a:r>
+              <a:rPr b="1" lang="en-US" sz="3000" spc="-1" strike="noStrike">
+                <a:solidFill>
+                  <a:srgbClr val="404041"/>
+                </a:solidFill>
+                <a:latin typeface="Arial"/>
+                <a:ea typeface="Arial"/>
+              </a:rPr>
+              <a:t>alists</a:t>
             </a:r>
             <a:endParaRPr b="0" lang="en-US" sz="3000" spc="-1" strike="noStrike">
+              <a:latin typeface="Arial"/>
+            </a:endParaRPr>
+          </a:p>
+        </p:txBody>
+      </p:sp>
+      <p:sp>
+        <p:nvSpPr>
+          <p:cNvPr id="96" name="TextShape 2"/>
+          <p:cNvSpPr txBox="1"/>
+          <p:nvPr/>
+        </p:nvSpPr>
+        <p:spPr>
+          <a:xfrm>
+            <a:off x="640080" y="1598040"/>
+            <a:ext cx="8046720" cy="596520"/>
+          </a:xfrm>
+          <a:prstGeom prst="rect">
+            <a:avLst/>
+          </a:prstGeom>
+          <a:noFill/>
+          <a:ln>
+            <a:noFill/>
+          </a:ln>
+        </p:spPr>
+        <p:txBody>
+          <a:bodyPr lIns="90000" rIns="90000" tIns="45000" bIns="45000"/>
+          <a:p>
+            <a:pPr marL="216000" indent="-216000">
+              <a:buClr>
+                <a:srgbClr val="000000"/>
+              </a:buClr>
+              <a:buSzPct val="45000"/>
+              <a:buFont typeface="Wingdings" charset="2"/>
+              <a:buChar char=""/>
+            </a:pPr>
+            <a:r>
+              <a:rPr b="0" lang="en-US" sz="1800" spc="-1" strike="noStrike">
+                <a:latin typeface="Times New Roman"/>
+              </a:rPr>
+              <a:t> </a:t>
+            </a:r>
+            <a:r>
+              <a:rPr b="0" lang="en-US" sz="1800" spc="-1" strike="noStrike">
+                <a:latin typeface="Times New Roman"/>
+              </a:rPr>
+              <a:t>Reports from Reporters Without Borders (RSF) about the two journalists who are missing since 2017 emphasize the need for protection of freedom of speech.</a:t>
+            </a:r>
+            <a:endParaRPr b="0" lang="en-US" sz="1800" spc="-1" strike="noStrike">
+              <a:latin typeface="Times New Roman"/>
+            </a:endParaRPr>
+          </a:p>
+        </p:txBody>
+      </p:sp>
+      <p:pic>
+        <p:nvPicPr>
+          <p:cNvPr id="97" name="" descr=""/>
+          <p:cNvPicPr/>
+          <p:nvPr/>
+        </p:nvPicPr>
+        <p:blipFill>
+          <a:blip r:embed="rId1"/>
+          <a:stretch/>
+        </p:blipFill>
+        <p:spPr>
+          <a:xfrm rot="7200">
+            <a:off x="1281960" y="2195640"/>
+            <a:ext cx="1370160" cy="1753200"/>
+          </a:xfrm>
+          <a:prstGeom prst="rect">
+            <a:avLst/>
+          </a:prstGeom>
+          <a:ln>
+            <a:noFill/>
+          </a:ln>
+        </p:spPr>
+      </p:pic>
+      <p:pic>
+        <p:nvPicPr>
+          <p:cNvPr id="98" name="" descr=""/>
+          <p:cNvPicPr/>
+          <p:nvPr/>
+        </p:nvPicPr>
+        <p:blipFill>
+          <a:blip r:embed="rId2"/>
+          <a:stretch/>
+        </p:blipFill>
+        <p:spPr>
+          <a:xfrm>
+            <a:off x="5212080" y="2194560"/>
+            <a:ext cx="1280160" cy="1669680"/>
+          </a:xfrm>
+          <a:prstGeom prst="rect">
+            <a:avLst/>
+          </a:prstGeom>
+          <a:ln>
+            <a:noFill/>
+          </a:ln>
+        </p:spPr>
+      </p:pic>
+      <p:sp>
+        <p:nvSpPr>
+          <p:cNvPr id="99" name="TextShape 3"/>
+          <p:cNvSpPr txBox="1"/>
+          <p:nvPr/>
+        </p:nvSpPr>
+        <p:spPr>
+          <a:xfrm>
+            <a:off x="1097280" y="4114800"/>
+            <a:ext cx="2942280" cy="520200"/>
+          </a:xfrm>
+          <a:prstGeom prst="rect">
+            <a:avLst/>
+          </a:prstGeom>
+          <a:noFill/>
+          <a:ln>
+            <a:noFill/>
+          </a:ln>
+        </p:spPr>
+        <p:txBody>
+          <a:bodyPr lIns="90000" rIns="90000" tIns="45000" bIns="45000"/>
+          <a:p>
+            <a:r>
+              <a:rPr b="0" lang="en-US" sz="1800" spc="-1" strike="noStrike">
+                <a:latin typeface="Arial"/>
+              </a:rPr>
+              <a:t>38 year old Pakistani </a:t>
+            </a:r>
+            <a:endParaRPr b="0" lang="en-US" sz="1800" spc="-1" strike="noStrike">
+              <a:latin typeface="Arial"/>
+            </a:endParaRPr>
+          </a:p>
+          <a:p>
+            <a:r>
+              <a:rPr b="0" lang="en-US" sz="1800" spc="-1" strike="noStrike">
+                <a:latin typeface="Arial"/>
+              </a:rPr>
+              <a:t>blogger missing since 2017</a:t>
+            </a:r>
+            <a:endParaRPr b="0" lang="en-US" sz="1800" spc="-1" strike="noStrike">
+              <a:latin typeface="Arial"/>
+            </a:endParaRPr>
+          </a:p>
+        </p:txBody>
+      </p:sp>
+      <p:sp>
+        <p:nvSpPr>
+          <p:cNvPr id="100" name="TextShape 4"/>
+          <p:cNvSpPr txBox="1"/>
+          <p:nvPr/>
+        </p:nvSpPr>
+        <p:spPr>
+          <a:xfrm>
+            <a:off x="4754880" y="4051800"/>
+            <a:ext cx="3487680" cy="520200"/>
+          </a:xfrm>
+          <a:prstGeom prst="rect">
+            <a:avLst/>
+          </a:prstGeom>
+          <a:noFill/>
+          <a:ln>
+            <a:noFill/>
+          </a:ln>
+        </p:spPr>
+        <p:txBody>
+          <a:bodyPr lIns="90000" rIns="90000" tIns="45000" bIns="45000"/>
+          <a:p>
+            <a:r>
+              <a:rPr b="0" lang="en-US" sz="1800" spc="-1" strike="noStrike">
+                <a:latin typeface="Arial"/>
+              </a:rPr>
+              <a:t>29 year old Bangladeshi reporter</a:t>
+            </a:r>
+            <a:endParaRPr b="0" lang="en-US" sz="1800" spc="-1" strike="noStrike">
+              <a:latin typeface="Arial"/>
+            </a:endParaRPr>
+          </a:p>
+          <a:p>
+            <a:r>
+              <a:rPr b="0" lang="en-US" sz="1800" spc="-1" strike="noStrike">
+                <a:latin typeface="Arial"/>
+              </a:rPr>
+              <a:t>missing 2017</a:t>
+            </a:r>
+            <a:endParaRPr b="0" lang="en-US" sz="1800" spc="-1" strike="noStrike">
               <a:latin typeface="Arial"/>
             </a:endParaRPr>
           </a:p>
@@ -5437,14 +7213,14 @@
       </p:grpSpPr>
       <p:sp>
         <p:nvSpPr>
-          <p:cNvPr id="93" name="CustomShape 1"/>
+          <p:cNvPr id="101" name="CustomShape 1"/>
           <p:cNvSpPr/>
           <p:nvPr/>
         </p:nvSpPr>
         <p:spPr>
           <a:xfrm>
             <a:off x="529920" y="759240"/>
-            <a:ext cx="8002440" cy="697320"/>
+            <a:ext cx="8002080" cy="696960"/>
           </a:xfrm>
           <a:prstGeom prst="rect">
             <a:avLst/>
@@ -5476,7 +7252,7 @@
                 <a:latin typeface="Arial"/>
                 <a:ea typeface="Arial"/>
               </a:rPr>
-              <a:t>Data Description</a:t>
+              <a:t>Motivation: Organizations</a:t>
             </a:r>
             <a:endParaRPr b="0" lang="en-US" sz="3000" spc="-1" strike="noStrike">
               <a:latin typeface="Arial"/>
@@ -5484,6 +7260,109 @@
           </a:p>
         </p:txBody>
       </p:sp>
+      <p:sp>
+        <p:nvSpPr>
+          <p:cNvPr id="102" name="TextShape 2"/>
+          <p:cNvSpPr txBox="1"/>
+          <p:nvPr/>
+        </p:nvSpPr>
+        <p:spPr>
+          <a:xfrm>
+            <a:off x="640080" y="1598040"/>
+            <a:ext cx="8046720" cy="1355760"/>
+          </a:xfrm>
+          <a:prstGeom prst="rect">
+            <a:avLst/>
+          </a:prstGeom>
+          <a:noFill/>
+          <a:ln>
+            <a:noFill/>
+          </a:ln>
+        </p:spPr>
+        <p:txBody>
+          <a:bodyPr lIns="90000" rIns="90000" tIns="45000" bIns="45000"/>
+          <a:p>
+            <a:pPr marL="216000" indent="-216000">
+              <a:buClr>
+                <a:srgbClr val="000000"/>
+              </a:buClr>
+              <a:buSzPct val="45000"/>
+              <a:buFont typeface="Wingdings" charset="2"/>
+              <a:buChar char=""/>
+            </a:pPr>
+            <a:r>
+              <a:rPr b="0" lang="en-US" sz="1800" spc="-1" strike="noStrike">
+                <a:latin typeface="Times New Roman"/>
+              </a:rPr>
+              <a:t>The Committee to Protect Journalists (CPJ) is an American non-profit organization that was founded in 1981</a:t>
+            </a:r>
+            <a:endParaRPr b="0" lang="en-US" sz="1800" spc="-1" strike="noStrike">
+              <a:latin typeface="Times New Roman"/>
+            </a:endParaRPr>
+          </a:p>
+          <a:p>
+            <a:pPr marL="216000" indent="-216000">
+              <a:buClr>
+                <a:srgbClr val="000000"/>
+              </a:buClr>
+              <a:buSzPct val="45000"/>
+              <a:buFont typeface="Wingdings" charset="2"/>
+              <a:buChar char=""/>
+            </a:pPr>
+            <a:r>
+              <a:rPr b="0" lang="en-US" sz="1800" spc="-1" strike="noStrike">
+                <a:latin typeface="Times New Roman"/>
+              </a:rPr>
+              <a:t>Advocates press freedom and honor the journalists who face attacks, intimidation and even prison in order to report the world events.</a:t>
+            </a:r>
+            <a:endParaRPr b="0" lang="en-US" sz="1800" spc="-1" strike="noStrike">
+              <a:latin typeface="Times New Roman"/>
+            </a:endParaRPr>
+          </a:p>
+          <a:p>
+            <a:pPr marL="216000" indent="-216000">
+              <a:buClr>
+                <a:srgbClr val="000000"/>
+              </a:buClr>
+              <a:buSzPct val="45000"/>
+              <a:buFont typeface="Wingdings" charset="2"/>
+              <a:buChar char=""/>
+            </a:pPr>
+            <a:r>
+              <a:rPr b="0" lang="en-US" sz="1800" spc="-1" strike="noStrike">
+                <a:latin typeface="Times New Roman"/>
+              </a:rPr>
+              <a:t>The CPJ maintains a running list of the journalists killed across the globe</a:t>
+            </a:r>
+            <a:endParaRPr b="0" lang="en-US" sz="1800" spc="-1" strike="noStrike">
+              <a:latin typeface="Times New Roman"/>
+            </a:endParaRPr>
+          </a:p>
+        </p:txBody>
+      </p:sp>
+      <p:pic>
+        <p:nvPicPr>
+          <p:cNvPr id="103" name="" descr=""/>
+          <p:cNvPicPr/>
+          <p:nvPr/>
+        </p:nvPicPr>
+        <p:blipFill>
+          <a:blip r:embed="rId1"/>
+          <a:stretch/>
+        </p:blipFill>
+        <p:spPr>
+          <a:xfrm>
+            <a:off x="3568320" y="3108960"/>
+            <a:ext cx="1460880" cy="1094040"/>
+          </a:xfrm>
+          <a:prstGeom prst="rect">
+            <a:avLst/>
+          </a:prstGeom>
+          <a:ln>
+            <a:noFill/>
+          </a:ln>
+        </p:spPr>
+      </p:pic>
     </p:spTree>
   </p:cSld>
   <p:timing>
@@ -5535,14 +7414,14 @@
       </p:grpSpPr>
       <p:sp>
         <p:nvSpPr>
-          <p:cNvPr id="94" name="CustomShape 1"/>
+          <p:cNvPr id="104" name="CustomShape 1"/>
           <p:cNvSpPr/>
           <p:nvPr/>
         </p:nvSpPr>
         <p:spPr>
           <a:xfrm>
             <a:off x="529920" y="759240"/>
-            <a:ext cx="8002440" cy="697320"/>
+            <a:ext cx="8002080" cy="696960"/>
           </a:xfrm>
           <a:prstGeom prst="rect">
             <a:avLst/>
@@ -5574,7 +7453,7 @@
                 <a:latin typeface="Arial"/>
                 <a:ea typeface="Arial"/>
               </a:rPr>
-              <a:t>Exploratory Analysis: Time series</a:t>
+              <a:t>Motivation: Organizations</a:t>
             </a:r>
             <a:endParaRPr b="0" lang="en-US" sz="3000" spc="-1" strike="noStrike">
               <a:latin typeface="Arial"/>
@@ -5582,6 +7461,71 @@
           </a:p>
         </p:txBody>
       </p:sp>
+      <p:sp>
+        <p:nvSpPr>
+          <p:cNvPr id="105" name="TextShape 2"/>
+          <p:cNvSpPr txBox="1"/>
+          <p:nvPr/>
+        </p:nvSpPr>
+        <p:spPr>
+          <a:xfrm>
+            <a:off x="640080" y="1598040"/>
+            <a:ext cx="8046720" cy="596520"/>
+          </a:xfrm>
+          <a:prstGeom prst="rect">
+            <a:avLst/>
+          </a:prstGeom>
+          <a:noFill/>
+          <a:ln>
+            <a:noFill/>
+          </a:ln>
+        </p:spPr>
+        <p:txBody>
+          <a:bodyPr lIns="90000" rIns="90000" tIns="45000" bIns="45000"/>
+          <a:p>
+            <a:pPr marL="216000" indent="-216000">
+              <a:buClr>
+                <a:srgbClr val="000000"/>
+              </a:buClr>
+              <a:buSzPct val="45000"/>
+              <a:buFont typeface="Wingdings" charset="2"/>
+              <a:buChar char=""/>
+            </a:pPr>
+            <a:r>
+              <a:rPr b="0" lang="en-US" sz="1800" spc="-1" strike="noStrike">
+                <a:latin typeface="Times New Roman"/>
+              </a:rPr>
+              <a:t>Reporters without Borders (RSF) is a non profit organization based in Paris,  advocating freedom of press and information, since its foundation in 1981 </a:t>
+            </a:r>
+            <a:endParaRPr b="0" lang="en-US" sz="1800" spc="-1" strike="noStrike">
+              <a:latin typeface="Times New Roman"/>
+            </a:endParaRPr>
+          </a:p>
+        </p:txBody>
+      </p:sp>
+      <p:pic>
+        <p:nvPicPr>
+          <p:cNvPr id="106" name="" descr=""/>
+          <p:cNvPicPr/>
+          <p:nvPr/>
+        </p:nvPicPr>
+        <p:blipFill>
+          <a:blip r:embed="rId1"/>
+          <a:stretch/>
+        </p:blipFill>
+        <p:spPr>
+          <a:xfrm>
+            <a:off x="3182760" y="3018240"/>
+            <a:ext cx="1755000" cy="502560"/>
+          </a:xfrm>
+          <a:prstGeom prst="rect">
+            <a:avLst/>
+          </a:prstGeom>
+          <a:ln>
+            <a:noFill/>
+          </a:ln>
+        </p:spPr>
+      </p:pic>
     </p:spTree>
   </p:cSld>
   <p:timing>
@@ -5633,14 +7577,14 @@
       </p:grpSpPr>
       <p:sp>
         <p:nvSpPr>
-          <p:cNvPr id="95" name="CustomShape 1"/>
+          <p:cNvPr id="107" name="CustomShape 1"/>
           <p:cNvSpPr/>
           <p:nvPr/>
         </p:nvSpPr>
         <p:spPr>
           <a:xfrm>
-            <a:off x="529920" y="759240"/>
-            <a:ext cx="8002440" cy="697320"/>
+            <a:off x="529920" y="615240"/>
+            <a:ext cx="8002080" cy="696960"/>
           </a:xfrm>
           <a:prstGeom prst="rect">
             <a:avLst/>
@@ -5672,10 +7616,75 @@
                 <a:latin typeface="Arial"/>
                 <a:ea typeface="Arial"/>
               </a:rPr>
-              <a:t>Exploratory Analysis: Countries</a:t>
+              <a:t>Related Work</a:t>
             </a:r>
             <a:endParaRPr b="0" lang="en-US" sz="3000" spc="-1" strike="noStrike">
               <a:latin typeface="Arial"/>
+            </a:endParaRPr>
+          </a:p>
+        </p:txBody>
+      </p:sp>
+      <p:pic>
+        <p:nvPicPr>
+          <p:cNvPr id="108" name="" descr=""/>
+          <p:cNvPicPr/>
+          <p:nvPr/>
+        </p:nvPicPr>
+        <p:blipFill>
+          <a:blip r:embed="rId1"/>
+          <a:stretch/>
+        </p:blipFill>
+        <p:spPr>
+          <a:xfrm>
+            <a:off x="1005840" y="1822320"/>
+            <a:ext cx="6949440" cy="2932560"/>
+          </a:xfrm>
+          <a:prstGeom prst="rect">
+            <a:avLst/>
+          </a:prstGeom>
+          <a:ln>
+            <a:noFill/>
+          </a:ln>
+        </p:spPr>
+      </p:pic>
+      <p:sp>
+        <p:nvSpPr>
+          <p:cNvPr id="109" name="TextShape 2"/>
+          <p:cNvSpPr txBox="1"/>
+          <p:nvPr/>
+        </p:nvSpPr>
+        <p:spPr>
+          <a:xfrm>
+            <a:off x="485280" y="1323720"/>
+            <a:ext cx="8046720" cy="343440"/>
+          </a:xfrm>
+          <a:prstGeom prst="rect">
+            <a:avLst/>
+          </a:prstGeom>
+          <a:noFill/>
+          <a:ln>
+            <a:noFill/>
+          </a:ln>
+        </p:spPr>
+        <p:txBody>
+          <a:bodyPr lIns="90000" rIns="90000" tIns="45000" bIns="45000"/>
+          <a:p>
+            <a:pPr marL="216000" indent="-216000">
+              <a:buClr>
+                <a:srgbClr val="000000"/>
+              </a:buClr>
+              <a:buSzPct val="45000"/>
+              <a:buFont typeface="Wingdings" charset="2"/>
+              <a:buChar char=""/>
+            </a:pPr>
+            <a:r>
+              <a:rPr b="0" lang="en-US" sz="1800" spc="-1" strike="noStrike">
+                <a:latin typeface="Times New Roman"/>
+              </a:rPr>
+              <a:t>CPJ Visualization for journalists killed between 1992 and 2018 by year  </a:t>
+            </a:r>
+            <a:endParaRPr b="0" lang="en-US" sz="1800" spc="-1" strike="noStrike">
+              <a:latin typeface="Times New Roman"/>
             </a:endParaRPr>
           </a:p>
         </p:txBody>
@@ -5731,14 +7740,14 @@
       </p:grpSpPr>
       <p:sp>
         <p:nvSpPr>
-          <p:cNvPr id="96" name="CustomShape 1"/>
+          <p:cNvPr id="110" name="CustomShape 1"/>
           <p:cNvSpPr/>
           <p:nvPr/>
         </p:nvSpPr>
         <p:spPr>
           <a:xfrm>
-            <a:off x="529920" y="759240"/>
-            <a:ext cx="8002440" cy="697320"/>
+            <a:off x="529920" y="615240"/>
+            <a:ext cx="8002080" cy="696960"/>
           </a:xfrm>
           <a:prstGeom prst="rect">
             <a:avLst/>
@@ -5770,7 +7779,7 @@
                 <a:latin typeface="Arial"/>
                 <a:ea typeface="Arial"/>
               </a:rPr>
-              <a:t>Exploratory Analysis: Gender ratios </a:t>
+              <a:t>Related Work</a:t>
             </a:r>
             <a:endParaRPr b="0" lang="en-US" sz="3000" spc="-1" strike="noStrike">
               <a:latin typeface="Arial"/>
@@ -5778,6 +7787,71 @@
           </a:p>
         </p:txBody>
       </p:sp>
+      <p:sp>
+        <p:nvSpPr>
+          <p:cNvPr id="111" name="TextShape 2"/>
+          <p:cNvSpPr txBox="1"/>
+          <p:nvPr/>
+        </p:nvSpPr>
+        <p:spPr>
+          <a:xfrm>
+            <a:off x="457200" y="1280160"/>
+            <a:ext cx="8046720" cy="343440"/>
+          </a:xfrm>
+          <a:prstGeom prst="rect">
+            <a:avLst/>
+          </a:prstGeom>
+          <a:noFill/>
+          <a:ln>
+            <a:noFill/>
+          </a:ln>
+        </p:spPr>
+        <p:txBody>
+          <a:bodyPr lIns="90000" rIns="90000" tIns="45000" bIns="45000"/>
+          <a:p>
+            <a:pPr marL="216000" indent="-216000">
+              <a:buClr>
+                <a:srgbClr val="000000"/>
+              </a:buClr>
+              <a:buSzPct val="45000"/>
+              <a:buFont typeface="Wingdings" charset="2"/>
+              <a:buChar char=""/>
+            </a:pPr>
+            <a:r>
+              <a:rPr b="0" lang="en-US" sz="1800" spc="-1" strike="noStrike">
+                <a:latin typeface="Times New Roman"/>
+              </a:rPr>
+              <a:t>CPJ data map for journalists killed in the year 2018  </a:t>
+            </a:r>
+            <a:endParaRPr b="0" lang="en-US" sz="1800" spc="-1" strike="noStrike">
+              <a:latin typeface="Times New Roman"/>
+            </a:endParaRPr>
+          </a:p>
+        </p:txBody>
+      </p:sp>
+      <p:pic>
+        <p:nvPicPr>
+          <p:cNvPr id="112" name="" descr=""/>
+          <p:cNvPicPr/>
+          <p:nvPr/>
+        </p:nvPicPr>
+        <p:blipFill>
+          <a:blip r:embed="rId1"/>
+          <a:stretch/>
+        </p:blipFill>
+        <p:spPr>
+          <a:xfrm>
+            <a:off x="1097280" y="1757520"/>
+            <a:ext cx="7132320" cy="2905920"/>
+          </a:xfrm>
+          <a:prstGeom prst="rect">
+            <a:avLst/>
+          </a:prstGeom>
+          <a:ln>
+            <a:noFill/>
+          </a:ln>
+        </p:spPr>
+      </p:pic>
     </p:spTree>
   </p:cSld>
   <p:timing>

--- a/dviz_ppt.pptx
+++ b/dviz_ppt.pptx
@@ -1,50 +1,146 @@
 
 <file path=ppt/presentation.xml><?xml version="1.0" encoding="utf-8"?>
-<p:presentation xmlns:a="http://schemas.openxmlformats.org/drawingml/2006/main" xmlns:p="http://schemas.openxmlformats.org/presentationml/2006/main" xmlns:r="http://schemas.openxmlformats.org/officeDocument/2006/relationships" xmlns:p14="http://schemas.microsoft.com/office/powerpoint/2010/main" xmlns:p15="http://schemas.microsoft.com/office/powerpoint/2012/main" xmlns:mc="http://schemas.openxmlformats.org/markup-compatibility/2006">
+<p:presentation xmlns:a="http://schemas.openxmlformats.org/drawingml/2006/main" xmlns:r="http://schemas.openxmlformats.org/officeDocument/2006/relationships" xmlns:p="http://schemas.openxmlformats.org/presentationml/2006/main">
   <p:sldMasterIdLst>
-    <p:sldMasterId id="2147483648" r:id="rId2"/>
-    <p:sldMasterId id="2147483661" r:id="rId3"/>
+    <p:sldMasterId id="2147483648" r:id="rId1"/>
+    <p:sldMasterId id="2147483661" r:id="rId2"/>
   </p:sldMasterIdLst>
   <p:sldIdLst>
-    <p:sldId id="256" r:id="rId4"/>
-    <p:sldId id="257" r:id="rId5"/>
-    <p:sldId id="258" r:id="rId6"/>
-    <p:sldId id="259" r:id="rId7"/>
-    <p:sldId id="260" r:id="rId8"/>
-    <p:sldId id="261" r:id="rId9"/>
-    <p:sldId id="262" r:id="rId10"/>
-    <p:sldId id="263" r:id="rId11"/>
-    <p:sldId id="264" r:id="rId12"/>
-    <p:sldId id="265" r:id="rId13"/>
-    <p:sldId id="266" r:id="rId14"/>
-    <p:sldId id="267" r:id="rId15"/>
-    <p:sldId id="268" r:id="rId16"/>
+    <p:sldId id="256" r:id="rId3"/>
+    <p:sldId id="257" r:id="rId4"/>
+    <p:sldId id="258" r:id="rId5"/>
+    <p:sldId id="259" r:id="rId6"/>
+    <p:sldId id="260" r:id="rId7"/>
+    <p:sldId id="261" r:id="rId8"/>
+    <p:sldId id="262" r:id="rId9"/>
+    <p:sldId id="263" r:id="rId10"/>
+    <p:sldId id="264" r:id="rId11"/>
+    <p:sldId id="265" r:id="rId12"/>
+    <p:sldId id="266" r:id="rId13"/>
+    <p:sldId id="267" r:id="rId14"/>
+    <p:sldId id="268" r:id="rId15"/>
+    <p:sldId id="290" r:id="rId16"/>
     <p:sldId id="269" r:id="rId17"/>
-    <p:sldId id="270" r:id="rId18"/>
-    <p:sldId id="271" r:id="rId19"/>
+    <p:sldId id="271" r:id="rId18"/>
+    <p:sldId id="270" r:id="rId19"/>
     <p:sldId id="272" r:id="rId20"/>
-    <p:sldId id="273" r:id="rId21"/>
-    <p:sldId id="274" r:id="rId22"/>
-    <p:sldId id="275" r:id="rId23"/>
-    <p:sldId id="276" r:id="rId24"/>
+    <p:sldId id="274" r:id="rId21"/>
+    <p:sldId id="275" r:id="rId22"/>
+    <p:sldId id="276" r:id="rId23"/>
+    <p:sldId id="286" r:id="rId24"/>
     <p:sldId id="277" r:id="rId25"/>
     <p:sldId id="278" r:id="rId26"/>
     <p:sldId id="279" r:id="rId27"/>
-    <p:sldId id="280" r:id="rId28"/>
-    <p:sldId id="281" r:id="rId29"/>
-    <p:sldId id="282" r:id="rId30"/>
+    <p:sldId id="288" r:id="rId28"/>
+    <p:sldId id="289" r:id="rId29"/>
+    <p:sldId id="280" r:id="rId30"/>
     <p:sldId id="283" r:id="rId31"/>
-    <p:sldId id="284" r:id="rId32"/>
-    <p:sldId id="285" r:id="rId33"/>
-    <p:sldId id="286" r:id="rId34"/>
+    <p:sldId id="287" r:id="rId32"/>
+    <p:sldId id="284" r:id="rId33"/>
+    <p:sldId id="285" r:id="rId34"/>
   </p:sldIdLst>
-  <p:sldSz cx="9144000" cy="5143500"/>
+  <p:sldSz cx="9144000" cy="5143500" type="screen16x9"/>
   <p:notesSz cx="7772400" cy="10058400"/>
+  <p:defaultTextStyle>
+    <a:defPPr>
+      <a:defRPr lang="es-MX"/>
+    </a:defPPr>
+    <a:lvl1pPr marL="0" algn="l" defTabSz="914400" rtl="0" eaLnBrk="1" latinLnBrk="0" hangingPunct="1">
+      <a:defRPr sz="1800" kern="1200">
+        <a:solidFill>
+          <a:schemeClr val="tx1"/>
+        </a:solidFill>
+        <a:latin typeface="+mn-lt"/>
+        <a:ea typeface="+mn-ea"/>
+        <a:cs typeface="+mn-cs"/>
+      </a:defRPr>
+    </a:lvl1pPr>
+    <a:lvl2pPr marL="457200" algn="l" defTabSz="914400" rtl="0" eaLnBrk="1" latinLnBrk="0" hangingPunct="1">
+      <a:defRPr sz="1800" kern="1200">
+        <a:solidFill>
+          <a:schemeClr val="tx1"/>
+        </a:solidFill>
+        <a:latin typeface="+mn-lt"/>
+        <a:ea typeface="+mn-ea"/>
+        <a:cs typeface="+mn-cs"/>
+      </a:defRPr>
+    </a:lvl2pPr>
+    <a:lvl3pPr marL="914400" algn="l" defTabSz="914400" rtl="0" eaLnBrk="1" latinLnBrk="0" hangingPunct="1">
+      <a:defRPr sz="1800" kern="1200">
+        <a:solidFill>
+          <a:schemeClr val="tx1"/>
+        </a:solidFill>
+        <a:latin typeface="+mn-lt"/>
+        <a:ea typeface="+mn-ea"/>
+        <a:cs typeface="+mn-cs"/>
+      </a:defRPr>
+    </a:lvl3pPr>
+    <a:lvl4pPr marL="1371600" algn="l" defTabSz="914400" rtl="0" eaLnBrk="1" latinLnBrk="0" hangingPunct="1">
+      <a:defRPr sz="1800" kern="1200">
+        <a:solidFill>
+          <a:schemeClr val="tx1"/>
+        </a:solidFill>
+        <a:latin typeface="+mn-lt"/>
+        <a:ea typeface="+mn-ea"/>
+        <a:cs typeface="+mn-cs"/>
+      </a:defRPr>
+    </a:lvl4pPr>
+    <a:lvl5pPr marL="1828800" algn="l" defTabSz="914400" rtl="0" eaLnBrk="1" latinLnBrk="0" hangingPunct="1">
+      <a:defRPr sz="1800" kern="1200">
+        <a:solidFill>
+          <a:schemeClr val="tx1"/>
+        </a:solidFill>
+        <a:latin typeface="+mn-lt"/>
+        <a:ea typeface="+mn-ea"/>
+        <a:cs typeface="+mn-cs"/>
+      </a:defRPr>
+    </a:lvl5pPr>
+    <a:lvl6pPr marL="2286000" algn="l" defTabSz="914400" rtl="0" eaLnBrk="1" latinLnBrk="0" hangingPunct="1">
+      <a:defRPr sz="1800" kern="1200">
+        <a:solidFill>
+          <a:schemeClr val="tx1"/>
+        </a:solidFill>
+        <a:latin typeface="+mn-lt"/>
+        <a:ea typeface="+mn-ea"/>
+        <a:cs typeface="+mn-cs"/>
+      </a:defRPr>
+    </a:lvl6pPr>
+    <a:lvl7pPr marL="2743200" algn="l" defTabSz="914400" rtl="0" eaLnBrk="1" latinLnBrk="0" hangingPunct="1">
+      <a:defRPr sz="1800" kern="1200">
+        <a:solidFill>
+          <a:schemeClr val="tx1"/>
+        </a:solidFill>
+        <a:latin typeface="+mn-lt"/>
+        <a:ea typeface="+mn-ea"/>
+        <a:cs typeface="+mn-cs"/>
+      </a:defRPr>
+    </a:lvl7pPr>
+    <a:lvl8pPr marL="3200400" algn="l" defTabSz="914400" rtl="0" eaLnBrk="1" latinLnBrk="0" hangingPunct="1">
+      <a:defRPr sz="1800" kern="1200">
+        <a:solidFill>
+          <a:schemeClr val="tx1"/>
+        </a:solidFill>
+        <a:latin typeface="+mn-lt"/>
+        <a:ea typeface="+mn-ea"/>
+        <a:cs typeface="+mn-cs"/>
+      </a:defRPr>
+    </a:lvl8pPr>
+    <a:lvl9pPr marL="3657600" algn="l" defTabSz="914400" rtl="0" eaLnBrk="1" latinLnBrk="0" hangingPunct="1">
+      <a:defRPr sz="1800" kern="1200">
+        <a:solidFill>
+          <a:schemeClr val="tx1"/>
+        </a:solidFill>
+        <a:latin typeface="+mn-lt"/>
+        <a:ea typeface="+mn-ea"/>
+        <a:cs typeface="+mn-cs"/>
+      </a:defRPr>
+    </a:lvl9pPr>
+  </p:defaultTextStyle>
 </p:presentation>
 </file>
 
 <file path=ppt/slideLayouts/slideLayout1.xml><?xml version="1.0" encoding="utf-8"?>
-<p:sldLayout xmlns:a="http://schemas.openxmlformats.org/drawingml/2006/main" xmlns:p="http://schemas.openxmlformats.org/presentationml/2006/main" xmlns:r="http://schemas.openxmlformats.org/officeDocument/2006/relationships" xmlns:p14="http://schemas.microsoft.com/office/powerpoint/2010/main" xmlns:p15="http://schemas.microsoft.com/office/powerpoint/2012/main" xmlns:mc="http://schemas.openxmlformats.org/markup-compatibility/2006" type="blank" preserve="1">
+<p:sldLayout xmlns:a="http://schemas.openxmlformats.org/drawingml/2006/main" xmlns:r="http://schemas.openxmlformats.org/officeDocument/2006/relationships" xmlns:p="http://schemas.openxmlformats.org/presentationml/2006/main" type="blank" preserve="1">
   <p:cSld name="Blank Slide">
     <p:spTree>
       <p:nvGrpSpPr>
@@ -62,11 +158,14 @@
       </p:grpSpPr>
     </p:spTree>
   </p:cSld>
+  <p:clrMapOvr>
+    <a:masterClrMapping/>
+  </p:clrMapOvr>
 </p:sldLayout>
 </file>
 
 <file path=ppt/slideLayouts/slideLayout10.xml><?xml version="1.0" encoding="utf-8"?>
-<p:sldLayout xmlns:a="http://schemas.openxmlformats.org/drawingml/2006/main" xmlns:p="http://schemas.openxmlformats.org/presentationml/2006/main" xmlns:r="http://schemas.openxmlformats.org/officeDocument/2006/relationships" xmlns:p14="http://schemas.microsoft.com/office/powerpoint/2010/main" xmlns:p15="http://schemas.microsoft.com/office/powerpoint/2012/main" xmlns:mc="http://schemas.openxmlformats.org/markup-compatibility/2006" type="objOverTx" preserve="1">
+<p:sldLayout xmlns:a="http://schemas.openxmlformats.org/drawingml/2006/main" xmlns:r="http://schemas.openxmlformats.org/officeDocument/2006/relationships" xmlns:p="http://schemas.openxmlformats.org/presentationml/2006/main" type="objOverTx" preserve="1">
   <p:cSld name="Title, Content over Content">
     <p:spTree>
       <p:nvGrpSpPr>
@@ -102,10 +201,11 @@
           </a:prstGeom>
         </p:spPr>
         <p:txBody>
-          <a:bodyPr lIns="0" rIns="0" tIns="0" bIns="0" anchor="ctr"/>
+          <a:bodyPr lIns="0" tIns="0" rIns="0" bIns="0" anchor="ctr"/>
+          <a:lstStyle/>
           <a:p>
             <a:pPr algn="ctr"/>
-            <a:endParaRPr b="0" lang="en-US" sz="4400" spc="-1" strike="noStrike">
+            <a:endParaRPr lang="en-US" sz="4400" b="0" strike="noStrike" spc="-1">
               <a:latin typeface="Arial"/>
             </a:endParaRPr>
           </a:p>
@@ -131,11 +231,12 @@
           </a:prstGeom>
         </p:spPr>
         <p:txBody>
-          <a:bodyPr lIns="0" rIns="0" tIns="0" bIns="0">
+          <a:bodyPr lIns="0" tIns="0" rIns="0" bIns="0">
             <a:normAutofit/>
           </a:bodyPr>
-          <a:p>
-            <a:endParaRPr b="0" lang="en-US" sz="3200" spc="-1" strike="noStrike">
+          <a:lstStyle/>
+          <a:p>
+            <a:endParaRPr lang="en-US" sz="3200" b="0" strike="noStrike" spc="-1">
               <a:latin typeface="Arial"/>
             </a:endParaRPr>
           </a:p>
@@ -161,11 +262,12 @@
           </a:prstGeom>
         </p:spPr>
         <p:txBody>
-          <a:bodyPr lIns="0" rIns="0" tIns="0" bIns="0">
+          <a:bodyPr lIns="0" tIns="0" rIns="0" bIns="0">
             <a:normAutofit/>
           </a:bodyPr>
-          <a:p>
-            <a:endParaRPr b="0" lang="en-US" sz="3200" spc="-1" strike="noStrike">
+          <a:lstStyle/>
+          <a:p>
+            <a:endParaRPr lang="en-US" sz="3200" b="0" strike="noStrike" spc="-1">
               <a:latin typeface="Arial"/>
             </a:endParaRPr>
           </a:p>
@@ -173,11 +275,14 @@
       </p:sp>
     </p:spTree>
   </p:cSld>
+  <p:clrMapOvr>
+    <a:masterClrMapping/>
+  </p:clrMapOvr>
 </p:sldLayout>
 </file>
 
 <file path=ppt/slideLayouts/slideLayout11.xml><?xml version="1.0" encoding="utf-8"?>
-<p:sldLayout xmlns:a="http://schemas.openxmlformats.org/drawingml/2006/main" xmlns:p="http://schemas.openxmlformats.org/presentationml/2006/main" xmlns:r="http://schemas.openxmlformats.org/officeDocument/2006/relationships" xmlns:p14="http://schemas.microsoft.com/office/powerpoint/2010/main" xmlns:p15="http://schemas.microsoft.com/office/powerpoint/2012/main" xmlns:mc="http://schemas.openxmlformats.org/markup-compatibility/2006" type="fourObj" preserve="1">
+<p:sldLayout xmlns:a="http://schemas.openxmlformats.org/drawingml/2006/main" xmlns:r="http://schemas.openxmlformats.org/officeDocument/2006/relationships" xmlns:p="http://schemas.openxmlformats.org/presentationml/2006/main" type="fourObj" preserve="1">
   <p:cSld name="Title, 4 Content">
     <p:spTree>
       <p:nvGrpSpPr>
@@ -213,10 +318,11 @@
           </a:prstGeom>
         </p:spPr>
         <p:txBody>
-          <a:bodyPr lIns="0" rIns="0" tIns="0" bIns="0" anchor="ctr"/>
+          <a:bodyPr lIns="0" tIns="0" rIns="0" bIns="0" anchor="ctr"/>
+          <a:lstStyle/>
           <a:p>
             <a:pPr algn="ctr"/>
-            <a:endParaRPr b="0" lang="en-US" sz="4400" spc="-1" strike="noStrike">
+            <a:endParaRPr lang="en-US" sz="4400" b="0" strike="noStrike" spc="-1">
               <a:latin typeface="Arial"/>
             </a:endParaRPr>
           </a:p>
@@ -242,11 +348,12 @@
           </a:prstGeom>
         </p:spPr>
         <p:txBody>
-          <a:bodyPr lIns="0" rIns="0" tIns="0" bIns="0">
+          <a:bodyPr lIns="0" tIns="0" rIns="0" bIns="0">
             <a:normAutofit/>
           </a:bodyPr>
-          <a:p>
-            <a:endParaRPr b="0" lang="en-US" sz="3200" spc="-1" strike="noStrike">
+          <a:lstStyle/>
+          <a:p>
+            <a:endParaRPr lang="en-US" sz="3200" b="0" strike="noStrike" spc="-1">
               <a:latin typeface="Arial"/>
             </a:endParaRPr>
           </a:p>
@@ -272,11 +379,12 @@
           </a:prstGeom>
         </p:spPr>
         <p:txBody>
-          <a:bodyPr lIns="0" rIns="0" tIns="0" bIns="0">
+          <a:bodyPr lIns="0" tIns="0" rIns="0" bIns="0">
             <a:normAutofit/>
           </a:bodyPr>
-          <a:p>
-            <a:endParaRPr b="0" lang="en-US" sz="3200" spc="-1" strike="noStrike">
+          <a:lstStyle/>
+          <a:p>
+            <a:endParaRPr lang="en-US" sz="3200" b="0" strike="noStrike" spc="-1">
               <a:latin typeface="Arial"/>
             </a:endParaRPr>
           </a:p>
@@ -302,11 +410,12 @@
           </a:prstGeom>
         </p:spPr>
         <p:txBody>
-          <a:bodyPr lIns="0" rIns="0" tIns="0" bIns="0">
+          <a:bodyPr lIns="0" tIns="0" rIns="0" bIns="0">
             <a:normAutofit/>
           </a:bodyPr>
-          <a:p>
-            <a:endParaRPr b="0" lang="en-US" sz="3200" spc="-1" strike="noStrike">
+          <a:lstStyle/>
+          <a:p>
+            <a:endParaRPr lang="en-US" sz="3200" b="0" strike="noStrike" spc="-1">
               <a:latin typeface="Arial"/>
             </a:endParaRPr>
           </a:p>
@@ -332,11 +441,12 @@
           </a:prstGeom>
         </p:spPr>
         <p:txBody>
-          <a:bodyPr lIns="0" rIns="0" tIns="0" bIns="0">
+          <a:bodyPr lIns="0" tIns="0" rIns="0" bIns="0">
             <a:normAutofit/>
           </a:bodyPr>
-          <a:p>
-            <a:endParaRPr b="0" lang="en-US" sz="3200" spc="-1" strike="noStrike">
+          <a:lstStyle/>
+          <a:p>
+            <a:endParaRPr lang="en-US" sz="3200" b="0" strike="noStrike" spc="-1">
               <a:latin typeface="Arial"/>
             </a:endParaRPr>
           </a:p>
@@ -344,11 +454,14 @@
       </p:sp>
     </p:spTree>
   </p:cSld>
+  <p:clrMapOvr>
+    <a:masterClrMapping/>
+  </p:clrMapOvr>
 </p:sldLayout>
 </file>
 
 <file path=ppt/slideLayouts/slideLayout12.xml><?xml version="1.0" encoding="utf-8"?>
-<p:sldLayout xmlns:a="http://schemas.openxmlformats.org/drawingml/2006/main" xmlns:p="http://schemas.openxmlformats.org/presentationml/2006/main" xmlns:r="http://schemas.openxmlformats.org/officeDocument/2006/relationships" xmlns:p14="http://schemas.microsoft.com/office/powerpoint/2010/main" xmlns:p15="http://schemas.microsoft.com/office/powerpoint/2012/main" xmlns:mc="http://schemas.openxmlformats.org/markup-compatibility/2006" type="blank" preserve="1">
+<p:sldLayout xmlns:a="http://schemas.openxmlformats.org/drawingml/2006/main" xmlns:r="http://schemas.openxmlformats.org/officeDocument/2006/relationships" xmlns:p="http://schemas.openxmlformats.org/presentationml/2006/main" type="blank" preserve="1">
   <p:cSld name="Title, 6 Content">
     <p:spTree>
       <p:nvGrpSpPr>
@@ -384,10 +497,11 @@
           </a:prstGeom>
         </p:spPr>
         <p:txBody>
-          <a:bodyPr lIns="0" rIns="0" tIns="0" bIns="0" anchor="ctr"/>
+          <a:bodyPr lIns="0" tIns="0" rIns="0" bIns="0" anchor="ctr"/>
+          <a:lstStyle/>
           <a:p>
             <a:pPr algn="ctr"/>
-            <a:endParaRPr b="0" lang="en-US" sz="4400" spc="-1" strike="noStrike">
+            <a:endParaRPr lang="en-US" sz="4400" b="0" strike="noStrike" spc="-1">
               <a:latin typeface="Arial"/>
             </a:endParaRPr>
           </a:p>
@@ -413,11 +527,12 @@
           </a:prstGeom>
         </p:spPr>
         <p:txBody>
-          <a:bodyPr lIns="0" rIns="0" tIns="0" bIns="0">
+          <a:bodyPr lIns="0" tIns="0" rIns="0" bIns="0">
             <a:normAutofit/>
           </a:bodyPr>
-          <a:p>
-            <a:endParaRPr b="0" lang="en-US" sz="3200" spc="-1" strike="noStrike">
+          <a:lstStyle/>
+          <a:p>
+            <a:endParaRPr lang="en-US" sz="3200" b="0" strike="noStrike" spc="-1">
               <a:latin typeface="Arial"/>
             </a:endParaRPr>
           </a:p>
@@ -443,11 +558,12 @@
           </a:prstGeom>
         </p:spPr>
         <p:txBody>
-          <a:bodyPr lIns="0" rIns="0" tIns="0" bIns="0">
+          <a:bodyPr lIns="0" tIns="0" rIns="0" bIns="0">
             <a:normAutofit/>
           </a:bodyPr>
-          <a:p>
-            <a:endParaRPr b="0" lang="en-US" sz="3200" spc="-1" strike="noStrike">
+          <a:lstStyle/>
+          <a:p>
+            <a:endParaRPr lang="en-US" sz="3200" b="0" strike="noStrike" spc="-1">
               <a:latin typeface="Arial"/>
             </a:endParaRPr>
           </a:p>
@@ -473,11 +589,12 @@
           </a:prstGeom>
         </p:spPr>
         <p:txBody>
-          <a:bodyPr lIns="0" rIns="0" tIns="0" bIns="0">
+          <a:bodyPr lIns="0" tIns="0" rIns="0" bIns="0">
             <a:normAutofit/>
           </a:bodyPr>
-          <a:p>
-            <a:endParaRPr b="0" lang="en-US" sz="3200" spc="-1" strike="noStrike">
+          <a:lstStyle/>
+          <a:p>
+            <a:endParaRPr lang="en-US" sz="3200" b="0" strike="noStrike" spc="-1">
               <a:latin typeface="Arial"/>
             </a:endParaRPr>
           </a:p>
@@ -503,11 +620,12 @@
           </a:prstGeom>
         </p:spPr>
         <p:txBody>
-          <a:bodyPr lIns="0" rIns="0" tIns="0" bIns="0">
+          <a:bodyPr lIns="0" tIns="0" rIns="0" bIns="0">
             <a:normAutofit/>
           </a:bodyPr>
-          <a:p>
-            <a:endParaRPr b="0" lang="en-US" sz="3200" spc="-1" strike="noStrike">
+          <a:lstStyle/>
+          <a:p>
+            <a:endParaRPr lang="en-US" sz="3200" b="0" strike="noStrike" spc="-1">
               <a:latin typeface="Arial"/>
             </a:endParaRPr>
           </a:p>
@@ -533,11 +651,12 @@
           </a:prstGeom>
         </p:spPr>
         <p:txBody>
-          <a:bodyPr lIns="0" rIns="0" tIns="0" bIns="0">
+          <a:bodyPr lIns="0" tIns="0" rIns="0" bIns="0">
             <a:normAutofit/>
           </a:bodyPr>
-          <a:p>
-            <a:endParaRPr b="0" lang="en-US" sz="3200" spc="-1" strike="noStrike">
+          <a:lstStyle/>
+          <a:p>
+            <a:endParaRPr lang="en-US" sz="3200" b="0" strike="noStrike" spc="-1">
               <a:latin typeface="Arial"/>
             </a:endParaRPr>
           </a:p>
@@ -563,11 +682,12 @@
           </a:prstGeom>
         </p:spPr>
         <p:txBody>
-          <a:bodyPr lIns="0" rIns="0" tIns="0" bIns="0">
+          <a:bodyPr lIns="0" tIns="0" rIns="0" bIns="0">
             <a:normAutofit/>
           </a:bodyPr>
-          <a:p>
-            <a:endParaRPr b="0" lang="en-US" sz="3200" spc="-1" strike="noStrike">
+          <a:lstStyle/>
+          <a:p>
+            <a:endParaRPr lang="en-US" sz="3200" b="0" strike="noStrike" spc="-1">
               <a:latin typeface="Arial"/>
             </a:endParaRPr>
           </a:p>
@@ -575,11 +695,14 @@
       </p:sp>
     </p:spTree>
   </p:cSld>
+  <p:clrMapOvr>
+    <a:masterClrMapping/>
+  </p:clrMapOvr>
 </p:sldLayout>
 </file>
 
 <file path=ppt/slideLayouts/slideLayout13.xml><?xml version="1.0" encoding="utf-8"?>
-<p:sldLayout xmlns:a="http://schemas.openxmlformats.org/drawingml/2006/main" xmlns:p="http://schemas.openxmlformats.org/presentationml/2006/main" xmlns:r="http://schemas.openxmlformats.org/officeDocument/2006/relationships" xmlns:p14="http://schemas.microsoft.com/office/powerpoint/2010/main" xmlns:p15="http://schemas.microsoft.com/office/powerpoint/2012/main" xmlns:mc="http://schemas.openxmlformats.org/markup-compatibility/2006" type="blank" preserve="1">
+<p:sldLayout xmlns:a="http://schemas.openxmlformats.org/drawingml/2006/main" xmlns:r="http://schemas.openxmlformats.org/officeDocument/2006/relationships" xmlns:p="http://schemas.openxmlformats.org/presentationml/2006/main" type="blank" preserve="1">
   <p:cSld name="Blank Slide">
     <p:spTree>
       <p:nvGrpSpPr>
@@ -597,11 +720,14 @@
       </p:grpSpPr>
     </p:spTree>
   </p:cSld>
+  <p:clrMapOvr>
+    <a:masterClrMapping/>
+  </p:clrMapOvr>
 </p:sldLayout>
 </file>
 
 <file path=ppt/slideLayouts/slideLayout14.xml><?xml version="1.0" encoding="utf-8"?>
-<p:sldLayout xmlns:a="http://schemas.openxmlformats.org/drawingml/2006/main" xmlns:p="http://schemas.openxmlformats.org/presentationml/2006/main" xmlns:r="http://schemas.openxmlformats.org/officeDocument/2006/relationships" xmlns:p14="http://schemas.microsoft.com/office/powerpoint/2010/main" xmlns:p15="http://schemas.microsoft.com/office/powerpoint/2012/main" xmlns:mc="http://schemas.openxmlformats.org/markup-compatibility/2006" type="tx" preserve="1">
+<p:sldLayout xmlns:a="http://schemas.openxmlformats.org/drawingml/2006/main" xmlns:r="http://schemas.openxmlformats.org/officeDocument/2006/relationships" xmlns:p="http://schemas.openxmlformats.org/presentationml/2006/main" type="tx" preserve="1">
   <p:cSld name="Title Slide">
     <p:spTree>
       <p:nvGrpSpPr>
@@ -637,10 +763,11 @@
           </a:prstGeom>
         </p:spPr>
         <p:txBody>
-          <a:bodyPr lIns="0" rIns="0" tIns="0" bIns="0" anchor="ctr"/>
+          <a:bodyPr lIns="0" tIns="0" rIns="0" bIns="0" anchor="ctr"/>
+          <a:lstStyle/>
           <a:p>
             <a:pPr algn="ctr"/>
-            <a:endParaRPr b="0" lang="en-US" sz="4400" spc="-1" strike="noStrike">
+            <a:endParaRPr lang="en-US" sz="4400" b="0" strike="noStrike" spc="-1">
               <a:latin typeface="Arial"/>
             </a:endParaRPr>
           </a:p>
@@ -666,10 +793,11 @@
           </a:prstGeom>
         </p:spPr>
         <p:txBody>
-          <a:bodyPr lIns="0" rIns="0" tIns="0" bIns="0" anchor="ctr"/>
+          <a:bodyPr lIns="0" tIns="0" rIns="0" bIns="0" anchor="ctr"/>
+          <a:lstStyle/>
           <a:p>
             <a:pPr algn="ctr"/>
-            <a:endParaRPr b="0" lang="en-US" sz="3200" spc="-1" strike="noStrike">
+            <a:endParaRPr lang="en-US" sz="3200" b="0" strike="noStrike" spc="-1">
               <a:latin typeface="Arial"/>
             </a:endParaRPr>
           </a:p>
@@ -677,11 +805,14 @@
       </p:sp>
     </p:spTree>
   </p:cSld>
+  <p:clrMapOvr>
+    <a:masterClrMapping/>
+  </p:clrMapOvr>
 </p:sldLayout>
 </file>
 
 <file path=ppt/slideLayouts/slideLayout15.xml><?xml version="1.0" encoding="utf-8"?>
-<p:sldLayout xmlns:a="http://schemas.openxmlformats.org/drawingml/2006/main" xmlns:p="http://schemas.openxmlformats.org/presentationml/2006/main" xmlns:r="http://schemas.openxmlformats.org/officeDocument/2006/relationships" xmlns:p14="http://schemas.microsoft.com/office/powerpoint/2010/main" xmlns:p15="http://schemas.microsoft.com/office/powerpoint/2012/main" xmlns:mc="http://schemas.openxmlformats.org/markup-compatibility/2006" type="obj" preserve="1">
+<p:sldLayout xmlns:a="http://schemas.openxmlformats.org/drawingml/2006/main" xmlns:r="http://schemas.openxmlformats.org/officeDocument/2006/relationships" xmlns:p="http://schemas.openxmlformats.org/presentationml/2006/main" type="obj" preserve="1">
   <p:cSld name="Title, Content">
     <p:spTree>
       <p:nvGrpSpPr>
@@ -717,10 +848,11 @@
           </a:prstGeom>
         </p:spPr>
         <p:txBody>
-          <a:bodyPr lIns="0" rIns="0" tIns="0" bIns="0" anchor="ctr"/>
+          <a:bodyPr lIns="0" tIns="0" rIns="0" bIns="0" anchor="ctr"/>
+          <a:lstStyle/>
           <a:p>
             <a:pPr algn="ctr"/>
-            <a:endParaRPr b="0" lang="en-US" sz="4400" spc="-1" strike="noStrike">
+            <a:endParaRPr lang="en-US" sz="4400" b="0" strike="noStrike" spc="-1">
               <a:latin typeface="Arial"/>
             </a:endParaRPr>
           </a:p>
@@ -746,11 +878,12 @@
           </a:prstGeom>
         </p:spPr>
         <p:txBody>
-          <a:bodyPr lIns="0" rIns="0" tIns="0" bIns="0">
+          <a:bodyPr lIns="0" tIns="0" rIns="0" bIns="0">
             <a:normAutofit/>
           </a:bodyPr>
-          <a:p>
-            <a:endParaRPr b="0" lang="en-US" sz="3200" spc="-1" strike="noStrike">
+          <a:lstStyle/>
+          <a:p>
+            <a:endParaRPr lang="en-US" sz="3200" b="0" strike="noStrike" spc="-1">
               <a:latin typeface="Arial"/>
             </a:endParaRPr>
           </a:p>
@@ -758,11 +891,14 @@
       </p:sp>
     </p:spTree>
   </p:cSld>
+  <p:clrMapOvr>
+    <a:masterClrMapping/>
+  </p:clrMapOvr>
 </p:sldLayout>
 </file>
 
 <file path=ppt/slideLayouts/slideLayout16.xml><?xml version="1.0" encoding="utf-8"?>
-<p:sldLayout xmlns:a="http://schemas.openxmlformats.org/drawingml/2006/main" xmlns:p="http://schemas.openxmlformats.org/presentationml/2006/main" xmlns:r="http://schemas.openxmlformats.org/officeDocument/2006/relationships" xmlns:p14="http://schemas.microsoft.com/office/powerpoint/2010/main" xmlns:p15="http://schemas.microsoft.com/office/powerpoint/2012/main" xmlns:mc="http://schemas.openxmlformats.org/markup-compatibility/2006" type="twoObj" preserve="1">
+<p:sldLayout xmlns:a="http://schemas.openxmlformats.org/drawingml/2006/main" xmlns:r="http://schemas.openxmlformats.org/officeDocument/2006/relationships" xmlns:p="http://schemas.openxmlformats.org/presentationml/2006/main" type="twoObj" preserve="1">
   <p:cSld name="Title, 2 Content">
     <p:spTree>
       <p:nvGrpSpPr>
@@ -798,10 +934,11 @@
           </a:prstGeom>
         </p:spPr>
         <p:txBody>
-          <a:bodyPr lIns="0" rIns="0" tIns="0" bIns="0" anchor="ctr"/>
+          <a:bodyPr lIns="0" tIns="0" rIns="0" bIns="0" anchor="ctr"/>
+          <a:lstStyle/>
           <a:p>
             <a:pPr algn="ctr"/>
-            <a:endParaRPr b="0" lang="en-US" sz="4400" spc="-1" strike="noStrike">
+            <a:endParaRPr lang="en-US" sz="4400" b="0" strike="noStrike" spc="-1">
               <a:latin typeface="Arial"/>
             </a:endParaRPr>
           </a:p>
@@ -827,11 +964,12 @@
           </a:prstGeom>
         </p:spPr>
         <p:txBody>
-          <a:bodyPr lIns="0" rIns="0" tIns="0" bIns="0">
+          <a:bodyPr lIns="0" tIns="0" rIns="0" bIns="0">
             <a:normAutofit/>
           </a:bodyPr>
-          <a:p>
-            <a:endParaRPr b="0" lang="en-US" sz="3200" spc="-1" strike="noStrike">
+          <a:lstStyle/>
+          <a:p>
+            <a:endParaRPr lang="en-US" sz="3200" b="0" strike="noStrike" spc="-1">
               <a:latin typeface="Arial"/>
             </a:endParaRPr>
           </a:p>
@@ -857,11 +995,12 @@
           </a:prstGeom>
         </p:spPr>
         <p:txBody>
-          <a:bodyPr lIns="0" rIns="0" tIns="0" bIns="0">
+          <a:bodyPr lIns="0" tIns="0" rIns="0" bIns="0">
             <a:normAutofit/>
           </a:bodyPr>
-          <a:p>
-            <a:endParaRPr b="0" lang="en-US" sz="3200" spc="-1" strike="noStrike">
+          <a:lstStyle/>
+          <a:p>
+            <a:endParaRPr lang="en-US" sz="3200" b="0" strike="noStrike" spc="-1">
               <a:latin typeface="Arial"/>
             </a:endParaRPr>
           </a:p>
@@ -869,11 +1008,14 @@
       </p:sp>
     </p:spTree>
   </p:cSld>
+  <p:clrMapOvr>
+    <a:masterClrMapping/>
+  </p:clrMapOvr>
 </p:sldLayout>
 </file>
 
 <file path=ppt/slideLayouts/slideLayout17.xml><?xml version="1.0" encoding="utf-8"?>
-<p:sldLayout xmlns:a="http://schemas.openxmlformats.org/drawingml/2006/main" xmlns:p="http://schemas.openxmlformats.org/presentationml/2006/main" xmlns:r="http://schemas.openxmlformats.org/officeDocument/2006/relationships" xmlns:p14="http://schemas.microsoft.com/office/powerpoint/2010/main" xmlns:p15="http://schemas.microsoft.com/office/powerpoint/2012/main" xmlns:mc="http://schemas.openxmlformats.org/markup-compatibility/2006" type="titleOnly" preserve="1">
+<p:sldLayout xmlns:a="http://schemas.openxmlformats.org/drawingml/2006/main" xmlns:r="http://schemas.openxmlformats.org/officeDocument/2006/relationships" xmlns:p="http://schemas.openxmlformats.org/presentationml/2006/main" type="titleOnly" preserve="1">
   <p:cSld name="Title Only">
     <p:spTree>
       <p:nvGrpSpPr>
@@ -909,10 +1051,11 @@
           </a:prstGeom>
         </p:spPr>
         <p:txBody>
-          <a:bodyPr lIns="0" rIns="0" tIns="0" bIns="0" anchor="ctr"/>
+          <a:bodyPr lIns="0" tIns="0" rIns="0" bIns="0" anchor="ctr"/>
+          <a:lstStyle/>
           <a:p>
             <a:pPr algn="ctr"/>
-            <a:endParaRPr b="0" lang="en-US" sz="4400" spc="-1" strike="noStrike">
+            <a:endParaRPr lang="en-US" sz="4400" b="0" strike="noStrike" spc="-1">
               <a:latin typeface="Arial"/>
             </a:endParaRPr>
           </a:p>
@@ -920,11 +1063,14 @@
       </p:sp>
     </p:spTree>
   </p:cSld>
+  <p:clrMapOvr>
+    <a:masterClrMapping/>
+  </p:clrMapOvr>
 </p:sldLayout>
 </file>
 
 <file path=ppt/slideLayouts/slideLayout18.xml><?xml version="1.0" encoding="utf-8"?>
-<p:sldLayout xmlns:a="http://schemas.openxmlformats.org/drawingml/2006/main" xmlns:p="http://schemas.openxmlformats.org/presentationml/2006/main" xmlns:r="http://schemas.openxmlformats.org/officeDocument/2006/relationships" xmlns:p14="http://schemas.microsoft.com/office/powerpoint/2010/main" xmlns:p15="http://schemas.microsoft.com/office/powerpoint/2012/main" xmlns:mc="http://schemas.openxmlformats.org/markup-compatibility/2006" type="objOnly" preserve="1">
+<p:sldLayout xmlns:a="http://schemas.openxmlformats.org/drawingml/2006/main" xmlns:r="http://schemas.openxmlformats.org/officeDocument/2006/relationships" xmlns:p="http://schemas.openxmlformats.org/presentationml/2006/main" type="objOnly" preserve="1">
   <p:cSld name="Centered Text">
     <p:spTree>
       <p:nvGrpSpPr>
@@ -960,10 +1106,11 @@
           </a:prstGeom>
         </p:spPr>
         <p:txBody>
-          <a:bodyPr lIns="0" rIns="0" tIns="0" bIns="0" anchor="ctr"/>
+          <a:bodyPr lIns="0" tIns="0" rIns="0" bIns="0" anchor="ctr"/>
+          <a:lstStyle/>
           <a:p>
             <a:pPr algn="ctr"/>
-            <a:endParaRPr b="0" lang="en-US" sz="3200" spc="-1" strike="noStrike">
+            <a:endParaRPr lang="en-US" sz="3200" b="0" strike="noStrike" spc="-1">
               <a:latin typeface="Arial"/>
             </a:endParaRPr>
           </a:p>
@@ -971,11 +1118,14 @@
       </p:sp>
     </p:spTree>
   </p:cSld>
+  <p:clrMapOvr>
+    <a:masterClrMapping/>
+  </p:clrMapOvr>
 </p:sldLayout>
 </file>
 
 <file path=ppt/slideLayouts/slideLayout19.xml><?xml version="1.0" encoding="utf-8"?>
-<p:sldLayout xmlns:a="http://schemas.openxmlformats.org/drawingml/2006/main" xmlns:p="http://schemas.openxmlformats.org/presentationml/2006/main" xmlns:r="http://schemas.openxmlformats.org/officeDocument/2006/relationships" xmlns:p14="http://schemas.microsoft.com/office/powerpoint/2010/main" xmlns:p15="http://schemas.microsoft.com/office/powerpoint/2012/main" xmlns:mc="http://schemas.openxmlformats.org/markup-compatibility/2006" type="twoObjAndObj" preserve="1">
+<p:sldLayout xmlns:a="http://schemas.openxmlformats.org/drawingml/2006/main" xmlns:r="http://schemas.openxmlformats.org/officeDocument/2006/relationships" xmlns:p="http://schemas.openxmlformats.org/presentationml/2006/main" type="twoObjAndObj" preserve="1">
   <p:cSld name="Title, 2 Content and Content">
     <p:spTree>
       <p:nvGrpSpPr>
@@ -1011,10 +1161,11 @@
           </a:prstGeom>
         </p:spPr>
         <p:txBody>
-          <a:bodyPr lIns="0" rIns="0" tIns="0" bIns="0" anchor="ctr"/>
+          <a:bodyPr lIns="0" tIns="0" rIns="0" bIns="0" anchor="ctr"/>
+          <a:lstStyle/>
           <a:p>
             <a:pPr algn="ctr"/>
-            <a:endParaRPr b="0" lang="en-US" sz="4400" spc="-1" strike="noStrike">
+            <a:endParaRPr lang="en-US" sz="4400" b="0" strike="noStrike" spc="-1">
               <a:latin typeface="Arial"/>
             </a:endParaRPr>
           </a:p>
@@ -1040,11 +1191,12 @@
           </a:prstGeom>
         </p:spPr>
         <p:txBody>
-          <a:bodyPr lIns="0" rIns="0" tIns="0" bIns="0">
+          <a:bodyPr lIns="0" tIns="0" rIns="0" bIns="0">
             <a:normAutofit/>
           </a:bodyPr>
-          <a:p>
-            <a:endParaRPr b="0" lang="en-US" sz="3200" spc="-1" strike="noStrike">
+          <a:lstStyle/>
+          <a:p>
+            <a:endParaRPr lang="en-US" sz="3200" b="0" strike="noStrike" spc="-1">
               <a:latin typeface="Arial"/>
             </a:endParaRPr>
           </a:p>
@@ -1070,11 +1222,12 @@
           </a:prstGeom>
         </p:spPr>
         <p:txBody>
-          <a:bodyPr lIns="0" rIns="0" tIns="0" bIns="0">
+          <a:bodyPr lIns="0" tIns="0" rIns="0" bIns="0">
             <a:normAutofit/>
           </a:bodyPr>
-          <a:p>
-            <a:endParaRPr b="0" lang="en-US" sz="3200" spc="-1" strike="noStrike">
+          <a:lstStyle/>
+          <a:p>
+            <a:endParaRPr lang="en-US" sz="3200" b="0" strike="noStrike" spc="-1">
               <a:latin typeface="Arial"/>
             </a:endParaRPr>
           </a:p>
@@ -1100,11 +1253,12 @@
           </a:prstGeom>
         </p:spPr>
         <p:txBody>
-          <a:bodyPr lIns="0" rIns="0" tIns="0" bIns="0">
+          <a:bodyPr lIns="0" tIns="0" rIns="0" bIns="0">
             <a:normAutofit/>
           </a:bodyPr>
-          <a:p>
-            <a:endParaRPr b="0" lang="en-US" sz="3200" spc="-1" strike="noStrike">
+          <a:lstStyle/>
+          <a:p>
+            <a:endParaRPr lang="en-US" sz="3200" b="0" strike="noStrike" spc="-1">
               <a:latin typeface="Arial"/>
             </a:endParaRPr>
           </a:p>
@@ -1112,11 +1266,14 @@
       </p:sp>
     </p:spTree>
   </p:cSld>
+  <p:clrMapOvr>
+    <a:masterClrMapping/>
+  </p:clrMapOvr>
 </p:sldLayout>
 </file>
 
 <file path=ppt/slideLayouts/slideLayout2.xml><?xml version="1.0" encoding="utf-8"?>
-<p:sldLayout xmlns:a="http://schemas.openxmlformats.org/drawingml/2006/main" xmlns:p="http://schemas.openxmlformats.org/presentationml/2006/main" xmlns:r="http://schemas.openxmlformats.org/officeDocument/2006/relationships" xmlns:p14="http://schemas.microsoft.com/office/powerpoint/2010/main" xmlns:p15="http://schemas.microsoft.com/office/powerpoint/2012/main" xmlns:mc="http://schemas.openxmlformats.org/markup-compatibility/2006" type="tx" preserve="1">
+<p:sldLayout xmlns:a="http://schemas.openxmlformats.org/drawingml/2006/main" xmlns:r="http://schemas.openxmlformats.org/officeDocument/2006/relationships" xmlns:p="http://schemas.openxmlformats.org/presentationml/2006/main" type="tx" preserve="1">
   <p:cSld name="Title Slide">
     <p:spTree>
       <p:nvGrpSpPr>
@@ -1152,10 +1309,11 @@
           </a:prstGeom>
         </p:spPr>
         <p:txBody>
-          <a:bodyPr lIns="0" rIns="0" tIns="0" bIns="0" anchor="ctr"/>
+          <a:bodyPr lIns="0" tIns="0" rIns="0" bIns="0" anchor="ctr"/>
+          <a:lstStyle/>
           <a:p>
             <a:pPr algn="ctr"/>
-            <a:endParaRPr b="0" lang="en-US" sz="4400" spc="-1" strike="noStrike">
+            <a:endParaRPr lang="en-US" sz="4400" b="0" strike="noStrike" spc="-1">
               <a:latin typeface="Arial"/>
             </a:endParaRPr>
           </a:p>
@@ -1181,10 +1339,11 @@
           </a:prstGeom>
         </p:spPr>
         <p:txBody>
-          <a:bodyPr lIns="0" rIns="0" tIns="0" bIns="0" anchor="ctr"/>
+          <a:bodyPr lIns="0" tIns="0" rIns="0" bIns="0" anchor="ctr"/>
+          <a:lstStyle/>
           <a:p>
             <a:pPr algn="ctr"/>
-            <a:endParaRPr b="0" lang="en-US" sz="3200" spc="-1" strike="noStrike">
+            <a:endParaRPr lang="en-US" sz="3200" b="0" strike="noStrike" spc="-1">
               <a:latin typeface="Arial"/>
             </a:endParaRPr>
           </a:p>
@@ -1192,11 +1351,14 @@
       </p:sp>
     </p:spTree>
   </p:cSld>
+  <p:clrMapOvr>
+    <a:masterClrMapping/>
+  </p:clrMapOvr>
 </p:sldLayout>
 </file>
 
 <file path=ppt/slideLayouts/slideLayout20.xml><?xml version="1.0" encoding="utf-8"?>
-<p:sldLayout xmlns:a="http://schemas.openxmlformats.org/drawingml/2006/main" xmlns:p="http://schemas.openxmlformats.org/presentationml/2006/main" xmlns:r="http://schemas.openxmlformats.org/officeDocument/2006/relationships" xmlns:p14="http://schemas.microsoft.com/office/powerpoint/2010/main" xmlns:p15="http://schemas.microsoft.com/office/powerpoint/2012/main" xmlns:mc="http://schemas.openxmlformats.org/markup-compatibility/2006" type="objAndTwoObj" preserve="1">
+<p:sldLayout xmlns:a="http://schemas.openxmlformats.org/drawingml/2006/main" xmlns:r="http://schemas.openxmlformats.org/officeDocument/2006/relationships" xmlns:p="http://schemas.openxmlformats.org/presentationml/2006/main" type="objAndTwoObj" preserve="1">
   <p:cSld name="Title Content and 2 Content">
     <p:spTree>
       <p:nvGrpSpPr>
@@ -1232,10 +1394,11 @@
           </a:prstGeom>
         </p:spPr>
         <p:txBody>
-          <a:bodyPr lIns="0" rIns="0" tIns="0" bIns="0" anchor="ctr"/>
+          <a:bodyPr lIns="0" tIns="0" rIns="0" bIns="0" anchor="ctr"/>
+          <a:lstStyle/>
           <a:p>
             <a:pPr algn="ctr"/>
-            <a:endParaRPr b="0" lang="en-US" sz="4400" spc="-1" strike="noStrike">
+            <a:endParaRPr lang="en-US" sz="4400" b="0" strike="noStrike" spc="-1">
               <a:latin typeface="Arial"/>
             </a:endParaRPr>
           </a:p>
@@ -1261,11 +1424,12 @@
           </a:prstGeom>
         </p:spPr>
         <p:txBody>
-          <a:bodyPr lIns="0" rIns="0" tIns="0" bIns="0">
+          <a:bodyPr lIns="0" tIns="0" rIns="0" bIns="0">
             <a:normAutofit/>
           </a:bodyPr>
-          <a:p>
-            <a:endParaRPr b="0" lang="en-US" sz="3200" spc="-1" strike="noStrike">
+          <a:lstStyle/>
+          <a:p>
+            <a:endParaRPr lang="en-US" sz="3200" b="0" strike="noStrike" spc="-1">
               <a:latin typeface="Arial"/>
             </a:endParaRPr>
           </a:p>
@@ -1291,11 +1455,12 @@
           </a:prstGeom>
         </p:spPr>
         <p:txBody>
-          <a:bodyPr lIns="0" rIns="0" tIns="0" bIns="0">
+          <a:bodyPr lIns="0" tIns="0" rIns="0" bIns="0">
             <a:normAutofit/>
           </a:bodyPr>
-          <a:p>
-            <a:endParaRPr b="0" lang="en-US" sz="3200" spc="-1" strike="noStrike">
+          <a:lstStyle/>
+          <a:p>
+            <a:endParaRPr lang="en-US" sz="3200" b="0" strike="noStrike" spc="-1">
               <a:latin typeface="Arial"/>
             </a:endParaRPr>
           </a:p>
@@ -1321,11 +1486,12 @@
           </a:prstGeom>
         </p:spPr>
         <p:txBody>
-          <a:bodyPr lIns="0" rIns="0" tIns="0" bIns="0">
+          <a:bodyPr lIns="0" tIns="0" rIns="0" bIns="0">
             <a:normAutofit/>
           </a:bodyPr>
-          <a:p>
-            <a:endParaRPr b="0" lang="en-US" sz="3200" spc="-1" strike="noStrike">
+          <a:lstStyle/>
+          <a:p>
+            <a:endParaRPr lang="en-US" sz="3200" b="0" strike="noStrike" spc="-1">
               <a:latin typeface="Arial"/>
             </a:endParaRPr>
           </a:p>
@@ -1333,11 +1499,14 @@
       </p:sp>
     </p:spTree>
   </p:cSld>
+  <p:clrMapOvr>
+    <a:masterClrMapping/>
+  </p:clrMapOvr>
 </p:sldLayout>
 </file>
 
 <file path=ppt/slideLayouts/slideLayout21.xml><?xml version="1.0" encoding="utf-8"?>
-<p:sldLayout xmlns:a="http://schemas.openxmlformats.org/drawingml/2006/main" xmlns:p="http://schemas.openxmlformats.org/presentationml/2006/main" xmlns:r="http://schemas.openxmlformats.org/officeDocument/2006/relationships" xmlns:p14="http://schemas.microsoft.com/office/powerpoint/2010/main" xmlns:p15="http://schemas.microsoft.com/office/powerpoint/2012/main" xmlns:mc="http://schemas.openxmlformats.org/markup-compatibility/2006" type="twoObjOverTx" preserve="1">
+<p:sldLayout xmlns:a="http://schemas.openxmlformats.org/drawingml/2006/main" xmlns:r="http://schemas.openxmlformats.org/officeDocument/2006/relationships" xmlns:p="http://schemas.openxmlformats.org/presentationml/2006/main" type="twoObjOverTx" preserve="1">
   <p:cSld name="Title, 2 Content over Content">
     <p:spTree>
       <p:nvGrpSpPr>
@@ -1373,10 +1542,11 @@
           </a:prstGeom>
         </p:spPr>
         <p:txBody>
-          <a:bodyPr lIns="0" rIns="0" tIns="0" bIns="0" anchor="ctr"/>
+          <a:bodyPr lIns="0" tIns="0" rIns="0" bIns="0" anchor="ctr"/>
+          <a:lstStyle/>
           <a:p>
             <a:pPr algn="ctr"/>
-            <a:endParaRPr b="0" lang="en-US" sz="4400" spc="-1" strike="noStrike">
+            <a:endParaRPr lang="en-US" sz="4400" b="0" strike="noStrike" spc="-1">
               <a:latin typeface="Arial"/>
             </a:endParaRPr>
           </a:p>
@@ -1402,11 +1572,12 @@
           </a:prstGeom>
         </p:spPr>
         <p:txBody>
-          <a:bodyPr lIns="0" rIns="0" tIns="0" bIns="0">
+          <a:bodyPr lIns="0" tIns="0" rIns="0" bIns="0">
             <a:normAutofit/>
           </a:bodyPr>
-          <a:p>
-            <a:endParaRPr b="0" lang="en-US" sz="3200" spc="-1" strike="noStrike">
+          <a:lstStyle/>
+          <a:p>
+            <a:endParaRPr lang="en-US" sz="3200" b="0" strike="noStrike" spc="-1">
               <a:latin typeface="Arial"/>
             </a:endParaRPr>
           </a:p>
@@ -1432,11 +1603,12 @@
           </a:prstGeom>
         </p:spPr>
         <p:txBody>
-          <a:bodyPr lIns="0" rIns="0" tIns="0" bIns="0">
+          <a:bodyPr lIns="0" tIns="0" rIns="0" bIns="0">
             <a:normAutofit/>
           </a:bodyPr>
-          <a:p>
-            <a:endParaRPr b="0" lang="en-US" sz="3200" spc="-1" strike="noStrike">
+          <a:lstStyle/>
+          <a:p>
+            <a:endParaRPr lang="en-US" sz="3200" b="0" strike="noStrike" spc="-1">
               <a:latin typeface="Arial"/>
             </a:endParaRPr>
           </a:p>
@@ -1462,11 +1634,12 @@
           </a:prstGeom>
         </p:spPr>
         <p:txBody>
-          <a:bodyPr lIns="0" rIns="0" tIns="0" bIns="0">
+          <a:bodyPr lIns="0" tIns="0" rIns="0" bIns="0">
             <a:normAutofit/>
           </a:bodyPr>
-          <a:p>
-            <a:endParaRPr b="0" lang="en-US" sz="3200" spc="-1" strike="noStrike">
+          <a:lstStyle/>
+          <a:p>
+            <a:endParaRPr lang="en-US" sz="3200" b="0" strike="noStrike" spc="-1">
               <a:latin typeface="Arial"/>
             </a:endParaRPr>
           </a:p>
@@ -1474,11 +1647,14 @@
       </p:sp>
     </p:spTree>
   </p:cSld>
+  <p:clrMapOvr>
+    <a:masterClrMapping/>
+  </p:clrMapOvr>
 </p:sldLayout>
 </file>
 
 <file path=ppt/slideLayouts/slideLayout22.xml><?xml version="1.0" encoding="utf-8"?>
-<p:sldLayout xmlns:a="http://schemas.openxmlformats.org/drawingml/2006/main" xmlns:p="http://schemas.openxmlformats.org/presentationml/2006/main" xmlns:r="http://schemas.openxmlformats.org/officeDocument/2006/relationships" xmlns:p14="http://schemas.microsoft.com/office/powerpoint/2010/main" xmlns:p15="http://schemas.microsoft.com/office/powerpoint/2012/main" xmlns:mc="http://schemas.openxmlformats.org/markup-compatibility/2006" type="objOverTx" preserve="1">
+<p:sldLayout xmlns:a="http://schemas.openxmlformats.org/drawingml/2006/main" xmlns:r="http://schemas.openxmlformats.org/officeDocument/2006/relationships" xmlns:p="http://schemas.openxmlformats.org/presentationml/2006/main" type="objOverTx" preserve="1">
   <p:cSld name="Title, Content over Content">
     <p:spTree>
       <p:nvGrpSpPr>
@@ -1514,10 +1690,11 @@
           </a:prstGeom>
         </p:spPr>
         <p:txBody>
-          <a:bodyPr lIns="0" rIns="0" tIns="0" bIns="0" anchor="ctr"/>
+          <a:bodyPr lIns="0" tIns="0" rIns="0" bIns="0" anchor="ctr"/>
+          <a:lstStyle/>
           <a:p>
             <a:pPr algn="ctr"/>
-            <a:endParaRPr b="0" lang="en-US" sz="4400" spc="-1" strike="noStrike">
+            <a:endParaRPr lang="en-US" sz="4400" b="0" strike="noStrike" spc="-1">
               <a:latin typeface="Arial"/>
             </a:endParaRPr>
           </a:p>
@@ -1543,11 +1720,12 @@
           </a:prstGeom>
         </p:spPr>
         <p:txBody>
-          <a:bodyPr lIns="0" rIns="0" tIns="0" bIns="0">
+          <a:bodyPr lIns="0" tIns="0" rIns="0" bIns="0">
             <a:normAutofit/>
           </a:bodyPr>
-          <a:p>
-            <a:endParaRPr b="0" lang="en-US" sz="3200" spc="-1" strike="noStrike">
+          <a:lstStyle/>
+          <a:p>
+            <a:endParaRPr lang="en-US" sz="3200" b="0" strike="noStrike" spc="-1">
               <a:latin typeface="Arial"/>
             </a:endParaRPr>
           </a:p>
@@ -1573,11 +1751,12 @@
           </a:prstGeom>
         </p:spPr>
         <p:txBody>
-          <a:bodyPr lIns="0" rIns="0" tIns="0" bIns="0">
+          <a:bodyPr lIns="0" tIns="0" rIns="0" bIns="0">
             <a:normAutofit/>
           </a:bodyPr>
-          <a:p>
-            <a:endParaRPr b="0" lang="en-US" sz="3200" spc="-1" strike="noStrike">
+          <a:lstStyle/>
+          <a:p>
+            <a:endParaRPr lang="en-US" sz="3200" b="0" strike="noStrike" spc="-1">
               <a:latin typeface="Arial"/>
             </a:endParaRPr>
           </a:p>
@@ -1585,11 +1764,14 @@
       </p:sp>
     </p:spTree>
   </p:cSld>
+  <p:clrMapOvr>
+    <a:masterClrMapping/>
+  </p:clrMapOvr>
 </p:sldLayout>
 </file>
 
 <file path=ppt/slideLayouts/slideLayout23.xml><?xml version="1.0" encoding="utf-8"?>
-<p:sldLayout xmlns:a="http://schemas.openxmlformats.org/drawingml/2006/main" xmlns:p="http://schemas.openxmlformats.org/presentationml/2006/main" xmlns:r="http://schemas.openxmlformats.org/officeDocument/2006/relationships" xmlns:p14="http://schemas.microsoft.com/office/powerpoint/2010/main" xmlns:p15="http://schemas.microsoft.com/office/powerpoint/2012/main" xmlns:mc="http://schemas.openxmlformats.org/markup-compatibility/2006" type="fourObj" preserve="1">
+<p:sldLayout xmlns:a="http://schemas.openxmlformats.org/drawingml/2006/main" xmlns:r="http://schemas.openxmlformats.org/officeDocument/2006/relationships" xmlns:p="http://schemas.openxmlformats.org/presentationml/2006/main" type="fourObj" preserve="1">
   <p:cSld name="Title, 4 Content">
     <p:spTree>
       <p:nvGrpSpPr>
@@ -1625,10 +1807,11 @@
           </a:prstGeom>
         </p:spPr>
         <p:txBody>
-          <a:bodyPr lIns="0" rIns="0" tIns="0" bIns="0" anchor="ctr"/>
+          <a:bodyPr lIns="0" tIns="0" rIns="0" bIns="0" anchor="ctr"/>
+          <a:lstStyle/>
           <a:p>
             <a:pPr algn="ctr"/>
-            <a:endParaRPr b="0" lang="en-US" sz="4400" spc="-1" strike="noStrike">
+            <a:endParaRPr lang="en-US" sz="4400" b="0" strike="noStrike" spc="-1">
               <a:latin typeface="Arial"/>
             </a:endParaRPr>
           </a:p>
@@ -1654,11 +1837,12 @@
           </a:prstGeom>
         </p:spPr>
         <p:txBody>
-          <a:bodyPr lIns="0" rIns="0" tIns="0" bIns="0">
+          <a:bodyPr lIns="0" tIns="0" rIns="0" bIns="0">
             <a:normAutofit/>
           </a:bodyPr>
-          <a:p>
-            <a:endParaRPr b="0" lang="en-US" sz="3200" spc="-1" strike="noStrike">
+          <a:lstStyle/>
+          <a:p>
+            <a:endParaRPr lang="en-US" sz="3200" b="0" strike="noStrike" spc="-1">
               <a:latin typeface="Arial"/>
             </a:endParaRPr>
           </a:p>
@@ -1684,11 +1868,12 @@
           </a:prstGeom>
         </p:spPr>
         <p:txBody>
-          <a:bodyPr lIns="0" rIns="0" tIns="0" bIns="0">
+          <a:bodyPr lIns="0" tIns="0" rIns="0" bIns="0">
             <a:normAutofit/>
           </a:bodyPr>
-          <a:p>
-            <a:endParaRPr b="0" lang="en-US" sz="3200" spc="-1" strike="noStrike">
+          <a:lstStyle/>
+          <a:p>
+            <a:endParaRPr lang="en-US" sz="3200" b="0" strike="noStrike" spc="-1">
               <a:latin typeface="Arial"/>
             </a:endParaRPr>
           </a:p>
@@ -1714,11 +1899,12 @@
           </a:prstGeom>
         </p:spPr>
         <p:txBody>
-          <a:bodyPr lIns="0" rIns="0" tIns="0" bIns="0">
+          <a:bodyPr lIns="0" tIns="0" rIns="0" bIns="0">
             <a:normAutofit/>
           </a:bodyPr>
-          <a:p>
-            <a:endParaRPr b="0" lang="en-US" sz="3200" spc="-1" strike="noStrike">
+          <a:lstStyle/>
+          <a:p>
+            <a:endParaRPr lang="en-US" sz="3200" b="0" strike="noStrike" spc="-1">
               <a:latin typeface="Arial"/>
             </a:endParaRPr>
           </a:p>
@@ -1744,11 +1930,12 @@
           </a:prstGeom>
         </p:spPr>
         <p:txBody>
-          <a:bodyPr lIns="0" rIns="0" tIns="0" bIns="0">
+          <a:bodyPr lIns="0" tIns="0" rIns="0" bIns="0">
             <a:normAutofit/>
           </a:bodyPr>
-          <a:p>
-            <a:endParaRPr b="0" lang="en-US" sz="3200" spc="-1" strike="noStrike">
+          <a:lstStyle/>
+          <a:p>
+            <a:endParaRPr lang="en-US" sz="3200" b="0" strike="noStrike" spc="-1">
               <a:latin typeface="Arial"/>
             </a:endParaRPr>
           </a:p>
@@ -1756,11 +1943,14 @@
       </p:sp>
     </p:spTree>
   </p:cSld>
+  <p:clrMapOvr>
+    <a:masterClrMapping/>
+  </p:clrMapOvr>
 </p:sldLayout>
 </file>
 
 <file path=ppt/slideLayouts/slideLayout24.xml><?xml version="1.0" encoding="utf-8"?>
-<p:sldLayout xmlns:a="http://schemas.openxmlformats.org/drawingml/2006/main" xmlns:p="http://schemas.openxmlformats.org/presentationml/2006/main" xmlns:r="http://schemas.openxmlformats.org/officeDocument/2006/relationships" xmlns:p14="http://schemas.microsoft.com/office/powerpoint/2010/main" xmlns:p15="http://schemas.microsoft.com/office/powerpoint/2012/main" xmlns:mc="http://schemas.openxmlformats.org/markup-compatibility/2006" type="blank" preserve="1">
+<p:sldLayout xmlns:a="http://schemas.openxmlformats.org/drawingml/2006/main" xmlns:r="http://schemas.openxmlformats.org/officeDocument/2006/relationships" xmlns:p="http://schemas.openxmlformats.org/presentationml/2006/main" type="blank" preserve="1">
   <p:cSld name="Title, 6 Content">
     <p:spTree>
       <p:nvGrpSpPr>
@@ -1796,10 +1986,11 @@
           </a:prstGeom>
         </p:spPr>
         <p:txBody>
-          <a:bodyPr lIns="0" rIns="0" tIns="0" bIns="0" anchor="ctr"/>
+          <a:bodyPr lIns="0" tIns="0" rIns="0" bIns="0" anchor="ctr"/>
+          <a:lstStyle/>
           <a:p>
             <a:pPr algn="ctr"/>
-            <a:endParaRPr b="0" lang="en-US" sz="4400" spc="-1" strike="noStrike">
+            <a:endParaRPr lang="en-US" sz="4400" b="0" strike="noStrike" spc="-1">
               <a:latin typeface="Arial"/>
             </a:endParaRPr>
           </a:p>
@@ -1825,11 +2016,12 @@
           </a:prstGeom>
         </p:spPr>
         <p:txBody>
-          <a:bodyPr lIns="0" rIns="0" tIns="0" bIns="0">
+          <a:bodyPr lIns="0" tIns="0" rIns="0" bIns="0">
             <a:normAutofit/>
           </a:bodyPr>
-          <a:p>
-            <a:endParaRPr b="0" lang="en-US" sz="3200" spc="-1" strike="noStrike">
+          <a:lstStyle/>
+          <a:p>
+            <a:endParaRPr lang="en-US" sz="3200" b="0" strike="noStrike" spc="-1">
               <a:latin typeface="Arial"/>
             </a:endParaRPr>
           </a:p>
@@ -1855,11 +2047,12 @@
           </a:prstGeom>
         </p:spPr>
         <p:txBody>
-          <a:bodyPr lIns="0" rIns="0" tIns="0" bIns="0">
+          <a:bodyPr lIns="0" tIns="0" rIns="0" bIns="0">
             <a:normAutofit/>
           </a:bodyPr>
-          <a:p>
-            <a:endParaRPr b="0" lang="en-US" sz="3200" spc="-1" strike="noStrike">
+          <a:lstStyle/>
+          <a:p>
+            <a:endParaRPr lang="en-US" sz="3200" b="0" strike="noStrike" spc="-1">
               <a:latin typeface="Arial"/>
             </a:endParaRPr>
           </a:p>
@@ -1885,11 +2078,12 @@
           </a:prstGeom>
         </p:spPr>
         <p:txBody>
-          <a:bodyPr lIns="0" rIns="0" tIns="0" bIns="0">
+          <a:bodyPr lIns="0" tIns="0" rIns="0" bIns="0">
             <a:normAutofit/>
           </a:bodyPr>
-          <a:p>
-            <a:endParaRPr b="0" lang="en-US" sz="3200" spc="-1" strike="noStrike">
+          <a:lstStyle/>
+          <a:p>
+            <a:endParaRPr lang="en-US" sz="3200" b="0" strike="noStrike" spc="-1">
               <a:latin typeface="Arial"/>
             </a:endParaRPr>
           </a:p>
@@ -1915,11 +2109,12 @@
           </a:prstGeom>
         </p:spPr>
         <p:txBody>
-          <a:bodyPr lIns="0" rIns="0" tIns="0" bIns="0">
+          <a:bodyPr lIns="0" tIns="0" rIns="0" bIns="0">
             <a:normAutofit/>
           </a:bodyPr>
-          <a:p>
-            <a:endParaRPr b="0" lang="en-US" sz="3200" spc="-1" strike="noStrike">
+          <a:lstStyle/>
+          <a:p>
+            <a:endParaRPr lang="en-US" sz="3200" b="0" strike="noStrike" spc="-1">
               <a:latin typeface="Arial"/>
             </a:endParaRPr>
           </a:p>
@@ -1945,11 +2140,12 @@
           </a:prstGeom>
         </p:spPr>
         <p:txBody>
-          <a:bodyPr lIns="0" rIns="0" tIns="0" bIns="0">
+          <a:bodyPr lIns="0" tIns="0" rIns="0" bIns="0">
             <a:normAutofit/>
           </a:bodyPr>
-          <a:p>
-            <a:endParaRPr b="0" lang="en-US" sz="3200" spc="-1" strike="noStrike">
+          <a:lstStyle/>
+          <a:p>
+            <a:endParaRPr lang="en-US" sz="3200" b="0" strike="noStrike" spc="-1">
               <a:latin typeface="Arial"/>
             </a:endParaRPr>
           </a:p>
@@ -1975,11 +2171,12 @@
           </a:prstGeom>
         </p:spPr>
         <p:txBody>
-          <a:bodyPr lIns="0" rIns="0" tIns="0" bIns="0">
+          <a:bodyPr lIns="0" tIns="0" rIns="0" bIns="0">
             <a:normAutofit/>
           </a:bodyPr>
-          <a:p>
-            <a:endParaRPr b="0" lang="en-US" sz="3200" spc="-1" strike="noStrike">
+          <a:lstStyle/>
+          <a:p>
+            <a:endParaRPr lang="en-US" sz="3200" b="0" strike="noStrike" spc="-1">
               <a:latin typeface="Arial"/>
             </a:endParaRPr>
           </a:p>
@@ -1987,11 +2184,14 @@
       </p:sp>
     </p:spTree>
   </p:cSld>
+  <p:clrMapOvr>
+    <a:masterClrMapping/>
+  </p:clrMapOvr>
 </p:sldLayout>
 </file>
 
 <file path=ppt/slideLayouts/slideLayout3.xml><?xml version="1.0" encoding="utf-8"?>
-<p:sldLayout xmlns:a="http://schemas.openxmlformats.org/drawingml/2006/main" xmlns:p="http://schemas.openxmlformats.org/presentationml/2006/main" xmlns:r="http://schemas.openxmlformats.org/officeDocument/2006/relationships" xmlns:p14="http://schemas.microsoft.com/office/powerpoint/2010/main" xmlns:p15="http://schemas.microsoft.com/office/powerpoint/2012/main" xmlns:mc="http://schemas.openxmlformats.org/markup-compatibility/2006" type="obj" preserve="1">
+<p:sldLayout xmlns:a="http://schemas.openxmlformats.org/drawingml/2006/main" xmlns:r="http://schemas.openxmlformats.org/officeDocument/2006/relationships" xmlns:p="http://schemas.openxmlformats.org/presentationml/2006/main" type="obj" preserve="1">
   <p:cSld name="Title, Content">
     <p:spTree>
       <p:nvGrpSpPr>
@@ -2027,10 +2227,11 @@
           </a:prstGeom>
         </p:spPr>
         <p:txBody>
-          <a:bodyPr lIns="0" rIns="0" tIns="0" bIns="0" anchor="ctr"/>
+          <a:bodyPr lIns="0" tIns="0" rIns="0" bIns="0" anchor="ctr"/>
+          <a:lstStyle/>
           <a:p>
             <a:pPr algn="ctr"/>
-            <a:endParaRPr b="0" lang="en-US" sz="4400" spc="-1" strike="noStrike">
+            <a:endParaRPr lang="en-US" sz="4400" b="0" strike="noStrike" spc="-1">
               <a:latin typeface="Arial"/>
             </a:endParaRPr>
           </a:p>
@@ -2056,11 +2257,12 @@
           </a:prstGeom>
         </p:spPr>
         <p:txBody>
-          <a:bodyPr lIns="0" rIns="0" tIns="0" bIns="0">
+          <a:bodyPr lIns="0" tIns="0" rIns="0" bIns="0">
             <a:normAutofit/>
           </a:bodyPr>
-          <a:p>
-            <a:endParaRPr b="0" lang="en-US" sz="3200" spc="-1" strike="noStrike">
+          <a:lstStyle/>
+          <a:p>
+            <a:endParaRPr lang="en-US" sz="3200" b="0" strike="noStrike" spc="-1">
               <a:latin typeface="Arial"/>
             </a:endParaRPr>
           </a:p>
@@ -2068,11 +2270,14 @@
       </p:sp>
     </p:spTree>
   </p:cSld>
+  <p:clrMapOvr>
+    <a:masterClrMapping/>
+  </p:clrMapOvr>
 </p:sldLayout>
 </file>
 
 <file path=ppt/slideLayouts/slideLayout4.xml><?xml version="1.0" encoding="utf-8"?>
-<p:sldLayout xmlns:a="http://schemas.openxmlformats.org/drawingml/2006/main" xmlns:p="http://schemas.openxmlformats.org/presentationml/2006/main" xmlns:r="http://schemas.openxmlformats.org/officeDocument/2006/relationships" xmlns:p14="http://schemas.microsoft.com/office/powerpoint/2010/main" xmlns:p15="http://schemas.microsoft.com/office/powerpoint/2012/main" xmlns:mc="http://schemas.openxmlformats.org/markup-compatibility/2006" type="twoObj" preserve="1">
+<p:sldLayout xmlns:a="http://schemas.openxmlformats.org/drawingml/2006/main" xmlns:r="http://schemas.openxmlformats.org/officeDocument/2006/relationships" xmlns:p="http://schemas.openxmlformats.org/presentationml/2006/main" type="twoObj" preserve="1">
   <p:cSld name="Title, 2 Content">
     <p:spTree>
       <p:nvGrpSpPr>
@@ -2108,10 +2313,11 @@
           </a:prstGeom>
         </p:spPr>
         <p:txBody>
-          <a:bodyPr lIns="0" rIns="0" tIns="0" bIns="0" anchor="ctr"/>
+          <a:bodyPr lIns="0" tIns="0" rIns="0" bIns="0" anchor="ctr"/>
+          <a:lstStyle/>
           <a:p>
             <a:pPr algn="ctr"/>
-            <a:endParaRPr b="0" lang="en-US" sz="4400" spc="-1" strike="noStrike">
+            <a:endParaRPr lang="en-US" sz="4400" b="0" strike="noStrike" spc="-1">
               <a:latin typeface="Arial"/>
             </a:endParaRPr>
           </a:p>
@@ -2137,11 +2343,12 @@
           </a:prstGeom>
         </p:spPr>
         <p:txBody>
-          <a:bodyPr lIns="0" rIns="0" tIns="0" bIns="0">
+          <a:bodyPr lIns="0" tIns="0" rIns="0" bIns="0">
             <a:normAutofit/>
           </a:bodyPr>
-          <a:p>
-            <a:endParaRPr b="0" lang="en-US" sz="3200" spc="-1" strike="noStrike">
+          <a:lstStyle/>
+          <a:p>
+            <a:endParaRPr lang="en-US" sz="3200" b="0" strike="noStrike" spc="-1">
               <a:latin typeface="Arial"/>
             </a:endParaRPr>
           </a:p>
@@ -2167,11 +2374,12 @@
           </a:prstGeom>
         </p:spPr>
         <p:txBody>
-          <a:bodyPr lIns="0" rIns="0" tIns="0" bIns="0">
+          <a:bodyPr lIns="0" tIns="0" rIns="0" bIns="0">
             <a:normAutofit/>
           </a:bodyPr>
-          <a:p>
-            <a:endParaRPr b="0" lang="en-US" sz="3200" spc="-1" strike="noStrike">
+          <a:lstStyle/>
+          <a:p>
+            <a:endParaRPr lang="en-US" sz="3200" b="0" strike="noStrike" spc="-1">
               <a:latin typeface="Arial"/>
             </a:endParaRPr>
           </a:p>
@@ -2179,11 +2387,14 @@
       </p:sp>
     </p:spTree>
   </p:cSld>
+  <p:clrMapOvr>
+    <a:masterClrMapping/>
+  </p:clrMapOvr>
 </p:sldLayout>
 </file>
 
 <file path=ppt/slideLayouts/slideLayout5.xml><?xml version="1.0" encoding="utf-8"?>
-<p:sldLayout xmlns:a="http://schemas.openxmlformats.org/drawingml/2006/main" xmlns:p="http://schemas.openxmlformats.org/presentationml/2006/main" xmlns:r="http://schemas.openxmlformats.org/officeDocument/2006/relationships" xmlns:p14="http://schemas.microsoft.com/office/powerpoint/2010/main" xmlns:p15="http://schemas.microsoft.com/office/powerpoint/2012/main" xmlns:mc="http://schemas.openxmlformats.org/markup-compatibility/2006" type="titleOnly" preserve="1">
+<p:sldLayout xmlns:a="http://schemas.openxmlformats.org/drawingml/2006/main" xmlns:r="http://schemas.openxmlformats.org/officeDocument/2006/relationships" xmlns:p="http://schemas.openxmlformats.org/presentationml/2006/main" type="titleOnly" preserve="1">
   <p:cSld name="Title Only">
     <p:spTree>
       <p:nvGrpSpPr>
@@ -2219,10 +2430,11 @@
           </a:prstGeom>
         </p:spPr>
         <p:txBody>
-          <a:bodyPr lIns="0" rIns="0" tIns="0" bIns="0" anchor="ctr"/>
+          <a:bodyPr lIns="0" tIns="0" rIns="0" bIns="0" anchor="ctr"/>
+          <a:lstStyle/>
           <a:p>
             <a:pPr algn="ctr"/>
-            <a:endParaRPr b="0" lang="en-US" sz="4400" spc="-1" strike="noStrike">
+            <a:endParaRPr lang="en-US" sz="4400" b="0" strike="noStrike" spc="-1">
               <a:latin typeface="Arial"/>
             </a:endParaRPr>
           </a:p>
@@ -2230,11 +2442,14 @@
       </p:sp>
     </p:spTree>
   </p:cSld>
+  <p:clrMapOvr>
+    <a:masterClrMapping/>
+  </p:clrMapOvr>
 </p:sldLayout>
 </file>
 
 <file path=ppt/slideLayouts/slideLayout6.xml><?xml version="1.0" encoding="utf-8"?>
-<p:sldLayout xmlns:a="http://schemas.openxmlformats.org/drawingml/2006/main" xmlns:p="http://schemas.openxmlformats.org/presentationml/2006/main" xmlns:r="http://schemas.openxmlformats.org/officeDocument/2006/relationships" xmlns:p14="http://schemas.microsoft.com/office/powerpoint/2010/main" xmlns:p15="http://schemas.microsoft.com/office/powerpoint/2012/main" xmlns:mc="http://schemas.openxmlformats.org/markup-compatibility/2006" type="objOnly" preserve="1">
+<p:sldLayout xmlns:a="http://schemas.openxmlformats.org/drawingml/2006/main" xmlns:r="http://schemas.openxmlformats.org/officeDocument/2006/relationships" xmlns:p="http://schemas.openxmlformats.org/presentationml/2006/main" type="objOnly" preserve="1">
   <p:cSld name="Centered Text">
     <p:spTree>
       <p:nvGrpSpPr>
@@ -2270,10 +2485,11 @@
           </a:prstGeom>
         </p:spPr>
         <p:txBody>
-          <a:bodyPr lIns="0" rIns="0" tIns="0" bIns="0" anchor="ctr"/>
+          <a:bodyPr lIns="0" tIns="0" rIns="0" bIns="0" anchor="ctr"/>
+          <a:lstStyle/>
           <a:p>
             <a:pPr algn="ctr"/>
-            <a:endParaRPr b="0" lang="en-US" sz="3200" spc="-1" strike="noStrike">
+            <a:endParaRPr lang="en-US" sz="3200" b="0" strike="noStrike" spc="-1">
               <a:latin typeface="Arial"/>
             </a:endParaRPr>
           </a:p>
@@ -2281,11 +2497,14 @@
       </p:sp>
     </p:spTree>
   </p:cSld>
+  <p:clrMapOvr>
+    <a:masterClrMapping/>
+  </p:clrMapOvr>
 </p:sldLayout>
 </file>
 
 <file path=ppt/slideLayouts/slideLayout7.xml><?xml version="1.0" encoding="utf-8"?>
-<p:sldLayout xmlns:a="http://schemas.openxmlformats.org/drawingml/2006/main" xmlns:p="http://schemas.openxmlformats.org/presentationml/2006/main" xmlns:r="http://schemas.openxmlformats.org/officeDocument/2006/relationships" xmlns:p14="http://schemas.microsoft.com/office/powerpoint/2010/main" xmlns:p15="http://schemas.microsoft.com/office/powerpoint/2012/main" xmlns:mc="http://schemas.openxmlformats.org/markup-compatibility/2006" type="twoObjAndObj" preserve="1">
+<p:sldLayout xmlns:a="http://schemas.openxmlformats.org/drawingml/2006/main" xmlns:r="http://schemas.openxmlformats.org/officeDocument/2006/relationships" xmlns:p="http://schemas.openxmlformats.org/presentationml/2006/main" type="twoObjAndObj" preserve="1">
   <p:cSld name="Title, 2 Content and Content">
     <p:spTree>
       <p:nvGrpSpPr>
@@ -2321,10 +2540,11 @@
           </a:prstGeom>
         </p:spPr>
         <p:txBody>
-          <a:bodyPr lIns="0" rIns="0" tIns="0" bIns="0" anchor="ctr"/>
+          <a:bodyPr lIns="0" tIns="0" rIns="0" bIns="0" anchor="ctr"/>
+          <a:lstStyle/>
           <a:p>
             <a:pPr algn="ctr"/>
-            <a:endParaRPr b="0" lang="en-US" sz="4400" spc="-1" strike="noStrike">
+            <a:endParaRPr lang="en-US" sz="4400" b="0" strike="noStrike" spc="-1">
               <a:latin typeface="Arial"/>
             </a:endParaRPr>
           </a:p>
@@ -2350,11 +2570,12 @@
           </a:prstGeom>
         </p:spPr>
         <p:txBody>
-          <a:bodyPr lIns="0" rIns="0" tIns="0" bIns="0">
+          <a:bodyPr lIns="0" tIns="0" rIns="0" bIns="0">
             <a:normAutofit/>
           </a:bodyPr>
-          <a:p>
-            <a:endParaRPr b="0" lang="en-US" sz="3200" spc="-1" strike="noStrike">
+          <a:lstStyle/>
+          <a:p>
+            <a:endParaRPr lang="en-US" sz="3200" b="0" strike="noStrike" spc="-1">
               <a:latin typeface="Arial"/>
             </a:endParaRPr>
           </a:p>
@@ -2380,11 +2601,12 @@
           </a:prstGeom>
         </p:spPr>
         <p:txBody>
-          <a:bodyPr lIns="0" rIns="0" tIns="0" bIns="0">
+          <a:bodyPr lIns="0" tIns="0" rIns="0" bIns="0">
             <a:normAutofit/>
           </a:bodyPr>
-          <a:p>
-            <a:endParaRPr b="0" lang="en-US" sz="3200" spc="-1" strike="noStrike">
+          <a:lstStyle/>
+          <a:p>
+            <a:endParaRPr lang="en-US" sz="3200" b="0" strike="noStrike" spc="-1">
               <a:latin typeface="Arial"/>
             </a:endParaRPr>
           </a:p>
@@ -2410,11 +2632,12 @@
           </a:prstGeom>
         </p:spPr>
         <p:txBody>
-          <a:bodyPr lIns="0" rIns="0" tIns="0" bIns="0">
+          <a:bodyPr lIns="0" tIns="0" rIns="0" bIns="0">
             <a:normAutofit/>
           </a:bodyPr>
-          <a:p>
-            <a:endParaRPr b="0" lang="en-US" sz="3200" spc="-1" strike="noStrike">
+          <a:lstStyle/>
+          <a:p>
+            <a:endParaRPr lang="en-US" sz="3200" b="0" strike="noStrike" spc="-1">
               <a:latin typeface="Arial"/>
             </a:endParaRPr>
           </a:p>
@@ -2422,11 +2645,14 @@
       </p:sp>
     </p:spTree>
   </p:cSld>
+  <p:clrMapOvr>
+    <a:masterClrMapping/>
+  </p:clrMapOvr>
 </p:sldLayout>
 </file>
 
 <file path=ppt/slideLayouts/slideLayout8.xml><?xml version="1.0" encoding="utf-8"?>
-<p:sldLayout xmlns:a="http://schemas.openxmlformats.org/drawingml/2006/main" xmlns:p="http://schemas.openxmlformats.org/presentationml/2006/main" xmlns:r="http://schemas.openxmlformats.org/officeDocument/2006/relationships" xmlns:p14="http://schemas.microsoft.com/office/powerpoint/2010/main" xmlns:p15="http://schemas.microsoft.com/office/powerpoint/2012/main" xmlns:mc="http://schemas.openxmlformats.org/markup-compatibility/2006" type="objAndTwoObj" preserve="1">
+<p:sldLayout xmlns:a="http://schemas.openxmlformats.org/drawingml/2006/main" xmlns:r="http://schemas.openxmlformats.org/officeDocument/2006/relationships" xmlns:p="http://schemas.openxmlformats.org/presentationml/2006/main" type="objAndTwoObj" preserve="1">
   <p:cSld name="Title Content and 2 Content">
     <p:spTree>
       <p:nvGrpSpPr>
@@ -2462,10 +2688,11 @@
           </a:prstGeom>
         </p:spPr>
         <p:txBody>
-          <a:bodyPr lIns="0" rIns="0" tIns="0" bIns="0" anchor="ctr"/>
+          <a:bodyPr lIns="0" tIns="0" rIns="0" bIns="0" anchor="ctr"/>
+          <a:lstStyle/>
           <a:p>
             <a:pPr algn="ctr"/>
-            <a:endParaRPr b="0" lang="en-US" sz="4400" spc="-1" strike="noStrike">
+            <a:endParaRPr lang="en-US" sz="4400" b="0" strike="noStrike" spc="-1">
               <a:latin typeface="Arial"/>
             </a:endParaRPr>
           </a:p>
@@ -2491,11 +2718,12 @@
           </a:prstGeom>
         </p:spPr>
         <p:txBody>
-          <a:bodyPr lIns="0" rIns="0" tIns="0" bIns="0">
+          <a:bodyPr lIns="0" tIns="0" rIns="0" bIns="0">
             <a:normAutofit/>
           </a:bodyPr>
-          <a:p>
-            <a:endParaRPr b="0" lang="en-US" sz="3200" spc="-1" strike="noStrike">
+          <a:lstStyle/>
+          <a:p>
+            <a:endParaRPr lang="en-US" sz="3200" b="0" strike="noStrike" spc="-1">
               <a:latin typeface="Arial"/>
             </a:endParaRPr>
           </a:p>
@@ -2521,11 +2749,12 @@
           </a:prstGeom>
         </p:spPr>
         <p:txBody>
-          <a:bodyPr lIns="0" rIns="0" tIns="0" bIns="0">
+          <a:bodyPr lIns="0" tIns="0" rIns="0" bIns="0">
             <a:normAutofit/>
           </a:bodyPr>
-          <a:p>
-            <a:endParaRPr b="0" lang="en-US" sz="3200" spc="-1" strike="noStrike">
+          <a:lstStyle/>
+          <a:p>
+            <a:endParaRPr lang="en-US" sz="3200" b="0" strike="noStrike" spc="-1">
               <a:latin typeface="Arial"/>
             </a:endParaRPr>
           </a:p>
@@ -2551,11 +2780,12 @@
           </a:prstGeom>
         </p:spPr>
         <p:txBody>
-          <a:bodyPr lIns="0" rIns="0" tIns="0" bIns="0">
+          <a:bodyPr lIns="0" tIns="0" rIns="0" bIns="0">
             <a:normAutofit/>
           </a:bodyPr>
-          <a:p>
-            <a:endParaRPr b="0" lang="en-US" sz="3200" spc="-1" strike="noStrike">
+          <a:lstStyle/>
+          <a:p>
+            <a:endParaRPr lang="en-US" sz="3200" b="0" strike="noStrike" spc="-1">
               <a:latin typeface="Arial"/>
             </a:endParaRPr>
           </a:p>
@@ -2563,11 +2793,14 @@
       </p:sp>
     </p:spTree>
   </p:cSld>
+  <p:clrMapOvr>
+    <a:masterClrMapping/>
+  </p:clrMapOvr>
 </p:sldLayout>
 </file>
 
 <file path=ppt/slideLayouts/slideLayout9.xml><?xml version="1.0" encoding="utf-8"?>
-<p:sldLayout xmlns:a="http://schemas.openxmlformats.org/drawingml/2006/main" xmlns:p="http://schemas.openxmlformats.org/presentationml/2006/main" xmlns:r="http://schemas.openxmlformats.org/officeDocument/2006/relationships" xmlns:p14="http://schemas.microsoft.com/office/powerpoint/2010/main" xmlns:p15="http://schemas.microsoft.com/office/powerpoint/2012/main" xmlns:mc="http://schemas.openxmlformats.org/markup-compatibility/2006" type="twoObjOverTx" preserve="1">
+<p:sldLayout xmlns:a="http://schemas.openxmlformats.org/drawingml/2006/main" xmlns:r="http://schemas.openxmlformats.org/officeDocument/2006/relationships" xmlns:p="http://schemas.openxmlformats.org/presentationml/2006/main" type="twoObjOverTx" preserve="1">
   <p:cSld name="Title, 2 Content over Content">
     <p:spTree>
       <p:nvGrpSpPr>
@@ -2603,10 +2836,11 @@
           </a:prstGeom>
         </p:spPr>
         <p:txBody>
-          <a:bodyPr lIns="0" rIns="0" tIns="0" bIns="0" anchor="ctr"/>
+          <a:bodyPr lIns="0" tIns="0" rIns="0" bIns="0" anchor="ctr"/>
+          <a:lstStyle/>
           <a:p>
             <a:pPr algn="ctr"/>
-            <a:endParaRPr b="0" lang="en-US" sz="4400" spc="-1" strike="noStrike">
+            <a:endParaRPr lang="en-US" sz="4400" b="0" strike="noStrike" spc="-1">
               <a:latin typeface="Arial"/>
             </a:endParaRPr>
           </a:p>
@@ -2632,11 +2866,12 @@
           </a:prstGeom>
         </p:spPr>
         <p:txBody>
-          <a:bodyPr lIns="0" rIns="0" tIns="0" bIns="0">
+          <a:bodyPr lIns="0" tIns="0" rIns="0" bIns="0">
             <a:normAutofit/>
           </a:bodyPr>
-          <a:p>
-            <a:endParaRPr b="0" lang="en-US" sz="3200" spc="-1" strike="noStrike">
+          <a:lstStyle/>
+          <a:p>
+            <a:endParaRPr lang="en-US" sz="3200" b="0" strike="noStrike" spc="-1">
               <a:latin typeface="Arial"/>
             </a:endParaRPr>
           </a:p>
@@ -2662,11 +2897,12 @@
           </a:prstGeom>
         </p:spPr>
         <p:txBody>
-          <a:bodyPr lIns="0" rIns="0" tIns="0" bIns="0">
+          <a:bodyPr lIns="0" tIns="0" rIns="0" bIns="0">
             <a:normAutofit/>
           </a:bodyPr>
-          <a:p>
-            <a:endParaRPr b="0" lang="en-US" sz="3200" spc="-1" strike="noStrike">
+          <a:lstStyle/>
+          <a:p>
+            <a:endParaRPr lang="en-US" sz="3200" b="0" strike="noStrike" spc="-1">
               <a:latin typeface="Arial"/>
             </a:endParaRPr>
           </a:p>
@@ -2692,11 +2928,12 @@
           </a:prstGeom>
         </p:spPr>
         <p:txBody>
-          <a:bodyPr lIns="0" rIns="0" tIns="0" bIns="0">
+          <a:bodyPr lIns="0" tIns="0" rIns="0" bIns="0">
             <a:normAutofit/>
           </a:bodyPr>
-          <a:p>
-            <a:endParaRPr b="0" lang="en-US" sz="3200" spc="-1" strike="noStrike">
+          <a:lstStyle/>
+          <a:p>
+            <a:endParaRPr lang="en-US" sz="3200" b="0" strike="noStrike" spc="-1">
               <a:latin typeface="Arial"/>
             </a:endParaRPr>
           </a:p>
@@ -2704,17 +2941,21 @@
       </p:sp>
     </p:spTree>
   </p:cSld>
+  <p:clrMapOvr>
+    <a:masterClrMapping/>
+  </p:clrMapOvr>
 </p:sldLayout>
 </file>
 
 <file path=ppt/slideMasters/slideMaster1.xml><?xml version="1.0" encoding="utf-8"?>
-<p:sldMaster xmlns:a="http://schemas.openxmlformats.org/drawingml/2006/main" xmlns:p="http://schemas.openxmlformats.org/presentationml/2006/main" xmlns:r="http://schemas.openxmlformats.org/officeDocument/2006/relationships" xmlns:p14="http://schemas.microsoft.com/office/powerpoint/2010/main" xmlns:p15="http://schemas.microsoft.com/office/powerpoint/2012/main" xmlns:mc="http://schemas.openxmlformats.org/markup-compatibility/2006">
+<p:sldMaster xmlns:a="http://schemas.openxmlformats.org/drawingml/2006/main" xmlns:r="http://schemas.openxmlformats.org/officeDocument/2006/relationships" xmlns:p="http://schemas.openxmlformats.org/presentationml/2006/main">
   <p:cSld>
     <p:bg>
       <p:bgPr>
         <a:solidFill>
           <a:srgbClr val="262626"/>
         </a:solidFill>
+        <a:effectLst/>
       </p:bgPr>
     </p:bg>
     <p:spTree>
@@ -2733,7 +2974,7 @@
       </p:grpSpPr>
       <p:grpSp>
         <p:nvGrpSpPr>
-          <p:cNvPr id="0" name="Group 1"/>
+          <p:cNvPr id="5" name="Group 1"/>
           <p:cNvGrpSpPr/>
           <p:nvPr/>
         </p:nvGrpSpPr>
@@ -2747,7 +2988,7 @@
         </p:grpSpPr>
         <p:sp>
           <p:nvSpPr>
-            <p:cNvPr id="1" name="CustomShape 2"/>
+            <p:cNvPr id="6" name="CustomShape 2"/>
             <p:cNvSpPr/>
             <p:nvPr/>
           </p:nvSpPr>
@@ -2767,20 +3008,26 @@
             </a:ln>
           </p:spPr>
           <p:style>
-            <a:lnRef idx="0"/>
-            <a:fillRef idx="0"/>
-            <a:effectRef idx="0"/>
+            <a:lnRef idx="0">
+              <a:scrgbClr r="0" g="0" b="0"/>
+            </a:lnRef>
+            <a:fillRef idx="0">
+              <a:scrgbClr r="0" g="0" b="0"/>
+            </a:fillRef>
+            <a:effectRef idx="0">
+              <a:scrgbClr r="0" g="0" b="0"/>
+            </a:effectRef>
             <a:fontRef idx="minor"/>
           </p:style>
         </p:sp>
         <p:pic>
           <p:nvPicPr>
-            <p:cNvPr id="2" name="Google Shape;15;p2" descr=""/>
+            <p:cNvPr id="2" name="Google Shape;15;p2"/>
             <p:cNvPicPr/>
             <p:nvPr/>
           </p:nvPicPr>
           <p:blipFill>
-            <a:blip r:embed="rId2"/>
+            <a:blip r:embed="rId14"/>
             <a:stretch/>
           </p:blipFill>
           <p:spPr>
@@ -2817,18 +3064,16 @@
           </a:prstGeom>
         </p:spPr>
         <p:txBody>
-          <a:bodyPr lIns="0" rIns="0" tIns="0" bIns="0" anchor="ctr"/>
+          <a:bodyPr lIns="0" tIns="0" rIns="0" bIns="0" anchor="ctr"/>
+          <a:lstStyle/>
           <a:p>
             <a:pPr algn="ctr"/>
             <a:r>
-              <a:rPr b="0" lang="en-US" sz="4400" spc="-1" strike="noStrike">
+              <a:rPr lang="en-US" sz="4400" b="0" strike="noStrike" spc="-1">
                 <a:latin typeface="Arial"/>
               </a:rPr>
               <a:t>Click to edit the title text format</a:t>
             </a:r>
-            <a:endParaRPr b="0" lang="en-US" sz="4400" spc="-1" strike="noStrike">
-              <a:latin typeface="Arial"/>
-            </a:endParaRPr>
           </a:p>
         </p:txBody>
       </p:sp>
@@ -2852,193 +3097,454 @@
           </a:prstGeom>
         </p:spPr>
         <p:txBody>
-          <a:bodyPr lIns="0" rIns="0" tIns="0" bIns="0">
+          <a:bodyPr lIns="0" tIns="0" rIns="0" bIns="0">
             <a:normAutofit/>
           </a:bodyPr>
+          <a:lstStyle/>
           <a:p>
             <a:pPr marL="432000" indent="-324000">
               <a:spcBef>
                 <a:spcPts val="1417"/>
               </a:spcBef>
               <a:buClr>
-                <a:srgbClr val="ffffff"/>
+                <a:srgbClr val="FFFFFF"/>
               </a:buClr>
               <a:buSzPct val="45000"/>
               <a:buFont typeface="Wingdings" charset="2"/>
               <a:buChar char=""/>
             </a:pPr>
             <a:r>
-              <a:rPr b="0" lang="en-US" sz="3200" spc="-1" strike="noStrike">
+              <a:rPr lang="en-US" sz="3200" b="0" strike="noStrike" spc="-1">
                 <a:latin typeface="Arial"/>
               </a:rPr>
               <a:t>Click to edit the outline text format</a:t>
             </a:r>
-            <a:endParaRPr b="0" lang="en-US" sz="3200" spc="-1" strike="noStrike">
-              <a:latin typeface="Arial"/>
-            </a:endParaRPr>
-          </a:p>
-          <a:p>
-            <a:pPr lvl="1" marL="864000" indent="-324000">
+          </a:p>
+          <a:p>
+            <a:pPr marL="864000" lvl="1" indent="-324000">
               <a:spcBef>
                 <a:spcPts val="1134"/>
               </a:spcBef>
               <a:buClr>
-                <a:srgbClr val="ffffff"/>
+                <a:srgbClr val="FFFFFF"/>
               </a:buClr>
               <a:buSzPct val="75000"/>
               <a:buFont typeface="Symbol" charset="2"/>
               <a:buChar char=""/>
             </a:pPr>
             <a:r>
-              <a:rPr b="0" lang="en-US" sz="2800" spc="-1" strike="noStrike">
+              <a:rPr lang="en-US" sz="2800" b="0" strike="noStrike" spc="-1">
                 <a:latin typeface="Arial"/>
               </a:rPr>
               <a:t>Second Outline Level</a:t>
             </a:r>
-            <a:endParaRPr b="0" lang="en-US" sz="2800" spc="-1" strike="noStrike">
-              <a:latin typeface="Arial"/>
-            </a:endParaRPr>
-          </a:p>
-          <a:p>
-            <a:pPr lvl="2" marL="1296000" indent="-288000">
+          </a:p>
+          <a:p>
+            <a:pPr marL="1296000" lvl="2" indent="-288000">
               <a:spcBef>
                 <a:spcPts val="850"/>
               </a:spcBef>
               <a:buClr>
-                <a:srgbClr val="ffffff"/>
+                <a:srgbClr val="FFFFFF"/>
               </a:buClr>
               <a:buSzPct val="45000"/>
               <a:buFont typeface="Wingdings" charset="2"/>
               <a:buChar char=""/>
             </a:pPr>
             <a:r>
-              <a:rPr b="0" lang="en-US" sz="2400" spc="-1" strike="noStrike">
+              <a:rPr lang="en-US" sz="2400" b="0" strike="noStrike" spc="-1">
                 <a:latin typeface="Arial"/>
               </a:rPr>
               <a:t>Third Outline Level</a:t>
             </a:r>
-            <a:endParaRPr b="0" lang="en-US" sz="2400" spc="-1" strike="noStrike">
-              <a:latin typeface="Arial"/>
-            </a:endParaRPr>
-          </a:p>
-          <a:p>
-            <a:pPr lvl="3" marL="1728000" indent="-216000">
+          </a:p>
+          <a:p>
+            <a:pPr marL="1728000" lvl="3" indent="-216000">
               <a:spcBef>
                 <a:spcPts val="567"/>
               </a:spcBef>
               <a:buClr>
-                <a:srgbClr val="ffffff"/>
+                <a:srgbClr val="FFFFFF"/>
               </a:buClr>
               <a:buSzPct val="75000"/>
               <a:buFont typeface="Symbol" charset="2"/>
               <a:buChar char=""/>
             </a:pPr>
             <a:r>
-              <a:rPr b="0" lang="en-US" sz="2000" spc="-1" strike="noStrike">
+              <a:rPr lang="en-US" sz="2000" b="0" strike="noStrike" spc="-1">
                 <a:latin typeface="Arial"/>
               </a:rPr>
               <a:t>Fourth Outline Level</a:t>
             </a:r>
-            <a:endParaRPr b="0" lang="en-US" sz="2000" spc="-1" strike="noStrike">
-              <a:latin typeface="Arial"/>
-            </a:endParaRPr>
-          </a:p>
-          <a:p>
-            <a:pPr lvl="4" marL="2160000" indent="-216000">
+          </a:p>
+          <a:p>
+            <a:pPr marL="2160000" lvl="4" indent="-216000">
               <a:spcBef>
                 <a:spcPts val="283"/>
               </a:spcBef>
               <a:buClr>
-                <a:srgbClr val="ffffff"/>
+                <a:srgbClr val="FFFFFF"/>
               </a:buClr>
               <a:buSzPct val="45000"/>
               <a:buFont typeface="Wingdings" charset="2"/>
               <a:buChar char=""/>
             </a:pPr>
             <a:r>
-              <a:rPr b="0" lang="en-US" sz="2000" spc="-1" strike="noStrike">
+              <a:rPr lang="en-US" sz="2000" b="0" strike="noStrike" spc="-1">
                 <a:latin typeface="Arial"/>
               </a:rPr>
               <a:t>Fifth Outline Level</a:t>
             </a:r>
-            <a:endParaRPr b="0" lang="en-US" sz="2000" spc="-1" strike="noStrike">
-              <a:latin typeface="Arial"/>
-            </a:endParaRPr>
-          </a:p>
-          <a:p>
-            <a:pPr lvl="5" marL="2592000" indent="-216000">
+          </a:p>
+          <a:p>
+            <a:pPr marL="2592000" lvl="5" indent="-216000">
               <a:spcBef>
                 <a:spcPts val="283"/>
               </a:spcBef>
               <a:buClr>
-                <a:srgbClr val="ffffff"/>
+                <a:srgbClr val="FFFFFF"/>
               </a:buClr>
               <a:buSzPct val="45000"/>
               <a:buFont typeface="Wingdings" charset="2"/>
               <a:buChar char=""/>
             </a:pPr>
             <a:r>
-              <a:rPr b="0" lang="en-US" sz="2000" spc="-1" strike="noStrike">
+              <a:rPr lang="en-US" sz="2000" b="0" strike="noStrike" spc="-1">
                 <a:latin typeface="Arial"/>
               </a:rPr>
               <a:t>Sixth Outline Level</a:t>
             </a:r>
-            <a:endParaRPr b="0" lang="en-US" sz="2000" spc="-1" strike="noStrike">
-              <a:latin typeface="Arial"/>
-            </a:endParaRPr>
-          </a:p>
-          <a:p>
-            <a:pPr lvl="6" marL="3024000" indent="-216000">
+          </a:p>
+          <a:p>
+            <a:pPr marL="3024000" lvl="6" indent="-216000">
               <a:spcBef>
                 <a:spcPts val="283"/>
               </a:spcBef>
               <a:buClr>
-                <a:srgbClr val="ffffff"/>
+                <a:srgbClr val="FFFFFF"/>
               </a:buClr>
               <a:buSzPct val="45000"/>
               <a:buFont typeface="Wingdings" charset="2"/>
               <a:buChar char=""/>
             </a:pPr>
             <a:r>
-              <a:rPr b="0" lang="en-US" sz="2000" spc="-1" strike="noStrike">
+              <a:rPr lang="en-US" sz="2000" b="0" strike="noStrike" spc="-1">
                 <a:latin typeface="Arial"/>
               </a:rPr>
               <a:t>Seventh Outline Level</a:t>
             </a:r>
-            <a:endParaRPr b="0" lang="en-US" sz="2000" spc="-1" strike="noStrike">
-              <a:latin typeface="Arial"/>
-            </a:endParaRPr>
           </a:p>
         </p:txBody>
       </p:sp>
     </p:spTree>
   </p:cSld>
-  <p:clrMap bg1="lt1" bg2="lt2" tx1="dk1" tx2="dk2" accent1="accent1" accent2="accent2" accent3="accent3" accent4="accent4" accent5="accent5" accent6="accent6" hlink="hlink" folHlink="folHlink"/>
+  <p:clrMap bg1="lt1" tx1="dk1" bg2="lt2" tx2="dk2" accent1="accent1" accent2="accent2" accent3="accent3" accent4="accent4" accent5="accent5" accent6="accent6" hlink="hlink" folHlink="folHlink"/>
   <p:sldLayoutIdLst>
-    <p:sldLayoutId id="2147483649" r:id="rId3"/>
-    <p:sldLayoutId id="2147483650" r:id="rId4"/>
-    <p:sldLayoutId id="2147483651" r:id="rId5"/>
-    <p:sldLayoutId id="2147483652" r:id="rId6"/>
-    <p:sldLayoutId id="2147483653" r:id="rId7"/>
-    <p:sldLayoutId id="2147483654" r:id="rId8"/>
-    <p:sldLayoutId id="2147483655" r:id="rId9"/>
-    <p:sldLayoutId id="2147483656" r:id="rId10"/>
-    <p:sldLayoutId id="2147483657" r:id="rId11"/>
-    <p:sldLayoutId id="2147483658" r:id="rId12"/>
-    <p:sldLayoutId id="2147483659" r:id="rId13"/>
-    <p:sldLayoutId id="2147483660" r:id="rId14"/>
+    <p:sldLayoutId id="2147483649" r:id="rId1"/>
+    <p:sldLayoutId id="2147483650" r:id="rId2"/>
+    <p:sldLayoutId id="2147483651" r:id="rId3"/>
+    <p:sldLayoutId id="2147483652" r:id="rId4"/>
+    <p:sldLayoutId id="2147483653" r:id="rId5"/>
+    <p:sldLayoutId id="2147483654" r:id="rId6"/>
+    <p:sldLayoutId id="2147483655" r:id="rId7"/>
+    <p:sldLayoutId id="2147483656" r:id="rId8"/>
+    <p:sldLayoutId id="2147483657" r:id="rId9"/>
+    <p:sldLayoutId id="2147483658" r:id="rId10"/>
+    <p:sldLayoutId id="2147483659" r:id="rId11"/>
+    <p:sldLayoutId id="2147483660" r:id="rId12"/>
   </p:sldLayoutIdLst>
+  <p:txStyles>
+    <p:titleStyle>
+      <a:lvl1pPr algn="l" defTabSz="914400" rtl="0" eaLnBrk="1" latinLnBrk="0" hangingPunct="1">
+        <a:lnSpc>
+          <a:spcPct val="90000"/>
+        </a:lnSpc>
+        <a:spcBef>
+          <a:spcPct val="0"/>
+        </a:spcBef>
+        <a:buNone/>
+        <a:defRPr sz="4400" kern="1200">
+          <a:solidFill>
+            <a:schemeClr val="tx1"/>
+          </a:solidFill>
+          <a:latin typeface="+mj-lt"/>
+          <a:ea typeface="+mj-ea"/>
+          <a:cs typeface="+mj-cs"/>
+        </a:defRPr>
+      </a:lvl1pPr>
+    </p:titleStyle>
+    <p:bodyStyle>
+      <a:lvl1pPr marL="228600" indent="-228600" algn="l" defTabSz="914400" rtl="0" eaLnBrk="1" latinLnBrk="0" hangingPunct="1">
+        <a:lnSpc>
+          <a:spcPct val="90000"/>
+        </a:lnSpc>
+        <a:spcBef>
+          <a:spcPts val="1000"/>
+        </a:spcBef>
+        <a:buFont typeface="Arial" panose="020B0604020202020204" pitchFamily="34" charset="0"/>
+        <a:buChar char="•"/>
+        <a:defRPr sz="2800" kern="1200">
+          <a:solidFill>
+            <a:schemeClr val="tx1"/>
+          </a:solidFill>
+          <a:latin typeface="+mn-lt"/>
+          <a:ea typeface="+mn-ea"/>
+          <a:cs typeface="+mn-cs"/>
+        </a:defRPr>
+      </a:lvl1pPr>
+      <a:lvl2pPr marL="685800" indent="-228600" algn="l" defTabSz="914400" rtl="0" eaLnBrk="1" latinLnBrk="0" hangingPunct="1">
+        <a:lnSpc>
+          <a:spcPct val="90000"/>
+        </a:lnSpc>
+        <a:spcBef>
+          <a:spcPts val="500"/>
+        </a:spcBef>
+        <a:buFont typeface="Arial" panose="020B0604020202020204" pitchFamily="34" charset="0"/>
+        <a:buChar char="•"/>
+        <a:defRPr sz="2400" kern="1200">
+          <a:solidFill>
+            <a:schemeClr val="tx1"/>
+          </a:solidFill>
+          <a:latin typeface="+mn-lt"/>
+          <a:ea typeface="+mn-ea"/>
+          <a:cs typeface="+mn-cs"/>
+        </a:defRPr>
+      </a:lvl2pPr>
+      <a:lvl3pPr marL="1143000" indent="-228600" algn="l" defTabSz="914400" rtl="0" eaLnBrk="1" latinLnBrk="0" hangingPunct="1">
+        <a:lnSpc>
+          <a:spcPct val="90000"/>
+        </a:lnSpc>
+        <a:spcBef>
+          <a:spcPts val="500"/>
+        </a:spcBef>
+        <a:buFont typeface="Arial" panose="020B0604020202020204" pitchFamily="34" charset="0"/>
+        <a:buChar char="•"/>
+        <a:defRPr sz="2000" kern="1200">
+          <a:solidFill>
+            <a:schemeClr val="tx1"/>
+          </a:solidFill>
+          <a:latin typeface="+mn-lt"/>
+          <a:ea typeface="+mn-ea"/>
+          <a:cs typeface="+mn-cs"/>
+        </a:defRPr>
+      </a:lvl3pPr>
+      <a:lvl4pPr marL="1600200" indent="-228600" algn="l" defTabSz="914400" rtl="0" eaLnBrk="1" latinLnBrk="0" hangingPunct="1">
+        <a:lnSpc>
+          <a:spcPct val="90000"/>
+        </a:lnSpc>
+        <a:spcBef>
+          <a:spcPts val="500"/>
+        </a:spcBef>
+        <a:buFont typeface="Arial" panose="020B0604020202020204" pitchFamily="34" charset="0"/>
+        <a:buChar char="•"/>
+        <a:defRPr sz="1800" kern="1200">
+          <a:solidFill>
+            <a:schemeClr val="tx1"/>
+          </a:solidFill>
+          <a:latin typeface="+mn-lt"/>
+          <a:ea typeface="+mn-ea"/>
+          <a:cs typeface="+mn-cs"/>
+        </a:defRPr>
+      </a:lvl4pPr>
+      <a:lvl5pPr marL="2057400" indent="-228600" algn="l" defTabSz="914400" rtl="0" eaLnBrk="1" latinLnBrk="0" hangingPunct="1">
+        <a:lnSpc>
+          <a:spcPct val="90000"/>
+        </a:lnSpc>
+        <a:spcBef>
+          <a:spcPts val="500"/>
+        </a:spcBef>
+        <a:buFont typeface="Arial" panose="020B0604020202020204" pitchFamily="34" charset="0"/>
+        <a:buChar char="•"/>
+        <a:defRPr sz="1800" kern="1200">
+          <a:solidFill>
+            <a:schemeClr val="tx1"/>
+          </a:solidFill>
+          <a:latin typeface="+mn-lt"/>
+          <a:ea typeface="+mn-ea"/>
+          <a:cs typeface="+mn-cs"/>
+        </a:defRPr>
+      </a:lvl5pPr>
+      <a:lvl6pPr marL="2514600" indent="-228600" algn="l" defTabSz="914400" rtl="0" eaLnBrk="1" latinLnBrk="0" hangingPunct="1">
+        <a:lnSpc>
+          <a:spcPct val="90000"/>
+        </a:lnSpc>
+        <a:spcBef>
+          <a:spcPts val="500"/>
+        </a:spcBef>
+        <a:buFont typeface="Arial" panose="020B0604020202020204" pitchFamily="34" charset="0"/>
+        <a:buChar char="•"/>
+        <a:defRPr sz="1800" kern="1200">
+          <a:solidFill>
+            <a:schemeClr val="tx1"/>
+          </a:solidFill>
+          <a:latin typeface="+mn-lt"/>
+          <a:ea typeface="+mn-ea"/>
+          <a:cs typeface="+mn-cs"/>
+        </a:defRPr>
+      </a:lvl6pPr>
+      <a:lvl7pPr marL="2971800" indent="-228600" algn="l" defTabSz="914400" rtl="0" eaLnBrk="1" latinLnBrk="0" hangingPunct="1">
+        <a:lnSpc>
+          <a:spcPct val="90000"/>
+        </a:lnSpc>
+        <a:spcBef>
+          <a:spcPts val="500"/>
+        </a:spcBef>
+        <a:buFont typeface="Arial" panose="020B0604020202020204" pitchFamily="34" charset="0"/>
+        <a:buChar char="•"/>
+        <a:defRPr sz="1800" kern="1200">
+          <a:solidFill>
+            <a:schemeClr val="tx1"/>
+          </a:solidFill>
+          <a:latin typeface="+mn-lt"/>
+          <a:ea typeface="+mn-ea"/>
+          <a:cs typeface="+mn-cs"/>
+        </a:defRPr>
+      </a:lvl7pPr>
+      <a:lvl8pPr marL="3429000" indent="-228600" algn="l" defTabSz="914400" rtl="0" eaLnBrk="1" latinLnBrk="0" hangingPunct="1">
+        <a:lnSpc>
+          <a:spcPct val="90000"/>
+        </a:lnSpc>
+        <a:spcBef>
+          <a:spcPts val="500"/>
+        </a:spcBef>
+        <a:buFont typeface="Arial" panose="020B0604020202020204" pitchFamily="34" charset="0"/>
+        <a:buChar char="•"/>
+        <a:defRPr sz="1800" kern="1200">
+          <a:solidFill>
+            <a:schemeClr val="tx1"/>
+          </a:solidFill>
+          <a:latin typeface="+mn-lt"/>
+          <a:ea typeface="+mn-ea"/>
+          <a:cs typeface="+mn-cs"/>
+        </a:defRPr>
+      </a:lvl8pPr>
+      <a:lvl9pPr marL="3886200" indent="-228600" algn="l" defTabSz="914400" rtl="0" eaLnBrk="1" latinLnBrk="0" hangingPunct="1">
+        <a:lnSpc>
+          <a:spcPct val="90000"/>
+        </a:lnSpc>
+        <a:spcBef>
+          <a:spcPts val="500"/>
+        </a:spcBef>
+        <a:buFont typeface="Arial" panose="020B0604020202020204" pitchFamily="34" charset="0"/>
+        <a:buChar char="•"/>
+        <a:defRPr sz="1800" kern="1200">
+          <a:solidFill>
+            <a:schemeClr val="tx1"/>
+          </a:solidFill>
+          <a:latin typeface="+mn-lt"/>
+          <a:ea typeface="+mn-ea"/>
+          <a:cs typeface="+mn-cs"/>
+        </a:defRPr>
+      </a:lvl9pPr>
+    </p:bodyStyle>
+    <p:otherStyle>
+      <a:defPPr>
+        <a:defRPr lang="es-MX"/>
+      </a:defPPr>
+      <a:lvl1pPr marL="0" algn="l" defTabSz="914400" rtl="0" eaLnBrk="1" latinLnBrk="0" hangingPunct="1">
+        <a:defRPr sz="1800" kern="1200">
+          <a:solidFill>
+            <a:schemeClr val="tx1"/>
+          </a:solidFill>
+          <a:latin typeface="+mn-lt"/>
+          <a:ea typeface="+mn-ea"/>
+          <a:cs typeface="+mn-cs"/>
+        </a:defRPr>
+      </a:lvl1pPr>
+      <a:lvl2pPr marL="457200" algn="l" defTabSz="914400" rtl="0" eaLnBrk="1" latinLnBrk="0" hangingPunct="1">
+        <a:defRPr sz="1800" kern="1200">
+          <a:solidFill>
+            <a:schemeClr val="tx1"/>
+          </a:solidFill>
+          <a:latin typeface="+mn-lt"/>
+          <a:ea typeface="+mn-ea"/>
+          <a:cs typeface="+mn-cs"/>
+        </a:defRPr>
+      </a:lvl2pPr>
+      <a:lvl3pPr marL="914400" algn="l" defTabSz="914400" rtl="0" eaLnBrk="1" latinLnBrk="0" hangingPunct="1">
+        <a:defRPr sz="1800" kern="1200">
+          <a:solidFill>
+            <a:schemeClr val="tx1"/>
+          </a:solidFill>
+          <a:latin typeface="+mn-lt"/>
+          <a:ea typeface="+mn-ea"/>
+          <a:cs typeface="+mn-cs"/>
+        </a:defRPr>
+      </a:lvl3pPr>
+      <a:lvl4pPr marL="1371600" algn="l" defTabSz="914400" rtl="0" eaLnBrk="1" latinLnBrk="0" hangingPunct="1">
+        <a:defRPr sz="1800" kern="1200">
+          <a:solidFill>
+            <a:schemeClr val="tx1"/>
+          </a:solidFill>
+          <a:latin typeface="+mn-lt"/>
+          <a:ea typeface="+mn-ea"/>
+          <a:cs typeface="+mn-cs"/>
+        </a:defRPr>
+      </a:lvl4pPr>
+      <a:lvl5pPr marL="1828800" algn="l" defTabSz="914400" rtl="0" eaLnBrk="1" latinLnBrk="0" hangingPunct="1">
+        <a:defRPr sz="1800" kern="1200">
+          <a:solidFill>
+            <a:schemeClr val="tx1"/>
+          </a:solidFill>
+          <a:latin typeface="+mn-lt"/>
+          <a:ea typeface="+mn-ea"/>
+          <a:cs typeface="+mn-cs"/>
+        </a:defRPr>
+      </a:lvl5pPr>
+      <a:lvl6pPr marL="2286000" algn="l" defTabSz="914400" rtl="0" eaLnBrk="1" latinLnBrk="0" hangingPunct="1">
+        <a:defRPr sz="1800" kern="1200">
+          <a:solidFill>
+            <a:schemeClr val="tx1"/>
+          </a:solidFill>
+          <a:latin typeface="+mn-lt"/>
+          <a:ea typeface="+mn-ea"/>
+          <a:cs typeface="+mn-cs"/>
+        </a:defRPr>
+      </a:lvl6pPr>
+      <a:lvl7pPr marL="2743200" algn="l" defTabSz="914400" rtl="0" eaLnBrk="1" latinLnBrk="0" hangingPunct="1">
+        <a:defRPr sz="1800" kern="1200">
+          <a:solidFill>
+            <a:schemeClr val="tx1"/>
+          </a:solidFill>
+          <a:latin typeface="+mn-lt"/>
+          <a:ea typeface="+mn-ea"/>
+          <a:cs typeface="+mn-cs"/>
+        </a:defRPr>
+      </a:lvl7pPr>
+      <a:lvl8pPr marL="3200400" algn="l" defTabSz="914400" rtl="0" eaLnBrk="1" latinLnBrk="0" hangingPunct="1">
+        <a:defRPr sz="1800" kern="1200">
+          <a:solidFill>
+            <a:schemeClr val="tx1"/>
+          </a:solidFill>
+          <a:latin typeface="+mn-lt"/>
+          <a:ea typeface="+mn-ea"/>
+          <a:cs typeface="+mn-cs"/>
+        </a:defRPr>
+      </a:lvl8pPr>
+      <a:lvl9pPr marL="3657600" algn="l" defTabSz="914400" rtl="0" eaLnBrk="1" latinLnBrk="0" hangingPunct="1">
+        <a:defRPr sz="1800" kern="1200">
+          <a:solidFill>
+            <a:schemeClr val="tx1"/>
+          </a:solidFill>
+          <a:latin typeface="+mn-lt"/>
+          <a:ea typeface="+mn-ea"/>
+          <a:cs typeface="+mn-cs"/>
+        </a:defRPr>
+      </a:lvl9pPr>
+    </p:otherStyle>
+  </p:txStyles>
 </p:sldMaster>
 </file>
 
 <file path=ppt/slideMasters/slideMaster2.xml><?xml version="1.0" encoding="utf-8"?>
-<p:sldMaster xmlns:a="http://schemas.openxmlformats.org/drawingml/2006/main" xmlns:p="http://schemas.openxmlformats.org/presentationml/2006/main" xmlns:r="http://schemas.openxmlformats.org/officeDocument/2006/relationships" xmlns:p14="http://schemas.microsoft.com/office/powerpoint/2010/main" xmlns:p15="http://schemas.microsoft.com/office/powerpoint/2012/main" xmlns:mc="http://schemas.openxmlformats.org/markup-compatibility/2006">
+<p:sldMaster xmlns:a="http://schemas.openxmlformats.org/drawingml/2006/main" xmlns:r="http://schemas.openxmlformats.org/officeDocument/2006/relationships" xmlns:p="http://schemas.openxmlformats.org/presentationml/2006/main">
   <p:cSld>
     <p:bg>
       <p:bgPr>
         <a:solidFill>
-          <a:srgbClr val="ffffff"/>
+          <a:srgbClr val="FFFFFF"/>
         </a:solidFill>
+        <a:effectLst/>
       </p:bgPr>
     </p:bg>
     <p:spTree>
@@ -3077,9 +3583,15 @@
           </a:ln>
         </p:spPr>
         <p:style>
-          <a:lnRef idx="0"/>
-          <a:fillRef idx="0"/>
-          <a:effectRef idx="0"/>
+          <a:lnRef idx="0">
+            <a:scrgbClr r="0" g="0" b="0"/>
+          </a:lnRef>
+          <a:fillRef idx="0">
+            <a:scrgbClr r="0" g="0" b="0"/>
+          </a:fillRef>
+          <a:effectRef idx="0">
+            <a:scrgbClr r="0" g="0" b="0"/>
+          </a:effectRef>
           <a:fontRef idx="minor"/>
         </p:style>
       </p:sp>
@@ -3103,9 +3615,15 @@
           </a:ln>
         </p:spPr>
         <p:style>
-          <a:lnRef idx="0"/>
-          <a:fillRef idx="0"/>
-          <a:effectRef idx="0"/>
+          <a:lnRef idx="0">
+            <a:scrgbClr r="0" g="0" b="0"/>
+          </a:lnRef>
+          <a:fillRef idx="0">
+            <a:scrgbClr r="0" g="0" b="0"/>
+          </a:fillRef>
+          <a:effectRef idx="0">
+            <a:scrgbClr r="0" g="0" b="0"/>
+          </a:effectRef>
           <a:fontRef idx="minor"/>
         </p:style>
       </p:sp>
@@ -3145,9 +3663,15 @@
             </a:ln>
           </p:spPr>
           <p:style>
-            <a:lnRef idx="0"/>
-            <a:fillRef idx="0"/>
-            <a:effectRef idx="0"/>
+            <a:lnRef idx="0">
+              <a:scrgbClr r="0" g="0" b="0"/>
+            </a:lnRef>
+            <a:fillRef idx="0">
+              <a:scrgbClr r="0" g="0" b="0"/>
+            </a:fillRef>
+            <a:effectRef idx="0">
+              <a:scrgbClr r="0" g="0" b="0"/>
+            </a:effectRef>
             <a:fontRef idx="minor"/>
           </p:style>
         </p:sp>
@@ -3173,20 +3697,26 @@
             </a:ln>
           </p:spPr>
           <p:style>
-            <a:lnRef idx="0"/>
-            <a:fillRef idx="0"/>
-            <a:effectRef idx="0"/>
+            <a:lnRef idx="0">
+              <a:scrgbClr r="0" g="0" b="0"/>
+            </a:lnRef>
+            <a:fillRef idx="0">
+              <a:scrgbClr r="0" g="0" b="0"/>
+            </a:fillRef>
+            <a:effectRef idx="0">
+              <a:scrgbClr r="0" g="0" b="0"/>
+            </a:effectRef>
             <a:fontRef idx="minor"/>
           </p:style>
         </p:sp>
         <p:pic>
           <p:nvPicPr>
-            <p:cNvPr id="46" name="Google Shape;35;p4" descr=""/>
+            <p:cNvPr id="46" name="Google Shape;35;p4"/>
             <p:cNvPicPr/>
             <p:nvPr/>
           </p:nvPicPr>
           <p:blipFill>
-            <a:blip r:embed="rId2"/>
+            <a:blip r:embed="rId14"/>
             <a:stretch/>
           </p:blipFill>
           <p:spPr>
@@ -3222,13 +3752,20 @@
             </a:ln>
           </p:spPr>
           <p:style>
-            <a:lnRef idx="0"/>
-            <a:fillRef idx="0"/>
-            <a:effectRef idx="0"/>
+            <a:lnRef idx="0">
+              <a:scrgbClr r="0" g="0" b="0"/>
+            </a:lnRef>
+            <a:fillRef idx="0">
+              <a:scrgbClr r="0" g="0" b="0"/>
+            </a:fillRef>
+            <a:effectRef idx="0">
+              <a:scrgbClr r="0" g="0" b="0"/>
+            </a:effectRef>
             <a:fontRef idx="minor"/>
           </p:style>
           <p:txBody>
-            <a:bodyPr lIns="90000" rIns="90000" tIns="45000" bIns="45000" anchor="ctr"/>
+            <a:bodyPr lIns="90000" tIns="45000" rIns="90000" bIns="45000" anchor="ctr"/>
+            <a:lstStyle/>
             <a:p>
               <a:pPr>
                 <a:lnSpc>
@@ -3236,16 +3773,16 @@
                 </a:lnSpc>
               </a:pPr>
               <a:r>
-                <a:rPr b="0" lang="en-US" sz="900" spc="-1" strike="noStrike">
+                <a:rPr lang="en-US" sz="900" b="0" strike="noStrike" spc="-1">
                   <a:solidFill>
-                    <a:srgbClr val="ffffff"/>
+                    <a:srgbClr val="FFFFFF"/>
                   </a:solidFill>
                   <a:latin typeface="Arial"/>
                   <a:ea typeface="Arial"/>
                 </a:rPr>
                 <a:t>INDIANA UNIVERSITY BLOOMINGTON</a:t>
               </a:r>
-              <a:endParaRPr b="0" lang="en-US" sz="900" spc="-1" strike="noStrike">
+              <a:endParaRPr lang="en-US" sz="900" b="0" strike="noStrike" spc="-1">
                 <a:latin typeface="Arial"/>
               </a:endParaRPr>
             </a:p>
@@ -3272,18 +3809,16 @@
           </a:prstGeom>
         </p:spPr>
         <p:txBody>
-          <a:bodyPr lIns="0" rIns="0" tIns="0" bIns="0" anchor="ctr"/>
+          <a:bodyPr lIns="0" tIns="0" rIns="0" bIns="0" anchor="ctr"/>
+          <a:lstStyle/>
           <a:p>
             <a:pPr algn="ctr"/>
             <a:r>
-              <a:rPr b="0" lang="en-US" sz="4400" spc="-1" strike="noStrike">
+              <a:rPr lang="en-US" sz="4400" b="0" strike="noStrike" spc="-1">
                 <a:latin typeface="Arial"/>
               </a:rPr>
               <a:t>Click to edit the title text format</a:t>
             </a:r>
-            <a:endParaRPr b="0" lang="en-US" sz="4400" spc="-1" strike="noStrike">
-              <a:latin typeface="Arial"/>
-            </a:endParaRPr>
           </a:p>
         </p:txBody>
       </p:sp>
@@ -3307,9 +3842,10 @@
           </a:prstGeom>
         </p:spPr>
         <p:txBody>
-          <a:bodyPr lIns="0" rIns="0" tIns="0" bIns="0">
+          <a:bodyPr lIns="0" tIns="0" rIns="0" bIns="0">
             <a:normAutofit/>
           </a:bodyPr>
+          <a:lstStyle/>
           <a:p>
             <a:pPr marL="432000" indent="-324000">
               <a:spcBef>
@@ -3323,17 +3859,14 @@
               <a:buChar char=""/>
             </a:pPr>
             <a:r>
-              <a:rPr b="0" lang="en-US" sz="3200" spc="-1" strike="noStrike">
+              <a:rPr lang="en-US" sz="3200" b="0" strike="noStrike" spc="-1">
                 <a:latin typeface="Arial"/>
               </a:rPr>
               <a:t>Click to edit the outline text format</a:t>
             </a:r>
-            <a:endParaRPr b="0" lang="en-US" sz="3200" spc="-1" strike="noStrike">
-              <a:latin typeface="Arial"/>
-            </a:endParaRPr>
-          </a:p>
-          <a:p>
-            <a:pPr lvl="1" marL="864000" indent="-324000">
+          </a:p>
+          <a:p>
+            <a:pPr marL="864000" lvl="1" indent="-324000">
               <a:spcBef>
                 <a:spcPts val="1134"/>
               </a:spcBef>
@@ -3345,17 +3878,14 @@
               <a:buChar char=""/>
             </a:pPr>
             <a:r>
-              <a:rPr b="0" lang="en-US" sz="2800" spc="-1" strike="noStrike">
+              <a:rPr lang="en-US" sz="2800" b="0" strike="noStrike" spc="-1">
                 <a:latin typeface="Arial"/>
               </a:rPr>
               <a:t>Second Outline Level</a:t>
             </a:r>
-            <a:endParaRPr b="0" lang="en-US" sz="2800" spc="-1" strike="noStrike">
-              <a:latin typeface="Arial"/>
-            </a:endParaRPr>
-          </a:p>
-          <a:p>
-            <a:pPr lvl="2" marL="1296000" indent="-288000">
+          </a:p>
+          <a:p>
+            <a:pPr marL="1296000" lvl="2" indent="-288000">
               <a:spcBef>
                 <a:spcPts val="850"/>
               </a:spcBef>
@@ -3367,17 +3897,14 @@
               <a:buChar char=""/>
             </a:pPr>
             <a:r>
-              <a:rPr b="0" lang="en-US" sz="2400" spc="-1" strike="noStrike">
+              <a:rPr lang="en-US" sz="2400" b="0" strike="noStrike" spc="-1">
                 <a:latin typeface="Arial"/>
               </a:rPr>
               <a:t>Third Outline Level</a:t>
             </a:r>
-            <a:endParaRPr b="0" lang="en-US" sz="2400" spc="-1" strike="noStrike">
-              <a:latin typeface="Arial"/>
-            </a:endParaRPr>
-          </a:p>
-          <a:p>
-            <a:pPr lvl="3" marL="1728000" indent="-216000">
+          </a:p>
+          <a:p>
+            <a:pPr marL="1728000" lvl="3" indent="-216000">
               <a:spcBef>
                 <a:spcPts val="567"/>
               </a:spcBef>
@@ -3389,17 +3916,14 @@
               <a:buChar char=""/>
             </a:pPr>
             <a:r>
-              <a:rPr b="0" lang="en-US" sz="2000" spc="-1" strike="noStrike">
+              <a:rPr lang="en-US" sz="2000" b="0" strike="noStrike" spc="-1">
                 <a:latin typeface="Arial"/>
               </a:rPr>
               <a:t>Fourth Outline Level</a:t>
             </a:r>
-            <a:endParaRPr b="0" lang="en-US" sz="2000" spc="-1" strike="noStrike">
-              <a:latin typeface="Arial"/>
-            </a:endParaRPr>
-          </a:p>
-          <a:p>
-            <a:pPr lvl="4" marL="2160000" indent="-216000">
+          </a:p>
+          <a:p>
+            <a:pPr marL="2160000" lvl="4" indent="-216000">
               <a:spcBef>
                 <a:spcPts val="283"/>
               </a:spcBef>
@@ -3411,17 +3935,14 @@
               <a:buChar char=""/>
             </a:pPr>
             <a:r>
-              <a:rPr b="0" lang="en-US" sz="2000" spc="-1" strike="noStrike">
+              <a:rPr lang="en-US" sz="2000" b="0" strike="noStrike" spc="-1">
                 <a:latin typeface="Arial"/>
               </a:rPr>
               <a:t>Fifth Outline Level</a:t>
             </a:r>
-            <a:endParaRPr b="0" lang="en-US" sz="2000" spc="-1" strike="noStrike">
-              <a:latin typeface="Arial"/>
-            </a:endParaRPr>
-          </a:p>
-          <a:p>
-            <a:pPr lvl="5" marL="2592000" indent="-216000">
+          </a:p>
+          <a:p>
+            <a:pPr marL="2592000" lvl="5" indent="-216000">
               <a:spcBef>
                 <a:spcPts val="283"/>
               </a:spcBef>
@@ -3433,17 +3954,14 @@
               <a:buChar char=""/>
             </a:pPr>
             <a:r>
-              <a:rPr b="0" lang="en-US" sz="2000" spc="-1" strike="noStrike">
+              <a:rPr lang="en-US" sz="2000" b="0" strike="noStrike" spc="-1">
                 <a:latin typeface="Arial"/>
               </a:rPr>
               <a:t>Sixth Outline Level</a:t>
             </a:r>
-            <a:endParaRPr b="0" lang="en-US" sz="2000" spc="-1" strike="noStrike">
-              <a:latin typeface="Arial"/>
-            </a:endParaRPr>
-          </a:p>
-          <a:p>
-            <a:pPr lvl="6" marL="3024000" indent="-216000">
+          </a:p>
+          <a:p>
+            <a:pPr marL="3024000" lvl="6" indent="-216000">
               <a:spcBef>
                 <a:spcPts val="283"/>
               </a:spcBef>
@@ -3455,39 +3973,316 @@
               <a:buChar char=""/>
             </a:pPr>
             <a:r>
-              <a:rPr b="0" lang="en-US" sz="2000" spc="-1" strike="noStrike">
+              <a:rPr lang="en-US" sz="2000" b="0" strike="noStrike" spc="-1">
                 <a:latin typeface="Arial"/>
               </a:rPr>
               <a:t>Seventh Outline Level</a:t>
             </a:r>
-            <a:endParaRPr b="0" lang="en-US" sz="2000" spc="-1" strike="noStrike">
-              <a:latin typeface="Arial"/>
-            </a:endParaRPr>
           </a:p>
         </p:txBody>
       </p:sp>
     </p:spTree>
   </p:cSld>
-  <p:clrMap bg1="lt1" bg2="lt2" tx1="dk1" tx2="dk2" accent1="accent1" accent2="accent2" accent3="accent3" accent4="accent4" accent5="accent5" accent6="accent6" hlink="hlink" folHlink="folHlink"/>
+  <p:clrMap bg1="lt1" tx1="dk1" bg2="lt2" tx2="dk2" accent1="accent1" accent2="accent2" accent3="accent3" accent4="accent4" accent5="accent5" accent6="accent6" hlink="hlink" folHlink="folHlink"/>
   <p:sldLayoutIdLst>
-    <p:sldLayoutId id="2147483662" r:id="rId3"/>
-    <p:sldLayoutId id="2147483663" r:id="rId4"/>
-    <p:sldLayoutId id="2147483664" r:id="rId5"/>
-    <p:sldLayoutId id="2147483665" r:id="rId6"/>
-    <p:sldLayoutId id="2147483666" r:id="rId7"/>
-    <p:sldLayoutId id="2147483667" r:id="rId8"/>
-    <p:sldLayoutId id="2147483668" r:id="rId9"/>
-    <p:sldLayoutId id="2147483669" r:id="rId10"/>
-    <p:sldLayoutId id="2147483670" r:id="rId11"/>
-    <p:sldLayoutId id="2147483671" r:id="rId12"/>
-    <p:sldLayoutId id="2147483672" r:id="rId13"/>
-    <p:sldLayoutId id="2147483673" r:id="rId14"/>
+    <p:sldLayoutId id="2147483662" r:id="rId1"/>
+    <p:sldLayoutId id="2147483663" r:id="rId2"/>
+    <p:sldLayoutId id="2147483664" r:id="rId3"/>
+    <p:sldLayoutId id="2147483665" r:id="rId4"/>
+    <p:sldLayoutId id="2147483666" r:id="rId5"/>
+    <p:sldLayoutId id="2147483667" r:id="rId6"/>
+    <p:sldLayoutId id="2147483668" r:id="rId7"/>
+    <p:sldLayoutId id="2147483669" r:id="rId8"/>
+    <p:sldLayoutId id="2147483670" r:id="rId9"/>
+    <p:sldLayoutId id="2147483671" r:id="rId10"/>
+    <p:sldLayoutId id="2147483672" r:id="rId11"/>
+    <p:sldLayoutId id="2147483673" r:id="rId12"/>
   </p:sldLayoutIdLst>
+  <p:txStyles>
+    <p:titleStyle>
+      <a:lvl1pPr algn="l" defTabSz="914400" rtl="0" eaLnBrk="1" latinLnBrk="0" hangingPunct="1">
+        <a:lnSpc>
+          <a:spcPct val="90000"/>
+        </a:lnSpc>
+        <a:spcBef>
+          <a:spcPct val="0"/>
+        </a:spcBef>
+        <a:buNone/>
+        <a:defRPr sz="4400" kern="1200">
+          <a:solidFill>
+            <a:schemeClr val="tx1"/>
+          </a:solidFill>
+          <a:latin typeface="+mj-lt"/>
+          <a:ea typeface="+mj-ea"/>
+          <a:cs typeface="+mj-cs"/>
+        </a:defRPr>
+      </a:lvl1pPr>
+    </p:titleStyle>
+    <p:bodyStyle>
+      <a:lvl1pPr marL="228600" indent="-228600" algn="l" defTabSz="914400" rtl="0" eaLnBrk="1" latinLnBrk="0" hangingPunct="1">
+        <a:lnSpc>
+          <a:spcPct val="90000"/>
+        </a:lnSpc>
+        <a:spcBef>
+          <a:spcPts val="1000"/>
+        </a:spcBef>
+        <a:buFont typeface="Arial" panose="020B0604020202020204" pitchFamily="34" charset="0"/>
+        <a:buChar char="•"/>
+        <a:defRPr sz="2800" kern="1200">
+          <a:solidFill>
+            <a:schemeClr val="tx1"/>
+          </a:solidFill>
+          <a:latin typeface="+mn-lt"/>
+          <a:ea typeface="+mn-ea"/>
+          <a:cs typeface="+mn-cs"/>
+        </a:defRPr>
+      </a:lvl1pPr>
+      <a:lvl2pPr marL="685800" indent="-228600" algn="l" defTabSz="914400" rtl="0" eaLnBrk="1" latinLnBrk="0" hangingPunct="1">
+        <a:lnSpc>
+          <a:spcPct val="90000"/>
+        </a:lnSpc>
+        <a:spcBef>
+          <a:spcPts val="500"/>
+        </a:spcBef>
+        <a:buFont typeface="Arial" panose="020B0604020202020204" pitchFamily="34" charset="0"/>
+        <a:buChar char="•"/>
+        <a:defRPr sz="2400" kern="1200">
+          <a:solidFill>
+            <a:schemeClr val="tx1"/>
+          </a:solidFill>
+          <a:latin typeface="+mn-lt"/>
+          <a:ea typeface="+mn-ea"/>
+          <a:cs typeface="+mn-cs"/>
+        </a:defRPr>
+      </a:lvl2pPr>
+      <a:lvl3pPr marL="1143000" indent="-228600" algn="l" defTabSz="914400" rtl="0" eaLnBrk="1" latinLnBrk="0" hangingPunct="1">
+        <a:lnSpc>
+          <a:spcPct val="90000"/>
+        </a:lnSpc>
+        <a:spcBef>
+          <a:spcPts val="500"/>
+        </a:spcBef>
+        <a:buFont typeface="Arial" panose="020B0604020202020204" pitchFamily="34" charset="0"/>
+        <a:buChar char="•"/>
+        <a:defRPr sz="2000" kern="1200">
+          <a:solidFill>
+            <a:schemeClr val="tx1"/>
+          </a:solidFill>
+          <a:latin typeface="+mn-lt"/>
+          <a:ea typeface="+mn-ea"/>
+          <a:cs typeface="+mn-cs"/>
+        </a:defRPr>
+      </a:lvl3pPr>
+      <a:lvl4pPr marL="1600200" indent="-228600" algn="l" defTabSz="914400" rtl="0" eaLnBrk="1" latinLnBrk="0" hangingPunct="1">
+        <a:lnSpc>
+          <a:spcPct val="90000"/>
+        </a:lnSpc>
+        <a:spcBef>
+          <a:spcPts val="500"/>
+        </a:spcBef>
+        <a:buFont typeface="Arial" panose="020B0604020202020204" pitchFamily="34" charset="0"/>
+        <a:buChar char="•"/>
+        <a:defRPr sz="1800" kern="1200">
+          <a:solidFill>
+            <a:schemeClr val="tx1"/>
+          </a:solidFill>
+          <a:latin typeface="+mn-lt"/>
+          <a:ea typeface="+mn-ea"/>
+          <a:cs typeface="+mn-cs"/>
+        </a:defRPr>
+      </a:lvl4pPr>
+      <a:lvl5pPr marL="2057400" indent="-228600" algn="l" defTabSz="914400" rtl="0" eaLnBrk="1" latinLnBrk="0" hangingPunct="1">
+        <a:lnSpc>
+          <a:spcPct val="90000"/>
+        </a:lnSpc>
+        <a:spcBef>
+          <a:spcPts val="500"/>
+        </a:spcBef>
+        <a:buFont typeface="Arial" panose="020B0604020202020204" pitchFamily="34" charset="0"/>
+        <a:buChar char="•"/>
+        <a:defRPr sz="1800" kern="1200">
+          <a:solidFill>
+            <a:schemeClr val="tx1"/>
+          </a:solidFill>
+          <a:latin typeface="+mn-lt"/>
+          <a:ea typeface="+mn-ea"/>
+          <a:cs typeface="+mn-cs"/>
+        </a:defRPr>
+      </a:lvl5pPr>
+      <a:lvl6pPr marL="2514600" indent="-228600" algn="l" defTabSz="914400" rtl="0" eaLnBrk="1" latinLnBrk="0" hangingPunct="1">
+        <a:lnSpc>
+          <a:spcPct val="90000"/>
+        </a:lnSpc>
+        <a:spcBef>
+          <a:spcPts val="500"/>
+        </a:spcBef>
+        <a:buFont typeface="Arial" panose="020B0604020202020204" pitchFamily="34" charset="0"/>
+        <a:buChar char="•"/>
+        <a:defRPr sz="1800" kern="1200">
+          <a:solidFill>
+            <a:schemeClr val="tx1"/>
+          </a:solidFill>
+          <a:latin typeface="+mn-lt"/>
+          <a:ea typeface="+mn-ea"/>
+          <a:cs typeface="+mn-cs"/>
+        </a:defRPr>
+      </a:lvl6pPr>
+      <a:lvl7pPr marL="2971800" indent="-228600" algn="l" defTabSz="914400" rtl="0" eaLnBrk="1" latinLnBrk="0" hangingPunct="1">
+        <a:lnSpc>
+          <a:spcPct val="90000"/>
+        </a:lnSpc>
+        <a:spcBef>
+          <a:spcPts val="500"/>
+        </a:spcBef>
+        <a:buFont typeface="Arial" panose="020B0604020202020204" pitchFamily="34" charset="0"/>
+        <a:buChar char="•"/>
+        <a:defRPr sz="1800" kern="1200">
+          <a:solidFill>
+            <a:schemeClr val="tx1"/>
+          </a:solidFill>
+          <a:latin typeface="+mn-lt"/>
+          <a:ea typeface="+mn-ea"/>
+          <a:cs typeface="+mn-cs"/>
+        </a:defRPr>
+      </a:lvl7pPr>
+      <a:lvl8pPr marL="3429000" indent="-228600" algn="l" defTabSz="914400" rtl="0" eaLnBrk="1" latinLnBrk="0" hangingPunct="1">
+        <a:lnSpc>
+          <a:spcPct val="90000"/>
+        </a:lnSpc>
+        <a:spcBef>
+          <a:spcPts val="500"/>
+        </a:spcBef>
+        <a:buFont typeface="Arial" panose="020B0604020202020204" pitchFamily="34" charset="0"/>
+        <a:buChar char="•"/>
+        <a:defRPr sz="1800" kern="1200">
+          <a:solidFill>
+            <a:schemeClr val="tx1"/>
+          </a:solidFill>
+          <a:latin typeface="+mn-lt"/>
+          <a:ea typeface="+mn-ea"/>
+          <a:cs typeface="+mn-cs"/>
+        </a:defRPr>
+      </a:lvl8pPr>
+      <a:lvl9pPr marL="3886200" indent="-228600" algn="l" defTabSz="914400" rtl="0" eaLnBrk="1" latinLnBrk="0" hangingPunct="1">
+        <a:lnSpc>
+          <a:spcPct val="90000"/>
+        </a:lnSpc>
+        <a:spcBef>
+          <a:spcPts val="500"/>
+        </a:spcBef>
+        <a:buFont typeface="Arial" panose="020B0604020202020204" pitchFamily="34" charset="0"/>
+        <a:buChar char="•"/>
+        <a:defRPr sz="1800" kern="1200">
+          <a:solidFill>
+            <a:schemeClr val="tx1"/>
+          </a:solidFill>
+          <a:latin typeface="+mn-lt"/>
+          <a:ea typeface="+mn-ea"/>
+          <a:cs typeface="+mn-cs"/>
+        </a:defRPr>
+      </a:lvl9pPr>
+    </p:bodyStyle>
+    <p:otherStyle>
+      <a:defPPr>
+        <a:defRPr lang="es-MX"/>
+      </a:defPPr>
+      <a:lvl1pPr marL="0" algn="l" defTabSz="914400" rtl="0" eaLnBrk="1" latinLnBrk="0" hangingPunct="1">
+        <a:defRPr sz="1800" kern="1200">
+          <a:solidFill>
+            <a:schemeClr val="tx1"/>
+          </a:solidFill>
+          <a:latin typeface="+mn-lt"/>
+          <a:ea typeface="+mn-ea"/>
+          <a:cs typeface="+mn-cs"/>
+        </a:defRPr>
+      </a:lvl1pPr>
+      <a:lvl2pPr marL="457200" algn="l" defTabSz="914400" rtl="0" eaLnBrk="1" latinLnBrk="0" hangingPunct="1">
+        <a:defRPr sz="1800" kern="1200">
+          <a:solidFill>
+            <a:schemeClr val="tx1"/>
+          </a:solidFill>
+          <a:latin typeface="+mn-lt"/>
+          <a:ea typeface="+mn-ea"/>
+          <a:cs typeface="+mn-cs"/>
+        </a:defRPr>
+      </a:lvl2pPr>
+      <a:lvl3pPr marL="914400" algn="l" defTabSz="914400" rtl="0" eaLnBrk="1" latinLnBrk="0" hangingPunct="1">
+        <a:defRPr sz="1800" kern="1200">
+          <a:solidFill>
+            <a:schemeClr val="tx1"/>
+          </a:solidFill>
+          <a:latin typeface="+mn-lt"/>
+          <a:ea typeface="+mn-ea"/>
+          <a:cs typeface="+mn-cs"/>
+        </a:defRPr>
+      </a:lvl3pPr>
+      <a:lvl4pPr marL="1371600" algn="l" defTabSz="914400" rtl="0" eaLnBrk="1" latinLnBrk="0" hangingPunct="1">
+        <a:defRPr sz="1800" kern="1200">
+          <a:solidFill>
+            <a:schemeClr val="tx1"/>
+          </a:solidFill>
+          <a:latin typeface="+mn-lt"/>
+          <a:ea typeface="+mn-ea"/>
+          <a:cs typeface="+mn-cs"/>
+        </a:defRPr>
+      </a:lvl4pPr>
+      <a:lvl5pPr marL="1828800" algn="l" defTabSz="914400" rtl="0" eaLnBrk="1" latinLnBrk="0" hangingPunct="1">
+        <a:defRPr sz="1800" kern="1200">
+          <a:solidFill>
+            <a:schemeClr val="tx1"/>
+          </a:solidFill>
+          <a:latin typeface="+mn-lt"/>
+          <a:ea typeface="+mn-ea"/>
+          <a:cs typeface="+mn-cs"/>
+        </a:defRPr>
+      </a:lvl5pPr>
+      <a:lvl6pPr marL="2286000" algn="l" defTabSz="914400" rtl="0" eaLnBrk="1" latinLnBrk="0" hangingPunct="1">
+        <a:defRPr sz="1800" kern="1200">
+          <a:solidFill>
+            <a:schemeClr val="tx1"/>
+          </a:solidFill>
+          <a:latin typeface="+mn-lt"/>
+          <a:ea typeface="+mn-ea"/>
+          <a:cs typeface="+mn-cs"/>
+        </a:defRPr>
+      </a:lvl6pPr>
+      <a:lvl7pPr marL="2743200" algn="l" defTabSz="914400" rtl="0" eaLnBrk="1" latinLnBrk="0" hangingPunct="1">
+        <a:defRPr sz="1800" kern="1200">
+          <a:solidFill>
+            <a:schemeClr val="tx1"/>
+          </a:solidFill>
+          <a:latin typeface="+mn-lt"/>
+          <a:ea typeface="+mn-ea"/>
+          <a:cs typeface="+mn-cs"/>
+        </a:defRPr>
+      </a:lvl7pPr>
+      <a:lvl8pPr marL="3200400" algn="l" defTabSz="914400" rtl="0" eaLnBrk="1" latinLnBrk="0" hangingPunct="1">
+        <a:defRPr sz="1800" kern="1200">
+          <a:solidFill>
+            <a:schemeClr val="tx1"/>
+          </a:solidFill>
+          <a:latin typeface="+mn-lt"/>
+          <a:ea typeface="+mn-ea"/>
+          <a:cs typeface="+mn-cs"/>
+        </a:defRPr>
+      </a:lvl8pPr>
+      <a:lvl9pPr marL="3657600" algn="l" defTabSz="914400" rtl="0" eaLnBrk="1" latinLnBrk="0" hangingPunct="1">
+        <a:defRPr sz="1800" kern="1200">
+          <a:solidFill>
+            <a:schemeClr val="tx1"/>
+          </a:solidFill>
+          <a:latin typeface="+mn-lt"/>
+          <a:ea typeface="+mn-ea"/>
+          <a:cs typeface="+mn-cs"/>
+        </a:defRPr>
+      </a:lvl9pPr>
+    </p:otherStyle>
+  </p:txStyles>
 </p:sldMaster>
 </file>
 
 <file path=ppt/slides/slide1.xml><?xml version="1.0" encoding="utf-8"?>
-<p:sld xmlns:a="http://schemas.openxmlformats.org/drawingml/2006/main" xmlns:p="http://schemas.openxmlformats.org/presentationml/2006/main" xmlns:r="http://schemas.openxmlformats.org/officeDocument/2006/relationships" xmlns:p14="http://schemas.microsoft.com/office/powerpoint/2010/main" xmlns:p15="http://schemas.microsoft.com/office/powerpoint/2012/main" xmlns:mc="http://schemas.openxmlformats.org/markup-compatibility/2006">
+<p:sld xmlns:a="http://schemas.openxmlformats.org/drawingml/2006/main" xmlns:r="http://schemas.openxmlformats.org/officeDocument/2006/relationships" xmlns:p="http://schemas.openxmlformats.org/presentationml/2006/main">
   <p:cSld>
     <p:spTree>
       <p:nvGrpSpPr>
@@ -3523,13 +4318,20 @@
           </a:ln>
         </p:spPr>
         <p:style>
-          <a:lnRef idx="0"/>
-          <a:fillRef idx="0"/>
-          <a:effectRef idx="0"/>
+          <a:lnRef idx="0">
+            <a:scrgbClr r="0" g="0" b="0"/>
+          </a:lnRef>
+          <a:fillRef idx="0">
+            <a:scrgbClr r="0" g="0" b="0"/>
+          </a:fillRef>
+          <a:effectRef idx="0">
+            <a:scrgbClr r="0" g="0" b="0"/>
+          </a:effectRef>
           <a:fontRef idx="minor"/>
         </p:style>
         <p:txBody>
-          <a:bodyPr lIns="90000" rIns="90000" tIns="45000" bIns="45000" anchor="ctr"/>
+          <a:bodyPr lIns="90000" tIns="45000" rIns="90000" bIns="45000" anchor="ctr"/>
+          <a:lstStyle/>
           <a:p>
             <a:pPr algn="ctr">
               <a:lnSpc>
@@ -3537,16 +4339,16 @@
               </a:lnSpc>
             </a:pPr>
             <a:r>
-              <a:rPr b="1" lang="en-US" sz="3600" spc="-1" strike="noStrike">
+              <a:rPr lang="en-US" sz="3600" b="1" strike="noStrike" spc="-1">
                 <a:solidFill>
-                  <a:srgbClr val="ffffff"/>
+                  <a:srgbClr val="FFFFFF"/>
                 </a:solidFill>
                 <a:latin typeface="Calibri"/>
                 <a:ea typeface="Arial"/>
               </a:rPr>
               <a:t>Data Visualization </a:t>
             </a:r>
-            <a:endParaRPr b="0" lang="en-US" sz="3600" spc="-1" strike="noStrike">
+            <a:endParaRPr lang="en-US" sz="3600" b="0" strike="noStrike" spc="-1">
               <a:latin typeface="Arial"/>
             </a:endParaRPr>
           </a:p>
@@ -3556,7 +4358,7 @@
                 <a:spcPct val="90000"/>
               </a:lnSpc>
             </a:pPr>
-            <a:endParaRPr b="0" lang="en-US" sz="3600" spc="-1" strike="noStrike">
+            <a:endParaRPr lang="en-US" sz="3600" b="0" strike="noStrike" spc="-1">
               <a:latin typeface="Arial"/>
             </a:endParaRPr>
           </a:p>
@@ -3567,16 +4369,16 @@
               </a:lnSpc>
             </a:pPr>
             <a:r>
-              <a:rPr b="1" lang="en-US" sz="3600" spc="-1" strike="noStrike">
+              <a:rPr lang="en-US" sz="3600" b="1" strike="noStrike" spc="-1">
                 <a:solidFill>
-                  <a:srgbClr val="ffffff"/>
+                  <a:srgbClr val="FFFFFF"/>
                 </a:solidFill>
                 <a:latin typeface="Calibri"/>
                 <a:ea typeface="Arial"/>
               </a:rPr>
               <a:t>Journalists Killed Since 1992</a:t>
             </a:r>
-            <a:endParaRPr b="0" lang="en-US" sz="3600" spc="-1" strike="noStrike">
+            <a:endParaRPr lang="en-US" sz="3600" b="0" strike="noStrike" spc="-1">
               <a:latin typeface="Arial"/>
             </a:endParaRPr>
           </a:p>
@@ -3602,14 +4404,23 @@
           </a:ln>
         </p:spPr>
         <p:style>
-          <a:lnRef idx="0"/>
-          <a:fillRef idx="0"/>
-          <a:effectRef idx="0"/>
+          <a:lnRef idx="0">
+            <a:scrgbClr r="0" g="0" b="0"/>
+          </a:lnRef>
+          <a:fillRef idx="0">
+            <a:scrgbClr r="0" g="0" b="0"/>
+          </a:fillRef>
+          <a:effectRef idx="0">
+            <a:scrgbClr r="0" g="0" b="0"/>
+          </a:effectRef>
           <a:fontRef idx="minor"/>
         </p:style>
       </p:sp>
     </p:spTree>
   </p:cSld>
+  <p:clrMapOvr>
+    <a:masterClrMapping/>
+  </p:clrMapOvr>
   <p:timing>
     <p:tnLst>
       <p:par>
@@ -3618,14 +4429,14 @@
             <p:seq>
               <p:cTn id="2" dur="indefinite" nodeType="mainSeq"/>
               <p:prevCondLst>
-                <p:cond delay="0" evt="onPrev">
+                <p:cond evt="onPrev" delay="0">
                   <p:tgtEl>
                     <p:sldTgt/>
                   </p:tgtEl>
                 </p:cond>
               </p:prevCondLst>
               <p:nextCondLst>
-                <p:cond delay="0" evt="onNext">
+                <p:cond evt="onNext" delay="0">
                   <p:tgtEl>
                     <p:sldTgt/>
                   </p:tgtEl>
@@ -3641,7 +4452,7 @@
 </file>
 
 <file path=ppt/slides/slide10.xml><?xml version="1.0" encoding="utf-8"?>
-<p:sld xmlns:a="http://schemas.openxmlformats.org/drawingml/2006/main" xmlns:p="http://schemas.openxmlformats.org/presentationml/2006/main" xmlns:r="http://schemas.openxmlformats.org/officeDocument/2006/relationships" xmlns:p14="http://schemas.microsoft.com/office/powerpoint/2010/main" xmlns:p15="http://schemas.microsoft.com/office/powerpoint/2012/main" xmlns:mc="http://schemas.openxmlformats.org/markup-compatibility/2006">
+<p:sld xmlns:a="http://schemas.openxmlformats.org/drawingml/2006/main" xmlns:r="http://schemas.openxmlformats.org/officeDocument/2006/relationships" xmlns:p="http://schemas.openxmlformats.org/presentationml/2006/main">
   <p:cSld>
     <p:spTree>
       <p:nvGrpSpPr>
@@ -3677,13 +4488,20 @@
           </a:ln>
         </p:spPr>
         <p:style>
-          <a:lnRef idx="0"/>
-          <a:fillRef idx="0"/>
-          <a:effectRef idx="0"/>
+          <a:lnRef idx="0">
+            <a:scrgbClr r="0" g="0" b="0"/>
+          </a:lnRef>
+          <a:fillRef idx="0">
+            <a:scrgbClr r="0" g="0" b="0"/>
+          </a:fillRef>
+          <a:effectRef idx="0">
+            <a:scrgbClr r="0" g="0" b="0"/>
+          </a:effectRef>
           <a:fontRef idx="minor"/>
         </p:style>
         <p:txBody>
-          <a:bodyPr lIns="90000" rIns="90000" tIns="45000" bIns="45000" anchor="ctr"/>
+          <a:bodyPr lIns="90000" tIns="45000" rIns="90000" bIns="45000" anchor="ctr"/>
+          <a:lstStyle/>
           <a:p>
             <a:pPr>
               <a:lnSpc>
@@ -3691,7 +4509,7 @@
               </a:lnSpc>
             </a:pPr>
             <a:r>
-              <a:rPr b="1" lang="en-US" sz="3000" spc="-1" strike="noStrike">
+              <a:rPr lang="en-US" sz="3000" b="1" strike="noStrike" spc="-1">
                 <a:solidFill>
                   <a:srgbClr val="404041"/>
                 </a:solidFill>
@@ -3700,7 +4518,7 @@
               </a:rPr>
               <a:t>Related Work</a:t>
             </a:r>
-            <a:endParaRPr b="0" lang="en-US" sz="3000" spc="-1" strike="noStrike">
+            <a:endParaRPr lang="en-US" sz="3000" b="0" strike="noStrike" spc="-1">
               <a:latin typeface="Arial"/>
             </a:endParaRPr>
           </a:p>
@@ -3726,7 +4544,8 @@
           </a:ln>
         </p:spPr>
         <p:txBody>
-          <a:bodyPr lIns="90000" rIns="90000" tIns="45000" bIns="45000"/>
+          <a:bodyPr lIns="90000" tIns="45000" rIns="90000" bIns="45000"/>
+          <a:lstStyle/>
           <a:p>
             <a:pPr marL="216000" indent="-216000">
               <a:buClr>
@@ -3737,25 +4556,22 @@
               <a:buChar char=""/>
             </a:pPr>
             <a:r>
-              <a:rPr b="0" lang="en-US" sz="1800" spc="-1" strike="noStrike">
+              <a:rPr lang="en-US" sz="1800" b="0" strike="noStrike" spc="-1">
                 <a:latin typeface="Times New Roman"/>
               </a:rPr>
               <a:t>RSF data map for Worldwide Press Freedom Index</a:t>
             </a:r>
-            <a:endParaRPr b="0" lang="en-US" sz="1800" spc="-1" strike="noStrike">
-              <a:latin typeface="Times New Roman"/>
-            </a:endParaRPr>
           </a:p>
         </p:txBody>
       </p:sp>
       <p:pic>
         <p:nvPicPr>
-          <p:cNvPr id="115" name="" descr=""/>
+          <p:cNvPr id="115" name="Imagen 114"/>
           <p:cNvPicPr/>
           <p:nvPr/>
         </p:nvPicPr>
         <p:blipFill>
-          <a:blip r:embed="rId1"/>
+          <a:blip r:embed="rId2"/>
           <a:stretch/>
         </p:blipFill>
         <p:spPr>
@@ -3773,22 +4589,25 @@
       </p:pic>
     </p:spTree>
   </p:cSld>
+  <p:clrMapOvr>
+    <a:masterClrMapping/>
+  </p:clrMapOvr>
   <p:timing>
     <p:tnLst>
       <p:par>
-        <p:cTn id="19" dur="indefinite" restart="never" nodeType="tmRoot">
+        <p:cTn id="1" dur="indefinite" restart="never" nodeType="tmRoot">
           <p:childTnLst>
             <p:seq>
-              <p:cTn id="20" dur="indefinite" nodeType="mainSeq"/>
+              <p:cTn id="2" dur="indefinite" nodeType="mainSeq"/>
               <p:prevCondLst>
-                <p:cond delay="0" evt="onPrev">
+                <p:cond evt="onPrev" delay="0">
                   <p:tgtEl>
                     <p:sldTgt/>
                   </p:tgtEl>
                 </p:cond>
               </p:prevCondLst>
               <p:nextCondLst>
-                <p:cond delay="0" evt="onNext">
+                <p:cond evt="onNext" delay="0">
                   <p:tgtEl>
                     <p:sldTgt/>
                   </p:tgtEl>
@@ -3804,7 +4623,7 @@
 </file>
 
 <file path=ppt/slides/slide11.xml><?xml version="1.0" encoding="utf-8"?>
-<p:sld xmlns:a="http://schemas.openxmlformats.org/drawingml/2006/main" xmlns:p="http://schemas.openxmlformats.org/presentationml/2006/main" xmlns:r="http://schemas.openxmlformats.org/officeDocument/2006/relationships" xmlns:p14="http://schemas.microsoft.com/office/powerpoint/2010/main" xmlns:p15="http://schemas.microsoft.com/office/powerpoint/2012/main" xmlns:mc="http://schemas.openxmlformats.org/markup-compatibility/2006">
+<p:sld xmlns:a="http://schemas.openxmlformats.org/drawingml/2006/main" xmlns:r="http://schemas.openxmlformats.org/officeDocument/2006/relationships" xmlns:p="http://schemas.openxmlformats.org/presentationml/2006/main">
   <p:cSld>
     <p:spTree>
       <p:nvGrpSpPr>
@@ -3840,13 +4659,20 @@
           </a:ln>
         </p:spPr>
         <p:style>
-          <a:lnRef idx="0"/>
-          <a:fillRef idx="0"/>
-          <a:effectRef idx="0"/>
+          <a:lnRef idx="0">
+            <a:scrgbClr r="0" g="0" b="0"/>
+          </a:lnRef>
+          <a:fillRef idx="0">
+            <a:scrgbClr r="0" g="0" b="0"/>
+          </a:fillRef>
+          <a:effectRef idx="0">
+            <a:scrgbClr r="0" g="0" b="0"/>
+          </a:effectRef>
           <a:fontRef idx="minor"/>
         </p:style>
         <p:txBody>
-          <a:bodyPr lIns="90000" rIns="90000" tIns="45000" bIns="45000" anchor="ctr"/>
+          <a:bodyPr lIns="90000" tIns="45000" rIns="90000" bIns="45000" anchor="ctr"/>
+          <a:lstStyle/>
           <a:p>
             <a:pPr>
               <a:lnSpc>
@@ -3854,7 +4680,7 @@
               </a:lnSpc>
             </a:pPr>
             <a:r>
-              <a:rPr b="1" lang="en-US" sz="3000" spc="-1" strike="noStrike">
+              <a:rPr lang="en-US" sz="3000" b="1" strike="noStrike" spc="-1">
                 <a:solidFill>
                   <a:srgbClr val="404041"/>
                 </a:solidFill>
@@ -3863,7 +4689,7 @@
               </a:rPr>
               <a:t>Related Work</a:t>
             </a:r>
-            <a:endParaRPr b="0" lang="en-US" sz="3000" spc="-1" strike="noStrike">
+            <a:endParaRPr lang="en-US" sz="3000" b="0" strike="noStrike" spc="-1">
               <a:latin typeface="Arial"/>
             </a:endParaRPr>
           </a:p>
@@ -3871,12 +4697,12 @@
       </p:sp>
       <p:pic>
         <p:nvPicPr>
-          <p:cNvPr id="117" name="" descr=""/>
+          <p:cNvPr id="117" name="Imagen 116"/>
           <p:cNvPicPr/>
           <p:nvPr/>
         </p:nvPicPr>
         <p:blipFill>
-          <a:blip r:embed="rId1"/>
+          <a:blip r:embed="rId2"/>
           <a:stretch/>
         </p:blipFill>
         <p:spPr>
@@ -3912,7 +4738,8 @@
           </a:ln>
         </p:spPr>
         <p:txBody>
-          <a:bodyPr lIns="90000" rIns="90000" tIns="45000" bIns="45000"/>
+          <a:bodyPr lIns="90000" tIns="45000" rIns="90000" bIns="45000"/>
+          <a:lstStyle/>
           <a:p>
             <a:pPr marL="216000" indent="-216000">
               <a:buClr>
@@ -3923,35 +4750,35 @@
               <a:buChar char=""/>
             </a:pPr>
             <a:r>
-              <a:rPr b="0" lang="en-US" sz="1800" spc="-1" strike="noStrike">
+              <a:rPr lang="en-US" sz="1800" b="0" strike="noStrike" spc="-1">
                 <a:latin typeface="Times New Roman"/>
               </a:rPr>
               <a:t>Congressional Research Services compares homicides of media workers in Mexico for different years in 3 different databases</a:t>
             </a:r>
-            <a:endParaRPr b="0" lang="en-US" sz="1800" spc="-1" strike="noStrike">
-              <a:latin typeface="Times New Roman"/>
-            </a:endParaRPr>
           </a:p>
         </p:txBody>
       </p:sp>
     </p:spTree>
   </p:cSld>
+  <p:clrMapOvr>
+    <a:masterClrMapping/>
+  </p:clrMapOvr>
   <p:timing>
     <p:tnLst>
       <p:par>
-        <p:cTn id="21" dur="indefinite" restart="never" nodeType="tmRoot">
+        <p:cTn id="1" dur="indefinite" restart="never" nodeType="tmRoot">
           <p:childTnLst>
             <p:seq>
-              <p:cTn id="22" dur="indefinite" nodeType="mainSeq"/>
+              <p:cTn id="2" dur="indefinite" nodeType="mainSeq"/>
               <p:prevCondLst>
-                <p:cond delay="0" evt="onPrev">
+                <p:cond evt="onPrev" delay="0">
                   <p:tgtEl>
                     <p:sldTgt/>
                   </p:tgtEl>
                 </p:cond>
               </p:prevCondLst>
               <p:nextCondLst>
-                <p:cond delay="0" evt="onNext">
+                <p:cond evt="onNext" delay="0">
                   <p:tgtEl>
                     <p:sldTgt/>
                   </p:tgtEl>
@@ -3967,7 +4794,7 @@
 </file>
 
 <file path=ppt/slides/slide12.xml><?xml version="1.0" encoding="utf-8"?>
-<p:sld xmlns:a="http://schemas.openxmlformats.org/drawingml/2006/main" xmlns:p="http://schemas.openxmlformats.org/presentationml/2006/main" xmlns:r="http://schemas.openxmlformats.org/officeDocument/2006/relationships" xmlns:p14="http://schemas.microsoft.com/office/powerpoint/2010/main" xmlns:p15="http://schemas.microsoft.com/office/powerpoint/2012/main" xmlns:mc="http://schemas.openxmlformats.org/markup-compatibility/2006">
+<p:sld xmlns:a="http://schemas.openxmlformats.org/drawingml/2006/main" xmlns:r="http://schemas.openxmlformats.org/officeDocument/2006/relationships" xmlns:p="http://schemas.openxmlformats.org/presentationml/2006/main">
   <p:cSld>
     <p:spTree>
       <p:nvGrpSpPr>
@@ -4003,13 +4830,20 @@
           </a:ln>
         </p:spPr>
         <p:style>
-          <a:lnRef idx="0"/>
-          <a:fillRef idx="0"/>
-          <a:effectRef idx="0"/>
+          <a:lnRef idx="0">
+            <a:scrgbClr r="0" g="0" b="0"/>
+          </a:lnRef>
+          <a:fillRef idx="0">
+            <a:scrgbClr r="0" g="0" b="0"/>
+          </a:fillRef>
+          <a:effectRef idx="0">
+            <a:scrgbClr r="0" g="0" b="0"/>
+          </a:effectRef>
           <a:fontRef idx="minor"/>
         </p:style>
         <p:txBody>
-          <a:bodyPr lIns="90000" rIns="90000" tIns="45000" bIns="45000" anchor="ctr"/>
+          <a:bodyPr lIns="90000" tIns="45000" rIns="90000" bIns="45000" anchor="ctr"/>
+          <a:lstStyle/>
           <a:p>
             <a:pPr>
               <a:lnSpc>
@@ -4017,7 +4851,7 @@
               </a:lnSpc>
             </a:pPr>
             <a:r>
-              <a:rPr b="1" lang="en-US" sz="3000" spc="-1" strike="noStrike">
+              <a:rPr lang="en-US" sz="3000" b="1" strike="noStrike" spc="-1">
                 <a:solidFill>
                   <a:srgbClr val="404041"/>
                 </a:solidFill>
@@ -4026,7 +4860,7 @@
               </a:rPr>
               <a:t>Related Work</a:t>
             </a:r>
-            <a:endParaRPr b="0" lang="en-US" sz="3000" spc="-1" strike="noStrike">
+            <a:endParaRPr lang="en-US" sz="3000" b="0" strike="noStrike" spc="-1">
               <a:latin typeface="Arial"/>
             </a:endParaRPr>
           </a:p>
@@ -4052,7 +4886,8 @@
           </a:ln>
         </p:spPr>
         <p:txBody>
-          <a:bodyPr lIns="90000" rIns="90000" tIns="45000" bIns="45000"/>
+          <a:bodyPr lIns="90000" tIns="45000" rIns="90000" bIns="45000"/>
+          <a:lstStyle/>
           <a:p>
             <a:pPr marL="216000" indent="-216000">
               <a:buClr>
@@ -4063,25 +4898,22 @@
               <a:buChar char=""/>
             </a:pPr>
             <a:r>
-              <a:rPr b="0" lang="en-US" sz="1800" spc="-1" strike="noStrike">
+              <a:rPr lang="en-US" sz="1800" b="0" strike="noStrike" spc="-1">
                 <a:latin typeface="Times New Roman"/>
               </a:rPr>
               <a:t>National Coalition Against Censorship visualizes book censorship in different states in the U.S.</a:t>
             </a:r>
-            <a:endParaRPr b="0" lang="en-US" sz="1800" spc="-1" strike="noStrike">
-              <a:latin typeface="Times New Roman"/>
-            </a:endParaRPr>
           </a:p>
         </p:txBody>
       </p:sp>
       <p:pic>
         <p:nvPicPr>
-          <p:cNvPr id="121" name="" descr=""/>
+          <p:cNvPr id="121" name="Imagen 120"/>
           <p:cNvPicPr/>
           <p:nvPr/>
         </p:nvPicPr>
         <p:blipFill>
-          <a:blip r:embed="rId1"/>
+          <a:blip r:embed="rId2"/>
           <a:stretch/>
         </p:blipFill>
         <p:spPr>
@@ -4099,22 +4931,25 @@
       </p:pic>
     </p:spTree>
   </p:cSld>
+  <p:clrMapOvr>
+    <a:masterClrMapping/>
+  </p:clrMapOvr>
   <p:timing>
     <p:tnLst>
       <p:par>
-        <p:cTn id="23" dur="indefinite" restart="never" nodeType="tmRoot">
+        <p:cTn id="1" dur="indefinite" restart="never" nodeType="tmRoot">
           <p:childTnLst>
             <p:seq>
-              <p:cTn id="24" dur="indefinite" nodeType="mainSeq"/>
+              <p:cTn id="2" dur="indefinite" nodeType="mainSeq"/>
               <p:prevCondLst>
-                <p:cond delay="0" evt="onPrev">
+                <p:cond evt="onPrev" delay="0">
                   <p:tgtEl>
                     <p:sldTgt/>
                   </p:tgtEl>
                 </p:cond>
               </p:prevCondLst>
               <p:nextCondLst>
-                <p:cond delay="0" evt="onNext">
+                <p:cond evt="onNext" delay="0">
                   <p:tgtEl>
                     <p:sldTgt/>
                   </p:tgtEl>
@@ -4130,7 +4965,7 @@
 </file>
 
 <file path=ppt/slides/slide13.xml><?xml version="1.0" encoding="utf-8"?>
-<p:sld xmlns:a="http://schemas.openxmlformats.org/drawingml/2006/main" xmlns:p="http://schemas.openxmlformats.org/presentationml/2006/main" xmlns:r="http://schemas.openxmlformats.org/officeDocument/2006/relationships" xmlns:p14="http://schemas.microsoft.com/office/powerpoint/2010/main" xmlns:p15="http://schemas.microsoft.com/office/powerpoint/2012/main" xmlns:mc="http://schemas.openxmlformats.org/markup-compatibility/2006">
+<p:sld xmlns:a="http://schemas.openxmlformats.org/drawingml/2006/main" xmlns:r="http://schemas.openxmlformats.org/officeDocument/2006/relationships" xmlns:p="http://schemas.openxmlformats.org/presentationml/2006/main">
   <p:cSld>
     <p:spTree>
       <p:nvGrpSpPr>
@@ -4154,7 +4989,7 @@
         </p:nvSpPr>
         <p:spPr>
           <a:xfrm>
-            <a:off x="529920" y="579240"/>
+            <a:off x="501840" y="640885"/>
             <a:ext cx="8002080" cy="696960"/>
           </a:xfrm>
           <a:prstGeom prst="rect">
@@ -4166,13 +5001,20 @@
           </a:ln>
         </p:spPr>
         <p:style>
-          <a:lnRef idx="0"/>
-          <a:fillRef idx="0"/>
-          <a:effectRef idx="0"/>
+          <a:lnRef idx="0">
+            <a:scrgbClr r="0" g="0" b="0"/>
+          </a:lnRef>
+          <a:fillRef idx="0">
+            <a:scrgbClr r="0" g="0" b="0"/>
+          </a:fillRef>
+          <a:effectRef idx="0">
+            <a:scrgbClr r="0" g="0" b="0"/>
+          </a:effectRef>
           <a:fontRef idx="minor"/>
         </p:style>
         <p:txBody>
-          <a:bodyPr lIns="90000" rIns="90000" tIns="45000" bIns="45000" anchor="ctr"/>
+          <a:bodyPr lIns="90000" tIns="45000" rIns="90000" bIns="45000" anchor="ctr"/>
+          <a:lstStyle/>
           <a:p>
             <a:pPr>
               <a:lnSpc>
@@ -4180,16 +5022,15 @@
               </a:lnSpc>
             </a:pPr>
             <a:r>
-              <a:rPr b="1" lang="en-US" sz="3000" spc="-1" strike="noStrike">
+              <a:rPr lang="en-US" sz="3000" b="1" spc="-1" dirty="0" smtClean="0">
                 <a:solidFill>
                   <a:srgbClr val="404041"/>
                 </a:solidFill>
                 <a:latin typeface="Arial"/>
-                <a:ea typeface="Arial"/>
-              </a:rPr>
-              <a:t>Data Description</a:t>
-            </a:r>
-            <a:endParaRPr b="0" lang="en-US" sz="3000" spc="-1" strike="noStrike">
+              </a:rPr>
+              <a:t>Objectives</a:t>
+            </a:r>
+            <a:endParaRPr lang="en-US" sz="3000" b="0" strike="noStrike" spc="-1" dirty="0">
               <a:latin typeface="Arial"/>
             </a:endParaRPr>
           </a:p>
@@ -4204,7 +5045,7 @@
         <p:spPr>
           <a:xfrm>
             <a:off x="457200" y="1445760"/>
-            <a:ext cx="8046720" cy="2368080"/>
+            <a:ext cx="8046720" cy="2705000"/>
           </a:xfrm>
           <a:prstGeom prst="rect">
             <a:avLst/>
@@ -4215,7 +5056,8 @@
           </a:ln>
         </p:spPr>
         <p:txBody>
-          <a:bodyPr lIns="90000" rIns="90000" tIns="45000" bIns="45000"/>
+          <a:bodyPr lIns="90000" tIns="45000" rIns="90000" bIns="45000"/>
+          <a:lstStyle/>
           <a:p>
             <a:pPr marL="216000" indent="-216000">
               <a:buClr>
@@ -4226,14 +5068,55 @@
               <a:buChar char=""/>
             </a:pPr>
             <a:r>
-              <a:rPr b="0" lang="en-US" sz="1800" spc="-1" strike="noStrike">
+              <a:rPr lang="en-US" spc="-1" dirty="0" smtClean="0">
                 <a:latin typeface="Times New Roman"/>
               </a:rPr>
-              <a:t>This project uses the data from the CPJ provided on Kaggle</a:t>
-            </a:r>
-            <a:endParaRPr b="0" lang="en-US" sz="1800" spc="-1" strike="noStrike">
-              <a:latin typeface="Times New Roman"/>
-            </a:endParaRPr>
+              <a:t>Visualize the </a:t>
+            </a:r>
+            <a:r>
+              <a:rPr lang="en-US" spc="-1" dirty="0">
+                <a:latin typeface="Times New Roman"/>
+              </a:rPr>
+              <a:t>information about the journalists who gave their life for the </a:t>
+            </a:r>
+            <a:r>
+              <a:rPr lang="en-US" spc="-1" dirty="0" smtClean="0">
+                <a:latin typeface="Times New Roman"/>
+              </a:rPr>
+              <a:t>job:</a:t>
+            </a:r>
+          </a:p>
+          <a:p>
+            <a:pPr marL="673200" lvl="1" indent="-216000">
+              <a:buClr>
+                <a:srgbClr val="000000"/>
+              </a:buClr>
+              <a:buSzPct val="45000"/>
+              <a:buFont typeface="Wingdings" charset="2"/>
+              <a:buChar char=""/>
+            </a:pPr>
+            <a:r>
+              <a:rPr lang="en-US" spc="-1" dirty="0" smtClean="0">
+                <a:latin typeface="Times New Roman"/>
+              </a:rPr>
+              <a:t>Through exploratory analysis, data maps and network diagrams</a:t>
+            </a:r>
+          </a:p>
+          <a:p>
+            <a:pPr marL="673200" lvl="1" indent="-216000">
+              <a:buClr>
+                <a:srgbClr val="000000"/>
+              </a:buClr>
+              <a:buSzPct val="45000"/>
+              <a:buFont typeface="Wingdings" charset="2"/>
+              <a:buChar char=""/>
+            </a:pPr>
+            <a:r>
+              <a:rPr lang="en-US" spc="-1" dirty="0" smtClean="0">
+                <a:latin typeface="Times New Roman"/>
+              </a:rPr>
+              <a:t>Use interactive visualizations</a:t>
+            </a:r>
           </a:p>
           <a:p>
             <a:pPr marL="216000" indent="-216000">
@@ -4244,13 +5127,7 @@
               <a:buFont typeface="Wingdings" charset="2"/>
               <a:buChar char=""/>
             </a:pPr>
-            <a:r>
-              <a:rPr b="0" lang="en-US" sz="1800" spc="-1" strike="noStrike">
-                <a:latin typeface="Times New Roman"/>
-              </a:rPr>
-              <a:t>The data contains information about 1782 journalist deaths between 1992 and 2018</a:t>
-            </a:r>
-            <a:endParaRPr b="0" lang="en-US" sz="1800" spc="-1" strike="noStrike">
+            <a:endParaRPr lang="en-US" spc="-1" dirty="0" smtClean="0">
               <a:latin typeface="Times New Roman"/>
             </a:endParaRPr>
           </a:p>
@@ -4263,9 +5140,12 @@
               <a:buFont typeface="Wingdings" charset="2"/>
               <a:buChar char=""/>
             </a:pPr>
-            <a:endParaRPr b="0" lang="en-US" sz="1800" spc="-1" strike="noStrike">
-              <a:latin typeface="Times New Roman"/>
-            </a:endParaRPr>
+            <a:r>
+              <a:rPr lang="en-US" spc="-1" dirty="0" smtClean="0">
+                <a:latin typeface="Times New Roman"/>
+              </a:rPr>
+              <a:t>Improve upon previous visualizations for the same problem</a:t>
+            </a:r>
           </a:p>
           <a:p>
             <a:pPr marL="216000" indent="-216000">
@@ -4276,18 +5156,12 @@
               <a:buFont typeface="Wingdings" charset="2"/>
               <a:buChar char=""/>
             </a:pPr>
-            <a:r>
-              <a:rPr b="0" lang="en-US" sz="1800" spc="-1" strike="noStrike">
-                <a:latin typeface="Times New Roman"/>
-              </a:rPr>
-              <a:t>The data contains some interesting features:</a:t>
-            </a:r>
-            <a:endParaRPr b="0" lang="en-US" sz="1800" spc="-1" strike="noStrike">
+            <a:endParaRPr lang="en-US" spc="-1" dirty="0">
               <a:latin typeface="Times New Roman"/>
             </a:endParaRPr>
           </a:p>
           <a:p>
-            <a:pPr lvl="1" marL="432000" indent="-216000">
+            <a:pPr marL="216000" indent="-216000">
               <a:buClr>
                 <a:srgbClr val="000000"/>
               </a:buClr>
@@ -4296,88 +5170,12 @@
               <a:buChar char=""/>
             </a:pPr>
             <a:r>
-              <a:rPr b="0" lang="en-US" sz="1800" spc="-1" strike="noStrike">
+              <a:rPr lang="en-US" spc="-1" dirty="0" smtClean="0">
                 <a:latin typeface="Times New Roman"/>
               </a:rPr>
-              <a:t>date of death</a:t>
-            </a:r>
-            <a:endParaRPr b="0" lang="en-US" sz="1800" spc="-1" strike="noStrike">
-              <a:latin typeface="Times New Roman"/>
-            </a:endParaRPr>
-          </a:p>
-          <a:p>
-            <a:pPr lvl="1" marL="432000" indent="-216000">
-              <a:buClr>
-                <a:srgbClr val="000000"/>
-              </a:buClr>
-              <a:buSzPct val="45000"/>
-              <a:buFont typeface="Wingdings" charset="2"/>
-              <a:buChar char=""/>
-            </a:pPr>
-            <a:r>
-              <a:rPr b="0" lang="en-US" sz="1800" spc="-1" strike="noStrike">
-                <a:latin typeface="Times New Roman"/>
-              </a:rPr>
-              <a:t>coverage (topics being reported at the time of death)</a:t>
-            </a:r>
-            <a:endParaRPr b="0" lang="en-US" sz="1800" spc="-1" strike="noStrike">
-              <a:latin typeface="Times New Roman"/>
-            </a:endParaRPr>
-          </a:p>
-          <a:p>
-            <a:pPr lvl="1" marL="432000" indent="-216000">
-              <a:buClr>
-                <a:srgbClr val="000000"/>
-              </a:buClr>
-              <a:buSzPct val="45000"/>
-              <a:buFont typeface="Wingdings" charset="2"/>
-              <a:buChar char=""/>
-            </a:pPr>
-            <a:r>
-              <a:rPr b="0" lang="en-US" sz="1800" spc="-1" strike="noStrike">
-                <a:latin typeface="Times New Roman"/>
-              </a:rPr>
-              <a:t>Gender</a:t>
-            </a:r>
-            <a:endParaRPr b="0" lang="en-US" sz="1800" spc="-1" strike="noStrike">
-              <a:latin typeface="Times New Roman"/>
-            </a:endParaRPr>
-          </a:p>
-          <a:p>
-            <a:pPr lvl="1" marL="432000" indent="-216000">
-              <a:buClr>
-                <a:srgbClr val="000000"/>
-              </a:buClr>
-              <a:buSzPct val="45000"/>
-              <a:buFont typeface="Wingdings" charset="2"/>
-              <a:buChar char=""/>
-            </a:pPr>
-            <a:r>
-              <a:rPr b="0" lang="en-US" sz="1800" spc="-1" strike="noStrike">
-                <a:latin typeface="Times New Roman"/>
-              </a:rPr>
-              <a:t>Country killed</a:t>
-            </a:r>
-            <a:endParaRPr b="0" lang="en-US" sz="1800" spc="-1" strike="noStrike">
-              <a:latin typeface="Times New Roman"/>
-            </a:endParaRPr>
-          </a:p>
-          <a:p>
-            <a:pPr lvl="1" marL="432000" indent="-216000">
-              <a:buClr>
-                <a:srgbClr val="000000"/>
-              </a:buClr>
-              <a:buSzPct val="45000"/>
-              <a:buFont typeface="Wingdings" charset="2"/>
-              <a:buChar char=""/>
-            </a:pPr>
-            <a:r>
-              <a:rPr b="0" lang="en-US" sz="1800" spc="-1" strike="noStrike">
-                <a:latin typeface="Times New Roman"/>
-              </a:rPr>
-              <a:t>Organization</a:t>
-            </a:r>
-            <a:endParaRPr b="0" lang="en-US" sz="1800" spc="-1" strike="noStrike">
+              <a:t>Discover interesting insights in the data</a:t>
+            </a:r>
+            <a:endParaRPr lang="en-US" spc="-1" dirty="0">
               <a:latin typeface="Times New Roman"/>
             </a:endParaRPr>
           </a:p>
@@ -4385,22 +5183,25 @@
       </p:sp>
     </p:spTree>
   </p:cSld>
+  <p:clrMapOvr>
+    <a:masterClrMapping/>
+  </p:clrMapOvr>
   <p:timing>
     <p:tnLst>
       <p:par>
-        <p:cTn id="25" dur="indefinite" restart="never" nodeType="tmRoot">
+        <p:cTn id="1" dur="indefinite" restart="never" nodeType="tmRoot">
           <p:childTnLst>
             <p:seq>
-              <p:cTn id="26" dur="indefinite" nodeType="mainSeq"/>
+              <p:cTn id="2" dur="indefinite" nodeType="mainSeq"/>
               <p:prevCondLst>
-                <p:cond delay="0" evt="onPrev">
+                <p:cond evt="onPrev" delay="0">
                   <p:tgtEl>
                     <p:sldTgt/>
                   </p:tgtEl>
                 </p:cond>
               </p:prevCondLst>
               <p:nextCondLst>
-                <p:cond delay="0" evt="onNext">
+                <p:cond evt="onNext" delay="0">
                   <p:tgtEl>
                     <p:sldTgt/>
                   </p:tgtEl>
@@ -4416,7 +5217,7 @@
 </file>
 
 <file path=ppt/slides/slide14.xml><?xml version="1.0" encoding="utf-8"?>
-<p:sld xmlns:a="http://schemas.openxmlformats.org/drawingml/2006/main" xmlns:p="http://schemas.openxmlformats.org/presentationml/2006/main" xmlns:r="http://schemas.openxmlformats.org/officeDocument/2006/relationships" xmlns:p14="http://schemas.microsoft.com/office/powerpoint/2010/main" xmlns:p15="http://schemas.microsoft.com/office/powerpoint/2012/main" xmlns:mc="http://schemas.openxmlformats.org/markup-compatibility/2006">
+<p:sld xmlns:a="http://schemas.openxmlformats.org/drawingml/2006/main" xmlns:r="http://schemas.openxmlformats.org/officeDocument/2006/relationships" xmlns:p="http://schemas.openxmlformats.org/presentationml/2006/main">
   <p:cSld>
     <p:spTree>
       <p:nvGrpSpPr>
@@ -4434,13 +5235,13 @@
       </p:grpSpPr>
       <p:sp>
         <p:nvSpPr>
-          <p:cNvPr id="124" name="CustomShape 1"/>
+          <p:cNvPr id="122" name="CustomShape 1"/>
           <p:cNvSpPr/>
           <p:nvPr/>
         </p:nvSpPr>
         <p:spPr>
           <a:xfrm>
-            <a:off x="529920" y="399240"/>
+            <a:off x="529920" y="579240"/>
             <a:ext cx="8002080" cy="696960"/>
           </a:xfrm>
           <a:prstGeom prst="rect">
@@ -4452,13 +5253,20 @@
           </a:ln>
         </p:spPr>
         <p:style>
-          <a:lnRef idx="0"/>
-          <a:fillRef idx="0"/>
-          <a:effectRef idx="0"/>
+          <a:lnRef idx="0">
+            <a:scrgbClr r="0" g="0" b="0"/>
+          </a:lnRef>
+          <a:fillRef idx="0">
+            <a:scrgbClr r="0" g="0" b="0"/>
+          </a:fillRef>
+          <a:effectRef idx="0">
+            <a:scrgbClr r="0" g="0" b="0"/>
+          </a:effectRef>
           <a:fontRef idx="minor"/>
         </p:style>
         <p:txBody>
-          <a:bodyPr lIns="90000" rIns="90000" tIns="45000" bIns="45000" anchor="ctr"/>
+          <a:bodyPr lIns="90000" tIns="45000" rIns="90000" bIns="45000" anchor="ctr"/>
+          <a:lstStyle/>
           <a:p>
             <a:pPr>
               <a:lnSpc>
@@ -4466,54 +5274,31 @@
               </a:lnSpc>
             </a:pPr>
             <a:r>
-              <a:rPr b="1" lang="en-US" sz="3000" spc="-1" strike="noStrike">
+              <a:rPr lang="en-US" sz="3000" b="1" strike="noStrike" spc="-1" dirty="0">
                 <a:solidFill>
                   <a:srgbClr val="404041"/>
                 </a:solidFill>
                 <a:latin typeface="Arial"/>
                 <a:ea typeface="Arial"/>
               </a:rPr>
-              <a:t>Exploratory Analysis: Time series</a:t>
-            </a:r>
-            <a:endParaRPr b="0" lang="en-US" sz="3000" spc="-1" strike="noStrike">
-              <a:latin typeface="Arial"/>
-            </a:endParaRPr>
-          </a:p>
-        </p:txBody>
-      </p:sp>
-      <p:pic>
-        <p:nvPicPr>
-          <p:cNvPr id="125" name="" descr=""/>
-          <p:cNvPicPr/>
-          <p:nvPr/>
-        </p:nvPicPr>
-        <p:blipFill>
-          <a:blip r:embed="rId1"/>
-          <a:stretch/>
-        </p:blipFill>
-        <p:spPr>
-          <a:xfrm>
-            <a:off x="1097280" y="1828800"/>
-            <a:ext cx="7040880" cy="2784960"/>
-          </a:xfrm>
-          <a:prstGeom prst="rect">
-            <a:avLst/>
-          </a:prstGeom>
-          <a:ln>
-            <a:noFill/>
-          </a:ln>
-        </p:spPr>
-      </p:pic>
-      <p:sp>
-        <p:nvSpPr>
-          <p:cNvPr id="126" name="TextShape 2"/>
+              <a:t>Data Description</a:t>
+            </a:r>
+            <a:endParaRPr lang="en-US" sz="3000" b="0" strike="noStrike" spc="-1" dirty="0">
+              <a:latin typeface="Arial"/>
+            </a:endParaRPr>
+          </a:p>
+        </p:txBody>
+      </p:sp>
+      <p:sp>
+        <p:nvSpPr>
+          <p:cNvPr id="123" name="TextShape 2"/>
           <p:cNvSpPr txBox="1"/>
           <p:nvPr/>
         </p:nvSpPr>
         <p:spPr>
           <a:xfrm>
-            <a:off x="457200" y="1049760"/>
-            <a:ext cx="8046720" cy="596520"/>
+            <a:off x="457200" y="1445760"/>
+            <a:ext cx="8046720" cy="2368080"/>
           </a:xfrm>
           <a:prstGeom prst="rect">
             <a:avLst/>
@@ -4524,7 +5309,8 @@
           </a:ln>
         </p:spPr>
         <p:txBody>
-          <a:bodyPr lIns="90000" rIns="90000" tIns="45000" bIns="45000"/>
+          <a:bodyPr lIns="90000" tIns="45000" rIns="90000" bIns="45000"/>
+          <a:lstStyle/>
           <a:p>
             <a:pPr marL="216000" indent="-216000">
               <a:buClr>
@@ -4535,35 +5321,183 @@
               <a:buChar char=""/>
             </a:pPr>
             <a:r>
-              <a:rPr b="0" lang="en-US" sz="1800" spc="-1" strike="noStrike">
+              <a:rPr lang="en-US" sz="1800" b="0" strike="noStrike" spc="-1" dirty="0">
                 <a:latin typeface="Times New Roman"/>
               </a:rPr>
-              <a:t>Interactive Time series plot of for the number of deaths in each month between 1992 and 2016</a:t>
-            </a:r>
-            <a:endParaRPr b="0" lang="en-US" sz="1800" spc="-1" strike="noStrike">
+              <a:t>This project uses the data from the CPJ provided on </a:t>
+            </a:r>
+            <a:r>
+              <a:rPr lang="en-US" sz="1800" b="0" strike="noStrike" spc="-1" dirty="0" err="1">
+                <a:latin typeface="Times New Roman"/>
+              </a:rPr>
+              <a:t>Kaggle</a:t>
+            </a:r>
+            <a:endParaRPr lang="en-US" sz="1800" b="0" strike="noStrike" spc="-1" dirty="0">
               <a:latin typeface="Times New Roman"/>
             </a:endParaRPr>
           </a:p>
+          <a:p>
+            <a:pPr marL="216000" indent="-216000">
+              <a:buClr>
+                <a:srgbClr val="000000"/>
+              </a:buClr>
+              <a:buSzPct val="45000"/>
+              <a:buFont typeface="Wingdings" charset="2"/>
+              <a:buChar char=""/>
+            </a:pPr>
+            <a:r>
+              <a:rPr lang="en-US" sz="1800" b="0" strike="noStrike" spc="-1" dirty="0">
+                <a:latin typeface="Times New Roman"/>
+              </a:rPr>
+              <a:t>The data contains information about 1782 journalist deaths between 1992 and 2018</a:t>
+            </a:r>
+          </a:p>
+          <a:p>
+            <a:pPr marL="216000" indent="-216000">
+              <a:buClr>
+                <a:srgbClr val="000000"/>
+              </a:buClr>
+              <a:buSzPct val="45000"/>
+              <a:buFont typeface="Wingdings" charset="2"/>
+              <a:buChar char=""/>
+            </a:pPr>
+            <a:endParaRPr lang="en-US" sz="1800" b="0" strike="noStrike" spc="-1" dirty="0">
+              <a:latin typeface="Times New Roman"/>
+            </a:endParaRPr>
+          </a:p>
+          <a:p>
+            <a:pPr marL="216000" indent="-216000">
+              <a:buClr>
+                <a:srgbClr val="000000"/>
+              </a:buClr>
+              <a:buSzPct val="45000"/>
+              <a:buFont typeface="Wingdings" charset="2"/>
+              <a:buChar char=""/>
+            </a:pPr>
+            <a:r>
+              <a:rPr lang="en-US" sz="1800" b="0" strike="noStrike" spc="-1" dirty="0">
+                <a:latin typeface="Times New Roman"/>
+              </a:rPr>
+              <a:t>The data contains some interesting </a:t>
+            </a:r>
+            <a:r>
+              <a:rPr lang="en-US" sz="1800" b="0" strike="noStrike" spc="-1" dirty="0" smtClean="0">
+                <a:latin typeface="Times New Roman"/>
+              </a:rPr>
+              <a:t>features such as:</a:t>
+            </a:r>
+            <a:endParaRPr lang="en-US" sz="1800" b="0" strike="noStrike" spc="-1" dirty="0">
+              <a:latin typeface="Times New Roman"/>
+            </a:endParaRPr>
+          </a:p>
+          <a:p>
+            <a:pPr marL="432000" lvl="1" indent="-216000">
+              <a:buClr>
+                <a:srgbClr val="000000"/>
+              </a:buClr>
+              <a:buSzPct val="45000"/>
+              <a:buFont typeface="Wingdings" charset="2"/>
+              <a:buChar char=""/>
+            </a:pPr>
+            <a:r>
+              <a:rPr lang="en-US" sz="1800" b="0" strike="noStrike" spc="-1" dirty="0">
+                <a:latin typeface="Times New Roman"/>
+              </a:rPr>
+              <a:t>date of death</a:t>
+            </a:r>
+          </a:p>
+          <a:p>
+            <a:pPr marL="432000" lvl="1" indent="-216000">
+              <a:buClr>
+                <a:srgbClr val="000000"/>
+              </a:buClr>
+              <a:buSzPct val="45000"/>
+              <a:buFont typeface="Wingdings" charset="2"/>
+              <a:buChar char=""/>
+            </a:pPr>
+            <a:r>
+              <a:rPr lang="en-US" sz="1800" b="0" strike="noStrike" spc="-1" dirty="0">
+                <a:latin typeface="Times New Roman"/>
+              </a:rPr>
+              <a:t>coverage (topics being reported at the time of death)</a:t>
+            </a:r>
+          </a:p>
+          <a:p>
+            <a:pPr marL="432000" lvl="1" indent="-216000">
+              <a:buClr>
+                <a:srgbClr val="000000"/>
+              </a:buClr>
+              <a:buSzPct val="45000"/>
+              <a:buFont typeface="Wingdings" charset="2"/>
+              <a:buChar char=""/>
+            </a:pPr>
+            <a:r>
+              <a:rPr lang="en-US" sz="1800" b="0" strike="noStrike" spc="-1" dirty="0">
+                <a:latin typeface="Times New Roman"/>
+              </a:rPr>
+              <a:t>Gender</a:t>
+            </a:r>
+          </a:p>
+          <a:p>
+            <a:pPr marL="432000" lvl="1" indent="-216000">
+              <a:buClr>
+                <a:srgbClr val="000000"/>
+              </a:buClr>
+              <a:buSzPct val="45000"/>
+              <a:buFont typeface="Wingdings" charset="2"/>
+              <a:buChar char=""/>
+            </a:pPr>
+            <a:r>
+              <a:rPr lang="en-US" sz="1800" b="0" strike="noStrike" spc="-1" dirty="0">
+                <a:latin typeface="Times New Roman"/>
+              </a:rPr>
+              <a:t>Country killed</a:t>
+            </a:r>
+          </a:p>
+          <a:p>
+            <a:pPr marL="432000" lvl="1" indent="-216000">
+              <a:buClr>
+                <a:srgbClr val="000000"/>
+              </a:buClr>
+              <a:buSzPct val="45000"/>
+              <a:buFont typeface="Wingdings" charset="2"/>
+              <a:buChar char=""/>
+            </a:pPr>
+            <a:r>
+              <a:rPr lang="en-US" sz="1800" b="0" strike="noStrike" spc="-1" dirty="0">
+                <a:latin typeface="Times New Roman"/>
+              </a:rPr>
+              <a:t>Organization</a:t>
+            </a:r>
+          </a:p>
         </p:txBody>
       </p:sp>
     </p:spTree>
+    <p:extLst>
+      <p:ext uri="{BB962C8B-B14F-4D97-AF65-F5344CB8AC3E}">
+        <p14:creationId xmlns:p14="http://schemas.microsoft.com/office/powerpoint/2010/main" val="3439036703"/>
+      </p:ext>
+    </p:extLst>
   </p:cSld>
+  <p:clrMapOvr>
+    <a:masterClrMapping/>
+  </p:clrMapOvr>
   <p:timing>
     <p:tnLst>
       <p:par>
-        <p:cTn id="27" dur="indefinite" restart="never" nodeType="tmRoot">
+        <p:cTn id="1" dur="indefinite" restart="never" nodeType="tmRoot">
           <p:childTnLst>
             <p:seq>
-              <p:cTn id="28" dur="indefinite" nodeType="mainSeq"/>
+              <p:cTn id="2" dur="indefinite" nodeType="mainSeq"/>
               <p:prevCondLst>
-                <p:cond delay="0" evt="onPrev">
+                <p:cond evt="onPrev" delay="0">
                   <p:tgtEl>
                     <p:sldTgt/>
                   </p:tgtEl>
                 </p:cond>
               </p:prevCondLst>
               <p:nextCondLst>
-                <p:cond delay="0" evt="onNext">
+                <p:cond evt="onNext" delay="0">
                   <p:tgtEl>
                     <p:sldTgt/>
                   </p:tgtEl>
@@ -4579,7 +5513,7 @@
 </file>
 
 <file path=ppt/slides/slide15.xml><?xml version="1.0" encoding="utf-8"?>
-<p:sld xmlns:a="http://schemas.openxmlformats.org/drawingml/2006/main" xmlns:p="http://schemas.openxmlformats.org/presentationml/2006/main" xmlns:r="http://schemas.openxmlformats.org/officeDocument/2006/relationships" xmlns:p14="http://schemas.microsoft.com/office/powerpoint/2010/main" xmlns:p15="http://schemas.microsoft.com/office/powerpoint/2012/main" xmlns:mc="http://schemas.openxmlformats.org/markup-compatibility/2006">
+<p:sld xmlns:a="http://schemas.openxmlformats.org/drawingml/2006/main" xmlns:r="http://schemas.openxmlformats.org/officeDocument/2006/relationships" xmlns:p="http://schemas.openxmlformats.org/presentationml/2006/main">
   <p:cSld>
     <p:spTree>
       <p:nvGrpSpPr>
@@ -4597,7 +5531,7 @@
       </p:grpSpPr>
       <p:sp>
         <p:nvSpPr>
-          <p:cNvPr id="127" name="CustomShape 1"/>
+          <p:cNvPr id="124" name="CustomShape 1"/>
           <p:cNvSpPr/>
           <p:nvPr/>
         </p:nvSpPr>
@@ -4615,13 +5549,20 @@
           </a:ln>
         </p:spPr>
         <p:style>
-          <a:lnRef idx="0"/>
-          <a:fillRef idx="0"/>
-          <a:effectRef idx="0"/>
+          <a:lnRef idx="0">
+            <a:scrgbClr r="0" g="0" b="0"/>
+          </a:lnRef>
+          <a:fillRef idx="0">
+            <a:scrgbClr r="0" g="0" b="0"/>
+          </a:fillRef>
+          <a:effectRef idx="0">
+            <a:scrgbClr r="0" g="0" b="0"/>
+          </a:effectRef>
           <a:fontRef idx="minor"/>
         </p:style>
         <p:txBody>
-          <a:bodyPr lIns="90000" rIns="90000" tIns="45000" bIns="45000" anchor="ctr"/>
+          <a:bodyPr lIns="90000" tIns="45000" rIns="90000" bIns="45000" anchor="ctr"/>
+          <a:lstStyle/>
           <a:p>
             <a:pPr>
               <a:lnSpc>
@@ -4629,7 +5570,7 @@
               </a:lnSpc>
             </a:pPr>
             <a:r>
-              <a:rPr b="1" lang="en-US" sz="3000" spc="-1" strike="noStrike">
+              <a:rPr lang="en-US" sz="3000" b="1" strike="noStrike" spc="-1">
                 <a:solidFill>
                   <a:srgbClr val="404041"/>
                 </a:solidFill>
@@ -4638,22 +5579,45 @@
               </a:rPr>
               <a:t>Exploratory Analysis: Time series</a:t>
             </a:r>
-            <a:endParaRPr b="0" lang="en-US" sz="3000" spc="-1" strike="noStrike">
-              <a:latin typeface="Arial"/>
-            </a:endParaRPr>
-          </a:p>
-        </p:txBody>
-      </p:sp>
-      <p:sp>
-        <p:nvSpPr>
-          <p:cNvPr id="128" name="TextShape 2"/>
+            <a:endParaRPr lang="en-US" sz="3000" b="0" strike="noStrike" spc="-1">
+              <a:latin typeface="Arial"/>
+            </a:endParaRPr>
+          </a:p>
+        </p:txBody>
+      </p:sp>
+      <p:pic>
+        <p:nvPicPr>
+          <p:cNvPr id="125" name="Imagen 124"/>
+          <p:cNvPicPr/>
+          <p:nvPr/>
+        </p:nvPicPr>
+        <p:blipFill>
+          <a:blip r:embed="rId2"/>
+          <a:stretch/>
+        </p:blipFill>
+        <p:spPr>
+          <a:xfrm>
+            <a:off x="1097280" y="1828800"/>
+            <a:ext cx="7040880" cy="2784960"/>
+          </a:xfrm>
+          <a:prstGeom prst="rect">
+            <a:avLst/>
+          </a:prstGeom>
+          <a:ln>
+            <a:noFill/>
+          </a:ln>
+        </p:spPr>
+      </p:pic>
+      <p:sp>
+        <p:nvSpPr>
+          <p:cNvPr id="126" name="TextShape 2"/>
           <p:cNvSpPr txBox="1"/>
           <p:nvPr/>
         </p:nvSpPr>
         <p:spPr>
           <a:xfrm>
             <a:off x="457200" y="1049760"/>
-            <a:ext cx="8046720" cy="343440"/>
+            <a:ext cx="8046720" cy="596520"/>
           </a:xfrm>
           <a:prstGeom prst="rect">
             <a:avLst/>
@@ -4664,7 +5628,8 @@
           </a:ln>
         </p:spPr>
         <p:txBody>
-          <a:bodyPr lIns="90000" rIns="90000" tIns="45000" bIns="45000"/>
+          <a:bodyPr lIns="90000" tIns="45000" rIns="90000" bIns="45000"/>
+          <a:lstStyle/>
           <a:p>
             <a:pPr marL="216000" indent="-216000">
               <a:buClr>
@@ -4675,58 +5640,35 @@
               <a:buChar char=""/>
             </a:pPr>
             <a:r>
-              <a:rPr b="0" lang="en-US" sz="1800" spc="-1" strike="noStrike">
+              <a:rPr lang="en-US" sz="1800" b="0" strike="noStrike" spc="-1">
                 <a:latin typeface="Times New Roman"/>
               </a:rPr>
-              <a:t>Number of deaths by year in top 5 countries with most deaths</a:t>
-            </a:r>
-            <a:endParaRPr b="0" lang="en-US" sz="1800" spc="-1" strike="noStrike">
-              <a:latin typeface="Times New Roman"/>
-            </a:endParaRPr>
-          </a:p>
-        </p:txBody>
-      </p:sp>
-      <p:pic>
-        <p:nvPicPr>
-          <p:cNvPr id="129" name="" descr=""/>
-          <p:cNvPicPr/>
-          <p:nvPr/>
-        </p:nvPicPr>
-        <p:blipFill>
-          <a:blip r:embed="rId1"/>
-          <a:stretch/>
-        </p:blipFill>
-        <p:spPr>
-          <a:xfrm>
-            <a:off x="2124720" y="1290960"/>
-            <a:ext cx="5686200" cy="3342960"/>
-          </a:xfrm>
-          <a:prstGeom prst="rect">
-            <a:avLst/>
-          </a:prstGeom>
-          <a:ln>
-            <a:noFill/>
-          </a:ln>
-        </p:spPr>
-      </p:pic>
+              <a:t>Interactive Time series plot of for the number of deaths in each month between 1992 and 2016</a:t>
+            </a:r>
+          </a:p>
+        </p:txBody>
+      </p:sp>
     </p:spTree>
   </p:cSld>
+  <p:clrMapOvr>
+    <a:masterClrMapping/>
+  </p:clrMapOvr>
   <p:timing>
     <p:tnLst>
       <p:par>
-        <p:cTn id="29" dur="indefinite" restart="never" nodeType="tmRoot">
+        <p:cTn id="1" dur="indefinite" restart="never" nodeType="tmRoot">
           <p:childTnLst>
             <p:seq>
-              <p:cTn id="30" dur="indefinite" nodeType="mainSeq"/>
+              <p:cTn id="2" dur="indefinite" nodeType="mainSeq"/>
               <p:prevCondLst>
-                <p:cond delay="0" evt="onPrev">
+                <p:cond evt="onPrev" delay="0">
                   <p:tgtEl>
                     <p:sldTgt/>
                   </p:tgtEl>
                 </p:cond>
               </p:prevCondLst>
               <p:nextCondLst>
-                <p:cond delay="0" evt="onNext">
+                <p:cond evt="onNext" delay="0">
                   <p:tgtEl>
                     <p:sldTgt/>
                   </p:tgtEl>
@@ -4742,7 +5684,7 @@
 </file>
 
 <file path=ppt/slides/slide16.xml><?xml version="1.0" encoding="utf-8"?>
-<p:sld xmlns:a="http://schemas.openxmlformats.org/drawingml/2006/main" xmlns:p="http://schemas.openxmlformats.org/presentationml/2006/main" xmlns:r="http://schemas.openxmlformats.org/officeDocument/2006/relationships" xmlns:p14="http://schemas.microsoft.com/office/powerpoint/2010/main" xmlns:p15="http://schemas.microsoft.com/office/powerpoint/2012/main" xmlns:mc="http://schemas.openxmlformats.org/markup-compatibility/2006">
+<p:sld xmlns:a="http://schemas.openxmlformats.org/drawingml/2006/main" xmlns:r="http://schemas.openxmlformats.org/officeDocument/2006/relationships" xmlns:p="http://schemas.openxmlformats.org/presentationml/2006/main">
   <p:cSld>
     <p:spTree>
       <p:nvGrpSpPr>
@@ -4766,7 +5708,7 @@
         </p:nvSpPr>
         <p:spPr>
           <a:xfrm>
-            <a:off x="529920" y="759240"/>
+            <a:off x="529920" y="173614"/>
             <a:ext cx="8002080" cy="696960"/>
           </a:xfrm>
           <a:prstGeom prst="rect">
@@ -4778,13 +5720,20 @@
           </a:ln>
         </p:spPr>
         <p:style>
-          <a:lnRef idx="0"/>
-          <a:fillRef idx="0"/>
-          <a:effectRef idx="0"/>
+          <a:lnRef idx="0">
+            <a:scrgbClr r="0" g="0" b="0"/>
+          </a:lnRef>
+          <a:fillRef idx="0">
+            <a:scrgbClr r="0" g="0" b="0"/>
+          </a:fillRef>
+          <a:effectRef idx="0">
+            <a:scrgbClr r="0" g="0" b="0"/>
+          </a:effectRef>
           <a:fontRef idx="minor"/>
         </p:style>
         <p:txBody>
-          <a:bodyPr lIns="90000" rIns="90000" tIns="45000" bIns="45000" anchor="ctr"/>
+          <a:bodyPr lIns="90000" tIns="45000" rIns="90000" bIns="45000" anchor="ctr"/>
+          <a:lstStyle/>
           <a:p>
             <a:pPr>
               <a:lnSpc>
@@ -4792,7 +5741,7 @@
               </a:lnSpc>
             </a:pPr>
             <a:r>
-              <a:rPr b="1" lang="en-US" sz="3000" spc="-1" strike="noStrike">
+              <a:rPr lang="en-US" sz="3000" b="1" strike="noStrike" spc="-1">
                 <a:solidFill>
                   <a:srgbClr val="404041"/>
                 </a:solidFill>
@@ -4801,30 +5750,100 @@
               </a:rPr>
               <a:t>Exploratory Analysis: Countries</a:t>
             </a:r>
-            <a:endParaRPr b="0" lang="en-US" sz="3000" spc="-1" strike="noStrike">
-              <a:latin typeface="Arial"/>
+            <a:endParaRPr lang="en-US" sz="3000" b="0" strike="noStrike" spc="-1">
+              <a:latin typeface="Arial"/>
+            </a:endParaRPr>
+          </a:p>
+        </p:txBody>
+      </p:sp>
+      <p:pic>
+        <p:nvPicPr>
+          <p:cNvPr id="3" name="Imagen 2"/>
+          <p:cNvPicPr>
+            <a:picLocks noChangeAspect="1"/>
+          </p:cNvPicPr>
+          <p:nvPr/>
+        </p:nvPicPr>
+        <p:blipFill>
+          <a:blip r:embed="rId2"/>
+          <a:stretch>
+            <a:fillRect/>
+          </a:stretch>
+        </p:blipFill>
+        <p:spPr>
+          <a:xfrm>
+            <a:off x="1160978" y="1775812"/>
+            <a:ext cx="6544639" cy="2845209"/>
+          </a:xfrm>
+          <a:prstGeom prst="rect">
+            <a:avLst/>
+          </a:prstGeom>
+        </p:spPr>
+      </p:pic>
+      <p:sp>
+        <p:nvSpPr>
+          <p:cNvPr id="5" name="TextShape 2"/>
+          <p:cNvSpPr txBox="1"/>
+          <p:nvPr/>
+        </p:nvSpPr>
+        <p:spPr>
+          <a:xfrm>
+            <a:off x="457200" y="1049760"/>
+            <a:ext cx="8046720" cy="343440"/>
+          </a:xfrm>
+          <a:prstGeom prst="rect">
+            <a:avLst/>
+          </a:prstGeom>
+          <a:noFill/>
+          <a:ln>
+            <a:noFill/>
+          </a:ln>
+        </p:spPr>
+        <p:txBody>
+          <a:bodyPr lIns="90000" tIns="45000" rIns="90000" bIns="45000"/>
+          <a:lstStyle/>
+          <a:p>
+            <a:pPr marL="216000" indent="-216000">
+              <a:buClr>
+                <a:srgbClr val="000000"/>
+              </a:buClr>
+              <a:buSzPct val="45000"/>
+              <a:buFont typeface="Wingdings" charset="2"/>
+              <a:buChar char=""/>
+            </a:pPr>
+            <a:r>
+              <a:rPr lang="en-US" spc="-1" dirty="0" smtClean="0">
+                <a:latin typeface="Times New Roman"/>
+              </a:rPr>
+              <a:t>Number of deaths by each country between 1992 and 2016</a:t>
+            </a:r>
+            <a:endParaRPr lang="en-US" sz="1800" b="0" strike="noStrike" spc="-1" dirty="0">
+              <a:latin typeface="Times New Roman"/>
             </a:endParaRPr>
           </a:p>
         </p:txBody>
       </p:sp>
     </p:spTree>
   </p:cSld>
+  <p:clrMapOvr>
+    <a:masterClrMapping/>
+  </p:clrMapOvr>
   <p:timing>
     <p:tnLst>
       <p:par>
-        <p:cTn id="31" dur="indefinite" restart="never" nodeType="tmRoot">
+        <p:cTn id="1" dur="indefinite" restart="never" nodeType="tmRoot">
           <p:childTnLst>
             <p:seq>
-              <p:cTn id="32" dur="indefinite" nodeType="mainSeq"/>
+              <p:cTn id="2" dur="indefinite" nodeType="mainSeq"/>
               <p:prevCondLst>
-                <p:cond delay="0" evt="onPrev">
+                <p:cond evt="onPrev" delay="0">
                   <p:tgtEl>
                     <p:sldTgt/>
                   </p:tgtEl>
                 </p:cond>
               </p:prevCondLst>
               <p:nextCondLst>
-                <p:cond delay="0" evt="onNext">
+                <p:cond evt="onNext" delay="0">
                   <p:tgtEl>
                     <p:sldTgt/>
                   </p:tgtEl>
@@ -4840,7 +5859,7 @@
 </file>
 
 <file path=ppt/slides/slide17.xml><?xml version="1.0" encoding="utf-8"?>
-<p:sld xmlns:a="http://schemas.openxmlformats.org/drawingml/2006/main" xmlns:p="http://schemas.openxmlformats.org/presentationml/2006/main" xmlns:r="http://schemas.openxmlformats.org/officeDocument/2006/relationships" xmlns:p14="http://schemas.microsoft.com/office/powerpoint/2010/main" xmlns:p15="http://schemas.microsoft.com/office/powerpoint/2012/main" xmlns:mc="http://schemas.openxmlformats.org/markup-compatibility/2006">
+<p:sld xmlns:a="http://schemas.openxmlformats.org/drawingml/2006/main" xmlns:r="http://schemas.openxmlformats.org/officeDocument/2006/relationships" xmlns:p="http://schemas.openxmlformats.org/presentationml/2006/main">
   <p:cSld>
     <p:spTree>
       <p:nvGrpSpPr>
@@ -4858,13 +5877,13 @@
       </p:grpSpPr>
       <p:sp>
         <p:nvSpPr>
-          <p:cNvPr id="131" name="CustomShape 1"/>
+          <p:cNvPr id="127" name="CustomShape 1"/>
           <p:cNvSpPr/>
           <p:nvPr/>
         </p:nvSpPr>
         <p:spPr>
           <a:xfrm>
-            <a:off x="529920" y="759240"/>
+            <a:off x="529920" y="399240"/>
             <a:ext cx="8002080" cy="696960"/>
           </a:xfrm>
           <a:prstGeom prst="rect">
@@ -4876,13 +5895,20 @@
           </a:ln>
         </p:spPr>
         <p:style>
-          <a:lnRef idx="0"/>
-          <a:fillRef idx="0"/>
-          <a:effectRef idx="0"/>
+          <a:lnRef idx="0">
+            <a:scrgbClr r="0" g="0" b="0"/>
+          </a:lnRef>
+          <a:fillRef idx="0">
+            <a:scrgbClr r="0" g="0" b="0"/>
+          </a:fillRef>
+          <a:effectRef idx="0">
+            <a:scrgbClr r="0" g="0" b="0"/>
+          </a:effectRef>
           <a:fontRef idx="minor"/>
         </p:style>
         <p:txBody>
-          <a:bodyPr lIns="90000" rIns="90000" tIns="45000" bIns="45000" anchor="ctr"/>
+          <a:bodyPr lIns="90000" tIns="45000" rIns="90000" bIns="45000" anchor="ctr"/>
+          <a:lstStyle/>
           <a:p>
             <a:pPr>
               <a:lnSpc>
@@ -4890,39 +5916,114 @@
               </a:lnSpc>
             </a:pPr>
             <a:r>
-              <a:rPr b="1" lang="en-US" sz="3000" spc="-1" strike="noStrike">
+              <a:rPr lang="en-US" sz="3000" b="1" strike="noStrike" spc="-1">
                 <a:solidFill>
                   <a:srgbClr val="404041"/>
                 </a:solidFill>
                 <a:latin typeface="Arial"/>
                 <a:ea typeface="Arial"/>
               </a:rPr>
-              <a:t>Exploratory Analysis: Gender ratios </a:t>
-            </a:r>
-            <a:endParaRPr b="0" lang="en-US" sz="3000" spc="-1" strike="noStrike">
-              <a:latin typeface="Arial"/>
-            </a:endParaRPr>
-          </a:p>
-        </p:txBody>
-      </p:sp>
+              <a:t>Exploratory Analysis: Time series</a:t>
+            </a:r>
+            <a:endParaRPr lang="en-US" sz="3000" b="0" strike="noStrike" spc="-1">
+              <a:latin typeface="Arial"/>
+            </a:endParaRPr>
+          </a:p>
+        </p:txBody>
+      </p:sp>
+      <p:sp>
+        <p:nvSpPr>
+          <p:cNvPr id="128" name="TextShape 2"/>
+          <p:cNvSpPr txBox="1"/>
+          <p:nvPr/>
+        </p:nvSpPr>
+        <p:spPr>
+          <a:xfrm>
+            <a:off x="457200" y="1049760"/>
+            <a:ext cx="8046720" cy="343440"/>
+          </a:xfrm>
+          <a:prstGeom prst="rect">
+            <a:avLst/>
+          </a:prstGeom>
+          <a:noFill/>
+          <a:ln>
+            <a:noFill/>
+          </a:ln>
+        </p:spPr>
+        <p:txBody>
+          <a:bodyPr lIns="90000" tIns="45000" rIns="90000" bIns="45000"/>
+          <a:lstStyle/>
+          <a:p>
+            <a:pPr marL="216000" indent="-216000">
+              <a:buClr>
+                <a:srgbClr val="000000"/>
+              </a:buClr>
+              <a:buSzPct val="45000"/>
+              <a:buFont typeface="Wingdings" charset="2"/>
+              <a:buChar char=""/>
+            </a:pPr>
+            <a:r>
+              <a:rPr lang="en-US" sz="1800" b="0" strike="noStrike" spc="-1" dirty="0">
+                <a:latin typeface="Times New Roman"/>
+              </a:rPr>
+              <a:t>Number of deaths by year in top 5 countries with most </a:t>
+            </a:r>
+            <a:r>
+              <a:rPr lang="en-US" sz="1800" b="0" strike="noStrike" spc="-1" dirty="0" smtClean="0">
+                <a:latin typeface="Times New Roman"/>
+              </a:rPr>
+              <a:t>deaths</a:t>
+            </a:r>
+            <a:endParaRPr lang="en-US" sz="1800" b="0" strike="noStrike" spc="-1" dirty="0">
+              <a:latin typeface="Times New Roman"/>
+            </a:endParaRPr>
+          </a:p>
+        </p:txBody>
+      </p:sp>
+      <p:pic>
+        <p:nvPicPr>
+          <p:cNvPr id="129" name="Imagen 128"/>
+          <p:cNvPicPr/>
+          <p:nvPr/>
+        </p:nvPicPr>
+        <p:blipFill>
+          <a:blip r:embed="rId2"/>
+          <a:stretch/>
+        </p:blipFill>
+        <p:spPr>
+          <a:xfrm>
+            <a:off x="2124720" y="1290960"/>
+            <a:ext cx="5686200" cy="3342960"/>
+          </a:xfrm>
+          <a:prstGeom prst="rect">
+            <a:avLst/>
+          </a:prstGeom>
+          <a:ln>
+            <a:noFill/>
+          </a:ln>
+        </p:spPr>
+      </p:pic>
     </p:spTree>
   </p:cSld>
+  <p:clrMapOvr>
+    <a:masterClrMapping/>
+  </p:clrMapOvr>
   <p:timing>
     <p:tnLst>
       <p:par>
-        <p:cTn id="33" dur="indefinite" restart="never" nodeType="tmRoot">
+        <p:cTn id="1" dur="indefinite" restart="never" nodeType="tmRoot">
           <p:childTnLst>
             <p:seq>
-              <p:cTn id="34" dur="indefinite" nodeType="mainSeq"/>
+              <p:cTn id="2" dur="indefinite" nodeType="mainSeq"/>
               <p:prevCondLst>
-                <p:cond delay="0" evt="onPrev">
+                <p:cond evt="onPrev" delay="0">
                   <p:tgtEl>
                     <p:sldTgt/>
                   </p:tgtEl>
                 </p:cond>
               </p:prevCondLst>
               <p:nextCondLst>
-                <p:cond delay="0" evt="onNext">
+                <p:cond evt="onNext" delay="0">
                   <p:tgtEl>
                     <p:sldTgt/>
                   </p:tgtEl>
@@ -4938,7 +6039,7 @@
 </file>
 
 <file path=ppt/slides/slide18.xml><?xml version="1.0" encoding="utf-8"?>
-<p:sld xmlns:a="http://schemas.openxmlformats.org/drawingml/2006/main" xmlns:p="http://schemas.openxmlformats.org/presentationml/2006/main" xmlns:r="http://schemas.openxmlformats.org/officeDocument/2006/relationships" xmlns:p14="http://schemas.microsoft.com/office/powerpoint/2010/main" xmlns:p15="http://schemas.microsoft.com/office/powerpoint/2012/main" xmlns:mc="http://schemas.openxmlformats.org/markup-compatibility/2006">
+<p:sld xmlns:a="http://schemas.openxmlformats.org/drawingml/2006/main" xmlns:r="http://schemas.openxmlformats.org/officeDocument/2006/relationships" xmlns:p="http://schemas.openxmlformats.org/presentationml/2006/main">
   <p:cSld>
     <p:spTree>
       <p:nvGrpSpPr>
@@ -4956,13 +6057,13 @@
       </p:grpSpPr>
       <p:sp>
         <p:nvSpPr>
-          <p:cNvPr id="132" name="CustomShape 1"/>
+          <p:cNvPr id="131" name="CustomShape 1"/>
           <p:cNvSpPr/>
           <p:nvPr/>
         </p:nvSpPr>
         <p:spPr>
           <a:xfrm>
-            <a:off x="529920" y="759240"/>
+            <a:off x="529920" y="389376"/>
             <a:ext cx="8002080" cy="696960"/>
           </a:xfrm>
           <a:prstGeom prst="rect">
@@ -4974,13 +6075,20 @@
           </a:ln>
         </p:spPr>
         <p:style>
-          <a:lnRef idx="0"/>
-          <a:fillRef idx="0"/>
-          <a:effectRef idx="0"/>
+          <a:lnRef idx="0">
+            <a:scrgbClr r="0" g="0" b="0"/>
+          </a:lnRef>
+          <a:fillRef idx="0">
+            <a:scrgbClr r="0" g="0" b="0"/>
+          </a:fillRef>
+          <a:effectRef idx="0">
+            <a:scrgbClr r="0" g="0" b="0"/>
+          </a:effectRef>
           <a:fontRef idx="minor"/>
         </p:style>
         <p:txBody>
-          <a:bodyPr lIns="90000" rIns="90000" tIns="45000" bIns="45000" anchor="ctr"/>
+          <a:bodyPr lIns="90000" tIns="45000" rIns="90000" bIns="45000" anchor="ctr"/>
+          <a:lstStyle/>
           <a:p>
             <a:pPr>
               <a:lnSpc>
@@ -4988,39 +6096,115 @@
               </a:lnSpc>
             </a:pPr>
             <a:r>
-              <a:rPr b="1" lang="en-US" sz="3000" spc="-1" strike="noStrike">
+              <a:rPr lang="en-US" sz="3000" b="1" strike="noStrike" spc="-1" dirty="0">
                 <a:solidFill>
                   <a:srgbClr val="404041"/>
                 </a:solidFill>
                 <a:latin typeface="Arial"/>
                 <a:ea typeface="Arial"/>
               </a:rPr>
-              <a:t>Exploratory Analysis: Tortured?</a:t>
-            </a:r>
-            <a:endParaRPr b="0" lang="en-US" sz="3000" spc="-1" strike="noStrike">
-              <a:latin typeface="Arial"/>
+              <a:t>Exploratory Analysis: Gender ratios </a:t>
+            </a:r>
+            <a:endParaRPr lang="en-US" sz="3000" b="0" strike="noStrike" spc="-1" dirty="0">
+              <a:latin typeface="Arial"/>
+            </a:endParaRPr>
+          </a:p>
+        </p:txBody>
+      </p:sp>
+      <p:pic>
+        <p:nvPicPr>
+          <p:cNvPr id="2" name="Imagen 1"/>
+          <p:cNvPicPr>
+            <a:picLocks noChangeAspect="1"/>
+          </p:cNvPicPr>
+          <p:nvPr/>
+        </p:nvPicPr>
+        <p:blipFill>
+          <a:blip r:embed="rId2"/>
+          <a:stretch>
+            <a:fillRect/>
+          </a:stretch>
+        </p:blipFill>
+        <p:spPr>
+          <a:xfrm>
+            <a:off x="1626474" y="1807858"/>
+            <a:ext cx="5175018" cy="2892621"/>
+          </a:xfrm>
+          <a:prstGeom prst="rect">
+            <a:avLst/>
+          </a:prstGeom>
+        </p:spPr>
+      </p:pic>
+      <p:sp>
+        <p:nvSpPr>
+          <p:cNvPr id="5" name="TextShape 2"/>
+          <p:cNvSpPr txBox="1"/>
+          <p:nvPr/>
+        </p:nvSpPr>
+        <p:spPr>
+          <a:xfrm>
+            <a:off x="457200" y="1049760"/>
+            <a:ext cx="8046720" cy="343440"/>
+          </a:xfrm>
+          <a:prstGeom prst="rect">
+            <a:avLst/>
+          </a:prstGeom>
+          <a:noFill/>
+          <a:ln>
+            <a:noFill/>
+          </a:ln>
+        </p:spPr>
+        <p:txBody>
+          <a:bodyPr lIns="90000" tIns="45000" rIns="90000" bIns="45000"/>
+          <a:lstStyle/>
+          <a:p>
+            <a:pPr marL="216000" indent="-216000">
+              <a:buClr>
+                <a:srgbClr val="000000"/>
+              </a:buClr>
+              <a:buSzPct val="45000"/>
+              <a:buFont typeface="Wingdings" charset="2"/>
+              <a:buChar char=""/>
+            </a:pPr>
+            <a:r>
+              <a:rPr lang="en-US" sz="1800" b="0" strike="noStrike" spc="-1" dirty="0">
+                <a:latin typeface="Times New Roman"/>
+              </a:rPr>
+              <a:t>Number </a:t>
+            </a:r>
+            <a:r>
+              <a:rPr lang="en-US" sz="1800" b="0" strike="noStrike" spc="-1" dirty="0" smtClean="0">
+                <a:latin typeface="Times New Roman"/>
+              </a:rPr>
+              <a:t>of male and female journalists killed by year</a:t>
+            </a:r>
+            <a:endParaRPr lang="en-US" sz="1800" b="0" strike="noStrike" spc="-1" dirty="0">
+              <a:latin typeface="Times New Roman"/>
             </a:endParaRPr>
           </a:p>
         </p:txBody>
       </p:sp>
     </p:spTree>
   </p:cSld>
+  <p:clrMapOvr>
+    <a:masterClrMapping/>
+  </p:clrMapOvr>
   <p:timing>
     <p:tnLst>
       <p:par>
-        <p:cTn id="35" dur="indefinite" restart="never" nodeType="tmRoot">
+        <p:cTn id="1" dur="indefinite" restart="never" nodeType="tmRoot">
           <p:childTnLst>
             <p:seq>
-              <p:cTn id="36" dur="indefinite" nodeType="mainSeq"/>
+              <p:cTn id="2" dur="indefinite" nodeType="mainSeq"/>
               <p:prevCondLst>
-                <p:cond delay="0" evt="onPrev">
+                <p:cond evt="onPrev" delay="0">
                   <p:tgtEl>
                     <p:sldTgt/>
                   </p:tgtEl>
                 </p:cond>
               </p:prevCondLst>
               <p:nextCondLst>
-                <p:cond delay="0" evt="onNext">
+                <p:cond evt="onNext" delay="0">
                   <p:tgtEl>
                     <p:sldTgt/>
                   </p:tgtEl>
@@ -5036,7 +6220,7 @@
 </file>
 
 <file path=ppt/slides/slide19.xml><?xml version="1.0" encoding="utf-8"?>
-<p:sld xmlns:a="http://schemas.openxmlformats.org/drawingml/2006/main" xmlns:p="http://schemas.openxmlformats.org/presentationml/2006/main" xmlns:r="http://schemas.openxmlformats.org/officeDocument/2006/relationships" xmlns:p14="http://schemas.microsoft.com/office/powerpoint/2010/main" xmlns:p15="http://schemas.microsoft.com/office/powerpoint/2012/main" xmlns:mc="http://schemas.openxmlformats.org/markup-compatibility/2006">
+<p:sld xmlns:a="http://schemas.openxmlformats.org/drawingml/2006/main" xmlns:r="http://schemas.openxmlformats.org/officeDocument/2006/relationships" xmlns:p="http://schemas.openxmlformats.org/presentationml/2006/main">
   <p:cSld>
     <p:spTree>
       <p:nvGrpSpPr>
@@ -5072,13 +6256,20 @@
           </a:ln>
         </p:spPr>
         <p:style>
-          <a:lnRef idx="0"/>
-          <a:fillRef idx="0"/>
-          <a:effectRef idx="0"/>
+          <a:lnRef idx="0">
+            <a:scrgbClr r="0" g="0" b="0"/>
+          </a:lnRef>
+          <a:fillRef idx="0">
+            <a:scrgbClr r="0" g="0" b="0"/>
+          </a:fillRef>
+          <a:effectRef idx="0">
+            <a:scrgbClr r="0" g="0" b="0"/>
+          </a:effectRef>
           <a:fontRef idx="minor"/>
         </p:style>
         <p:txBody>
-          <a:bodyPr lIns="90000" rIns="90000" tIns="45000" bIns="45000" anchor="ctr"/>
+          <a:bodyPr lIns="90000" tIns="45000" rIns="90000" bIns="45000" anchor="ctr"/>
+          <a:lstStyle/>
           <a:p>
             <a:pPr>
               <a:lnSpc>
@@ -5086,39 +6277,119 @@
               </a:lnSpc>
             </a:pPr>
             <a:r>
-              <a:rPr b="1" lang="en-US" sz="3000" spc="-1" strike="noStrike">
+              <a:rPr lang="en-US" sz="3000" b="1" strike="noStrike" spc="-1" dirty="0">
                 <a:solidFill>
                   <a:srgbClr val="404041"/>
                 </a:solidFill>
                 <a:latin typeface="Arial"/>
                 <a:ea typeface="Arial"/>
               </a:rPr>
-              <a:t>Exploratory Analysis: Medium</a:t>
-            </a:r>
-            <a:endParaRPr b="0" lang="en-US" sz="3000" spc="-1" strike="noStrike">
-              <a:latin typeface="Arial"/>
+              <a:t>Exploratory </a:t>
+            </a:r>
+            <a:r>
+              <a:rPr lang="en-US" sz="3000" b="1" strike="noStrike" spc="-1" dirty="0" smtClean="0">
+                <a:solidFill>
+                  <a:srgbClr val="404041"/>
+                </a:solidFill>
+                <a:latin typeface="Arial"/>
+                <a:ea typeface="Arial"/>
+              </a:rPr>
+              <a:t>Analysis: Type of Death</a:t>
+            </a:r>
+            <a:endParaRPr lang="en-US" sz="3000" b="0" strike="noStrike" spc="-1" dirty="0">
+              <a:latin typeface="Arial"/>
+            </a:endParaRPr>
+          </a:p>
+        </p:txBody>
+      </p:sp>
+      <p:pic>
+        <p:nvPicPr>
+          <p:cNvPr id="3" name="Imagen 2"/>
+          <p:cNvPicPr>
+            <a:picLocks noChangeAspect="1"/>
+          </p:cNvPicPr>
+          <p:nvPr/>
+        </p:nvPicPr>
+        <p:blipFill>
+          <a:blip r:embed="rId2"/>
+          <a:stretch>
+            <a:fillRect/>
+          </a:stretch>
+        </p:blipFill>
+        <p:spPr>
+          <a:xfrm>
+            <a:off x="1332910" y="2361804"/>
+            <a:ext cx="5286375" cy="1428750"/>
+          </a:xfrm>
+          <a:prstGeom prst="rect">
+            <a:avLst/>
+          </a:prstGeom>
+        </p:spPr>
+      </p:pic>
+      <p:sp>
+        <p:nvSpPr>
+          <p:cNvPr id="5" name="TextShape 2"/>
+          <p:cNvSpPr txBox="1"/>
+          <p:nvPr/>
+        </p:nvSpPr>
+        <p:spPr>
+          <a:xfrm>
+            <a:off x="457200" y="1388802"/>
+            <a:ext cx="8046720" cy="343440"/>
+          </a:xfrm>
+          <a:prstGeom prst="rect">
+            <a:avLst/>
+          </a:prstGeom>
+          <a:noFill/>
+          <a:ln>
+            <a:noFill/>
+          </a:ln>
+        </p:spPr>
+        <p:txBody>
+          <a:bodyPr lIns="90000" tIns="45000" rIns="90000" bIns="45000"/>
+          <a:lstStyle/>
+          <a:p>
+            <a:pPr marL="216000" indent="-216000">
+              <a:buClr>
+                <a:srgbClr val="000000"/>
+              </a:buClr>
+              <a:buSzPct val="45000"/>
+              <a:buFont typeface="Wingdings" charset="2"/>
+              <a:buChar char=""/>
+            </a:pPr>
+            <a:r>
+              <a:rPr lang="en-US" sz="1800" b="0" strike="noStrike" spc="-1" dirty="0" smtClean="0">
+                <a:latin typeface="Times New Roman"/>
+              </a:rPr>
+              <a:t>Type of deaths by year</a:t>
+            </a:r>
+            <a:endParaRPr lang="en-US" sz="1800" b="0" strike="noStrike" spc="-1" dirty="0">
+              <a:latin typeface="Times New Roman"/>
             </a:endParaRPr>
           </a:p>
         </p:txBody>
       </p:sp>
     </p:spTree>
   </p:cSld>
+  <p:clrMapOvr>
+    <a:masterClrMapping/>
+  </p:clrMapOvr>
   <p:timing>
     <p:tnLst>
       <p:par>
-        <p:cTn id="37" dur="indefinite" restart="never" nodeType="tmRoot">
+        <p:cTn id="1" dur="indefinite" restart="never" nodeType="tmRoot">
           <p:childTnLst>
             <p:seq>
-              <p:cTn id="38" dur="indefinite" nodeType="mainSeq"/>
+              <p:cTn id="2" dur="indefinite" nodeType="mainSeq"/>
               <p:prevCondLst>
-                <p:cond delay="0" evt="onPrev">
+                <p:cond evt="onPrev" delay="0">
                   <p:tgtEl>
                     <p:sldTgt/>
                   </p:tgtEl>
                 </p:cond>
               </p:prevCondLst>
               <p:nextCondLst>
-                <p:cond delay="0" evt="onNext">
+                <p:cond evt="onNext" delay="0">
                   <p:tgtEl>
                     <p:sldTgt/>
                   </p:tgtEl>
@@ -5134,7 +6405,7 @@
 </file>
 
 <file path=ppt/slides/slide2.xml><?xml version="1.0" encoding="utf-8"?>
-<p:sld xmlns:a="http://schemas.openxmlformats.org/drawingml/2006/main" xmlns:p="http://schemas.openxmlformats.org/presentationml/2006/main" xmlns:r="http://schemas.openxmlformats.org/officeDocument/2006/relationships" xmlns:p14="http://schemas.microsoft.com/office/powerpoint/2010/main" xmlns:p15="http://schemas.microsoft.com/office/powerpoint/2012/main" xmlns:mc="http://schemas.openxmlformats.org/markup-compatibility/2006">
+<p:sld xmlns:a="http://schemas.openxmlformats.org/drawingml/2006/main" xmlns:r="http://schemas.openxmlformats.org/officeDocument/2006/relationships" xmlns:p="http://schemas.openxmlformats.org/presentationml/2006/main">
   <p:cSld>
     <p:spTree>
       <p:nvGrpSpPr>
@@ -5170,13 +6441,20 @@
           </a:ln>
         </p:spPr>
         <p:style>
-          <a:lnRef idx="0"/>
-          <a:fillRef idx="0"/>
-          <a:effectRef idx="0"/>
+          <a:lnRef idx="0">
+            <a:scrgbClr r="0" g="0" b="0"/>
+          </a:lnRef>
+          <a:fillRef idx="0">
+            <a:scrgbClr r="0" g="0" b="0"/>
+          </a:fillRef>
+          <a:effectRef idx="0">
+            <a:scrgbClr r="0" g="0" b="0"/>
+          </a:effectRef>
           <a:fontRef idx="minor"/>
         </p:style>
         <p:txBody>
-          <a:bodyPr lIns="90000" rIns="90000" tIns="45000" bIns="45000" anchor="ctr"/>
+          <a:bodyPr lIns="90000" tIns="45000" rIns="90000" bIns="45000" anchor="ctr"/>
+          <a:lstStyle/>
           <a:p>
             <a:pPr>
               <a:lnSpc>
@@ -5184,7 +6462,7 @@
               </a:lnSpc>
             </a:pPr>
             <a:r>
-              <a:rPr b="1" lang="en-US" sz="3000" spc="-1" strike="noStrike">
+              <a:rPr lang="en-US" sz="3000" b="1" strike="noStrike" spc="-1">
                 <a:solidFill>
                   <a:srgbClr val="404041"/>
                 </a:solidFill>
@@ -5193,7 +6471,7 @@
               </a:rPr>
               <a:t>People</a:t>
             </a:r>
-            <a:endParaRPr b="0" lang="en-US" sz="3000" spc="-1" strike="noStrike">
+            <a:endParaRPr lang="en-US" sz="3000" b="0" strike="noStrike" spc="-1">
               <a:latin typeface="Arial"/>
             </a:endParaRPr>
           </a:p>
@@ -5219,13 +6497,20 @@
           </a:ln>
         </p:spPr>
         <p:style>
-          <a:lnRef idx="0"/>
-          <a:fillRef idx="0"/>
-          <a:effectRef idx="0"/>
+          <a:lnRef idx="0">
+            <a:scrgbClr r="0" g="0" b="0"/>
+          </a:lnRef>
+          <a:fillRef idx="0">
+            <a:scrgbClr r="0" g="0" b="0"/>
+          </a:fillRef>
+          <a:effectRef idx="0">
+            <a:scrgbClr r="0" g="0" b="0"/>
+          </a:effectRef>
           <a:fontRef idx="minor"/>
         </p:style>
         <p:txBody>
-          <a:bodyPr lIns="90000" rIns="90000" tIns="45000" bIns="45000"/>
+          <a:bodyPr lIns="90000" tIns="45000" rIns="90000" bIns="45000"/>
+          <a:lstStyle/>
           <a:p>
             <a:pPr>
               <a:lnSpc>
@@ -5235,7 +6520,7 @@
                 <a:spcPts val="1001"/>
               </a:spcBef>
             </a:pPr>
-            <a:endParaRPr b="0" lang="en-US" sz="1800" spc="-1" strike="noStrike">
+            <a:endParaRPr lang="en-US" sz="1800" b="0" strike="noStrike" spc="-1">
               <a:latin typeface="Arial"/>
             </a:endParaRPr>
           </a:p>
@@ -5248,13 +6533,13 @@
                 <a:spcPts val="1001"/>
               </a:spcBef>
               <a:buClr>
-                <a:srgbClr val="7f7f7f"/>
+                <a:srgbClr val="7F7F7F"/>
               </a:buClr>
               <a:buFont typeface="Arial"/>
               <a:buChar char="•"/>
             </a:pPr>
             <a:r>
-              <a:rPr b="0" lang="en-US" sz="1400" spc="-1" strike="noStrike">
+              <a:rPr lang="en-US" sz="1400" b="0" strike="noStrike" spc="-1">
                 <a:solidFill>
                   <a:srgbClr val="000000"/>
                 </a:solidFill>
@@ -5263,7 +6548,7 @@
               </a:rPr>
               <a:t>Arnav – Online Section [aarnav@iu.edu]</a:t>
             </a:r>
-            <a:endParaRPr b="0" lang="en-US" sz="1400" spc="-1" strike="noStrike">
+            <a:endParaRPr lang="en-US" sz="1400" b="0" strike="noStrike" spc="-1">
               <a:latin typeface="Arial"/>
             </a:endParaRPr>
           </a:p>
@@ -5276,13 +6561,13 @@
                 <a:spcPts val="1001"/>
               </a:spcBef>
               <a:buClr>
-                <a:srgbClr val="7f7f7f"/>
+                <a:srgbClr val="7F7F7F"/>
               </a:buClr>
               <a:buFont typeface="Arial"/>
               <a:buChar char="•"/>
             </a:pPr>
             <a:r>
-              <a:rPr b="0" lang="en-US" sz="1400" spc="-1" strike="noStrike">
+              <a:rPr lang="en-US" sz="1400" b="0" strike="noStrike" spc="-1">
                 <a:solidFill>
                   <a:srgbClr val="000000"/>
                 </a:solidFill>
@@ -5291,7 +6576,7 @@
               </a:rPr>
               <a:t>Karen Sanchez Trejo – Residential Section [karsanc@iu.edu]</a:t>
             </a:r>
-            <a:endParaRPr b="0" lang="en-US" sz="1400" spc="-1" strike="noStrike">
+            <a:endParaRPr lang="en-US" sz="1400" b="0" strike="noStrike" spc="-1">
               <a:latin typeface="Arial"/>
             </a:endParaRPr>
           </a:p>
@@ -5304,7 +6589,7 @@
                 <a:spcPts val="1001"/>
               </a:spcBef>
             </a:pPr>
-            <a:endParaRPr b="0" lang="en-US" sz="1400" spc="-1" strike="noStrike">
+            <a:endParaRPr lang="en-US" sz="1400" b="0" strike="noStrike" spc="-1">
               <a:latin typeface="Arial"/>
             </a:endParaRPr>
           </a:p>
@@ -5312,22 +6597,25 @@
       </p:sp>
     </p:spTree>
   </p:cSld>
+  <p:clrMapOvr>
+    <a:masterClrMapping/>
+  </p:clrMapOvr>
   <p:timing>
     <p:tnLst>
       <p:par>
-        <p:cTn id="3" dur="indefinite" restart="never" nodeType="tmRoot">
+        <p:cTn id="1" dur="indefinite" restart="never" nodeType="tmRoot">
           <p:childTnLst>
             <p:seq>
-              <p:cTn id="4" dur="indefinite" nodeType="mainSeq"/>
+              <p:cTn id="2" dur="indefinite" nodeType="mainSeq"/>
               <p:prevCondLst>
-                <p:cond delay="0" evt="onPrev">
+                <p:cond evt="onPrev" delay="0">
                   <p:tgtEl>
                     <p:sldTgt/>
                   </p:tgtEl>
                 </p:cond>
               </p:prevCondLst>
               <p:nextCondLst>
-                <p:cond delay="0" evt="onNext">
+                <p:cond evt="onNext" delay="0">
                   <p:tgtEl>
                     <p:sldTgt/>
                   </p:tgtEl>
@@ -5343,7 +6631,7 @@
 </file>
 
 <file path=ppt/slides/slide20.xml><?xml version="1.0" encoding="utf-8"?>
-<p:sld xmlns:a="http://schemas.openxmlformats.org/drawingml/2006/main" xmlns:p="http://schemas.openxmlformats.org/presentationml/2006/main" xmlns:r="http://schemas.openxmlformats.org/officeDocument/2006/relationships" xmlns:p14="http://schemas.microsoft.com/office/powerpoint/2010/main" xmlns:p15="http://schemas.microsoft.com/office/powerpoint/2012/main" xmlns:mc="http://schemas.openxmlformats.org/markup-compatibility/2006">
+<p:sld xmlns:a="http://schemas.openxmlformats.org/drawingml/2006/main" xmlns:r="http://schemas.openxmlformats.org/officeDocument/2006/relationships" xmlns:p="http://schemas.openxmlformats.org/presentationml/2006/main">
   <p:cSld>
     <p:spTree>
       <p:nvGrpSpPr>
@@ -5367,7 +6655,7 @@
         </p:nvSpPr>
         <p:spPr>
           <a:xfrm>
-            <a:off x="529920" y="759240"/>
+            <a:off x="529920" y="478683"/>
             <a:ext cx="8002080" cy="696960"/>
           </a:xfrm>
           <a:prstGeom prst="rect">
@@ -5379,13 +6667,20 @@
           </a:ln>
         </p:spPr>
         <p:style>
-          <a:lnRef idx="0"/>
-          <a:fillRef idx="0"/>
-          <a:effectRef idx="0"/>
+          <a:lnRef idx="0">
+            <a:scrgbClr r="0" g="0" b="0"/>
+          </a:lnRef>
+          <a:fillRef idx="0">
+            <a:scrgbClr r="0" g="0" b="0"/>
+          </a:fillRef>
+          <a:effectRef idx="0">
+            <a:scrgbClr r="0" g="0" b="0"/>
+          </a:effectRef>
           <a:fontRef idx="minor"/>
         </p:style>
         <p:txBody>
-          <a:bodyPr lIns="90000" rIns="90000" tIns="45000" bIns="45000" anchor="ctr"/>
+          <a:bodyPr lIns="90000" tIns="45000" rIns="90000" bIns="45000" anchor="ctr"/>
+          <a:lstStyle/>
           <a:p>
             <a:pPr>
               <a:lnSpc>
@@ -5393,39 +6688,76 @@
               </a:lnSpc>
             </a:pPr>
             <a:r>
-              <a:rPr b="1" lang="en-US" sz="3000" spc="-1" strike="noStrike">
+              <a:rPr lang="en-US" sz="3000" b="1" strike="noStrike" spc="-1" dirty="0">
                 <a:solidFill>
                   <a:srgbClr val="404041"/>
                 </a:solidFill>
                 <a:latin typeface="Arial"/>
                 <a:ea typeface="Arial"/>
               </a:rPr>
-              <a:t>Exploratory Analysis: Source of Fire</a:t>
-            </a:r>
-            <a:endParaRPr b="0" lang="en-US" sz="3000" spc="-1" strike="noStrike">
-              <a:latin typeface="Arial"/>
-            </a:endParaRPr>
-          </a:p>
-        </p:txBody>
-      </p:sp>
+              <a:t>Exploratory </a:t>
+            </a:r>
+            <a:r>
+              <a:rPr lang="en-US" sz="3000" b="1" strike="noStrike" spc="-1" dirty="0" smtClean="0">
+                <a:solidFill>
+                  <a:srgbClr val="404041"/>
+                </a:solidFill>
+                <a:latin typeface="Arial"/>
+                <a:ea typeface="Arial"/>
+              </a:rPr>
+              <a:t>Analysis: Freelance</a:t>
+            </a:r>
+            <a:endParaRPr lang="en-US" sz="3000" b="0" strike="noStrike" spc="-1" dirty="0">
+              <a:latin typeface="Arial"/>
+            </a:endParaRPr>
+          </a:p>
+        </p:txBody>
+      </p:sp>
+      <p:pic>
+        <p:nvPicPr>
+          <p:cNvPr id="3" name="Imagen 2"/>
+          <p:cNvPicPr>
+            <a:picLocks noChangeAspect="1"/>
+          </p:cNvPicPr>
+          <p:nvPr/>
+        </p:nvPicPr>
+        <p:blipFill>
+          <a:blip r:embed="rId2"/>
+          <a:stretch>
+            <a:fillRect/>
+          </a:stretch>
+        </p:blipFill>
+        <p:spPr>
+          <a:xfrm>
+            <a:off x="1411523" y="1490355"/>
+            <a:ext cx="5768596" cy="3214561"/>
+          </a:xfrm>
+          <a:prstGeom prst="rect">
+            <a:avLst/>
+          </a:prstGeom>
+        </p:spPr>
+      </p:pic>
     </p:spTree>
   </p:cSld>
+  <p:clrMapOvr>
+    <a:masterClrMapping/>
+  </p:clrMapOvr>
   <p:timing>
     <p:tnLst>
       <p:par>
-        <p:cTn id="39" dur="indefinite" restart="never" nodeType="tmRoot">
+        <p:cTn id="1" dur="indefinite" restart="never" nodeType="tmRoot">
           <p:childTnLst>
             <p:seq>
-              <p:cTn id="40" dur="indefinite" nodeType="mainSeq"/>
+              <p:cTn id="2" dur="indefinite" nodeType="mainSeq"/>
               <p:prevCondLst>
-                <p:cond delay="0" evt="onPrev">
+                <p:cond evt="onPrev" delay="0">
                   <p:tgtEl>
                     <p:sldTgt/>
                   </p:tgtEl>
                 </p:cond>
               </p:prevCondLst>
               <p:nextCondLst>
-                <p:cond delay="0" evt="onNext">
+                <p:cond evt="onNext" delay="0">
                   <p:tgtEl>
                     <p:sldTgt/>
                   </p:tgtEl>
@@ -5441,7 +6773,7 @@
 </file>
 
 <file path=ppt/slides/slide21.xml><?xml version="1.0" encoding="utf-8"?>
-<p:sld xmlns:a="http://schemas.openxmlformats.org/drawingml/2006/main" xmlns:p="http://schemas.openxmlformats.org/presentationml/2006/main" xmlns:r="http://schemas.openxmlformats.org/officeDocument/2006/relationships" xmlns:p14="http://schemas.microsoft.com/office/powerpoint/2010/main" xmlns:p15="http://schemas.microsoft.com/office/powerpoint/2012/main" xmlns:mc="http://schemas.openxmlformats.org/markup-compatibility/2006">
+<p:sld xmlns:a="http://schemas.openxmlformats.org/drawingml/2006/main" xmlns:r="http://schemas.openxmlformats.org/officeDocument/2006/relationships" xmlns:p="http://schemas.openxmlformats.org/presentationml/2006/main">
   <p:cSld>
     <p:spTree>
       <p:nvGrpSpPr>
@@ -5477,13 +6809,20 @@
           </a:ln>
         </p:spPr>
         <p:style>
-          <a:lnRef idx="0"/>
-          <a:fillRef idx="0"/>
-          <a:effectRef idx="0"/>
+          <a:lnRef idx="0">
+            <a:scrgbClr r="0" g="0" b="0"/>
+          </a:lnRef>
+          <a:fillRef idx="0">
+            <a:scrgbClr r="0" g="0" b="0"/>
+          </a:fillRef>
+          <a:effectRef idx="0">
+            <a:scrgbClr r="0" g="0" b="0"/>
+          </a:effectRef>
           <a:fontRef idx="minor"/>
         </p:style>
         <p:txBody>
-          <a:bodyPr lIns="90000" rIns="90000" tIns="45000" bIns="45000" anchor="ctr"/>
+          <a:bodyPr lIns="90000" tIns="45000" rIns="90000" bIns="45000" anchor="ctr"/>
+          <a:lstStyle/>
           <a:p>
             <a:pPr>
               <a:lnSpc>
@@ -5491,39 +6830,76 @@
               </a:lnSpc>
             </a:pPr>
             <a:r>
-              <a:rPr b="1" lang="en-US" sz="3000" spc="-1" strike="noStrike">
+              <a:rPr lang="en-US" sz="3000" b="1" strike="noStrike" spc="-1" dirty="0">
                 <a:solidFill>
                   <a:srgbClr val="404041"/>
                 </a:solidFill>
                 <a:latin typeface="Arial"/>
                 <a:ea typeface="Arial"/>
               </a:rPr>
-              <a:t>Exploratory Analysis: Coverage</a:t>
-            </a:r>
-            <a:endParaRPr b="0" lang="en-US" sz="3000" spc="-1" strike="noStrike">
-              <a:latin typeface="Arial"/>
-            </a:endParaRPr>
-          </a:p>
-        </p:txBody>
-      </p:sp>
+              <a:t>Exploratory Analysis</a:t>
+            </a:r>
+            <a:r>
+              <a:rPr lang="en-US" sz="3000" b="1" strike="noStrike" spc="-1" dirty="0" smtClean="0">
+                <a:solidFill>
+                  <a:srgbClr val="404041"/>
+                </a:solidFill>
+                <a:latin typeface="Arial"/>
+                <a:ea typeface="Arial"/>
+              </a:rPr>
+              <a:t>: Local</a:t>
+            </a:r>
+            <a:endParaRPr lang="en-US" sz="3000" b="0" strike="noStrike" spc="-1" dirty="0">
+              <a:latin typeface="Arial"/>
+            </a:endParaRPr>
+          </a:p>
+        </p:txBody>
+      </p:sp>
+      <p:pic>
+        <p:nvPicPr>
+          <p:cNvPr id="2" name="Imagen 1"/>
+          <p:cNvPicPr>
+            <a:picLocks noChangeAspect="1"/>
+          </p:cNvPicPr>
+          <p:nvPr/>
+        </p:nvPicPr>
+        <p:blipFill>
+          <a:blip r:embed="rId2"/>
+          <a:stretch>
+            <a:fillRect/>
+          </a:stretch>
+        </p:blipFill>
+        <p:spPr>
+          <a:xfrm>
+            <a:off x="1824572" y="2306783"/>
+            <a:ext cx="5412775" cy="1341726"/>
+          </a:xfrm>
+          <a:prstGeom prst="rect">
+            <a:avLst/>
+          </a:prstGeom>
+        </p:spPr>
+      </p:pic>
     </p:spTree>
   </p:cSld>
+  <p:clrMapOvr>
+    <a:masterClrMapping/>
+  </p:clrMapOvr>
   <p:timing>
     <p:tnLst>
       <p:par>
-        <p:cTn id="41" dur="indefinite" restart="never" nodeType="tmRoot">
+        <p:cTn id="1" dur="indefinite" restart="never" nodeType="tmRoot">
           <p:childTnLst>
             <p:seq>
-              <p:cTn id="42" dur="indefinite" nodeType="mainSeq"/>
+              <p:cTn id="2" dur="indefinite" nodeType="mainSeq"/>
               <p:prevCondLst>
-                <p:cond delay="0" evt="onPrev">
+                <p:cond evt="onPrev" delay="0">
                   <p:tgtEl>
                     <p:sldTgt/>
                   </p:tgtEl>
                 </p:cond>
               </p:prevCondLst>
               <p:nextCondLst>
-                <p:cond delay="0" evt="onNext">
+                <p:cond evt="onNext" delay="0">
                   <p:tgtEl>
                     <p:sldTgt/>
                   </p:tgtEl>
@@ -5539,7 +6915,7 @@
 </file>
 
 <file path=ppt/slides/slide22.xml><?xml version="1.0" encoding="utf-8"?>
-<p:sld xmlns:a="http://schemas.openxmlformats.org/drawingml/2006/main" xmlns:p="http://schemas.openxmlformats.org/presentationml/2006/main" xmlns:r="http://schemas.openxmlformats.org/officeDocument/2006/relationships" xmlns:p14="http://schemas.microsoft.com/office/powerpoint/2010/main" xmlns:p15="http://schemas.microsoft.com/office/powerpoint/2012/main" xmlns:mc="http://schemas.openxmlformats.org/markup-compatibility/2006">
+<p:sld xmlns:a="http://schemas.openxmlformats.org/drawingml/2006/main" xmlns:r="http://schemas.openxmlformats.org/officeDocument/2006/relationships" xmlns:p="http://schemas.openxmlformats.org/presentationml/2006/main">
   <p:cSld>
     <p:spTree>
       <p:nvGrpSpPr>
@@ -5557,13 +6933,13 @@
       </p:grpSpPr>
       <p:sp>
         <p:nvSpPr>
-          <p:cNvPr id="136" name="CustomShape 1"/>
+          <p:cNvPr id="135" name="CustomShape 1"/>
           <p:cNvSpPr/>
           <p:nvPr/>
         </p:nvSpPr>
         <p:spPr>
           <a:xfrm>
-            <a:off x="529920" y="759240"/>
+            <a:off x="529919" y="270863"/>
             <a:ext cx="8002080" cy="696960"/>
           </a:xfrm>
           <a:prstGeom prst="rect">
@@ -5575,13 +6951,20 @@
           </a:ln>
         </p:spPr>
         <p:style>
-          <a:lnRef idx="0"/>
-          <a:fillRef idx="0"/>
-          <a:effectRef idx="0"/>
+          <a:lnRef idx="0">
+            <a:scrgbClr r="0" g="0" b="0"/>
+          </a:lnRef>
+          <a:fillRef idx="0">
+            <a:scrgbClr r="0" g="0" b="0"/>
+          </a:fillRef>
+          <a:effectRef idx="0">
+            <a:scrgbClr r="0" g="0" b="0"/>
+          </a:effectRef>
           <a:fontRef idx="minor"/>
         </p:style>
         <p:txBody>
-          <a:bodyPr lIns="90000" rIns="90000" tIns="45000" bIns="45000" anchor="ctr"/>
+          <a:bodyPr lIns="90000" tIns="45000" rIns="90000" bIns="45000" anchor="ctr"/>
+          <a:lstStyle/>
           <a:p>
             <a:pPr>
               <a:lnSpc>
@@ -5589,39 +6972,81 @@
               </a:lnSpc>
             </a:pPr>
             <a:r>
-              <a:rPr b="1" lang="en-US" sz="3000" spc="-1" strike="noStrike">
+              <a:rPr lang="en-US" sz="3000" b="1" strike="noStrike" spc="-1" dirty="0">
                 <a:solidFill>
                   <a:srgbClr val="404041"/>
                 </a:solidFill>
                 <a:latin typeface="Arial"/>
                 <a:ea typeface="Arial"/>
               </a:rPr>
-              <a:t>Data Map: Country Codes</a:t>
-            </a:r>
-            <a:endParaRPr b="0" lang="en-US" sz="3000" spc="-1" strike="noStrike">
-              <a:latin typeface="Arial"/>
-            </a:endParaRPr>
-          </a:p>
-        </p:txBody>
-      </p:sp>
+              <a:t>Exploratory Analysis</a:t>
+            </a:r>
+            <a:r>
+              <a:rPr lang="en-US" sz="3000" b="1" strike="noStrike" spc="-1" dirty="0" smtClean="0">
+                <a:solidFill>
+                  <a:srgbClr val="404041"/>
+                </a:solidFill>
+                <a:latin typeface="Arial"/>
+                <a:ea typeface="Arial"/>
+              </a:rPr>
+              <a:t>: Impunity of Murder</a:t>
+            </a:r>
+            <a:endParaRPr lang="en-US" sz="3000" b="0" strike="noStrike" spc="-1" dirty="0">
+              <a:latin typeface="Arial"/>
+            </a:endParaRPr>
+          </a:p>
+        </p:txBody>
+      </p:sp>
+      <p:pic>
+        <p:nvPicPr>
+          <p:cNvPr id="3" name="Imagen 2"/>
+          <p:cNvPicPr>
+            <a:picLocks noChangeAspect="1"/>
+          </p:cNvPicPr>
+          <p:nvPr/>
+        </p:nvPicPr>
+        <p:blipFill>
+          <a:blip r:embed="rId2"/>
+          <a:stretch>
+            <a:fillRect/>
+          </a:stretch>
+        </p:blipFill>
+        <p:spPr>
+          <a:xfrm>
+            <a:off x="1431915" y="1402597"/>
+            <a:ext cx="6198088" cy="3146456"/>
+          </a:xfrm>
+          <a:prstGeom prst="rect">
+            <a:avLst/>
+          </a:prstGeom>
+        </p:spPr>
+      </p:pic>
     </p:spTree>
+    <p:extLst>
+      <p:ext uri="{BB962C8B-B14F-4D97-AF65-F5344CB8AC3E}">
+        <p14:creationId xmlns:p14="http://schemas.microsoft.com/office/powerpoint/2010/main" val="4072888775"/>
+      </p:ext>
+    </p:extLst>
   </p:cSld>
+  <p:clrMapOvr>
+    <a:masterClrMapping/>
+  </p:clrMapOvr>
   <p:timing>
     <p:tnLst>
       <p:par>
-        <p:cTn id="43" dur="indefinite" restart="never" nodeType="tmRoot">
+        <p:cTn id="1" dur="indefinite" restart="never" nodeType="tmRoot">
           <p:childTnLst>
             <p:seq>
-              <p:cTn id="44" dur="indefinite" nodeType="mainSeq"/>
+              <p:cTn id="2" dur="indefinite" nodeType="mainSeq"/>
               <p:prevCondLst>
-                <p:cond delay="0" evt="onPrev">
+                <p:cond evt="onPrev" delay="0">
                   <p:tgtEl>
                     <p:sldTgt/>
                   </p:tgtEl>
                 </p:cond>
               </p:prevCondLst>
               <p:nextCondLst>
-                <p:cond delay="0" evt="onNext">
+                <p:cond evt="onNext" delay="0">
                   <p:tgtEl>
                     <p:sldTgt/>
                   </p:tgtEl>
@@ -5637,7 +7062,7 @@
 </file>
 
 <file path=ppt/slides/slide23.xml><?xml version="1.0" encoding="utf-8"?>
-<p:sld xmlns:a="http://schemas.openxmlformats.org/drawingml/2006/main" xmlns:p="http://schemas.openxmlformats.org/presentationml/2006/main" xmlns:r="http://schemas.openxmlformats.org/officeDocument/2006/relationships" xmlns:p14="http://schemas.microsoft.com/office/powerpoint/2010/main" xmlns:p15="http://schemas.microsoft.com/office/powerpoint/2012/main" xmlns:mc="http://schemas.openxmlformats.org/markup-compatibility/2006">
+<p:sld xmlns:a="http://schemas.openxmlformats.org/drawingml/2006/main" xmlns:r="http://schemas.openxmlformats.org/officeDocument/2006/relationships" xmlns:p="http://schemas.openxmlformats.org/presentationml/2006/main">
   <p:cSld>
     <p:spTree>
       <p:nvGrpSpPr>
@@ -5655,7 +7080,7 @@
       </p:grpSpPr>
       <p:sp>
         <p:nvSpPr>
-          <p:cNvPr id="137" name="CustomShape 1"/>
+          <p:cNvPr id="136" name="CustomShape 1"/>
           <p:cNvSpPr/>
           <p:nvPr/>
         </p:nvSpPr>
@@ -5673,13 +7098,20 @@
           </a:ln>
         </p:spPr>
         <p:style>
-          <a:lnRef idx="0"/>
-          <a:fillRef idx="0"/>
-          <a:effectRef idx="0"/>
+          <a:lnRef idx="0">
+            <a:scrgbClr r="0" g="0" b="0"/>
+          </a:lnRef>
+          <a:fillRef idx="0">
+            <a:scrgbClr r="0" g="0" b="0"/>
+          </a:fillRef>
+          <a:effectRef idx="0">
+            <a:scrgbClr r="0" g="0" b="0"/>
+          </a:effectRef>
           <a:fontRef idx="minor"/>
         </p:style>
         <p:txBody>
-          <a:bodyPr lIns="90000" rIns="90000" tIns="45000" bIns="45000" anchor="ctr"/>
+          <a:bodyPr lIns="90000" tIns="45000" rIns="90000" bIns="45000" anchor="ctr"/>
+          <a:lstStyle/>
           <a:p>
             <a:pPr>
               <a:lnSpc>
@@ -5687,39 +7119,66 @@
               </a:lnSpc>
             </a:pPr>
             <a:r>
-              <a:rPr b="1" lang="en-US" sz="3000" spc="-1" strike="noStrike">
+              <a:rPr lang="en-US" sz="3000" b="1" strike="noStrike" spc="-1">
                 <a:solidFill>
                   <a:srgbClr val="404041"/>
                 </a:solidFill>
                 <a:latin typeface="Arial"/>
                 <a:ea typeface="Arial"/>
               </a:rPr>
-              <a:t>Data Map: 1992 - 2016</a:t>
-            </a:r>
-            <a:endParaRPr b="0" lang="en-US" sz="3000" spc="-1" strike="noStrike">
-              <a:latin typeface="Arial"/>
-            </a:endParaRPr>
-          </a:p>
-        </p:txBody>
-      </p:sp>
+              <a:t>Data Map: Country Codes</a:t>
+            </a:r>
+            <a:endParaRPr lang="en-US" sz="3000" b="0" strike="noStrike" spc="-1">
+              <a:latin typeface="Arial"/>
+            </a:endParaRPr>
+          </a:p>
+        </p:txBody>
+      </p:sp>
+      <p:pic>
+        <p:nvPicPr>
+          <p:cNvPr id="2" name="Imagen 1"/>
+          <p:cNvPicPr>
+            <a:picLocks noChangeAspect="1"/>
+          </p:cNvPicPr>
+          <p:nvPr/>
+        </p:nvPicPr>
+        <p:blipFill>
+          <a:blip r:embed="rId2"/>
+          <a:stretch>
+            <a:fillRect/>
+          </a:stretch>
+        </p:blipFill>
+        <p:spPr>
+          <a:xfrm>
+            <a:off x="1053812" y="1456200"/>
+            <a:ext cx="5581650" cy="2962275"/>
+          </a:xfrm>
+          <a:prstGeom prst="rect">
+            <a:avLst/>
+          </a:prstGeom>
+        </p:spPr>
+      </p:pic>
     </p:spTree>
   </p:cSld>
+  <p:clrMapOvr>
+    <a:masterClrMapping/>
+  </p:clrMapOvr>
   <p:timing>
     <p:tnLst>
       <p:par>
-        <p:cTn id="45" dur="indefinite" restart="never" nodeType="tmRoot">
+        <p:cTn id="1" dur="indefinite" restart="never" nodeType="tmRoot">
           <p:childTnLst>
             <p:seq>
-              <p:cTn id="46" dur="indefinite" nodeType="mainSeq"/>
+              <p:cTn id="2" dur="indefinite" nodeType="mainSeq"/>
               <p:prevCondLst>
-                <p:cond delay="0" evt="onPrev">
+                <p:cond evt="onPrev" delay="0">
                   <p:tgtEl>
                     <p:sldTgt/>
                   </p:tgtEl>
                 </p:cond>
               </p:prevCondLst>
               <p:nextCondLst>
-                <p:cond delay="0" evt="onNext">
+                <p:cond evt="onNext" delay="0">
                   <p:tgtEl>
                     <p:sldTgt/>
                   </p:tgtEl>
@@ -5735,7 +7194,7 @@
 </file>
 
 <file path=ppt/slides/slide24.xml><?xml version="1.0" encoding="utf-8"?>
-<p:sld xmlns:a="http://schemas.openxmlformats.org/drawingml/2006/main" xmlns:p="http://schemas.openxmlformats.org/presentationml/2006/main" xmlns:r="http://schemas.openxmlformats.org/officeDocument/2006/relationships" xmlns:p14="http://schemas.microsoft.com/office/powerpoint/2010/main" xmlns:p15="http://schemas.microsoft.com/office/powerpoint/2012/main" xmlns:mc="http://schemas.openxmlformats.org/markup-compatibility/2006">
+<p:sld xmlns:a="http://schemas.openxmlformats.org/drawingml/2006/main" xmlns:r="http://schemas.openxmlformats.org/officeDocument/2006/relationships" xmlns:p="http://schemas.openxmlformats.org/presentationml/2006/main">
   <p:cSld>
     <p:spTree>
       <p:nvGrpSpPr>
@@ -5753,13 +7212,13 @@
       </p:grpSpPr>
       <p:sp>
         <p:nvSpPr>
-          <p:cNvPr id="138" name="CustomShape 1"/>
+          <p:cNvPr id="137" name="CustomShape 1"/>
           <p:cNvSpPr/>
           <p:nvPr/>
         </p:nvSpPr>
         <p:spPr>
           <a:xfrm>
-            <a:off x="529920" y="759240"/>
+            <a:off x="529920" y="73434"/>
             <a:ext cx="8002080" cy="696960"/>
           </a:xfrm>
           <a:prstGeom prst="rect">
@@ -5771,13 +7230,20 @@
           </a:ln>
         </p:spPr>
         <p:style>
-          <a:lnRef idx="0"/>
-          <a:fillRef idx="0"/>
-          <a:effectRef idx="0"/>
+          <a:lnRef idx="0">
+            <a:scrgbClr r="0" g="0" b="0"/>
+          </a:lnRef>
+          <a:fillRef idx="0">
+            <a:scrgbClr r="0" g="0" b="0"/>
+          </a:fillRef>
+          <a:effectRef idx="0">
+            <a:scrgbClr r="0" g="0" b="0"/>
+          </a:effectRef>
           <a:fontRef idx="minor"/>
         </p:style>
         <p:txBody>
-          <a:bodyPr lIns="90000" rIns="90000" tIns="45000" bIns="45000" anchor="ctr"/>
+          <a:bodyPr lIns="90000" tIns="45000" rIns="90000" bIns="45000" anchor="ctr"/>
+          <a:lstStyle/>
           <a:p>
             <a:pPr>
               <a:lnSpc>
@@ -5785,39 +7251,66 @@
               </a:lnSpc>
             </a:pPr>
             <a:r>
-              <a:rPr b="1" lang="en-US" sz="3000" spc="-1" strike="noStrike">
+              <a:rPr lang="en-US" sz="3000" b="1" strike="noStrike" spc="-1" dirty="0">
                 <a:solidFill>
                   <a:srgbClr val="404041"/>
                 </a:solidFill>
                 <a:latin typeface="Arial"/>
                 <a:ea typeface="Arial"/>
               </a:rPr>
-              <a:t>Data Map: # some interesting years</a:t>
-            </a:r>
-            <a:endParaRPr b="0" lang="en-US" sz="3000" spc="-1" strike="noStrike">
-              <a:latin typeface="Arial"/>
-            </a:endParaRPr>
-          </a:p>
-        </p:txBody>
-      </p:sp>
+              <a:t>Data Map: 1992 - 2016</a:t>
+            </a:r>
+            <a:endParaRPr lang="en-US" sz="3000" b="0" strike="noStrike" spc="-1" dirty="0">
+              <a:latin typeface="Arial"/>
+            </a:endParaRPr>
+          </a:p>
+        </p:txBody>
+      </p:sp>
+      <p:pic>
+        <p:nvPicPr>
+          <p:cNvPr id="5" name="Imagen 4"/>
+          <p:cNvPicPr>
+            <a:picLocks noChangeAspect="1"/>
+          </p:cNvPicPr>
+          <p:nvPr/>
+        </p:nvPicPr>
+        <p:blipFill>
+          <a:blip r:embed="rId2"/>
+          <a:stretch>
+            <a:fillRect/>
+          </a:stretch>
+        </p:blipFill>
+        <p:spPr>
+          <a:xfrm>
+            <a:off x="961548" y="976045"/>
+            <a:ext cx="7162514" cy="3683131"/>
+          </a:xfrm>
+          <a:prstGeom prst="rect">
+            <a:avLst/>
+          </a:prstGeom>
+        </p:spPr>
+      </p:pic>
     </p:spTree>
   </p:cSld>
+  <p:clrMapOvr>
+    <a:masterClrMapping/>
+  </p:clrMapOvr>
   <p:timing>
     <p:tnLst>
       <p:par>
-        <p:cTn id="47" dur="indefinite" restart="never" nodeType="tmRoot">
+        <p:cTn id="1" dur="indefinite" restart="never" nodeType="tmRoot">
           <p:childTnLst>
             <p:seq>
-              <p:cTn id="48" dur="indefinite" nodeType="mainSeq"/>
+              <p:cTn id="2" dur="indefinite" nodeType="mainSeq"/>
               <p:prevCondLst>
-                <p:cond delay="0" evt="onPrev">
+                <p:cond evt="onPrev" delay="0">
                   <p:tgtEl>
                     <p:sldTgt/>
                   </p:tgtEl>
                 </p:cond>
               </p:prevCondLst>
               <p:nextCondLst>
-                <p:cond delay="0" evt="onNext">
+                <p:cond evt="onNext" delay="0">
                   <p:tgtEl>
                     <p:sldTgt/>
                   </p:tgtEl>
@@ -5833,7 +7326,7 @@
 </file>
 
 <file path=ppt/slides/slide25.xml><?xml version="1.0" encoding="utf-8"?>
-<p:sld xmlns:a="http://schemas.openxmlformats.org/drawingml/2006/main" xmlns:p="http://schemas.openxmlformats.org/presentationml/2006/main" xmlns:r="http://schemas.openxmlformats.org/officeDocument/2006/relationships" xmlns:p14="http://schemas.microsoft.com/office/powerpoint/2010/main" xmlns:p15="http://schemas.microsoft.com/office/powerpoint/2012/main" xmlns:mc="http://schemas.openxmlformats.org/markup-compatibility/2006">
+<p:sld xmlns:a="http://schemas.openxmlformats.org/drawingml/2006/main" xmlns:r="http://schemas.openxmlformats.org/officeDocument/2006/relationships" xmlns:p="http://schemas.openxmlformats.org/presentationml/2006/main">
   <p:cSld>
     <p:spTree>
       <p:nvGrpSpPr>
@@ -5851,13 +7344,13 @@
       </p:grpSpPr>
       <p:sp>
         <p:nvSpPr>
-          <p:cNvPr id="139" name="CustomShape 1"/>
+          <p:cNvPr id="138" name="CustomShape 1"/>
           <p:cNvSpPr/>
           <p:nvPr/>
         </p:nvSpPr>
         <p:spPr>
           <a:xfrm>
-            <a:off x="529920" y="759240"/>
+            <a:off x="529920" y="260472"/>
             <a:ext cx="8002080" cy="696960"/>
           </a:xfrm>
           <a:prstGeom prst="rect">
@@ -5869,13 +7362,20 @@
           </a:ln>
         </p:spPr>
         <p:style>
-          <a:lnRef idx="0"/>
-          <a:fillRef idx="0"/>
-          <a:effectRef idx="0"/>
+          <a:lnRef idx="0">
+            <a:scrgbClr r="0" g="0" b="0"/>
+          </a:lnRef>
+          <a:fillRef idx="0">
+            <a:scrgbClr r="0" g="0" b="0"/>
+          </a:fillRef>
+          <a:effectRef idx="0">
+            <a:scrgbClr r="0" g="0" b="0"/>
+          </a:effectRef>
           <a:fontRef idx="minor"/>
         </p:style>
         <p:txBody>
-          <a:bodyPr lIns="90000" rIns="90000" tIns="45000" bIns="45000" anchor="ctr"/>
+          <a:bodyPr lIns="90000" tIns="45000" rIns="90000" bIns="45000" anchor="ctr"/>
+          <a:lstStyle/>
           <a:p>
             <a:pPr>
               <a:lnSpc>
@@ -5883,39 +7383,76 @@
               </a:lnSpc>
             </a:pPr>
             <a:r>
-              <a:rPr b="1" lang="en-US" sz="3000" spc="-1" strike="noStrike">
+              <a:rPr lang="en-US" sz="3000" b="1" strike="noStrike" spc="-1" dirty="0">
                 <a:solidFill>
                   <a:srgbClr val="404041"/>
                 </a:solidFill>
                 <a:latin typeface="Arial"/>
                 <a:ea typeface="Arial"/>
               </a:rPr>
-              <a:t>Network Graph: 1992-2016</a:t>
-            </a:r>
-            <a:endParaRPr b="0" lang="en-US" sz="3000" spc="-1" strike="noStrike">
-              <a:latin typeface="Arial"/>
-            </a:endParaRPr>
-          </a:p>
-        </p:txBody>
-      </p:sp>
+              <a:t>Data </a:t>
+            </a:r>
+            <a:r>
+              <a:rPr lang="en-US" sz="3000" b="1" strike="noStrike" spc="-1" dirty="0" smtClean="0">
+                <a:solidFill>
+                  <a:srgbClr val="404041"/>
+                </a:solidFill>
+                <a:latin typeface="Arial"/>
+                <a:ea typeface="Arial"/>
+              </a:rPr>
+              <a:t>Map:2006 Philippines massacre</a:t>
+            </a:r>
+            <a:endParaRPr lang="en-US" sz="3000" b="0" strike="noStrike" spc="-1" dirty="0">
+              <a:latin typeface="Arial"/>
+            </a:endParaRPr>
+          </a:p>
+        </p:txBody>
+      </p:sp>
+      <p:pic>
+        <p:nvPicPr>
+          <p:cNvPr id="3" name="Imagen 2"/>
+          <p:cNvPicPr>
+            <a:picLocks noChangeAspect="1"/>
+          </p:cNvPicPr>
+          <p:nvPr/>
+        </p:nvPicPr>
+        <p:blipFill>
+          <a:blip r:embed="rId2"/>
+          <a:stretch>
+            <a:fillRect/>
+          </a:stretch>
+        </p:blipFill>
+        <p:spPr>
+          <a:xfrm>
+            <a:off x="1062471" y="882311"/>
+            <a:ext cx="7229475" cy="3827369"/>
+          </a:xfrm>
+          <a:prstGeom prst="rect">
+            <a:avLst/>
+          </a:prstGeom>
+        </p:spPr>
+      </p:pic>
     </p:spTree>
   </p:cSld>
+  <p:clrMapOvr>
+    <a:masterClrMapping/>
+  </p:clrMapOvr>
   <p:timing>
     <p:tnLst>
       <p:par>
-        <p:cTn id="49" dur="indefinite" restart="never" nodeType="tmRoot">
+        <p:cTn id="1" dur="indefinite" restart="never" nodeType="tmRoot">
           <p:childTnLst>
             <p:seq>
-              <p:cTn id="50" dur="indefinite" nodeType="mainSeq"/>
+              <p:cTn id="2" dur="indefinite" nodeType="mainSeq"/>
               <p:prevCondLst>
-                <p:cond delay="0" evt="onPrev">
+                <p:cond evt="onPrev" delay="0">
                   <p:tgtEl>
                     <p:sldTgt/>
                   </p:tgtEl>
                 </p:cond>
               </p:prevCondLst>
               <p:nextCondLst>
-                <p:cond delay="0" evt="onNext">
+                <p:cond evt="onNext" delay="0">
                   <p:tgtEl>
                     <p:sldTgt/>
                   </p:tgtEl>
@@ -5931,7 +7468,7 @@
 </file>
 
 <file path=ppt/slides/slide26.xml><?xml version="1.0" encoding="utf-8"?>
-<p:sld xmlns:a="http://schemas.openxmlformats.org/drawingml/2006/main" xmlns:p="http://schemas.openxmlformats.org/presentationml/2006/main" xmlns:r="http://schemas.openxmlformats.org/officeDocument/2006/relationships" xmlns:p14="http://schemas.microsoft.com/office/powerpoint/2010/main" xmlns:p15="http://schemas.microsoft.com/office/powerpoint/2012/main" xmlns:mc="http://schemas.openxmlformats.org/markup-compatibility/2006">
+<p:sld xmlns:a="http://schemas.openxmlformats.org/drawingml/2006/main" xmlns:r="http://schemas.openxmlformats.org/officeDocument/2006/relationships" xmlns:p="http://schemas.openxmlformats.org/presentationml/2006/main">
   <p:cSld>
     <p:spTree>
       <p:nvGrpSpPr>
@@ -5949,13 +7486,13 @@
       </p:grpSpPr>
       <p:sp>
         <p:nvSpPr>
-          <p:cNvPr id="140" name="CustomShape 1"/>
+          <p:cNvPr id="138" name="CustomShape 1"/>
           <p:cNvSpPr/>
           <p:nvPr/>
         </p:nvSpPr>
         <p:spPr>
           <a:xfrm>
-            <a:off x="529920" y="759240"/>
+            <a:off x="529920" y="260472"/>
             <a:ext cx="8002080" cy="696960"/>
           </a:xfrm>
           <a:prstGeom prst="rect">
@@ -5967,13 +7504,20 @@
           </a:ln>
         </p:spPr>
         <p:style>
-          <a:lnRef idx="0"/>
-          <a:fillRef idx="0"/>
-          <a:effectRef idx="0"/>
+          <a:lnRef idx="0">
+            <a:scrgbClr r="0" g="0" b="0"/>
+          </a:lnRef>
+          <a:fillRef idx="0">
+            <a:scrgbClr r="0" g="0" b="0"/>
+          </a:fillRef>
+          <a:effectRef idx="0">
+            <a:scrgbClr r="0" g="0" b="0"/>
+          </a:effectRef>
           <a:fontRef idx="minor"/>
         </p:style>
         <p:txBody>
-          <a:bodyPr lIns="90000" rIns="90000" tIns="45000" bIns="45000" anchor="ctr"/>
+          <a:bodyPr lIns="90000" tIns="45000" rIns="90000" bIns="45000" anchor="ctr"/>
+          <a:lstStyle/>
           <a:p>
             <a:pPr>
               <a:lnSpc>
@@ -5981,39 +7525,101 @@
               </a:lnSpc>
             </a:pPr>
             <a:r>
-              <a:rPr b="1" lang="en-US" sz="3000" spc="-1" strike="noStrike">
+              <a:rPr lang="en-US" sz="3000" b="1" strike="noStrike" spc="-1" dirty="0">
                 <a:solidFill>
                   <a:srgbClr val="404041"/>
                 </a:solidFill>
                 <a:latin typeface="Arial"/>
                 <a:ea typeface="Arial"/>
               </a:rPr>
-              <a:t>Network Graph: #some interesting years</a:t>
-            </a:r>
-            <a:endParaRPr b="0" lang="en-US" sz="3000" spc="-1" strike="noStrike">
-              <a:latin typeface="Arial"/>
-            </a:endParaRPr>
-          </a:p>
-        </p:txBody>
-      </p:sp>
+              <a:t>Data </a:t>
+            </a:r>
+            <a:r>
+              <a:rPr lang="en-US" sz="3000" b="1" strike="noStrike" spc="-1" dirty="0" smtClean="0">
+                <a:solidFill>
+                  <a:srgbClr val="404041"/>
+                </a:solidFill>
+                <a:latin typeface="Arial"/>
+                <a:ea typeface="Arial"/>
+              </a:rPr>
+              <a:t>Map:2012 rise of deaths in </a:t>
+            </a:r>
+            <a:r>
+              <a:rPr lang="en-US" sz="3000" b="1" spc="-1" dirty="0">
+                <a:solidFill>
+                  <a:srgbClr val="404041"/>
+                </a:solidFill>
+                <a:latin typeface="Arial"/>
+                <a:ea typeface="Arial"/>
+              </a:rPr>
+              <a:t>S</a:t>
+            </a:r>
+            <a:r>
+              <a:rPr lang="en-US" sz="3000" b="1" strike="noStrike" spc="-1" dirty="0" smtClean="0">
+                <a:solidFill>
+                  <a:srgbClr val="404041"/>
+                </a:solidFill>
+                <a:latin typeface="Arial"/>
+                <a:ea typeface="Arial"/>
+              </a:rPr>
+              <a:t>yria</a:t>
+            </a:r>
+            <a:endParaRPr lang="en-US" sz="3000" b="0" strike="noStrike" spc="-1" dirty="0">
+              <a:latin typeface="Arial"/>
+            </a:endParaRPr>
+          </a:p>
+        </p:txBody>
+      </p:sp>
+      <p:pic>
+        <p:nvPicPr>
+          <p:cNvPr id="4" name="Imagen 3"/>
+          <p:cNvPicPr>
+            <a:picLocks noChangeAspect="1"/>
+          </p:cNvPicPr>
+          <p:nvPr/>
+        </p:nvPicPr>
+        <p:blipFill>
+          <a:blip r:embed="rId2"/>
+          <a:stretch>
+            <a:fillRect/>
+          </a:stretch>
+        </p:blipFill>
+        <p:spPr>
+          <a:xfrm>
+            <a:off x="1048923" y="1060613"/>
+            <a:ext cx="6964074" cy="3591916"/>
+          </a:xfrm>
+          <a:prstGeom prst="rect">
+            <a:avLst/>
+          </a:prstGeom>
+        </p:spPr>
+      </p:pic>
     </p:spTree>
+    <p:extLst>
+      <p:ext uri="{BB962C8B-B14F-4D97-AF65-F5344CB8AC3E}">
+        <p14:creationId xmlns:p14="http://schemas.microsoft.com/office/powerpoint/2010/main" val="2878631577"/>
+      </p:ext>
+    </p:extLst>
   </p:cSld>
+  <p:clrMapOvr>
+    <a:masterClrMapping/>
+  </p:clrMapOvr>
   <p:timing>
     <p:tnLst>
       <p:par>
-        <p:cTn id="51" dur="indefinite" restart="never" nodeType="tmRoot">
+        <p:cTn id="1" dur="indefinite" restart="never" nodeType="tmRoot">
           <p:childTnLst>
             <p:seq>
-              <p:cTn id="52" dur="indefinite" nodeType="mainSeq"/>
+              <p:cTn id="2" dur="indefinite" nodeType="mainSeq"/>
               <p:prevCondLst>
-                <p:cond delay="0" evt="onPrev">
+                <p:cond evt="onPrev" delay="0">
                   <p:tgtEl>
                     <p:sldTgt/>
                   </p:tgtEl>
                 </p:cond>
               </p:prevCondLst>
               <p:nextCondLst>
-                <p:cond delay="0" evt="onNext">
+                <p:cond evt="onNext" delay="0">
                   <p:tgtEl>
                     <p:sldTgt/>
                   </p:tgtEl>
@@ -6029,7 +7635,7 @@
 </file>
 
 <file path=ppt/slides/slide27.xml><?xml version="1.0" encoding="utf-8"?>
-<p:sld xmlns:a="http://schemas.openxmlformats.org/drawingml/2006/main" xmlns:p="http://schemas.openxmlformats.org/presentationml/2006/main" xmlns:r="http://schemas.openxmlformats.org/officeDocument/2006/relationships" xmlns:p14="http://schemas.microsoft.com/office/powerpoint/2010/main" xmlns:p15="http://schemas.microsoft.com/office/powerpoint/2012/main" xmlns:mc="http://schemas.openxmlformats.org/markup-compatibility/2006">
+<p:sld xmlns:a="http://schemas.openxmlformats.org/drawingml/2006/main" xmlns:r="http://schemas.openxmlformats.org/officeDocument/2006/relationships" xmlns:p="http://schemas.openxmlformats.org/presentationml/2006/main">
   <p:cSld>
     <p:spTree>
       <p:nvGrpSpPr>
@@ -6047,13 +7653,13 @@
       </p:grpSpPr>
       <p:sp>
         <p:nvSpPr>
-          <p:cNvPr id="141" name="CustomShape 1"/>
+          <p:cNvPr id="138" name="CustomShape 1"/>
           <p:cNvSpPr/>
           <p:nvPr/>
         </p:nvSpPr>
         <p:spPr>
           <a:xfrm>
-            <a:off x="529920" y="759240"/>
+            <a:off x="529920" y="146171"/>
             <a:ext cx="8002080" cy="696960"/>
           </a:xfrm>
           <a:prstGeom prst="rect">
@@ -6065,13 +7671,20 @@
           </a:ln>
         </p:spPr>
         <p:style>
-          <a:lnRef idx="0"/>
-          <a:fillRef idx="0"/>
-          <a:effectRef idx="0"/>
+          <a:lnRef idx="0">
+            <a:scrgbClr r="0" g="0" b="0"/>
+          </a:lnRef>
+          <a:fillRef idx="0">
+            <a:scrgbClr r="0" g="0" b="0"/>
+          </a:fillRef>
+          <a:effectRef idx="0">
+            <a:scrgbClr r="0" g="0" b="0"/>
+          </a:effectRef>
           <a:fontRef idx="minor"/>
         </p:style>
         <p:txBody>
-          <a:bodyPr lIns="90000" rIns="90000" tIns="45000" bIns="45000" anchor="ctr"/>
+          <a:bodyPr lIns="90000" tIns="45000" rIns="90000" bIns="45000" anchor="ctr"/>
+          <a:lstStyle/>
           <a:p>
             <a:pPr>
               <a:lnSpc>
@@ -6079,39 +7692,91 @@
               </a:lnSpc>
             </a:pPr>
             <a:r>
-              <a:rPr b="1" lang="en-US" sz="3000" spc="-1" strike="noStrike">
+              <a:rPr lang="en-US" sz="3000" b="1" strike="noStrike" spc="-1" dirty="0">
                 <a:solidFill>
                   <a:srgbClr val="404041"/>
                 </a:solidFill>
                 <a:latin typeface="Arial"/>
                 <a:ea typeface="Arial"/>
               </a:rPr>
-              <a:t>Interesting Observations</a:t>
-            </a:r>
-            <a:endParaRPr b="0" lang="en-US" sz="3000" spc="-1" strike="noStrike">
-              <a:latin typeface="Arial"/>
-            </a:endParaRPr>
-          </a:p>
-        </p:txBody>
-      </p:sp>
+              <a:t>Data </a:t>
+            </a:r>
+            <a:r>
+              <a:rPr lang="en-US" sz="3000" b="1" strike="noStrike" spc="-1" dirty="0" smtClean="0">
+                <a:solidFill>
+                  <a:srgbClr val="404041"/>
+                </a:solidFill>
+                <a:latin typeface="Arial"/>
+                <a:ea typeface="Arial"/>
+              </a:rPr>
+              <a:t>Map:1995 Algerian Civi</a:t>
+            </a:r>
+            <a:r>
+              <a:rPr lang="en-US" sz="3000" b="1" spc="-1" dirty="0" smtClean="0">
+                <a:solidFill>
+                  <a:srgbClr val="404041"/>
+                </a:solidFill>
+                <a:latin typeface="Arial"/>
+                <a:ea typeface="Arial"/>
+              </a:rPr>
+              <a:t>l War</a:t>
+            </a:r>
+            <a:endParaRPr lang="en-US" sz="3000" b="0" strike="noStrike" spc="-1" dirty="0">
+              <a:latin typeface="Arial"/>
+            </a:endParaRPr>
+          </a:p>
+        </p:txBody>
+      </p:sp>
+      <p:pic>
+        <p:nvPicPr>
+          <p:cNvPr id="2" name="Imagen 1"/>
+          <p:cNvPicPr>
+            <a:picLocks noChangeAspect="1"/>
+          </p:cNvPicPr>
+          <p:nvPr/>
+        </p:nvPicPr>
+        <p:blipFill>
+          <a:blip r:embed="rId2"/>
+          <a:stretch>
+            <a:fillRect/>
+          </a:stretch>
+        </p:blipFill>
+        <p:spPr>
+          <a:xfrm>
+            <a:off x="998393" y="947041"/>
+            <a:ext cx="7366289" cy="3755679"/>
+          </a:xfrm>
+          <a:prstGeom prst="rect">
+            <a:avLst/>
+          </a:prstGeom>
+        </p:spPr>
+      </p:pic>
     </p:spTree>
+    <p:extLst>
+      <p:ext uri="{BB962C8B-B14F-4D97-AF65-F5344CB8AC3E}">
+        <p14:creationId xmlns:p14="http://schemas.microsoft.com/office/powerpoint/2010/main" val="2116996356"/>
+      </p:ext>
+    </p:extLst>
   </p:cSld>
+  <p:clrMapOvr>
+    <a:masterClrMapping/>
+  </p:clrMapOvr>
   <p:timing>
     <p:tnLst>
       <p:par>
-        <p:cTn id="53" dur="indefinite" restart="never" nodeType="tmRoot">
+        <p:cTn id="1" dur="indefinite" restart="never" nodeType="tmRoot">
           <p:childTnLst>
             <p:seq>
-              <p:cTn id="54" dur="indefinite" nodeType="mainSeq"/>
+              <p:cTn id="2" dur="indefinite" nodeType="mainSeq"/>
               <p:prevCondLst>
-                <p:cond delay="0" evt="onPrev">
+                <p:cond evt="onPrev" delay="0">
                   <p:tgtEl>
                     <p:sldTgt/>
                   </p:tgtEl>
                 </p:cond>
               </p:prevCondLst>
               <p:nextCondLst>
-                <p:cond delay="0" evt="onNext">
+                <p:cond evt="onNext" delay="0">
                   <p:tgtEl>
                     <p:sldTgt/>
                   </p:tgtEl>
@@ -6127,7 +7792,7 @@
 </file>
 
 <file path=ppt/slides/slide28.xml><?xml version="1.0" encoding="utf-8"?>
-<p:sld xmlns:a="http://schemas.openxmlformats.org/drawingml/2006/main" xmlns:p="http://schemas.openxmlformats.org/presentationml/2006/main" xmlns:r="http://schemas.openxmlformats.org/officeDocument/2006/relationships" xmlns:p14="http://schemas.microsoft.com/office/powerpoint/2010/main" xmlns:p15="http://schemas.microsoft.com/office/powerpoint/2012/main" xmlns:mc="http://schemas.openxmlformats.org/markup-compatibility/2006">
+<p:sld xmlns:a="http://schemas.openxmlformats.org/drawingml/2006/main" xmlns:r="http://schemas.openxmlformats.org/officeDocument/2006/relationships" xmlns:p="http://schemas.openxmlformats.org/presentationml/2006/main">
   <p:cSld>
     <p:spTree>
       <p:nvGrpSpPr>
@@ -6145,13 +7810,13 @@
       </p:grpSpPr>
       <p:sp>
         <p:nvSpPr>
-          <p:cNvPr id="142" name="CustomShape 1"/>
+          <p:cNvPr id="139" name="CustomShape 1"/>
           <p:cNvSpPr/>
           <p:nvPr/>
         </p:nvSpPr>
         <p:spPr>
           <a:xfrm>
-            <a:off x="529920" y="759240"/>
+            <a:off x="529920" y="142797"/>
             <a:ext cx="8002080" cy="696960"/>
           </a:xfrm>
           <a:prstGeom prst="rect">
@@ -6163,13 +7828,20 @@
           </a:ln>
         </p:spPr>
         <p:style>
-          <a:lnRef idx="0"/>
-          <a:fillRef idx="0"/>
-          <a:effectRef idx="0"/>
+          <a:lnRef idx="0">
+            <a:scrgbClr r="0" g="0" b="0"/>
+          </a:lnRef>
+          <a:fillRef idx="0">
+            <a:scrgbClr r="0" g="0" b="0"/>
+          </a:fillRef>
+          <a:effectRef idx="0">
+            <a:scrgbClr r="0" g="0" b="0"/>
+          </a:effectRef>
           <a:fontRef idx="minor"/>
         </p:style>
         <p:txBody>
-          <a:bodyPr lIns="90000" rIns="90000" tIns="45000" bIns="45000" anchor="ctr"/>
+          <a:bodyPr lIns="90000" tIns="45000" rIns="90000" bIns="45000" anchor="ctr"/>
+          <a:lstStyle/>
           <a:p>
             <a:pPr>
               <a:lnSpc>
@@ -6177,39 +7849,95 @@
               </a:lnSpc>
             </a:pPr>
             <a:r>
-              <a:rPr b="1" lang="en-US" sz="3000" spc="-1" strike="noStrike">
+              <a:rPr lang="en-US" sz="3000" b="1" strike="noStrike" spc="-1" dirty="0">
                 <a:solidFill>
                   <a:srgbClr val="404041"/>
                 </a:solidFill>
                 <a:latin typeface="Arial"/>
                 <a:ea typeface="Arial"/>
               </a:rPr>
-              <a:t>Challenges</a:t>
-            </a:r>
-            <a:endParaRPr b="0" lang="en-US" sz="3000" spc="-1" strike="noStrike">
-              <a:latin typeface="Arial"/>
-            </a:endParaRPr>
+              <a:t>Network Graph: 1992-2016</a:t>
+            </a:r>
+            <a:endParaRPr lang="en-US" sz="3000" b="0" strike="noStrike" spc="-1" dirty="0">
+              <a:latin typeface="Arial"/>
+            </a:endParaRPr>
+          </a:p>
+        </p:txBody>
+      </p:sp>
+      <p:pic>
+        <p:nvPicPr>
+          <p:cNvPr id="2" name="Imagen 1"/>
+          <p:cNvPicPr>
+            <a:picLocks noChangeAspect="1"/>
+          </p:cNvPicPr>
+          <p:nvPr/>
+        </p:nvPicPr>
+        <p:blipFill>
+          <a:blip r:embed="rId2"/>
+          <a:stretch>
+            <a:fillRect/>
+          </a:stretch>
+        </p:blipFill>
+        <p:spPr>
+          <a:xfrm>
+            <a:off x="1664277" y="1528118"/>
+            <a:ext cx="4518314" cy="3180838"/>
+          </a:xfrm>
+          <a:prstGeom prst="rect">
+            <a:avLst/>
+          </a:prstGeom>
+        </p:spPr>
+      </p:pic>
+      <p:sp>
+        <p:nvSpPr>
+          <p:cNvPr id="3" name="CuadroTexto 2"/>
+          <p:cNvSpPr txBox="1"/>
+          <p:nvPr/>
+        </p:nvSpPr>
+        <p:spPr>
+          <a:xfrm>
+            <a:off x="1664277" y="878130"/>
+            <a:ext cx="5768138" cy="369332"/>
+          </a:xfrm>
+          <a:prstGeom prst="rect">
+            <a:avLst/>
+          </a:prstGeom>
+          <a:noFill/>
+        </p:spPr>
+        <p:txBody>
+          <a:bodyPr wrap="square" rtlCol="0">
+            <a:spAutoFit/>
+          </a:bodyPr>
+          <a:lstStyle/>
+          <a:p>
+            <a:r>
+              <a:rPr lang="en-US" dirty="0" smtClean="0"/>
+              <a:t>Network of Journalists and coverage</a:t>
+            </a:r>
           </a:p>
         </p:txBody>
       </p:sp>
     </p:spTree>
   </p:cSld>
+  <p:clrMapOvr>
+    <a:masterClrMapping/>
+  </p:clrMapOvr>
   <p:timing>
     <p:tnLst>
       <p:par>
-        <p:cTn id="55" dur="indefinite" restart="never" nodeType="tmRoot">
+        <p:cTn id="1" dur="indefinite" restart="never" nodeType="tmRoot">
           <p:childTnLst>
             <p:seq>
-              <p:cTn id="56" dur="indefinite" nodeType="mainSeq"/>
+              <p:cTn id="2" dur="indefinite" nodeType="mainSeq"/>
               <p:prevCondLst>
-                <p:cond delay="0" evt="onPrev">
+                <p:cond evt="onPrev" delay="0">
                   <p:tgtEl>
                     <p:sldTgt/>
                   </p:tgtEl>
                 </p:cond>
               </p:prevCondLst>
               <p:nextCondLst>
-                <p:cond delay="0" evt="onNext">
+                <p:cond evt="onNext" delay="0">
                   <p:tgtEl>
                     <p:sldTgt/>
                   </p:tgtEl>
@@ -6225,7 +7953,7 @@
 </file>
 
 <file path=ppt/slides/slide29.xml><?xml version="1.0" encoding="utf-8"?>
-<p:sld xmlns:a="http://schemas.openxmlformats.org/drawingml/2006/main" xmlns:p="http://schemas.openxmlformats.org/presentationml/2006/main" xmlns:r="http://schemas.openxmlformats.org/officeDocument/2006/relationships" xmlns:p14="http://schemas.microsoft.com/office/powerpoint/2010/main" xmlns:p15="http://schemas.microsoft.com/office/powerpoint/2012/main" xmlns:mc="http://schemas.openxmlformats.org/markup-compatibility/2006">
+<p:sld xmlns:a="http://schemas.openxmlformats.org/drawingml/2006/main" xmlns:r="http://schemas.openxmlformats.org/officeDocument/2006/relationships" xmlns:p="http://schemas.openxmlformats.org/presentationml/2006/main">
   <p:cSld>
     <p:spTree>
       <p:nvGrpSpPr>
@@ -6243,7 +7971,7 @@
       </p:grpSpPr>
       <p:sp>
         <p:nvSpPr>
-          <p:cNvPr id="143" name="CustomShape 1"/>
+          <p:cNvPr id="142" name="CustomShape 1"/>
           <p:cNvSpPr/>
           <p:nvPr/>
         </p:nvSpPr>
@@ -6261,13 +7989,20 @@
           </a:ln>
         </p:spPr>
         <p:style>
-          <a:lnRef idx="0"/>
-          <a:fillRef idx="0"/>
-          <a:effectRef idx="0"/>
+          <a:lnRef idx="0">
+            <a:scrgbClr r="0" g="0" b="0"/>
+          </a:lnRef>
+          <a:fillRef idx="0">
+            <a:scrgbClr r="0" g="0" b="0"/>
+          </a:fillRef>
+          <a:effectRef idx="0">
+            <a:scrgbClr r="0" g="0" b="0"/>
+          </a:effectRef>
           <a:fontRef idx="minor"/>
         </p:style>
         <p:txBody>
-          <a:bodyPr lIns="90000" rIns="90000" tIns="45000" bIns="45000" anchor="ctr"/>
+          <a:bodyPr lIns="90000" tIns="45000" rIns="90000" bIns="45000" anchor="ctr"/>
+          <a:lstStyle/>
           <a:p>
             <a:pPr>
               <a:lnSpc>
@@ -6275,39 +8010,77 @@
               </a:lnSpc>
             </a:pPr>
             <a:r>
-              <a:rPr b="1" lang="en-US" sz="3000" spc="-1" strike="noStrike">
+              <a:rPr lang="en-US" sz="3000" b="1" strike="noStrike" spc="-1" dirty="0" smtClean="0">
                 <a:solidFill>
                   <a:srgbClr val="404041"/>
                 </a:solidFill>
                 <a:latin typeface="Arial"/>
                 <a:ea typeface="Arial"/>
               </a:rPr>
-              <a:t>Future Work</a:t>
-            </a:r>
-            <a:endParaRPr b="0" lang="en-US" sz="3000" spc="-1" strike="noStrike">
-              <a:latin typeface="Arial"/>
-            </a:endParaRPr>
+              <a:t>Demo</a:t>
+            </a:r>
+            <a:endParaRPr lang="en-US" sz="3000" b="0" strike="noStrike" spc="-1" dirty="0">
+              <a:latin typeface="Arial"/>
+            </a:endParaRPr>
+          </a:p>
+        </p:txBody>
+      </p:sp>
+      <p:sp>
+        <p:nvSpPr>
+          <p:cNvPr id="3" name="CuadroTexto 2"/>
+          <p:cNvSpPr txBox="1"/>
+          <p:nvPr/>
+        </p:nvSpPr>
+        <p:spPr>
+          <a:xfrm>
+            <a:off x="519645" y="1628144"/>
+            <a:ext cx="6353765" cy="369332"/>
+          </a:xfrm>
+          <a:prstGeom prst="rect">
+            <a:avLst/>
+          </a:prstGeom>
+          <a:noFill/>
+        </p:spPr>
+        <p:txBody>
+          <a:bodyPr wrap="square" rtlCol="0">
+            <a:spAutoFit/>
+          </a:bodyPr>
+          <a:lstStyle/>
+          <a:p>
+            <a:r>
+              <a:rPr lang="en-US" dirty="0" smtClean="0">
+                <a:hlinkClick r:id="rId2"/>
+              </a:rPr>
+              <a:t>Webpage</a:t>
+            </a:r>
+            <a:r>
+              <a:rPr lang="en-US" dirty="0" smtClean="0"/>
+              <a:t>: https://seashiva94.github.io/data_viz_project/</a:t>
+            </a:r>
           </a:p>
         </p:txBody>
       </p:sp>
     </p:spTree>
   </p:cSld>
+  <p:clrMapOvr>
+    <a:masterClrMapping/>
+  </p:clrMapOvr>
   <p:timing>
     <p:tnLst>
       <p:par>
-        <p:cTn id="57" dur="indefinite" restart="never" nodeType="tmRoot">
+        <p:cTn id="1" dur="indefinite" restart="never" nodeType="tmRoot">
           <p:childTnLst>
             <p:seq>
-              <p:cTn id="58" dur="indefinite" nodeType="mainSeq"/>
+              <p:cTn id="2" dur="indefinite" nodeType="mainSeq"/>
               <p:prevCondLst>
-                <p:cond delay="0" evt="onPrev">
+                <p:cond evt="onPrev" delay="0">
                   <p:tgtEl>
                     <p:sldTgt/>
                   </p:tgtEl>
                 </p:cond>
               </p:prevCondLst>
               <p:nextCondLst>
-                <p:cond delay="0" evt="onNext">
+                <p:cond evt="onNext" delay="0">
                   <p:tgtEl>
                     <p:sldTgt/>
                   </p:tgtEl>
@@ -6323,7 +8096,7 @@
 </file>
 
 <file path=ppt/slides/slide3.xml><?xml version="1.0" encoding="utf-8"?>
-<p:sld xmlns:a="http://schemas.openxmlformats.org/drawingml/2006/main" xmlns:p="http://schemas.openxmlformats.org/presentationml/2006/main" xmlns:r="http://schemas.openxmlformats.org/officeDocument/2006/relationships" xmlns:p14="http://schemas.microsoft.com/office/powerpoint/2010/main" xmlns:p15="http://schemas.microsoft.com/office/powerpoint/2012/main" xmlns:mc="http://schemas.openxmlformats.org/markup-compatibility/2006">
+<p:sld xmlns:a="http://schemas.openxmlformats.org/drawingml/2006/main" xmlns:r="http://schemas.openxmlformats.org/officeDocument/2006/relationships" xmlns:p="http://schemas.openxmlformats.org/presentationml/2006/main">
   <p:cSld>
     <p:spTree>
       <p:nvGrpSpPr>
@@ -6359,13 +8132,20 @@
           </a:ln>
         </p:spPr>
         <p:style>
-          <a:lnRef idx="0"/>
-          <a:fillRef idx="0"/>
-          <a:effectRef idx="0"/>
+          <a:lnRef idx="0">
+            <a:scrgbClr r="0" g="0" b="0"/>
+          </a:lnRef>
+          <a:fillRef idx="0">
+            <a:scrgbClr r="0" g="0" b="0"/>
+          </a:fillRef>
+          <a:effectRef idx="0">
+            <a:scrgbClr r="0" g="0" b="0"/>
+          </a:effectRef>
           <a:fontRef idx="minor"/>
         </p:style>
         <p:txBody>
-          <a:bodyPr lIns="90000" rIns="90000" tIns="45000" bIns="45000" anchor="ctr"/>
+          <a:bodyPr lIns="90000" tIns="45000" rIns="90000" bIns="45000" anchor="ctr"/>
+          <a:lstStyle/>
           <a:p>
             <a:pPr>
               <a:lnSpc>
@@ -6373,7 +8153,7 @@
               </a:lnSpc>
             </a:pPr>
             <a:r>
-              <a:rPr b="1" lang="en-US" sz="3000" spc="-1" strike="noStrike">
+              <a:rPr lang="en-US" sz="3000" b="1" strike="noStrike" spc="-1">
                 <a:solidFill>
                   <a:srgbClr val="404041"/>
                 </a:solidFill>
@@ -6382,7 +8162,7 @@
               </a:rPr>
               <a:t>Introduction</a:t>
             </a:r>
-            <a:endParaRPr b="0" lang="en-US" sz="3000" spc="-1" strike="noStrike">
+            <a:endParaRPr lang="en-US" sz="3000" b="0" strike="noStrike" spc="-1">
               <a:latin typeface="Arial"/>
             </a:endParaRPr>
           </a:p>
@@ -6396,7 +8176,7 @@
         </p:nvSpPr>
         <p:spPr>
           <a:xfrm>
-            <a:off x="731520" y="1972800"/>
+            <a:off x="731520" y="1561834"/>
             <a:ext cx="8046720" cy="1355760"/>
           </a:xfrm>
           <a:prstGeom prst="rect">
@@ -6408,7 +8188,8 @@
           </a:ln>
         </p:spPr>
         <p:txBody>
-          <a:bodyPr lIns="90000" rIns="90000" tIns="45000" bIns="45000"/>
+          <a:bodyPr lIns="90000" tIns="45000" rIns="90000" bIns="45000"/>
+          <a:lstStyle/>
           <a:p>
             <a:pPr marL="216000" indent="-216000">
               <a:buClr>
@@ -6419,14 +8200,17 @@
               <a:buChar char=""/>
             </a:pPr>
             <a:r>
-              <a:rPr b="0" lang="en-US" sz="1800" spc="-1" strike="noStrike">
+              <a:rPr lang="en-US" spc="-1" dirty="0">
                 <a:latin typeface="Times New Roman"/>
               </a:rPr>
-              <a:t>Over the years journalists have had to face various perilous situations and many of them have been fatal.</a:t>
-            </a:r>
-            <a:endParaRPr b="0" lang="en-US" sz="1800" spc="-1" strike="noStrike">
-              <a:latin typeface="Times New Roman"/>
-            </a:endParaRPr>
+              <a:t>In this project, we aim to visualize the deaths of journalists across the world from 1992 to March 2016, and hope to shine some light on these deaths, provided by the </a:t>
+            </a:r>
+            <a:r>
+              <a:rPr lang="en-US" spc="-1" dirty="0" smtClean="0">
+                <a:latin typeface="Times New Roman"/>
+              </a:rPr>
+              <a:t>CPJ.</a:t>
+            </a:r>
           </a:p>
           <a:p>
             <a:pPr marL="216000" indent="-216000">
@@ -6437,7 +8221,7 @@
               <a:buFont typeface="Wingdings" charset="2"/>
               <a:buChar char=""/>
             </a:pPr>
-            <a:endParaRPr b="0" lang="en-US" sz="1800" spc="-1" strike="noStrike">
+            <a:endParaRPr lang="en-US" sz="1800" b="0" strike="noStrike" spc="-1" dirty="0">
               <a:latin typeface="Times New Roman"/>
             </a:endParaRPr>
           </a:p>
@@ -6451,12 +8235,51 @@
               <a:buChar char=""/>
             </a:pPr>
             <a:r>
-              <a:rPr b="0" lang="en-US" sz="1800" spc="-1" strike="noStrike">
+              <a:rPr lang="en-US" sz="1800" b="0" strike="noStrike" spc="-1" dirty="0" smtClean="0">
                 <a:latin typeface="Times New Roman"/>
               </a:rPr>
-              <a:t>In this project, we aim to visualize the information about the journalists who gave their life for the job</a:t>
-            </a:r>
-            <a:endParaRPr b="0" lang="en-US" sz="1800" spc="-1" strike="noStrike">
+              <a:t>Over </a:t>
+            </a:r>
+            <a:r>
+              <a:rPr lang="en-US" sz="1800" b="0" strike="noStrike" spc="-1" dirty="0">
+                <a:latin typeface="Times New Roman"/>
+              </a:rPr>
+              <a:t>the years journalists have had to face various perilous situations and many of them have been fatal</a:t>
+            </a:r>
+            <a:r>
+              <a:rPr lang="en-US" sz="1800" b="0" strike="noStrike" spc="-1" dirty="0" smtClean="0">
+                <a:latin typeface="Times New Roman"/>
+              </a:rPr>
+              <a:t>.</a:t>
+            </a:r>
+          </a:p>
+          <a:p>
+            <a:pPr>
+              <a:buClr>
+                <a:srgbClr val="000000"/>
+              </a:buClr>
+              <a:buSzPct val="45000"/>
+            </a:pPr>
+            <a:endParaRPr lang="en-US" sz="1800" b="0" strike="noStrike" spc="-1" dirty="0">
+              <a:latin typeface="Times New Roman"/>
+            </a:endParaRPr>
+          </a:p>
+          <a:p>
+            <a:pPr marL="216000" indent="-216000">
+              <a:buClr>
+                <a:srgbClr val="000000"/>
+              </a:buClr>
+              <a:buSzPct val="45000"/>
+              <a:buFont typeface="Wingdings" charset="2"/>
+              <a:buChar char=""/>
+            </a:pPr>
+            <a:r>
+              <a:rPr lang="en-US" spc="-1" dirty="0">
+                <a:latin typeface="Times New Roman"/>
+              </a:rPr>
+              <a:t>A good visualization would help understand the importance of the issue and aid in further analysis of the problem</a:t>
+            </a:r>
+            <a:endParaRPr lang="en-US" sz="1800" b="0" strike="noStrike" spc="-1" dirty="0">
               <a:latin typeface="Times New Roman"/>
             </a:endParaRPr>
           </a:p>
@@ -6464,22 +8287,25 @@
       </p:sp>
     </p:spTree>
   </p:cSld>
+  <p:clrMapOvr>
+    <a:masterClrMapping/>
+  </p:clrMapOvr>
   <p:timing>
     <p:tnLst>
       <p:par>
-        <p:cTn id="5" dur="indefinite" restart="never" nodeType="tmRoot">
+        <p:cTn id="1" dur="indefinite" restart="never" nodeType="tmRoot">
           <p:childTnLst>
             <p:seq>
-              <p:cTn id="6" dur="indefinite" nodeType="mainSeq"/>
+              <p:cTn id="2" dur="indefinite" nodeType="mainSeq"/>
               <p:prevCondLst>
-                <p:cond delay="0" evt="onPrev">
+                <p:cond evt="onPrev" delay="0">
                   <p:tgtEl>
                     <p:sldTgt/>
                   </p:tgtEl>
                 </p:cond>
               </p:prevCondLst>
               <p:nextCondLst>
-                <p:cond delay="0" evt="onNext">
+                <p:cond evt="onNext" delay="0">
                   <p:tgtEl>
                     <p:sldTgt/>
                   </p:tgtEl>
@@ -6495,7 +8321,7 @@
 </file>
 
 <file path=ppt/slides/slide30.xml><?xml version="1.0" encoding="utf-8"?>
-<p:sld xmlns:a="http://schemas.openxmlformats.org/drawingml/2006/main" xmlns:p="http://schemas.openxmlformats.org/presentationml/2006/main" xmlns:r="http://schemas.openxmlformats.org/officeDocument/2006/relationships" xmlns:p14="http://schemas.microsoft.com/office/powerpoint/2010/main" xmlns:p15="http://schemas.microsoft.com/office/powerpoint/2012/main" xmlns:mc="http://schemas.openxmlformats.org/markup-compatibility/2006">
+<p:sld xmlns:a="http://schemas.openxmlformats.org/drawingml/2006/main" xmlns:r="http://schemas.openxmlformats.org/officeDocument/2006/relationships" xmlns:p="http://schemas.openxmlformats.org/presentationml/2006/main">
   <p:cSld>
     <p:spTree>
       <p:nvGrpSpPr>
@@ -6513,7 +8339,7 @@
       </p:grpSpPr>
       <p:sp>
         <p:nvSpPr>
-          <p:cNvPr id="144" name="CustomShape 1"/>
+          <p:cNvPr id="142" name="CustomShape 1"/>
           <p:cNvSpPr/>
           <p:nvPr/>
         </p:nvSpPr>
@@ -6531,13 +8357,20 @@
           </a:ln>
         </p:spPr>
         <p:style>
-          <a:lnRef idx="0"/>
-          <a:fillRef idx="0"/>
-          <a:effectRef idx="0"/>
+          <a:lnRef idx="0">
+            <a:scrgbClr r="0" g="0" b="0"/>
+          </a:lnRef>
+          <a:fillRef idx="0">
+            <a:scrgbClr r="0" g="0" b="0"/>
+          </a:fillRef>
+          <a:effectRef idx="0">
+            <a:scrgbClr r="0" g="0" b="0"/>
+          </a:effectRef>
           <a:fontRef idx="minor"/>
         </p:style>
         <p:txBody>
-          <a:bodyPr lIns="90000" rIns="90000" tIns="45000" bIns="45000" anchor="ctr"/>
+          <a:bodyPr lIns="90000" tIns="45000" rIns="90000" bIns="45000" anchor="ctr"/>
+          <a:lstStyle/>
           <a:p>
             <a:pPr>
               <a:lnSpc>
@@ -6545,101 +8378,131 @@
               </a:lnSpc>
             </a:pPr>
             <a:r>
-              <a:rPr b="1" lang="en-US" sz="3000" spc="-1" strike="noStrike">
+              <a:rPr lang="en-US" sz="3000" b="1" strike="noStrike" spc="-1">
                 <a:solidFill>
                   <a:srgbClr val="404041"/>
                 </a:solidFill>
                 <a:latin typeface="Arial"/>
                 <a:ea typeface="Arial"/>
               </a:rPr>
-              <a:t>References</a:t>
-            </a:r>
-            <a:endParaRPr b="0" lang="en-US" sz="3000" spc="-1" strike="noStrike">
-              <a:latin typeface="Arial"/>
-            </a:endParaRPr>
-          </a:p>
-        </p:txBody>
-      </p:sp>
-      <p:sp>
-        <p:nvSpPr>
-          <p:cNvPr id="145" name="TextShape 2"/>
+              <a:t>Challenges</a:t>
+            </a:r>
+            <a:endParaRPr lang="en-US" sz="3000" b="0" strike="noStrike" spc="-1">
+              <a:latin typeface="Arial"/>
+            </a:endParaRPr>
+          </a:p>
+        </p:txBody>
+      </p:sp>
+      <p:sp>
+        <p:nvSpPr>
+          <p:cNvPr id="4" name="CuadroTexto 3"/>
           <p:cNvSpPr txBox="1"/>
           <p:nvPr/>
         </p:nvSpPr>
         <p:spPr>
           <a:xfrm>
-            <a:off x="548640" y="1492200"/>
-            <a:ext cx="6583680" cy="376920"/>
+            <a:off x="519645" y="1628144"/>
+            <a:ext cx="7021586" cy="1477328"/>
           </a:xfrm>
           <a:prstGeom prst="rect">
             <a:avLst/>
           </a:prstGeom>
           <a:noFill/>
-          <a:ln>
-            <a:noFill/>
-          </a:ln>
-        </p:spPr>
-        <p:txBody>
-          <a:bodyPr lIns="90000" rIns="90000" tIns="45000" bIns="45000"/>
-          <a:p>
-            <a:pPr marL="216000" indent="-216000">
-              <a:buClr>
-                <a:srgbClr val="000000"/>
-              </a:buClr>
-              <a:buSzPct val="45000"/>
-              <a:buFont typeface="Symbol" charset="2"/>
-              <a:buChar char=""/>
+        </p:spPr>
+        <p:txBody>
+          <a:bodyPr wrap="square" rtlCol="0">
+            <a:spAutoFit/>
+          </a:bodyPr>
+          <a:lstStyle/>
+          <a:p>
+            <a:pPr marL="285750" indent="-285750">
+              <a:buFont typeface="Arial" panose="020B0604020202020204" pitchFamily="34" charset="0"/>
+              <a:buChar char="•"/>
             </a:pPr>
             <a:r>
-              <a:rPr b="0" lang="en-US" sz="1200" spc="-1" strike="noStrike">
-                <a:latin typeface="Arial"/>
-                <a:hlinkClick r:id="rId1"/>
-              </a:rPr>
-              <a:t>https://ichef.bbci.co.uk/news/624/media/images/80127000/jpg/_80127035_0b2b0a90-e3b4-4c0a-b1b3-06569f774e57.jpg</a:t>
-            </a:r>
-            <a:endParaRPr b="0" lang="en-US" sz="1200" spc="-1" strike="noStrike">
-              <a:latin typeface="Arial"/>
-            </a:endParaRPr>
-          </a:p>
-          <a:p>
-            <a:pPr marL="216000" indent="-216000">
-              <a:buClr>
-                <a:srgbClr val="000000"/>
-              </a:buClr>
-              <a:buSzPct val="45000"/>
-              <a:buFont typeface="Symbol" charset="2"/>
-              <a:buChar char=""/>
+              <a:rPr lang="en-US" dirty="0" smtClean="0"/>
+              <a:t>Learning to make interactive maps in </a:t>
+            </a:r>
+            <a:r>
+              <a:rPr lang="en-US" dirty="0" err="1" smtClean="0"/>
+              <a:t>altair</a:t>
+            </a:r>
+            <a:endParaRPr lang="en-US" dirty="0"/>
+          </a:p>
+          <a:p>
+            <a:pPr marL="742950" lvl="1" indent="-285750">
+              <a:buFont typeface="Arial" panose="020B0604020202020204" pitchFamily="34" charset="0"/>
+              <a:buChar char="•"/>
             </a:pPr>
             <a:r>
-              <a:rPr b="0" lang="en-US" sz="1200" spc="-1" strike="noStrike">
-                <a:latin typeface="Arial"/>
-              </a:rPr>
-              <a:t> </a:t>
-            </a:r>
-            <a:endParaRPr b="0" lang="en-US" sz="1200" spc="-1" strike="noStrike">
-              <a:latin typeface="Arial"/>
-            </a:endParaRPr>
+              <a:rPr lang="en-US" dirty="0" smtClean="0"/>
+              <a:t>Maps do not support some common functionality</a:t>
+            </a:r>
+          </a:p>
+          <a:p>
+            <a:pPr marL="285750" indent="-285750">
+              <a:buFont typeface="Arial" panose="020B0604020202020204" pitchFamily="34" charset="0"/>
+              <a:buChar char="•"/>
+            </a:pPr>
+            <a:endParaRPr lang="en-US" dirty="0"/>
+          </a:p>
+          <a:p>
+            <a:pPr marL="285750" indent="-285750">
+              <a:buFont typeface="Arial" panose="020B0604020202020204" pitchFamily="34" charset="0"/>
+              <a:buChar char="•"/>
+            </a:pPr>
+            <a:r>
+              <a:rPr lang="en-US" dirty="0" smtClean="0"/>
+              <a:t>Slider for year selection in python did not work</a:t>
+            </a:r>
+          </a:p>
+          <a:p>
+            <a:pPr marL="742950" lvl="1" indent="-285750">
+              <a:buFont typeface="Arial" panose="020B0604020202020204" pitchFamily="34" charset="0"/>
+              <a:buChar char="•"/>
+            </a:pPr>
+            <a:r>
+              <a:rPr lang="en-US" dirty="0" smtClean="0"/>
+              <a:t>Used </a:t>
+            </a:r>
+            <a:r>
+              <a:rPr lang="en-US" dirty="0" err="1" smtClean="0"/>
+              <a:t>jquery</a:t>
+            </a:r>
+            <a:r>
+              <a:rPr lang="en-US" dirty="0" smtClean="0"/>
+              <a:t> in the end</a:t>
+            </a:r>
+            <a:endParaRPr lang="en-US" dirty="0"/>
           </a:p>
         </p:txBody>
       </p:sp>
     </p:spTree>
+    <p:extLst>
+      <p:ext uri="{BB962C8B-B14F-4D97-AF65-F5344CB8AC3E}">
+        <p14:creationId xmlns:p14="http://schemas.microsoft.com/office/powerpoint/2010/main" val="3095711716"/>
+      </p:ext>
+    </p:extLst>
   </p:cSld>
+  <p:clrMapOvr>
+    <a:masterClrMapping/>
+  </p:clrMapOvr>
   <p:timing>
     <p:tnLst>
       <p:par>
-        <p:cTn id="59" dur="indefinite" restart="never" nodeType="tmRoot">
+        <p:cTn id="1" dur="indefinite" restart="never" nodeType="tmRoot">
           <p:childTnLst>
             <p:seq>
-              <p:cTn id="60" dur="indefinite" nodeType="mainSeq"/>
+              <p:cTn id="2" dur="indefinite" nodeType="mainSeq"/>
               <p:prevCondLst>
-                <p:cond delay="0" evt="onPrev">
+                <p:cond evt="onPrev" delay="0">
                   <p:tgtEl>
                     <p:sldTgt/>
                   </p:tgtEl>
                 </p:cond>
               </p:prevCondLst>
               <p:nextCondLst>
-                <p:cond delay="0" evt="onNext">
+                <p:cond evt="onNext" delay="0">
                   <p:tgtEl>
                     <p:sldTgt/>
                   </p:tgtEl>
@@ -6655,7 +8518,7 @@
 </file>
 
 <file path=ppt/slides/slide31.xml><?xml version="1.0" encoding="utf-8"?>
-<p:sld xmlns:a="http://schemas.openxmlformats.org/drawingml/2006/main" xmlns:p="http://schemas.openxmlformats.org/presentationml/2006/main" xmlns:r="http://schemas.openxmlformats.org/officeDocument/2006/relationships" xmlns:p14="http://schemas.microsoft.com/office/powerpoint/2010/main" xmlns:p15="http://schemas.microsoft.com/office/powerpoint/2012/main" xmlns:mc="http://schemas.openxmlformats.org/markup-compatibility/2006">
+<p:sld xmlns:a="http://schemas.openxmlformats.org/drawingml/2006/main" xmlns:r="http://schemas.openxmlformats.org/officeDocument/2006/relationships" xmlns:p="http://schemas.openxmlformats.org/presentationml/2006/main">
   <p:cSld>
     <p:spTree>
       <p:nvGrpSpPr>
@@ -6671,36 +8534,170 @@
           <a:chExt cx="0" cy="0"/>
         </a:xfrm>
       </p:grpSpPr>
-      <p:pic>
-        <p:nvPicPr>
-          <p:cNvPr id="146" name="" descr=""/>
-          <p:cNvPicPr/>
+      <p:sp>
+        <p:nvSpPr>
+          <p:cNvPr id="143" name="CustomShape 1"/>
+          <p:cNvSpPr/>
           <p:nvPr/>
-        </p:nvPicPr>
-        <p:blipFill>
-          <a:blip r:embed="rId1"/>
-          <a:stretch/>
-        </p:blipFill>
-        <p:spPr>
-          <a:xfrm>
-            <a:off x="197640" y="0"/>
-            <a:ext cx="8748360" cy="5143680"/>
-          </a:xfrm>
-          <a:prstGeom prst="rect">
-            <a:avLst/>
-          </a:prstGeom>
+        </p:nvSpPr>
+        <p:spPr>
+          <a:xfrm>
+            <a:off x="529920" y="759240"/>
+            <a:ext cx="8002080" cy="696960"/>
+          </a:xfrm>
+          <a:prstGeom prst="rect">
+            <a:avLst/>
+          </a:prstGeom>
+          <a:noFill/>
           <a:ln>
             <a:noFill/>
           </a:ln>
         </p:spPr>
-      </p:pic>
+        <p:style>
+          <a:lnRef idx="0">
+            <a:scrgbClr r="0" g="0" b="0"/>
+          </a:lnRef>
+          <a:fillRef idx="0">
+            <a:scrgbClr r="0" g="0" b="0"/>
+          </a:fillRef>
+          <a:effectRef idx="0">
+            <a:scrgbClr r="0" g="0" b="0"/>
+          </a:effectRef>
+          <a:fontRef idx="minor"/>
+        </p:style>
+        <p:txBody>
+          <a:bodyPr lIns="90000" tIns="45000" rIns="90000" bIns="45000" anchor="ctr"/>
+          <a:lstStyle/>
+          <a:p>
+            <a:pPr>
+              <a:lnSpc>
+                <a:spcPct val="100000"/>
+              </a:lnSpc>
+            </a:pPr>
+            <a:r>
+              <a:rPr lang="en-US" sz="3000" b="1" strike="noStrike" spc="-1">
+                <a:solidFill>
+                  <a:srgbClr val="404041"/>
+                </a:solidFill>
+                <a:latin typeface="Arial"/>
+                <a:ea typeface="Arial"/>
+              </a:rPr>
+              <a:t>Future Work</a:t>
+            </a:r>
+            <a:endParaRPr lang="en-US" sz="3000" b="0" strike="noStrike" spc="-1">
+              <a:latin typeface="Arial"/>
+            </a:endParaRPr>
+          </a:p>
+        </p:txBody>
+      </p:sp>
+      <p:sp>
+        <p:nvSpPr>
+          <p:cNvPr id="3" name="CuadroTexto 2"/>
+          <p:cNvSpPr txBox="1"/>
+          <p:nvPr/>
+        </p:nvSpPr>
+        <p:spPr>
+          <a:xfrm>
+            <a:off x="519645" y="1628144"/>
+            <a:ext cx="7021586" cy="1754326"/>
+          </a:xfrm>
+          <a:prstGeom prst="rect">
+            <a:avLst/>
+          </a:prstGeom>
+          <a:noFill/>
+        </p:spPr>
+        <p:txBody>
+          <a:bodyPr wrap="square" rtlCol="0">
+            <a:spAutoFit/>
+          </a:bodyPr>
+          <a:lstStyle/>
+          <a:p>
+            <a:pPr marL="285750" indent="-285750">
+              <a:buFont typeface="Arial" panose="020B0604020202020204" pitchFamily="34" charset="0"/>
+              <a:buChar char="•"/>
+            </a:pPr>
+            <a:r>
+              <a:rPr lang="en-US" dirty="0" smtClean="0"/>
+              <a:t>Get information about the deaths of various journalists from twitter and news articles to better describe each of the d</a:t>
+            </a:r>
+            <a:r>
+              <a:rPr lang="en-US" dirty="0" smtClean="0"/>
+              <a:t>eaths</a:t>
+            </a:r>
+          </a:p>
+          <a:p>
+            <a:pPr marL="285750" indent="-285750">
+              <a:buFont typeface="Arial" panose="020B0604020202020204" pitchFamily="34" charset="0"/>
+              <a:buChar char="•"/>
+            </a:pPr>
+            <a:endParaRPr lang="en-US" dirty="0"/>
+          </a:p>
+          <a:p>
+            <a:pPr marL="285750" indent="-285750">
+              <a:buFont typeface="Arial" panose="020B0604020202020204" pitchFamily="34" charset="0"/>
+              <a:buChar char="•"/>
+            </a:pPr>
+            <a:r>
+              <a:rPr lang="en-US" dirty="0" smtClean="0"/>
+              <a:t>Use this information to perform detailed analysis on the data</a:t>
+            </a:r>
+          </a:p>
+          <a:p>
+            <a:pPr marL="285750" indent="-285750">
+              <a:buFont typeface="Arial" panose="020B0604020202020204" pitchFamily="34" charset="0"/>
+              <a:buChar char="•"/>
+            </a:pPr>
+            <a:endParaRPr lang="en-US" dirty="0"/>
+          </a:p>
+          <a:p>
+            <a:pPr marL="285750" indent="-285750">
+              <a:buFont typeface="Arial" panose="020B0604020202020204" pitchFamily="34" charset="0"/>
+              <a:buChar char="•"/>
+            </a:pPr>
+            <a:r>
+              <a:rPr lang="en-US" dirty="0" smtClean="0"/>
+              <a:t>Perform deeper network analysis</a:t>
+            </a:r>
+          </a:p>
+        </p:txBody>
+      </p:sp>
     </p:spTree>
   </p:cSld>
+  <p:clrMapOvr>
+    <a:masterClrMapping/>
+  </p:clrMapOvr>
+  <p:timing>
+    <p:tnLst>
+      <p:par>
+        <p:cTn id="1" dur="indefinite" restart="never" nodeType="tmRoot">
+          <p:childTnLst>
+            <p:seq>
+              <p:cTn id="2" dur="indefinite" nodeType="mainSeq"/>
+              <p:prevCondLst>
+                <p:cond evt="onPrev" delay="0">
+                  <p:tgtEl>
+                    <p:sldTgt/>
+                  </p:tgtEl>
+                </p:cond>
+              </p:prevCondLst>
+              <p:nextCondLst>
+                <p:cond evt="onNext" delay="0">
+                  <p:tgtEl>
+                    <p:sldTgt/>
+                  </p:tgtEl>
+                </p:cond>
+              </p:nextCondLst>
+            </p:seq>
+          </p:childTnLst>
+        </p:cTn>
+      </p:par>
+    </p:tnLst>
+  </p:timing>
 </p:sld>
 </file>
 
-<file path=ppt/slides/slide4.xml><?xml version="1.0" encoding="utf-8"?>
-<p:sld xmlns:a="http://schemas.openxmlformats.org/drawingml/2006/main" xmlns:p="http://schemas.openxmlformats.org/presentationml/2006/main" xmlns:r="http://schemas.openxmlformats.org/officeDocument/2006/relationships" xmlns:p14="http://schemas.microsoft.com/office/powerpoint/2010/main" xmlns:p15="http://schemas.microsoft.com/office/powerpoint/2012/main" xmlns:mc="http://schemas.openxmlformats.org/markup-compatibility/2006">
+<file path=ppt/slides/slide32.xml><?xml version="1.0" encoding="utf-8"?>
+<p:sld xmlns:a="http://schemas.openxmlformats.org/drawingml/2006/main" xmlns:r="http://schemas.openxmlformats.org/officeDocument/2006/relationships" xmlns:p="http://schemas.openxmlformats.org/presentationml/2006/main">
   <p:cSld>
     <p:spTree>
       <p:nvGrpSpPr>
@@ -6718,7 +8715,7 @@
       </p:grpSpPr>
       <p:sp>
         <p:nvSpPr>
-          <p:cNvPr id="92" name="CustomShape 1"/>
+          <p:cNvPr id="144" name="CustomShape 1"/>
           <p:cNvSpPr/>
           <p:nvPr/>
         </p:nvSpPr>
@@ -6736,13 +8733,20 @@
           </a:ln>
         </p:spPr>
         <p:style>
-          <a:lnRef idx="0"/>
-          <a:fillRef idx="0"/>
-          <a:effectRef idx="0"/>
+          <a:lnRef idx="0">
+            <a:scrgbClr r="0" g="0" b="0"/>
+          </a:lnRef>
+          <a:fillRef idx="0">
+            <a:scrgbClr r="0" g="0" b="0"/>
+          </a:fillRef>
+          <a:effectRef idx="0">
+            <a:scrgbClr r="0" g="0" b="0"/>
+          </a:effectRef>
           <a:fontRef idx="minor"/>
         </p:style>
         <p:txBody>
-          <a:bodyPr lIns="90000" rIns="90000" tIns="45000" bIns="45000" anchor="ctr"/>
+          <a:bodyPr lIns="90000" tIns="45000" rIns="90000" bIns="45000" anchor="ctr"/>
+          <a:lstStyle/>
           <a:p>
             <a:pPr>
               <a:lnSpc>
@@ -6750,31 +8754,31 @@
               </a:lnSpc>
             </a:pPr>
             <a:r>
-              <a:rPr b="1" lang="en-US" sz="3000" spc="-1" strike="noStrike">
+              <a:rPr lang="en-US" sz="3000" b="1" strike="noStrike" spc="-1">
                 <a:solidFill>
                   <a:srgbClr val="404041"/>
                 </a:solidFill>
                 <a:latin typeface="Arial"/>
                 <a:ea typeface="Arial"/>
               </a:rPr>
-              <a:t>Motivation: Attacks on Journalists</a:t>
-            </a:r>
-            <a:endParaRPr b="0" lang="en-US" sz="3000" spc="-1" strike="noStrike">
-              <a:latin typeface="Arial"/>
-            </a:endParaRPr>
-          </a:p>
-        </p:txBody>
-      </p:sp>
-      <p:sp>
-        <p:nvSpPr>
-          <p:cNvPr id="93" name="TextShape 2"/>
+              <a:t>References</a:t>
+            </a:r>
+            <a:endParaRPr lang="en-US" sz="3000" b="0" strike="noStrike" spc="-1">
+              <a:latin typeface="Arial"/>
+            </a:endParaRPr>
+          </a:p>
+        </p:txBody>
+      </p:sp>
+      <p:sp>
+        <p:nvSpPr>
+          <p:cNvPr id="145" name="TextShape 2"/>
           <p:cNvSpPr txBox="1"/>
           <p:nvPr/>
         </p:nvSpPr>
         <p:spPr>
           <a:xfrm>
-            <a:off x="640080" y="1687680"/>
-            <a:ext cx="8046720" cy="849600"/>
+            <a:off x="548640" y="1492200"/>
+            <a:ext cx="6583680" cy="376920"/>
           </a:xfrm>
           <a:prstGeom prst="rect">
             <a:avLst/>
@@ -6785,7 +8789,176 @@
           </a:ln>
         </p:spPr>
         <p:txBody>
-          <a:bodyPr lIns="90000" rIns="90000" tIns="45000" bIns="45000"/>
+          <a:bodyPr lIns="90000" tIns="45000" rIns="90000" bIns="45000"/>
+          <a:lstStyle/>
+          <a:p>
+            <a:pPr marL="216000" indent="-216000">
+              <a:buClr>
+                <a:srgbClr val="000000"/>
+              </a:buClr>
+              <a:buSzPct val="45000"/>
+              <a:buFont typeface="Symbol" charset="2"/>
+              <a:buChar char=""/>
+            </a:pPr>
+            <a:r>
+              <a:rPr lang="en-US" sz="1200" b="0" strike="noStrike" spc="-1">
+                <a:latin typeface="Arial"/>
+                <a:hlinkClick r:id="rId2"/>
+              </a:rPr>
+              <a:t>https://ichef.bbci.co.uk/news/624/media/images/80127000/jpg/_80127035_0b2b0a90-e3b4-4c0a-b1b3-06569f774e57.jpg</a:t>
+            </a:r>
+            <a:endParaRPr lang="en-US" sz="1200" b="0" strike="noStrike" spc="-1">
+              <a:latin typeface="Arial"/>
+            </a:endParaRPr>
+          </a:p>
+          <a:p>
+            <a:pPr marL="216000" indent="-216000">
+              <a:buClr>
+                <a:srgbClr val="000000"/>
+              </a:buClr>
+              <a:buSzPct val="45000"/>
+              <a:buFont typeface="Symbol" charset="2"/>
+              <a:buChar char=""/>
+            </a:pPr>
+            <a:r>
+              <a:rPr lang="en-US" sz="1200" b="0" strike="noStrike" spc="-1">
+                <a:latin typeface="Arial"/>
+              </a:rPr>
+              <a:t> </a:t>
+            </a:r>
+          </a:p>
+        </p:txBody>
+      </p:sp>
+    </p:spTree>
+  </p:cSld>
+  <p:clrMapOvr>
+    <a:masterClrMapping/>
+  </p:clrMapOvr>
+  <p:timing>
+    <p:tnLst>
+      <p:par>
+        <p:cTn id="1" dur="indefinite" restart="never" nodeType="tmRoot">
+          <p:childTnLst>
+            <p:seq>
+              <p:cTn id="2" dur="indefinite" nodeType="mainSeq"/>
+              <p:prevCondLst>
+                <p:cond evt="onPrev" delay="0">
+                  <p:tgtEl>
+                    <p:sldTgt/>
+                  </p:tgtEl>
+                </p:cond>
+              </p:prevCondLst>
+              <p:nextCondLst>
+                <p:cond evt="onNext" delay="0">
+                  <p:tgtEl>
+                    <p:sldTgt/>
+                  </p:tgtEl>
+                </p:cond>
+              </p:nextCondLst>
+            </p:seq>
+          </p:childTnLst>
+        </p:cTn>
+      </p:par>
+    </p:tnLst>
+  </p:timing>
+</p:sld>
+</file>
+
+<file path=ppt/slides/slide4.xml><?xml version="1.0" encoding="utf-8"?>
+<p:sld xmlns:a="http://schemas.openxmlformats.org/drawingml/2006/main" xmlns:r="http://schemas.openxmlformats.org/officeDocument/2006/relationships" xmlns:p="http://schemas.openxmlformats.org/presentationml/2006/main">
+  <p:cSld>
+    <p:spTree>
+      <p:nvGrpSpPr>
+        <p:cNvPr id="1" name=""/>
+        <p:cNvGrpSpPr/>
+        <p:nvPr/>
+      </p:nvGrpSpPr>
+      <p:grpSpPr>
+        <a:xfrm>
+          <a:off x="0" y="0"/>
+          <a:ext cx="0" cy="0"/>
+          <a:chOff x="0" y="0"/>
+          <a:chExt cx="0" cy="0"/>
+        </a:xfrm>
+      </p:grpSpPr>
+      <p:sp>
+        <p:nvSpPr>
+          <p:cNvPr id="92" name="CustomShape 1"/>
+          <p:cNvSpPr/>
+          <p:nvPr/>
+        </p:nvSpPr>
+        <p:spPr>
+          <a:xfrm>
+            <a:off x="529920" y="759240"/>
+            <a:ext cx="8002080" cy="696960"/>
+          </a:xfrm>
+          <a:prstGeom prst="rect">
+            <a:avLst/>
+          </a:prstGeom>
+          <a:noFill/>
+          <a:ln>
+            <a:noFill/>
+          </a:ln>
+        </p:spPr>
+        <p:style>
+          <a:lnRef idx="0">
+            <a:scrgbClr r="0" g="0" b="0"/>
+          </a:lnRef>
+          <a:fillRef idx="0">
+            <a:scrgbClr r="0" g="0" b="0"/>
+          </a:fillRef>
+          <a:effectRef idx="0">
+            <a:scrgbClr r="0" g="0" b="0"/>
+          </a:effectRef>
+          <a:fontRef idx="minor"/>
+        </p:style>
+        <p:txBody>
+          <a:bodyPr lIns="90000" tIns="45000" rIns="90000" bIns="45000" anchor="ctr"/>
+          <a:lstStyle/>
+          <a:p>
+            <a:pPr>
+              <a:lnSpc>
+                <a:spcPct val="100000"/>
+              </a:lnSpc>
+            </a:pPr>
+            <a:r>
+              <a:rPr lang="en-US" sz="3000" b="1" strike="noStrike" spc="-1">
+                <a:solidFill>
+                  <a:srgbClr val="404041"/>
+                </a:solidFill>
+                <a:latin typeface="Arial"/>
+                <a:ea typeface="Arial"/>
+              </a:rPr>
+              <a:t>Motivation: Attacks on Journalists</a:t>
+            </a:r>
+            <a:endParaRPr lang="en-US" sz="3000" b="0" strike="noStrike" spc="-1">
+              <a:latin typeface="Arial"/>
+            </a:endParaRPr>
+          </a:p>
+        </p:txBody>
+      </p:sp>
+      <p:sp>
+        <p:nvSpPr>
+          <p:cNvPr id="93" name="TextShape 2"/>
+          <p:cNvSpPr txBox="1"/>
+          <p:nvPr/>
+        </p:nvSpPr>
+        <p:spPr>
+          <a:xfrm>
+            <a:off x="640080" y="1687680"/>
+            <a:ext cx="8046720" cy="849600"/>
+          </a:xfrm>
+          <a:prstGeom prst="rect">
+            <a:avLst/>
+          </a:prstGeom>
+          <a:noFill/>
+          <a:ln>
+            <a:noFill/>
+          </a:ln>
+        </p:spPr>
+        <p:txBody>
+          <a:bodyPr lIns="90000" tIns="45000" rIns="90000" bIns="45000"/>
+          <a:lstStyle/>
           <a:p>
             <a:pPr marL="216000" indent="-216000">
               <a:buClr>
@@ -6796,25 +8969,22 @@
               <a:buChar char=""/>
             </a:pPr>
             <a:r>
-              <a:rPr b="0" lang="en-US" sz="1800" spc="-1" strike="noStrike">
+              <a:rPr lang="en-US" sz="1800" b="0" strike="noStrike" spc="-1">
                 <a:latin typeface="Times New Roman"/>
               </a:rPr>
               <a:t>One of the most noticeable attacks on the freedom of press in the recent past has been the attack on the office of the French satirical newspaper Charlie Hebdo in Paris in 2015.</a:t>
             </a:r>
-            <a:endParaRPr b="0" lang="en-US" sz="1800" spc="-1" strike="noStrike">
-              <a:latin typeface="Times New Roman"/>
-            </a:endParaRPr>
           </a:p>
         </p:txBody>
       </p:sp>
       <p:pic>
         <p:nvPicPr>
-          <p:cNvPr id="94" name="" descr=""/>
+          <p:cNvPr id="94" name="Imagen 93"/>
           <p:cNvPicPr/>
           <p:nvPr/>
         </p:nvPicPr>
         <p:blipFill>
-          <a:blip r:embed="rId1"/>
+          <a:blip r:embed="rId2"/>
           <a:stretch/>
         </p:blipFill>
         <p:spPr>
@@ -6832,22 +9002,25 @@
       </p:pic>
     </p:spTree>
   </p:cSld>
+  <p:clrMapOvr>
+    <a:masterClrMapping/>
+  </p:clrMapOvr>
   <p:timing>
     <p:tnLst>
       <p:par>
-        <p:cTn id="7" dur="indefinite" restart="never" nodeType="tmRoot">
+        <p:cTn id="1" dur="indefinite" restart="never" nodeType="tmRoot">
           <p:childTnLst>
             <p:seq>
-              <p:cTn id="8" dur="indefinite" nodeType="mainSeq"/>
+              <p:cTn id="2" dur="indefinite" nodeType="mainSeq"/>
               <p:prevCondLst>
-                <p:cond delay="0" evt="onPrev">
+                <p:cond evt="onPrev" delay="0">
                   <p:tgtEl>
                     <p:sldTgt/>
                   </p:tgtEl>
                 </p:cond>
               </p:prevCondLst>
               <p:nextCondLst>
-                <p:cond delay="0" evt="onNext">
+                <p:cond evt="onNext" delay="0">
                   <p:tgtEl>
                     <p:sldTgt/>
                   </p:tgtEl>
@@ -6863,7 +9036,7 @@
 </file>
 
 <file path=ppt/slides/slide5.xml><?xml version="1.0" encoding="utf-8"?>
-<p:sld xmlns:a="http://schemas.openxmlformats.org/drawingml/2006/main" xmlns:p="http://schemas.openxmlformats.org/presentationml/2006/main" xmlns:r="http://schemas.openxmlformats.org/officeDocument/2006/relationships" xmlns:p14="http://schemas.microsoft.com/office/powerpoint/2010/main" xmlns:p15="http://schemas.microsoft.com/office/powerpoint/2012/main" xmlns:mc="http://schemas.openxmlformats.org/markup-compatibility/2006">
+<p:sld xmlns:a="http://schemas.openxmlformats.org/drawingml/2006/main" xmlns:r="http://schemas.openxmlformats.org/officeDocument/2006/relationships" xmlns:p="http://schemas.openxmlformats.org/presentationml/2006/main">
   <p:cSld>
     <p:spTree>
       <p:nvGrpSpPr>
@@ -6899,13 +9072,20 @@
           </a:ln>
         </p:spPr>
         <p:style>
-          <a:lnRef idx="0"/>
-          <a:fillRef idx="0"/>
-          <a:effectRef idx="0"/>
+          <a:lnRef idx="0">
+            <a:scrgbClr r="0" g="0" b="0"/>
+          </a:lnRef>
+          <a:fillRef idx="0">
+            <a:scrgbClr r="0" g="0" b="0"/>
+          </a:fillRef>
+          <a:effectRef idx="0">
+            <a:scrgbClr r="0" g="0" b="0"/>
+          </a:effectRef>
           <a:fontRef idx="minor"/>
         </p:style>
         <p:txBody>
-          <a:bodyPr lIns="90000" rIns="90000" tIns="45000" bIns="45000" anchor="ctr"/>
+          <a:bodyPr lIns="90000" tIns="45000" rIns="90000" bIns="45000" anchor="ctr"/>
+          <a:lstStyle/>
           <a:p>
             <a:pPr>
               <a:lnSpc>
@@ -6913,66 +9093,16 @@
               </a:lnSpc>
             </a:pPr>
             <a:r>
-              <a:rPr b="1" lang="en-US" sz="3000" spc="-1" strike="noStrike">
+              <a:rPr lang="en-US" sz="3000" b="1" strike="noStrike" spc="-1">
                 <a:solidFill>
                   <a:srgbClr val="404041"/>
                 </a:solidFill>
                 <a:latin typeface="Arial"/>
                 <a:ea typeface="Arial"/>
               </a:rPr>
-              <a:t>Motiva</a:t>
-            </a:r>
-            <a:r>
-              <a:rPr b="1" lang="en-US" sz="3000" spc="-1" strike="noStrike">
-                <a:solidFill>
-                  <a:srgbClr val="404041"/>
-                </a:solidFill>
-                <a:latin typeface="Arial"/>
-                <a:ea typeface="Arial"/>
-              </a:rPr>
-              <a:t>tion: </a:t>
-            </a:r>
-            <a:r>
-              <a:rPr b="1" lang="en-US" sz="3000" spc="-1" strike="noStrike">
-                <a:solidFill>
-                  <a:srgbClr val="404041"/>
-                </a:solidFill>
-                <a:latin typeface="Arial"/>
-                <a:ea typeface="Arial"/>
-              </a:rPr>
-              <a:t>Missin</a:t>
-            </a:r>
-            <a:r>
-              <a:rPr b="1" lang="en-US" sz="3000" spc="-1" strike="noStrike">
-                <a:solidFill>
-                  <a:srgbClr val="404041"/>
-                </a:solidFill>
-                <a:latin typeface="Arial"/>
-                <a:ea typeface="Arial"/>
-              </a:rPr>
-              <a:t>g </a:t>
-            </a:r>
-            <a:r>
-              <a:rPr b="1" lang="en-US" sz="3000" spc="-1" strike="noStrike">
-                <a:solidFill>
-                  <a:srgbClr val="404041"/>
-                </a:solidFill>
-                <a:latin typeface="Arial"/>
-                <a:ea typeface="Arial"/>
-              </a:rPr>
-              <a:t>Journ</a:t>
-            </a:r>
-            <a:r>
-              <a:rPr b="1" lang="en-US" sz="3000" spc="-1" strike="noStrike">
-                <a:solidFill>
-                  <a:srgbClr val="404041"/>
-                </a:solidFill>
-                <a:latin typeface="Arial"/>
-                <a:ea typeface="Arial"/>
-              </a:rPr>
-              <a:t>alists</a:t>
-            </a:r>
-            <a:endParaRPr b="0" lang="en-US" sz="3000" spc="-1" strike="noStrike">
+              <a:t>Motivation: Missing Journalists</a:t>
+            </a:r>
+            <a:endParaRPr lang="en-US" sz="3000" b="0" strike="noStrike" spc="-1">
               <a:latin typeface="Arial"/>
             </a:endParaRPr>
           </a:p>
@@ -6998,7 +9128,8 @@
           </a:ln>
         </p:spPr>
         <p:txBody>
-          <a:bodyPr lIns="90000" rIns="90000" tIns="45000" bIns="45000"/>
+          <a:bodyPr lIns="90000" tIns="45000" rIns="90000" bIns="45000"/>
+          <a:lstStyle/>
           <a:p>
             <a:pPr marL="216000" indent="-216000">
               <a:buClr>
@@ -7009,49 +9140,17 @@
               <a:buChar char=""/>
             </a:pPr>
             <a:r>
-              <a:rPr b="0" lang="en-US" sz="1800" spc="-1" strike="noStrike">
+              <a:rPr lang="en-US" sz="1800" b="0" strike="noStrike" spc="-1">
                 <a:latin typeface="Times New Roman"/>
               </a:rPr>
-              <a:t> </a:t>
-            </a:r>
-            <a:r>
-              <a:rPr b="0" lang="en-US" sz="1800" spc="-1" strike="noStrike">
-                <a:latin typeface="Times New Roman"/>
-              </a:rPr>
-              <a:t>Reports from Reporters Without Borders (RSF) about the two journalists who are missing since 2017 emphasize the need for protection of freedom of speech.</a:t>
-            </a:r>
-            <a:endParaRPr b="0" lang="en-US" sz="1800" spc="-1" strike="noStrike">
-              <a:latin typeface="Times New Roman"/>
-            </a:endParaRPr>
+              <a:t> Reports from Reporters Without Borders (RSF) about the two journalists who are missing since 2017 emphasize the need for protection of freedom of speech.</a:t>
+            </a:r>
           </a:p>
         </p:txBody>
       </p:sp>
       <p:pic>
         <p:nvPicPr>
-          <p:cNvPr id="97" name="" descr=""/>
-          <p:cNvPicPr/>
-          <p:nvPr/>
-        </p:nvPicPr>
-        <p:blipFill>
-          <a:blip r:embed="rId1"/>
-          <a:stretch/>
-        </p:blipFill>
-        <p:spPr>
-          <a:xfrm rot="7200">
-            <a:off x="1281960" y="2195640"/>
-            <a:ext cx="1370160" cy="1753200"/>
-          </a:xfrm>
-          <a:prstGeom prst="rect">
-            <a:avLst/>
-          </a:prstGeom>
-          <a:ln>
-            <a:noFill/>
-          </a:ln>
-        </p:spPr>
-      </p:pic>
-      <p:pic>
-        <p:nvPicPr>
-          <p:cNvPr id="98" name="" descr=""/>
+          <p:cNvPr id="97" name="Imagen 96"/>
           <p:cNvPicPr/>
           <p:nvPr/>
         </p:nvPicPr>
@@ -7060,9 +9159,9 @@
           <a:stretch/>
         </p:blipFill>
         <p:spPr>
-          <a:xfrm>
-            <a:off x="5212080" y="2194560"/>
-            <a:ext cx="1280160" cy="1669680"/>
+          <a:xfrm rot="7200">
+            <a:off x="1281960" y="2195640"/>
+            <a:ext cx="1370160" cy="1753200"/>
           </a:xfrm>
           <a:prstGeom prst="rect">
             <a:avLst/>
@@ -7072,6 +9171,29 @@
           </a:ln>
         </p:spPr>
       </p:pic>
+      <p:pic>
+        <p:nvPicPr>
+          <p:cNvPr id="98" name="Imagen 97"/>
+          <p:cNvPicPr/>
+          <p:nvPr/>
+        </p:nvPicPr>
+        <p:blipFill>
+          <a:blip r:embed="rId3"/>
+          <a:stretch/>
+        </p:blipFill>
+        <p:spPr>
+          <a:xfrm>
+            <a:off x="5212080" y="2194560"/>
+            <a:ext cx="1280160" cy="1669680"/>
+          </a:xfrm>
+          <a:prstGeom prst="rect">
+            <a:avLst/>
+          </a:prstGeom>
+          <a:ln>
+            <a:noFill/>
+          </a:ln>
+        </p:spPr>
+      </p:pic>
       <p:sp>
         <p:nvSpPr>
           <p:cNvPr id="99" name="TextShape 3"/>
@@ -7080,7 +9202,7 @@
         </p:nvSpPr>
         <p:spPr>
           <a:xfrm>
-            <a:off x="1097280" y="4114800"/>
+            <a:off x="1056184" y="3864240"/>
             <a:ext cx="2942280" cy="520200"/>
           </a:xfrm>
           <a:prstGeom prst="rect">
@@ -7092,28 +9214,23 @@
           </a:ln>
         </p:spPr>
         <p:txBody>
-          <a:bodyPr lIns="90000" rIns="90000" tIns="45000" bIns="45000"/>
-          <a:p>
-            <a:r>
-              <a:rPr b="0" lang="en-US" sz="1800" spc="-1" strike="noStrike">
+          <a:bodyPr lIns="90000" tIns="45000" rIns="90000" bIns="45000"/>
+          <a:lstStyle/>
+          <a:p>
+            <a:r>
+              <a:rPr lang="en-US" sz="1800" b="0" strike="noStrike" spc="-1" dirty="0">
                 <a:latin typeface="Arial"/>
               </a:rPr>
               <a:t>38 year old Pakistani </a:t>
             </a:r>
-            <a:endParaRPr b="0" lang="en-US" sz="1800" spc="-1" strike="noStrike">
-              <a:latin typeface="Arial"/>
-            </a:endParaRPr>
-          </a:p>
-          <a:p>
-            <a:r>
-              <a:rPr b="0" lang="en-US" sz="1800" spc="-1" strike="noStrike">
+          </a:p>
+          <a:p>
+            <a:r>
+              <a:rPr lang="en-US" sz="1800" b="0" strike="noStrike" spc="-1" dirty="0">
                 <a:latin typeface="Arial"/>
               </a:rPr>
               <a:t>blogger missing since 2017</a:t>
             </a:r>
-            <a:endParaRPr b="0" lang="en-US" sz="1800" spc="-1" strike="noStrike">
-              <a:latin typeface="Arial"/>
-            </a:endParaRPr>
           </a:p>
         </p:txBody>
       </p:sp>
@@ -7125,7 +9242,7 @@
         </p:nvSpPr>
         <p:spPr>
           <a:xfrm>
-            <a:off x="4754880" y="4051800"/>
+            <a:off x="4748400" y="3864240"/>
             <a:ext cx="3487680" cy="520200"/>
           </a:xfrm>
           <a:prstGeom prst="rect">
@@ -7137,49 +9254,47 @@
           </a:ln>
         </p:spPr>
         <p:txBody>
-          <a:bodyPr lIns="90000" rIns="90000" tIns="45000" bIns="45000"/>
-          <a:p>
-            <a:r>
-              <a:rPr b="0" lang="en-US" sz="1800" spc="-1" strike="noStrike">
+          <a:bodyPr lIns="90000" tIns="45000" rIns="90000" bIns="45000"/>
+          <a:lstStyle/>
+          <a:p>
+            <a:r>
+              <a:rPr lang="en-US" sz="1800" b="0" strike="noStrike" spc="-1" dirty="0">
                 <a:latin typeface="Arial"/>
               </a:rPr>
               <a:t>29 year old Bangladeshi reporter</a:t>
             </a:r>
-            <a:endParaRPr b="0" lang="en-US" sz="1800" spc="-1" strike="noStrike">
-              <a:latin typeface="Arial"/>
-            </a:endParaRPr>
-          </a:p>
-          <a:p>
-            <a:r>
-              <a:rPr b="0" lang="en-US" sz="1800" spc="-1" strike="noStrike">
+          </a:p>
+          <a:p>
+            <a:r>
+              <a:rPr lang="en-US" sz="1800" b="0" strike="noStrike" spc="-1" dirty="0">
                 <a:latin typeface="Arial"/>
               </a:rPr>
               <a:t>missing 2017</a:t>
             </a:r>
-            <a:endParaRPr b="0" lang="en-US" sz="1800" spc="-1" strike="noStrike">
-              <a:latin typeface="Arial"/>
-            </a:endParaRPr>
           </a:p>
         </p:txBody>
       </p:sp>
     </p:spTree>
   </p:cSld>
+  <p:clrMapOvr>
+    <a:masterClrMapping/>
+  </p:clrMapOvr>
   <p:timing>
     <p:tnLst>
       <p:par>
-        <p:cTn id="9" dur="indefinite" restart="never" nodeType="tmRoot">
+        <p:cTn id="1" dur="indefinite" restart="never" nodeType="tmRoot">
           <p:childTnLst>
             <p:seq>
-              <p:cTn id="10" dur="indefinite" nodeType="mainSeq"/>
+              <p:cTn id="2" dur="indefinite" nodeType="mainSeq"/>
               <p:prevCondLst>
-                <p:cond delay="0" evt="onPrev">
+                <p:cond evt="onPrev" delay="0">
                   <p:tgtEl>
                     <p:sldTgt/>
                   </p:tgtEl>
                 </p:cond>
               </p:prevCondLst>
               <p:nextCondLst>
-                <p:cond delay="0" evt="onNext">
+                <p:cond evt="onNext" delay="0">
                   <p:tgtEl>
                     <p:sldTgt/>
                   </p:tgtEl>
@@ -7195,7 +9310,7 @@
 </file>
 
 <file path=ppt/slides/slide6.xml><?xml version="1.0" encoding="utf-8"?>
-<p:sld xmlns:a="http://schemas.openxmlformats.org/drawingml/2006/main" xmlns:p="http://schemas.openxmlformats.org/presentationml/2006/main" xmlns:r="http://schemas.openxmlformats.org/officeDocument/2006/relationships" xmlns:p14="http://schemas.microsoft.com/office/powerpoint/2010/main" xmlns:p15="http://schemas.microsoft.com/office/powerpoint/2012/main" xmlns:mc="http://schemas.openxmlformats.org/markup-compatibility/2006">
+<p:sld xmlns:a="http://schemas.openxmlformats.org/drawingml/2006/main" xmlns:r="http://schemas.openxmlformats.org/officeDocument/2006/relationships" xmlns:p="http://schemas.openxmlformats.org/presentationml/2006/main">
   <p:cSld>
     <p:spTree>
       <p:nvGrpSpPr>
@@ -7231,13 +9346,20 @@
           </a:ln>
         </p:spPr>
         <p:style>
-          <a:lnRef idx="0"/>
-          <a:fillRef idx="0"/>
-          <a:effectRef idx="0"/>
+          <a:lnRef idx="0">
+            <a:scrgbClr r="0" g="0" b="0"/>
+          </a:lnRef>
+          <a:fillRef idx="0">
+            <a:scrgbClr r="0" g="0" b="0"/>
+          </a:fillRef>
+          <a:effectRef idx="0">
+            <a:scrgbClr r="0" g="0" b="0"/>
+          </a:effectRef>
           <a:fontRef idx="minor"/>
         </p:style>
         <p:txBody>
-          <a:bodyPr lIns="90000" rIns="90000" tIns="45000" bIns="45000" anchor="ctr"/>
+          <a:bodyPr lIns="90000" tIns="45000" rIns="90000" bIns="45000" anchor="ctr"/>
+          <a:lstStyle/>
           <a:p>
             <a:pPr>
               <a:lnSpc>
@@ -7245,7 +9367,7 @@
               </a:lnSpc>
             </a:pPr>
             <a:r>
-              <a:rPr b="1" lang="en-US" sz="3000" spc="-1" strike="noStrike">
+              <a:rPr lang="en-US" sz="3000" b="1" strike="noStrike" spc="-1">
                 <a:solidFill>
                   <a:srgbClr val="404041"/>
                 </a:solidFill>
@@ -7254,7 +9376,7 @@
               </a:rPr>
               <a:t>Motivation: Organizations</a:t>
             </a:r>
-            <a:endParaRPr b="0" lang="en-US" sz="3000" spc="-1" strike="noStrike">
+            <a:endParaRPr lang="en-US" sz="3000" b="0" strike="noStrike" spc="-1">
               <a:latin typeface="Arial"/>
             </a:endParaRPr>
           </a:p>
@@ -7280,7 +9402,8 @@
           </a:ln>
         </p:spPr>
         <p:txBody>
-          <a:bodyPr lIns="90000" rIns="90000" tIns="45000" bIns="45000"/>
+          <a:bodyPr lIns="90000" tIns="45000" rIns="90000" bIns="45000"/>
+          <a:lstStyle/>
           <a:p>
             <a:pPr marL="216000" indent="-216000">
               <a:buClr>
@@ -7291,14 +9414,11 @@
               <a:buChar char=""/>
             </a:pPr>
             <a:r>
-              <a:rPr b="0" lang="en-US" sz="1800" spc="-1" strike="noStrike">
+              <a:rPr lang="en-US" sz="1800" b="0" strike="noStrike" spc="-1">
                 <a:latin typeface="Times New Roman"/>
               </a:rPr>
               <a:t>The Committee to Protect Journalists (CPJ) is an American non-profit organization that was founded in 1981</a:t>
             </a:r>
-            <a:endParaRPr b="0" lang="en-US" sz="1800" spc="-1" strike="noStrike">
-              <a:latin typeface="Times New Roman"/>
-            </a:endParaRPr>
           </a:p>
           <a:p>
             <a:pPr marL="216000" indent="-216000">
@@ -7310,14 +9430,11 @@
               <a:buChar char=""/>
             </a:pPr>
             <a:r>
-              <a:rPr b="0" lang="en-US" sz="1800" spc="-1" strike="noStrike">
+              <a:rPr lang="en-US" sz="1800" b="0" strike="noStrike" spc="-1">
                 <a:latin typeface="Times New Roman"/>
               </a:rPr>
               <a:t>Advocates press freedom and honor the journalists who face attacks, intimidation and even prison in order to report the world events.</a:t>
             </a:r>
-            <a:endParaRPr b="0" lang="en-US" sz="1800" spc="-1" strike="noStrike">
-              <a:latin typeface="Times New Roman"/>
-            </a:endParaRPr>
           </a:p>
           <a:p>
             <a:pPr marL="216000" indent="-216000">
@@ -7329,25 +9446,22 @@
               <a:buChar char=""/>
             </a:pPr>
             <a:r>
-              <a:rPr b="0" lang="en-US" sz="1800" spc="-1" strike="noStrike">
+              <a:rPr lang="en-US" sz="1800" b="0" strike="noStrike" spc="-1">
                 <a:latin typeface="Times New Roman"/>
               </a:rPr>
               <a:t>The CPJ maintains a running list of the journalists killed across the globe</a:t>
             </a:r>
-            <a:endParaRPr b="0" lang="en-US" sz="1800" spc="-1" strike="noStrike">
-              <a:latin typeface="Times New Roman"/>
-            </a:endParaRPr>
           </a:p>
         </p:txBody>
       </p:sp>
       <p:pic>
         <p:nvPicPr>
-          <p:cNvPr id="103" name="" descr=""/>
+          <p:cNvPr id="103" name="Imagen 102"/>
           <p:cNvPicPr/>
           <p:nvPr/>
         </p:nvPicPr>
         <p:blipFill>
-          <a:blip r:embed="rId1"/>
+          <a:blip r:embed="rId2"/>
           <a:stretch/>
         </p:blipFill>
         <p:spPr>
@@ -7365,22 +9479,25 @@
       </p:pic>
     </p:spTree>
   </p:cSld>
+  <p:clrMapOvr>
+    <a:masterClrMapping/>
+  </p:clrMapOvr>
   <p:timing>
     <p:tnLst>
       <p:par>
-        <p:cTn id="11" dur="indefinite" restart="never" nodeType="tmRoot">
+        <p:cTn id="1" dur="indefinite" restart="never" nodeType="tmRoot">
           <p:childTnLst>
             <p:seq>
-              <p:cTn id="12" dur="indefinite" nodeType="mainSeq"/>
+              <p:cTn id="2" dur="indefinite" nodeType="mainSeq"/>
               <p:prevCondLst>
-                <p:cond delay="0" evt="onPrev">
+                <p:cond evt="onPrev" delay="0">
                   <p:tgtEl>
                     <p:sldTgt/>
                   </p:tgtEl>
                 </p:cond>
               </p:prevCondLst>
               <p:nextCondLst>
-                <p:cond delay="0" evt="onNext">
+                <p:cond evt="onNext" delay="0">
                   <p:tgtEl>
                     <p:sldTgt/>
                   </p:tgtEl>
@@ -7396,7 +9513,7 @@
 </file>
 
 <file path=ppt/slides/slide7.xml><?xml version="1.0" encoding="utf-8"?>
-<p:sld xmlns:a="http://schemas.openxmlformats.org/drawingml/2006/main" xmlns:p="http://schemas.openxmlformats.org/presentationml/2006/main" xmlns:r="http://schemas.openxmlformats.org/officeDocument/2006/relationships" xmlns:p14="http://schemas.microsoft.com/office/powerpoint/2010/main" xmlns:p15="http://schemas.microsoft.com/office/powerpoint/2012/main" xmlns:mc="http://schemas.openxmlformats.org/markup-compatibility/2006">
+<p:sld xmlns:a="http://schemas.openxmlformats.org/drawingml/2006/main" xmlns:r="http://schemas.openxmlformats.org/officeDocument/2006/relationships" xmlns:p="http://schemas.openxmlformats.org/presentationml/2006/main">
   <p:cSld>
     <p:spTree>
       <p:nvGrpSpPr>
@@ -7432,13 +9549,20 @@
           </a:ln>
         </p:spPr>
         <p:style>
-          <a:lnRef idx="0"/>
-          <a:fillRef idx="0"/>
-          <a:effectRef idx="0"/>
+          <a:lnRef idx="0">
+            <a:scrgbClr r="0" g="0" b="0"/>
+          </a:lnRef>
+          <a:fillRef idx="0">
+            <a:scrgbClr r="0" g="0" b="0"/>
+          </a:fillRef>
+          <a:effectRef idx="0">
+            <a:scrgbClr r="0" g="0" b="0"/>
+          </a:effectRef>
           <a:fontRef idx="minor"/>
         </p:style>
         <p:txBody>
-          <a:bodyPr lIns="90000" rIns="90000" tIns="45000" bIns="45000" anchor="ctr"/>
+          <a:bodyPr lIns="90000" tIns="45000" rIns="90000" bIns="45000" anchor="ctr"/>
+          <a:lstStyle/>
           <a:p>
             <a:pPr>
               <a:lnSpc>
@@ -7446,7 +9570,7 @@
               </a:lnSpc>
             </a:pPr>
             <a:r>
-              <a:rPr b="1" lang="en-US" sz="3000" spc="-1" strike="noStrike">
+              <a:rPr lang="en-US" sz="3000" b="1" strike="noStrike" spc="-1">
                 <a:solidFill>
                   <a:srgbClr val="404041"/>
                 </a:solidFill>
@@ -7455,7 +9579,7 @@
               </a:rPr>
               <a:t>Motivation: Organizations</a:t>
             </a:r>
-            <a:endParaRPr b="0" lang="en-US" sz="3000" spc="-1" strike="noStrike">
+            <a:endParaRPr lang="en-US" sz="3000" b="0" strike="noStrike" spc="-1">
               <a:latin typeface="Arial"/>
             </a:endParaRPr>
           </a:p>
@@ -7481,7 +9605,8 @@
           </a:ln>
         </p:spPr>
         <p:txBody>
-          <a:bodyPr lIns="90000" rIns="90000" tIns="45000" bIns="45000"/>
+          <a:bodyPr lIns="90000" tIns="45000" rIns="90000" bIns="45000"/>
+          <a:lstStyle/>
           <a:p>
             <a:pPr marL="216000" indent="-216000">
               <a:buClr>
@@ -7492,25 +9617,22 @@
               <a:buChar char=""/>
             </a:pPr>
             <a:r>
-              <a:rPr b="0" lang="en-US" sz="1800" spc="-1" strike="noStrike">
+              <a:rPr lang="en-US" sz="1800" b="0" strike="noStrike" spc="-1">
                 <a:latin typeface="Times New Roman"/>
               </a:rPr>
               <a:t>Reporters without Borders (RSF) is a non profit organization based in Paris,  advocating freedom of press and information, since its foundation in 1981 </a:t>
             </a:r>
-            <a:endParaRPr b="0" lang="en-US" sz="1800" spc="-1" strike="noStrike">
-              <a:latin typeface="Times New Roman"/>
-            </a:endParaRPr>
           </a:p>
         </p:txBody>
       </p:sp>
       <p:pic>
         <p:nvPicPr>
-          <p:cNvPr id="106" name="" descr=""/>
+          <p:cNvPr id="106" name="Imagen 105"/>
           <p:cNvPicPr/>
           <p:nvPr/>
         </p:nvPicPr>
         <p:blipFill>
-          <a:blip r:embed="rId1"/>
+          <a:blip r:embed="rId2"/>
           <a:stretch/>
         </p:blipFill>
         <p:spPr>
@@ -7528,22 +9650,25 @@
       </p:pic>
     </p:spTree>
   </p:cSld>
+  <p:clrMapOvr>
+    <a:masterClrMapping/>
+  </p:clrMapOvr>
   <p:timing>
     <p:tnLst>
       <p:par>
-        <p:cTn id="13" dur="indefinite" restart="never" nodeType="tmRoot">
+        <p:cTn id="1" dur="indefinite" restart="never" nodeType="tmRoot">
           <p:childTnLst>
             <p:seq>
-              <p:cTn id="14" dur="indefinite" nodeType="mainSeq"/>
+              <p:cTn id="2" dur="indefinite" nodeType="mainSeq"/>
               <p:prevCondLst>
-                <p:cond delay="0" evt="onPrev">
+                <p:cond evt="onPrev" delay="0">
                   <p:tgtEl>
                     <p:sldTgt/>
                   </p:tgtEl>
                 </p:cond>
               </p:prevCondLst>
               <p:nextCondLst>
-                <p:cond delay="0" evt="onNext">
+                <p:cond evt="onNext" delay="0">
                   <p:tgtEl>
                     <p:sldTgt/>
                   </p:tgtEl>
@@ -7559,7 +9684,7 @@
 </file>
 
 <file path=ppt/slides/slide8.xml><?xml version="1.0" encoding="utf-8"?>
-<p:sld xmlns:a="http://schemas.openxmlformats.org/drawingml/2006/main" xmlns:p="http://schemas.openxmlformats.org/presentationml/2006/main" xmlns:r="http://schemas.openxmlformats.org/officeDocument/2006/relationships" xmlns:p14="http://schemas.microsoft.com/office/powerpoint/2010/main" xmlns:p15="http://schemas.microsoft.com/office/powerpoint/2012/main" xmlns:mc="http://schemas.openxmlformats.org/markup-compatibility/2006">
+<p:sld xmlns:a="http://schemas.openxmlformats.org/drawingml/2006/main" xmlns:r="http://schemas.openxmlformats.org/officeDocument/2006/relationships" xmlns:p="http://schemas.openxmlformats.org/presentationml/2006/main">
   <p:cSld>
     <p:spTree>
       <p:nvGrpSpPr>
@@ -7595,13 +9720,20 @@
           </a:ln>
         </p:spPr>
         <p:style>
-          <a:lnRef idx="0"/>
-          <a:fillRef idx="0"/>
-          <a:effectRef idx="0"/>
+          <a:lnRef idx="0">
+            <a:scrgbClr r="0" g="0" b="0"/>
+          </a:lnRef>
+          <a:fillRef idx="0">
+            <a:scrgbClr r="0" g="0" b="0"/>
+          </a:fillRef>
+          <a:effectRef idx="0">
+            <a:scrgbClr r="0" g="0" b="0"/>
+          </a:effectRef>
           <a:fontRef idx="minor"/>
         </p:style>
         <p:txBody>
-          <a:bodyPr lIns="90000" rIns="90000" tIns="45000" bIns="45000" anchor="ctr"/>
+          <a:bodyPr lIns="90000" tIns="45000" rIns="90000" bIns="45000" anchor="ctr"/>
+          <a:lstStyle/>
           <a:p>
             <a:pPr>
               <a:lnSpc>
@@ -7609,7 +9741,7 @@
               </a:lnSpc>
             </a:pPr>
             <a:r>
-              <a:rPr b="1" lang="en-US" sz="3000" spc="-1" strike="noStrike">
+              <a:rPr lang="en-US" sz="3000" b="1" strike="noStrike" spc="-1">
                 <a:solidFill>
                   <a:srgbClr val="404041"/>
                 </a:solidFill>
@@ -7618,7 +9750,7 @@
               </a:rPr>
               <a:t>Related Work</a:t>
             </a:r>
-            <a:endParaRPr b="0" lang="en-US" sz="3000" spc="-1" strike="noStrike">
+            <a:endParaRPr lang="en-US" sz="3000" b="0" strike="noStrike" spc="-1">
               <a:latin typeface="Arial"/>
             </a:endParaRPr>
           </a:p>
@@ -7626,12 +9758,12 @@
       </p:sp>
       <p:pic>
         <p:nvPicPr>
-          <p:cNvPr id="108" name="" descr=""/>
+          <p:cNvPr id="108" name="Imagen 107"/>
           <p:cNvPicPr/>
           <p:nvPr/>
         </p:nvPicPr>
         <p:blipFill>
-          <a:blip r:embed="rId1"/>
+          <a:blip r:embed="rId2"/>
           <a:stretch/>
         </p:blipFill>
         <p:spPr>
@@ -7667,7 +9799,8 @@
           </a:ln>
         </p:spPr>
         <p:txBody>
-          <a:bodyPr lIns="90000" rIns="90000" tIns="45000" bIns="45000"/>
+          <a:bodyPr lIns="90000" tIns="45000" rIns="90000" bIns="45000"/>
+          <a:lstStyle/>
           <a:p>
             <a:pPr marL="216000" indent="-216000">
               <a:buClr>
@@ -7678,35 +9811,35 @@
               <a:buChar char=""/>
             </a:pPr>
             <a:r>
-              <a:rPr b="0" lang="en-US" sz="1800" spc="-1" strike="noStrike">
+              <a:rPr lang="en-US" sz="1800" b="0" strike="noStrike" spc="-1">
                 <a:latin typeface="Times New Roman"/>
               </a:rPr>
               <a:t>CPJ Visualization for journalists killed between 1992 and 2018 by year  </a:t>
             </a:r>
-            <a:endParaRPr b="0" lang="en-US" sz="1800" spc="-1" strike="noStrike">
-              <a:latin typeface="Times New Roman"/>
-            </a:endParaRPr>
           </a:p>
         </p:txBody>
       </p:sp>
     </p:spTree>
   </p:cSld>
+  <p:clrMapOvr>
+    <a:masterClrMapping/>
+  </p:clrMapOvr>
   <p:timing>
     <p:tnLst>
       <p:par>
-        <p:cTn id="15" dur="indefinite" restart="never" nodeType="tmRoot">
+        <p:cTn id="1" dur="indefinite" restart="never" nodeType="tmRoot">
           <p:childTnLst>
             <p:seq>
-              <p:cTn id="16" dur="indefinite" nodeType="mainSeq"/>
+              <p:cTn id="2" dur="indefinite" nodeType="mainSeq"/>
               <p:prevCondLst>
-                <p:cond delay="0" evt="onPrev">
+                <p:cond evt="onPrev" delay="0">
                   <p:tgtEl>
                     <p:sldTgt/>
                   </p:tgtEl>
                 </p:cond>
               </p:prevCondLst>
               <p:nextCondLst>
-                <p:cond delay="0" evt="onNext">
+                <p:cond evt="onNext" delay="0">
                   <p:tgtEl>
                     <p:sldTgt/>
                   </p:tgtEl>
@@ -7722,7 +9855,7 @@
 </file>
 
 <file path=ppt/slides/slide9.xml><?xml version="1.0" encoding="utf-8"?>
-<p:sld xmlns:a="http://schemas.openxmlformats.org/drawingml/2006/main" xmlns:p="http://schemas.openxmlformats.org/presentationml/2006/main" xmlns:r="http://schemas.openxmlformats.org/officeDocument/2006/relationships" xmlns:p14="http://schemas.microsoft.com/office/powerpoint/2010/main" xmlns:p15="http://schemas.microsoft.com/office/powerpoint/2012/main" xmlns:mc="http://schemas.openxmlformats.org/markup-compatibility/2006">
+<p:sld xmlns:a="http://schemas.openxmlformats.org/drawingml/2006/main" xmlns:r="http://schemas.openxmlformats.org/officeDocument/2006/relationships" xmlns:p="http://schemas.openxmlformats.org/presentationml/2006/main">
   <p:cSld>
     <p:spTree>
       <p:nvGrpSpPr>
@@ -7758,13 +9891,20 @@
           </a:ln>
         </p:spPr>
         <p:style>
-          <a:lnRef idx="0"/>
-          <a:fillRef idx="0"/>
-          <a:effectRef idx="0"/>
+          <a:lnRef idx="0">
+            <a:scrgbClr r="0" g="0" b="0"/>
+          </a:lnRef>
+          <a:fillRef idx="0">
+            <a:scrgbClr r="0" g="0" b="0"/>
+          </a:fillRef>
+          <a:effectRef idx="0">
+            <a:scrgbClr r="0" g="0" b="0"/>
+          </a:effectRef>
           <a:fontRef idx="minor"/>
         </p:style>
         <p:txBody>
-          <a:bodyPr lIns="90000" rIns="90000" tIns="45000" bIns="45000" anchor="ctr"/>
+          <a:bodyPr lIns="90000" tIns="45000" rIns="90000" bIns="45000" anchor="ctr"/>
+          <a:lstStyle/>
           <a:p>
             <a:pPr>
               <a:lnSpc>
@@ -7772,7 +9912,7 @@
               </a:lnSpc>
             </a:pPr>
             <a:r>
-              <a:rPr b="1" lang="en-US" sz="3000" spc="-1" strike="noStrike">
+              <a:rPr lang="en-US" sz="3000" b="1" strike="noStrike" spc="-1">
                 <a:solidFill>
                   <a:srgbClr val="404041"/>
                 </a:solidFill>
@@ -7781,7 +9921,7 @@
               </a:rPr>
               <a:t>Related Work</a:t>
             </a:r>
-            <a:endParaRPr b="0" lang="en-US" sz="3000" spc="-1" strike="noStrike">
+            <a:endParaRPr lang="en-US" sz="3000" b="0" strike="noStrike" spc="-1">
               <a:latin typeface="Arial"/>
             </a:endParaRPr>
           </a:p>
@@ -7807,7 +9947,8 @@
           </a:ln>
         </p:spPr>
         <p:txBody>
-          <a:bodyPr lIns="90000" rIns="90000" tIns="45000" bIns="45000"/>
+          <a:bodyPr lIns="90000" tIns="45000" rIns="90000" bIns="45000"/>
+          <a:lstStyle/>
           <a:p>
             <a:pPr marL="216000" indent="-216000">
               <a:buClr>
@@ -7818,25 +9959,22 @@
               <a:buChar char=""/>
             </a:pPr>
             <a:r>
-              <a:rPr b="0" lang="en-US" sz="1800" spc="-1" strike="noStrike">
+              <a:rPr lang="en-US" sz="1800" b="0" strike="noStrike" spc="-1">
                 <a:latin typeface="Times New Roman"/>
               </a:rPr>
               <a:t>CPJ data map for journalists killed in the year 2018  </a:t>
             </a:r>
-            <a:endParaRPr b="0" lang="en-US" sz="1800" spc="-1" strike="noStrike">
-              <a:latin typeface="Times New Roman"/>
-            </a:endParaRPr>
           </a:p>
         </p:txBody>
       </p:sp>
       <p:pic>
         <p:nvPicPr>
-          <p:cNvPr id="112" name="" descr=""/>
+          <p:cNvPr id="112" name="Imagen 111"/>
           <p:cNvPicPr/>
           <p:nvPr/>
         </p:nvPicPr>
         <p:blipFill>
-          <a:blip r:embed="rId1"/>
+          <a:blip r:embed="rId2"/>
           <a:stretch/>
         </p:blipFill>
         <p:spPr>
@@ -7854,22 +9992,25 @@
       </p:pic>
     </p:spTree>
   </p:cSld>
+  <p:clrMapOvr>
+    <a:masterClrMapping/>
+  </p:clrMapOvr>
   <p:timing>
     <p:tnLst>
       <p:par>
-        <p:cTn id="17" dur="indefinite" restart="never" nodeType="tmRoot">
+        <p:cTn id="1" dur="indefinite" restart="never" nodeType="tmRoot">
           <p:childTnLst>
             <p:seq>
-              <p:cTn id="18" dur="indefinite" nodeType="mainSeq"/>
+              <p:cTn id="2" dur="indefinite" nodeType="mainSeq"/>
               <p:prevCondLst>
-                <p:cond delay="0" evt="onPrev">
+                <p:cond evt="onPrev" delay="0">
                   <p:tgtEl>
                     <p:sldTgt/>
                   </p:tgtEl>
                 </p:cond>
               </p:prevCondLst>
               <p:nextCondLst>
-                <p:cond delay="0" evt="onNext">
+                <p:cond evt="onNext" delay="0">
                   <p:tgtEl>
                     <p:sldTgt/>
                   </p:tgtEl>
@@ -7895,31 +10036,31 @@
         <a:sysClr val="window" lastClr="FFFFFF"/>
       </a:lt1>
       <a:dk2>
-        <a:srgbClr val="1f497d"/>
+        <a:srgbClr val="1F497D"/>
       </a:dk2>
       <a:lt2>
-        <a:srgbClr val="eeece1"/>
+        <a:srgbClr val="EEECE1"/>
       </a:lt2>
       <a:accent1>
-        <a:srgbClr val="4f81bd"/>
+        <a:srgbClr val="4F81BD"/>
       </a:accent1>
       <a:accent2>
-        <a:srgbClr val="c0504d"/>
+        <a:srgbClr val="C0504D"/>
       </a:accent2>
       <a:accent3>
-        <a:srgbClr val="9bbb59"/>
+        <a:srgbClr val="9BBB59"/>
       </a:accent3>
       <a:accent4>
-        <a:srgbClr val="8064a2"/>
+        <a:srgbClr val="8064A2"/>
       </a:accent4>
       <a:accent5>
-        <a:srgbClr val="4bacc6"/>
+        <a:srgbClr val="4BACC6"/>
       </a:accent5>
       <a:accent6>
-        <a:srgbClr val="f79646"/>
+        <a:srgbClr val="F79646"/>
       </a:accent6>
       <a:hlink>
-        <a:srgbClr val="0000ff"/>
+        <a:srgbClr val="0000FF"/>
       </a:hlink>
       <a:folHlink>
         <a:srgbClr val="800080"/>
@@ -8104,6 +10245,8 @@
       </a:bgFillStyleLst>
     </a:fmtScheme>
   </a:themeElements>
+  <a:objectDefaults/>
+  <a:extraClrSchemeLst/>
 </a:theme>
 </file>
 
@@ -8118,31 +10261,31 @@
         <a:sysClr val="window" lastClr="FFFFFF"/>
       </a:lt1>
       <a:dk2>
-        <a:srgbClr val="1f497d"/>
+        <a:srgbClr val="1F497D"/>
       </a:dk2>
       <a:lt2>
-        <a:srgbClr val="eeece1"/>
+        <a:srgbClr val="EEECE1"/>
       </a:lt2>
       <a:accent1>
-        <a:srgbClr val="4f81bd"/>
+        <a:srgbClr val="4F81BD"/>
       </a:accent1>
       <a:accent2>
-        <a:srgbClr val="c0504d"/>
+        <a:srgbClr val="C0504D"/>
       </a:accent2>
       <a:accent3>
-        <a:srgbClr val="9bbb59"/>
+        <a:srgbClr val="9BBB59"/>
       </a:accent3>
       <a:accent4>
-        <a:srgbClr val="8064a2"/>
+        <a:srgbClr val="8064A2"/>
       </a:accent4>
       <a:accent5>
-        <a:srgbClr val="4bacc6"/>
+        <a:srgbClr val="4BACC6"/>
       </a:accent5>
       <a:accent6>
-        <a:srgbClr val="f79646"/>
+        <a:srgbClr val="F79646"/>
       </a:accent6>
       <a:hlink>
-        <a:srgbClr val="0000ff"/>
+        <a:srgbClr val="0000FF"/>
       </a:hlink>
       <a:folHlink>
         <a:srgbClr val="800080"/>
@@ -8327,5 +10470,7 @@
       </a:bgFillStyleLst>
     </a:fmtScheme>
   </a:themeElements>
+  <a:objectDefaults/>
+  <a:extraClrSchemeLst/>
 </a:theme>
 </file>
--- a/dviz_ppt.pptx
+++ b/dviz_ppt.pptx
@@ -23,21 +23,22 @@
     <p:sldId id="269" r:id="rId17"/>
     <p:sldId id="271" r:id="rId18"/>
     <p:sldId id="270" r:id="rId19"/>
-    <p:sldId id="272" r:id="rId20"/>
-    <p:sldId id="274" r:id="rId21"/>
-    <p:sldId id="275" r:id="rId22"/>
-    <p:sldId id="276" r:id="rId23"/>
-    <p:sldId id="286" r:id="rId24"/>
-    <p:sldId id="277" r:id="rId25"/>
-    <p:sldId id="278" r:id="rId26"/>
-    <p:sldId id="279" r:id="rId27"/>
-    <p:sldId id="288" r:id="rId28"/>
-    <p:sldId id="289" r:id="rId29"/>
-    <p:sldId id="280" r:id="rId30"/>
-    <p:sldId id="283" r:id="rId31"/>
-    <p:sldId id="287" r:id="rId32"/>
-    <p:sldId id="284" r:id="rId33"/>
-    <p:sldId id="285" r:id="rId34"/>
+    <p:sldId id="291" r:id="rId20"/>
+    <p:sldId id="272" r:id="rId21"/>
+    <p:sldId id="274" r:id="rId22"/>
+    <p:sldId id="275" r:id="rId23"/>
+    <p:sldId id="276" r:id="rId24"/>
+    <p:sldId id="286" r:id="rId25"/>
+    <p:sldId id="277" r:id="rId26"/>
+    <p:sldId id="278" r:id="rId27"/>
+    <p:sldId id="279" r:id="rId28"/>
+    <p:sldId id="288" r:id="rId29"/>
+    <p:sldId id="289" r:id="rId30"/>
+    <p:sldId id="280" r:id="rId31"/>
+    <p:sldId id="283" r:id="rId32"/>
+    <p:sldId id="287" r:id="rId33"/>
+    <p:sldId id="284" r:id="rId34"/>
+    <p:sldId id="285" r:id="rId35"/>
   </p:sldIdLst>
   <p:sldSz cx="9144000" cy="5143500" type="screen16x9"/>
   <p:notesSz cx="7772400" cy="10058400"/>
@@ -5916,16 +5917,26 @@
               </a:lnSpc>
             </a:pPr>
             <a:r>
-              <a:rPr lang="en-US" sz="3000" b="1" strike="noStrike" spc="-1">
+              <a:rPr lang="en-US" sz="3000" b="1" strike="noStrike" spc="-1" dirty="0">
                 <a:solidFill>
                   <a:srgbClr val="404041"/>
                 </a:solidFill>
                 <a:latin typeface="Arial"/>
                 <a:ea typeface="Arial"/>
               </a:rPr>
-              <a:t>Exploratory Analysis: Time series</a:t>
-            </a:r>
-            <a:endParaRPr lang="en-US" sz="3000" b="0" strike="noStrike" spc="-1">
+              <a:t>Exploratory Analysis: </a:t>
+            </a:r>
+            <a:r>
+              <a:rPr lang="en-US" sz="3000" b="1" strike="noStrike" spc="-1" dirty="0" smtClean="0">
+                <a:solidFill>
+                  <a:srgbClr val="404041"/>
+                </a:solidFill>
+                <a:latin typeface="Arial"/>
+                <a:ea typeface="Arial"/>
+              </a:rPr>
+              <a:t>Time series</a:t>
+            </a:r>
+            <a:endParaRPr lang="en-US" sz="3000" b="0" strike="noStrike" spc="-1" dirty="0">
               <a:latin typeface="Arial"/>
             </a:endParaRPr>
           </a:p>
@@ -5982,25 +5993,26 @@
       </p:sp>
       <p:pic>
         <p:nvPicPr>
-          <p:cNvPr id="129" name="Imagen 128"/>
-          <p:cNvPicPr/>
+          <p:cNvPr id="2" name="Imagen 1"/>
+          <p:cNvPicPr>
+            <a:picLocks noChangeAspect="1"/>
+          </p:cNvPicPr>
           <p:nvPr/>
         </p:nvPicPr>
         <p:blipFill>
           <a:blip r:embed="rId2"/>
-          <a:stretch/>
+          <a:stretch>
+            <a:fillRect/>
+          </a:stretch>
         </p:blipFill>
         <p:spPr>
           <a:xfrm>
-            <a:off x="2124720" y="1290960"/>
-            <a:ext cx="5686200" cy="3342960"/>
-          </a:xfrm>
-          <a:prstGeom prst="rect">
-            <a:avLst/>
-          </a:prstGeom>
-          <a:ln>
-            <a:noFill/>
-          </a:ln>
+            <a:off x="1547866" y="1393200"/>
+            <a:ext cx="5657850" cy="3343275"/>
+          </a:xfrm>
+          <a:prstGeom prst="rect">
+            <a:avLst/>
+          </a:prstGeom>
         </p:spPr>
       </p:pic>
     </p:spTree>
@@ -6057,13 +6069,13 @@
       </p:grpSpPr>
       <p:sp>
         <p:nvSpPr>
-          <p:cNvPr id="131" name="CustomShape 1"/>
+          <p:cNvPr id="127" name="CustomShape 1"/>
           <p:cNvSpPr/>
           <p:nvPr/>
         </p:nvSpPr>
         <p:spPr>
           <a:xfrm>
-            <a:off x="529920" y="389376"/>
+            <a:off x="529920" y="399240"/>
             <a:ext cx="8002080" cy="696960"/>
           </a:xfrm>
           <a:prstGeom prst="rect">
@@ -6103,17 +6115,76 @@
                 <a:latin typeface="Arial"/>
                 <a:ea typeface="Arial"/>
               </a:rPr>
-              <a:t>Exploratory Analysis: Gender ratios </a:t>
+              <a:t>Exploratory Analysis: </a:t>
+            </a:r>
+            <a:r>
+              <a:rPr lang="en-US" sz="3000" b="1" strike="noStrike" spc="-1" dirty="0" smtClean="0">
+                <a:solidFill>
+                  <a:srgbClr val="404041"/>
+                </a:solidFill>
+                <a:latin typeface="Arial"/>
+                <a:ea typeface="Arial"/>
+              </a:rPr>
+              <a:t>Boxplot</a:t>
             </a:r>
             <a:endParaRPr lang="en-US" sz="3000" b="0" strike="noStrike" spc="-1" dirty="0">
               <a:latin typeface="Arial"/>
+            </a:endParaRPr>
+          </a:p>
+        </p:txBody>
+      </p:sp>
+      <p:sp>
+        <p:nvSpPr>
+          <p:cNvPr id="128" name="TextShape 2"/>
+          <p:cNvSpPr txBox="1"/>
+          <p:nvPr/>
+        </p:nvSpPr>
+        <p:spPr>
+          <a:xfrm>
+            <a:off x="457200" y="1049760"/>
+            <a:ext cx="8046720" cy="343440"/>
+          </a:xfrm>
+          <a:prstGeom prst="rect">
+            <a:avLst/>
+          </a:prstGeom>
+          <a:noFill/>
+          <a:ln>
+            <a:noFill/>
+          </a:ln>
+        </p:spPr>
+        <p:txBody>
+          <a:bodyPr lIns="90000" tIns="45000" rIns="90000" bIns="45000"/>
+          <a:lstStyle/>
+          <a:p>
+            <a:pPr marL="216000" indent="-216000">
+              <a:buClr>
+                <a:srgbClr val="000000"/>
+              </a:buClr>
+              <a:buSzPct val="45000"/>
+              <a:buFont typeface="Wingdings" charset="2"/>
+              <a:buChar char=""/>
+            </a:pPr>
+            <a:r>
+              <a:rPr lang="en-US" sz="1800" b="0" strike="noStrike" spc="-1" dirty="0" smtClean="0">
+                <a:latin typeface="Times New Roman"/>
+              </a:rPr>
+              <a:t>Boxplots of death counts (by year) </a:t>
+            </a:r>
+            <a:r>
+              <a:rPr lang="en-US" spc="-1" dirty="0" smtClean="0">
+                <a:latin typeface="Times New Roman"/>
+              </a:rPr>
+              <a:t>for top 10 countries with most deaths</a:t>
+            </a:r>
+            <a:endParaRPr lang="en-US" sz="1800" b="0" strike="noStrike" spc="-1" dirty="0">
+              <a:latin typeface="Times New Roman"/>
             </a:endParaRPr>
           </a:p>
         </p:txBody>
       </p:sp>
       <p:pic>
         <p:nvPicPr>
-          <p:cNvPr id="2" name="Imagen 1"/>
+          <p:cNvPr id="4" name="Imagen 3"/>
           <p:cNvPicPr>
             <a:picLocks noChangeAspect="1"/>
           </p:cNvPicPr>
@@ -6127,64 +6198,20 @@
         </p:blipFill>
         <p:spPr>
           <a:xfrm>
-            <a:off x="1626474" y="1807858"/>
-            <a:ext cx="5175018" cy="2892621"/>
+            <a:off x="2254485" y="1746720"/>
+            <a:ext cx="4552950" cy="2533650"/>
           </a:xfrm>
           <a:prstGeom prst="rect">
             <a:avLst/>
           </a:prstGeom>
         </p:spPr>
       </p:pic>
-      <p:sp>
-        <p:nvSpPr>
-          <p:cNvPr id="5" name="TextShape 2"/>
-          <p:cNvSpPr txBox="1"/>
-          <p:nvPr/>
-        </p:nvSpPr>
-        <p:spPr>
-          <a:xfrm>
-            <a:off x="457200" y="1049760"/>
-            <a:ext cx="8046720" cy="343440"/>
-          </a:xfrm>
-          <a:prstGeom prst="rect">
-            <a:avLst/>
-          </a:prstGeom>
-          <a:noFill/>
-          <a:ln>
-            <a:noFill/>
-          </a:ln>
-        </p:spPr>
-        <p:txBody>
-          <a:bodyPr lIns="90000" tIns="45000" rIns="90000" bIns="45000"/>
-          <a:lstStyle/>
-          <a:p>
-            <a:pPr marL="216000" indent="-216000">
-              <a:buClr>
-                <a:srgbClr val="000000"/>
-              </a:buClr>
-              <a:buSzPct val="45000"/>
-              <a:buFont typeface="Wingdings" charset="2"/>
-              <a:buChar char=""/>
-            </a:pPr>
-            <a:r>
-              <a:rPr lang="en-US" sz="1800" b="0" strike="noStrike" spc="-1" dirty="0">
-                <a:latin typeface="Times New Roman"/>
-              </a:rPr>
-              <a:t>Number </a:t>
-            </a:r>
-            <a:r>
-              <a:rPr lang="en-US" sz="1800" b="0" strike="noStrike" spc="-1" dirty="0" smtClean="0">
-                <a:latin typeface="Times New Roman"/>
-              </a:rPr>
-              <a:t>of male and female journalists killed by year</a:t>
-            </a:r>
-            <a:endParaRPr lang="en-US" sz="1800" b="0" strike="noStrike" spc="-1" dirty="0">
-              <a:latin typeface="Times New Roman"/>
-            </a:endParaRPr>
-          </a:p>
-        </p:txBody>
-      </p:sp>
     </p:spTree>
+    <p:extLst>
+      <p:ext uri="{BB962C8B-B14F-4D97-AF65-F5344CB8AC3E}">
+        <p14:creationId xmlns:p14="http://schemas.microsoft.com/office/powerpoint/2010/main" val="104611294"/>
+      </p:ext>
+    </p:extLst>
   </p:cSld>
   <p:clrMapOvr>
     <a:masterClrMapping/>
@@ -6238,13 +6265,13 @@
       </p:grpSpPr>
       <p:sp>
         <p:nvSpPr>
-          <p:cNvPr id="133" name="CustomShape 1"/>
+          <p:cNvPr id="131" name="CustomShape 1"/>
           <p:cNvSpPr/>
           <p:nvPr/>
         </p:nvSpPr>
         <p:spPr>
           <a:xfrm>
-            <a:off x="529920" y="759240"/>
+            <a:off x="529920" y="389376"/>
             <a:ext cx="8002080" cy="696960"/>
           </a:xfrm>
           <a:prstGeom prst="rect">
@@ -6284,17 +6311,7 @@
                 <a:latin typeface="Arial"/>
                 <a:ea typeface="Arial"/>
               </a:rPr>
-              <a:t>Exploratory </a:t>
-            </a:r>
-            <a:r>
-              <a:rPr lang="en-US" sz="3000" b="1" strike="noStrike" spc="-1" dirty="0" smtClean="0">
-                <a:solidFill>
-                  <a:srgbClr val="404041"/>
-                </a:solidFill>
-                <a:latin typeface="Arial"/>
-                <a:ea typeface="Arial"/>
-              </a:rPr>
-              <a:t>Analysis: Type of Death</a:t>
+              <a:t>Exploratory Analysis: Gender ratios </a:t>
             </a:r>
             <a:endParaRPr lang="en-US" sz="3000" b="0" strike="noStrike" spc="-1" dirty="0">
               <a:latin typeface="Arial"/>
@@ -6304,7 +6321,7 @@
       </p:sp>
       <p:pic>
         <p:nvPicPr>
-          <p:cNvPr id="3" name="Imagen 2"/>
+          <p:cNvPr id="2" name="Imagen 1"/>
           <p:cNvPicPr>
             <a:picLocks noChangeAspect="1"/>
           </p:cNvPicPr>
@@ -6318,8 +6335,8 @@
         </p:blipFill>
         <p:spPr>
           <a:xfrm>
-            <a:off x="1332910" y="2361804"/>
-            <a:ext cx="5286375" cy="1428750"/>
+            <a:off x="1626474" y="1807858"/>
+            <a:ext cx="5175018" cy="2892621"/>
           </a:xfrm>
           <a:prstGeom prst="rect">
             <a:avLst/>
@@ -6334,7 +6351,7 @@
         </p:nvSpPr>
         <p:spPr>
           <a:xfrm>
-            <a:off x="457200" y="1388802"/>
+            <a:off x="457200" y="1049760"/>
             <a:ext cx="8046720" cy="343440"/>
           </a:xfrm>
           <a:prstGeom prst="rect">
@@ -6358,10 +6375,16 @@
               <a:buChar char=""/>
             </a:pPr>
             <a:r>
+              <a:rPr lang="en-US" sz="1800" b="0" strike="noStrike" spc="-1" dirty="0">
+                <a:latin typeface="Times New Roman"/>
+              </a:rPr>
+              <a:t>Number </a:t>
+            </a:r>
+            <a:r>
               <a:rPr lang="en-US" sz="1800" b="0" strike="noStrike" spc="-1" dirty="0" smtClean="0">
                 <a:latin typeface="Times New Roman"/>
               </a:rPr>
-              <a:t>Type of deaths by year</a:t>
+              <a:t>of male and female journalists killed by year</a:t>
             </a:r>
             <a:endParaRPr lang="en-US" sz="1800" b="0" strike="noStrike" spc="-1" dirty="0">
               <a:latin typeface="Times New Roman"/>
@@ -6649,13 +6672,13 @@
       </p:grpSpPr>
       <p:sp>
         <p:nvSpPr>
-          <p:cNvPr id="134" name="CustomShape 1"/>
+          <p:cNvPr id="133" name="CustomShape 1"/>
           <p:cNvSpPr/>
           <p:nvPr/>
         </p:nvSpPr>
         <p:spPr>
           <a:xfrm>
-            <a:off x="529920" y="478683"/>
+            <a:off x="529920" y="759240"/>
             <a:ext cx="8002080" cy="696960"/>
           </a:xfrm>
           <a:prstGeom prst="rect">
@@ -6705,7 +6728,7 @@
                 <a:latin typeface="Arial"/>
                 <a:ea typeface="Arial"/>
               </a:rPr>
-              <a:t>Analysis: Freelance</a:t>
+              <a:t>Analysis: Type of Death</a:t>
             </a:r>
             <a:endParaRPr lang="en-US" sz="3000" b="0" strike="noStrike" spc="-1" dirty="0">
               <a:latin typeface="Arial"/>
@@ -6729,14 +6752,57 @@
         </p:blipFill>
         <p:spPr>
           <a:xfrm>
-            <a:off x="1411523" y="1490355"/>
-            <a:ext cx="5768596" cy="3214561"/>
+            <a:off x="1332910" y="2361804"/>
+            <a:ext cx="5286375" cy="1428750"/>
           </a:xfrm>
           <a:prstGeom prst="rect">
             <a:avLst/>
           </a:prstGeom>
         </p:spPr>
       </p:pic>
+      <p:sp>
+        <p:nvSpPr>
+          <p:cNvPr id="5" name="TextShape 2"/>
+          <p:cNvSpPr txBox="1"/>
+          <p:nvPr/>
+        </p:nvSpPr>
+        <p:spPr>
+          <a:xfrm>
+            <a:off x="457200" y="1388802"/>
+            <a:ext cx="8046720" cy="343440"/>
+          </a:xfrm>
+          <a:prstGeom prst="rect">
+            <a:avLst/>
+          </a:prstGeom>
+          <a:noFill/>
+          <a:ln>
+            <a:noFill/>
+          </a:ln>
+        </p:spPr>
+        <p:txBody>
+          <a:bodyPr lIns="90000" tIns="45000" rIns="90000" bIns="45000"/>
+          <a:lstStyle/>
+          <a:p>
+            <a:pPr marL="216000" indent="-216000">
+              <a:buClr>
+                <a:srgbClr val="000000"/>
+              </a:buClr>
+              <a:buSzPct val="45000"/>
+              <a:buFont typeface="Wingdings" charset="2"/>
+              <a:buChar char=""/>
+            </a:pPr>
+            <a:r>
+              <a:rPr lang="en-US" sz="1800" b="0" strike="noStrike" spc="-1" dirty="0" smtClean="0">
+                <a:latin typeface="Times New Roman"/>
+              </a:rPr>
+              <a:t>Type of deaths by year</a:t>
+            </a:r>
+            <a:endParaRPr lang="en-US" sz="1800" b="0" strike="noStrike" spc="-1" dirty="0">
+              <a:latin typeface="Times New Roman"/>
+            </a:endParaRPr>
+          </a:p>
+        </p:txBody>
+      </p:sp>
     </p:spTree>
   </p:cSld>
   <p:clrMapOvr>
@@ -6791,13 +6857,13 @@
       </p:grpSpPr>
       <p:sp>
         <p:nvSpPr>
-          <p:cNvPr id="135" name="CustomShape 1"/>
+          <p:cNvPr id="134" name="CustomShape 1"/>
           <p:cNvSpPr/>
           <p:nvPr/>
         </p:nvSpPr>
         <p:spPr>
           <a:xfrm>
-            <a:off x="529920" y="759240"/>
+            <a:off x="529920" y="478683"/>
             <a:ext cx="8002080" cy="696960"/>
           </a:xfrm>
           <a:prstGeom prst="rect">
@@ -6837,7 +6903,7 @@
                 <a:latin typeface="Arial"/>
                 <a:ea typeface="Arial"/>
               </a:rPr>
-              <a:t>Exploratory Analysis</a:t>
+              <a:t>Exploratory </a:t>
             </a:r>
             <a:r>
               <a:rPr lang="en-US" sz="3000" b="1" strike="noStrike" spc="-1" dirty="0" smtClean="0">
@@ -6847,7 +6913,7 @@
                 <a:latin typeface="Arial"/>
                 <a:ea typeface="Arial"/>
               </a:rPr>
-              <a:t>: Local</a:t>
+              <a:t>Analysis: Freelance</a:t>
             </a:r>
             <a:endParaRPr lang="en-US" sz="3000" b="0" strike="noStrike" spc="-1" dirty="0">
               <a:latin typeface="Arial"/>
@@ -6857,7 +6923,7 @@
       </p:sp>
       <p:pic>
         <p:nvPicPr>
-          <p:cNvPr id="2" name="Imagen 1"/>
+          <p:cNvPr id="3" name="Imagen 2"/>
           <p:cNvPicPr>
             <a:picLocks noChangeAspect="1"/>
           </p:cNvPicPr>
@@ -6871,8 +6937,8 @@
         </p:blipFill>
         <p:spPr>
           <a:xfrm>
-            <a:off x="1824572" y="2306783"/>
-            <a:ext cx="5412775" cy="1341726"/>
+            <a:off x="1411523" y="1490355"/>
+            <a:ext cx="5768596" cy="3214561"/>
           </a:xfrm>
           <a:prstGeom prst="rect">
             <a:avLst/>
@@ -6939,7 +7005,7 @@
         </p:nvSpPr>
         <p:spPr>
           <a:xfrm>
-            <a:off x="529919" y="270863"/>
+            <a:off x="529920" y="759240"/>
             <a:ext cx="8002080" cy="696960"/>
           </a:xfrm>
           <a:prstGeom prst="rect">
@@ -6989,7 +7055,7 @@
                 <a:latin typeface="Arial"/>
                 <a:ea typeface="Arial"/>
               </a:rPr>
-              <a:t>: Impunity of Murder</a:t>
+              <a:t>: Local</a:t>
             </a:r>
             <a:endParaRPr lang="en-US" sz="3000" b="0" strike="noStrike" spc="-1" dirty="0">
               <a:latin typeface="Arial"/>
@@ -6999,7 +7065,7 @@
       </p:sp>
       <p:pic>
         <p:nvPicPr>
-          <p:cNvPr id="3" name="Imagen 2"/>
+          <p:cNvPr id="2" name="Imagen 1"/>
           <p:cNvPicPr>
             <a:picLocks noChangeAspect="1"/>
           </p:cNvPicPr>
@@ -7013,8 +7079,8 @@
         </p:blipFill>
         <p:spPr>
           <a:xfrm>
-            <a:off x="1431915" y="1402597"/>
-            <a:ext cx="6198088" cy="3146456"/>
+            <a:off x="1824572" y="2306783"/>
+            <a:ext cx="5412775" cy="1341726"/>
           </a:xfrm>
           <a:prstGeom prst="rect">
             <a:avLst/>
@@ -7022,11 +7088,6 @@
         </p:spPr>
       </p:pic>
     </p:spTree>
-    <p:extLst>
-      <p:ext uri="{BB962C8B-B14F-4D97-AF65-F5344CB8AC3E}">
-        <p14:creationId xmlns:p14="http://schemas.microsoft.com/office/powerpoint/2010/main" val="4072888775"/>
-      </p:ext>
-    </p:extLst>
   </p:cSld>
   <p:clrMapOvr>
     <a:masterClrMapping/>
@@ -7080,13 +7141,13 @@
       </p:grpSpPr>
       <p:sp>
         <p:nvSpPr>
-          <p:cNvPr id="136" name="CustomShape 1"/>
+          <p:cNvPr id="135" name="CustomShape 1"/>
           <p:cNvSpPr/>
           <p:nvPr/>
         </p:nvSpPr>
         <p:spPr>
           <a:xfrm>
-            <a:off x="529920" y="759240"/>
+            <a:off x="529919" y="270863"/>
             <a:ext cx="8002080" cy="696960"/>
           </a:xfrm>
           <a:prstGeom prst="rect">
@@ -7119,16 +7180,26 @@
               </a:lnSpc>
             </a:pPr>
             <a:r>
-              <a:rPr lang="en-US" sz="3000" b="1" strike="noStrike" spc="-1">
+              <a:rPr lang="en-US" sz="3000" b="1" strike="noStrike" spc="-1" dirty="0">
                 <a:solidFill>
                   <a:srgbClr val="404041"/>
                 </a:solidFill>
                 <a:latin typeface="Arial"/>
                 <a:ea typeface="Arial"/>
               </a:rPr>
-              <a:t>Data Map: Country Codes</a:t>
-            </a:r>
-            <a:endParaRPr lang="en-US" sz="3000" b="0" strike="noStrike" spc="-1">
+              <a:t>Exploratory Analysis</a:t>
+            </a:r>
+            <a:r>
+              <a:rPr lang="en-US" sz="3000" b="1" strike="noStrike" spc="-1" dirty="0" smtClean="0">
+                <a:solidFill>
+                  <a:srgbClr val="404041"/>
+                </a:solidFill>
+                <a:latin typeface="Arial"/>
+                <a:ea typeface="Arial"/>
+              </a:rPr>
+              <a:t>: Impunity of Murder</a:t>
+            </a:r>
+            <a:endParaRPr lang="en-US" sz="3000" b="0" strike="noStrike" spc="-1" dirty="0">
               <a:latin typeface="Arial"/>
             </a:endParaRPr>
           </a:p>
@@ -7136,7 +7207,7 @@
       </p:sp>
       <p:pic>
         <p:nvPicPr>
-          <p:cNvPr id="2" name="Imagen 1"/>
+          <p:cNvPr id="3" name="Imagen 2"/>
           <p:cNvPicPr>
             <a:picLocks noChangeAspect="1"/>
           </p:cNvPicPr>
@@ -7150,8 +7221,8 @@
         </p:blipFill>
         <p:spPr>
           <a:xfrm>
-            <a:off x="1053812" y="1456200"/>
-            <a:ext cx="5581650" cy="2962275"/>
+            <a:off x="1431915" y="1402597"/>
+            <a:ext cx="6198088" cy="3146456"/>
           </a:xfrm>
           <a:prstGeom prst="rect">
             <a:avLst/>
@@ -7159,6 +7230,11 @@
         </p:spPr>
       </p:pic>
     </p:spTree>
+    <p:extLst>
+      <p:ext uri="{BB962C8B-B14F-4D97-AF65-F5344CB8AC3E}">
+        <p14:creationId xmlns:p14="http://schemas.microsoft.com/office/powerpoint/2010/main" val="4072888775"/>
+      </p:ext>
+    </p:extLst>
   </p:cSld>
   <p:clrMapOvr>
     <a:masterClrMapping/>
@@ -7212,13 +7288,13 @@
       </p:grpSpPr>
       <p:sp>
         <p:nvSpPr>
-          <p:cNvPr id="137" name="CustomShape 1"/>
+          <p:cNvPr id="136" name="CustomShape 1"/>
           <p:cNvSpPr/>
           <p:nvPr/>
         </p:nvSpPr>
         <p:spPr>
           <a:xfrm>
-            <a:off x="529920" y="73434"/>
+            <a:off x="529920" y="759240"/>
             <a:ext cx="8002080" cy="696960"/>
           </a:xfrm>
           <a:prstGeom prst="rect">
@@ -7251,16 +7327,16 @@
               </a:lnSpc>
             </a:pPr>
             <a:r>
-              <a:rPr lang="en-US" sz="3000" b="1" strike="noStrike" spc="-1" dirty="0">
+              <a:rPr lang="en-US" sz="3000" b="1" strike="noStrike" spc="-1">
                 <a:solidFill>
                   <a:srgbClr val="404041"/>
                 </a:solidFill>
                 <a:latin typeface="Arial"/>
                 <a:ea typeface="Arial"/>
               </a:rPr>
-              <a:t>Data Map: 1992 - 2016</a:t>
-            </a:r>
-            <a:endParaRPr lang="en-US" sz="3000" b="0" strike="noStrike" spc="-1" dirty="0">
+              <a:t>Data Map: Country Codes</a:t>
+            </a:r>
+            <a:endParaRPr lang="en-US" sz="3000" b="0" strike="noStrike" spc="-1">
               <a:latin typeface="Arial"/>
             </a:endParaRPr>
           </a:p>
@@ -7268,7 +7344,7 @@
       </p:sp>
       <p:pic>
         <p:nvPicPr>
-          <p:cNvPr id="5" name="Imagen 4"/>
+          <p:cNvPr id="2" name="Imagen 1"/>
           <p:cNvPicPr>
             <a:picLocks noChangeAspect="1"/>
           </p:cNvPicPr>
@@ -7282,8 +7358,8 @@
         </p:blipFill>
         <p:spPr>
           <a:xfrm>
-            <a:off x="961548" y="976045"/>
-            <a:ext cx="7162514" cy="3683131"/>
+            <a:off x="1053812" y="1456200"/>
+            <a:ext cx="5581650" cy="2962275"/>
           </a:xfrm>
           <a:prstGeom prst="rect">
             <a:avLst/>
@@ -7344,13 +7420,13 @@
       </p:grpSpPr>
       <p:sp>
         <p:nvSpPr>
-          <p:cNvPr id="138" name="CustomShape 1"/>
+          <p:cNvPr id="137" name="CustomShape 1"/>
           <p:cNvSpPr/>
           <p:nvPr/>
         </p:nvSpPr>
         <p:spPr>
           <a:xfrm>
-            <a:off x="529920" y="260472"/>
+            <a:off x="529920" y="73434"/>
             <a:ext cx="8002080" cy="696960"/>
           </a:xfrm>
           <a:prstGeom prst="rect">
@@ -7390,17 +7466,7 @@
                 <a:latin typeface="Arial"/>
                 <a:ea typeface="Arial"/>
               </a:rPr>
-              <a:t>Data </a:t>
-            </a:r>
-            <a:r>
-              <a:rPr lang="en-US" sz="3000" b="1" strike="noStrike" spc="-1" dirty="0" smtClean="0">
-                <a:solidFill>
-                  <a:srgbClr val="404041"/>
-                </a:solidFill>
-                <a:latin typeface="Arial"/>
-                <a:ea typeface="Arial"/>
-              </a:rPr>
-              <a:t>Map:2006 Philippines massacre</a:t>
+              <a:t>Data Map: 1992 - 2016</a:t>
             </a:r>
             <a:endParaRPr lang="en-US" sz="3000" b="0" strike="noStrike" spc="-1" dirty="0">
               <a:latin typeface="Arial"/>
@@ -7410,7 +7476,7 @@
       </p:sp>
       <p:pic>
         <p:nvPicPr>
-          <p:cNvPr id="3" name="Imagen 2"/>
+          <p:cNvPr id="5" name="Imagen 4"/>
           <p:cNvPicPr>
             <a:picLocks noChangeAspect="1"/>
           </p:cNvPicPr>
@@ -7424,8 +7490,8 @@
         </p:blipFill>
         <p:spPr>
           <a:xfrm>
-            <a:off x="1062471" y="882311"/>
-            <a:ext cx="7229475" cy="3827369"/>
+            <a:off x="961548" y="976045"/>
+            <a:ext cx="7162514" cy="3683131"/>
           </a:xfrm>
           <a:prstGeom prst="rect">
             <a:avLst/>
@@ -7542,27 +7608,7 @@
                 <a:latin typeface="Arial"/>
                 <a:ea typeface="Arial"/>
               </a:rPr>
-              <a:t>Map:2012 rise of deaths in </a:t>
-            </a:r>
-            <a:r>
-              <a:rPr lang="en-US" sz="3000" b="1" spc="-1" dirty="0">
-                <a:solidFill>
-                  <a:srgbClr val="404041"/>
-                </a:solidFill>
-                <a:latin typeface="Arial"/>
-                <a:ea typeface="Arial"/>
-              </a:rPr>
-              <a:t>S</a:t>
-            </a:r>
-            <a:r>
-              <a:rPr lang="en-US" sz="3000" b="1" strike="noStrike" spc="-1" dirty="0" smtClean="0">
-                <a:solidFill>
-                  <a:srgbClr val="404041"/>
-                </a:solidFill>
-                <a:latin typeface="Arial"/>
-                <a:ea typeface="Arial"/>
-              </a:rPr>
-              <a:t>yria</a:t>
+              <a:t>Map:2006 Philippines massacre</a:t>
             </a:r>
             <a:endParaRPr lang="en-US" sz="3000" b="0" strike="noStrike" spc="-1" dirty="0">
               <a:latin typeface="Arial"/>
@@ -7572,7 +7618,7 @@
       </p:sp>
       <p:pic>
         <p:nvPicPr>
-          <p:cNvPr id="4" name="Imagen 3"/>
+          <p:cNvPr id="3" name="Imagen 2"/>
           <p:cNvPicPr>
             <a:picLocks noChangeAspect="1"/>
           </p:cNvPicPr>
@@ -7586,8 +7632,8 @@
         </p:blipFill>
         <p:spPr>
           <a:xfrm>
-            <a:off x="1048923" y="1060613"/>
-            <a:ext cx="6964074" cy="3591916"/>
+            <a:off x="1062471" y="882311"/>
+            <a:ext cx="7229475" cy="3827369"/>
           </a:xfrm>
           <a:prstGeom prst="rect">
             <a:avLst/>
@@ -7595,11 +7641,6 @@
         </p:spPr>
       </p:pic>
     </p:spTree>
-    <p:extLst>
-      <p:ext uri="{BB962C8B-B14F-4D97-AF65-F5344CB8AC3E}">
-        <p14:creationId xmlns:p14="http://schemas.microsoft.com/office/powerpoint/2010/main" val="2878631577"/>
-      </p:ext>
-    </p:extLst>
   </p:cSld>
   <p:clrMapOvr>
     <a:masterClrMapping/>
@@ -7659,7 +7700,7 @@
         </p:nvSpPr>
         <p:spPr>
           <a:xfrm>
-            <a:off x="529920" y="146171"/>
+            <a:off x="529920" y="260472"/>
             <a:ext cx="8002080" cy="696960"/>
           </a:xfrm>
           <a:prstGeom prst="rect">
@@ -7709,17 +7750,27 @@
                 <a:latin typeface="Arial"/>
                 <a:ea typeface="Arial"/>
               </a:rPr>
-              <a:t>Map:1995 Algerian Civi</a:t>
-            </a:r>
-            <a:r>
-              <a:rPr lang="en-US" sz="3000" b="1" spc="-1" dirty="0" smtClean="0">
+              <a:t>Map:2012 rise of deaths in </a:t>
+            </a:r>
+            <a:r>
+              <a:rPr lang="en-US" sz="3000" b="1" spc="-1" dirty="0">
                 <a:solidFill>
                   <a:srgbClr val="404041"/>
                 </a:solidFill>
                 <a:latin typeface="Arial"/>
                 <a:ea typeface="Arial"/>
               </a:rPr>
-              <a:t>l War</a:t>
+              <a:t>S</a:t>
+            </a:r>
+            <a:r>
+              <a:rPr lang="en-US" sz="3000" b="1" strike="noStrike" spc="-1" dirty="0" smtClean="0">
+                <a:solidFill>
+                  <a:srgbClr val="404041"/>
+                </a:solidFill>
+                <a:latin typeface="Arial"/>
+                <a:ea typeface="Arial"/>
+              </a:rPr>
+              <a:t>yria</a:t>
             </a:r>
             <a:endParaRPr lang="en-US" sz="3000" b="0" strike="noStrike" spc="-1" dirty="0">
               <a:latin typeface="Arial"/>
@@ -7729,7 +7780,7 @@
       </p:sp>
       <p:pic>
         <p:nvPicPr>
-          <p:cNvPr id="2" name="Imagen 1"/>
+          <p:cNvPr id="4" name="Imagen 3"/>
           <p:cNvPicPr>
             <a:picLocks noChangeAspect="1"/>
           </p:cNvPicPr>
@@ -7743,8 +7794,8 @@
         </p:blipFill>
         <p:spPr>
           <a:xfrm>
-            <a:off x="998393" y="947041"/>
-            <a:ext cx="7366289" cy="3755679"/>
+            <a:off x="1048923" y="1060613"/>
+            <a:ext cx="6964074" cy="3591916"/>
           </a:xfrm>
           <a:prstGeom prst="rect">
             <a:avLst/>
@@ -7754,7 +7805,7 @@
     </p:spTree>
     <p:extLst>
       <p:ext uri="{BB962C8B-B14F-4D97-AF65-F5344CB8AC3E}">
-        <p14:creationId xmlns:p14="http://schemas.microsoft.com/office/powerpoint/2010/main" val="2116996356"/>
+        <p14:creationId xmlns:p14="http://schemas.microsoft.com/office/powerpoint/2010/main" val="2878631577"/>
       </p:ext>
     </p:extLst>
   </p:cSld>
@@ -7810,13 +7861,13 @@
       </p:grpSpPr>
       <p:sp>
         <p:nvSpPr>
-          <p:cNvPr id="139" name="CustomShape 1"/>
+          <p:cNvPr id="138" name="CustomShape 1"/>
           <p:cNvSpPr/>
           <p:nvPr/>
         </p:nvSpPr>
         <p:spPr>
           <a:xfrm>
-            <a:off x="529920" y="142797"/>
+            <a:off x="529920" y="146171"/>
             <a:ext cx="8002080" cy="696960"/>
           </a:xfrm>
           <a:prstGeom prst="rect">
@@ -7856,7 +7907,27 @@
                 <a:latin typeface="Arial"/>
                 <a:ea typeface="Arial"/>
               </a:rPr>
-              <a:t>Network Graph: 1992-2016</a:t>
+              <a:t>Data </a:t>
+            </a:r>
+            <a:r>
+              <a:rPr lang="en-US" sz="3000" b="1" strike="noStrike" spc="-1" dirty="0" smtClean="0">
+                <a:solidFill>
+                  <a:srgbClr val="404041"/>
+                </a:solidFill>
+                <a:latin typeface="Arial"/>
+                <a:ea typeface="Arial"/>
+              </a:rPr>
+              <a:t>Map:1995 Algerian Civi</a:t>
+            </a:r>
+            <a:r>
+              <a:rPr lang="en-US" sz="3000" b="1" spc="-1" dirty="0" smtClean="0">
+                <a:solidFill>
+                  <a:srgbClr val="404041"/>
+                </a:solidFill>
+                <a:latin typeface="Arial"/>
+                <a:ea typeface="Arial"/>
+              </a:rPr>
+              <a:t>l War</a:t>
             </a:r>
             <a:endParaRPr lang="en-US" sz="3000" b="0" strike="noStrike" spc="-1" dirty="0">
               <a:latin typeface="Arial"/>
@@ -7880,44 +7951,20 @@
         </p:blipFill>
         <p:spPr>
           <a:xfrm>
-            <a:off x="1664277" y="1528118"/>
-            <a:ext cx="4518314" cy="3180838"/>
+            <a:off x="998393" y="947041"/>
+            <a:ext cx="7366289" cy="3755679"/>
           </a:xfrm>
           <a:prstGeom prst="rect">
             <a:avLst/>
           </a:prstGeom>
         </p:spPr>
       </p:pic>
-      <p:sp>
-        <p:nvSpPr>
-          <p:cNvPr id="3" name="CuadroTexto 2"/>
-          <p:cNvSpPr txBox="1"/>
-          <p:nvPr/>
-        </p:nvSpPr>
-        <p:spPr>
-          <a:xfrm>
-            <a:off x="1664277" y="878130"/>
-            <a:ext cx="5768138" cy="369332"/>
-          </a:xfrm>
-          <a:prstGeom prst="rect">
-            <a:avLst/>
-          </a:prstGeom>
-          <a:noFill/>
-        </p:spPr>
-        <p:txBody>
-          <a:bodyPr wrap="square" rtlCol="0">
-            <a:spAutoFit/>
-          </a:bodyPr>
-          <a:lstStyle/>
-          <a:p>
-            <a:r>
-              <a:rPr lang="en-US" dirty="0" smtClean="0"/>
-              <a:t>Network of Journalists and coverage</a:t>
-            </a:r>
-          </a:p>
-        </p:txBody>
-      </p:sp>
     </p:spTree>
+    <p:extLst>
+      <p:ext uri="{BB962C8B-B14F-4D97-AF65-F5344CB8AC3E}">
+        <p14:creationId xmlns:p14="http://schemas.microsoft.com/office/powerpoint/2010/main" val="2116996356"/>
+      </p:ext>
+    </p:extLst>
   </p:cSld>
   <p:clrMapOvr>
     <a:masterClrMapping/>
@@ -7971,13 +8018,13 @@
       </p:grpSpPr>
       <p:sp>
         <p:nvSpPr>
-          <p:cNvPr id="142" name="CustomShape 1"/>
+          <p:cNvPr id="139" name="CustomShape 1"/>
           <p:cNvSpPr/>
           <p:nvPr/>
         </p:nvSpPr>
         <p:spPr>
           <a:xfrm>
-            <a:off x="529920" y="759240"/>
+            <a:off x="529920" y="142797"/>
             <a:ext cx="8002080" cy="696960"/>
           </a:xfrm>
           <a:prstGeom prst="rect">
@@ -8010,14 +8057,14 @@
               </a:lnSpc>
             </a:pPr>
             <a:r>
-              <a:rPr lang="en-US" sz="3000" b="1" strike="noStrike" spc="-1" dirty="0" smtClean="0">
+              <a:rPr lang="en-US" sz="3000" b="1" strike="noStrike" spc="-1" dirty="0">
                 <a:solidFill>
                   <a:srgbClr val="404041"/>
                 </a:solidFill>
                 <a:latin typeface="Arial"/>
                 <a:ea typeface="Arial"/>
               </a:rPr>
-              <a:t>Demo</a:t>
+              <a:t>Network Graph: 1992-2016</a:t>
             </a:r>
             <a:endParaRPr lang="en-US" sz="3000" b="0" strike="noStrike" spc="-1" dirty="0">
               <a:latin typeface="Arial"/>
@@ -8025,6 +8072,30 @@
           </a:p>
         </p:txBody>
       </p:sp>
+      <p:pic>
+        <p:nvPicPr>
+          <p:cNvPr id="2" name="Imagen 1"/>
+          <p:cNvPicPr>
+            <a:picLocks noChangeAspect="1"/>
+          </p:cNvPicPr>
+          <p:nvPr/>
+        </p:nvPicPr>
+        <p:blipFill>
+          <a:blip r:embed="rId2"/>
+          <a:stretch>
+            <a:fillRect/>
+          </a:stretch>
+        </p:blipFill>
+        <p:spPr>
+          <a:xfrm>
+            <a:off x="1664277" y="1528118"/>
+            <a:ext cx="4518314" cy="3180838"/>
+          </a:xfrm>
+          <a:prstGeom prst="rect">
+            <a:avLst/>
+          </a:prstGeom>
+        </p:spPr>
+      </p:pic>
       <p:sp>
         <p:nvSpPr>
           <p:cNvPr id="3" name="CuadroTexto 2"/>
@@ -8033,8 +8104,8 @@
         </p:nvSpPr>
         <p:spPr>
           <a:xfrm>
-            <a:off x="519645" y="1628144"/>
-            <a:ext cx="6353765" cy="369332"/>
+            <a:off x="1664277" y="878130"/>
+            <a:ext cx="5768138" cy="369332"/>
           </a:xfrm>
           <a:prstGeom prst="rect">
             <a:avLst/>
@@ -8048,14 +8119,8 @@
           <a:lstStyle/>
           <a:p>
             <a:r>
-              <a:rPr lang="en-US" dirty="0" smtClean="0">
-                <a:hlinkClick r:id="rId2"/>
-              </a:rPr>
-              <a:t>Webpage</a:t>
-            </a:r>
-            <a:r>
               <a:rPr lang="en-US" dirty="0" smtClean="0"/>
-              <a:t>: https://seashiva94.github.io/data_viz_project/</a:t>
+              <a:t>Network of Journalists and coverage</a:t>
             </a:r>
           </a:p>
         </p:txBody>
@@ -8378,31 +8443,31 @@
               </a:lnSpc>
             </a:pPr>
             <a:r>
-              <a:rPr lang="en-US" sz="3000" b="1" strike="noStrike" spc="-1">
+              <a:rPr lang="en-US" sz="3000" b="1" strike="noStrike" spc="-1" dirty="0" smtClean="0">
                 <a:solidFill>
                   <a:srgbClr val="404041"/>
                 </a:solidFill>
                 <a:latin typeface="Arial"/>
                 <a:ea typeface="Arial"/>
               </a:rPr>
-              <a:t>Challenges</a:t>
-            </a:r>
-            <a:endParaRPr lang="en-US" sz="3000" b="0" strike="noStrike" spc="-1">
-              <a:latin typeface="Arial"/>
-            </a:endParaRPr>
-          </a:p>
-        </p:txBody>
-      </p:sp>
-      <p:sp>
-        <p:nvSpPr>
-          <p:cNvPr id="4" name="CuadroTexto 3"/>
+              <a:t>Demo</a:t>
+            </a:r>
+            <a:endParaRPr lang="en-US" sz="3000" b="0" strike="noStrike" spc="-1" dirty="0">
+              <a:latin typeface="Arial"/>
+            </a:endParaRPr>
+          </a:p>
+        </p:txBody>
+      </p:sp>
+      <p:sp>
+        <p:nvSpPr>
+          <p:cNvPr id="3" name="CuadroTexto 2"/>
           <p:cNvSpPr txBox="1"/>
           <p:nvPr/>
         </p:nvSpPr>
         <p:spPr>
           <a:xfrm>
             <a:off x="519645" y="1628144"/>
-            <a:ext cx="7021586" cy="1477328"/>
+            <a:ext cx="6353765" cy="369332"/>
           </a:xfrm>
           <a:prstGeom prst="rect">
             <a:avLst/>
@@ -8415,74 +8480,20 @@
           </a:bodyPr>
           <a:lstStyle/>
           <a:p>
-            <a:pPr marL="285750" indent="-285750">
-              <a:buFont typeface="Arial" panose="020B0604020202020204" pitchFamily="34" charset="0"/>
-              <a:buChar char="•"/>
-            </a:pPr>
+            <a:r>
+              <a:rPr lang="en-US" dirty="0" smtClean="0">
+                <a:hlinkClick r:id="rId2"/>
+              </a:rPr>
+              <a:t>Webpage</a:t>
+            </a:r>
             <a:r>
               <a:rPr lang="en-US" dirty="0" smtClean="0"/>
-              <a:t>Learning to make interactive maps in </a:t>
-            </a:r>
-            <a:r>
-              <a:rPr lang="en-US" dirty="0" err="1" smtClean="0"/>
-              <a:t>altair</a:t>
-            </a:r>
-            <a:endParaRPr lang="en-US" dirty="0"/>
-          </a:p>
-          <a:p>
-            <a:pPr marL="742950" lvl="1" indent="-285750">
-              <a:buFont typeface="Arial" panose="020B0604020202020204" pitchFamily="34" charset="0"/>
-              <a:buChar char="•"/>
-            </a:pPr>
-            <a:r>
-              <a:rPr lang="en-US" dirty="0" smtClean="0"/>
-              <a:t>Maps do not support some common functionality</a:t>
-            </a:r>
-          </a:p>
-          <a:p>
-            <a:pPr marL="285750" indent="-285750">
-              <a:buFont typeface="Arial" panose="020B0604020202020204" pitchFamily="34" charset="0"/>
-              <a:buChar char="•"/>
-            </a:pPr>
-            <a:endParaRPr lang="en-US" dirty="0"/>
-          </a:p>
-          <a:p>
-            <a:pPr marL="285750" indent="-285750">
-              <a:buFont typeface="Arial" panose="020B0604020202020204" pitchFamily="34" charset="0"/>
-              <a:buChar char="•"/>
-            </a:pPr>
-            <a:r>
-              <a:rPr lang="en-US" dirty="0" smtClean="0"/>
-              <a:t>Slider for year selection in python did not work</a:t>
-            </a:r>
-          </a:p>
-          <a:p>
-            <a:pPr marL="742950" lvl="1" indent="-285750">
-              <a:buFont typeface="Arial" panose="020B0604020202020204" pitchFamily="34" charset="0"/>
-              <a:buChar char="•"/>
-            </a:pPr>
-            <a:r>
-              <a:rPr lang="en-US" dirty="0" smtClean="0"/>
-              <a:t>Used </a:t>
-            </a:r>
-            <a:r>
-              <a:rPr lang="en-US" dirty="0" err="1" smtClean="0"/>
-              <a:t>jquery</a:t>
-            </a:r>
-            <a:r>
-              <a:rPr lang="en-US" dirty="0" smtClean="0"/>
-              <a:t> in the end</a:t>
-            </a:r>
-            <a:endParaRPr lang="en-US" dirty="0"/>
+              <a:t>: https://seashiva94.github.io/data_viz_project/</a:t>
+            </a:r>
           </a:p>
         </p:txBody>
       </p:sp>
     </p:spTree>
-    <p:extLst>
-      <p:ext uri="{BB962C8B-B14F-4D97-AF65-F5344CB8AC3E}">
-        <p14:creationId xmlns:p14="http://schemas.microsoft.com/office/powerpoint/2010/main" val="3095711716"/>
-      </p:ext>
-    </p:extLst>
   </p:cSld>
   <p:clrMapOvr>
     <a:masterClrMapping/>
@@ -8536,6 +8547,203 @@
       </p:grpSpPr>
       <p:sp>
         <p:nvSpPr>
+          <p:cNvPr id="142" name="CustomShape 1"/>
+          <p:cNvSpPr/>
+          <p:nvPr/>
+        </p:nvSpPr>
+        <p:spPr>
+          <a:xfrm>
+            <a:off x="529920" y="759240"/>
+            <a:ext cx="8002080" cy="696960"/>
+          </a:xfrm>
+          <a:prstGeom prst="rect">
+            <a:avLst/>
+          </a:prstGeom>
+          <a:noFill/>
+          <a:ln>
+            <a:noFill/>
+          </a:ln>
+        </p:spPr>
+        <p:style>
+          <a:lnRef idx="0">
+            <a:scrgbClr r="0" g="0" b="0"/>
+          </a:lnRef>
+          <a:fillRef idx="0">
+            <a:scrgbClr r="0" g="0" b="0"/>
+          </a:fillRef>
+          <a:effectRef idx="0">
+            <a:scrgbClr r="0" g="0" b="0"/>
+          </a:effectRef>
+          <a:fontRef idx="minor"/>
+        </p:style>
+        <p:txBody>
+          <a:bodyPr lIns="90000" tIns="45000" rIns="90000" bIns="45000" anchor="ctr"/>
+          <a:lstStyle/>
+          <a:p>
+            <a:pPr>
+              <a:lnSpc>
+                <a:spcPct val="100000"/>
+              </a:lnSpc>
+            </a:pPr>
+            <a:r>
+              <a:rPr lang="en-US" sz="3000" b="1" strike="noStrike" spc="-1">
+                <a:solidFill>
+                  <a:srgbClr val="404041"/>
+                </a:solidFill>
+                <a:latin typeface="Arial"/>
+                <a:ea typeface="Arial"/>
+              </a:rPr>
+              <a:t>Challenges</a:t>
+            </a:r>
+            <a:endParaRPr lang="en-US" sz="3000" b="0" strike="noStrike" spc="-1">
+              <a:latin typeface="Arial"/>
+            </a:endParaRPr>
+          </a:p>
+        </p:txBody>
+      </p:sp>
+      <p:sp>
+        <p:nvSpPr>
+          <p:cNvPr id="4" name="CuadroTexto 3"/>
+          <p:cNvSpPr txBox="1"/>
+          <p:nvPr/>
+        </p:nvSpPr>
+        <p:spPr>
+          <a:xfrm>
+            <a:off x="519645" y="1628144"/>
+            <a:ext cx="7021586" cy="1477328"/>
+          </a:xfrm>
+          <a:prstGeom prst="rect">
+            <a:avLst/>
+          </a:prstGeom>
+          <a:noFill/>
+        </p:spPr>
+        <p:txBody>
+          <a:bodyPr wrap="square" rtlCol="0">
+            <a:spAutoFit/>
+          </a:bodyPr>
+          <a:lstStyle/>
+          <a:p>
+            <a:pPr marL="285750" indent="-285750">
+              <a:buFont typeface="Arial" panose="020B0604020202020204" pitchFamily="34" charset="0"/>
+              <a:buChar char="•"/>
+            </a:pPr>
+            <a:r>
+              <a:rPr lang="en-US" dirty="0" smtClean="0"/>
+              <a:t>Learning to make interactive maps in </a:t>
+            </a:r>
+            <a:r>
+              <a:rPr lang="en-US" dirty="0" err="1" smtClean="0"/>
+              <a:t>altair</a:t>
+            </a:r>
+            <a:endParaRPr lang="en-US" dirty="0"/>
+          </a:p>
+          <a:p>
+            <a:pPr marL="742950" lvl="1" indent="-285750">
+              <a:buFont typeface="Arial" panose="020B0604020202020204" pitchFamily="34" charset="0"/>
+              <a:buChar char="•"/>
+            </a:pPr>
+            <a:r>
+              <a:rPr lang="en-US" dirty="0" smtClean="0"/>
+              <a:t>Maps do not support some common functionality</a:t>
+            </a:r>
+          </a:p>
+          <a:p>
+            <a:pPr marL="285750" indent="-285750">
+              <a:buFont typeface="Arial" panose="020B0604020202020204" pitchFamily="34" charset="0"/>
+              <a:buChar char="•"/>
+            </a:pPr>
+            <a:endParaRPr lang="en-US" dirty="0"/>
+          </a:p>
+          <a:p>
+            <a:pPr marL="285750" indent="-285750">
+              <a:buFont typeface="Arial" panose="020B0604020202020204" pitchFamily="34" charset="0"/>
+              <a:buChar char="•"/>
+            </a:pPr>
+            <a:r>
+              <a:rPr lang="en-US" dirty="0" smtClean="0"/>
+              <a:t>Slider for year selection in python did not work</a:t>
+            </a:r>
+          </a:p>
+          <a:p>
+            <a:pPr marL="742950" lvl="1" indent="-285750">
+              <a:buFont typeface="Arial" panose="020B0604020202020204" pitchFamily="34" charset="0"/>
+              <a:buChar char="•"/>
+            </a:pPr>
+            <a:r>
+              <a:rPr lang="en-US" dirty="0" smtClean="0"/>
+              <a:t>Used </a:t>
+            </a:r>
+            <a:r>
+              <a:rPr lang="en-US" dirty="0" err="1" smtClean="0"/>
+              <a:t>jquery</a:t>
+            </a:r>
+            <a:r>
+              <a:rPr lang="en-US" dirty="0" smtClean="0"/>
+              <a:t> in the end</a:t>
+            </a:r>
+            <a:endParaRPr lang="en-US" dirty="0"/>
+          </a:p>
+        </p:txBody>
+      </p:sp>
+    </p:spTree>
+    <p:extLst>
+      <p:ext uri="{BB962C8B-B14F-4D97-AF65-F5344CB8AC3E}">
+        <p14:creationId xmlns:p14="http://schemas.microsoft.com/office/powerpoint/2010/main" val="3095711716"/>
+      </p:ext>
+    </p:extLst>
+  </p:cSld>
+  <p:clrMapOvr>
+    <a:masterClrMapping/>
+  </p:clrMapOvr>
+  <p:timing>
+    <p:tnLst>
+      <p:par>
+        <p:cTn id="1" dur="indefinite" restart="never" nodeType="tmRoot">
+          <p:childTnLst>
+            <p:seq>
+              <p:cTn id="2" dur="indefinite" nodeType="mainSeq"/>
+              <p:prevCondLst>
+                <p:cond evt="onPrev" delay="0">
+                  <p:tgtEl>
+                    <p:sldTgt/>
+                  </p:tgtEl>
+                </p:cond>
+              </p:prevCondLst>
+              <p:nextCondLst>
+                <p:cond evt="onNext" delay="0">
+                  <p:tgtEl>
+                    <p:sldTgt/>
+                  </p:tgtEl>
+                </p:cond>
+              </p:nextCondLst>
+            </p:seq>
+          </p:childTnLst>
+        </p:cTn>
+      </p:par>
+    </p:tnLst>
+  </p:timing>
+</p:sld>
+</file>
+
+<file path=ppt/slides/slide32.xml><?xml version="1.0" encoding="utf-8"?>
+<p:sld xmlns:a="http://schemas.openxmlformats.org/drawingml/2006/main" xmlns:r="http://schemas.openxmlformats.org/officeDocument/2006/relationships" xmlns:p="http://schemas.openxmlformats.org/presentationml/2006/main">
+  <p:cSld>
+    <p:spTree>
+      <p:nvGrpSpPr>
+        <p:cNvPr id="1" name=""/>
+        <p:cNvGrpSpPr/>
+        <p:nvPr/>
+      </p:nvGrpSpPr>
+      <p:grpSpPr>
+        <a:xfrm>
+          <a:off x="0" y="0"/>
+          <a:ext cx="0" cy="0"/>
+          <a:chOff x="0" y="0"/>
+          <a:chExt cx="0" cy="0"/>
+        </a:xfrm>
+      </p:grpSpPr>
+      <p:sp>
+        <p:nvSpPr>
           <p:cNvPr id="143" name="CustomShape 1"/>
           <p:cNvSpPr/>
           <p:nvPr/>
@@ -8696,7 +8904,7 @@
 </p:sld>
 </file>
 
-<file path=ppt/slides/slide32.xml><?xml version="1.0" encoding="utf-8"?>
+<file path=ppt/slides/slide33.xml><?xml version="1.0" encoding="utf-8"?>
 <p:sld xmlns:a="http://schemas.openxmlformats.org/drawingml/2006/main" xmlns:r="http://schemas.openxmlformats.org/officeDocument/2006/relationships" xmlns:p="http://schemas.openxmlformats.org/presentationml/2006/main">
   <p:cSld>
     <p:spTree>

--- a/dviz_ppt.pptx
+++ b/dviz_ppt.pptx
@@ -1,51 +1,146 @@
 
 <file path=ppt/presentation.xml><?xml version="1.0" encoding="utf-8"?>
-<p:presentation xmlns:a="http://schemas.openxmlformats.org/drawingml/2006/main" xmlns:p="http://schemas.openxmlformats.org/presentationml/2006/main" xmlns:r="http://schemas.openxmlformats.org/officeDocument/2006/relationships" xmlns:p14="http://schemas.microsoft.com/office/powerpoint/2010/main" xmlns:p15="http://schemas.microsoft.com/office/powerpoint/2012/main" xmlns:mc="http://schemas.openxmlformats.org/markup-compatibility/2006">
+<p:presentation xmlns:a="http://schemas.openxmlformats.org/drawingml/2006/main" xmlns:r="http://schemas.openxmlformats.org/officeDocument/2006/relationships" xmlns:p="http://schemas.openxmlformats.org/presentationml/2006/main">
   <p:sldMasterIdLst>
-    <p:sldMasterId id="2147483648" r:id="rId2"/>
-    <p:sldMasterId id="2147483661" r:id="rId3"/>
+    <p:sldMasterId id="2147483648" r:id="rId1"/>
+    <p:sldMasterId id="2147483661" r:id="rId2"/>
   </p:sldMasterIdLst>
   <p:sldIdLst>
-    <p:sldId id="256" r:id="rId4"/>
-    <p:sldId id="257" r:id="rId5"/>
-    <p:sldId id="258" r:id="rId6"/>
-    <p:sldId id="259" r:id="rId7"/>
-    <p:sldId id="260" r:id="rId8"/>
-    <p:sldId id="261" r:id="rId9"/>
-    <p:sldId id="262" r:id="rId10"/>
-    <p:sldId id="263" r:id="rId11"/>
-    <p:sldId id="264" r:id="rId12"/>
-    <p:sldId id="265" r:id="rId13"/>
-    <p:sldId id="266" r:id="rId14"/>
-    <p:sldId id="267" r:id="rId15"/>
-    <p:sldId id="268" r:id="rId16"/>
-    <p:sldId id="269" r:id="rId17"/>
-    <p:sldId id="270" r:id="rId18"/>
-    <p:sldId id="271" r:id="rId19"/>
-    <p:sldId id="272" r:id="rId20"/>
-    <p:sldId id="273" r:id="rId21"/>
-    <p:sldId id="274" r:id="rId22"/>
-    <p:sldId id="275" r:id="rId23"/>
-    <p:sldId id="276" r:id="rId24"/>
-    <p:sldId id="277" r:id="rId25"/>
-    <p:sldId id="278" r:id="rId26"/>
-    <p:sldId id="279" r:id="rId27"/>
-    <p:sldId id="280" r:id="rId28"/>
-    <p:sldId id="281" r:id="rId29"/>
-    <p:sldId id="282" r:id="rId30"/>
-    <p:sldId id="283" r:id="rId31"/>
-    <p:sldId id="284" r:id="rId32"/>
-    <p:sldId id="285" r:id="rId33"/>
-    <p:sldId id="286" r:id="rId34"/>
-    <p:sldId id="287" r:id="rId35"/>
+    <p:sldId id="256" r:id="rId3"/>
+    <p:sldId id="257" r:id="rId4"/>
+    <p:sldId id="258" r:id="rId5"/>
+    <p:sldId id="259" r:id="rId6"/>
+    <p:sldId id="260" r:id="rId7"/>
+    <p:sldId id="261" r:id="rId8"/>
+    <p:sldId id="262" r:id="rId9"/>
+    <p:sldId id="263" r:id="rId10"/>
+    <p:sldId id="264" r:id="rId11"/>
+    <p:sldId id="265" r:id="rId12"/>
+    <p:sldId id="266" r:id="rId13"/>
+    <p:sldId id="267" r:id="rId14"/>
+    <p:sldId id="268" r:id="rId15"/>
+    <p:sldId id="269" r:id="rId16"/>
+    <p:sldId id="270" r:id="rId17"/>
+    <p:sldId id="271" r:id="rId18"/>
+    <p:sldId id="272" r:id="rId19"/>
+    <p:sldId id="273" r:id="rId20"/>
+    <p:sldId id="274" r:id="rId21"/>
+    <p:sldId id="275" r:id="rId22"/>
+    <p:sldId id="276" r:id="rId23"/>
+    <p:sldId id="277" r:id="rId24"/>
+    <p:sldId id="278" r:id="rId25"/>
+    <p:sldId id="279" r:id="rId26"/>
+    <p:sldId id="280" r:id="rId27"/>
+    <p:sldId id="281" r:id="rId28"/>
+    <p:sldId id="282" r:id="rId29"/>
+    <p:sldId id="283" r:id="rId30"/>
+    <p:sldId id="284" r:id="rId31"/>
+    <p:sldId id="285" r:id="rId32"/>
+    <p:sldId id="286" r:id="rId33"/>
+    <p:sldId id="287" r:id="rId34"/>
   </p:sldIdLst>
-  <p:sldSz cx="9144000" cy="5143500"/>
+  <p:sldSz cx="9144000" cy="5143500" type="screen16x9"/>
   <p:notesSz cx="7772400" cy="10058400"/>
+  <p:defaultTextStyle>
+    <a:defPPr>
+      <a:defRPr lang="es-MX"/>
+    </a:defPPr>
+    <a:lvl1pPr marL="0" algn="l" defTabSz="914400" rtl="0" eaLnBrk="1" latinLnBrk="0" hangingPunct="1">
+      <a:defRPr sz="1800" kern="1200">
+        <a:solidFill>
+          <a:schemeClr val="tx1"/>
+        </a:solidFill>
+        <a:latin typeface="+mn-lt"/>
+        <a:ea typeface="+mn-ea"/>
+        <a:cs typeface="+mn-cs"/>
+      </a:defRPr>
+    </a:lvl1pPr>
+    <a:lvl2pPr marL="457200" algn="l" defTabSz="914400" rtl="0" eaLnBrk="1" latinLnBrk="0" hangingPunct="1">
+      <a:defRPr sz="1800" kern="1200">
+        <a:solidFill>
+          <a:schemeClr val="tx1"/>
+        </a:solidFill>
+        <a:latin typeface="+mn-lt"/>
+        <a:ea typeface="+mn-ea"/>
+        <a:cs typeface="+mn-cs"/>
+      </a:defRPr>
+    </a:lvl2pPr>
+    <a:lvl3pPr marL="914400" algn="l" defTabSz="914400" rtl="0" eaLnBrk="1" latinLnBrk="0" hangingPunct="1">
+      <a:defRPr sz="1800" kern="1200">
+        <a:solidFill>
+          <a:schemeClr val="tx1"/>
+        </a:solidFill>
+        <a:latin typeface="+mn-lt"/>
+        <a:ea typeface="+mn-ea"/>
+        <a:cs typeface="+mn-cs"/>
+      </a:defRPr>
+    </a:lvl3pPr>
+    <a:lvl4pPr marL="1371600" algn="l" defTabSz="914400" rtl="0" eaLnBrk="1" latinLnBrk="0" hangingPunct="1">
+      <a:defRPr sz="1800" kern="1200">
+        <a:solidFill>
+          <a:schemeClr val="tx1"/>
+        </a:solidFill>
+        <a:latin typeface="+mn-lt"/>
+        <a:ea typeface="+mn-ea"/>
+        <a:cs typeface="+mn-cs"/>
+      </a:defRPr>
+    </a:lvl4pPr>
+    <a:lvl5pPr marL="1828800" algn="l" defTabSz="914400" rtl="0" eaLnBrk="1" latinLnBrk="0" hangingPunct="1">
+      <a:defRPr sz="1800" kern="1200">
+        <a:solidFill>
+          <a:schemeClr val="tx1"/>
+        </a:solidFill>
+        <a:latin typeface="+mn-lt"/>
+        <a:ea typeface="+mn-ea"/>
+        <a:cs typeface="+mn-cs"/>
+      </a:defRPr>
+    </a:lvl5pPr>
+    <a:lvl6pPr marL="2286000" algn="l" defTabSz="914400" rtl="0" eaLnBrk="1" latinLnBrk="0" hangingPunct="1">
+      <a:defRPr sz="1800" kern="1200">
+        <a:solidFill>
+          <a:schemeClr val="tx1"/>
+        </a:solidFill>
+        <a:latin typeface="+mn-lt"/>
+        <a:ea typeface="+mn-ea"/>
+        <a:cs typeface="+mn-cs"/>
+      </a:defRPr>
+    </a:lvl6pPr>
+    <a:lvl7pPr marL="2743200" algn="l" defTabSz="914400" rtl="0" eaLnBrk="1" latinLnBrk="0" hangingPunct="1">
+      <a:defRPr sz="1800" kern="1200">
+        <a:solidFill>
+          <a:schemeClr val="tx1"/>
+        </a:solidFill>
+        <a:latin typeface="+mn-lt"/>
+        <a:ea typeface="+mn-ea"/>
+        <a:cs typeface="+mn-cs"/>
+      </a:defRPr>
+    </a:lvl7pPr>
+    <a:lvl8pPr marL="3200400" algn="l" defTabSz="914400" rtl="0" eaLnBrk="1" latinLnBrk="0" hangingPunct="1">
+      <a:defRPr sz="1800" kern="1200">
+        <a:solidFill>
+          <a:schemeClr val="tx1"/>
+        </a:solidFill>
+        <a:latin typeface="+mn-lt"/>
+        <a:ea typeface="+mn-ea"/>
+        <a:cs typeface="+mn-cs"/>
+      </a:defRPr>
+    </a:lvl8pPr>
+    <a:lvl9pPr marL="3657600" algn="l" defTabSz="914400" rtl="0" eaLnBrk="1" latinLnBrk="0" hangingPunct="1">
+      <a:defRPr sz="1800" kern="1200">
+        <a:solidFill>
+          <a:schemeClr val="tx1"/>
+        </a:solidFill>
+        <a:latin typeface="+mn-lt"/>
+        <a:ea typeface="+mn-ea"/>
+        <a:cs typeface="+mn-cs"/>
+      </a:defRPr>
+    </a:lvl9pPr>
+  </p:defaultTextStyle>
 </p:presentation>
 </file>
 
 <file path=ppt/slideLayouts/slideLayout1.xml><?xml version="1.0" encoding="utf-8"?>
-<p:sldLayout xmlns:a="http://schemas.openxmlformats.org/drawingml/2006/main" xmlns:p="http://schemas.openxmlformats.org/presentationml/2006/main" xmlns:r="http://schemas.openxmlformats.org/officeDocument/2006/relationships" xmlns:p14="http://schemas.microsoft.com/office/powerpoint/2010/main" xmlns:p15="http://schemas.microsoft.com/office/powerpoint/2012/main" xmlns:mc="http://schemas.openxmlformats.org/markup-compatibility/2006" type="blank" preserve="1">
+<p:sldLayout xmlns:a="http://schemas.openxmlformats.org/drawingml/2006/main" xmlns:r="http://schemas.openxmlformats.org/officeDocument/2006/relationships" xmlns:p="http://schemas.openxmlformats.org/presentationml/2006/main" type="blank" preserve="1">
   <p:cSld name="Blank Slide">
     <p:spTree>
       <p:nvGrpSpPr>
@@ -63,11 +158,22 @@
       </p:grpSpPr>
     </p:spTree>
   </p:cSld>
+  <p:clrMapOvr>
+    <a:masterClrMapping/>
+  </p:clrMapOvr>
+  <mc:AlternateContent xmlns:mc="http://schemas.openxmlformats.org/markup-compatibility/2006">
+    <mc:Choice xmlns:p14="http://schemas.microsoft.com/office/powerpoint/2010/main" Requires="p14">
+      <p:transition spd="slow" p14:dur="2000" advTm="15000"/>
+    </mc:Choice>
+    <mc:Fallback>
+      <p:transition spd="slow" advTm="15000"/>
+    </mc:Fallback>
+  </mc:AlternateContent>
 </p:sldLayout>
 </file>
 
 <file path=ppt/slideLayouts/slideLayout10.xml><?xml version="1.0" encoding="utf-8"?>
-<p:sldLayout xmlns:a="http://schemas.openxmlformats.org/drawingml/2006/main" xmlns:p="http://schemas.openxmlformats.org/presentationml/2006/main" xmlns:r="http://schemas.openxmlformats.org/officeDocument/2006/relationships" xmlns:p14="http://schemas.microsoft.com/office/powerpoint/2010/main" xmlns:p15="http://schemas.microsoft.com/office/powerpoint/2012/main" xmlns:mc="http://schemas.openxmlformats.org/markup-compatibility/2006" type="objOverTx" preserve="1">
+<p:sldLayout xmlns:a="http://schemas.openxmlformats.org/drawingml/2006/main" xmlns:r="http://schemas.openxmlformats.org/officeDocument/2006/relationships" xmlns:p="http://schemas.openxmlformats.org/presentationml/2006/main" type="objOverTx" preserve="1">
   <p:cSld name="Title, Content over Content">
     <p:spTree>
       <p:nvGrpSpPr>
@@ -103,9 +209,10 @@
           </a:prstGeom>
         </p:spPr>
         <p:txBody>
-          <a:bodyPr lIns="0" rIns="0" tIns="0" bIns="0" anchor="ctr"/>
-          <a:p>
-            <a:endParaRPr b="0" lang="es-MX" sz="1800" spc="-1" strike="noStrike">
+          <a:bodyPr lIns="0" tIns="0" rIns="0" bIns="0" anchor="ctr"/>
+          <a:lstStyle/>
+          <a:p>
+            <a:endParaRPr lang="es-MX" sz="1800" b="0" strike="noStrike" spc="-1">
               <a:solidFill>
                 <a:srgbClr val="000000"/>
               </a:solidFill>
@@ -134,11 +241,12 @@
           </a:prstGeom>
         </p:spPr>
         <p:txBody>
-          <a:bodyPr lIns="0" rIns="0" tIns="0" bIns="0">
+          <a:bodyPr lIns="0" tIns="0" rIns="0" bIns="0">
             <a:normAutofit/>
           </a:bodyPr>
-          <a:p>
-            <a:endParaRPr b="0" lang="es-MX" sz="2800" spc="-1" strike="noStrike">
+          <a:lstStyle/>
+          <a:p>
+            <a:endParaRPr lang="es-MX" sz="2800" b="0" strike="noStrike" spc="-1">
               <a:solidFill>
                 <a:srgbClr val="000000"/>
               </a:solidFill>
@@ -167,11 +275,12 @@
           </a:prstGeom>
         </p:spPr>
         <p:txBody>
-          <a:bodyPr lIns="0" rIns="0" tIns="0" bIns="0">
+          <a:bodyPr lIns="0" tIns="0" rIns="0" bIns="0">
             <a:normAutofit/>
           </a:bodyPr>
-          <a:p>
-            <a:endParaRPr b="0" lang="es-MX" sz="2800" spc="-1" strike="noStrike">
+          <a:lstStyle/>
+          <a:p>
+            <a:endParaRPr lang="es-MX" sz="2800" b="0" strike="noStrike" spc="-1">
               <a:solidFill>
                 <a:srgbClr val="000000"/>
               </a:solidFill>
@@ -182,11 +291,22 @@
       </p:sp>
     </p:spTree>
   </p:cSld>
+  <p:clrMapOvr>
+    <a:masterClrMapping/>
+  </p:clrMapOvr>
+  <mc:AlternateContent xmlns:mc="http://schemas.openxmlformats.org/markup-compatibility/2006">
+    <mc:Choice xmlns:p14="http://schemas.microsoft.com/office/powerpoint/2010/main" Requires="p14">
+      <p:transition spd="slow" p14:dur="2000" advTm="15000"/>
+    </mc:Choice>
+    <mc:Fallback>
+      <p:transition spd="slow" advTm="15000"/>
+    </mc:Fallback>
+  </mc:AlternateContent>
 </p:sldLayout>
 </file>
 
 <file path=ppt/slideLayouts/slideLayout11.xml><?xml version="1.0" encoding="utf-8"?>
-<p:sldLayout xmlns:a="http://schemas.openxmlformats.org/drawingml/2006/main" xmlns:p="http://schemas.openxmlformats.org/presentationml/2006/main" xmlns:r="http://schemas.openxmlformats.org/officeDocument/2006/relationships" xmlns:p14="http://schemas.microsoft.com/office/powerpoint/2010/main" xmlns:p15="http://schemas.microsoft.com/office/powerpoint/2012/main" xmlns:mc="http://schemas.openxmlformats.org/markup-compatibility/2006" type="fourObj" preserve="1">
+<p:sldLayout xmlns:a="http://schemas.openxmlformats.org/drawingml/2006/main" xmlns:r="http://schemas.openxmlformats.org/officeDocument/2006/relationships" xmlns:p="http://schemas.openxmlformats.org/presentationml/2006/main" type="fourObj" preserve="1">
   <p:cSld name="Title, 4 Content">
     <p:spTree>
       <p:nvGrpSpPr>
@@ -222,9 +342,10 @@
           </a:prstGeom>
         </p:spPr>
         <p:txBody>
-          <a:bodyPr lIns="0" rIns="0" tIns="0" bIns="0" anchor="ctr"/>
-          <a:p>
-            <a:endParaRPr b="0" lang="es-MX" sz="1800" spc="-1" strike="noStrike">
+          <a:bodyPr lIns="0" tIns="0" rIns="0" bIns="0" anchor="ctr"/>
+          <a:lstStyle/>
+          <a:p>
+            <a:endParaRPr lang="es-MX" sz="1800" b="0" strike="noStrike" spc="-1">
               <a:solidFill>
                 <a:srgbClr val="000000"/>
               </a:solidFill>
@@ -253,11 +374,12 @@
           </a:prstGeom>
         </p:spPr>
         <p:txBody>
-          <a:bodyPr lIns="0" rIns="0" tIns="0" bIns="0">
+          <a:bodyPr lIns="0" tIns="0" rIns="0" bIns="0">
             <a:normAutofit/>
           </a:bodyPr>
-          <a:p>
-            <a:endParaRPr b="0" lang="es-MX" sz="2800" spc="-1" strike="noStrike">
+          <a:lstStyle/>
+          <a:p>
+            <a:endParaRPr lang="es-MX" sz="2800" b="0" strike="noStrike" spc="-1">
               <a:solidFill>
                 <a:srgbClr val="000000"/>
               </a:solidFill>
@@ -286,11 +408,12 @@
           </a:prstGeom>
         </p:spPr>
         <p:txBody>
-          <a:bodyPr lIns="0" rIns="0" tIns="0" bIns="0">
+          <a:bodyPr lIns="0" tIns="0" rIns="0" bIns="0">
             <a:normAutofit/>
           </a:bodyPr>
-          <a:p>
-            <a:endParaRPr b="0" lang="es-MX" sz="2800" spc="-1" strike="noStrike">
+          <a:lstStyle/>
+          <a:p>
+            <a:endParaRPr lang="es-MX" sz="2800" b="0" strike="noStrike" spc="-1">
               <a:solidFill>
                 <a:srgbClr val="000000"/>
               </a:solidFill>
@@ -319,11 +442,12 @@
           </a:prstGeom>
         </p:spPr>
         <p:txBody>
-          <a:bodyPr lIns="0" rIns="0" tIns="0" bIns="0">
+          <a:bodyPr lIns="0" tIns="0" rIns="0" bIns="0">
             <a:normAutofit/>
           </a:bodyPr>
-          <a:p>
-            <a:endParaRPr b="0" lang="es-MX" sz="2800" spc="-1" strike="noStrike">
+          <a:lstStyle/>
+          <a:p>
+            <a:endParaRPr lang="es-MX" sz="2800" b="0" strike="noStrike" spc="-1">
               <a:solidFill>
                 <a:srgbClr val="000000"/>
               </a:solidFill>
@@ -352,11 +476,12 @@
           </a:prstGeom>
         </p:spPr>
         <p:txBody>
-          <a:bodyPr lIns="0" rIns="0" tIns="0" bIns="0">
+          <a:bodyPr lIns="0" tIns="0" rIns="0" bIns="0">
             <a:normAutofit/>
           </a:bodyPr>
-          <a:p>
-            <a:endParaRPr b="0" lang="es-MX" sz="2800" spc="-1" strike="noStrike">
+          <a:lstStyle/>
+          <a:p>
+            <a:endParaRPr lang="es-MX" sz="2800" b="0" strike="noStrike" spc="-1">
               <a:solidFill>
                 <a:srgbClr val="000000"/>
               </a:solidFill>
@@ -367,11 +492,22 @@
       </p:sp>
     </p:spTree>
   </p:cSld>
+  <p:clrMapOvr>
+    <a:masterClrMapping/>
+  </p:clrMapOvr>
+  <mc:AlternateContent xmlns:mc="http://schemas.openxmlformats.org/markup-compatibility/2006">
+    <mc:Choice xmlns:p14="http://schemas.microsoft.com/office/powerpoint/2010/main" Requires="p14">
+      <p:transition spd="slow" p14:dur="2000" advTm="15000"/>
+    </mc:Choice>
+    <mc:Fallback>
+      <p:transition spd="slow" advTm="15000"/>
+    </mc:Fallback>
+  </mc:AlternateContent>
 </p:sldLayout>
 </file>
 
 <file path=ppt/slideLayouts/slideLayout12.xml><?xml version="1.0" encoding="utf-8"?>
-<p:sldLayout xmlns:a="http://schemas.openxmlformats.org/drawingml/2006/main" xmlns:p="http://schemas.openxmlformats.org/presentationml/2006/main" xmlns:r="http://schemas.openxmlformats.org/officeDocument/2006/relationships" xmlns:p14="http://schemas.microsoft.com/office/powerpoint/2010/main" xmlns:p15="http://schemas.microsoft.com/office/powerpoint/2012/main" xmlns:mc="http://schemas.openxmlformats.org/markup-compatibility/2006" type="blank" preserve="1">
+<p:sldLayout xmlns:a="http://schemas.openxmlformats.org/drawingml/2006/main" xmlns:r="http://schemas.openxmlformats.org/officeDocument/2006/relationships" xmlns:p="http://schemas.openxmlformats.org/presentationml/2006/main" type="blank" preserve="1">
   <p:cSld name="Title, 6 Content">
     <p:spTree>
       <p:nvGrpSpPr>
@@ -407,9 +543,10 @@
           </a:prstGeom>
         </p:spPr>
         <p:txBody>
-          <a:bodyPr lIns="0" rIns="0" tIns="0" bIns="0" anchor="ctr"/>
-          <a:p>
-            <a:endParaRPr b="0" lang="es-MX" sz="1800" spc="-1" strike="noStrike">
+          <a:bodyPr lIns="0" tIns="0" rIns="0" bIns="0" anchor="ctr"/>
+          <a:lstStyle/>
+          <a:p>
+            <a:endParaRPr lang="es-MX" sz="1800" b="0" strike="noStrike" spc="-1">
               <a:solidFill>
                 <a:srgbClr val="000000"/>
               </a:solidFill>
@@ -438,11 +575,12 @@
           </a:prstGeom>
         </p:spPr>
         <p:txBody>
-          <a:bodyPr lIns="0" rIns="0" tIns="0" bIns="0">
+          <a:bodyPr lIns="0" tIns="0" rIns="0" bIns="0">
             <a:normAutofit/>
           </a:bodyPr>
-          <a:p>
-            <a:endParaRPr b="0" lang="es-MX" sz="2800" spc="-1" strike="noStrike">
+          <a:lstStyle/>
+          <a:p>
+            <a:endParaRPr lang="es-MX" sz="2800" b="0" strike="noStrike" spc="-1">
               <a:solidFill>
                 <a:srgbClr val="000000"/>
               </a:solidFill>
@@ -471,11 +609,12 @@
           </a:prstGeom>
         </p:spPr>
         <p:txBody>
-          <a:bodyPr lIns="0" rIns="0" tIns="0" bIns="0">
+          <a:bodyPr lIns="0" tIns="0" rIns="0" bIns="0">
             <a:normAutofit/>
           </a:bodyPr>
-          <a:p>
-            <a:endParaRPr b="0" lang="es-MX" sz="2800" spc="-1" strike="noStrike">
+          <a:lstStyle/>
+          <a:p>
+            <a:endParaRPr lang="es-MX" sz="2800" b="0" strike="noStrike" spc="-1">
               <a:solidFill>
                 <a:srgbClr val="000000"/>
               </a:solidFill>
@@ -504,11 +643,12 @@
           </a:prstGeom>
         </p:spPr>
         <p:txBody>
-          <a:bodyPr lIns="0" rIns="0" tIns="0" bIns="0">
+          <a:bodyPr lIns="0" tIns="0" rIns="0" bIns="0">
             <a:normAutofit/>
           </a:bodyPr>
-          <a:p>
-            <a:endParaRPr b="0" lang="es-MX" sz="2800" spc="-1" strike="noStrike">
+          <a:lstStyle/>
+          <a:p>
+            <a:endParaRPr lang="es-MX" sz="2800" b="0" strike="noStrike" spc="-1">
               <a:solidFill>
                 <a:srgbClr val="000000"/>
               </a:solidFill>
@@ -537,11 +677,12 @@
           </a:prstGeom>
         </p:spPr>
         <p:txBody>
-          <a:bodyPr lIns="0" rIns="0" tIns="0" bIns="0">
+          <a:bodyPr lIns="0" tIns="0" rIns="0" bIns="0">
             <a:normAutofit/>
           </a:bodyPr>
-          <a:p>
-            <a:endParaRPr b="0" lang="es-MX" sz="2800" spc="-1" strike="noStrike">
+          <a:lstStyle/>
+          <a:p>
+            <a:endParaRPr lang="es-MX" sz="2800" b="0" strike="noStrike" spc="-1">
               <a:solidFill>
                 <a:srgbClr val="000000"/>
               </a:solidFill>
@@ -570,11 +711,12 @@
           </a:prstGeom>
         </p:spPr>
         <p:txBody>
-          <a:bodyPr lIns="0" rIns="0" tIns="0" bIns="0">
+          <a:bodyPr lIns="0" tIns="0" rIns="0" bIns="0">
             <a:normAutofit/>
           </a:bodyPr>
-          <a:p>
-            <a:endParaRPr b="0" lang="es-MX" sz="2800" spc="-1" strike="noStrike">
+          <a:lstStyle/>
+          <a:p>
+            <a:endParaRPr lang="es-MX" sz="2800" b="0" strike="noStrike" spc="-1">
               <a:solidFill>
                 <a:srgbClr val="000000"/>
               </a:solidFill>
@@ -603,11 +745,12 @@
           </a:prstGeom>
         </p:spPr>
         <p:txBody>
-          <a:bodyPr lIns="0" rIns="0" tIns="0" bIns="0">
+          <a:bodyPr lIns="0" tIns="0" rIns="0" bIns="0">
             <a:normAutofit/>
           </a:bodyPr>
-          <a:p>
-            <a:endParaRPr b="0" lang="es-MX" sz="2800" spc="-1" strike="noStrike">
+          <a:lstStyle/>
+          <a:p>
+            <a:endParaRPr lang="es-MX" sz="2800" b="0" strike="noStrike" spc="-1">
               <a:solidFill>
                 <a:srgbClr val="000000"/>
               </a:solidFill>
@@ -618,11 +761,22 @@
       </p:sp>
     </p:spTree>
   </p:cSld>
+  <p:clrMapOvr>
+    <a:masterClrMapping/>
+  </p:clrMapOvr>
+  <mc:AlternateContent xmlns:mc="http://schemas.openxmlformats.org/markup-compatibility/2006">
+    <mc:Choice xmlns:p14="http://schemas.microsoft.com/office/powerpoint/2010/main" Requires="p14">
+      <p:transition spd="slow" p14:dur="2000" advTm="15000"/>
+    </mc:Choice>
+    <mc:Fallback>
+      <p:transition spd="slow" advTm="15000"/>
+    </mc:Fallback>
+  </mc:AlternateContent>
 </p:sldLayout>
 </file>
 
 <file path=ppt/slideLayouts/slideLayout13.xml><?xml version="1.0" encoding="utf-8"?>
-<p:sldLayout xmlns:a="http://schemas.openxmlformats.org/drawingml/2006/main" xmlns:p="http://schemas.openxmlformats.org/presentationml/2006/main" xmlns:r="http://schemas.openxmlformats.org/officeDocument/2006/relationships" xmlns:p14="http://schemas.microsoft.com/office/powerpoint/2010/main" xmlns:p15="http://schemas.microsoft.com/office/powerpoint/2012/main" xmlns:mc="http://schemas.openxmlformats.org/markup-compatibility/2006" type="blank" preserve="1">
+<p:sldLayout xmlns:a="http://schemas.openxmlformats.org/drawingml/2006/main" xmlns:r="http://schemas.openxmlformats.org/officeDocument/2006/relationships" xmlns:p="http://schemas.openxmlformats.org/presentationml/2006/main" type="blank" preserve="1">
   <p:cSld name="Blank Slide">
     <p:spTree>
       <p:nvGrpSpPr>
@@ -640,11 +794,22 @@
       </p:grpSpPr>
     </p:spTree>
   </p:cSld>
+  <p:clrMapOvr>
+    <a:masterClrMapping/>
+  </p:clrMapOvr>
+  <mc:AlternateContent xmlns:mc="http://schemas.openxmlformats.org/markup-compatibility/2006">
+    <mc:Choice xmlns:p14="http://schemas.microsoft.com/office/powerpoint/2010/main" Requires="p14">
+      <p:transition spd="slow" p14:dur="2000" advTm="15000"/>
+    </mc:Choice>
+    <mc:Fallback>
+      <p:transition spd="slow" advTm="15000"/>
+    </mc:Fallback>
+  </mc:AlternateContent>
 </p:sldLayout>
 </file>
 
 <file path=ppt/slideLayouts/slideLayout14.xml><?xml version="1.0" encoding="utf-8"?>
-<p:sldLayout xmlns:a="http://schemas.openxmlformats.org/drawingml/2006/main" xmlns:p="http://schemas.openxmlformats.org/presentationml/2006/main" xmlns:r="http://schemas.openxmlformats.org/officeDocument/2006/relationships" xmlns:p14="http://schemas.microsoft.com/office/powerpoint/2010/main" xmlns:p15="http://schemas.microsoft.com/office/powerpoint/2012/main" xmlns:mc="http://schemas.openxmlformats.org/markup-compatibility/2006" type="tx" preserve="1">
+<p:sldLayout xmlns:a="http://schemas.openxmlformats.org/drawingml/2006/main" xmlns:r="http://schemas.openxmlformats.org/officeDocument/2006/relationships" xmlns:p="http://schemas.openxmlformats.org/presentationml/2006/main" type="tx" preserve="1">
   <p:cSld name="Title Slide">
     <p:spTree>
       <p:nvGrpSpPr>
@@ -680,9 +845,10 @@
           </a:prstGeom>
         </p:spPr>
         <p:txBody>
-          <a:bodyPr lIns="0" rIns="0" tIns="0" bIns="0" anchor="ctr"/>
-          <a:p>
-            <a:endParaRPr b="0" lang="es-MX" sz="1800" spc="-1" strike="noStrike">
+          <a:bodyPr lIns="0" tIns="0" rIns="0" bIns="0" anchor="ctr"/>
+          <a:lstStyle/>
+          <a:p>
+            <a:endParaRPr lang="es-MX" sz="1800" b="0" strike="noStrike" spc="-1">
               <a:solidFill>
                 <a:srgbClr val="000000"/>
               </a:solidFill>
@@ -711,10 +877,11 @@
           </a:prstGeom>
         </p:spPr>
         <p:txBody>
-          <a:bodyPr lIns="0" rIns="0" tIns="0" bIns="0" anchor="ctr"/>
+          <a:bodyPr lIns="0" tIns="0" rIns="0" bIns="0" anchor="ctr"/>
+          <a:lstStyle/>
           <a:p>
             <a:pPr algn="ctr"/>
-            <a:endParaRPr b="0" lang="en-US" sz="3200" spc="-1" strike="noStrike">
+            <a:endParaRPr lang="en-US" sz="3200" b="0" strike="noStrike" spc="-1">
               <a:latin typeface="Arial"/>
             </a:endParaRPr>
           </a:p>
@@ -722,11 +889,22 @@
       </p:sp>
     </p:spTree>
   </p:cSld>
+  <p:clrMapOvr>
+    <a:masterClrMapping/>
+  </p:clrMapOvr>
+  <mc:AlternateContent xmlns:mc="http://schemas.openxmlformats.org/markup-compatibility/2006">
+    <mc:Choice xmlns:p14="http://schemas.microsoft.com/office/powerpoint/2010/main" Requires="p14">
+      <p:transition spd="slow" p14:dur="2000" advTm="15000"/>
+    </mc:Choice>
+    <mc:Fallback>
+      <p:transition spd="slow" advTm="15000"/>
+    </mc:Fallback>
+  </mc:AlternateContent>
 </p:sldLayout>
 </file>
 
 <file path=ppt/slideLayouts/slideLayout15.xml><?xml version="1.0" encoding="utf-8"?>
-<p:sldLayout xmlns:a="http://schemas.openxmlformats.org/drawingml/2006/main" xmlns:p="http://schemas.openxmlformats.org/presentationml/2006/main" xmlns:r="http://schemas.openxmlformats.org/officeDocument/2006/relationships" xmlns:p14="http://schemas.microsoft.com/office/powerpoint/2010/main" xmlns:p15="http://schemas.microsoft.com/office/powerpoint/2012/main" xmlns:mc="http://schemas.openxmlformats.org/markup-compatibility/2006" type="obj" preserve="1">
+<p:sldLayout xmlns:a="http://schemas.openxmlformats.org/drawingml/2006/main" xmlns:r="http://schemas.openxmlformats.org/officeDocument/2006/relationships" xmlns:p="http://schemas.openxmlformats.org/presentationml/2006/main" type="obj" preserve="1">
   <p:cSld name="Title, Content">
     <p:spTree>
       <p:nvGrpSpPr>
@@ -762,9 +940,10 @@
           </a:prstGeom>
         </p:spPr>
         <p:txBody>
-          <a:bodyPr lIns="0" rIns="0" tIns="0" bIns="0" anchor="ctr"/>
-          <a:p>
-            <a:endParaRPr b="0" lang="es-MX" sz="1800" spc="-1" strike="noStrike">
+          <a:bodyPr lIns="0" tIns="0" rIns="0" bIns="0" anchor="ctr"/>
+          <a:lstStyle/>
+          <a:p>
+            <a:endParaRPr lang="es-MX" sz="1800" b="0" strike="noStrike" spc="-1">
               <a:solidFill>
                 <a:srgbClr val="000000"/>
               </a:solidFill>
@@ -793,11 +972,12 @@
           </a:prstGeom>
         </p:spPr>
         <p:txBody>
-          <a:bodyPr lIns="0" rIns="0" tIns="0" bIns="0">
+          <a:bodyPr lIns="0" tIns="0" rIns="0" bIns="0">
             <a:normAutofit/>
           </a:bodyPr>
-          <a:p>
-            <a:endParaRPr b="0" lang="es-MX" sz="2800" spc="-1" strike="noStrike">
+          <a:lstStyle/>
+          <a:p>
+            <a:endParaRPr lang="es-MX" sz="2800" b="0" strike="noStrike" spc="-1">
               <a:solidFill>
                 <a:srgbClr val="000000"/>
               </a:solidFill>
@@ -808,11 +988,22 @@
       </p:sp>
     </p:spTree>
   </p:cSld>
+  <p:clrMapOvr>
+    <a:masterClrMapping/>
+  </p:clrMapOvr>
+  <mc:AlternateContent xmlns:mc="http://schemas.openxmlformats.org/markup-compatibility/2006">
+    <mc:Choice xmlns:p14="http://schemas.microsoft.com/office/powerpoint/2010/main" Requires="p14">
+      <p:transition spd="slow" p14:dur="2000" advTm="15000"/>
+    </mc:Choice>
+    <mc:Fallback>
+      <p:transition spd="slow" advTm="15000"/>
+    </mc:Fallback>
+  </mc:AlternateContent>
 </p:sldLayout>
 </file>
 
 <file path=ppt/slideLayouts/slideLayout16.xml><?xml version="1.0" encoding="utf-8"?>
-<p:sldLayout xmlns:a="http://schemas.openxmlformats.org/drawingml/2006/main" xmlns:p="http://schemas.openxmlformats.org/presentationml/2006/main" xmlns:r="http://schemas.openxmlformats.org/officeDocument/2006/relationships" xmlns:p14="http://schemas.microsoft.com/office/powerpoint/2010/main" xmlns:p15="http://schemas.microsoft.com/office/powerpoint/2012/main" xmlns:mc="http://schemas.openxmlformats.org/markup-compatibility/2006" type="twoObj" preserve="1">
+<p:sldLayout xmlns:a="http://schemas.openxmlformats.org/drawingml/2006/main" xmlns:r="http://schemas.openxmlformats.org/officeDocument/2006/relationships" xmlns:p="http://schemas.openxmlformats.org/presentationml/2006/main" type="twoObj" preserve="1">
   <p:cSld name="Title, 2 Content">
     <p:spTree>
       <p:nvGrpSpPr>
@@ -848,9 +1039,10 @@
           </a:prstGeom>
         </p:spPr>
         <p:txBody>
-          <a:bodyPr lIns="0" rIns="0" tIns="0" bIns="0" anchor="ctr"/>
-          <a:p>
-            <a:endParaRPr b="0" lang="es-MX" sz="1800" spc="-1" strike="noStrike">
+          <a:bodyPr lIns="0" tIns="0" rIns="0" bIns="0" anchor="ctr"/>
+          <a:lstStyle/>
+          <a:p>
+            <a:endParaRPr lang="es-MX" sz="1800" b="0" strike="noStrike" spc="-1">
               <a:solidFill>
                 <a:srgbClr val="000000"/>
               </a:solidFill>
@@ -879,11 +1071,12 @@
           </a:prstGeom>
         </p:spPr>
         <p:txBody>
-          <a:bodyPr lIns="0" rIns="0" tIns="0" bIns="0">
+          <a:bodyPr lIns="0" tIns="0" rIns="0" bIns="0">
             <a:normAutofit/>
           </a:bodyPr>
-          <a:p>
-            <a:endParaRPr b="0" lang="es-MX" sz="2800" spc="-1" strike="noStrike">
+          <a:lstStyle/>
+          <a:p>
+            <a:endParaRPr lang="es-MX" sz="2800" b="0" strike="noStrike" spc="-1">
               <a:solidFill>
                 <a:srgbClr val="000000"/>
               </a:solidFill>
@@ -912,11 +1105,12 @@
           </a:prstGeom>
         </p:spPr>
         <p:txBody>
-          <a:bodyPr lIns="0" rIns="0" tIns="0" bIns="0">
+          <a:bodyPr lIns="0" tIns="0" rIns="0" bIns="0">
             <a:normAutofit/>
           </a:bodyPr>
-          <a:p>
-            <a:endParaRPr b="0" lang="es-MX" sz="2800" spc="-1" strike="noStrike">
+          <a:lstStyle/>
+          <a:p>
+            <a:endParaRPr lang="es-MX" sz="2800" b="0" strike="noStrike" spc="-1">
               <a:solidFill>
                 <a:srgbClr val="000000"/>
               </a:solidFill>
@@ -927,11 +1121,22 @@
       </p:sp>
     </p:spTree>
   </p:cSld>
+  <p:clrMapOvr>
+    <a:masterClrMapping/>
+  </p:clrMapOvr>
+  <mc:AlternateContent xmlns:mc="http://schemas.openxmlformats.org/markup-compatibility/2006">
+    <mc:Choice xmlns:p14="http://schemas.microsoft.com/office/powerpoint/2010/main" Requires="p14">
+      <p:transition spd="slow" p14:dur="2000" advTm="15000"/>
+    </mc:Choice>
+    <mc:Fallback>
+      <p:transition spd="slow" advTm="15000"/>
+    </mc:Fallback>
+  </mc:AlternateContent>
 </p:sldLayout>
 </file>
 
 <file path=ppt/slideLayouts/slideLayout17.xml><?xml version="1.0" encoding="utf-8"?>
-<p:sldLayout xmlns:a="http://schemas.openxmlformats.org/drawingml/2006/main" xmlns:p="http://schemas.openxmlformats.org/presentationml/2006/main" xmlns:r="http://schemas.openxmlformats.org/officeDocument/2006/relationships" xmlns:p14="http://schemas.microsoft.com/office/powerpoint/2010/main" xmlns:p15="http://schemas.microsoft.com/office/powerpoint/2012/main" xmlns:mc="http://schemas.openxmlformats.org/markup-compatibility/2006" type="titleOnly" preserve="1">
+<p:sldLayout xmlns:a="http://schemas.openxmlformats.org/drawingml/2006/main" xmlns:r="http://schemas.openxmlformats.org/officeDocument/2006/relationships" xmlns:p="http://schemas.openxmlformats.org/presentationml/2006/main" type="titleOnly" preserve="1">
   <p:cSld name="Title Only">
     <p:spTree>
       <p:nvGrpSpPr>
@@ -967,9 +1172,10 @@
           </a:prstGeom>
         </p:spPr>
         <p:txBody>
-          <a:bodyPr lIns="0" rIns="0" tIns="0" bIns="0" anchor="ctr"/>
-          <a:p>
-            <a:endParaRPr b="0" lang="es-MX" sz="1800" spc="-1" strike="noStrike">
+          <a:bodyPr lIns="0" tIns="0" rIns="0" bIns="0" anchor="ctr"/>
+          <a:lstStyle/>
+          <a:p>
+            <a:endParaRPr lang="es-MX" sz="1800" b="0" strike="noStrike" spc="-1">
               <a:solidFill>
                 <a:srgbClr val="000000"/>
               </a:solidFill>
@@ -980,11 +1186,22 @@
       </p:sp>
     </p:spTree>
   </p:cSld>
+  <p:clrMapOvr>
+    <a:masterClrMapping/>
+  </p:clrMapOvr>
+  <mc:AlternateContent xmlns:mc="http://schemas.openxmlformats.org/markup-compatibility/2006">
+    <mc:Choice xmlns:p14="http://schemas.microsoft.com/office/powerpoint/2010/main" Requires="p14">
+      <p:transition spd="slow" p14:dur="2000" advTm="15000"/>
+    </mc:Choice>
+    <mc:Fallback>
+      <p:transition spd="slow" advTm="15000"/>
+    </mc:Fallback>
+  </mc:AlternateContent>
 </p:sldLayout>
 </file>
 
 <file path=ppt/slideLayouts/slideLayout18.xml><?xml version="1.0" encoding="utf-8"?>
-<p:sldLayout xmlns:a="http://schemas.openxmlformats.org/drawingml/2006/main" xmlns:p="http://schemas.openxmlformats.org/presentationml/2006/main" xmlns:r="http://schemas.openxmlformats.org/officeDocument/2006/relationships" xmlns:p14="http://schemas.microsoft.com/office/powerpoint/2010/main" xmlns:p15="http://schemas.microsoft.com/office/powerpoint/2012/main" xmlns:mc="http://schemas.openxmlformats.org/markup-compatibility/2006" type="objOnly" preserve="1">
+<p:sldLayout xmlns:a="http://schemas.openxmlformats.org/drawingml/2006/main" xmlns:r="http://schemas.openxmlformats.org/officeDocument/2006/relationships" xmlns:p="http://schemas.openxmlformats.org/presentationml/2006/main" type="objOnly" preserve="1">
   <p:cSld name="Centered Text">
     <p:spTree>
       <p:nvGrpSpPr>
@@ -1020,10 +1237,11 @@
           </a:prstGeom>
         </p:spPr>
         <p:txBody>
-          <a:bodyPr lIns="0" rIns="0" tIns="0" bIns="0" anchor="ctr"/>
+          <a:bodyPr lIns="0" tIns="0" rIns="0" bIns="0" anchor="ctr"/>
+          <a:lstStyle/>
           <a:p>
             <a:pPr algn="ctr"/>
-            <a:endParaRPr b="0" lang="en-US" sz="3200" spc="-1" strike="noStrike">
+            <a:endParaRPr lang="en-US" sz="3200" b="0" strike="noStrike" spc="-1">
               <a:latin typeface="Arial"/>
             </a:endParaRPr>
           </a:p>
@@ -1031,11 +1249,22 @@
       </p:sp>
     </p:spTree>
   </p:cSld>
+  <p:clrMapOvr>
+    <a:masterClrMapping/>
+  </p:clrMapOvr>
+  <mc:AlternateContent xmlns:mc="http://schemas.openxmlformats.org/markup-compatibility/2006">
+    <mc:Choice xmlns:p14="http://schemas.microsoft.com/office/powerpoint/2010/main" Requires="p14">
+      <p:transition spd="slow" p14:dur="2000" advTm="15000"/>
+    </mc:Choice>
+    <mc:Fallback>
+      <p:transition spd="slow" advTm="15000"/>
+    </mc:Fallback>
+  </mc:AlternateContent>
 </p:sldLayout>
 </file>
 
 <file path=ppt/slideLayouts/slideLayout19.xml><?xml version="1.0" encoding="utf-8"?>
-<p:sldLayout xmlns:a="http://schemas.openxmlformats.org/drawingml/2006/main" xmlns:p="http://schemas.openxmlformats.org/presentationml/2006/main" xmlns:r="http://schemas.openxmlformats.org/officeDocument/2006/relationships" xmlns:p14="http://schemas.microsoft.com/office/powerpoint/2010/main" xmlns:p15="http://schemas.microsoft.com/office/powerpoint/2012/main" xmlns:mc="http://schemas.openxmlformats.org/markup-compatibility/2006" type="twoObjAndObj" preserve="1">
+<p:sldLayout xmlns:a="http://schemas.openxmlformats.org/drawingml/2006/main" xmlns:r="http://schemas.openxmlformats.org/officeDocument/2006/relationships" xmlns:p="http://schemas.openxmlformats.org/presentationml/2006/main" type="twoObjAndObj" preserve="1">
   <p:cSld name="Title, 2 Content and Content">
     <p:spTree>
       <p:nvGrpSpPr>
@@ -1071,9 +1300,10 @@
           </a:prstGeom>
         </p:spPr>
         <p:txBody>
-          <a:bodyPr lIns="0" rIns="0" tIns="0" bIns="0" anchor="ctr"/>
-          <a:p>
-            <a:endParaRPr b="0" lang="es-MX" sz="1800" spc="-1" strike="noStrike">
+          <a:bodyPr lIns="0" tIns="0" rIns="0" bIns="0" anchor="ctr"/>
+          <a:lstStyle/>
+          <a:p>
+            <a:endParaRPr lang="es-MX" sz="1800" b="0" strike="noStrike" spc="-1">
               <a:solidFill>
                 <a:srgbClr val="000000"/>
               </a:solidFill>
@@ -1102,11 +1332,12 @@
           </a:prstGeom>
         </p:spPr>
         <p:txBody>
-          <a:bodyPr lIns="0" rIns="0" tIns="0" bIns="0">
+          <a:bodyPr lIns="0" tIns="0" rIns="0" bIns="0">
             <a:normAutofit/>
           </a:bodyPr>
-          <a:p>
-            <a:endParaRPr b="0" lang="es-MX" sz="2800" spc="-1" strike="noStrike">
+          <a:lstStyle/>
+          <a:p>
+            <a:endParaRPr lang="es-MX" sz="2800" b="0" strike="noStrike" spc="-1">
               <a:solidFill>
                 <a:srgbClr val="000000"/>
               </a:solidFill>
@@ -1135,11 +1366,12 @@
           </a:prstGeom>
         </p:spPr>
         <p:txBody>
-          <a:bodyPr lIns="0" rIns="0" tIns="0" bIns="0">
+          <a:bodyPr lIns="0" tIns="0" rIns="0" bIns="0">
             <a:normAutofit/>
           </a:bodyPr>
-          <a:p>
-            <a:endParaRPr b="0" lang="es-MX" sz="2800" spc="-1" strike="noStrike">
+          <a:lstStyle/>
+          <a:p>
+            <a:endParaRPr lang="es-MX" sz="2800" b="0" strike="noStrike" spc="-1">
               <a:solidFill>
                 <a:srgbClr val="000000"/>
               </a:solidFill>
@@ -1168,11 +1400,12 @@
           </a:prstGeom>
         </p:spPr>
         <p:txBody>
-          <a:bodyPr lIns="0" rIns="0" tIns="0" bIns="0">
+          <a:bodyPr lIns="0" tIns="0" rIns="0" bIns="0">
             <a:normAutofit/>
           </a:bodyPr>
-          <a:p>
-            <a:endParaRPr b="0" lang="es-MX" sz="2800" spc="-1" strike="noStrike">
+          <a:lstStyle/>
+          <a:p>
+            <a:endParaRPr lang="es-MX" sz="2800" b="0" strike="noStrike" spc="-1">
               <a:solidFill>
                 <a:srgbClr val="000000"/>
               </a:solidFill>
@@ -1183,11 +1416,22 @@
       </p:sp>
     </p:spTree>
   </p:cSld>
+  <p:clrMapOvr>
+    <a:masterClrMapping/>
+  </p:clrMapOvr>
+  <mc:AlternateContent xmlns:mc="http://schemas.openxmlformats.org/markup-compatibility/2006">
+    <mc:Choice xmlns:p14="http://schemas.microsoft.com/office/powerpoint/2010/main" Requires="p14">
+      <p:transition spd="slow" p14:dur="2000" advTm="15000"/>
+    </mc:Choice>
+    <mc:Fallback>
+      <p:transition spd="slow" advTm="15000"/>
+    </mc:Fallback>
+  </mc:AlternateContent>
 </p:sldLayout>
 </file>
 
 <file path=ppt/slideLayouts/slideLayout2.xml><?xml version="1.0" encoding="utf-8"?>
-<p:sldLayout xmlns:a="http://schemas.openxmlformats.org/drawingml/2006/main" xmlns:p="http://schemas.openxmlformats.org/presentationml/2006/main" xmlns:r="http://schemas.openxmlformats.org/officeDocument/2006/relationships" xmlns:p14="http://schemas.microsoft.com/office/powerpoint/2010/main" xmlns:p15="http://schemas.microsoft.com/office/powerpoint/2012/main" xmlns:mc="http://schemas.openxmlformats.org/markup-compatibility/2006" type="tx" preserve="1">
+<p:sldLayout xmlns:a="http://schemas.openxmlformats.org/drawingml/2006/main" xmlns:r="http://schemas.openxmlformats.org/officeDocument/2006/relationships" xmlns:p="http://schemas.openxmlformats.org/presentationml/2006/main" type="tx" preserve="1">
   <p:cSld name="Title Slide">
     <p:spTree>
       <p:nvGrpSpPr>
@@ -1223,9 +1467,10 @@
           </a:prstGeom>
         </p:spPr>
         <p:txBody>
-          <a:bodyPr lIns="0" rIns="0" tIns="0" bIns="0" anchor="ctr"/>
-          <a:p>
-            <a:endParaRPr b="0" lang="es-MX" sz="1800" spc="-1" strike="noStrike">
+          <a:bodyPr lIns="0" tIns="0" rIns="0" bIns="0" anchor="ctr"/>
+          <a:lstStyle/>
+          <a:p>
+            <a:endParaRPr lang="es-MX" sz="1800" b="0" strike="noStrike" spc="-1">
               <a:solidFill>
                 <a:srgbClr val="000000"/>
               </a:solidFill>
@@ -1254,10 +1499,11 @@
           </a:prstGeom>
         </p:spPr>
         <p:txBody>
-          <a:bodyPr lIns="0" rIns="0" tIns="0" bIns="0" anchor="ctr"/>
+          <a:bodyPr lIns="0" tIns="0" rIns="0" bIns="0" anchor="ctr"/>
+          <a:lstStyle/>
           <a:p>
             <a:pPr algn="ctr"/>
-            <a:endParaRPr b="0" lang="en-US" sz="3200" spc="-1" strike="noStrike">
+            <a:endParaRPr lang="en-US" sz="3200" b="0" strike="noStrike" spc="-1">
               <a:latin typeface="Arial"/>
             </a:endParaRPr>
           </a:p>
@@ -1265,11 +1511,22 @@
       </p:sp>
     </p:spTree>
   </p:cSld>
+  <p:clrMapOvr>
+    <a:masterClrMapping/>
+  </p:clrMapOvr>
+  <mc:AlternateContent xmlns:mc="http://schemas.openxmlformats.org/markup-compatibility/2006">
+    <mc:Choice xmlns:p14="http://schemas.microsoft.com/office/powerpoint/2010/main" Requires="p14">
+      <p:transition spd="slow" p14:dur="2000" advTm="15000"/>
+    </mc:Choice>
+    <mc:Fallback>
+      <p:transition spd="slow" advTm="15000"/>
+    </mc:Fallback>
+  </mc:AlternateContent>
 </p:sldLayout>
 </file>
 
 <file path=ppt/slideLayouts/slideLayout20.xml><?xml version="1.0" encoding="utf-8"?>
-<p:sldLayout xmlns:a="http://schemas.openxmlformats.org/drawingml/2006/main" xmlns:p="http://schemas.openxmlformats.org/presentationml/2006/main" xmlns:r="http://schemas.openxmlformats.org/officeDocument/2006/relationships" xmlns:p14="http://schemas.microsoft.com/office/powerpoint/2010/main" xmlns:p15="http://schemas.microsoft.com/office/powerpoint/2012/main" xmlns:mc="http://schemas.openxmlformats.org/markup-compatibility/2006" type="objAndTwoObj" preserve="1">
+<p:sldLayout xmlns:a="http://schemas.openxmlformats.org/drawingml/2006/main" xmlns:r="http://schemas.openxmlformats.org/officeDocument/2006/relationships" xmlns:p="http://schemas.openxmlformats.org/presentationml/2006/main" type="objAndTwoObj" preserve="1">
   <p:cSld name="Title Content and 2 Content">
     <p:spTree>
       <p:nvGrpSpPr>
@@ -1305,9 +1562,10 @@
           </a:prstGeom>
         </p:spPr>
         <p:txBody>
-          <a:bodyPr lIns="0" rIns="0" tIns="0" bIns="0" anchor="ctr"/>
-          <a:p>
-            <a:endParaRPr b="0" lang="es-MX" sz="1800" spc="-1" strike="noStrike">
+          <a:bodyPr lIns="0" tIns="0" rIns="0" bIns="0" anchor="ctr"/>
+          <a:lstStyle/>
+          <a:p>
+            <a:endParaRPr lang="es-MX" sz="1800" b="0" strike="noStrike" spc="-1">
               <a:solidFill>
                 <a:srgbClr val="000000"/>
               </a:solidFill>
@@ -1336,11 +1594,12 @@
           </a:prstGeom>
         </p:spPr>
         <p:txBody>
-          <a:bodyPr lIns="0" rIns="0" tIns="0" bIns="0">
+          <a:bodyPr lIns="0" tIns="0" rIns="0" bIns="0">
             <a:normAutofit/>
           </a:bodyPr>
-          <a:p>
-            <a:endParaRPr b="0" lang="es-MX" sz="2800" spc="-1" strike="noStrike">
+          <a:lstStyle/>
+          <a:p>
+            <a:endParaRPr lang="es-MX" sz="2800" b="0" strike="noStrike" spc="-1">
               <a:solidFill>
                 <a:srgbClr val="000000"/>
               </a:solidFill>
@@ -1369,11 +1628,12 @@
           </a:prstGeom>
         </p:spPr>
         <p:txBody>
-          <a:bodyPr lIns="0" rIns="0" tIns="0" bIns="0">
+          <a:bodyPr lIns="0" tIns="0" rIns="0" bIns="0">
             <a:normAutofit/>
           </a:bodyPr>
-          <a:p>
-            <a:endParaRPr b="0" lang="es-MX" sz="2800" spc="-1" strike="noStrike">
+          <a:lstStyle/>
+          <a:p>
+            <a:endParaRPr lang="es-MX" sz="2800" b="0" strike="noStrike" spc="-1">
               <a:solidFill>
                 <a:srgbClr val="000000"/>
               </a:solidFill>
@@ -1402,11 +1662,12 @@
           </a:prstGeom>
         </p:spPr>
         <p:txBody>
-          <a:bodyPr lIns="0" rIns="0" tIns="0" bIns="0">
+          <a:bodyPr lIns="0" tIns="0" rIns="0" bIns="0">
             <a:normAutofit/>
           </a:bodyPr>
-          <a:p>
-            <a:endParaRPr b="0" lang="es-MX" sz="2800" spc="-1" strike="noStrike">
+          <a:lstStyle/>
+          <a:p>
+            <a:endParaRPr lang="es-MX" sz="2800" b="0" strike="noStrike" spc="-1">
               <a:solidFill>
                 <a:srgbClr val="000000"/>
               </a:solidFill>
@@ -1417,11 +1678,22 @@
       </p:sp>
     </p:spTree>
   </p:cSld>
+  <p:clrMapOvr>
+    <a:masterClrMapping/>
+  </p:clrMapOvr>
+  <mc:AlternateContent xmlns:mc="http://schemas.openxmlformats.org/markup-compatibility/2006">
+    <mc:Choice xmlns:p14="http://schemas.microsoft.com/office/powerpoint/2010/main" Requires="p14">
+      <p:transition spd="slow" p14:dur="2000" advTm="15000"/>
+    </mc:Choice>
+    <mc:Fallback>
+      <p:transition spd="slow" advTm="15000"/>
+    </mc:Fallback>
+  </mc:AlternateContent>
 </p:sldLayout>
 </file>
 
 <file path=ppt/slideLayouts/slideLayout21.xml><?xml version="1.0" encoding="utf-8"?>
-<p:sldLayout xmlns:a="http://schemas.openxmlformats.org/drawingml/2006/main" xmlns:p="http://schemas.openxmlformats.org/presentationml/2006/main" xmlns:r="http://schemas.openxmlformats.org/officeDocument/2006/relationships" xmlns:p14="http://schemas.microsoft.com/office/powerpoint/2010/main" xmlns:p15="http://schemas.microsoft.com/office/powerpoint/2012/main" xmlns:mc="http://schemas.openxmlformats.org/markup-compatibility/2006" type="twoObjOverTx" preserve="1">
+<p:sldLayout xmlns:a="http://schemas.openxmlformats.org/drawingml/2006/main" xmlns:r="http://schemas.openxmlformats.org/officeDocument/2006/relationships" xmlns:p="http://schemas.openxmlformats.org/presentationml/2006/main" type="twoObjOverTx" preserve="1">
   <p:cSld name="Title, 2 Content over Content">
     <p:spTree>
       <p:nvGrpSpPr>
@@ -1457,9 +1729,10 @@
           </a:prstGeom>
         </p:spPr>
         <p:txBody>
-          <a:bodyPr lIns="0" rIns="0" tIns="0" bIns="0" anchor="ctr"/>
-          <a:p>
-            <a:endParaRPr b="0" lang="es-MX" sz="1800" spc="-1" strike="noStrike">
+          <a:bodyPr lIns="0" tIns="0" rIns="0" bIns="0" anchor="ctr"/>
+          <a:lstStyle/>
+          <a:p>
+            <a:endParaRPr lang="es-MX" sz="1800" b="0" strike="noStrike" spc="-1">
               <a:solidFill>
                 <a:srgbClr val="000000"/>
               </a:solidFill>
@@ -1488,11 +1761,12 @@
           </a:prstGeom>
         </p:spPr>
         <p:txBody>
-          <a:bodyPr lIns="0" rIns="0" tIns="0" bIns="0">
+          <a:bodyPr lIns="0" tIns="0" rIns="0" bIns="0">
             <a:normAutofit/>
           </a:bodyPr>
-          <a:p>
-            <a:endParaRPr b="0" lang="es-MX" sz="2800" spc="-1" strike="noStrike">
+          <a:lstStyle/>
+          <a:p>
+            <a:endParaRPr lang="es-MX" sz="2800" b="0" strike="noStrike" spc="-1">
               <a:solidFill>
                 <a:srgbClr val="000000"/>
               </a:solidFill>
@@ -1521,11 +1795,12 @@
           </a:prstGeom>
         </p:spPr>
         <p:txBody>
-          <a:bodyPr lIns="0" rIns="0" tIns="0" bIns="0">
+          <a:bodyPr lIns="0" tIns="0" rIns="0" bIns="0">
             <a:normAutofit/>
           </a:bodyPr>
-          <a:p>
-            <a:endParaRPr b="0" lang="es-MX" sz="2800" spc="-1" strike="noStrike">
+          <a:lstStyle/>
+          <a:p>
+            <a:endParaRPr lang="es-MX" sz="2800" b="0" strike="noStrike" spc="-1">
               <a:solidFill>
                 <a:srgbClr val="000000"/>
               </a:solidFill>
@@ -1554,11 +1829,12 @@
           </a:prstGeom>
         </p:spPr>
         <p:txBody>
-          <a:bodyPr lIns="0" rIns="0" tIns="0" bIns="0">
+          <a:bodyPr lIns="0" tIns="0" rIns="0" bIns="0">
             <a:normAutofit/>
           </a:bodyPr>
-          <a:p>
-            <a:endParaRPr b="0" lang="es-MX" sz="2800" spc="-1" strike="noStrike">
+          <a:lstStyle/>
+          <a:p>
+            <a:endParaRPr lang="es-MX" sz="2800" b="0" strike="noStrike" spc="-1">
               <a:solidFill>
                 <a:srgbClr val="000000"/>
               </a:solidFill>
@@ -1569,11 +1845,22 @@
       </p:sp>
     </p:spTree>
   </p:cSld>
+  <p:clrMapOvr>
+    <a:masterClrMapping/>
+  </p:clrMapOvr>
+  <mc:AlternateContent xmlns:mc="http://schemas.openxmlformats.org/markup-compatibility/2006">
+    <mc:Choice xmlns:p14="http://schemas.microsoft.com/office/powerpoint/2010/main" Requires="p14">
+      <p:transition spd="slow" p14:dur="2000" advTm="15000"/>
+    </mc:Choice>
+    <mc:Fallback>
+      <p:transition spd="slow" advTm="15000"/>
+    </mc:Fallback>
+  </mc:AlternateContent>
 </p:sldLayout>
 </file>
 
 <file path=ppt/slideLayouts/slideLayout22.xml><?xml version="1.0" encoding="utf-8"?>
-<p:sldLayout xmlns:a="http://schemas.openxmlformats.org/drawingml/2006/main" xmlns:p="http://schemas.openxmlformats.org/presentationml/2006/main" xmlns:r="http://schemas.openxmlformats.org/officeDocument/2006/relationships" xmlns:p14="http://schemas.microsoft.com/office/powerpoint/2010/main" xmlns:p15="http://schemas.microsoft.com/office/powerpoint/2012/main" xmlns:mc="http://schemas.openxmlformats.org/markup-compatibility/2006" type="objOverTx" preserve="1">
+<p:sldLayout xmlns:a="http://schemas.openxmlformats.org/drawingml/2006/main" xmlns:r="http://schemas.openxmlformats.org/officeDocument/2006/relationships" xmlns:p="http://schemas.openxmlformats.org/presentationml/2006/main" type="objOverTx" preserve="1">
   <p:cSld name="Title, Content over Content">
     <p:spTree>
       <p:nvGrpSpPr>
@@ -1609,9 +1896,10 @@
           </a:prstGeom>
         </p:spPr>
         <p:txBody>
-          <a:bodyPr lIns="0" rIns="0" tIns="0" bIns="0" anchor="ctr"/>
-          <a:p>
-            <a:endParaRPr b="0" lang="es-MX" sz="1800" spc="-1" strike="noStrike">
+          <a:bodyPr lIns="0" tIns="0" rIns="0" bIns="0" anchor="ctr"/>
+          <a:lstStyle/>
+          <a:p>
+            <a:endParaRPr lang="es-MX" sz="1800" b="0" strike="noStrike" spc="-1">
               <a:solidFill>
                 <a:srgbClr val="000000"/>
               </a:solidFill>
@@ -1640,11 +1928,12 @@
           </a:prstGeom>
         </p:spPr>
         <p:txBody>
-          <a:bodyPr lIns="0" rIns="0" tIns="0" bIns="0">
+          <a:bodyPr lIns="0" tIns="0" rIns="0" bIns="0">
             <a:normAutofit/>
           </a:bodyPr>
-          <a:p>
-            <a:endParaRPr b="0" lang="es-MX" sz="2800" spc="-1" strike="noStrike">
+          <a:lstStyle/>
+          <a:p>
+            <a:endParaRPr lang="es-MX" sz="2800" b="0" strike="noStrike" spc="-1">
               <a:solidFill>
                 <a:srgbClr val="000000"/>
               </a:solidFill>
@@ -1673,11 +1962,12 @@
           </a:prstGeom>
         </p:spPr>
         <p:txBody>
-          <a:bodyPr lIns="0" rIns="0" tIns="0" bIns="0">
+          <a:bodyPr lIns="0" tIns="0" rIns="0" bIns="0">
             <a:normAutofit/>
           </a:bodyPr>
-          <a:p>
-            <a:endParaRPr b="0" lang="es-MX" sz="2800" spc="-1" strike="noStrike">
+          <a:lstStyle/>
+          <a:p>
+            <a:endParaRPr lang="es-MX" sz="2800" b="0" strike="noStrike" spc="-1">
               <a:solidFill>
                 <a:srgbClr val="000000"/>
               </a:solidFill>
@@ -1688,11 +1978,22 @@
       </p:sp>
     </p:spTree>
   </p:cSld>
+  <p:clrMapOvr>
+    <a:masterClrMapping/>
+  </p:clrMapOvr>
+  <mc:AlternateContent xmlns:mc="http://schemas.openxmlformats.org/markup-compatibility/2006">
+    <mc:Choice xmlns:p14="http://schemas.microsoft.com/office/powerpoint/2010/main" Requires="p14">
+      <p:transition spd="slow" p14:dur="2000" advTm="15000"/>
+    </mc:Choice>
+    <mc:Fallback>
+      <p:transition spd="slow" advTm="15000"/>
+    </mc:Fallback>
+  </mc:AlternateContent>
 </p:sldLayout>
 </file>
 
 <file path=ppt/slideLayouts/slideLayout23.xml><?xml version="1.0" encoding="utf-8"?>
-<p:sldLayout xmlns:a="http://schemas.openxmlformats.org/drawingml/2006/main" xmlns:p="http://schemas.openxmlformats.org/presentationml/2006/main" xmlns:r="http://schemas.openxmlformats.org/officeDocument/2006/relationships" xmlns:p14="http://schemas.microsoft.com/office/powerpoint/2010/main" xmlns:p15="http://schemas.microsoft.com/office/powerpoint/2012/main" xmlns:mc="http://schemas.openxmlformats.org/markup-compatibility/2006" type="fourObj" preserve="1">
+<p:sldLayout xmlns:a="http://schemas.openxmlformats.org/drawingml/2006/main" xmlns:r="http://schemas.openxmlformats.org/officeDocument/2006/relationships" xmlns:p="http://schemas.openxmlformats.org/presentationml/2006/main" type="fourObj" preserve="1">
   <p:cSld name="Title, 4 Content">
     <p:spTree>
       <p:nvGrpSpPr>
@@ -1728,9 +2029,10 @@
           </a:prstGeom>
         </p:spPr>
         <p:txBody>
-          <a:bodyPr lIns="0" rIns="0" tIns="0" bIns="0" anchor="ctr"/>
-          <a:p>
-            <a:endParaRPr b="0" lang="es-MX" sz="1800" spc="-1" strike="noStrike">
+          <a:bodyPr lIns="0" tIns="0" rIns="0" bIns="0" anchor="ctr"/>
+          <a:lstStyle/>
+          <a:p>
+            <a:endParaRPr lang="es-MX" sz="1800" b="0" strike="noStrike" spc="-1">
               <a:solidFill>
                 <a:srgbClr val="000000"/>
               </a:solidFill>
@@ -1759,11 +2061,12 @@
           </a:prstGeom>
         </p:spPr>
         <p:txBody>
-          <a:bodyPr lIns="0" rIns="0" tIns="0" bIns="0">
+          <a:bodyPr lIns="0" tIns="0" rIns="0" bIns="0">
             <a:normAutofit/>
           </a:bodyPr>
-          <a:p>
-            <a:endParaRPr b="0" lang="es-MX" sz="2800" spc="-1" strike="noStrike">
+          <a:lstStyle/>
+          <a:p>
+            <a:endParaRPr lang="es-MX" sz="2800" b="0" strike="noStrike" spc="-1">
               <a:solidFill>
                 <a:srgbClr val="000000"/>
               </a:solidFill>
@@ -1792,11 +2095,12 @@
           </a:prstGeom>
         </p:spPr>
         <p:txBody>
-          <a:bodyPr lIns="0" rIns="0" tIns="0" bIns="0">
+          <a:bodyPr lIns="0" tIns="0" rIns="0" bIns="0">
             <a:normAutofit/>
           </a:bodyPr>
-          <a:p>
-            <a:endParaRPr b="0" lang="es-MX" sz="2800" spc="-1" strike="noStrike">
+          <a:lstStyle/>
+          <a:p>
+            <a:endParaRPr lang="es-MX" sz="2800" b="0" strike="noStrike" spc="-1">
               <a:solidFill>
                 <a:srgbClr val="000000"/>
               </a:solidFill>
@@ -1825,11 +2129,12 @@
           </a:prstGeom>
         </p:spPr>
         <p:txBody>
-          <a:bodyPr lIns="0" rIns="0" tIns="0" bIns="0">
+          <a:bodyPr lIns="0" tIns="0" rIns="0" bIns="0">
             <a:normAutofit/>
           </a:bodyPr>
-          <a:p>
-            <a:endParaRPr b="0" lang="es-MX" sz="2800" spc="-1" strike="noStrike">
+          <a:lstStyle/>
+          <a:p>
+            <a:endParaRPr lang="es-MX" sz="2800" b="0" strike="noStrike" spc="-1">
               <a:solidFill>
                 <a:srgbClr val="000000"/>
               </a:solidFill>
@@ -1858,11 +2163,12 @@
           </a:prstGeom>
         </p:spPr>
         <p:txBody>
-          <a:bodyPr lIns="0" rIns="0" tIns="0" bIns="0">
+          <a:bodyPr lIns="0" tIns="0" rIns="0" bIns="0">
             <a:normAutofit/>
           </a:bodyPr>
-          <a:p>
-            <a:endParaRPr b="0" lang="es-MX" sz="2800" spc="-1" strike="noStrike">
+          <a:lstStyle/>
+          <a:p>
+            <a:endParaRPr lang="es-MX" sz="2800" b="0" strike="noStrike" spc="-1">
               <a:solidFill>
                 <a:srgbClr val="000000"/>
               </a:solidFill>
@@ -1873,11 +2179,22 @@
       </p:sp>
     </p:spTree>
   </p:cSld>
+  <p:clrMapOvr>
+    <a:masterClrMapping/>
+  </p:clrMapOvr>
+  <mc:AlternateContent xmlns:mc="http://schemas.openxmlformats.org/markup-compatibility/2006">
+    <mc:Choice xmlns:p14="http://schemas.microsoft.com/office/powerpoint/2010/main" Requires="p14">
+      <p:transition spd="slow" p14:dur="2000" advTm="15000"/>
+    </mc:Choice>
+    <mc:Fallback>
+      <p:transition spd="slow" advTm="15000"/>
+    </mc:Fallback>
+  </mc:AlternateContent>
 </p:sldLayout>
 </file>
 
 <file path=ppt/slideLayouts/slideLayout24.xml><?xml version="1.0" encoding="utf-8"?>
-<p:sldLayout xmlns:a="http://schemas.openxmlformats.org/drawingml/2006/main" xmlns:p="http://schemas.openxmlformats.org/presentationml/2006/main" xmlns:r="http://schemas.openxmlformats.org/officeDocument/2006/relationships" xmlns:p14="http://schemas.microsoft.com/office/powerpoint/2010/main" xmlns:p15="http://schemas.microsoft.com/office/powerpoint/2012/main" xmlns:mc="http://schemas.openxmlformats.org/markup-compatibility/2006" type="blank" preserve="1">
+<p:sldLayout xmlns:a="http://schemas.openxmlformats.org/drawingml/2006/main" xmlns:r="http://schemas.openxmlformats.org/officeDocument/2006/relationships" xmlns:p="http://schemas.openxmlformats.org/presentationml/2006/main" type="blank" preserve="1">
   <p:cSld name="Title, 6 Content">
     <p:spTree>
       <p:nvGrpSpPr>
@@ -1913,9 +2230,10 @@
           </a:prstGeom>
         </p:spPr>
         <p:txBody>
-          <a:bodyPr lIns="0" rIns="0" tIns="0" bIns="0" anchor="ctr"/>
-          <a:p>
-            <a:endParaRPr b="0" lang="es-MX" sz="1800" spc="-1" strike="noStrike">
+          <a:bodyPr lIns="0" tIns="0" rIns="0" bIns="0" anchor="ctr"/>
+          <a:lstStyle/>
+          <a:p>
+            <a:endParaRPr lang="es-MX" sz="1800" b="0" strike="noStrike" spc="-1">
               <a:solidFill>
                 <a:srgbClr val="000000"/>
               </a:solidFill>
@@ -1944,11 +2262,12 @@
           </a:prstGeom>
         </p:spPr>
         <p:txBody>
-          <a:bodyPr lIns="0" rIns="0" tIns="0" bIns="0">
+          <a:bodyPr lIns="0" tIns="0" rIns="0" bIns="0">
             <a:normAutofit/>
           </a:bodyPr>
-          <a:p>
-            <a:endParaRPr b="0" lang="es-MX" sz="2800" spc="-1" strike="noStrike">
+          <a:lstStyle/>
+          <a:p>
+            <a:endParaRPr lang="es-MX" sz="2800" b="0" strike="noStrike" spc="-1">
               <a:solidFill>
                 <a:srgbClr val="000000"/>
               </a:solidFill>
@@ -1977,11 +2296,12 @@
           </a:prstGeom>
         </p:spPr>
         <p:txBody>
-          <a:bodyPr lIns="0" rIns="0" tIns="0" bIns="0">
+          <a:bodyPr lIns="0" tIns="0" rIns="0" bIns="0">
             <a:normAutofit/>
           </a:bodyPr>
-          <a:p>
-            <a:endParaRPr b="0" lang="es-MX" sz="2800" spc="-1" strike="noStrike">
+          <a:lstStyle/>
+          <a:p>
+            <a:endParaRPr lang="es-MX" sz="2800" b="0" strike="noStrike" spc="-1">
               <a:solidFill>
                 <a:srgbClr val="000000"/>
               </a:solidFill>
@@ -2010,11 +2330,12 @@
           </a:prstGeom>
         </p:spPr>
         <p:txBody>
-          <a:bodyPr lIns="0" rIns="0" tIns="0" bIns="0">
+          <a:bodyPr lIns="0" tIns="0" rIns="0" bIns="0">
             <a:normAutofit/>
           </a:bodyPr>
-          <a:p>
-            <a:endParaRPr b="0" lang="es-MX" sz="2800" spc="-1" strike="noStrike">
+          <a:lstStyle/>
+          <a:p>
+            <a:endParaRPr lang="es-MX" sz="2800" b="0" strike="noStrike" spc="-1">
               <a:solidFill>
                 <a:srgbClr val="000000"/>
               </a:solidFill>
@@ -2043,11 +2364,12 @@
           </a:prstGeom>
         </p:spPr>
         <p:txBody>
-          <a:bodyPr lIns="0" rIns="0" tIns="0" bIns="0">
+          <a:bodyPr lIns="0" tIns="0" rIns="0" bIns="0">
             <a:normAutofit/>
           </a:bodyPr>
-          <a:p>
-            <a:endParaRPr b="0" lang="es-MX" sz="2800" spc="-1" strike="noStrike">
+          <a:lstStyle/>
+          <a:p>
+            <a:endParaRPr lang="es-MX" sz="2800" b="0" strike="noStrike" spc="-1">
               <a:solidFill>
                 <a:srgbClr val="000000"/>
               </a:solidFill>
@@ -2076,11 +2398,12 @@
           </a:prstGeom>
         </p:spPr>
         <p:txBody>
-          <a:bodyPr lIns="0" rIns="0" tIns="0" bIns="0">
+          <a:bodyPr lIns="0" tIns="0" rIns="0" bIns="0">
             <a:normAutofit/>
           </a:bodyPr>
-          <a:p>
-            <a:endParaRPr b="0" lang="es-MX" sz="2800" spc="-1" strike="noStrike">
+          <a:lstStyle/>
+          <a:p>
+            <a:endParaRPr lang="es-MX" sz="2800" b="0" strike="noStrike" spc="-1">
               <a:solidFill>
                 <a:srgbClr val="000000"/>
               </a:solidFill>
@@ -2109,11 +2432,12 @@
           </a:prstGeom>
         </p:spPr>
         <p:txBody>
-          <a:bodyPr lIns="0" rIns="0" tIns="0" bIns="0">
+          <a:bodyPr lIns="0" tIns="0" rIns="0" bIns="0">
             <a:normAutofit/>
           </a:bodyPr>
-          <a:p>
-            <a:endParaRPr b="0" lang="es-MX" sz="2800" spc="-1" strike="noStrike">
+          <a:lstStyle/>
+          <a:p>
+            <a:endParaRPr lang="es-MX" sz="2800" b="0" strike="noStrike" spc="-1">
               <a:solidFill>
                 <a:srgbClr val="000000"/>
               </a:solidFill>
@@ -2124,11 +2448,22 @@
       </p:sp>
     </p:spTree>
   </p:cSld>
+  <p:clrMapOvr>
+    <a:masterClrMapping/>
+  </p:clrMapOvr>
+  <mc:AlternateContent xmlns:mc="http://schemas.openxmlformats.org/markup-compatibility/2006">
+    <mc:Choice xmlns:p14="http://schemas.microsoft.com/office/powerpoint/2010/main" Requires="p14">
+      <p:transition spd="slow" p14:dur="2000" advTm="15000"/>
+    </mc:Choice>
+    <mc:Fallback>
+      <p:transition spd="slow" advTm="15000"/>
+    </mc:Fallback>
+  </mc:AlternateContent>
 </p:sldLayout>
 </file>
 
 <file path=ppt/slideLayouts/slideLayout3.xml><?xml version="1.0" encoding="utf-8"?>
-<p:sldLayout xmlns:a="http://schemas.openxmlformats.org/drawingml/2006/main" xmlns:p="http://schemas.openxmlformats.org/presentationml/2006/main" xmlns:r="http://schemas.openxmlformats.org/officeDocument/2006/relationships" xmlns:p14="http://schemas.microsoft.com/office/powerpoint/2010/main" xmlns:p15="http://schemas.microsoft.com/office/powerpoint/2012/main" xmlns:mc="http://schemas.openxmlformats.org/markup-compatibility/2006" type="obj" preserve="1">
+<p:sldLayout xmlns:a="http://schemas.openxmlformats.org/drawingml/2006/main" xmlns:r="http://schemas.openxmlformats.org/officeDocument/2006/relationships" xmlns:p="http://schemas.openxmlformats.org/presentationml/2006/main" type="obj" preserve="1">
   <p:cSld name="Title, Content">
     <p:spTree>
       <p:nvGrpSpPr>
@@ -2164,9 +2499,10 @@
           </a:prstGeom>
         </p:spPr>
         <p:txBody>
-          <a:bodyPr lIns="0" rIns="0" tIns="0" bIns="0" anchor="ctr"/>
-          <a:p>
-            <a:endParaRPr b="0" lang="es-MX" sz="1800" spc="-1" strike="noStrike">
+          <a:bodyPr lIns="0" tIns="0" rIns="0" bIns="0" anchor="ctr"/>
+          <a:lstStyle/>
+          <a:p>
+            <a:endParaRPr lang="es-MX" sz="1800" b="0" strike="noStrike" spc="-1">
               <a:solidFill>
                 <a:srgbClr val="000000"/>
               </a:solidFill>
@@ -2195,11 +2531,12 @@
           </a:prstGeom>
         </p:spPr>
         <p:txBody>
-          <a:bodyPr lIns="0" rIns="0" tIns="0" bIns="0">
+          <a:bodyPr lIns="0" tIns="0" rIns="0" bIns="0">
             <a:normAutofit/>
           </a:bodyPr>
-          <a:p>
-            <a:endParaRPr b="0" lang="es-MX" sz="2800" spc="-1" strike="noStrike">
+          <a:lstStyle/>
+          <a:p>
+            <a:endParaRPr lang="es-MX" sz="2800" b="0" strike="noStrike" spc="-1">
               <a:solidFill>
                 <a:srgbClr val="000000"/>
               </a:solidFill>
@@ -2210,11 +2547,22 @@
       </p:sp>
     </p:spTree>
   </p:cSld>
+  <p:clrMapOvr>
+    <a:masterClrMapping/>
+  </p:clrMapOvr>
+  <mc:AlternateContent xmlns:mc="http://schemas.openxmlformats.org/markup-compatibility/2006">
+    <mc:Choice xmlns:p14="http://schemas.microsoft.com/office/powerpoint/2010/main" Requires="p14">
+      <p:transition spd="slow" p14:dur="2000" advTm="15000"/>
+    </mc:Choice>
+    <mc:Fallback>
+      <p:transition spd="slow" advTm="15000"/>
+    </mc:Fallback>
+  </mc:AlternateContent>
 </p:sldLayout>
 </file>
 
 <file path=ppt/slideLayouts/slideLayout4.xml><?xml version="1.0" encoding="utf-8"?>
-<p:sldLayout xmlns:a="http://schemas.openxmlformats.org/drawingml/2006/main" xmlns:p="http://schemas.openxmlformats.org/presentationml/2006/main" xmlns:r="http://schemas.openxmlformats.org/officeDocument/2006/relationships" xmlns:p14="http://schemas.microsoft.com/office/powerpoint/2010/main" xmlns:p15="http://schemas.microsoft.com/office/powerpoint/2012/main" xmlns:mc="http://schemas.openxmlformats.org/markup-compatibility/2006" type="twoObj" preserve="1">
+<p:sldLayout xmlns:a="http://schemas.openxmlformats.org/drawingml/2006/main" xmlns:r="http://schemas.openxmlformats.org/officeDocument/2006/relationships" xmlns:p="http://schemas.openxmlformats.org/presentationml/2006/main" type="twoObj" preserve="1">
   <p:cSld name="Title, 2 Content">
     <p:spTree>
       <p:nvGrpSpPr>
@@ -2250,9 +2598,10 @@
           </a:prstGeom>
         </p:spPr>
         <p:txBody>
-          <a:bodyPr lIns="0" rIns="0" tIns="0" bIns="0" anchor="ctr"/>
-          <a:p>
-            <a:endParaRPr b="0" lang="es-MX" sz="1800" spc="-1" strike="noStrike">
+          <a:bodyPr lIns="0" tIns="0" rIns="0" bIns="0" anchor="ctr"/>
+          <a:lstStyle/>
+          <a:p>
+            <a:endParaRPr lang="es-MX" sz="1800" b="0" strike="noStrike" spc="-1">
               <a:solidFill>
                 <a:srgbClr val="000000"/>
               </a:solidFill>
@@ -2281,11 +2630,12 @@
           </a:prstGeom>
         </p:spPr>
         <p:txBody>
-          <a:bodyPr lIns="0" rIns="0" tIns="0" bIns="0">
+          <a:bodyPr lIns="0" tIns="0" rIns="0" bIns="0">
             <a:normAutofit/>
           </a:bodyPr>
-          <a:p>
-            <a:endParaRPr b="0" lang="es-MX" sz="2800" spc="-1" strike="noStrike">
+          <a:lstStyle/>
+          <a:p>
+            <a:endParaRPr lang="es-MX" sz="2800" b="0" strike="noStrike" spc="-1">
               <a:solidFill>
                 <a:srgbClr val="000000"/>
               </a:solidFill>
@@ -2314,11 +2664,12 @@
           </a:prstGeom>
         </p:spPr>
         <p:txBody>
-          <a:bodyPr lIns="0" rIns="0" tIns="0" bIns="0">
+          <a:bodyPr lIns="0" tIns="0" rIns="0" bIns="0">
             <a:normAutofit/>
           </a:bodyPr>
-          <a:p>
-            <a:endParaRPr b="0" lang="es-MX" sz="2800" spc="-1" strike="noStrike">
+          <a:lstStyle/>
+          <a:p>
+            <a:endParaRPr lang="es-MX" sz="2800" b="0" strike="noStrike" spc="-1">
               <a:solidFill>
                 <a:srgbClr val="000000"/>
               </a:solidFill>
@@ -2329,11 +2680,22 @@
       </p:sp>
     </p:spTree>
   </p:cSld>
+  <p:clrMapOvr>
+    <a:masterClrMapping/>
+  </p:clrMapOvr>
+  <mc:AlternateContent xmlns:mc="http://schemas.openxmlformats.org/markup-compatibility/2006">
+    <mc:Choice xmlns:p14="http://schemas.microsoft.com/office/powerpoint/2010/main" Requires="p14">
+      <p:transition spd="slow" p14:dur="2000" advTm="15000"/>
+    </mc:Choice>
+    <mc:Fallback>
+      <p:transition spd="slow" advTm="15000"/>
+    </mc:Fallback>
+  </mc:AlternateContent>
 </p:sldLayout>
 </file>
 
 <file path=ppt/slideLayouts/slideLayout5.xml><?xml version="1.0" encoding="utf-8"?>
-<p:sldLayout xmlns:a="http://schemas.openxmlformats.org/drawingml/2006/main" xmlns:p="http://schemas.openxmlformats.org/presentationml/2006/main" xmlns:r="http://schemas.openxmlformats.org/officeDocument/2006/relationships" xmlns:p14="http://schemas.microsoft.com/office/powerpoint/2010/main" xmlns:p15="http://schemas.microsoft.com/office/powerpoint/2012/main" xmlns:mc="http://schemas.openxmlformats.org/markup-compatibility/2006" type="titleOnly" preserve="1">
+<p:sldLayout xmlns:a="http://schemas.openxmlformats.org/drawingml/2006/main" xmlns:r="http://schemas.openxmlformats.org/officeDocument/2006/relationships" xmlns:p="http://schemas.openxmlformats.org/presentationml/2006/main" type="titleOnly" preserve="1">
   <p:cSld name="Title Only">
     <p:spTree>
       <p:nvGrpSpPr>
@@ -2369,9 +2731,10 @@
           </a:prstGeom>
         </p:spPr>
         <p:txBody>
-          <a:bodyPr lIns="0" rIns="0" tIns="0" bIns="0" anchor="ctr"/>
-          <a:p>
-            <a:endParaRPr b="0" lang="es-MX" sz="1800" spc="-1" strike="noStrike">
+          <a:bodyPr lIns="0" tIns="0" rIns="0" bIns="0" anchor="ctr"/>
+          <a:lstStyle/>
+          <a:p>
+            <a:endParaRPr lang="es-MX" sz="1800" b="0" strike="noStrike" spc="-1">
               <a:solidFill>
                 <a:srgbClr val="000000"/>
               </a:solidFill>
@@ -2382,11 +2745,22 @@
       </p:sp>
     </p:spTree>
   </p:cSld>
+  <p:clrMapOvr>
+    <a:masterClrMapping/>
+  </p:clrMapOvr>
+  <mc:AlternateContent xmlns:mc="http://schemas.openxmlformats.org/markup-compatibility/2006">
+    <mc:Choice xmlns:p14="http://schemas.microsoft.com/office/powerpoint/2010/main" Requires="p14">
+      <p:transition spd="slow" p14:dur="2000" advTm="15000"/>
+    </mc:Choice>
+    <mc:Fallback>
+      <p:transition spd="slow" advTm="15000"/>
+    </mc:Fallback>
+  </mc:AlternateContent>
 </p:sldLayout>
 </file>
 
 <file path=ppt/slideLayouts/slideLayout6.xml><?xml version="1.0" encoding="utf-8"?>
-<p:sldLayout xmlns:a="http://schemas.openxmlformats.org/drawingml/2006/main" xmlns:p="http://schemas.openxmlformats.org/presentationml/2006/main" xmlns:r="http://schemas.openxmlformats.org/officeDocument/2006/relationships" xmlns:p14="http://schemas.microsoft.com/office/powerpoint/2010/main" xmlns:p15="http://schemas.microsoft.com/office/powerpoint/2012/main" xmlns:mc="http://schemas.openxmlformats.org/markup-compatibility/2006" type="objOnly" preserve="1">
+<p:sldLayout xmlns:a="http://schemas.openxmlformats.org/drawingml/2006/main" xmlns:r="http://schemas.openxmlformats.org/officeDocument/2006/relationships" xmlns:p="http://schemas.openxmlformats.org/presentationml/2006/main" type="objOnly" preserve="1">
   <p:cSld name="Centered Text">
     <p:spTree>
       <p:nvGrpSpPr>
@@ -2422,10 +2796,11 @@
           </a:prstGeom>
         </p:spPr>
         <p:txBody>
-          <a:bodyPr lIns="0" rIns="0" tIns="0" bIns="0" anchor="ctr"/>
+          <a:bodyPr lIns="0" tIns="0" rIns="0" bIns="0" anchor="ctr"/>
+          <a:lstStyle/>
           <a:p>
             <a:pPr algn="ctr"/>
-            <a:endParaRPr b="0" lang="en-US" sz="3200" spc="-1" strike="noStrike">
+            <a:endParaRPr lang="en-US" sz="3200" b="0" strike="noStrike" spc="-1">
               <a:latin typeface="Arial"/>
             </a:endParaRPr>
           </a:p>
@@ -2433,11 +2808,22 @@
       </p:sp>
     </p:spTree>
   </p:cSld>
+  <p:clrMapOvr>
+    <a:masterClrMapping/>
+  </p:clrMapOvr>
+  <mc:AlternateContent xmlns:mc="http://schemas.openxmlformats.org/markup-compatibility/2006">
+    <mc:Choice xmlns:p14="http://schemas.microsoft.com/office/powerpoint/2010/main" Requires="p14">
+      <p:transition spd="slow" p14:dur="2000" advTm="15000"/>
+    </mc:Choice>
+    <mc:Fallback>
+      <p:transition spd="slow" advTm="15000"/>
+    </mc:Fallback>
+  </mc:AlternateContent>
 </p:sldLayout>
 </file>
 
 <file path=ppt/slideLayouts/slideLayout7.xml><?xml version="1.0" encoding="utf-8"?>
-<p:sldLayout xmlns:a="http://schemas.openxmlformats.org/drawingml/2006/main" xmlns:p="http://schemas.openxmlformats.org/presentationml/2006/main" xmlns:r="http://schemas.openxmlformats.org/officeDocument/2006/relationships" xmlns:p14="http://schemas.microsoft.com/office/powerpoint/2010/main" xmlns:p15="http://schemas.microsoft.com/office/powerpoint/2012/main" xmlns:mc="http://schemas.openxmlformats.org/markup-compatibility/2006" type="twoObjAndObj" preserve="1">
+<p:sldLayout xmlns:a="http://schemas.openxmlformats.org/drawingml/2006/main" xmlns:r="http://schemas.openxmlformats.org/officeDocument/2006/relationships" xmlns:p="http://schemas.openxmlformats.org/presentationml/2006/main" type="twoObjAndObj" preserve="1">
   <p:cSld name="Title, 2 Content and Content">
     <p:spTree>
       <p:nvGrpSpPr>
@@ -2473,9 +2859,10 @@
           </a:prstGeom>
         </p:spPr>
         <p:txBody>
-          <a:bodyPr lIns="0" rIns="0" tIns="0" bIns="0" anchor="ctr"/>
-          <a:p>
-            <a:endParaRPr b="0" lang="es-MX" sz="1800" spc="-1" strike="noStrike">
+          <a:bodyPr lIns="0" tIns="0" rIns="0" bIns="0" anchor="ctr"/>
+          <a:lstStyle/>
+          <a:p>
+            <a:endParaRPr lang="es-MX" sz="1800" b="0" strike="noStrike" spc="-1">
               <a:solidFill>
                 <a:srgbClr val="000000"/>
               </a:solidFill>
@@ -2504,11 +2891,12 @@
           </a:prstGeom>
         </p:spPr>
         <p:txBody>
-          <a:bodyPr lIns="0" rIns="0" tIns="0" bIns="0">
+          <a:bodyPr lIns="0" tIns="0" rIns="0" bIns="0">
             <a:normAutofit/>
           </a:bodyPr>
-          <a:p>
-            <a:endParaRPr b="0" lang="es-MX" sz="2800" spc="-1" strike="noStrike">
+          <a:lstStyle/>
+          <a:p>
+            <a:endParaRPr lang="es-MX" sz="2800" b="0" strike="noStrike" spc="-1">
               <a:solidFill>
                 <a:srgbClr val="000000"/>
               </a:solidFill>
@@ -2537,11 +2925,12 @@
           </a:prstGeom>
         </p:spPr>
         <p:txBody>
-          <a:bodyPr lIns="0" rIns="0" tIns="0" bIns="0">
+          <a:bodyPr lIns="0" tIns="0" rIns="0" bIns="0">
             <a:normAutofit/>
           </a:bodyPr>
-          <a:p>
-            <a:endParaRPr b="0" lang="es-MX" sz="2800" spc="-1" strike="noStrike">
+          <a:lstStyle/>
+          <a:p>
+            <a:endParaRPr lang="es-MX" sz="2800" b="0" strike="noStrike" spc="-1">
               <a:solidFill>
                 <a:srgbClr val="000000"/>
               </a:solidFill>
@@ -2570,11 +2959,12 @@
           </a:prstGeom>
         </p:spPr>
         <p:txBody>
-          <a:bodyPr lIns="0" rIns="0" tIns="0" bIns="0">
+          <a:bodyPr lIns="0" tIns="0" rIns="0" bIns="0">
             <a:normAutofit/>
           </a:bodyPr>
-          <a:p>
-            <a:endParaRPr b="0" lang="es-MX" sz="2800" spc="-1" strike="noStrike">
+          <a:lstStyle/>
+          <a:p>
+            <a:endParaRPr lang="es-MX" sz="2800" b="0" strike="noStrike" spc="-1">
               <a:solidFill>
                 <a:srgbClr val="000000"/>
               </a:solidFill>
@@ -2585,11 +2975,22 @@
       </p:sp>
     </p:spTree>
   </p:cSld>
+  <p:clrMapOvr>
+    <a:masterClrMapping/>
+  </p:clrMapOvr>
+  <mc:AlternateContent xmlns:mc="http://schemas.openxmlformats.org/markup-compatibility/2006">
+    <mc:Choice xmlns:p14="http://schemas.microsoft.com/office/powerpoint/2010/main" Requires="p14">
+      <p:transition spd="slow" p14:dur="2000" advTm="15000"/>
+    </mc:Choice>
+    <mc:Fallback>
+      <p:transition spd="slow" advTm="15000"/>
+    </mc:Fallback>
+  </mc:AlternateContent>
 </p:sldLayout>
 </file>
 
 <file path=ppt/slideLayouts/slideLayout8.xml><?xml version="1.0" encoding="utf-8"?>
-<p:sldLayout xmlns:a="http://schemas.openxmlformats.org/drawingml/2006/main" xmlns:p="http://schemas.openxmlformats.org/presentationml/2006/main" xmlns:r="http://schemas.openxmlformats.org/officeDocument/2006/relationships" xmlns:p14="http://schemas.microsoft.com/office/powerpoint/2010/main" xmlns:p15="http://schemas.microsoft.com/office/powerpoint/2012/main" xmlns:mc="http://schemas.openxmlformats.org/markup-compatibility/2006" type="objAndTwoObj" preserve="1">
+<p:sldLayout xmlns:a="http://schemas.openxmlformats.org/drawingml/2006/main" xmlns:r="http://schemas.openxmlformats.org/officeDocument/2006/relationships" xmlns:p="http://schemas.openxmlformats.org/presentationml/2006/main" type="objAndTwoObj" preserve="1">
   <p:cSld name="Title Content and 2 Content">
     <p:spTree>
       <p:nvGrpSpPr>
@@ -2625,9 +3026,10 @@
           </a:prstGeom>
         </p:spPr>
         <p:txBody>
-          <a:bodyPr lIns="0" rIns="0" tIns="0" bIns="0" anchor="ctr"/>
-          <a:p>
-            <a:endParaRPr b="0" lang="es-MX" sz="1800" spc="-1" strike="noStrike">
+          <a:bodyPr lIns="0" tIns="0" rIns="0" bIns="0" anchor="ctr"/>
+          <a:lstStyle/>
+          <a:p>
+            <a:endParaRPr lang="es-MX" sz="1800" b="0" strike="noStrike" spc="-1">
               <a:solidFill>
                 <a:srgbClr val="000000"/>
               </a:solidFill>
@@ -2656,11 +3058,12 @@
           </a:prstGeom>
         </p:spPr>
         <p:txBody>
-          <a:bodyPr lIns="0" rIns="0" tIns="0" bIns="0">
+          <a:bodyPr lIns="0" tIns="0" rIns="0" bIns="0">
             <a:normAutofit/>
           </a:bodyPr>
-          <a:p>
-            <a:endParaRPr b="0" lang="es-MX" sz="2800" spc="-1" strike="noStrike">
+          <a:lstStyle/>
+          <a:p>
+            <a:endParaRPr lang="es-MX" sz="2800" b="0" strike="noStrike" spc="-1">
               <a:solidFill>
                 <a:srgbClr val="000000"/>
               </a:solidFill>
@@ -2689,11 +3092,12 @@
           </a:prstGeom>
         </p:spPr>
         <p:txBody>
-          <a:bodyPr lIns="0" rIns="0" tIns="0" bIns="0">
+          <a:bodyPr lIns="0" tIns="0" rIns="0" bIns="0">
             <a:normAutofit/>
           </a:bodyPr>
-          <a:p>
-            <a:endParaRPr b="0" lang="es-MX" sz="2800" spc="-1" strike="noStrike">
+          <a:lstStyle/>
+          <a:p>
+            <a:endParaRPr lang="es-MX" sz="2800" b="0" strike="noStrike" spc="-1">
               <a:solidFill>
                 <a:srgbClr val="000000"/>
               </a:solidFill>
@@ -2722,11 +3126,12 @@
           </a:prstGeom>
         </p:spPr>
         <p:txBody>
-          <a:bodyPr lIns="0" rIns="0" tIns="0" bIns="0">
+          <a:bodyPr lIns="0" tIns="0" rIns="0" bIns="0">
             <a:normAutofit/>
           </a:bodyPr>
-          <a:p>
-            <a:endParaRPr b="0" lang="es-MX" sz="2800" spc="-1" strike="noStrike">
+          <a:lstStyle/>
+          <a:p>
+            <a:endParaRPr lang="es-MX" sz="2800" b="0" strike="noStrike" spc="-1">
               <a:solidFill>
                 <a:srgbClr val="000000"/>
               </a:solidFill>
@@ -2737,11 +3142,22 @@
       </p:sp>
     </p:spTree>
   </p:cSld>
+  <p:clrMapOvr>
+    <a:masterClrMapping/>
+  </p:clrMapOvr>
+  <mc:AlternateContent xmlns:mc="http://schemas.openxmlformats.org/markup-compatibility/2006">
+    <mc:Choice xmlns:p14="http://schemas.microsoft.com/office/powerpoint/2010/main" Requires="p14">
+      <p:transition spd="slow" p14:dur="2000" advTm="15000"/>
+    </mc:Choice>
+    <mc:Fallback>
+      <p:transition spd="slow" advTm="15000"/>
+    </mc:Fallback>
+  </mc:AlternateContent>
 </p:sldLayout>
 </file>
 
 <file path=ppt/slideLayouts/slideLayout9.xml><?xml version="1.0" encoding="utf-8"?>
-<p:sldLayout xmlns:a="http://schemas.openxmlformats.org/drawingml/2006/main" xmlns:p="http://schemas.openxmlformats.org/presentationml/2006/main" xmlns:r="http://schemas.openxmlformats.org/officeDocument/2006/relationships" xmlns:p14="http://schemas.microsoft.com/office/powerpoint/2010/main" xmlns:p15="http://schemas.microsoft.com/office/powerpoint/2012/main" xmlns:mc="http://schemas.openxmlformats.org/markup-compatibility/2006" type="twoObjOverTx" preserve="1">
+<p:sldLayout xmlns:a="http://schemas.openxmlformats.org/drawingml/2006/main" xmlns:r="http://schemas.openxmlformats.org/officeDocument/2006/relationships" xmlns:p="http://schemas.openxmlformats.org/presentationml/2006/main" type="twoObjOverTx" preserve="1">
   <p:cSld name="Title, 2 Content over Content">
     <p:spTree>
       <p:nvGrpSpPr>
@@ -2777,9 +3193,10 @@
           </a:prstGeom>
         </p:spPr>
         <p:txBody>
-          <a:bodyPr lIns="0" rIns="0" tIns="0" bIns="0" anchor="ctr"/>
-          <a:p>
-            <a:endParaRPr b="0" lang="es-MX" sz="1800" spc="-1" strike="noStrike">
+          <a:bodyPr lIns="0" tIns="0" rIns="0" bIns="0" anchor="ctr"/>
+          <a:lstStyle/>
+          <a:p>
+            <a:endParaRPr lang="es-MX" sz="1800" b="0" strike="noStrike" spc="-1">
               <a:solidFill>
                 <a:srgbClr val="000000"/>
               </a:solidFill>
@@ -2808,11 +3225,12 @@
           </a:prstGeom>
         </p:spPr>
         <p:txBody>
-          <a:bodyPr lIns="0" rIns="0" tIns="0" bIns="0">
+          <a:bodyPr lIns="0" tIns="0" rIns="0" bIns="0">
             <a:normAutofit/>
           </a:bodyPr>
-          <a:p>
-            <a:endParaRPr b="0" lang="es-MX" sz="2800" spc="-1" strike="noStrike">
+          <a:lstStyle/>
+          <a:p>
+            <a:endParaRPr lang="es-MX" sz="2800" b="0" strike="noStrike" spc="-1">
               <a:solidFill>
                 <a:srgbClr val="000000"/>
               </a:solidFill>
@@ -2841,11 +3259,12 @@
           </a:prstGeom>
         </p:spPr>
         <p:txBody>
-          <a:bodyPr lIns="0" rIns="0" tIns="0" bIns="0">
+          <a:bodyPr lIns="0" tIns="0" rIns="0" bIns="0">
             <a:normAutofit/>
           </a:bodyPr>
-          <a:p>
-            <a:endParaRPr b="0" lang="es-MX" sz="2800" spc="-1" strike="noStrike">
+          <a:lstStyle/>
+          <a:p>
+            <a:endParaRPr lang="es-MX" sz="2800" b="0" strike="noStrike" spc="-1">
               <a:solidFill>
                 <a:srgbClr val="000000"/>
               </a:solidFill>
@@ -2874,11 +3293,12 @@
           </a:prstGeom>
         </p:spPr>
         <p:txBody>
-          <a:bodyPr lIns="0" rIns="0" tIns="0" bIns="0">
+          <a:bodyPr lIns="0" tIns="0" rIns="0" bIns="0">
             <a:normAutofit/>
           </a:bodyPr>
-          <a:p>
-            <a:endParaRPr b="0" lang="es-MX" sz="2800" spc="-1" strike="noStrike">
+          <a:lstStyle/>
+          <a:p>
+            <a:endParaRPr lang="es-MX" sz="2800" b="0" strike="noStrike" spc="-1">
               <a:solidFill>
                 <a:srgbClr val="000000"/>
               </a:solidFill>
@@ -2889,17 +3309,29 @@
       </p:sp>
     </p:spTree>
   </p:cSld>
+  <p:clrMapOvr>
+    <a:masterClrMapping/>
+  </p:clrMapOvr>
+  <mc:AlternateContent xmlns:mc="http://schemas.openxmlformats.org/markup-compatibility/2006">
+    <mc:Choice xmlns:p14="http://schemas.microsoft.com/office/powerpoint/2010/main" Requires="p14">
+      <p:transition spd="slow" p14:dur="2000" advTm="15000"/>
+    </mc:Choice>
+    <mc:Fallback>
+      <p:transition spd="slow" advTm="15000"/>
+    </mc:Fallback>
+  </mc:AlternateContent>
 </p:sldLayout>
 </file>
 
 <file path=ppt/slideMasters/slideMaster1.xml><?xml version="1.0" encoding="utf-8"?>
-<p:sldMaster xmlns:a="http://schemas.openxmlformats.org/drawingml/2006/main" xmlns:p="http://schemas.openxmlformats.org/presentationml/2006/main" xmlns:r="http://schemas.openxmlformats.org/officeDocument/2006/relationships" xmlns:p14="http://schemas.microsoft.com/office/powerpoint/2010/main" xmlns:p15="http://schemas.microsoft.com/office/powerpoint/2012/main" xmlns:mc="http://schemas.openxmlformats.org/markup-compatibility/2006">
+<p:sldMaster xmlns:a="http://schemas.openxmlformats.org/drawingml/2006/main" xmlns:r="http://schemas.openxmlformats.org/officeDocument/2006/relationships" xmlns:p="http://schemas.openxmlformats.org/presentationml/2006/main">
   <p:cSld>
     <p:bg>
       <p:bgPr>
         <a:solidFill>
           <a:srgbClr val="262626"/>
         </a:solidFill>
+        <a:effectLst/>
       </p:bgPr>
     </p:bg>
     <p:spTree>
@@ -2918,7 +3350,7 @@
       </p:grpSpPr>
       <p:grpSp>
         <p:nvGrpSpPr>
-          <p:cNvPr id="0" name="Group 1"/>
+          <p:cNvPr id="5" name="Group 1"/>
           <p:cNvGrpSpPr/>
           <p:nvPr/>
         </p:nvGrpSpPr>
@@ -2932,7 +3364,7 @@
         </p:grpSpPr>
         <p:sp>
           <p:nvSpPr>
-            <p:cNvPr id="1" name="CustomShape 2"/>
+            <p:cNvPr id="6" name="CustomShape 2"/>
             <p:cNvSpPr/>
             <p:nvPr/>
           </p:nvSpPr>
@@ -2952,20 +3384,26 @@
             </a:ln>
           </p:spPr>
           <p:style>
-            <a:lnRef idx="0"/>
-            <a:fillRef idx="0"/>
-            <a:effectRef idx="0"/>
+            <a:lnRef idx="0">
+              <a:scrgbClr r="0" g="0" b="0"/>
+            </a:lnRef>
+            <a:fillRef idx="0">
+              <a:scrgbClr r="0" g="0" b="0"/>
+            </a:fillRef>
+            <a:effectRef idx="0">
+              <a:scrgbClr r="0" g="0" b="0"/>
+            </a:effectRef>
             <a:fontRef idx="minor"/>
           </p:style>
         </p:sp>
         <p:pic>
           <p:nvPicPr>
-            <p:cNvPr id="2" name="Google Shape;15;p2" descr=""/>
+            <p:cNvPr id="2" name="Google Shape;15;p2"/>
             <p:cNvPicPr/>
             <p:nvPr/>
           </p:nvPicPr>
           <p:blipFill>
-            <a:blip r:embed="rId2"/>
+            <a:blip r:embed="rId14"/>
             <a:stretch/>
           </p:blipFill>
           <p:spPr>
@@ -3002,10 +3440,11 @@
           </a:prstGeom>
         </p:spPr>
         <p:txBody>
-          <a:bodyPr lIns="0" rIns="0" tIns="0" bIns="0" anchor="ctr"/>
+          <a:bodyPr lIns="0" tIns="0" rIns="0" bIns="0" anchor="ctr"/>
+          <a:lstStyle/>
           <a:p>
             <a:r>
-              <a:rPr b="0" lang="es-MX" sz="1800" spc="-1" strike="noStrike">
+              <a:rPr lang="es-MX" sz="1800" b="0" strike="noStrike" spc="-1">
                 <a:solidFill>
                   <a:srgbClr val="000000"/>
                 </a:solidFill>
@@ -3013,12 +3452,6 @@
               </a:rPr>
               <a:t>Click to edit the title text format</a:t>
             </a:r>
-            <a:endParaRPr b="0" lang="es-MX" sz="1800" spc="-1" strike="noStrike">
-              <a:solidFill>
-                <a:srgbClr val="000000"/>
-              </a:solidFill>
-              <a:latin typeface="Arial"/>
-            </a:endParaRPr>
           </a:p>
         </p:txBody>
       </p:sp>
@@ -3042,23 +3475,24 @@
           </a:prstGeom>
         </p:spPr>
         <p:txBody>
-          <a:bodyPr lIns="0" rIns="0" tIns="0" bIns="0">
+          <a:bodyPr lIns="0" tIns="0" rIns="0" bIns="0">
             <a:normAutofit/>
           </a:bodyPr>
+          <a:lstStyle/>
           <a:p>
             <a:pPr marL="432000" indent="-324000">
               <a:spcBef>
                 <a:spcPts val="1417"/>
               </a:spcBef>
               <a:buClr>
-                <a:srgbClr val="ffffff"/>
+                <a:srgbClr val="FFFFFF"/>
               </a:buClr>
               <a:buSzPct val="45000"/>
               <a:buFont typeface="Wingdings" charset="2"/>
               <a:buChar char=""/>
             </a:pPr>
             <a:r>
-              <a:rPr b="0" lang="es-MX" sz="2800" spc="-1" strike="noStrike">
+              <a:rPr lang="es-MX" sz="2800" b="0" strike="noStrike" spc="-1">
                 <a:solidFill>
                   <a:srgbClr val="000000"/>
                 </a:solidFill>
@@ -3066,27 +3500,21 @@
               </a:rPr>
               <a:t>Click to edit the outline text format</a:t>
             </a:r>
-            <a:endParaRPr b="0" lang="es-MX" sz="2800" spc="-1" strike="noStrike">
-              <a:solidFill>
-                <a:srgbClr val="000000"/>
-              </a:solidFill>
-              <a:latin typeface="Arial"/>
-            </a:endParaRPr>
-          </a:p>
-          <a:p>
-            <a:pPr lvl="1" marL="864000" indent="-324000">
+          </a:p>
+          <a:p>
+            <a:pPr marL="864000" lvl="1" indent="-324000">
               <a:spcBef>
                 <a:spcPts val="1134"/>
               </a:spcBef>
               <a:buClr>
-                <a:srgbClr val="ffffff"/>
+                <a:srgbClr val="FFFFFF"/>
               </a:buClr>
               <a:buSzPct val="75000"/>
               <a:buFont typeface="Symbol" charset="2"/>
               <a:buChar char=""/>
             </a:pPr>
             <a:r>
-              <a:rPr b="0" lang="es-MX" sz="2000" spc="-1" strike="noStrike">
+              <a:rPr lang="es-MX" sz="2000" b="0" strike="noStrike" spc="-1">
                 <a:solidFill>
                   <a:srgbClr val="000000"/>
                 </a:solidFill>
@@ -3094,27 +3522,21 @@
               </a:rPr>
               <a:t>Second Outline Level</a:t>
             </a:r>
-            <a:endParaRPr b="0" lang="es-MX" sz="2000" spc="-1" strike="noStrike">
-              <a:solidFill>
-                <a:srgbClr val="000000"/>
-              </a:solidFill>
-              <a:latin typeface="Arial"/>
-            </a:endParaRPr>
-          </a:p>
-          <a:p>
-            <a:pPr lvl="2" marL="1296000" indent="-288000">
+          </a:p>
+          <a:p>
+            <a:pPr marL="1296000" lvl="2" indent="-288000">
               <a:spcBef>
                 <a:spcPts val="850"/>
               </a:spcBef>
               <a:buClr>
-                <a:srgbClr val="ffffff"/>
+                <a:srgbClr val="FFFFFF"/>
               </a:buClr>
               <a:buSzPct val="45000"/>
               <a:buFont typeface="Wingdings" charset="2"/>
               <a:buChar char=""/>
             </a:pPr>
             <a:r>
-              <a:rPr b="0" lang="es-MX" sz="1800" spc="-1" strike="noStrike">
+              <a:rPr lang="es-MX" sz="1800" b="0" strike="noStrike" spc="-1">
                 <a:solidFill>
                   <a:srgbClr val="000000"/>
                 </a:solidFill>
@@ -3122,27 +3544,21 @@
               </a:rPr>
               <a:t>Third Outline Level</a:t>
             </a:r>
-            <a:endParaRPr b="0" lang="es-MX" sz="1800" spc="-1" strike="noStrike">
-              <a:solidFill>
-                <a:srgbClr val="000000"/>
-              </a:solidFill>
-              <a:latin typeface="Arial"/>
-            </a:endParaRPr>
-          </a:p>
-          <a:p>
-            <a:pPr lvl="3" marL="1728000" indent="-216000">
+          </a:p>
+          <a:p>
+            <a:pPr marL="1728000" lvl="3" indent="-216000">
               <a:spcBef>
                 <a:spcPts val="567"/>
               </a:spcBef>
               <a:buClr>
-                <a:srgbClr val="ffffff"/>
+                <a:srgbClr val="FFFFFF"/>
               </a:buClr>
               <a:buSzPct val="75000"/>
               <a:buFont typeface="Symbol" charset="2"/>
               <a:buChar char=""/>
             </a:pPr>
             <a:r>
-              <a:rPr b="0" lang="es-MX" sz="1800" spc="-1" strike="noStrike">
+              <a:rPr lang="es-MX" sz="1800" b="0" strike="noStrike" spc="-1">
                 <a:solidFill>
                   <a:srgbClr val="000000"/>
                 </a:solidFill>
@@ -3150,27 +3566,21 @@
               </a:rPr>
               <a:t>Fourth Outline Level</a:t>
             </a:r>
-            <a:endParaRPr b="0" lang="es-MX" sz="1800" spc="-1" strike="noStrike">
-              <a:solidFill>
-                <a:srgbClr val="000000"/>
-              </a:solidFill>
-              <a:latin typeface="Arial"/>
-            </a:endParaRPr>
-          </a:p>
-          <a:p>
-            <a:pPr lvl="4" marL="2160000" indent="-216000">
+          </a:p>
+          <a:p>
+            <a:pPr marL="2160000" lvl="4" indent="-216000">
               <a:spcBef>
                 <a:spcPts val="283"/>
               </a:spcBef>
               <a:buClr>
-                <a:srgbClr val="ffffff"/>
+                <a:srgbClr val="FFFFFF"/>
               </a:buClr>
               <a:buSzPct val="45000"/>
               <a:buFont typeface="Wingdings" charset="2"/>
               <a:buChar char=""/>
             </a:pPr>
             <a:r>
-              <a:rPr b="0" lang="es-MX" sz="2000" spc="-1" strike="noStrike">
+              <a:rPr lang="es-MX" sz="2000" b="0" strike="noStrike" spc="-1">
                 <a:solidFill>
                   <a:srgbClr val="000000"/>
                 </a:solidFill>
@@ -3178,27 +3588,21 @@
               </a:rPr>
               <a:t>Fifth Outline Level</a:t>
             </a:r>
-            <a:endParaRPr b="0" lang="es-MX" sz="2000" spc="-1" strike="noStrike">
-              <a:solidFill>
-                <a:srgbClr val="000000"/>
-              </a:solidFill>
-              <a:latin typeface="Arial"/>
-            </a:endParaRPr>
-          </a:p>
-          <a:p>
-            <a:pPr lvl="5" marL="2592000" indent="-216000">
+          </a:p>
+          <a:p>
+            <a:pPr marL="2592000" lvl="5" indent="-216000">
               <a:spcBef>
                 <a:spcPts val="283"/>
               </a:spcBef>
               <a:buClr>
-                <a:srgbClr val="ffffff"/>
+                <a:srgbClr val="FFFFFF"/>
               </a:buClr>
               <a:buSzPct val="45000"/>
               <a:buFont typeface="Wingdings" charset="2"/>
               <a:buChar char=""/>
             </a:pPr>
             <a:r>
-              <a:rPr b="0" lang="es-MX" sz="2000" spc="-1" strike="noStrike">
+              <a:rPr lang="es-MX" sz="2000" b="0" strike="noStrike" spc="-1">
                 <a:solidFill>
                   <a:srgbClr val="000000"/>
                 </a:solidFill>
@@ -3206,27 +3610,21 @@
               </a:rPr>
               <a:t>Sixth Outline Level</a:t>
             </a:r>
-            <a:endParaRPr b="0" lang="es-MX" sz="2000" spc="-1" strike="noStrike">
-              <a:solidFill>
-                <a:srgbClr val="000000"/>
-              </a:solidFill>
-              <a:latin typeface="Arial"/>
-            </a:endParaRPr>
-          </a:p>
-          <a:p>
-            <a:pPr lvl="6" marL="3024000" indent="-216000">
+          </a:p>
+          <a:p>
+            <a:pPr marL="3024000" lvl="6" indent="-216000">
               <a:spcBef>
                 <a:spcPts val="283"/>
               </a:spcBef>
               <a:buClr>
-                <a:srgbClr val="ffffff"/>
+                <a:srgbClr val="FFFFFF"/>
               </a:buClr>
               <a:buSzPct val="45000"/>
               <a:buFont typeface="Wingdings" charset="2"/>
               <a:buChar char=""/>
             </a:pPr>
             <a:r>
-              <a:rPr b="0" lang="es-MX" sz="2000" spc="-1" strike="noStrike">
+              <a:rPr lang="es-MX" sz="2000" b="0" strike="noStrike" spc="-1">
                 <a:solidFill>
                   <a:srgbClr val="000000"/>
                 </a:solidFill>
@@ -3234,43 +3632,326 @@
               </a:rPr>
               <a:t>Seventh Outline Level</a:t>
             </a:r>
-            <a:endParaRPr b="0" lang="es-MX" sz="2000" spc="-1" strike="noStrike">
-              <a:solidFill>
-                <a:srgbClr val="000000"/>
-              </a:solidFill>
-              <a:latin typeface="Arial"/>
-            </a:endParaRPr>
           </a:p>
         </p:txBody>
       </p:sp>
     </p:spTree>
   </p:cSld>
-  <p:clrMap bg1="lt1" bg2="lt2" tx1="dk1" tx2="dk2" accent1="accent1" accent2="accent2" accent3="accent3" accent4="accent4" accent5="accent5" accent6="accent6" hlink="hlink" folHlink="folHlink"/>
+  <p:clrMap bg1="lt1" tx1="dk1" bg2="lt2" tx2="dk2" accent1="accent1" accent2="accent2" accent3="accent3" accent4="accent4" accent5="accent5" accent6="accent6" hlink="hlink" folHlink="folHlink"/>
   <p:sldLayoutIdLst>
-    <p:sldLayoutId id="2147483649" r:id="rId3"/>
-    <p:sldLayoutId id="2147483650" r:id="rId4"/>
-    <p:sldLayoutId id="2147483651" r:id="rId5"/>
-    <p:sldLayoutId id="2147483652" r:id="rId6"/>
-    <p:sldLayoutId id="2147483653" r:id="rId7"/>
-    <p:sldLayoutId id="2147483654" r:id="rId8"/>
-    <p:sldLayoutId id="2147483655" r:id="rId9"/>
-    <p:sldLayoutId id="2147483656" r:id="rId10"/>
-    <p:sldLayoutId id="2147483657" r:id="rId11"/>
-    <p:sldLayoutId id="2147483658" r:id="rId12"/>
-    <p:sldLayoutId id="2147483659" r:id="rId13"/>
-    <p:sldLayoutId id="2147483660" r:id="rId14"/>
+    <p:sldLayoutId id="2147483649" r:id="rId1"/>
+    <p:sldLayoutId id="2147483650" r:id="rId2"/>
+    <p:sldLayoutId id="2147483651" r:id="rId3"/>
+    <p:sldLayoutId id="2147483652" r:id="rId4"/>
+    <p:sldLayoutId id="2147483653" r:id="rId5"/>
+    <p:sldLayoutId id="2147483654" r:id="rId6"/>
+    <p:sldLayoutId id="2147483655" r:id="rId7"/>
+    <p:sldLayoutId id="2147483656" r:id="rId8"/>
+    <p:sldLayoutId id="2147483657" r:id="rId9"/>
+    <p:sldLayoutId id="2147483658" r:id="rId10"/>
+    <p:sldLayoutId id="2147483659" r:id="rId11"/>
+    <p:sldLayoutId id="2147483660" r:id="rId12"/>
   </p:sldLayoutIdLst>
+  <mc:AlternateContent xmlns:mc="http://schemas.openxmlformats.org/markup-compatibility/2006">
+    <mc:Choice xmlns:p14="http://schemas.microsoft.com/office/powerpoint/2010/main" Requires="p14">
+      <p:transition spd="slow" p14:dur="2000" advTm="15000"/>
+    </mc:Choice>
+    <mc:Fallback>
+      <p:transition spd="slow" advTm="15000"/>
+    </mc:Fallback>
+  </mc:AlternateContent>
+  <p:txStyles>
+    <p:titleStyle>
+      <a:lvl1pPr algn="l" defTabSz="914400" rtl="0" eaLnBrk="1" latinLnBrk="0" hangingPunct="1">
+        <a:lnSpc>
+          <a:spcPct val="90000"/>
+        </a:lnSpc>
+        <a:spcBef>
+          <a:spcPct val="0"/>
+        </a:spcBef>
+        <a:buNone/>
+        <a:defRPr sz="4400" kern="1200">
+          <a:solidFill>
+            <a:schemeClr val="tx1"/>
+          </a:solidFill>
+          <a:latin typeface="+mj-lt"/>
+          <a:ea typeface="+mj-ea"/>
+          <a:cs typeface="+mj-cs"/>
+        </a:defRPr>
+      </a:lvl1pPr>
+    </p:titleStyle>
+    <p:bodyStyle>
+      <a:lvl1pPr marL="228600" indent="-228600" algn="l" defTabSz="914400" rtl="0" eaLnBrk="1" latinLnBrk="0" hangingPunct="1">
+        <a:lnSpc>
+          <a:spcPct val="90000"/>
+        </a:lnSpc>
+        <a:spcBef>
+          <a:spcPts val="1000"/>
+        </a:spcBef>
+        <a:buFont typeface="Arial" panose="020B0604020202020204" pitchFamily="34" charset="0"/>
+        <a:buChar char="•"/>
+        <a:defRPr sz="2800" kern="1200">
+          <a:solidFill>
+            <a:schemeClr val="tx1"/>
+          </a:solidFill>
+          <a:latin typeface="+mn-lt"/>
+          <a:ea typeface="+mn-ea"/>
+          <a:cs typeface="+mn-cs"/>
+        </a:defRPr>
+      </a:lvl1pPr>
+      <a:lvl2pPr marL="685800" indent="-228600" algn="l" defTabSz="914400" rtl="0" eaLnBrk="1" latinLnBrk="0" hangingPunct="1">
+        <a:lnSpc>
+          <a:spcPct val="90000"/>
+        </a:lnSpc>
+        <a:spcBef>
+          <a:spcPts val="500"/>
+        </a:spcBef>
+        <a:buFont typeface="Arial" panose="020B0604020202020204" pitchFamily="34" charset="0"/>
+        <a:buChar char="•"/>
+        <a:defRPr sz="2400" kern="1200">
+          <a:solidFill>
+            <a:schemeClr val="tx1"/>
+          </a:solidFill>
+          <a:latin typeface="+mn-lt"/>
+          <a:ea typeface="+mn-ea"/>
+          <a:cs typeface="+mn-cs"/>
+        </a:defRPr>
+      </a:lvl2pPr>
+      <a:lvl3pPr marL="1143000" indent="-228600" algn="l" defTabSz="914400" rtl="0" eaLnBrk="1" latinLnBrk="0" hangingPunct="1">
+        <a:lnSpc>
+          <a:spcPct val="90000"/>
+        </a:lnSpc>
+        <a:spcBef>
+          <a:spcPts val="500"/>
+        </a:spcBef>
+        <a:buFont typeface="Arial" panose="020B0604020202020204" pitchFamily="34" charset="0"/>
+        <a:buChar char="•"/>
+        <a:defRPr sz="2000" kern="1200">
+          <a:solidFill>
+            <a:schemeClr val="tx1"/>
+          </a:solidFill>
+          <a:latin typeface="+mn-lt"/>
+          <a:ea typeface="+mn-ea"/>
+          <a:cs typeface="+mn-cs"/>
+        </a:defRPr>
+      </a:lvl3pPr>
+      <a:lvl4pPr marL="1600200" indent="-228600" algn="l" defTabSz="914400" rtl="0" eaLnBrk="1" latinLnBrk="0" hangingPunct="1">
+        <a:lnSpc>
+          <a:spcPct val="90000"/>
+        </a:lnSpc>
+        <a:spcBef>
+          <a:spcPts val="500"/>
+        </a:spcBef>
+        <a:buFont typeface="Arial" panose="020B0604020202020204" pitchFamily="34" charset="0"/>
+        <a:buChar char="•"/>
+        <a:defRPr sz="1800" kern="1200">
+          <a:solidFill>
+            <a:schemeClr val="tx1"/>
+          </a:solidFill>
+          <a:latin typeface="+mn-lt"/>
+          <a:ea typeface="+mn-ea"/>
+          <a:cs typeface="+mn-cs"/>
+        </a:defRPr>
+      </a:lvl4pPr>
+      <a:lvl5pPr marL="2057400" indent="-228600" algn="l" defTabSz="914400" rtl="0" eaLnBrk="1" latinLnBrk="0" hangingPunct="1">
+        <a:lnSpc>
+          <a:spcPct val="90000"/>
+        </a:lnSpc>
+        <a:spcBef>
+          <a:spcPts val="500"/>
+        </a:spcBef>
+        <a:buFont typeface="Arial" panose="020B0604020202020204" pitchFamily="34" charset="0"/>
+        <a:buChar char="•"/>
+        <a:defRPr sz="1800" kern="1200">
+          <a:solidFill>
+            <a:schemeClr val="tx1"/>
+          </a:solidFill>
+          <a:latin typeface="+mn-lt"/>
+          <a:ea typeface="+mn-ea"/>
+          <a:cs typeface="+mn-cs"/>
+        </a:defRPr>
+      </a:lvl5pPr>
+      <a:lvl6pPr marL="2514600" indent="-228600" algn="l" defTabSz="914400" rtl="0" eaLnBrk="1" latinLnBrk="0" hangingPunct="1">
+        <a:lnSpc>
+          <a:spcPct val="90000"/>
+        </a:lnSpc>
+        <a:spcBef>
+          <a:spcPts val="500"/>
+        </a:spcBef>
+        <a:buFont typeface="Arial" panose="020B0604020202020204" pitchFamily="34" charset="0"/>
+        <a:buChar char="•"/>
+        <a:defRPr sz="1800" kern="1200">
+          <a:solidFill>
+            <a:schemeClr val="tx1"/>
+          </a:solidFill>
+          <a:latin typeface="+mn-lt"/>
+          <a:ea typeface="+mn-ea"/>
+          <a:cs typeface="+mn-cs"/>
+        </a:defRPr>
+      </a:lvl6pPr>
+      <a:lvl7pPr marL="2971800" indent="-228600" algn="l" defTabSz="914400" rtl="0" eaLnBrk="1" latinLnBrk="0" hangingPunct="1">
+        <a:lnSpc>
+          <a:spcPct val="90000"/>
+        </a:lnSpc>
+        <a:spcBef>
+          <a:spcPts val="500"/>
+        </a:spcBef>
+        <a:buFont typeface="Arial" panose="020B0604020202020204" pitchFamily="34" charset="0"/>
+        <a:buChar char="•"/>
+        <a:defRPr sz="1800" kern="1200">
+          <a:solidFill>
+            <a:schemeClr val="tx1"/>
+          </a:solidFill>
+          <a:latin typeface="+mn-lt"/>
+          <a:ea typeface="+mn-ea"/>
+          <a:cs typeface="+mn-cs"/>
+        </a:defRPr>
+      </a:lvl7pPr>
+      <a:lvl8pPr marL="3429000" indent="-228600" algn="l" defTabSz="914400" rtl="0" eaLnBrk="1" latinLnBrk="0" hangingPunct="1">
+        <a:lnSpc>
+          <a:spcPct val="90000"/>
+        </a:lnSpc>
+        <a:spcBef>
+          <a:spcPts val="500"/>
+        </a:spcBef>
+        <a:buFont typeface="Arial" panose="020B0604020202020204" pitchFamily="34" charset="0"/>
+        <a:buChar char="•"/>
+        <a:defRPr sz="1800" kern="1200">
+          <a:solidFill>
+            <a:schemeClr val="tx1"/>
+          </a:solidFill>
+          <a:latin typeface="+mn-lt"/>
+          <a:ea typeface="+mn-ea"/>
+          <a:cs typeface="+mn-cs"/>
+        </a:defRPr>
+      </a:lvl8pPr>
+      <a:lvl9pPr marL="3886200" indent="-228600" algn="l" defTabSz="914400" rtl="0" eaLnBrk="1" latinLnBrk="0" hangingPunct="1">
+        <a:lnSpc>
+          <a:spcPct val="90000"/>
+        </a:lnSpc>
+        <a:spcBef>
+          <a:spcPts val="500"/>
+        </a:spcBef>
+        <a:buFont typeface="Arial" panose="020B0604020202020204" pitchFamily="34" charset="0"/>
+        <a:buChar char="•"/>
+        <a:defRPr sz="1800" kern="1200">
+          <a:solidFill>
+            <a:schemeClr val="tx1"/>
+          </a:solidFill>
+          <a:latin typeface="+mn-lt"/>
+          <a:ea typeface="+mn-ea"/>
+          <a:cs typeface="+mn-cs"/>
+        </a:defRPr>
+      </a:lvl9pPr>
+    </p:bodyStyle>
+    <p:otherStyle>
+      <a:defPPr>
+        <a:defRPr lang="es-MX"/>
+      </a:defPPr>
+      <a:lvl1pPr marL="0" algn="l" defTabSz="914400" rtl="0" eaLnBrk="1" latinLnBrk="0" hangingPunct="1">
+        <a:defRPr sz="1800" kern="1200">
+          <a:solidFill>
+            <a:schemeClr val="tx1"/>
+          </a:solidFill>
+          <a:latin typeface="+mn-lt"/>
+          <a:ea typeface="+mn-ea"/>
+          <a:cs typeface="+mn-cs"/>
+        </a:defRPr>
+      </a:lvl1pPr>
+      <a:lvl2pPr marL="457200" algn="l" defTabSz="914400" rtl="0" eaLnBrk="1" latinLnBrk="0" hangingPunct="1">
+        <a:defRPr sz="1800" kern="1200">
+          <a:solidFill>
+            <a:schemeClr val="tx1"/>
+          </a:solidFill>
+          <a:latin typeface="+mn-lt"/>
+          <a:ea typeface="+mn-ea"/>
+          <a:cs typeface="+mn-cs"/>
+        </a:defRPr>
+      </a:lvl2pPr>
+      <a:lvl3pPr marL="914400" algn="l" defTabSz="914400" rtl="0" eaLnBrk="1" latinLnBrk="0" hangingPunct="1">
+        <a:defRPr sz="1800" kern="1200">
+          <a:solidFill>
+            <a:schemeClr val="tx1"/>
+          </a:solidFill>
+          <a:latin typeface="+mn-lt"/>
+          <a:ea typeface="+mn-ea"/>
+          <a:cs typeface="+mn-cs"/>
+        </a:defRPr>
+      </a:lvl3pPr>
+      <a:lvl4pPr marL="1371600" algn="l" defTabSz="914400" rtl="0" eaLnBrk="1" latinLnBrk="0" hangingPunct="1">
+        <a:defRPr sz="1800" kern="1200">
+          <a:solidFill>
+            <a:schemeClr val="tx1"/>
+          </a:solidFill>
+          <a:latin typeface="+mn-lt"/>
+          <a:ea typeface="+mn-ea"/>
+          <a:cs typeface="+mn-cs"/>
+        </a:defRPr>
+      </a:lvl4pPr>
+      <a:lvl5pPr marL="1828800" algn="l" defTabSz="914400" rtl="0" eaLnBrk="1" latinLnBrk="0" hangingPunct="1">
+        <a:defRPr sz="1800" kern="1200">
+          <a:solidFill>
+            <a:schemeClr val="tx1"/>
+          </a:solidFill>
+          <a:latin typeface="+mn-lt"/>
+          <a:ea typeface="+mn-ea"/>
+          <a:cs typeface="+mn-cs"/>
+        </a:defRPr>
+      </a:lvl5pPr>
+      <a:lvl6pPr marL="2286000" algn="l" defTabSz="914400" rtl="0" eaLnBrk="1" latinLnBrk="0" hangingPunct="1">
+        <a:defRPr sz="1800" kern="1200">
+          <a:solidFill>
+            <a:schemeClr val="tx1"/>
+          </a:solidFill>
+          <a:latin typeface="+mn-lt"/>
+          <a:ea typeface="+mn-ea"/>
+          <a:cs typeface="+mn-cs"/>
+        </a:defRPr>
+      </a:lvl6pPr>
+      <a:lvl7pPr marL="2743200" algn="l" defTabSz="914400" rtl="0" eaLnBrk="1" latinLnBrk="0" hangingPunct="1">
+        <a:defRPr sz="1800" kern="1200">
+          <a:solidFill>
+            <a:schemeClr val="tx1"/>
+          </a:solidFill>
+          <a:latin typeface="+mn-lt"/>
+          <a:ea typeface="+mn-ea"/>
+          <a:cs typeface="+mn-cs"/>
+        </a:defRPr>
+      </a:lvl7pPr>
+      <a:lvl8pPr marL="3200400" algn="l" defTabSz="914400" rtl="0" eaLnBrk="1" latinLnBrk="0" hangingPunct="1">
+        <a:defRPr sz="1800" kern="1200">
+          <a:solidFill>
+            <a:schemeClr val="tx1"/>
+          </a:solidFill>
+          <a:latin typeface="+mn-lt"/>
+          <a:ea typeface="+mn-ea"/>
+          <a:cs typeface="+mn-cs"/>
+        </a:defRPr>
+      </a:lvl8pPr>
+      <a:lvl9pPr marL="3657600" algn="l" defTabSz="914400" rtl="0" eaLnBrk="1" latinLnBrk="0" hangingPunct="1">
+        <a:defRPr sz="1800" kern="1200">
+          <a:solidFill>
+            <a:schemeClr val="tx1"/>
+          </a:solidFill>
+          <a:latin typeface="+mn-lt"/>
+          <a:ea typeface="+mn-ea"/>
+          <a:cs typeface="+mn-cs"/>
+        </a:defRPr>
+      </a:lvl9pPr>
+    </p:otherStyle>
+  </p:txStyles>
 </p:sldMaster>
 </file>
 
 <file path=ppt/slideMasters/slideMaster2.xml><?xml version="1.0" encoding="utf-8"?>
-<p:sldMaster xmlns:a="http://schemas.openxmlformats.org/drawingml/2006/main" xmlns:p="http://schemas.openxmlformats.org/presentationml/2006/main" xmlns:r="http://schemas.openxmlformats.org/officeDocument/2006/relationships" xmlns:p14="http://schemas.microsoft.com/office/powerpoint/2010/main" xmlns:p15="http://schemas.microsoft.com/office/powerpoint/2012/main" xmlns:mc="http://schemas.openxmlformats.org/markup-compatibility/2006">
+<p:sldMaster xmlns:a="http://schemas.openxmlformats.org/drawingml/2006/main" xmlns:r="http://schemas.openxmlformats.org/officeDocument/2006/relationships" xmlns:p="http://schemas.openxmlformats.org/presentationml/2006/main">
   <p:cSld>
     <p:bg>
       <p:bgPr>
         <a:solidFill>
-          <a:srgbClr val="ffffff"/>
+          <a:srgbClr val="FFFFFF"/>
         </a:solidFill>
+        <a:effectLst/>
       </p:bgPr>
     </p:bg>
     <p:spTree>
@@ -3309,9 +3990,15 @@
           </a:ln>
         </p:spPr>
         <p:style>
-          <a:lnRef idx="0"/>
-          <a:fillRef idx="0"/>
-          <a:effectRef idx="0"/>
+          <a:lnRef idx="0">
+            <a:scrgbClr r="0" g="0" b="0"/>
+          </a:lnRef>
+          <a:fillRef idx="0">
+            <a:scrgbClr r="0" g="0" b="0"/>
+          </a:fillRef>
+          <a:effectRef idx="0">
+            <a:scrgbClr r="0" g="0" b="0"/>
+          </a:effectRef>
           <a:fontRef idx="minor"/>
         </p:style>
       </p:sp>
@@ -3335,9 +4022,15 @@
           </a:ln>
         </p:spPr>
         <p:style>
-          <a:lnRef idx="0"/>
-          <a:fillRef idx="0"/>
-          <a:effectRef idx="0"/>
+          <a:lnRef idx="0">
+            <a:scrgbClr r="0" g="0" b="0"/>
+          </a:lnRef>
+          <a:fillRef idx="0">
+            <a:scrgbClr r="0" g="0" b="0"/>
+          </a:fillRef>
+          <a:effectRef idx="0">
+            <a:scrgbClr r="0" g="0" b="0"/>
+          </a:effectRef>
           <a:fontRef idx="minor"/>
         </p:style>
       </p:sp>
@@ -3377,9 +4070,15 @@
             </a:ln>
           </p:spPr>
           <p:style>
-            <a:lnRef idx="0"/>
-            <a:fillRef idx="0"/>
-            <a:effectRef idx="0"/>
+            <a:lnRef idx="0">
+              <a:scrgbClr r="0" g="0" b="0"/>
+            </a:lnRef>
+            <a:fillRef idx="0">
+              <a:scrgbClr r="0" g="0" b="0"/>
+            </a:fillRef>
+            <a:effectRef idx="0">
+              <a:scrgbClr r="0" g="0" b="0"/>
+            </a:effectRef>
             <a:fontRef idx="minor"/>
           </p:style>
         </p:sp>
@@ -3405,20 +4104,26 @@
             </a:ln>
           </p:spPr>
           <p:style>
-            <a:lnRef idx="0"/>
-            <a:fillRef idx="0"/>
-            <a:effectRef idx="0"/>
+            <a:lnRef idx="0">
+              <a:scrgbClr r="0" g="0" b="0"/>
+            </a:lnRef>
+            <a:fillRef idx="0">
+              <a:scrgbClr r="0" g="0" b="0"/>
+            </a:fillRef>
+            <a:effectRef idx="0">
+              <a:scrgbClr r="0" g="0" b="0"/>
+            </a:effectRef>
             <a:fontRef idx="minor"/>
           </p:style>
         </p:sp>
         <p:pic>
           <p:nvPicPr>
-            <p:cNvPr id="46" name="Google Shape;35;p4" descr=""/>
+            <p:cNvPr id="46" name="Google Shape;35;p4"/>
             <p:cNvPicPr/>
             <p:nvPr/>
           </p:nvPicPr>
           <p:blipFill>
-            <a:blip r:embed="rId2"/>
+            <a:blip r:embed="rId14"/>
             <a:stretch/>
           </p:blipFill>
           <p:spPr>
@@ -3454,13 +4159,20 @@
             </a:ln>
           </p:spPr>
           <p:style>
-            <a:lnRef idx="0"/>
-            <a:fillRef idx="0"/>
-            <a:effectRef idx="0"/>
+            <a:lnRef idx="0">
+              <a:scrgbClr r="0" g="0" b="0"/>
+            </a:lnRef>
+            <a:fillRef idx="0">
+              <a:scrgbClr r="0" g="0" b="0"/>
+            </a:fillRef>
+            <a:effectRef idx="0">
+              <a:scrgbClr r="0" g="0" b="0"/>
+            </a:effectRef>
             <a:fontRef idx="minor"/>
           </p:style>
           <p:txBody>
-            <a:bodyPr lIns="90000" rIns="90000" tIns="45000" bIns="45000" anchor="ctr"/>
+            <a:bodyPr lIns="90000" tIns="45000" rIns="90000" bIns="45000" anchor="ctr"/>
+            <a:lstStyle/>
             <a:p>
               <a:pPr>
                 <a:lnSpc>
@@ -3468,16 +4180,16 @@
                 </a:lnSpc>
               </a:pPr>
               <a:r>
-                <a:rPr b="0" lang="en-US" sz="900" spc="-1" strike="noStrike">
+                <a:rPr lang="en-US" sz="900" b="0" strike="noStrike" spc="-1">
                   <a:solidFill>
-                    <a:srgbClr val="ffffff"/>
+                    <a:srgbClr val="FFFFFF"/>
                   </a:solidFill>
                   <a:latin typeface="Arial"/>
                   <a:ea typeface="Arial"/>
                 </a:rPr>
                 <a:t>INDIANA UNIVERSITY BLOOMINGTON</a:t>
               </a:r>
-              <a:endParaRPr b="0" lang="en-US" sz="900" spc="-1" strike="noStrike">
+              <a:endParaRPr lang="en-US" sz="900" b="0" strike="noStrike" spc="-1">
                 <a:latin typeface="Arial"/>
               </a:endParaRPr>
             </a:p>
@@ -3504,10 +4216,11 @@
           </a:prstGeom>
         </p:spPr>
         <p:txBody>
-          <a:bodyPr lIns="0" rIns="0" tIns="0" bIns="0" anchor="ctr"/>
+          <a:bodyPr lIns="0" tIns="0" rIns="0" bIns="0" anchor="ctr"/>
+          <a:lstStyle/>
           <a:p>
             <a:r>
-              <a:rPr b="0" lang="es-MX" sz="1800" spc="-1" strike="noStrike">
+              <a:rPr lang="es-MX" sz="1800" b="0" strike="noStrike" spc="-1">
                 <a:solidFill>
                   <a:srgbClr val="000000"/>
                 </a:solidFill>
@@ -3515,12 +4228,6 @@
               </a:rPr>
               <a:t>Click to edit the title text format</a:t>
             </a:r>
-            <a:endParaRPr b="0" lang="es-MX" sz="1800" spc="-1" strike="noStrike">
-              <a:solidFill>
-                <a:srgbClr val="000000"/>
-              </a:solidFill>
-              <a:latin typeface="Arial"/>
-            </a:endParaRPr>
           </a:p>
         </p:txBody>
       </p:sp>
@@ -3544,9 +4251,10 @@
           </a:prstGeom>
         </p:spPr>
         <p:txBody>
-          <a:bodyPr lIns="0" rIns="0" tIns="0" bIns="0">
+          <a:bodyPr lIns="0" tIns="0" rIns="0" bIns="0">
             <a:normAutofit/>
           </a:bodyPr>
+          <a:lstStyle/>
           <a:p>
             <a:pPr marL="432000" indent="-324000">
               <a:spcBef>
@@ -3560,7 +4268,7 @@
               <a:buChar char=""/>
             </a:pPr>
             <a:r>
-              <a:rPr b="0" lang="es-MX" sz="2800" spc="-1" strike="noStrike">
+              <a:rPr lang="es-MX" sz="2800" b="0" strike="noStrike" spc="-1">
                 <a:solidFill>
                   <a:srgbClr val="000000"/>
                 </a:solidFill>
@@ -3568,15 +4276,9 @@
               </a:rPr>
               <a:t>Click to edit the outline text format</a:t>
             </a:r>
-            <a:endParaRPr b="0" lang="es-MX" sz="2800" spc="-1" strike="noStrike">
-              <a:solidFill>
-                <a:srgbClr val="000000"/>
-              </a:solidFill>
-              <a:latin typeface="Arial"/>
-            </a:endParaRPr>
-          </a:p>
-          <a:p>
-            <a:pPr lvl="1" marL="864000" indent="-324000">
+          </a:p>
+          <a:p>
+            <a:pPr marL="864000" lvl="1" indent="-324000">
               <a:spcBef>
                 <a:spcPts val="1134"/>
               </a:spcBef>
@@ -3588,7 +4290,7 @@
               <a:buChar char=""/>
             </a:pPr>
             <a:r>
-              <a:rPr b="0" lang="es-MX" sz="2000" spc="-1" strike="noStrike">
+              <a:rPr lang="es-MX" sz="2000" b="0" strike="noStrike" spc="-1">
                 <a:solidFill>
                   <a:srgbClr val="000000"/>
                 </a:solidFill>
@@ -3596,15 +4298,9 @@
               </a:rPr>
               <a:t>Second Outline Level</a:t>
             </a:r>
-            <a:endParaRPr b="0" lang="es-MX" sz="2000" spc="-1" strike="noStrike">
-              <a:solidFill>
-                <a:srgbClr val="000000"/>
-              </a:solidFill>
-              <a:latin typeface="Arial"/>
-            </a:endParaRPr>
-          </a:p>
-          <a:p>
-            <a:pPr lvl="2" marL="1296000" indent="-288000">
+          </a:p>
+          <a:p>
+            <a:pPr marL="1296000" lvl="2" indent="-288000">
               <a:spcBef>
                 <a:spcPts val="850"/>
               </a:spcBef>
@@ -3616,7 +4312,7 @@
               <a:buChar char=""/>
             </a:pPr>
             <a:r>
-              <a:rPr b="0" lang="es-MX" sz="1800" spc="-1" strike="noStrike">
+              <a:rPr lang="es-MX" sz="1800" b="0" strike="noStrike" spc="-1">
                 <a:solidFill>
                   <a:srgbClr val="000000"/>
                 </a:solidFill>
@@ -3624,15 +4320,9 @@
               </a:rPr>
               <a:t>Third Outline Level</a:t>
             </a:r>
-            <a:endParaRPr b="0" lang="es-MX" sz="1800" spc="-1" strike="noStrike">
-              <a:solidFill>
-                <a:srgbClr val="000000"/>
-              </a:solidFill>
-              <a:latin typeface="Arial"/>
-            </a:endParaRPr>
-          </a:p>
-          <a:p>
-            <a:pPr lvl="3" marL="1728000" indent="-216000">
+          </a:p>
+          <a:p>
+            <a:pPr marL="1728000" lvl="3" indent="-216000">
               <a:spcBef>
                 <a:spcPts val="567"/>
               </a:spcBef>
@@ -3644,7 +4334,7 @@
               <a:buChar char=""/>
             </a:pPr>
             <a:r>
-              <a:rPr b="0" lang="es-MX" sz="1800" spc="-1" strike="noStrike">
+              <a:rPr lang="es-MX" sz="1800" b="0" strike="noStrike" spc="-1">
                 <a:solidFill>
                   <a:srgbClr val="000000"/>
                 </a:solidFill>
@@ -3652,15 +4342,9 @@
               </a:rPr>
               <a:t>Fourth Outline Level</a:t>
             </a:r>
-            <a:endParaRPr b="0" lang="es-MX" sz="1800" spc="-1" strike="noStrike">
-              <a:solidFill>
-                <a:srgbClr val="000000"/>
-              </a:solidFill>
-              <a:latin typeface="Arial"/>
-            </a:endParaRPr>
-          </a:p>
-          <a:p>
-            <a:pPr lvl="4" marL="2160000" indent="-216000">
+          </a:p>
+          <a:p>
+            <a:pPr marL="2160000" lvl="4" indent="-216000">
               <a:spcBef>
                 <a:spcPts val="283"/>
               </a:spcBef>
@@ -3672,7 +4356,7 @@
               <a:buChar char=""/>
             </a:pPr>
             <a:r>
-              <a:rPr b="0" lang="es-MX" sz="2000" spc="-1" strike="noStrike">
+              <a:rPr lang="es-MX" sz="2000" b="0" strike="noStrike" spc="-1">
                 <a:solidFill>
                   <a:srgbClr val="000000"/>
                 </a:solidFill>
@@ -3680,15 +4364,9 @@
               </a:rPr>
               <a:t>Fifth Outline Level</a:t>
             </a:r>
-            <a:endParaRPr b="0" lang="es-MX" sz="2000" spc="-1" strike="noStrike">
-              <a:solidFill>
-                <a:srgbClr val="000000"/>
-              </a:solidFill>
-              <a:latin typeface="Arial"/>
-            </a:endParaRPr>
-          </a:p>
-          <a:p>
-            <a:pPr lvl="5" marL="2592000" indent="-216000">
+          </a:p>
+          <a:p>
+            <a:pPr marL="2592000" lvl="5" indent="-216000">
               <a:spcBef>
                 <a:spcPts val="283"/>
               </a:spcBef>
@@ -3700,7 +4378,7 @@
               <a:buChar char=""/>
             </a:pPr>
             <a:r>
-              <a:rPr b="0" lang="es-MX" sz="2000" spc="-1" strike="noStrike">
+              <a:rPr lang="es-MX" sz="2000" b="0" strike="noStrike" spc="-1">
                 <a:solidFill>
                   <a:srgbClr val="000000"/>
                 </a:solidFill>
@@ -3708,15 +4386,9 @@
               </a:rPr>
               <a:t>Sixth Outline Level</a:t>
             </a:r>
-            <a:endParaRPr b="0" lang="es-MX" sz="2000" spc="-1" strike="noStrike">
-              <a:solidFill>
-                <a:srgbClr val="000000"/>
-              </a:solidFill>
-              <a:latin typeface="Arial"/>
-            </a:endParaRPr>
-          </a:p>
-          <a:p>
-            <a:pPr lvl="6" marL="3024000" indent="-216000">
+          </a:p>
+          <a:p>
+            <a:pPr marL="3024000" lvl="6" indent="-216000">
               <a:spcBef>
                 <a:spcPts val="283"/>
               </a:spcBef>
@@ -3728,7 +4400,7 @@
               <a:buChar char=""/>
             </a:pPr>
             <a:r>
-              <a:rPr b="0" lang="es-MX" sz="2000" spc="-1" strike="noStrike">
+              <a:rPr lang="es-MX" sz="2000" b="0" strike="noStrike" spc="-1">
                 <a:solidFill>
                   <a:srgbClr val="000000"/>
                 </a:solidFill>
@@ -3736,37 +4408,319 @@
               </a:rPr>
               <a:t>Seventh Outline Level</a:t>
             </a:r>
-            <a:endParaRPr b="0" lang="es-MX" sz="2000" spc="-1" strike="noStrike">
-              <a:solidFill>
-                <a:srgbClr val="000000"/>
-              </a:solidFill>
-              <a:latin typeface="Arial"/>
-            </a:endParaRPr>
           </a:p>
         </p:txBody>
       </p:sp>
     </p:spTree>
   </p:cSld>
-  <p:clrMap bg1="lt1" bg2="lt2" tx1="dk1" tx2="dk2" accent1="accent1" accent2="accent2" accent3="accent3" accent4="accent4" accent5="accent5" accent6="accent6" hlink="hlink" folHlink="folHlink"/>
+  <p:clrMap bg1="lt1" tx1="dk1" bg2="lt2" tx2="dk2" accent1="accent1" accent2="accent2" accent3="accent3" accent4="accent4" accent5="accent5" accent6="accent6" hlink="hlink" folHlink="folHlink"/>
   <p:sldLayoutIdLst>
-    <p:sldLayoutId id="2147483662" r:id="rId3"/>
-    <p:sldLayoutId id="2147483663" r:id="rId4"/>
-    <p:sldLayoutId id="2147483664" r:id="rId5"/>
-    <p:sldLayoutId id="2147483665" r:id="rId6"/>
-    <p:sldLayoutId id="2147483666" r:id="rId7"/>
-    <p:sldLayoutId id="2147483667" r:id="rId8"/>
-    <p:sldLayoutId id="2147483668" r:id="rId9"/>
-    <p:sldLayoutId id="2147483669" r:id="rId10"/>
-    <p:sldLayoutId id="2147483670" r:id="rId11"/>
-    <p:sldLayoutId id="2147483671" r:id="rId12"/>
-    <p:sldLayoutId id="2147483672" r:id="rId13"/>
-    <p:sldLayoutId id="2147483673" r:id="rId14"/>
+    <p:sldLayoutId id="2147483662" r:id="rId1"/>
+    <p:sldLayoutId id="2147483663" r:id="rId2"/>
+    <p:sldLayoutId id="2147483664" r:id="rId3"/>
+    <p:sldLayoutId id="2147483665" r:id="rId4"/>
+    <p:sldLayoutId id="2147483666" r:id="rId5"/>
+    <p:sldLayoutId id="2147483667" r:id="rId6"/>
+    <p:sldLayoutId id="2147483668" r:id="rId7"/>
+    <p:sldLayoutId id="2147483669" r:id="rId8"/>
+    <p:sldLayoutId id="2147483670" r:id="rId9"/>
+    <p:sldLayoutId id="2147483671" r:id="rId10"/>
+    <p:sldLayoutId id="2147483672" r:id="rId11"/>
+    <p:sldLayoutId id="2147483673" r:id="rId12"/>
   </p:sldLayoutIdLst>
+  <mc:AlternateContent xmlns:mc="http://schemas.openxmlformats.org/markup-compatibility/2006">
+    <mc:Choice xmlns:p14="http://schemas.microsoft.com/office/powerpoint/2010/main" Requires="p14">
+      <p:transition spd="slow" p14:dur="2000" advTm="15000"/>
+    </mc:Choice>
+    <mc:Fallback>
+      <p:transition spd="slow" advTm="15000"/>
+    </mc:Fallback>
+  </mc:AlternateContent>
+  <p:txStyles>
+    <p:titleStyle>
+      <a:lvl1pPr algn="l" defTabSz="914400" rtl="0" eaLnBrk="1" latinLnBrk="0" hangingPunct="1">
+        <a:lnSpc>
+          <a:spcPct val="90000"/>
+        </a:lnSpc>
+        <a:spcBef>
+          <a:spcPct val="0"/>
+        </a:spcBef>
+        <a:buNone/>
+        <a:defRPr sz="4400" kern="1200">
+          <a:solidFill>
+            <a:schemeClr val="tx1"/>
+          </a:solidFill>
+          <a:latin typeface="+mj-lt"/>
+          <a:ea typeface="+mj-ea"/>
+          <a:cs typeface="+mj-cs"/>
+        </a:defRPr>
+      </a:lvl1pPr>
+    </p:titleStyle>
+    <p:bodyStyle>
+      <a:lvl1pPr marL="228600" indent="-228600" algn="l" defTabSz="914400" rtl="0" eaLnBrk="1" latinLnBrk="0" hangingPunct="1">
+        <a:lnSpc>
+          <a:spcPct val="90000"/>
+        </a:lnSpc>
+        <a:spcBef>
+          <a:spcPts val="1000"/>
+        </a:spcBef>
+        <a:buFont typeface="Arial" panose="020B0604020202020204" pitchFamily="34" charset="0"/>
+        <a:buChar char="•"/>
+        <a:defRPr sz="2800" kern="1200">
+          <a:solidFill>
+            <a:schemeClr val="tx1"/>
+          </a:solidFill>
+          <a:latin typeface="+mn-lt"/>
+          <a:ea typeface="+mn-ea"/>
+          <a:cs typeface="+mn-cs"/>
+        </a:defRPr>
+      </a:lvl1pPr>
+      <a:lvl2pPr marL="685800" indent="-228600" algn="l" defTabSz="914400" rtl="0" eaLnBrk="1" latinLnBrk="0" hangingPunct="1">
+        <a:lnSpc>
+          <a:spcPct val="90000"/>
+        </a:lnSpc>
+        <a:spcBef>
+          <a:spcPts val="500"/>
+        </a:spcBef>
+        <a:buFont typeface="Arial" panose="020B0604020202020204" pitchFamily="34" charset="0"/>
+        <a:buChar char="•"/>
+        <a:defRPr sz="2400" kern="1200">
+          <a:solidFill>
+            <a:schemeClr val="tx1"/>
+          </a:solidFill>
+          <a:latin typeface="+mn-lt"/>
+          <a:ea typeface="+mn-ea"/>
+          <a:cs typeface="+mn-cs"/>
+        </a:defRPr>
+      </a:lvl2pPr>
+      <a:lvl3pPr marL="1143000" indent="-228600" algn="l" defTabSz="914400" rtl="0" eaLnBrk="1" latinLnBrk="0" hangingPunct="1">
+        <a:lnSpc>
+          <a:spcPct val="90000"/>
+        </a:lnSpc>
+        <a:spcBef>
+          <a:spcPts val="500"/>
+        </a:spcBef>
+        <a:buFont typeface="Arial" panose="020B0604020202020204" pitchFamily="34" charset="0"/>
+        <a:buChar char="•"/>
+        <a:defRPr sz="2000" kern="1200">
+          <a:solidFill>
+            <a:schemeClr val="tx1"/>
+          </a:solidFill>
+          <a:latin typeface="+mn-lt"/>
+          <a:ea typeface="+mn-ea"/>
+          <a:cs typeface="+mn-cs"/>
+        </a:defRPr>
+      </a:lvl3pPr>
+      <a:lvl4pPr marL="1600200" indent="-228600" algn="l" defTabSz="914400" rtl="0" eaLnBrk="1" latinLnBrk="0" hangingPunct="1">
+        <a:lnSpc>
+          <a:spcPct val="90000"/>
+        </a:lnSpc>
+        <a:spcBef>
+          <a:spcPts val="500"/>
+        </a:spcBef>
+        <a:buFont typeface="Arial" panose="020B0604020202020204" pitchFamily="34" charset="0"/>
+        <a:buChar char="•"/>
+        <a:defRPr sz="1800" kern="1200">
+          <a:solidFill>
+            <a:schemeClr val="tx1"/>
+          </a:solidFill>
+          <a:latin typeface="+mn-lt"/>
+          <a:ea typeface="+mn-ea"/>
+          <a:cs typeface="+mn-cs"/>
+        </a:defRPr>
+      </a:lvl4pPr>
+      <a:lvl5pPr marL="2057400" indent="-228600" algn="l" defTabSz="914400" rtl="0" eaLnBrk="1" latinLnBrk="0" hangingPunct="1">
+        <a:lnSpc>
+          <a:spcPct val="90000"/>
+        </a:lnSpc>
+        <a:spcBef>
+          <a:spcPts val="500"/>
+        </a:spcBef>
+        <a:buFont typeface="Arial" panose="020B0604020202020204" pitchFamily="34" charset="0"/>
+        <a:buChar char="•"/>
+        <a:defRPr sz="1800" kern="1200">
+          <a:solidFill>
+            <a:schemeClr val="tx1"/>
+          </a:solidFill>
+          <a:latin typeface="+mn-lt"/>
+          <a:ea typeface="+mn-ea"/>
+          <a:cs typeface="+mn-cs"/>
+        </a:defRPr>
+      </a:lvl5pPr>
+      <a:lvl6pPr marL="2514600" indent="-228600" algn="l" defTabSz="914400" rtl="0" eaLnBrk="1" latinLnBrk="0" hangingPunct="1">
+        <a:lnSpc>
+          <a:spcPct val="90000"/>
+        </a:lnSpc>
+        <a:spcBef>
+          <a:spcPts val="500"/>
+        </a:spcBef>
+        <a:buFont typeface="Arial" panose="020B0604020202020204" pitchFamily="34" charset="0"/>
+        <a:buChar char="•"/>
+        <a:defRPr sz="1800" kern="1200">
+          <a:solidFill>
+            <a:schemeClr val="tx1"/>
+          </a:solidFill>
+          <a:latin typeface="+mn-lt"/>
+          <a:ea typeface="+mn-ea"/>
+          <a:cs typeface="+mn-cs"/>
+        </a:defRPr>
+      </a:lvl6pPr>
+      <a:lvl7pPr marL="2971800" indent="-228600" algn="l" defTabSz="914400" rtl="0" eaLnBrk="1" latinLnBrk="0" hangingPunct="1">
+        <a:lnSpc>
+          <a:spcPct val="90000"/>
+        </a:lnSpc>
+        <a:spcBef>
+          <a:spcPts val="500"/>
+        </a:spcBef>
+        <a:buFont typeface="Arial" panose="020B0604020202020204" pitchFamily="34" charset="0"/>
+        <a:buChar char="•"/>
+        <a:defRPr sz="1800" kern="1200">
+          <a:solidFill>
+            <a:schemeClr val="tx1"/>
+          </a:solidFill>
+          <a:latin typeface="+mn-lt"/>
+          <a:ea typeface="+mn-ea"/>
+          <a:cs typeface="+mn-cs"/>
+        </a:defRPr>
+      </a:lvl7pPr>
+      <a:lvl8pPr marL="3429000" indent="-228600" algn="l" defTabSz="914400" rtl="0" eaLnBrk="1" latinLnBrk="0" hangingPunct="1">
+        <a:lnSpc>
+          <a:spcPct val="90000"/>
+        </a:lnSpc>
+        <a:spcBef>
+          <a:spcPts val="500"/>
+        </a:spcBef>
+        <a:buFont typeface="Arial" panose="020B0604020202020204" pitchFamily="34" charset="0"/>
+        <a:buChar char="•"/>
+        <a:defRPr sz="1800" kern="1200">
+          <a:solidFill>
+            <a:schemeClr val="tx1"/>
+          </a:solidFill>
+          <a:latin typeface="+mn-lt"/>
+          <a:ea typeface="+mn-ea"/>
+          <a:cs typeface="+mn-cs"/>
+        </a:defRPr>
+      </a:lvl8pPr>
+      <a:lvl9pPr marL="3886200" indent="-228600" algn="l" defTabSz="914400" rtl="0" eaLnBrk="1" latinLnBrk="0" hangingPunct="1">
+        <a:lnSpc>
+          <a:spcPct val="90000"/>
+        </a:lnSpc>
+        <a:spcBef>
+          <a:spcPts val="500"/>
+        </a:spcBef>
+        <a:buFont typeface="Arial" panose="020B0604020202020204" pitchFamily="34" charset="0"/>
+        <a:buChar char="•"/>
+        <a:defRPr sz="1800" kern="1200">
+          <a:solidFill>
+            <a:schemeClr val="tx1"/>
+          </a:solidFill>
+          <a:latin typeface="+mn-lt"/>
+          <a:ea typeface="+mn-ea"/>
+          <a:cs typeface="+mn-cs"/>
+        </a:defRPr>
+      </a:lvl9pPr>
+    </p:bodyStyle>
+    <p:otherStyle>
+      <a:defPPr>
+        <a:defRPr lang="es-MX"/>
+      </a:defPPr>
+      <a:lvl1pPr marL="0" algn="l" defTabSz="914400" rtl="0" eaLnBrk="1" latinLnBrk="0" hangingPunct="1">
+        <a:defRPr sz="1800" kern="1200">
+          <a:solidFill>
+            <a:schemeClr val="tx1"/>
+          </a:solidFill>
+          <a:latin typeface="+mn-lt"/>
+          <a:ea typeface="+mn-ea"/>
+          <a:cs typeface="+mn-cs"/>
+        </a:defRPr>
+      </a:lvl1pPr>
+      <a:lvl2pPr marL="457200" algn="l" defTabSz="914400" rtl="0" eaLnBrk="1" latinLnBrk="0" hangingPunct="1">
+        <a:defRPr sz="1800" kern="1200">
+          <a:solidFill>
+            <a:schemeClr val="tx1"/>
+          </a:solidFill>
+          <a:latin typeface="+mn-lt"/>
+          <a:ea typeface="+mn-ea"/>
+          <a:cs typeface="+mn-cs"/>
+        </a:defRPr>
+      </a:lvl2pPr>
+      <a:lvl3pPr marL="914400" algn="l" defTabSz="914400" rtl="0" eaLnBrk="1" latinLnBrk="0" hangingPunct="1">
+        <a:defRPr sz="1800" kern="1200">
+          <a:solidFill>
+            <a:schemeClr val="tx1"/>
+          </a:solidFill>
+          <a:latin typeface="+mn-lt"/>
+          <a:ea typeface="+mn-ea"/>
+          <a:cs typeface="+mn-cs"/>
+        </a:defRPr>
+      </a:lvl3pPr>
+      <a:lvl4pPr marL="1371600" algn="l" defTabSz="914400" rtl="0" eaLnBrk="1" latinLnBrk="0" hangingPunct="1">
+        <a:defRPr sz="1800" kern="1200">
+          <a:solidFill>
+            <a:schemeClr val="tx1"/>
+          </a:solidFill>
+          <a:latin typeface="+mn-lt"/>
+          <a:ea typeface="+mn-ea"/>
+          <a:cs typeface="+mn-cs"/>
+        </a:defRPr>
+      </a:lvl4pPr>
+      <a:lvl5pPr marL="1828800" algn="l" defTabSz="914400" rtl="0" eaLnBrk="1" latinLnBrk="0" hangingPunct="1">
+        <a:defRPr sz="1800" kern="1200">
+          <a:solidFill>
+            <a:schemeClr val="tx1"/>
+          </a:solidFill>
+          <a:latin typeface="+mn-lt"/>
+          <a:ea typeface="+mn-ea"/>
+          <a:cs typeface="+mn-cs"/>
+        </a:defRPr>
+      </a:lvl5pPr>
+      <a:lvl6pPr marL="2286000" algn="l" defTabSz="914400" rtl="0" eaLnBrk="1" latinLnBrk="0" hangingPunct="1">
+        <a:defRPr sz="1800" kern="1200">
+          <a:solidFill>
+            <a:schemeClr val="tx1"/>
+          </a:solidFill>
+          <a:latin typeface="+mn-lt"/>
+          <a:ea typeface="+mn-ea"/>
+          <a:cs typeface="+mn-cs"/>
+        </a:defRPr>
+      </a:lvl6pPr>
+      <a:lvl7pPr marL="2743200" algn="l" defTabSz="914400" rtl="0" eaLnBrk="1" latinLnBrk="0" hangingPunct="1">
+        <a:defRPr sz="1800" kern="1200">
+          <a:solidFill>
+            <a:schemeClr val="tx1"/>
+          </a:solidFill>
+          <a:latin typeface="+mn-lt"/>
+          <a:ea typeface="+mn-ea"/>
+          <a:cs typeface="+mn-cs"/>
+        </a:defRPr>
+      </a:lvl7pPr>
+      <a:lvl8pPr marL="3200400" algn="l" defTabSz="914400" rtl="0" eaLnBrk="1" latinLnBrk="0" hangingPunct="1">
+        <a:defRPr sz="1800" kern="1200">
+          <a:solidFill>
+            <a:schemeClr val="tx1"/>
+          </a:solidFill>
+          <a:latin typeface="+mn-lt"/>
+          <a:ea typeface="+mn-ea"/>
+          <a:cs typeface="+mn-cs"/>
+        </a:defRPr>
+      </a:lvl8pPr>
+      <a:lvl9pPr marL="3657600" algn="l" defTabSz="914400" rtl="0" eaLnBrk="1" latinLnBrk="0" hangingPunct="1">
+        <a:defRPr sz="1800" kern="1200">
+          <a:solidFill>
+            <a:schemeClr val="tx1"/>
+          </a:solidFill>
+          <a:latin typeface="+mn-lt"/>
+          <a:ea typeface="+mn-ea"/>
+          <a:cs typeface="+mn-cs"/>
+        </a:defRPr>
+      </a:lvl9pPr>
+    </p:otherStyle>
+  </p:txStyles>
 </p:sldMaster>
 </file>
 
 <file path=ppt/slides/slide1.xml><?xml version="1.0" encoding="utf-8"?>
-<p:sld xmlns:a="http://schemas.openxmlformats.org/drawingml/2006/main" xmlns:p="http://schemas.openxmlformats.org/presentationml/2006/main" xmlns:r="http://schemas.openxmlformats.org/officeDocument/2006/relationships" xmlns:p14="http://schemas.microsoft.com/office/powerpoint/2010/main" xmlns:p15="http://schemas.microsoft.com/office/powerpoint/2012/main" xmlns:mc="http://schemas.openxmlformats.org/markup-compatibility/2006">
+<p:sld xmlns:a="http://schemas.openxmlformats.org/drawingml/2006/main" xmlns:r="http://schemas.openxmlformats.org/officeDocument/2006/relationships" xmlns:p="http://schemas.openxmlformats.org/presentationml/2006/main">
   <p:cSld>
     <p:spTree>
       <p:nvGrpSpPr>
@@ -3802,13 +4756,20 @@
           </a:ln>
         </p:spPr>
         <p:style>
-          <a:lnRef idx="0"/>
-          <a:fillRef idx="0"/>
-          <a:effectRef idx="0"/>
+          <a:lnRef idx="0">
+            <a:scrgbClr r="0" g="0" b="0"/>
+          </a:lnRef>
+          <a:fillRef idx="0">
+            <a:scrgbClr r="0" g="0" b="0"/>
+          </a:fillRef>
+          <a:effectRef idx="0">
+            <a:scrgbClr r="0" g="0" b="0"/>
+          </a:effectRef>
           <a:fontRef idx="minor"/>
         </p:style>
         <p:txBody>
-          <a:bodyPr lIns="90000" rIns="90000" tIns="45000" bIns="45000" anchor="ctr"/>
+          <a:bodyPr lIns="90000" tIns="45000" rIns="90000" bIns="45000" anchor="ctr"/>
+          <a:lstStyle/>
           <a:p>
             <a:pPr algn="ctr">
               <a:lnSpc>
@@ -3816,16 +4777,16 @@
               </a:lnSpc>
             </a:pPr>
             <a:r>
-              <a:rPr b="1" lang="en-US" sz="3600" spc="-1" strike="noStrike">
+              <a:rPr lang="en-US" sz="3600" b="1" strike="noStrike" spc="-1">
                 <a:solidFill>
-                  <a:srgbClr val="ffffff"/>
+                  <a:srgbClr val="FFFFFF"/>
                 </a:solidFill>
                 <a:latin typeface="Calibri"/>
                 <a:ea typeface="Arial"/>
               </a:rPr>
               <a:t>Data Visualization </a:t>
             </a:r>
-            <a:endParaRPr b="0" lang="en-US" sz="3600" spc="-1" strike="noStrike">
+            <a:endParaRPr lang="en-US" sz="3600" b="0" strike="noStrike" spc="-1">
               <a:latin typeface="Arial"/>
             </a:endParaRPr>
           </a:p>
@@ -3835,7 +4796,7 @@
                 <a:spcPct val="90000"/>
               </a:lnSpc>
             </a:pPr>
-            <a:endParaRPr b="0" lang="en-US" sz="3600" spc="-1" strike="noStrike">
+            <a:endParaRPr lang="en-US" sz="3600" b="0" strike="noStrike" spc="-1">
               <a:latin typeface="Arial"/>
             </a:endParaRPr>
           </a:p>
@@ -3846,16 +4807,16 @@
               </a:lnSpc>
             </a:pPr>
             <a:r>
-              <a:rPr b="1" lang="en-US" sz="3600" spc="-1" strike="noStrike">
+              <a:rPr lang="en-US" sz="3600" b="1" strike="noStrike" spc="-1">
                 <a:solidFill>
-                  <a:srgbClr val="ffffff"/>
+                  <a:srgbClr val="FFFFFF"/>
                 </a:solidFill>
                 <a:latin typeface="Calibri"/>
                 <a:ea typeface="Arial"/>
               </a:rPr>
               <a:t>Journalists Killed Since 1992</a:t>
             </a:r>
-            <a:endParaRPr b="0" lang="en-US" sz="3600" spc="-1" strike="noStrike">
+            <a:endParaRPr lang="en-US" sz="3600" b="0" strike="noStrike" spc="-1">
               <a:latin typeface="Arial"/>
             </a:endParaRPr>
           </a:p>
@@ -3881,14 +4842,31 @@
           </a:ln>
         </p:spPr>
         <p:style>
-          <a:lnRef idx="0"/>
-          <a:fillRef idx="0"/>
-          <a:effectRef idx="0"/>
+          <a:lnRef idx="0">
+            <a:scrgbClr r="0" g="0" b="0"/>
+          </a:lnRef>
+          <a:fillRef idx="0">
+            <a:scrgbClr r="0" g="0" b="0"/>
+          </a:fillRef>
+          <a:effectRef idx="0">
+            <a:scrgbClr r="0" g="0" b="0"/>
+          </a:effectRef>
           <a:fontRef idx="minor"/>
         </p:style>
       </p:sp>
     </p:spTree>
   </p:cSld>
+  <p:clrMapOvr>
+    <a:masterClrMapping/>
+  </p:clrMapOvr>
+  <mc:AlternateContent xmlns:mc="http://schemas.openxmlformats.org/markup-compatibility/2006">
+    <mc:Choice xmlns:p14="http://schemas.microsoft.com/office/powerpoint/2010/main" Requires="p14">
+      <p:transition spd="slow" p14:dur="2000" advTm="15000"/>
+    </mc:Choice>
+    <mc:Fallback>
+      <p:transition spd="slow" advTm="15000"/>
+    </mc:Fallback>
+  </mc:AlternateContent>
   <p:timing>
     <p:tnLst>
       <p:par>
@@ -3897,14 +4875,14 @@
             <p:seq>
               <p:cTn id="2" dur="indefinite" nodeType="mainSeq"/>
               <p:prevCondLst>
-                <p:cond delay="0" evt="onPrev">
+                <p:cond evt="onPrev" delay="0">
                   <p:tgtEl>
                     <p:sldTgt/>
                   </p:tgtEl>
                 </p:cond>
               </p:prevCondLst>
               <p:nextCondLst>
-                <p:cond delay="0" evt="onNext">
+                <p:cond evt="onNext" delay="0">
                   <p:tgtEl>
                     <p:sldTgt/>
                   </p:tgtEl>
@@ -3920,7 +4898,7 @@
 </file>
 
 <file path=ppt/slides/slide10.xml><?xml version="1.0" encoding="utf-8"?>
-<p:sld xmlns:a="http://schemas.openxmlformats.org/drawingml/2006/main" xmlns:p="http://schemas.openxmlformats.org/presentationml/2006/main" xmlns:r="http://schemas.openxmlformats.org/officeDocument/2006/relationships" xmlns:p14="http://schemas.microsoft.com/office/powerpoint/2010/main" xmlns:p15="http://schemas.microsoft.com/office/powerpoint/2012/main" xmlns:mc="http://schemas.openxmlformats.org/markup-compatibility/2006">
+<p:sld xmlns:a="http://schemas.openxmlformats.org/drawingml/2006/main" xmlns:r="http://schemas.openxmlformats.org/officeDocument/2006/relationships" xmlns:p="http://schemas.openxmlformats.org/presentationml/2006/main">
   <p:cSld>
     <p:spTree>
       <p:nvGrpSpPr>
@@ -3956,13 +4934,20 @@
           </a:ln>
         </p:spPr>
         <p:style>
-          <a:lnRef idx="0"/>
-          <a:fillRef idx="0"/>
-          <a:effectRef idx="0"/>
+          <a:lnRef idx="0">
+            <a:scrgbClr r="0" g="0" b="0"/>
+          </a:lnRef>
+          <a:fillRef idx="0">
+            <a:scrgbClr r="0" g="0" b="0"/>
+          </a:fillRef>
+          <a:effectRef idx="0">
+            <a:scrgbClr r="0" g="0" b="0"/>
+          </a:effectRef>
           <a:fontRef idx="minor"/>
         </p:style>
         <p:txBody>
-          <a:bodyPr lIns="90000" rIns="90000" tIns="45000" bIns="45000" anchor="ctr"/>
+          <a:bodyPr lIns="90000" tIns="45000" rIns="90000" bIns="45000" anchor="ctr"/>
+          <a:lstStyle/>
           <a:p>
             <a:pPr>
               <a:lnSpc>
@@ -3970,7 +4955,7 @@
               </a:lnSpc>
             </a:pPr>
             <a:r>
-              <a:rPr b="1" lang="en-US" sz="3000" spc="-1" strike="noStrike">
+              <a:rPr lang="en-US" sz="3000" b="1" strike="noStrike" spc="-1">
                 <a:solidFill>
                   <a:srgbClr val="404041"/>
                 </a:solidFill>
@@ -3979,7 +4964,7 @@
               </a:rPr>
               <a:t>Related Work</a:t>
             </a:r>
-            <a:endParaRPr b="0" lang="en-US" sz="3000" spc="-1" strike="noStrike">
+            <a:endParaRPr lang="en-US" sz="3000" b="0" strike="noStrike" spc="-1">
               <a:latin typeface="Arial"/>
             </a:endParaRPr>
           </a:p>
@@ -4005,13 +4990,20 @@
           </a:ln>
         </p:spPr>
         <p:style>
-          <a:lnRef idx="0"/>
-          <a:fillRef idx="0"/>
-          <a:effectRef idx="0"/>
+          <a:lnRef idx="0">
+            <a:scrgbClr r="0" g="0" b="0"/>
+          </a:lnRef>
+          <a:fillRef idx="0">
+            <a:scrgbClr r="0" g="0" b="0"/>
+          </a:fillRef>
+          <a:effectRef idx="0">
+            <a:scrgbClr r="0" g="0" b="0"/>
+          </a:effectRef>
           <a:fontRef idx="minor"/>
         </p:style>
         <p:txBody>
-          <a:bodyPr lIns="90000" rIns="90000" tIns="45000" bIns="45000"/>
+          <a:bodyPr lIns="90000" tIns="45000" rIns="90000" bIns="45000"/>
+          <a:lstStyle/>
           <a:p>
             <a:pPr marL="216000" indent="-215640">
               <a:lnSpc>
@@ -4025,7 +5017,7 @@
               <a:buChar char=""/>
             </a:pPr>
             <a:r>
-              <a:rPr b="0" lang="en-US" sz="1800" spc="-1" strike="noStrike">
+              <a:rPr lang="en-US" sz="1800" b="0" strike="noStrike" spc="-1">
                 <a:solidFill>
                   <a:srgbClr val="000000"/>
                 </a:solidFill>
@@ -4034,7 +5026,7 @@
               </a:rPr>
               <a:t>RSF data map for Worldwide Press Freedom Index</a:t>
             </a:r>
-            <a:endParaRPr b="0" lang="en-US" sz="1800" spc="-1" strike="noStrike">
+            <a:endParaRPr lang="en-US" sz="1800" b="0" strike="noStrike" spc="-1">
               <a:latin typeface="Arial"/>
             </a:endParaRPr>
           </a:p>
@@ -4042,12 +5034,12 @@
       </p:sp>
       <p:pic>
         <p:nvPicPr>
-          <p:cNvPr id="115" name="Imagen 114" descr=""/>
+          <p:cNvPr id="115" name="Imagen 114"/>
           <p:cNvPicPr/>
           <p:nvPr/>
         </p:nvPicPr>
         <p:blipFill>
-          <a:blip r:embed="rId1"/>
+          <a:blip r:embed="rId2"/>
           <a:stretch/>
         </p:blipFill>
         <p:spPr>
@@ -4065,22 +5057,33 @@
       </p:pic>
     </p:spTree>
   </p:cSld>
+  <p:clrMapOvr>
+    <a:masterClrMapping/>
+  </p:clrMapOvr>
+  <mc:AlternateContent xmlns:mc="http://schemas.openxmlformats.org/markup-compatibility/2006">
+    <mc:Choice xmlns:p14="http://schemas.microsoft.com/office/powerpoint/2010/main" Requires="p14">
+      <p:transition spd="slow" p14:dur="2000" advTm="15000"/>
+    </mc:Choice>
+    <mc:Fallback>
+      <p:transition spd="slow" advTm="15000"/>
+    </mc:Fallback>
+  </mc:AlternateContent>
   <p:timing>
     <p:tnLst>
       <p:par>
-        <p:cTn id="19" dur="indefinite" restart="never" nodeType="tmRoot">
+        <p:cTn id="1" dur="indefinite" restart="never" nodeType="tmRoot">
           <p:childTnLst>
             <p:seq>
-              <p:cTn id="20" dur="indefinite" nodeType="mainSeq"/>
+              <p:cTn id="2" dur="indefinite" nodeType="mainSeq"/>
               <p:prevCondLst>
-                <p:cond delay="0" evt="onPrev">
+                <p:cond evt="onPrev" delay="0">
                   <p:tgtEl>
                     <p:sldTgt/>
                   </p:tgtEl>
                 </p:cond>
               </p:prevCondLst>
               <p:nextCondLst>
-                <p:cond delay="0" evt="onNext">
+                <p:cond evt="onNext" delay="0">
                   <p:tgtEl>
                     <p:sldTgt/>
                   </p:tgtEl>
@@ -4096,7 +5099,7 @@
 </file>
 
 <file path=ppt/slides/slide11.xml><?xml version="1.0" encoding="utf-8"?>
-<p:sld xmlns:a="http://schemas.openxmlformats.org/drawingml/2006/main" xmlns:p="http://schemas.openxmlformats.org/presentationml/2006/main" xmlns:r="http://schemas.openxmlformats.org/officeDocument/2006/relationships" xmlns:p14="http://schemas.microsoft.com/office/powerpoint/2010/main" xmlns:p15="http://schemas.microsoft.com/office/powerpoint/2012/main" xmlns:mc="http://schemas.openxmlformats.org/markup-compatibility/2006">
+<p:sld xmlns:a="http://schemas.openxmlformats.org/drawingml/2006/main" xmlns:r="http://schemas.openxmlformats.org/officeDocument/2006/relationships" xmlns:p="http://schemas.openxmlformats.org/presentationml/2006/main">
   <p:cSld>
     <p:spTree>
       <p:nvGrpSpPr>
@@ -4132,13 +5135,20 @@
           </a:ln>
         </p:spPr>
         <p:style>
-          <a:lnRef idx="0"/>
-          <a:fillRef idx="0"/>
-          <a:effectRef idx="0"/>
+          <a:lnRef idx="0">
+            <a:scrgbClr r="0" g="0" b="0"/>
+          </a:lnRef>
+          <a:fillRef idx="0">
+            <a:scrgbClr r="0" g="0" b="0"/>
+          </a:fillRef>
+          <a:effectRef idx="0">
+            <a:scrgbClr r="0" g="0" b="0"/>
+          </a:effectRef>
           <a:fontRef idx="minor"/>
         </p:style>
         <p:txBody>
-          <a:bodyPr lIns="90000" rIns="90000" tIns="45000" bIns="45000" anchor="ctr"/>
+          <a:bodyPr lIns="90000" tIns="45000" rIns="90000" bIns="45000" anchor="ctr"/>
+          <a:lstStyle/>
           <a:p>
             <a:pPr>
               <a:lnSpc>
@@ -4146,7 +5156,7 @@
               </a:lnSpc>
             </a:pPr>
             <a:r>
-              <a:rPr b="1" lang="en-US" sz="3000" spc="-1" strike="noStrike">
+              <a:rPr lang="en-US" sz="3000" b="1" strike="noStrike" spc="-1">
                 <a:solidFill>
                   <a:srgbClr val="404041"/>
                 </a:solidFill>
@@ -4155,7 +5165,7 @@
               </a:rPr>
               <a:t>Related Work</a:t>
             </a:r>
-            <a:endParaRPr b="0" lang="en-US" sz="3000" spc="-1" strike="noStrike">
+            <a:endParaRPr lang="en-US" sz="3000" b="0" strike="noStrike" spc="-1">
               <a:latin typeface="Arial"/>
             </a:endParaRPr>
           </a:p>
@@ -4163,12 +5173,12 @@
       </p:sp>
       <p:pic>
         <p:nvPicPr>
-          <p:cNvPr id="117" name="Imagen 116" descr=""/>
+          <p:cNvPr id="117" name="Imagen 116"/>
           <p:cNvPicPr/>
           <p:nvPr/>
         </p:nvPicPr>
         <p:blipFill>
-          <a:blip r:embed="rId1"/>
+          <a:blip r:embed="rId2"/>
           <a:stretch/>
         </p:blipFill>
         <p:spPr>
@@ -4204,13 +5214,20 @@
           </a:ln>
         </p:spPr>
         <p:style>
-          <a:lnRef idx="0"/>
-          <a:fillRef idx="0"/>
-          <a:effectRef idx="0"/>
+          <a:lnRef idx="0">
+            <a:scrgbClr r="0" g="0" b="0"/>
+          </a:lnRef>
+          <a:fillRef idx="0">
+            <a:scrgbClr r="0" g="0" b="0"/>
+          </a:fillRef>
+          <a:effectRef idx="0">
+            <a:scrgbClr r="0" g="0" b="0"/>
+          </a:effectRef>
           <a:fontRef idx="minor"/>
         </p:style>
         <p:txBody>
-          <a:bodyPr lIns="90000" rIns="90000" tIns="45000" bIns="45000"/>
+          <a:bodyPr lIns="90000" tIns="45000" rIns="90000" bIns="45000"/>
+          <a:lstStyle/>
           <a:p>
             <a:pPr marL="216000" indent="-215640">
               <a:lnSpc>
@@ -4224,7 +5241,7 @@
               <a:buChar char=""/>
             </a:pPr>
             <a:r>
-              <a:rPr b="0" lang="en-US" sz="1800" spc="-1" strike="noStrike">
+              <a:rPr lang="en-US" sz="1800" b="0" strike="noStrike" spc="-1">
                 <a:solidFill>
                   <a:srgbClr val="000000"/>
                 </a:solidFill>
@@ -4233,7 +5250,7 @@
               </a:rPr>
               <a:t>Congressional Research Services compares homicides of media workers in Mexico for different years in 3 different databases</a:t>
             </a:r>
-            <a:endParaRPr b="0" lang="en-US" sz="1800" spc="-1" strike="noStrike">
+            <a:endParaRPr lang="en-US" sz="1800" b="0" strike="noStrike" spc="-1">
               <a:latin typeface="Arial"/>
             </a:endParaRPr>
           </a:p>
@@ -4241,22 +5258,33 @@
       </p:sp>
     </p:spTree>
   </p:cSld>
+  <p:clrMapOvr>
+    <a:masterClrMapping/>
+  </p:clrMapOvr>
+  <mc:AlternateContent xmlns:mc="http://schemas.openxmlformats.org/markup-compatibility/2006">
+    <mc:Choice xmlns:p14="http://schemas.microsoft.com/office/powerpoint/2010/main" Requires="p14">
+      <p:transition spd="slow" p14:dur="2000" advTm="15000"/>
+    </mc:Choice>
+    <mc:Fallback>
+      <p:transition spd="slow" advTm="15000"/>
+    </mc:Fallback>
+  </mc:AlternateContent>
   <p:timing>
     <p:tnLst>
       <p:par>
-        <p:cTn id="21" dur="indefinite" restart="never" nodeType="tmRoot">
+        <p:cTn id="1" dur="indefinite" restart="never" nodeType="tmRoot">
           <p:childTnLst>
             <p:seq>
-              <p:cTn id="22" dur="indefinite" nodeType="mainSeq"/>
+              <p:cTn id="2" dur="indefinite" nodeType="mainSeq"/>
               <p:prevCondLst>
-                <p:cond delay="0" evt="onPrev">
+                <p:cond evt="onPrev" delay="0">
                   <p:tgtEl>
                     <p:sldTgt/>
                   </p:tgtEl>
                 </p:cond>
               </p:prevCondLst>
               <p:nextCondLst>
-                <p:cond delay="0" evt="onNext">
+                <p:cond evt="onNext" delay="0">
                   <p:tgtEl>
                     <p:sldTgt/>
                   </p:tgtEl>
@@ -4272,7 +5300,7 @@
 </file>
 
 <file path=ppt/slides/slide12.xml><?xml version="1.0" encoding="utf-8"?>
-<p:sld xmlns:a="http://schemas.openxmlformats.org/drawingml/2006/main" xmlns:p="http://schemas.openxmlformats.org/presentationml/2006/main" xmlns:r="http://schemas.openxmlformats.org/officeDocument/2006/relationships" xmlns:p14="http://schemas.microsoft.com/office/powerpoint/2010/main" xmlns:p15="http://schemas.microsoft.com/office/powerpoint/2012/main" xmlns:mc="http://schemas.openxmlformats.org/markup-compatibility/2006">
+<p:sld xmlns:a="http://schemas.openxmlformats.org/drawingml/2006/main" xmlns:r="http://schemas.openxmlformats.org/officeDocument/2006/relationships" xmlns:p="http://schemas.openxmlformats.org/presentationml/2006/main">
   <p:cSld>
     <p:spTree>
       <p:nvGrpSpPr>
@@ -4308,13 +5336,20 @@
           </a:ln>
         </p:spPr>
         <p:style>
-          <a:lnRef idx="0"/>
-          <a:fillRef idx="0"/>
-          <a:effectRef idx="0"/>
+          <a:lnRef idx="0">
+            <a:scrgbClr r="0" g="0" b="0"/>
+          </a:lnRef>
+          <a:fillRef idx="0">
+            <a:scrgbClr r="0" g="0" b="0"/>
+          </a:fillRef>
+          <a:effectRef idx="0">
+            <a:scrgbClr r="0" g="0" b="0"/>
+          </a:effectRef>
           <a:fontRef idx="minor"/>
         </p:style>
         <p:txBody>
-          <a:bodyPr lIns="90000" rIns="90000" tIns="45000" bIns="45000" anchor="ctr"/>
+          <a:bodyPr lIns="90000" tIns="45000" rIns="90000" bIns="45000" anchor="ctr"/>
+          <a:lstStyle/>
           <a:p>
             <a:pPr>
               <a:lnSpc>
@@ -4322,7 +5357,7 @@
               </a:lnSpc>
             </a:pPr>
             <a:r>
-              <a:rPr b="1" lang="en-US" sz="3000" spc="-1" strike="noStrike">
+              <a:rPr lang="en-US" sz="3000" b="1" strike="noStrike" spc="-1">
                 <a:solidFill>
                   <a:srgbClr val="404041"/>
                 </a:solidFill>
@@ -4331,7 +5366,7 @@
               </a:rPr>
               <a:t>Related Work</a:t>
             </a:r>
-            <a:endParaRPr b="0" lang="en-US" sz="3000" spc="-1" strike="noStrike">
+            <a:endParaRPr lang="en-US" sz="3000" b="0" strike="noStrike" spc="-1">
               <a:latin typeface="Arial"/>
             </a:endParaRPr>
           </a:p>
@@ -4357,13 +5392,20 @@
           </a:ln>
         </p:spPr>
         <p:style>
-          <a:lnRef idx="0"/>
-          <a:fillRef idx="0"/>
-          <a:effectRef idx="0"/>
+          <a:lnRef idx="0">
+            <a:scrgbClr r="0" g="0" b="0"/>
+          </a:lnRef>
+          <a:fillRef idx="0">
+            <a:scrgbClr r="0" g="0" b="0"/>
+          </a:fillRef>
+          <a:effectRef idx="0">
+            <a:scrgbClr r="0" g="0" b="0"/>
+          </a:effectRef>
           <a:fontRef idx="minor"/>
         </p:style>
         <p:txBody>
-          <a:bodyPr lIns="90000" rIns="90000" tIns="45000" bIns="45000"/>
+          <a:bodyPr lIns="90000" tIns="45000" rIns="90000" bIns="45000"/>
+          <a:lstStyle/>
           <a:p>
             <a:pPr marL="216000" indent="-215640">
               <a:lnSpc>
@@ -4377,7 +5419,7 @@
               <a:buChar char=""/>
             </a:pPr>
             <a:r>
-              <a:rPr b="0" lang="en-US" sz="1800" spc="-1" strike="noStrike">
+              <a:rPr lang="en-US" sz="1800" b="0" strike="noStrike" spc="-1">
                 <a:solidFill>
                   <a:srgbClr val="000000"/>
                 </a:solidFill>
@@ -4386,7 +5428,7 @@
               </a:rPr>
               <a:t>National Coalition Against Censorship visualizes book censorship in different states in the U.S.</a:t>
             </a:r>
-            <a:endParaRPr b="0" lang="en-US" sz="1800" spc="-1" strike="noStrike">
+            <a:endParaRPr lang="en-US" sz="1800" b="0" strike="noStrike" spc="-1">
               <a:latin typeface="Arial"/>
             </a:endParaRPr>
           </a:p>
@@ -4394,12 +5436,12 @@
       </p:sp>
       <p:pic>
         <p:nvPicPr>
-          <p:cNvPr id="121" name="Imagen 120" descr=""/>
+          <p:cNvPr id="121" name="Imagen 120"/>
           <p:cNvPicPr/>
           <p:nvPr/>
         </p:nvPicPr>
         <p:blipFill>
-          <a:blip r:embed="rId1"/>
+          <a:blip r:embed="rId2"/>
           <a:stretch/>
         </p:blipFill>
         <p:spPr>
@@ -4417,22 +5459,33 @@
       </p:pic>
     </p:spTree>
   </p:cSld>
+  <p:clrMapOvr>
+    <a:masterClrMapping/>
+  </p:clrMapOvr>
+  <mc:AlternateContent xmlns:mc="http://schemas.openxmlformats.org/markup-compatibility/2006">
+    <mc:Choice xmlns:p14="http://schemas.microsoft.com/office/powerpoint/2010/main" Requires="p14">
+      <p:transition spd="slow" p14:dur="2000" advTm="15000"/>
+    </mc:Choice>
+    <mc:Fallback>
+      <p:transition spd="slow" advTm="15000"/>
+    </mc:Fallback>
+  </mc:AlternateContent>
   <p:timing>
     <p:tnLst>
       <p:par>
-        <p:cTn id="23" dur="indefinite" restart="never" nodeType="tmRoot">
+        <p:cTn id="1" dur="indefinite" restart="never" nodeType="tmRoot">
           <p:childTnLst>
             <p:seq>
-              <p:cTn id="24" dur="indefinite" nodeType="mainSeq"/>
+              <p:cTn id="2" dur="indefinite" nodeType="mainSeq"/>
               <p:prevCondLst>
-                <p:cond delay="0" evt="onPrev">
+                <p:cond evt="onPrev" delay="0">
                   <p:tgtEl>
                     <p:sldTgt/>
                   </p:tgtEl>
                 </p:cond>
               </p:prevCondLst>
               <p:nextCondLst>
-                <p:cond delay="0" evt="onNext">
+                <p:cond evt="onNext" delay="0">
                   <p:tgtEl>
                     <p:sldTgt/>
                   </p:tgtEl>
@@ -4448,7 +5501,7 @@
 </file>
 
 <file path=ppt/slides/slide13.xml><?xml version="1.0" encoding="utf-8"?>
-<p:sld xmlns:a="http://schemas.openxmlformats.org/drawingml/2006/main" xmlns:p="http://schemas.openxmlformats.org/presentationml/2006/main" xmlns:r="http://schemas.openxmlformats.org/officeDocument/2006/relationships" xmlns:p14="http://schemas.microsoft.com/office/powerpoint/2010/main" xmlns:p15="http://schemas.microsoft.com/office/powerpoint/2012/main" xmlns:mc="http://schemas.openxmlformats.org/markup-compatibility/2006">
+<p:sld xmlns:a="http://schemas.openxmlformats.org/drawingml/2006/main" xmlns:r="http://schemas.openxmlformats.org/officeDocument/2006/relationships" xmlns:p="http://schemas.openxmlformats.org/presentationml/2006/main">
   <p:cSld>
     <p:spTree>
       <p:nvGrpSpPr>
@@ -4484,13 +5537,20 @@
           </a:ln>
         </p:spPr>
         <p:style>
-          <a:lnRef idx="0"/>
-          <a:fillRef idx="0"/>
-          <a:effectRef idx="0"/>
+          <a:lnRef idx="0">
+            <a:scrgbClr r="0" g="0" b="0"/>
+          </a:lnRef>
+          <a:fillRef idx="0">
+            <a:scrgbClr r="0" g="0" b="0"/>
+          </a:fillRef>
+          <a:effectRef idx="0">
+            <a:scrgbClr r="0" g="0" b="0"/>
+          </a:effectRef>
           <a:fontRef idx="minor"/>
         </p:style>
         <p:txBody>
-          <a:bodyPr lIns="90000" rIns="90000" tIns="45000" bIns="45000" anchor="ctr"/>
+          <a:bodyPr lIns="90000" tIns="45000" rIns="90000" bIns="45000" anchor="ctr"/>
+          <a:lstStyle/>
           <a:p>
             <a:pPr>
               <a:lnSpc>
@@ -4498,7 +5558,7 @@
               </a:lnSpc>
             </a:pPr>
             <a:r>
-              <a:rPr b="1" lang="en-US" sz="3000" spc="-1" strike="noStrike">
+              <a:rPr lang="en-US" sz="3000" b="1" strike="noStrike" spc="-1">
                 <a:solidFill>
                   <a:srgbClr val="404041"/>
                 </a:solidFill>
@@ -4507,7 +5567,7 @@
               </a:rPr>
               <a:t>Objectives</a:t>
             </a:r>
-            <a:endParaRPr b="0" lang="en-US" sz="3000" spc="-1" strike="noStrike">
+            <a:endParaRPr lang="en-US" sz="3000" b="0" strike="noStrike" spc="-1">
               <a:latin typeface="Arial"/>
             </a:endParaRPr>
           </a:p>
@@ -4533,13 +5593,20 @@
           </a:ln>
         </p:spPr>
         <p:style>
-          <a:lnRef idx="0"/>
-          <a:fillRef idx="0"/>
-          <a:effectRef idx="0"/>
+          <a:lnRef idx="0">
+            <a:scrgbClr r="0" g="0" b="0"/>
+          </a:lnRef>
+          <a:fillRef idx="0">
+            <a:scrgbClr r="0" g="0" b="0"/>
+          </a:fillRef>
+          <a:effectRef idx="0">
+            <a:scrgbClr r="0" g="0" b="0"/>
+          </a:effectRef>
           <a:fontRef idx="minor"/>
         </p:style>
         <p:txBody>
-          <a:bodyPr lIns="90000" rIns="90000" tIns="45000" bIns="45000"/>
+          <a:bodyPr lIns="90000" tIns="45000" rIns="90000" bIns="45000"/>
+          <a:lstStyle/>
           <a:p>
             <a:pPr marL="216000" indent="-215640">
               <a:lnSpc>
@@ -4553,7 +5620,7 @@
               <a:buChar char=""/>
             </a:pPr>
             <a:r>
-              <a:rPr b="0" lang="en-US" sz="1800" spc="-1" strike="noStrike">
+              <a:rPr lang="en-US" sz="1800" b="0" strike="noStrike" spc="-1">
                 <a:solidFill>
                   <a:srgbClr val="000000"/>
                 </a:solidFill>
@@ -4562,12 +5629,12 @@
               </a:rPr>
               <a:t>Visualize the information about the journalists who gave their life for the job:</a:t>
             </a:r>
-            <a:endParaRPr b="0" lang="en-US" sz="1800" spc="-1" strike="noStrike">
-              <a:latin typeface="Arial"/>
-            </a:endParaRPr>
-          </a:p>
-          <a:p>
-            <a:pPr lvl="1" marL="673200" indent="-215640">
+            <a:endParaRPr lang="en-US" sz="1800" b="0" strike="noStrike" spc="-1">
+              <a:latin typeface="Arial"/>
+            </a:endParaRPr>
+          </a:p>
+          <a:p>
+            <a:pPr marL="673200" lvl="1" indent="-215640">
               <a:lnSpc>
                 <a:spcPct val="100000"/>
               </a:lnSpc>
@@ -4579,7 +5646,7 @@
               <a:buChar char=""/>
             </a:pPr>
             <a:r>
-              <a:rPr b="0" lang="en-US" sz="1800" spc="-1" strike="noStrike">
+              <a:rPr lang="en-US" sz="1800" b="0" strike="noStrike" spc="-1">
                 <a:solidFill>
                   <a:srgbClr val="000000"/>
                 </a:solidFill>
@@ -4588,12 +5655,12 @@
               </a:rPr>
               <a:t>Through exploratory analysis, data maps and network diagrams</a:t>
             </a:r>
-            <a:endParaRPr b="0" lang="en-US" sz="1800" spc="-1" strike="noStrike">
-              <a:latin typeface="Arial"/>
-            </a:endParaRPr>
-          </a:p>
-          <a:p>
-            <a:pPr lvl="1" marL="673200" indent="-215640">
+            <a:endParaRPr lang="en-US" sz="1800" b="0" strike="noStrike" spc="-1">
+              <a:latin typeface="Arial"/>
+            </a:endParaRPr>
+          </a:p>
+          <a:p>
+            <a:pPr marL="673200" lvl="1" indent="-215640">
               <a:lnSpc>
                 <a:spcPct val="100000"/>
               </a:lnSpc>
@@ -4605,7 +5672,7 @@
               <a:buChar char=""/>
             </a:pPr>
             <a:r>
-              <a:rPr b="0" lang="en-US" sz="1800" spc="-1" strike="noStrike">
+              <a:rPr lang="en-US" sz="1800" b="0" strike="noStrike" spc="-1">
                 <a:solidFill>
                   <a:srgbClr val="000000"/>
                 </a:solidFill>
@@ -4614,7 +5681,7 @@
               </a:rPr>
               <a:t>Use interactive visualizations</a:t>
             </a:r>
-            <a:endParaRPr b="0" lang="en-US" sz="1800" spc="-1" strike="noStrike">
+            <a:endParaRPr lang="en-US" sz="1800" b="0" strike="noStrike" spc="-1">
               <a:latin typeface="Arial"/>
             </a:endParaRPr>
           </a:p>
@@ -4624,7 +5691,7 @@
                 <a:spcPct val="100000"/>
               </a:lnSpc>
             </a:pPr>
-            <a:endParaRPr b="0" lang="en-US" sz="1800" spc="-1" strike="noStrike">
+            <a:endParaRPr lang="en-US" sz="1800" b="0" strike="noStrike" spc="-1">
               <a:latin typeface="Arial"/>
             </a:endParaRPr>
           </a:p>
@@ -4641,7 +5708,7 @@
               <a:buChar char=""/>
             </a:pPr>
             <a:r>
-              <a:rPr b="0" lang="en-US" sz="1800" spc="-1" strike="noStrike">
+              <a:rPr lang="en-US" sz="1800" b="0" strike="noStrike" spc="-1">
                 <a:solidFill>
                   <a:srgbClr val="000000"/>
                 </a:solidFill>
@@ -4650,7 +5717,7 @@
               </a:rPr>
               <a:t>Improve upon previous visualizations for the same problem</a:t>
             </a:r>
-            <a:endParaRPr b="0" lang="en-US" sz="1800" spc="-1" strike="noStrike">
+            <a:endParaRPr lang="en-US" sz="1800" b="0" strike="noStrike" spc="-1">
               <a:latin typeface="Arial"/>
             </a:endParaRPr>
           </a:p>
@@ -4660,7 +5727,7 @@
                 <a:spcPct val="100000"/>
               </a:lnSpc>
             </a:pPr>
-            <a:endParaRPr b="0" lang="en-US" sz="1800" spc="-1" strike="noStrike">
+            <a:endParaRPr lang="en-US" sz="1800" b="0" strike="noStrike" spc="-1">
               <a:latin typeface="Arial"/>
             </a:endParaRPr>
           </a:p>
@@ -4677,7 +5744,7 @@
               <a:buChar char=""/>
             </a:pPr>
             <a:r>
-              <a:rPr b="0" lang="en-US" sz="1800" spc="-1" strike="noStrike">
+              <a:rPr lang="en-US" sz="1800" b="0" strike="noStrike" spc="-1">
                 <a:solidFill>
                   <a:srgbClr val="000000"/>
                 </a:solidFill>
@@ -4686,7 +5753,7 @@
               </a:rPr>
               <a:t>Discover interesting insights in the data</a:t>
             </a:r>
-            <a:endParaRPr b="0" lang="en-US" sz="1800" spc="-1" strike="noStrike">
+            <a:endParaRPr lang="en-US" sz="1800" b="0" strike="noStrike" spc="-1">
               <a:latin typeface="Arial"/>
             </a:endParaRPr>
           </a:p>
@@ -4694,22 +5761,33 @@
       </p:sp>
     </p:spTree>
   </p:cSld>
+  <p:clrMapOvr>
+    <a:masterClrMapping/>
+  </p:clrMapOvr>
+  <mc:AlternateContent xmlns:mc="http://schemas.openxmlformats.org/markup-compatibility/2006">
+    <mc:Choice xmlns:p14="http://schemas.microsoft.com/office/powerpoint/2010/main" Requires="p14">
+      <p:transition spd="slow" p14:dur="2000" advTm="15000"/>
+    </mc:Choice>
+    <mc:Fallback>
+      <p:transition spd="slow" advTm="15000"/>
+    </mc:Fallback>
+  </mc:AlternateContent>
   <p:timing>
     <p:tnLst>
       <p:par>
-        <p:cTn id="25" dur="indefinite" restart="never" nodeType="tmRoot">
+        <p:cTn id="1" dur="indefinite" restart="never" nodeType="tmRoot">
           <p:childTnLst>
             <p:seq>
-              <p:cTn id="26" dur="indefinite" nodeType="mainSeq"/>
+              <p:cTn id="2" dur="indefinite" nodeType="mainSeq"/>
               <p:prevCondLst>
-                <p:cond delay="0" evt="onPrev">
+                <p:cond evt="onPrev" delay="0">
                   <p:tgtEl>
                     <p:sldTgt/>
                   </p:tgtEl>
                 </p:cond>
               </p:prevCondLst>
               <p:nextCondLst>
-                <p:cond delay="0" evt="onNext">
+                <p:cond evt="onNext" delay="0">
                   <p:tgtEl>
                     <p:sldTgt/>
                   </p:tgtEl>
@@ -4725,7 +5803,7 @@
 </file>
 
 <file path=ppt/slides/slide14.xml><?xml version="1.0" encoding="utf-8"?>
-<p:sld xmlns:a="http://schemas.openxmlformats.org/drawingml/2006/main" xmlns:p="http://schemas.openxmlformats.org/presentationml/2006/main" xmlns:r="http://schemas.openxmlformats.org/officeDocument/2006/relationships" xmlns:p14="http://schemas.microsoft.com/office/powerpoint/2010/main" xmlns:p15="http://schemas.microsoft.com/office/powerpoint/2012/main" xmlns:mc="http://schemas.openxmlformats.org/markup-compatibility/2006">
+<p:sld xmlns:a="http://schemas.openxmlformats.org/drawingml/2006/main" xmlns:r="http://schemas.openxmlformats.org/officeDocument/2006/relationships" xmlns:p="http://schemas.openxmlformats.org/presentationml/2006/main">
   <p:cSld>
     <p:spTree>
       <p:nvGrpSpPr>
@@ -4761,13 +5839,20 @@
           </a:ln>
         </p:spPr>
         <p:style>
-          <a:lnRef idx="0"/>
-          <a:fillRef idx="0"/>
-          <a:effectRef idx="0"/>
+          <a:lnRef idx="0">
+            <a:scrgbClr r="0" g="0" b="0"/>
+          </a:lnRef>
+          <a:fillRef idx="0">
+            <a:scrgbClr r="0" g="0" b="0"/>
+          </a:fillRef>
+          <a:effectRef idx="0">
+            <a:scrgbClr r="0" g="0" b="0"/>
+          </a:effectRef>
           <a:fontRef idx="minor"/>
         </p:style>
         <p:txBody>
-          <a:bodyPr lIns="90000" rIns="90000" tIns="45000" bIns="45000" anchor="ctr"/>
+          <a:bodyPr lIns="90000" tIns="45000" rIns="90000" bIns="45000" anchor="ctr"/>
+          <a:lstStyle/>
           <a:p>
             <a:pPr>
               <a:lnSpc>
@@ -4775,7 +5860,7 @@
               </a:lnSpc>
             </a:pPr>
             <a:r>
-              <a:rPr b="1" lang="en-US" sz="3000" spc="-1" strike="noStrike">
+              <a:rPr lang="en-US" sz="3000" b="1" strike="noStrike" spc="-1">
                 <a:solidFill>
                   <a:srgbClr val="404041"/>
                 </a:solidFill>
@@ -4784,7 +5869,7 @@
               </a:rPr>
               <a:t>Data Description</a:t>
             </a:r>
-            <a:endParaRPr b="0" lang="en-US" sz="3000" spc="-1" strike="noStrike">
+            <a:endParaRPr lang="en-US" sz="3000" b="0" strike="noStrike" spc="-1">
               <a:latin typeface="Arial"/>
             </a:endParaRPr>
           </a:p>
@@ -4810,13 +5895,20 @@
           </a:ln>
         </p:spPr>
         <p:style>
-          <a:lnRef idx="0"/>
-          <a:fillRef idx="0"/>
-          <a:effectRef idx="0"/>
+          <a:lnRef idx="0">
+            <a:scrgbClr r="0" g="0" b="0"/>
+          </a:lnRef>
+          <a:fillRef idx="0">
+            <a:scrgbClr r="0" g="0" b="0"/>
+          </a:fillRef>
+          <a:effectRef idx="0">
+            <a:scrgbClr r="0" g="0" b="0"/>
+          </a:effectRef>
           <a:fontRef idx="minor"/>
         </p:style>
         <p:txBody>
-          <a:bodyPr lIns="90000" rIns="90000" tIns="45000" bIns="45000"/>
+          <a:bodyPr lIns="90000" tIns="45000" rIns="90000" bIns="45000"/>
+          <a:lstStyle/>
           <a:p>
             <a:pPr marL="216000" indent="-215640">
               <a:lnSpc>
@@ -4830,7 +5922,7 @@
               <a:buChar char=""/>
             </a:pPr>
             <a:r>
-              <a:rPr b="0" lang="en-US" sz="1800" spc="-1" strike="noStrike">
+              <a:rPr lang="en-US" sz="1800" b="0" strike="noStrike" spc="-1">
                 <a:solidFill>
                   <a:srgbClr val="000000"/>
                 </a:solidFill>
@@ -4839,7 +5931,7 @@
               </a:rPr>
               <a:t>This project uses the data from the CPJ provided on Kaggle</a:t>
             </a:r>
-            <a:endParaRPr b="0" lang="en-US" sz="1800" spc="-1" strike="noStrike">
+            <a:endParaRPr lang="en-US" sz="1800" b="0" strike="noStrike" spc="-1">
               <a:latin typeface="Arial"/>
             </a:endParaRPr>
           </a:p>
@@ -4856,7 +5948,7 @@
               <a:buChar char=""/>
             </a:pPr>
             <a:r>
-              <a:rPr b="0" lang="en-US" sz="1800" spc="-1" strike="noStrike">
+              <a:rPr lang="en-US" sz="1800" b="0" strike="noStrike" spc="-1">
                 <a:solidFill>
                   <a:srgbClr val="000000"/>
                 </a:solidFill>
@@ -4865,7 +5957,7 @@
               </a:rPr>
               <a:t>The data contains information about 1782 journalist deaths between 1992 and 2018</a:t>
             </a:r>
-            <a:endParaRPr b="0" lang="en-US" sz="1800" spc="-1" strike="noStrike">
+            <a:endParaRPr lang="en-US" sz="1800" b="0" strike="noStrike" spc="-1">
               <a:latin typeface="Arial"/>
             </a:endParaRPr>
           </a:p>
@@ -4875,7 +5967,7 @@
                 <a:spcPct val="100000"/>
               </a:lnSpc>
             </a:pPr>
-            <a:endParaRPr b="0" lang="en-US" sz="1800" spc="-1" strike="noStrike">
+            <a:endParaRPr lang="en-US" sz="1800" b="0" strike="noStrike" spc="-1">
               <a:latin typeface="Arial"/>
             </a:endParaRPr>
           </a:p>
@@ -4892,7 +5984,7 @@
               <a:buChar char=""/>
             </a:pPr>
             <a:r>
-              <a:rPr b="0" lang="en-US" sz="1800" spc="-1" strike="noStrike">
+              <a:rPr lang="en-US" sz="1800" b="0" strike="noStrike" spc="-1">
                 <a:solidFill>
                   <a:srgbClr val="000000"/>
                 </a:solidFill>
@@ -4901,12 +5993,12 @@
               </a:rPr>
               <a:t>The data contains some interesting features such as:</a:t>
             </a:r>
-            <a:endParaRPr b="0" lang="en-US" sz="1800" spc="-1" strike="noStrike">
-              <a:latin typeface="Arial"/>
-            </a:endParaRPr>
-          </a:p>
-          <a:p>
-            <a:pPr lvl="1" marL="432000" indent="-215640">
+            <a:endParaRPr lang="en-US" sz="1800" b="0" strike="noStrike" spc="-1">
+              <a:latin typeface="Arial"/>
+            </a:endParaRPr>
+          </a:p>
+          <a:p>
+            <a:pPr marL="432000" lvl="1" indent="-215640">
               <a:lnSpc>
                 <a:spcPct val="100000"/>
               </a:lnSpc>
@@ -4918,7 +6010,7 @@
               <a:buChar char=""/>
             </a:pPr>
             <a:r>
-              <a:rPr b="0" lang="en-US" sz="1800" spc="-1" strike="noStrike">
+              <a:rPr lang="en-US" sz="1800" b="0" strike="noStrike" spc="-1">
                 <a:solidFill>
                   <a:srgbClr val="000000"/>
                 </a:solidFill>
@@ -4927,12 +6019,12 @@
               </a:rPr>
               <a:t>date of death</a:t>
             </a:r>
-            <a:endParaRPr b="0" lang="en-US" sz="1800" spc="-1" strike="noStrike">
-              <a:latin typeface="Arial"/>
-            </a:endParaRPr>
-          </a:p>
-          <a:p>
-            <a:pPr lvl="1" marL="432000" indent="-215640">
+            <a:endParaRPr lang="en-US" sz="1800" b="0" strike="noStrike" spc="-1">
+              <a:latin typeface="Arial"/>
+            </a:endParaRPr>
+          </a:p>
+          <a:p>
+            <a:pPr marL="432000" lvl="1" indent="-215640">
               <a:lnSpc>
                 <a:spcPct val="100000"/>
               </a:lnSpc>
@@ -4944,7 +6036,7 @@
               <a:buChar char=""/>
             </a:pPr>
             <a:r>
-              <a:rPr b="0" lang="en-US" sz="1800" spc="-1" strike="noStrike">
+              <a:rPr lang="en-US" sz="1800" b="0" strike="noStrike" spc="-1">
                 <a:solidFill>
                   <a:srgbClr val="000000"/>
                 </a:solidFill>
@@ -4953,12 +6045,12 @@
               </a:rPr>
               <a:t>coverage (topics being reported at the time of death)</a:t>
             </a:r>
-            <a:endParaRPr b="0" lang="en-US" sz="1800" spc="-1" strike="noStrike">
-              <a:latin typeface="Arial"/>
-            </a:endParaRPr>
-          </a:p>
-          <a:p>
-            <a:pPr lvl="1" marL="432000" indent="-215640">
+            <a:endParaRPr lang="en-US" sz="1800" b="0" strike="noStrike" spc="-1">
+              <a:latin typeface="Arial"/>
+            </a:endParaRPr>
+          </a:p>
+          <a:p>
+            <a:pPr marL="432000" lvl="1" indent="-215640">
               <a:lnSpc>
                 <a:spcPct val="100000"/>
               </a:lnSpc>
@@ -4970,7 +6062,7 @@
               <a:buChar char=""/>
             </a:pPr>
             <a:r>
-              <a:rPr b="0" lang="en-US" sz="1800" spc="-1" strike="noStrike">
+              <a:rPr lang="en-US" sz="1800" b="0" strike="noStrike" spc="-1">
                 <a:solidFill>
                   <a:srgbClr val="000000"/>
                 </a:solidFill>
@@ -4979,12 +6071,12 @@
               </a:rPr>
               <a:t>Gender</a:t>
             </a:r>
-            <a:endParaRPr b="0" lang="en-US" sz="1800" spc="-1" strike="noStrike">
-              <a:latin typeface="Arial"/>
-            </a:endParaRPr>
-          </a:p>
-          <a:p>
-            <a:pPr lvl="1" marL="432000" indent="-215640">
+            <a:endParaRPr lang="en-US" sz="1800" b="0" strike="noStrike" spc="-1">
+              <a:latin typeface="Arial"/>
+            </a:endParaRPr>
+          </a:p>
+          <a:p>
+            <a:pPr marL="432000" lvl="1" indent="-215640">
               <a:lnSpc>
                 <a:spcPct val="100000"/>
               </a:lnSpc>
@@ -4996,7 +6088,7 @@
               <a:buChar char=""/>
             </a:pPr>
             <a:r>
-              <a:rPr b="0" lang="en-US" sz="1800" spc="-1" strike="noStrike">
+              <a:rPr lang="en-US" sz="1800" b="0" strike="noStrike" spc="-1">
                 <a:solidFill>
                   <a:srgbClr val="000000"/>
                 </a:solidFill>
@@ -5005,12 +6097,12 @@
               </a:rPr>
               <a:t>Country killed</a:t>
             </a:r>
-            <a:endParaRPr b="0" lang="en-US" sz="1800" spc="-1" strike="noStrike">
-              <a:latin typeface="Arial"/>
-            </a:endParaRPr>
-          </a:p>
-          <a:p>
-            <a:pPr lvl="1" marL="432000" indent="-215640">
+            <a:endParaRPr lang="en-US" sz="1800" b="0" strike="noStrike" spc="-1">
+              <a:latin typeface="Arial"/>
+            </a:endParaRPr>
+          </a:p>
+          <a:p>
+            <a:pPr marL="432000" lvl="1" indent="-215640">
               <a:lnSpc>
                 <a:spcPct val="100000"/>
               </a:lnSpc>
@@ -5022,7 +6114,7 @@
               <a:buChar char=""/>
             </a:pPr>
             <a:r>
-              <a:rPr b="0" lang="en-US" sz="1800" spc="-1" strike="noStrike">
+              <a:rPr lang="en-US" sz="1800" b="0" strike="noStrike" spc="-1">
                 <a:solidFill>
                   <a:srgbClr val="000000"/>
                 </a:solidFill>
@@ -5031,7 +6123,7 @@
               </a:rPr>
               <a:t>Organization</a:t>
             </a:r>
-            <a:endParaRPr b="0" lang="en-US" sz="1800" spc="-1" strike="noStrike">
+            <a:endParaRPr lang="en-US" sz="1800" b="0" strike="noStrike" spc="-1">
               <a:latin typeface="Arial"/>
             </a:endParaRPr>
           </a:p>
@@ -5039,22 +6131,33 @@
       </p:sp>
     </p:spTree>
   </p:cSld>
+  <p:clrMapOvr>
+    <a:masterClrMapping/>
+  </p:clrMapOvr>
+  <mc:AlternateContent xmlns:mc="http://schemas.openxmlformats.org/markup-compatibility/2006">
+    <mc:Choice xmlns:p14="http://schemas.microsoft.com/office/powerpoint/2010/main" Requires="p14">
+      <p:transition spd="slow" p14:dur="2000" advTm="15000"/>
+    </mc:Choice>
+    <mc:Fallback>
+      <p:transition spd="slow" advTm="15000"/>
+    </mc:Fallback>
+  </mc:AlternateContent>
   <p:timing>
     <p:tnLst>
       <p:par>
-        <p:cTn id="27" dur="indefinite" restart="never" nodeType="tmRoot">
+        <p:cTn id="1" dur="indefinite" restart="never" nodeType="tmRoot">
           <p:childTnLst>
             <p:seq>
-              <p:cTn id="28" dur="indefinite" nodeType="mainSeq"/>
+              <p:cTn id="2" dur="indefinite" nodeType="mainSeq"/>
               <p:prevCondLst>
-                <p:cond delay="0" evt="onPrev">
+                <p:cond evt="onPrev" delay="0">
                   <p:tgtEl>
                     <p:sldTgt/>
                   </p:tgtEl>
                 </p:cond>
               </p:prevCondLst>
               <p:nextCondLst>
-                <p:cond delay="0" evt="onNext">
+                <p:cond evt="onNext" delay="0">
                   <p:tgtEl>
                     <p:sldTgt/>
                   </p:tgtEl>
@@ -5070,7 +6173,7 @@
 </file>
 
 <file path=ppt/slides/slide15.xml><?xml version="1.0" encoding="utf-8"?>
-<p:sld xmlns:a="http://schemas.openxmlformats.org/drawingml/2006/main" xmlns:p="http://schemas.openxmlformats.org/presentationml/2006/main" xmlns:r="http://schemas.openxmlformats.org/officeDocument/2006/relationships" xmlns:p14="http://schemas.microsoft.com/office/powerpoint/2010/main" xmlns:p15="http://schemas.microsoft.com/office/powerpoint/2012/main" xmlns:mc="http://schemas.openxmlformats.org/markup-compatibility/2006">
+<p:sld xmlns:a="http://schemas.openxmlformats.org/drawingml/2006/main" xmlns:r="http://schemas.openxmlformats.org/officeDocument/2006/relationships" xmlns:p="http://schemas.openxmlformats.org/presentationml/2006/main">
   <p:cSld>
     <p:spTree>
       <p:nvGrpSpPr>
@@ -5106,13 +6209,20 @@
           </a:ln>
         </p:spPr>
         <p:style>
-          <a:lnRef idx="0"/>
-          <a:fillRef idx="0"/>
-          <a:effectRef idx="0"/>
+          <a:lnRef idx="0">
+            <a:scrgbClr r="0" g="0" b="0"/>
+          </a:lnRef>
+          <a:fillRef idx="0">
+            <a:scrgbClr r="0" g="0" b="0"/>
+          </a:fillRef>
+          <a:effectRef idx="0">
+            <a:scrgbClr r="0" g="0" b="0"/>
+          </a:effectRef>
           <a:fontRef idx="minor"/>
         </p:style>
         <p:txBody>
-          <a:bodyPr lIns="90000" rIns="90000" tIns="45000" bIns="45000" anchor="ctr"/>
+          <a:bodyPr lIns="90000" tIns="45000" rIns="90000" bIns="45000" anchor="ctr"/>
+          <a:lstStyle/>
           <a:p>
             <a:pPr>
               <a:lnSpc>
@@ -5120,7 +6230,7 @@
               </a:lnSpc>
             </a:pPr>
             <a:r>
-              <a:rPr b="1" lang="en-US" sz="3000" spc="-1" strike="noStrike">
+              <a:rPr lang="en-US" sz="3000" b="1" strike="noStrike" spc="-1">
                 <a:solidFill>
                   <a:srgbClr val="404041"/>
                 </a:solidFill>
@@ -5129,7 +6239,7 @@
               </a:rPr>
               <a:t>Exploratory Analysis: Time series</a:t>
             </a:r>
-            <a:endParaRPr b="0" lang="en-US" sz="3000" spc="-1" strike="noStrike">
+            <a:endParaRPr lang="en-US" sz="3000" b="0" strike="noStrike" spc="-1">
               <a:latin typeface="Arial"/>
             </a:endParaRPr>
           </a:p>
@@ -5137,12 +6247,12 @@
       </p:sp>
       <p:pic>
         <p:nvPicPr>
-          <p:cNvPr id="127" name="Imagen 124" descr=""/>
+          <p:cNvPr id="127" name="Imagen 124"/>
           <p:cNvPicPr/>
           <p:nvPr/>
         </p:nvPicPr>
         <p:blipFill>
-          <a:blip r:embed="rId1"/>
+          <a:blip r:embed="rId2"/>
           <a:stretch/>
         </p:blipFill>
         <p:spPr>
@@ -5178,13 +6288,20 @@
           </a:ln>
         </p:spPr>
         <p:style>
-          <a:lnRef idx="0"/>
-          <a:fillRef idx="0"/>
-          <a:effectRef idx="0"/>
+          <a:lnRef idx="0">
+            <a:scrgbClr r="0" g="0" b="0"/>
+          </a:lnRef>
+          <a:fillRef idx="0">
+            <a:scrgbClr r="0" g="0" b="0"/>
+          </a:fillRef>
+          <a:effectRef idx="0">
+            <a:scrgbClr r="0" g="0" b="0"/>
+          </a:effectRef>
           <a:fontRef idx="minor"/>
         </p:style>
         <p:txBody>
-          <a:bodyPr lIns="90000" rIns="90000" tIns="45000" bIns="45000"/>
+          <a:bodyPr lIns="90000" tIns="45000" rIns="90000" bIns="45000"/>
+          <a:lstStyle/>
           <a:p>
             <a:pPr marL="216000" indent="-215640">
               <a:lnSpc>
@@ -5198,7 +6315,7 @@
               <a:buChar char=""/>
             </a:pPr>
             <a:r>
-              <a:rPr b="0" lang="en-US" sz="1800" spc="-1" strike="noStrike">
+              <a:rPr lang="en-US" sz="1800" b="0" strike="noStrike" spc="-1">
                 <a:solidFill>
                   <a:srgbClr val="000000"/>
                 </a:solidFill>
@@ -5207,7 +6324,7 @@
               </a:rPr>
               <a:t>Interactive Time series plot of for the number of deaths in each month between 1992 and 2016</a:t>
             </a:r>
-            <a:endParaRPr b="0" lang="en-US" sz="1800" spc="-1" strike="noStrike">
+            <a:endParaRPr lang="en-US" sz="1800" b="0" strike="noStrike" spc="-1">
               <a:latin typeface="Arial"/>
             </a:endParaRPr>
           </a:p>
@@ -5215,22 +6332,33 @@
       </p:sp>
     </p:spTree>
   </p:cSld>
+  <p:clrMapOvr>
+    <a:masterClrMapping/>
+  </p:clrMapOvr>
+  <mc:AlternateContent xmlns:mc="http://schemas.openxmlformats.org/markup-compatibility/2006">
+    <mc:Choice xmlns:p14="http://schemas.microsoft.com/office/powerpoint/2010/main" Requires="p14">
+      <p:transition spd="slow" p14:dur="2000" advTm="15000"/>
+    </mc:Choice>
+    <mc:Fallback>
+      <p:transition spd="slow" advTm="15000"/>
+    </mc:Fallback>
+  </mc:AlternateContent>
   <p:timing>
     <p:tnLst>
       <p:par>
-        <p:cTn id="29" dur="indefinite" restart="never" nodeType="tmRoot">
+        <p:cTn id="1" dur="indefinite" restart="never" nodeType="tmRoot">
           <p:childTnLst>
             <p:seq>
-              <p:cTn id="30" dur="indefinite" nodeType="mainSeq"/>
+              <p:cTn id="2" dur="indefinite" nodeType="mainSeq"/>
               <p:prevCondLst>
-                <p:cond delay="0" evt="onPrev">
+                <p:cond evt="onPrev" delay="0">
                   <p:tgtEl>
                     <p:sldTgt/>
                   </p:tgtEl>
                 </p:cond>
               </p:prevCondLst>
               <p:nextCondLst>
-                <p:cond delay="0" evt="onNext">
+                <p:cond evt="onNext" delay="0">
                   <p:tgtEl>
                     <p:sldTgt/>
                   </p:tgtEl>
@@ -5246,7 +6374,7 @@
 </file>
 
 <file path=ppt/slides/slide16.xml><?xml version="1.0" encoding="utf-8"?>
-<p:sld xmlns:a="http://schemas.openxmlformats.org/drawingml/2006/main" xmlns:p="http://schemas.openxmlformats.org/presentationml/2006/main" xmlns:r="http://schemas.openxmlformats.org/officeDocument/2006/relationships" xmlns:p14="http://schemas.microsoft.com/office/powerpoint/2010/main" xmlns:p15="http://schemas.microsoft.com/office/powerpoint/2012/main" xmlns:mc="http://schemas.openxmlformats.org/markup-compatibility/2006">
+<p:sld xmlns:a="http://schemas.openxmlformats.org/drawingml/2006/main" xmlns:r="http://schemas.openxmlformats.org/officeDocument/2006/relationships" xmlns:p="http://schemas.openxmlformats.org/presentationml/2006/main">
   <p:cSld>
     <p:spTree>
       <p:nvGrpSpPr>
@@ -5282,13 +6410,20 @@
           </a:ln>
         </p:spPr>
         <p:style>
-          <a:lnRef idx="0"/>
-          <a:fillRef idx="0"/>
-          <a:effectRef idx="0"/>
+          <a:lnRef idx="0">
+            <a:scrgbClr r="0" g="0" b="0"/>
+          </a:lnRef>
+          <a:fillRef idx="0">
+            <a:scrgbClr r="0" g="0" b="0"/>
+          </a:fillRef>
+          <a:effectRef idx="0">
+            <a:scrgbClr r="0" g="0" b="0"/>
+          </a:effectRef>
           <a:fontRef idx="minor"/>
         </p:style>
         <p:txBody>
-          <a:bodyPr lIns="90000" rIns="90000" tIns="45000" bIns="45000" anchor="ctr"/>
+          <a:bodyPr lIns="90000" tIns="45000" rIns="90000" bIns="45000" anchor="ctr"/>
+          <a:lstStyle/>
           <a:p>
             <a:pPr>
               <a:lnSpc>
@@ -5296,7 +6431,7 @@
               </a:lnSpc>
             </a:pPr>
             <a:r>
-              <a:rPr b="1" lang="en-US" sz="3000" spc="-1" strike="noStrike">
+              <a:rPr lang="en-US" sz="3000" b="1" strike="noStrike" spc="-1">
                 <a:solidFill>
                   <a:srgbClr val="404041"/>
                 </a:solidFill>
@@ -5305,7 +6440,7 @@
               </a:rPr>
               <a:t>Exploratory Analysis: Countries</a:t>
             </a:r>
-            <a:endParaRPr b="0" lang="en-US" sz="3000" spc="-1" strike="noStrike">
+            <a:endParaRPr lang="en-US" sz="3000" b="0" strike="noStrike" spc="-1">
               <a:latin typeface="Arial"/>
             </a:endParaRPr>
           </a:p>
@@ -5313,12 +6448,12 @@
       </p:sp>
       <p:pic>
         <p:nvPicPr>
-          <p:cNvPr id="130" name="Imagen 2" descr=""/>
+          <p:cNvPr id="130" name="Imagen 2"/>
           <p:cNvPicPr/>
           <p:nvPr/>
         </p:nvPicPr>
         <p:blipFill>
-          <a:blip r:embed="rId1"/>
+          <a:blip r:embed="rId2"/>
           <a:stretch/>
         </p:blipFill>
         <p:spPr>
@@ -5354,13 +6489,20 @@
           </a:ln>
         </p:spPr>
         <p:style>
-          <a:lnRef idx="0"/>
-          <a:fillRef idx="0"/>
-          <a:effectRef idx="0"/>
+          <a:lnRef idx="0">
+            <a:scrgbClr r="0" g="0" b="0"/>
+          </a:lnRef>
+          <a:fillRef idx="0">
+            <a:scrgbClr r="0" g="0" b="0"/>
+          </a:fillRef>
+          <a:effectRef idx="0">
+            <a:scrgbClr r="0" g="0" b="0"/>
+          </a:effectRef>
           <a:fontRef idx="minor"/>
         </p:style>
         <p:txBody>
-          <a:bodyPr lIns="90000" rIns="90000" tIns="45000" bIns="45000"/>
+          <a:bodyPr lIns="90000" tIns="45000" rIns="90000" bIns="45000"/>
+          <a:lstStyle/>
           <a:p>
             <a:pPr marL="216000" indent="-215640">
               <a:lnSpc>
@@ -5374,7 +6516,7 @@
               <a:buChar char=""/>
             </a:pPr>
             <a:r>
-              <a:rPr b="0" lang="en-US" sz="1800" spc="-1" strike="noStrike">
+              <a:rPr lang="en-US" sz="1800" b="0" strike="noStrike" spc="-1">
                 <a:solidFill>
                   <a:srgbClr val="000000"/>
                 </a:solidFill>
@@ -5383,7 +6525,7 @@
               </a:rPr>
               <a:t>Number of deaths by each country between 1992 and 2016</a:t>
             </a:r>
-            <a:endParaRPr b="0" lang="en-US" sz="1800" spc="-1" strike="noStrike">
+            <a:endParaRPr lang="en-US" sz="1800" b="0" strike="noStrike" spc="-1">
               <a:latin typeface="Arial"/>
             </a:endParaRPr>
           </a:p>
@@ -5391,22 +6533,33 @@
       </p:sp>
     </p:spTree>
   </p:cSld>
+  <p:clrMapOvr>
+    <a:masterClrMapping/>
+  </p:clrMapOvr>
+  <mc:AlternateContent xmlns:mc="http://schemas.openxmlformats.org/markup-compatibility/2006">
+    <mc:Choice xmlns:p14="http://schemas.microsoft.com/office/powerpoint/2010/main" Requires="p14">
+      <p:transition spd="slow" p14:dur="2000" advTm="15000"/>
+    </mc:Choice>
+    <mc:Fallback>
+      <p:transition spd="slow" advTm="15000"/>
+    </mc:Fallback>
+  </mc:AlternateContent>
   <p:timing>
     <p:tnLst>
       <p:par>
-        <p:cTn id="31" dur="indefinite" restart="never" nodeType="tmRoot">
+        <p:cTn id="1" dur="indefinite" restart="never" nodeType="tmRoot">
           <p:childTnLst>
             <p:seq>
-              <p:cTn id="32" dur="indefinite" nodeType="mainSeq"/>
+              <p:cTn id="2" dur="indefinite" nodeType="mainSeq"/>
               <p:prevCondLst>
-                <p:cond delay="0" evt="onPrev">
+                <p:cond evt="onPrev" delay="0">
                   <p:tgtEl>
                     <p:sldTgt/>
                   </p:tgtEl>
                 </p:cond>
               </p:prevCondLst>
               <p:nextCondLst>
-                <p:cond delay="0" evt="onNext">
+                <p:cond evt="onNext" delay="0">
                   <p:tgtEl>
                     <p:sldTgt/>
                   </p:tgtEl>
@@ -5422,7 +6575,7 @@
 </file>
 
 <file path=ppt/slides/slide17.xml><?xml version="1.0" encoding="utf-8"?>
-<p:sld xmlns:a="http://schemas.openxmlformats.org/drawingml/2006/main" xmlns:p="http://schemas.openxmlformats.org/presentationml/2006/main" xmlns:r="http://schemas.openxmlformats.org/officeDocument/2006/relationships" xmlns:p14="http://schemas.microsoft.com/office/powerpoint/2010/main" xmlns:p15="http://schemas.microsoft.com/office/powerpoint/2012/main" xmlns:mc="http://schemas.openxmlformats.org/markup-compatibility/2006">
+<p:sld xmlns:a="http://schemas.openxmlformats.org/drawingml/2006/main" xmlns:r="http://schemas.openxmlformats.org/officeDocument/2006/relationships" xmlns:p="http://schemas.openxmlformats.org/presentationml/2006/main">
   <p:cSld>
     <p:spTree>
       <p:nvGrpSpPr>
@@ -5458,13 +6611,20 @@
           </a:ln>
         </p:spPr>
         <p:style>
-          <a:lnRef idx="0"/>
-          <a:fillRef idx="0"/>
-          <a:effectRef idx="0"/>
+          <a:lnRef idx="0">
+            <a:scrgbClr r="0" g="0" b="0"/>
+          </a:lnRef>
+          <a:fillRef idx="0">
+            <a:scrgbClr r="0" g="0" b="0"/>
+          </a:fillRef>
+          <a:effectRef idx="0">
+            <a:scrgbClr r="0" g="0" b="0"/>
+          </a:effectRef>
           <a:fontRef idx="minor"/>
         </p:style>
         <p:txBody>
-          <a:bodyPr lIns="90000" rIns="90000" tIns="45000" bIns="45000" anchor="ctr"/>
+          <a:bodyPr lIns="90000" tIns="45000" rIns="90000" bIns="45000" anchor="ctr"/>
+          <a:lstStyle/>
           <a:p>
             <a:pPr>
               <a:lnSpc>
@@ -5472,7 +6632,7 @@
               </a:lnSpc>
             </a:pPr>
             <a:r>
-              <a:rPr b="1" lang="en-US" sz="3000" spc="-1" strike="noStrike">
+              <a:rPr lang="en-US" sz="3000" b="1" strike="noStrike" spc="-1">
                 <a:solidFill>
                   <a:srgbClr val="404041"/>
                 </a:solidFill>
@@ -5481,7 +6641,7 @@
               </a:rPr>
               <a:t>Exploratory Analysis: Time series</a:t>
             </a:r>
-            <a:endParaRPr b="0" lang="en-US" sz="3000" spc="-1" strike="noStrike">
+            <a:endParaRPr lang="en-US" sz="3000" b="0" strike="noStrike" spc="-1">
               <a:latin typeface="Arial"/>
             </a:endParaRPr>
           </a:p>
@@ -5507,13 +6667,20 @@
           </a:ln>
         </p:spPr>
         <p:style>
-          <a:lnRef idx="0"/>
-          <a:fillRef idx="0"/>
-          <a:effectRef idx="0"/>
+          <a:lnRef idx="0">
+            <a:scrgbClr r="0" g="0" b="0"/>
+          </a:lnRef>
+          <a:fillRef idx="0">
+            <a:scrgbClr r="0" g="0" b="0"/>
+          </a:fillRef>
+          <a:effectRef idx="0">
+            <a:scrgbClr r="0" g="0" b="0"/>
+          </a:effectRef>
           <a:fontRef idx="minor"/>
         </p:style>
         <p:txBody>
-          <a:bodyPr lIns="90000" rIns="90000" tIns="45000" bIns="45000"/>
+          <a:bodyPr lIns="90000" tIns="45000" rIns="90000" bIns="45000"/>
+          <a:lstStyle/>
           <a:p>
             <a:pPr marL="216000" indent="-215640">
               <a:lnSpc>
@@ -5527,7 +6694,7 @@
               <a:buChar char=""/>
             </a:pPr>
             <a:r>
-              <a:rPr b="0" lang="en-US" sz="1800" spc="-1" strike="noStrike">
+              <a:rPr lang="en-US" sz="1800" b="0" strike="noStrike" spc="-1">
                 <a:solidFill>
                   <a:srgbClr val="000000"/>
                 </a:solidFill>
@@ -5536,7 +6703,7 @@
               </a:rPr>
               <a:t>Number of deaths by year in top 5 countries with most deaths</a:t>
             </a:r>
-            <a:endParaRPr b="0" lang="en-US" sz="1800" spc="-1" strike="noStrike">
+            <a:endParaRPr lang="en-US" sz="1800" b="0" strike="noStrike" spc="-1">
               <a:latin typeface="Arial"/>
             </a:endParaRPr>
           </a:p>
@@ -5544,12 +6711,12 @@
       </p:sp>
       <p:pic>
         <p:nvPicPr>
-          <p:cNvPr id="134" name="Imagen 128" descr=""/>
+          <p:cNvPr id="134" name="Imagen 128"/>
           <p:cNvPicPr/>
           <p:nvPr/>
         </p:nvPicPr>
         <p:blipFill>
-          <a:blip r:embed="rId1"/>
+          <a:blip r:embed="rId2"/>
           <a:stretch/>
         </p:blipFill>
         <p:spPr>
@@ -5567,22 +6734,33 @@
       </p:pic>
     </p:spTree>
   </p:cSld>
+  <p:clrMapOvr>
+    <a:masterClrMapping/>
+  </p:clrMapOvr>
+  <mc:AlternateContent xmlns:mc="http://schemas.openxmlformats.org/markup-compatibility/2006">
+    <mc:Choice xmlns:p14="http://schemas.microsoft.com/office/powerpoint/2010/main" Requires="p14">
+      <p:transition spd="slow" p14:dur="2000" advTm="15000"/>
+    </mc:Choice>
+    <mc:Fallback>
+      <p:transition spd="slow" advTm="15000"/>
+    </mc:Fallback>
+  </mc:AlternateContent>
   <p:timing>
     <p:tnLst>
       <p:par>
-        <p:cTn id="33" dur="indefinite" restart="never" nodeType="tmRoot">
+        <p:cTn id="1" dur="indefinite" restart="never" nodeType="tmRoot">
           <p:childTnLst>
             <p:seq>
-              <p:cTn id="34" dur="indefinite" nodeType="mainSeq"/>
+              <p:cTn id="2" dur="indefinite" nodeType="mainSeq"/>
               <p:prevCondLst>
-                <p:cond delay="0" evt="onPrev">
+                <p:cond evt="onPrev" delay="0">
                   <p:tgtEl>
                     <p:sldTgt/>
                   </p:tgtEl>
                 </p:cond>
               </p:prevCondLst>
               <p:nextCondLst>
-                <p:cond delay="0" evt="onNext">
+                <p:cond evt="onNext" delay="0">
                   <p:tgtEl>
                     <p:sldTgt/>
                   </p:tgtEl>
@@ -5598,7 +6776,7 @@
 </file>
 
 <file path=ppt/slides/slide18.xml><?xml version="1.0" encoding="utf-8"?>
-<p:sld xmlns:a="http://schemas.openxmlformats.org/drawingml/2006/main" xmlns:p="http://schemas.openxmlformats.org/presentationml/2006/main" xmlns:r="http://schemas.openxmlformats.org/officeDocument/2006/relationships" xmlns:p14="http://schemas.microsoft.com/office/powerpoint/2010/main" xmlns:p15="http://schemas.microsoft.com/office/powerpoint/2012/main" xmlns:mc="http://schemas.openxmlformats.org/markup-compatibility/2006">
+<p:sld xmlns:a="http://schemas.openxmlformats.org/drawingml/2006/main" xmlns:r="http://schemas.openxmlformats.org/officeDocument/2006/relationships" xmlns:p="http://schemas.openxmlformats.org/presentationml/2006/main">
   <p:cSld>
     <p:spTree>
       <p:nvGrpSpPr>
@@ -5634,13 +6812,20 @@
           </a:ln>
         </p:spPr>
         <p:style>
-          <a:lnRef idx="0"/>
-          <a:fillRef idx="0"/>
-          <a:effectRef idx="0"/>
+          <a:lnRef idx="0">
+            <a:scrgbClr r="0" g="0" b="0"/>
+          </a:lnRef>
+          <a:fillRef idx="0">
+            <a:scrgbClr r="0" g="0" b="0"/>
+          </a:fillRef>
+          <a:effectRef idx="0">
+            <a:scrgbClr r="0" g="0" b="0"/>
+          </a:effectRef>
           <a:fontRef idx="minor"/>
         </p:style>
         <p:txBody>
-          <a:bodyPr lIns="90000" rIns="90000" tIns="45000" bIns="45000" anchor="ctr"/>
+          <a:bodyPr lIns="90000" tIns="45000" rIns="90000" bIns="45000" anchor="ctr"/>
+          <a:lstStyle/>
           <a:p>
             <a:pPr>
               <a:lnSpc>
@@ -5648,7 +6833,7 @@
               </a:lnSpc>
             </a:pPr>
             <a:r>
-              <a:rPr b="1" lang="en-US" sz="3000" spc="-1" strike="noStrike">
+              <a:rPr lang="en-US" sz="3000" b="1" strike="noStrike" spc="-1">
                 <a:solidFill>
                   <a:srgbClr val="404041"/>
                 </a:solidFill>
@@ -5657,7 +6842,7 @@
               </a:rPr>
               <a:t>Exploratory Analysis: Gender ratios </a:t>
             </a:r>
-            <a:endParaRPr b="0" lang="en-US" sz="3000" spc="-1" strike="noStrike">
+            <a:endParaRPr lang="en-US" sz="3000" b="0" strike="noStrike" spc="-1">
               <a:latin typeface="Arial"/>
             </a:endParaRPr>
           </a:p>
@@ -5665,12 +6850,12 @@
       </p:sp>
       <p:pic>
         <p:nvPicPr>
-          <p:cNvPr id="136" name="Imagen 1" descr=""/>
+          <p:cNvPr id="136" name="Imagen 1"/>
           <p:cNvPicPr/>
           <p:nvPr/>
         </p:nvPicPr>
         <p:blipFill>
-          <a:blip r:embed="rId1"/>
+          <a:blip r:embed="rId2"/>
           <a:stretch/>
         </p:blipFill>
         <p:spPr>
@@ -5706,13 +6891,20 @@
           </a:ln>
         </p:spPr>
         <p:style>
-          <a:lnRef idx="0"/>
-          <a:fillRef idx="0"/>
-          <a:effectRef idx="0"/>
+          <a:lnRef idx="0">
+            <a:scrgbClr r="0" g="0" b="0"/>
+          </a:lnRef>
+          <a:fillRef idx="0">
+            <a:scrgbClr r="0" g="0" b="0"/>
+          </a:fillRef>
+          <a:effectRef idx="0">
+            <a:scrgbClr r="0" g="0" b="0"/>
+          </a:effectRef>
           <a:fontRef idx="minor"/>
         </p:style>
         <p:txBody>
-          <a:bodyPr lIns="90000" rIns="90000" tIns="45000" bIns="45000"/>
+          <a:bodyPr lIns="90000" tIns="45000" rIns="90000" bIns="45000"/>
+          <a:lstStyle/>
           <a:p>
             <a:pPr marL="216000" indent="-215640">
               <a:lnSpc>
@@ -5726,7 +6918,7 @@
               <a:buChar char=""/>
             </a:pPr>
             <a:r>
-              <a:rPr b="0" lang="en-US" sz="1800" spc="-1" strike="noStrike">
+              <a:rPr lang="en-US" sz="1800" b="0" strike="noStrike" spc="-1">
                 <a:solidFill>
                   <a:srgbClr val="000000"/>
                 </a:solidFill>
@@ -5735,7 +6927,7 @@
               </a:rPr>
               <a:t>Number of male and female journalists killed by year</a:t>
             </a:r>
-            <a:endParaRPr b="0" lang="en-US" sz="1800" spc="-1" strike="noStrike">
+            <a:endParaRPr lang="en-US" sz="1800" b="0" strike="noStrike" spc="-1">
               <a:latin typeface="Arial"/>
             </a:endParaRPr>
           </a:p>
@@ -5743,22 +6935,33 @@
       </p:sp>
     </p:spTree>
   </p:cSld>
+  <p:clrMapOvr>
+    <a:masterClrMapping/>
+  </p:clrMapOvr>
+  <mc:AlternateContent xmlns:mc="http://schemas.openxmlformats.org/markup-compatibility/2006">
+    <mc:Choice xmlns:p14="http://schemas.microsoft.com/office/powerpoint/2010/main" Requires="p14">
+      <p:transition spd="slow" p14:dur="2000" advTm="15000"/>
+    </mc:Choice>
+    <mc:Fallback>
+      <p:transition spd="slow" advTm="15000"/>
+    </mc:Fallback>
+  </mc:AlternateContent>
   <p:timing>
     <p:tnLst>
       <p:par>
-        <p:cTn id="35" dur="indefinite" restart="never" nodeType="tmRoot">
+        <p:cTn id="1" dur="indefinite" restart="never" nodeType="tmRoot">
           <p:childTnLst>
             <p:seq>
-              <p:cTn id="36" dur="indefinite" nodeType="mainSeq"/>
+              <p:cTn id="2" dur="indefinite" nodeType="mainSeq"/>
               <p:prevCondLst>
-                <p:cond delay="0" evt="onPrev">
+                <p:cond evt="onPrev" delay="0">
                   <p:tgtEl>
                     <p:sldTgt/>
                   </p:tgtEl>
                 </p:cond>
               </p:prevCondLst>
               <p:nextCondLst>
-                <p:cond delay="0" evt="onNext">
+                <p:cond evt="onNext" delay="0">
                   <p:tgtEl>
                     <p:sldTgt/>
                   </p:tgtEl>
@@ -5774,7 +6977,7 @@
 </file>
 
 <file path=ppt/slides/slide19.xml><?xml version="1.0" encoding="utf-8"?>
-<p:sld xmlns:a="http://schemas.openxmlformats.org/drawingml/2006/main" xmlns:p="http://schemas.openxmlformats.org/presentationml/2006/main" xmlns:r="http://schemas.openxmlformats.org/officeDocument/2006/relationships" xmlns:p14="http://schemas.microsoft.com/office/powerpoint/2010/main" xmlns:p15="http://schemas.microsoft.com/office/powerpoint/2012/main" xmlns:mc="http://schemas.openxmlformats.org/markup-compatibility/2006">
+<p:sld xmlns:a="http://schemas.openxmlformats.org/drawingml/2006/main" xmlns:r="http://schemas.openxmlformats.org/officeDocument/2006/relationships" xmlns:p="http://schemas.openxmlformats.org/presentationml/2006/main">
   <p:cSld>
     <p:spTree>
       <p:nvGrpSpPr>
@@ -5810,13 +7013,20 @@
           </a:ln>
         </p:spPr>
         <p:style>
-          <a:lnRef idx="0"/>
-          <a:fillRef idx="0"/>
-          <a:effectRef idx="0"/>
+          <a:lnRef idx="0">
+            <a:scrgbClr r="0" g="0" b="0"/>
+          </a:lnRef>
+          <a:fillRef idx="0">
+            <a:scrgbClr r="0" g="0" b="0"/>
+          </a:fillRef>
+          <a:effectRef idx="0">
+            <a:scrgbClr r="0" g="0" b="0"/>
+          </a:effectRef>
           <a:fontRef idx="minor"/>
         </p:style>
         <p:txBody>
-          <a:bodyPr lIns="90000" rIns="90000" tIns="45000" bIns="45000" anchor="ctr"/>
+          <a:bodyPr lIns="90000" tIns="45000" rIns="90000" bIns="45000" anchor="ctr"/>
+          <a:lstStyle/>
           <a:p>
             <a:pPr>
               <a:lnSpc>
@@ -5824,7 +7034,7 @@
               </a:lnSpc>
             </a:pPr>
             <a:r>
-              <a:rPr b="1" lang="en-US" sz="3000" spc="-1" strike="noStrike">
+              <a:rPr lang="en-US" sz="3000" b="1" strike="noStrike" spc="-1">
                 <a:solidFill>
                   <a:srgbClr val="404041"/>
                 </a:solidFill>
@@ -5833,7 +7043,7 @@
               </a:rPr>
               <a:t>Exploratory Analysis: Type of Death</a:t>
             </a:r>
-            <a:endParaRPr b="0" lang="en-US" sz="3000" spc="-1" strike="noStrike">
+            <a:endParaRPr lang="en-US" sz="3000" b="0" strike="noStrike" spc="-1">
               <a:latin typeface="Arial"/>
             </a:endParaRPr>
           </a:p>
@@ -5841,12 +7051,12 @@
       </p:sp>
       <p:pic>
         <p:nvPicPr>
-          <p:cNvPr id="139" name="Imagen 2" descr=""/>
+          <p:cNvPr id="139" name="Imagen 2"/>
           <p:cNvPicPr/>
           <p:nvPr/>
         </p:nvPicPr>
         <p:blipFill>
-          <a:blip r:embed="rId1"/>
+          <a:blip r:embed="rId2"/>
           <a:stretch/>
         </p:blipFill>
         <p:spPr>
@@ -5882,13 +7092,20 @@
           </a:ln>
         </p:spPr>
         <p:style>
-          <a:lnRef idx="0"/>
-          <a:fillRef idx="0"/>
-          <a:effectRef idx="0"/>
+          <a:lnRef idx="0">
+            <a:scrgbClr r="0" g="0" b="0"/>
+          </a:lnRef>
+          <a:fillRef idx="0">
+            <a:scrgbClr r="0" g="0" b="0"/>
+          </a:fillRef>
+          <a:effectRef idx="0">
+            <a:scrgbClr r="0" g="0" b="0"/>
+          </a:effectRef>
           <a:fontRef idx="minor"/>
         </p:style>
         <p:txBody>
-          <a:bodyPr lIns="90000" rIns="90000" tIns="45000" bIns="45000"/>
+          <a:bodyPr lIns="90000" tIns="45000" rIns="90000" bIns="45000"/>
+          <a:lstStyle/>
           <a:p>
             <a:pPr marL="216000" indent="-215640">
               <a:lnSpc>
@@ -5902,7 +7119,7 @@
               <a:buChar char=""/>
             </a:pPr>
             <a:r>
-              <a:rPr b="0" lang="en-US" sz="1800" spc="-1" strike="noStrike">
+              <a:rPr lang="en-US" sz="1800" b="0" strike="noStrike" spc="-1">
                 <a:solidFill>
                   <a:srgbClr val="000000"/>
                 </a:solidFill>
@@ -5911,7 +7128,7 @@
               </a:rPr>
               <a:t>Type of deaths by year</a:t>
             </a:r>
-            <a:endParaRPr b="0" lang="en-US" sz="1800" spc="-1" strike="noStrike">
+            <a:endParaRPr lang="en-US" sz="1800" b="0" strike="noStrike" spc="-1">
               <a:latin typeface="Arial"/>
             </a:endParaRPr>
           </a:p>
@@ -5919,22 +7136,33 @@
       </p:sp>
     </p:spTree>
   </p:cSld>
+  <p:clrMapOvr>
+    <a:masterClrMapping/>
+  </p:clrMapOvr>
+  <mc:AlternateContent xmlns:mc="http://schemas.openxmlformats.org/markup-compatibility/2006">
+    <mc:Choice xmlns:p14="http://schemas.microsoft.com/office/powerpoint/2010/main" Requires="p14">
+      <p:transition spd="slow" p14:dur="2000" advTm="15000"/>
+    </mc:Choice>
+    <mc:Fallback>
+      <p:transition spd="slow" advTm="15000"/>
+    </mc:Fallback>
+  </mc:AlternateContent>
   <p:timing>
     <p:tnLst>
       <p:par>
-        <p:cTn id="37" dur="indefinite" restart="never" nodeType="tmRoot">
+        <p:cTn id="1" dur="indefinite" restart="never" nodeType="tmRoot">
           <p:childTnLst>
             <p:seq>
-              <p:cTn id="38" dur="indefinite" nodeType="mainSeq"/>
+              <p:cTn id="2" dur="indefinite" nodeType="mainSeq"/>
               <p:prevCondLst>
-                <p:cond delay="0" evt="onPrev">
+                <p:cond evt="onPrev" delay="0">
                   <p:tgtEl>
                     <p:sldTgt/>
                   </p:tgtEl>
                 </p:cond>
               </p:prevCondLst>
               <p:nextCondLst>
-                <p:cond delay="0" evt="onNext">
+                <p:cond evt="onNext" delay="0">
                   <p:tgtEl>
                     <p:sldTgt/>
                   </p:tgtEl>
@@ -5950,7 +7178,7 @@
 </file>
 
 <file path=ppt/slides/slide2.xml><?xml version="1.0" encoding="utf-8"?>
-<p:sld xmlns:a="http://schemas.openxmlformats.org/drawingml/2006/main" xmlns:p="http://schemas.openxmlformats.org/presentationml/2006/main" xmlns:r="http://schemas.openxmlformats.org/officeDocument/2006/relationships" xmlns:p14="http://schemas.microsoft.com/office/powerpoint/2010/main" xmlns:p15="http://schemas.microsoft.com/office/powerpoint/2012/main" xmlns:mc="http://schemas.openxmlformats.org/markup-compatibility/2006">
+<p:sld xmlns:a="http://schemas.openxmlformats.org/drawingml/2006/main" xmlns:r="http://schemas.openxmlformats.org/officeDocument/2006/relationships" xmlns:p="http://schemas.openxmlformats.org/presentationml/2006/main">
   <p:cSld>
     <p:spTree>
       <p:nvGrpSpPr>
@@ -5986,13 +7214,20 @@
           </a:ln>
         </p:spPr>
         <p:style>
-          <a:lnRef idx="0"/>
-          <a:fillRef idx="0"/>
-          <a:effectRef idx="0"/>
+          <a:lnRef idx="0">
+            <a:scrgbClr r="0" g="0" b="0"/>
+          </a:lnRef>
+          <a:fillRef idx="0">
+            <a:scrgbClr r="0" g="0" b="0"/>
+          </a:fillRef>
+          <a:effectRef idx="0">
+            <a:scrgbClr r="0" g="0" b="0"/>
+          </a:effectRef>
           <a:fontRef idx="minor"/>
         </p:style>
         <p:txBody>
-          <a:bodyPr lIns="90000" rIns="90000" tIns="45000" bIns="45000" anchor="ctr"/>
+          <a:bodyPr lIns="90000" tIns="45000" rIns="90000" bIns="45000" anchor="ctr"/>
+          <a:lstStyle/>
           <a:p>
             <a:pPr>
               <a:lnSpc>
@@ -6000,7 +7235,7 @@
               </a:lnSpc>
             </a:pPr>
             <a:r>
-              <a:rPr b="1" lang="en-US" sz="3000" spc="-1" strike="noStrike">
+              <a:rPr lang="en-US" sz="3000" b="1" strike="noStrike" spc="-1">
                 <a:solidFill>
                   <a:srgbClr val="404041"/>
                 </a:solidFill>
@@ -6009,7 +7244,7 @@
               </a:rPr>
               <a:t>People</a:t>
             </a:r>
-            <a:endParaRPr b="0" lang="en-US" sz="3000" spc="-1" strike="noStrike">
+            <a:endParaRPr lang="en-US" sz="3000" b="0" strike="noStrike" spc="-1">
               <a:latin typeface="Arial"/>
             </a:endParaRPr>
           </a:p>
@@ -6035,13 +7270,20 @@
           </a:ln>
         </p:spPr>
         <p:style>
-          <a:lnRef idx="0"/>
-          <a:fillRef idx="0"/>
-          <a:effectRef idx="0"/>
+          <a:lnRef idx="0">
+            <a:scrgbClr r="0" g="0" b="0"/>
+          </a:lnRef>
+          <a:fillRef idx="0">
+            <a:scrgbClr r="0" g="0" b="0"/>
+          </a:fillRef>
+          <a:effectRef idx="0">
+            <a:scrgbClr r="0" g="0" b="0"/>
+          </a:effectRef>
           <a:fontRef idx="minor"/>
         </p:style>
         <p:txBody>
-          <a:bodyPr lIns="90000" rIns="90000" tIns="45000" bIns="45000"/>
+          <a:bodyPr lIns="90000" tIns="45000" rIns="90000" bIns="45000"/>
+          <a:lstStyle/>
           <a:p>
             <a:pPr>
               <a:lnSpc>
@@ -6051,7 +7293,7 @@
                 <a:spcPts val="1001"/>
               </a:spcBef>
             </a:pPr>
-            <a:endParaRPr b="0" lang="en-US" sz="1800" spc="-1" strike="noStrike">
+            <a:endParaRPr lang="en-US" sz="1800" b="0" strike="noStrike" spc="-1">
               <a:latin typeface="Arial"/>
             </a:endParaRPr>
           </a:p>
@@ -6064,13 +7306,13 @@
                 <a:spcPts val="1001"/>
               </a:spcBef>
               <a:buClr>
-                <a:srgbClr val="7f7f7f"/>
+                <a:srgbClr val="7F7F7F"/>
               </a:buClr>
               <a:buFont typeface="Arial"/>
               <a:buChar char="•"/>
             </a:pPr>
             <a:r>
-              <a:rPr b="0" lang="en-US" sz="1400" spc="-1" strike="noStrike">
+              <a:rPr lang="en-US" sz="1400" b="0" strike="noStrike" spc="-1">
                 <a:solidFill>
                   <a:srgbClr val="000000"/>
                 </a:solidFill>
@@ -6079,7 +7321,7 @@
               </a:rPr>
               <a:t>Arnav – Online Section [aarnav@iu.edu]</a:t>
             </a:r>
-            <a:endParaRPr b="0" lang="en-US" sz="1400" spc="-1" strike="noStrike">
+            <a:endParaRPr lang="en-US" sz="1400" b="0" strike="noStrike" spc="-1">
               <a:latin typeface="Arial"/>
             </a:endParaRPr>
           </a:p>
@@ -6092,13 +7334,13 @@
                 <a:spcPts val="1001"/>
               </a:spcBef>
               <a:buClr>
-                <a:srgbClr val="7f7f7f"/>
+                <a:srgbClr val="7F7F7F"/>
               </a:buClr>
               <a:buFont typeface="Arial"/>
               <a:buChar char="•"/>
             </a:pPr>
             <a:r>
-              <a:rPr b="0" lang="en-US" sz="1400" spc="-1" strike="noStrike">
+              <a:rPr lang="en-US" sz="1400" b="0" strike="noStrike" spc="-1">
                 <a:solidFill>
                   <a:srgbClr val="000000"/>
                 </a:solidFill>
@@ -6107,7 +7349,7 @@
               </a:rPr>
               <a:t>Karen Sanchez Trejo – Residential Section [karsanc@iu.edu]</a:t>
             </a:r>
-            <a:endParaRPr b="0" lang="en-US" sz="1400" spc="-1" strike="noStrike">
+            <a:endParaRPr lang="en-US" sz="1400" b="0" strike="noStrike" spc="-1">
               <a:latin typeface="Arial"/>
             </a:endParaRPr>
           </a:p>
@@ -6120,7 +7362,7 @@
                 <a:spcPts val="1001"/>
               </a:spcBef>
             </a:pPr>
-            <a:endParaRPr b="0" lang="en-US" sz="1400" spc="-1" strike="noStrike">
+            <a:endParaRPr lang="en-US" sz="1400" b="0" strike="noStrike" spc="-1">
               <a:latin typeface="Arial"/>
             </a:endParaRPr>
           </a:p>
@@ -6128,22 +7370,33 @@
       </p:sp>
     </p:spTree>
   </p:cSld>
+  <p:clrMapOvr>
+    <a:masterClrMapping/>
+  </p:clrMapOvr>
+  <mc:AlternateContent xmlns:mc="http://schemas.openxmlformats.org/markup-compatibility/2006">
+    <mc:Choice xmlns:p14="http://schemas.microsoft.com/office/powerpoint/2010/main" Requires="p14">
+      <p:transition spd="slow" p14:dur="2000" advTm="15000"/>
+    </mc:Choice>
+    <mc:Fallback>
+      <p:transition spd="slow" advTm="15000"/>
+    </mc:Fallback>
+  </mc:AlternateContent>
   <p:timing>
     <p:tnLst>
       <p:par>
-        <p:cTn id="3" dur="indefinite" restart="never" nodeType="tmRoot">
+        <p:cTn id="1" dur="indefinite" restart="never" nodeType="tmRoot">
           <p:childTnLst>
             <p:seq>
-              <p:cTn id="4" dur="indefinite" nodeType="mainSeq"/>
+              <p:cTn id="2" dur="indefinite" nodeType="mainSeq"/>
               <p:prevCondLst>
-                <p:cond delay="0" evt="onPrev">
+                <p:cond evt="onPrev" delay="0">
                   <p:tgtEl>
                     <p:sldTgt/>
                   </p:tgtEl>
                 </p:cond>
               </p:prevCondLst>
               <p:nextCondLst>
-                <p:cond delay="0" evt="onNext">
+                <p:cond evt="onNext" delay="0">
                   <p:tgtEl>
                     <p:sldTgt/>
                   </p:tgtEl>
@@ -6159,7 +7412,7 @@
 </file>
 
 <file path=ppt/slides/slide20.xml><?xml version="1.0" encoding="utf-8"?>
-<p:sld xmlns:a="http://schemas.openxmlformats.org/drawingml/2006/main" xmlns:p="http://schemas.openxmlformats.org/presentationml/2006/main" xmlns:r="http://schemas.openxmlformats.org/officeDocument/2006/relationships" xmlns:p14="http://schemas.microsoft.com/office/powerpoint/2010/main" xmlns:p15="http://schemas.microsoft.com/office/powerpoint/2012/main" xmlns:mc="http://schemas.openxmlformats.org/markup-compatibility/2006">
+<p:sld xmlns:a="http://schemas.openxmlformats.org/drawingml/2006/main" xmlns:r="http://schemas.openxmlformats.org/officeDocument/2006/relationships" xmlns:p="http://schemas.openxmlformats.org/presentationml/2006/main">
   <p:cSld>
     <p:spTree>
       <p:nvGrpSpPr>
@@ -6195,13 +7448,20 @@
           </a:ln>
         </p:spPr>
         <p:style>
-          <a:lnRef idx="0"/>
-          <a:fillRef idx="0"/>
-          <a:effectRef idx="0"/>
+          <a:lnRef idx="0">
+            <a:scrgbClr r="0" g="0" b="0"/>
+          </a:lnRef>
+          <a:fillRef idx="0">
+            <a:scrgbClr r="0" g="0" b="0"/>
+          </a:fillRef>
+          <a:effectRef idx="0">
+            <a:scrgbClr r="0" g="0" b="0"/>
+          </a:effectRef>
           <a:fontRef idx="minor"/>
         </p:style>
         <p:txBody>
-          <a:bodyPr lIns="90000" rIns="90000" tIns="45000" bIns="45000" anchor="ctr"/>
+          <a:bodyPr lIns="90000" tIns="45000" rIns="90000" bIns="45000" anchor="ctr"/>
+          <a:lstStyle/>
           <a:p>
             <a:pPr>
               <a:lnSpc>
@@ -6209,7 +7469,7 @@
               </a:lnSpc>
             </a:pPr>
             <a:r>
-              <a:rPr b="1" lang="en-US" sz="3000" spc="-1" strike="noStrike">
+              <a:rPr lang="en-US" sz="3000" b="1" strike="noStrike" spc="-1">
                 <a:solidFill>
                   <a:srgbClr val="404041"/>
                 </a:solidFill>
@@ -6218,7 +7478,7 @@
               </a:rPr>
               <a:t>Exploratory Analysis: Freelance</a:t>
             </a:r>
-            <a:endParaRPr b="0" lang="en-US" sz="3000" spc="-1" strike="noStrike">
+            <a:endParaRPr lang="en-US" sz="3000" b="0" strike="noStrike" spc="-1">
               <a:latin typeface="Arial"/>
             </a:endParaRPr>
           </a:p>
@@ -6226,12 +7486,12 @@
       </p:sp>
       <p:pic>
         <p:nvPicPr>
-          <p:cNvPr id="142" name="Imagen 2" descr=""/>
+          <p:cNvPr id="142" name="Imagen 2"/>
           <p:cNvPicPr/>
           <p:nvPr/>
         </p:nvPicPr>
         <p:blipFill>
-          <a:blip r:embed="rId1"/>
+          <a:blip r:embed="rId2"/>
           <a:stretch/>
         </p:blipFill>
         <p:spPr>
@@ -6249,22 +7509,33 @@
       </p:pic>
     </p:spTree>
   </p:cSld>
+  <p:clrMapOvr>
+    <a:masterClrMapping/>
+  </p:clrMapOvr>
+  <mc:AlternateContent xmlns:mc="http://schemas.openxmlformats.org/markup-compatibility/2006">
+    <mc:Choice xmlns:p14="http://schemas.microsoft.com/office/powerpoint/2010/main" Requires="p14">
+      <p:transition spd="slow" p14:dur="2000" advTm="15000"/>
+    </mc:Choice>
+    <mc:Fallback>
+      <p:transition spd="slow" advTm="15000"/>
+    </mc:Fallback>
+  </mc:AlternateContent>
   <p:timing>
     <p:tnLst>
       <p:par>
-        <p:cTn id="39" dur="indefinite" restart="never" nodeType="tmRoot">
+        <p:cTn id="1" dur="indefinite" restart="never" nodeType="tmRoot">
           <p:childTnLst>
             <p:seq>
-              <p:cTn id="40" dur="indefinite" nodeType="mainSeq"/>
+              <p:cTn id="2" dur="indefinite" nodeType="mainSeq"/>
               <p:prevCondLst>
-                <p:cond delay="0" evt="onPrev">
+                <p:cond evt="onPrev" delay="0">
                   <p:tgtEl>
                     <p:sldTgt/>
                   </p:tgtEl>
                 </p:cond>
               </p:prevCondLst>
               <p:nextCondLst>
-                <p:cond delay="0" evt="onNext">
+                <p:cond evt="onNext" delay="0">
                   <p:tgtEl>
                     <p:sldTgt/>
                   </p:tgtEl>
@@ -6280,7 +7551,7 @@
 </file>
 
 <file path=ppt/slides/slide21.xml><?xml version="1.0" encoding="utf-8"?>
-<p:sld xmlns:a="http://schemas.openxmlformats.org/drawingml/2006/main" xmlns:p="http://schemas.openxmlformats.org/presentationml/2006/main" xmlns:r="http://schemas.openxmlformats.org/officeDocument/2006/relationships" xmlns:p14="http://schemas.microsoft.com/office/powerpoint/2010/main" xmlns:p15="http://schemas.microsoft.com/office/powerpoint/2012/main" xmlns:mc="http://schemas.openxmlformats.org/markup-compatibility/2006">
+<p:sld xmlns:a="http://schemas.openxmlformats.org/drawingml/2006/main" xmlns:r="http://schemas.openxmlformats.org/officeDocument/2006/relationships" xmlns:p="http://schemas.openxmlformats.org/presentationml/2006/main">
   <p:cSld>
     <p:spTree>
       <p:nvGrpSpPr>
@@ -6316,13 +7587,20 @@
           </a:ln>
         </p:spPr>
         <p:style>
-          <a:lnRef idx="0"/>
-          <a:fillRef idx="0"/>
-          <a:effectRef idx="0"/>
+          <a:lnRef idx="0">
+            <a:scrgbClr r="0" g="0" b="0"/>
+          </a:lnRef>
+          <a:fillRef idx="0">
+            <a:scrgbClr r="0" g="0" b="0"/>
+          </a:fillRef>
+          <a:effectRef idx="0">
+            <a:scrgbClr r="0" g="0" b="0"/>
+          </a:effectRef>
           <a:fontRef idx="minor"/>
         </p:style>
         <p:txBody>
-          <a:bodyPr lIns="90000" rIns="90000" tIns="45000" bIns="45000" anchor="ctr"/>
+          <a:bodyPr lIns="90000" tIns="45000" rIns="90000" bIns="45000" anchor="ctr"/>
+          <a:lstStyle/>
           <a:p>
             <a:pPr>
               <a:lnSpc>
@@ -6330,7 +7608,7 @@
               </a:lnSpc>
             </a:pPr>
             <a:r>
-              <a:rPr b="1" lang="en-US" sz="3000" spc="-1" strike="noStrike">
+              <a:rPr lang="en-US" sz="3000" b="1" strike="noStrike" spc="-1">
                 <a:solidFill>
                   <a:srgbClr val="404041"/>
                 </a:solidFill>
@@ -6339,7 +7617,7 @@
               </a:rPr>
               <a:t>Exploratory Analysis: Local</a:t>
             </a:r>
-            <a:endParaRPr b="0" lang="en-US" sz="3000" spc="-1" strike="noStrike">
+            <a:endParaRPr lang="en-US" sz="3000" b="0" strike="noStrike" spc="-1">
               <a:latin typeface="Arial"/>
             </a:endParaRPr>
           </a:p>
@@ -6347,12 +7625,12 @@
       </p:sp>
       <p:pic>
         <p:nvPicPr>
-          <p:cNvPr id="144" name="Imagen 1" descr=""/>
+          <p:cNvPr id="144" name="Imagen 1"/>
           <p:cNvPicPr/>
           <p:nvPr/>
         </p:nvPicPr>
         <p:blipFill>
-          <a:blip r:embed="rId1"/>
+          <a:blip r:embed="rId2"/>
           <a:stretch/>
         </p:blipFill>
         <p:spPr>
@@ -6370,22 +7648,33 @@
       </p:pic>
     </p:spTree>
   </p:cSld>
+  <p:clrMapOvr>
+    <a:masterClrMapping/>
+  </p:clrMapOvr>
+  <mc:AlternateContent xmlns:mc="http://schemas.openxmlformats.org/markup-compatibility/2006">
+    <mc:Choice xmlns:p14="http://schemas.microsoft.com/office/powerpoint/2010/main" Requires="p14">
+      <p:transition spd="slow" p14:dur="2000" advTm="15000"/>
+    </mc:Choice>
+    <mc:Fallback>
+      <p:transition spd="slow" advTm="15000"/>
+    </mc:Fallback>
+  </mc:AlternateContent>
   <p:timing>
     <p:tnLst>
       <p:par>
-        <p:cTn id="41" dur="indefinite" restart="never" nodeType="tmRoot">
+        <p:cTn id="1" dur="indefinite" restart="never" nodeType="tmRoot">
           <p:childTnLst>
             <p:seq>
-              <p:cTn id="42" dur="indefinite" nodeType="mainSeq"/>
+              <p:cTn id="2" dur="indefinite" nodeType="mainSeq"/>
               <p:prevCondLst>
-                <p:cond delay="0" evt="onPrev">
+                <p:cond evt="onPrev" delay="0">
                   <p:tgtEl>
                     <p:sldTgt/>
                   </p:tgtEl>
                 </p:cond>
               </p:prevCondLst>
               <p:nextCondLst>
-                <p:cond delay="0" evt="onNext">
+                <p:cond evt="onNext" delay="0">
                   <p:tgtEl>
                     <p:sldTgt/>
                   </p:tgtEl>
@@ -6401,7 +7690,7 @@
 </file>
 
 <file path=ppt/slides/slide22.xml><?xml version="1.0" encoding="utf-8"?>
-<p:sld xmlns:a="http://schemas.openxmlformats.org/drawingml/2006/main" xmlns:p="http://schemas.openxmlformats.org/presentationml/2006/main" xmlns:r="http://schemas.openxmlformats.org/officeDocument/2006/relationships" xmlns:p14="http://schemas.microsoft.com/office/powerpoint/2010/main" xmlns:p15="http://schemas.microsoft.com/office/powerpoint/2012/main" xmlns:mc="http://schemas.openxmlformats.org/markup-compatibility/2006">
+<p:sld xmlns:a="http://schemas.openxmlformats.org/drawingml/2006/main" xmlns:r="http://schemas.openxmlformats.org/officeDocument/2006/relationships" xmlns:p="http://schemas.openxmlformats.org/presentationml/2006/main">
   <p:cSld>
     <p:spTree>
       <p:nvGrpSpPr>
@@ -6437,13 +7726,20 @@
           </a:ln>
         </p:spPr>
         <p:style>
-          <a:lnRef idx="0"/>
-          <a:fillRef idx="0"/>
-          <a:effectRef idx="0"/>
+          <a:lnRef idx="0">
+            <a:scrgbClr r="0" g="0" b="0"/>
+          </a:lnRef>
+          <a:fillRef idx="0">
+            <a:scrgbClr r="0" g="0" b="0"/>
+          </a:fillRef>
+          <a:effectRef idx="0">
+            <a:scrgbClr r="0" g="0" b="0"/>
+          </a:effectRef>
           <a:fontRef idx="minor"/>
         </p:style>
         <p:txBody>
-          <a:bodyPr lIns="90000" rIns="90000" tIns="45000" bIns="45000" anchor="ctr"/>
+          <a:bodyPr lIns="90000" tIns="45000" rIns="90000" bIns="45000" anchor="ctr"/>
+          <a:lstStyle/>
           <a:p>
             <a:pPr>
               <a:lnSpc>
@@ -6451,7 +7747,7 @@
               </a:lnSpc>
             </a:pPr>
             <a:r>
-              <a:rPr b="1" lang="en-US" sz="3000" spc="-1" strike="noStrike">
+              <a:rPr lang="en-US" sz="3000" b="1" strike="noStrike" spc="-1">
                 <a:solidFill>
                   <a:srgbClr val="404041"/>
                 </a:solidFill>
@@ -6460,7 +7756,7 @@
               </a:rPr>
               <a:t>Exploratory Analysis: Impunity of Murder</a:t>
             </a:r>
-            <a:endParaRPr b="0" lang="en-US" sz="3000" spc="-1" strike="noStrike">
+            <a:endParaRPr lang="en-US" sz="3000" b="0" strike="noStrike" spc="-1">
               <a:latin typeface="Arial"/>
             </a:endParaRPr>
           </a:p>
@@ -6468,12 +7764,12 @@
       </p:sp>
       <p:pic>
         <p:nvPicPr>
-          <p:cNvPr id="146" name="Imagen 2" descr=""/>
+          <p:cNvPr id="146" name="Imagen 2"/>
           <p:cNvPicPr/>
           <p:nvPr/>
         </p:nvPicPr>
         <p:blipFill>
-          <a:blip r:embed="rId1"/>
+          <a:blip r:embed="rId2"/>
           <a:stretch/>
         </p:blipFill>
         <p:spPr>
@@ -6491,22 +7787,33 @@
       </p:pic>
     </p:spTree>
   </p:cSld>
+  <p:clrMapOvr>
+    <a:masterClrMapping/>
+  </p:clrMapOvr>
+  <mc:AlternateContent xmlns:mc="http://schemas.openxmlformats.org/markup-compatibility/2006">
+    <mc:Choice xmlns:p14="http://schemas.microsoft.com/office/powerpoint/2010/main" Requires="p14">
+      <p:transition spd="slow" p14:dur="2000" advTm="15000"/>
+    </mc:Choice>
+    <mc:Fallback>
+      <p:transition spd="slow" advTm="15000"/>
+    </mc:Fallback>
+  </mc:AlternateContent>
   <p:timing>
     <p:tnLst>
       <p:par>
-        <p:cTn id="43" dur="indefinite" restart="never" nodeType="tmRoot">
+        <p:cTn id="1" dur="indefinite" restart="never" nodeType="tmRoot">
           <p:childTnLst>
             <p:seq>
-              <p:cTn id="44" dur="indefinite" nodeType="mainSeq"/>
+              <p:cTn id="2" dur="indefinite" nodeType="mainSeq"/>
               <p:prevCondLst>
-                <p:cond delay="0" evt="onPrev">
+                <p:cond evt="onPrev" delay="0">
                   <p:tgtEl>
                     <p:sldTgt/>
                   </p:tgtEl>
                 </p:cond>
               </p:prevCondLst>
               <p:nextCondLst>
-                <p:cond delay="0" evt="onNext">
+                <p:cond evt="onNext" delay="0">
                   <p:tgtEl>
                     <p:sldTgt/>
                   </p:tgtEl>
@@ -6522,7 +7829,7 @@
 </file>
 
 <file path=ppt/slides/slide23.xml><?xml version="1.0" encoding="utf-8"?>
-<p:sld xmlns:a="http://schemas.openxmlformats.org/drawingml/2006/main" xmlns:p="http://schemas.openxmlformats.org/presentationml/2006/main" xmlns:r="http://schemas.openxmlformats.org/officeDocument/2006/relationships" xmlns:p14="http://schemas.microsoft.com/office/powerpoint/2010/main" xmlns:p15="http://schemas.microsoft.com/office/powerpoint/2012/main" xmlns:mc="http://schemas.openxmlformats.org/markup-compatibility/2006">
+<p:sld xmlns:a="http://schemas.openxmlformats.org/drawingml/2006/main" xmlns:r="http://schemas.openxmlformats.org/officeDocument/2006/relationships" xmlns:p="http://schemas.openxmlformats.org/presentationml/2006/main">
   <p:cSld>
     <p:spTree>
       <p:nvGrpSpPr>
@@ -6558,13 +7865,20 @@
           </a:ln>
         </p:spPr>
         <p:style>
-          <a:lnRef idx="0"/>
-          <a:fillRef idx="0"/>
-          <a:effectRef idx="0"/>
+          <a:lnRef idx="0">
+            <a:scrgbClr r="0" g="0" b="0"/>
+          </a:lnRef>
+          <a:fillRef idx="0">
+            <a:scrgbClr r="0" g="0" b="0"/>
+          </a:fillRef>
+          <a:effectRef idx="0">
+            <a:scrgbClr r="0" g="0" b="0"/>
+          </a:effectRef>
           <a:fontRef idx="minor"/>
         </p:style>
         <p:txBody>
-          <a:bodyPr lIns="90000" rIns="90000" tIns="45000" bIns="45000" anchor="ctr"/>
+          <a:bodyPr lIns="90000" tIns="45000" rIns="90000" bIns="45000" anchor="ctr"/>
+          <a:lstStyle/>
           <a:p>
             <a:pPr>
               <a:lnSpc>
@@ -6572,7 +7886,7 @@
               </a:lnSpc>
             </a:pPr>
             <a:r>
-              <a:rPr b="1" lang="en-US" sz="3000" spc="-1" strike="noStrike">
+              <a:rPr lang="en-US" sz="3000" b="1" strike="noStrike" spc="-1">
                 <a:solidFill>
                   <a:srgbClr val="404041"/>
                 </a:solidFill>
@@ -6581,7 +7895,7 @@
               </a:rPr>
               <a:t>Data Map: Country Codes</a:t>
             </a:r>
-            <a:endParaRPr b="0" lang="en-US" sz="3000" spc="-1" strike="noStrike">
+            <a:endParaRPr lang="en-US" sz="3000" b="0" strike="noStrike" spc="-1">
               <a:latin typeface="Arial"/>
             </a:endParaRPr>
           </a:p>
@@ -6589,12 +7903,12 @@
       </p:sp>
       <p:pic>
         <p:nvPicPr>
-          <p:cNvPr id="148" name="Imagen 1" descr=""/>
+          <p:cNvPr id="148" name="Imagen 1"/>
           <p:cNvPicPr/>
           <p:nvPr/>
         </p:nvPicPr>
         <p:blipFill>
-          <a:blip r:embed="rId1"/>
+          <a:blip r:embed="rId2"/>
           <a:stretch/>
         </p:blipFill>
         <p:spPr>
@@ -6612,22 +7926,33 @@
       </p:pic>
     </p:spTree>
   </p:cSld>
+  <p:clrMapOvr>
+    <a:masterClrMapping/>
+  </p:clrMapOvr>
+  <mc:AlternateContent xmlns:mc="http://schemas.openxmlformats.org/markup-compatibility/2006">
+    <mc:Choice xmlns:p14="http://schemas.microsoft.com/office/powerpoint/2010/main" Requires="p14">
+      <p:transition spd="slow" p14:dur="2000" advTm="15000"/>
+    </mc:Choice>
+    <mc:Fallback>
+      <p:transition spd="slow" advTm="15000"/>
+    </mc:Fallback>
+  </mc:AlternateContent>
   <p:timing>
     <p:tnLst>
       <p:par>
-        <p:cTn id="45" dur="indefinite" restart="never" nodeType="tmRoot">
+        <p:cTn id="1" dur="indefinite" restart="never" nodeType="tmRoot">
           <p:childTnLst>
             <p:seq>
-              <p:cTn id="46" dur="indefinite" nodeType="mainSeq"/>
+              <p:cTn id="2" dur="indefinite" nodeType="mainSeq"/>
               <p:prevCondLst>
-                <p:cond delay="0" evt="onPrev">
+                <p:cond evt="onPrev" delay="0">
                   <p:tgtEl>
                     <p:sldTgt/>
                   </p:tgtEl>
                 </p:cond>
               </p:prevCondLst>
               <p:nextCondLst>
-                <p:cond delay="0" evt="onNext">
+                <p:cond evt="onNext" delay="0">
                   <p:tgtEl>
                     <p:sldTgt/>
                   </p:tgtEl>
@@ -6643,7 +7968,7 @@
 </file>
 
 <file path=ppt/slides/slide24.xml><?xml version="1.0" encoding="utf-8"?>
-<p:sld xmlns:a="http://schemas.openxmlformats.org/drawingml/2006/main" xmlns:p="http://schemas.openxmlformats.org/presentationml/2006/main" xmlns:r="http://schemas.openxmlformats.org/officeDocument/2006/relationships" xmlns:p14="http://schemas.microsoft.com/office/powerpoint/2010/main" xmlns:p15="http://schemas.microsoft.com/office/powerpoint/2012/main" xmlns:mc="http://schemas.openxmlformats.org/markup-compatibility/2006">
+<p:sld xmlns:a="http://schemas.openxmlformats.org/drawingml/2006/main" xmlns:r="http://schemas.openxmlformats.org/officeDocument/2006/relationships" xmlns:p="http://schemas.openxmlformats.org/presentationml/2006/main">
   <p:cSld>
     <p:spTree>
       <p:nvGrpSpPr>
@@ -6679,13 +8004,20 @@
           </a:ln>
         </p:spPr>
         <p:style>
-          <a:lnRef idx="0"/>
-          <a:fillRef idx="0"/>
-          <a:effectRef idx="0"/>
+          <a:lnRef idx="0">
+            <a:scrgbClr r="0" g="0" b="0"/>
+          </a:lnRef>
+          <a:fillRef idx="0">
+            <a:scrgbClr r="0" g="0" b="0"/>
+          </a:fillRef>
+          <a:effectRef idx="0">
+            <a:scrgbClr r="0" g="0" b="0"/>
+          </a:effectRef>
           <a:fontRef idx="minor"/>
         </p:style>
         <p:txBody>
-          <a:bodyPr lIns="90000" rIns="90000" tIns="45000" bIns="45000" anchor="ctr"/>
+          <a:bodyPr lIns="90000" tIns="45000" rIns="90000" bIns="45000" anchor="ctr"/>
+          <a:lstStyle/>
           <a:p>
             <a:pPr>
               <a:lnSpc>
@@ -6693,7 +8025,7 @@
               </a:lnSpc>
             </a:pPr>
             <a:r>
-              <a:rPr b="1" lang="en-US" sz="3000" spc="-1" strike="noStrike">
+              <a:rPr lang="en-US" sz="3000" b="1" strike="noStrike" spc="-1">
                 <a:solidFill>
                   <a:srgbClr val="404041"/>
                 </a:solidFill>
@@ -6702,7 +8034,7 @@
               </a:rPr>
               <a:t>Data Map: 1992 - 2016</a:t>
             </a:r>
-            <a:endParaRPr b="0" lang="en-US" sz="3000" spc="-1" strike="noStrike">
+            <a:endParaRPr lang="en-US" sz="3000" b="0" strike="noStrike" spc="-1">
               <a:latin typeface="Arial"/>
             </a:endParaRPr>
           </a:p>
@@ -6710,12 +8042,12 @@
       </p:sp>
       <p:pic>
         <p:nvPicPr>
-          <p:cNvPr id="150" name="Imagen 4" descr=""/>
+          <p:cNvPr id="150" name="Imagen 4"/>
           <p:cNvPicPr/>
           <p:nvPr/>
         </p:nvPicPr>
         <p:blipFill>
-          <a:blip r:embed="rId1"/>
+          <a:blip r:embed="rId2"/>
           <a:stretch/>
         </p:blipFill>
         <p:spPr>
@@ -6733,22 +8065,33 @@
       </p:pic>
     </p:spTree>
   </p:cSld>
+  <p:clrMapOvr>
+    <a:masterClrMapping/>
+  </p:clrMapOvr>
+  <mc:AlternateContent xmlns:mc="http://schemas.openxmlformats.org/markup-compatibility/2006">
+    <mc:Choice xmlns:p14="http://schemas.microsoft.com/office/powerpoint/2010/main" Requires="p14">
+      <p:transition spd="slow" p14:dur="2000" advTm="15000"/>
+    </mc:Choice>
+    <mc:Fallback>
+      <p:transition spd="slow" advTm="15000"/>
+    </mc:Fallback>
+  </mc:AlternateContent>
   <p:timing>
     <p:tnLst>
       <p:par>
-        <p:cTn id="47" dur="indefinite" restart="never" nodeType="tmRoot">
+        <p:cTn id="1" dur="indefinite" restart="never" nodeType="tmRoot">
           <p:childTnLst>
             <p:seq>
-              <p:cTn id="48" dur="indefinite" nodeType="mainSeq"/>
+              <p:cTn id="2" dur="indefinite" nodeType="mainSeq"/>
               <p:prevCondLst>
-                <p:cond delay="0" evt="onPrev">
+                <p:cond evt="onPrev" delay="0">
                   <p:tgtEl>
                     <p:sldTgt/>
                   </p:tgtEl>
                 </p:cond>
               </p:prevCondLst>
               <p:nextCondLst>
-                <p:cond delay="0" evt="onNext">
+                <p:cond evt="onNext" delay="0">
                   <p:tgtEl>
                     <p:sldTgt/>
                   </p:tgtEl>
@@ -6764,7 +8107,7 @@
 </file>
 
 <file path=ppt/slides/slide25.xml><?xml version="1.0" encoding="utf-8"?>
-<p:sld xmlns:a="http://schemas.openxmlformats.org/drawingml/2006/main" xmlns:p="http://schemas.openxmlformats.org/presentationml/2006/main" xmlns:r="http://schemas.openxmlformats.org/officeDocument/2006/relationships" xmlns:p14="http://schemas.microsoft.com/office/powerpoint/2010/main" xmlns:p15="http://schemas.microsoft.com/office/powerpoint/2012/main" xmlns:mc="http://schemas.openxmlformats.org/markup-compatibility/2006">
+<p:sld xmlns:a="http://schemas.openxmlformats.org/drawingml/2006/main" xmlns:r="http://schemas.openxmlformats.org/officeDocument/2006/relationships" xmlns:p="http://schemas.openxmlformats.org/presentationml/2006/main">
   <p:cSld>
     <p:spTree>
       <p:nvGrpSpPr>
@@ -6800,13 +8143,20 @@
           </a:ln>
         </p:spPr>
         <p:style>
-          <a:lnRef idx="0"/>
-          <a:fillRef idx="0"/>
-          <a:effectRef idx="0"/>
+          <a:lnRef idx="0">
+            <a:scrgbClr r="0" g="0" b="0"/>
+          </a:lnRef>
+          <a:fillRef idx="0">
+            <a:scrgbClr r="0" g="0" b="0"/>
+          </a:fillRef>
+          <a:effectRef idx="0">
+            <a:scrgbClr r="0" g="0" b="0"/>
+          </a:effectRef>
           <a:fontRef idx="minor"/>
         </p:style>
         <p:txBody>
-          <a:bodyPr lIns="90000" rIns="90000" tIns="45000" bIns="45000" anchor="ctr"/>
+          <a:bodyPr lIns="90000" tIns="45000" rIns="90000" bIns="45000" anchor="ctr"/>
+          <a:lstStyle/>
           <a:p>
             <a:pPr>
               <a:lnSpc>
@@ -6814,7 +8164,7 @@
               </a:lnSpc>
             </a:pPr>
             <a:r>
-              <a:rPr b="1" lang="en-US" sz="3000" spc="-1" strike="noStrike">
+              <a:rPr lang="en-US" sz="3000" b="1" strike="noStrike" spc="-1">
                 <a:solidFill>
                   <a:srgbClr val="404041"/>
                 </a:solidFill>
@@ -6823,7 +8173,7 @@
               </a:rPr>
               <a:t>Data Map:2006 Philippines massacre</a:t>
             </a:r>
-            <a:endParaRPr b="0" lang="en-US" sz="3000" spc="-1" strike="noStrike">
+            <a:endParaRPr lang="en-US" sz="3000" b="0" strike="noStrike" spc="-1">
               <a:latin typeface="Arial"/>
             </a:endParaRPr>
           </a:p>
@@ -6831,12 +8181,12 @@
       </p:sp>
       <p:pic>
         <p:nvPicPr>
-          <p:cNvPr id="152" name="Imagen 2" descr=""/>
+          <p:cNvPr id="152" name="Imagen 2"/>
           <p:cNvPicPr/>
           <p:nvPr/>
         </p:nvPicPr>
         <p:blipFill>
-          <a:blip r:embed="rId1"/>
+          <a:blip r:embed="rId2"/>
           <a:stretch/>
         </p:blipFill>
         <p:spPr>
@@ -6854,22 +8204,33 @@
       </p:pic>
     </p:spTree>
   </p:cSld>
+  <p:clrMapOvr>
+    <a:masterClrMapping/>
+  </p:clrMapOvr>
+  <mc:AlternateContent xmlns:mc="http://schemas.openxmlformats.org/markup-compatibility/2006">
+    <mc:Choice xmlns:p14="http://schemas.microsoft.com/office/powerpoint/2010/main" Requires="p14">
+      <p:transition spd="slow" p14:dur="2000" advTm="15000"/>
+    </mc:Choice>
+    <mc:Fallback>
+      <p:transition spd="slow" advTm="15000"/>
+    </mc:Fallback>
+  </mc:AlternateContent>
   <p:timing>
     <p:tnLst>
       <p:par>
-        <p:cTn id="49" dur="indefinite" restart="never" nodeType="tmRoot">
+        <p:cTn id="1" dur="indefinite" restart="never" nodeType="tmRoot">
           <p:childTnLst>
             <p:seq>
-              <p:cTn id="50" dur="indefinite" nodeType="mainSeq"/>
+              <p:cTn id="2" dur="indefinite" nodeType="mainSeq"/>
               <p:prevCondLst>
-                <p:cond delay="0" evt="onPrev">
+                <p:cond evt="onPrev" delay="0">
                   <p:tgtEl>
                     <p:sldTgt/>
                   </p:tgtEl>
                 </p:cond>
               </p:prevCondLst>
               <p:nextCondLst>
-                <p:cond delay="0" evt="onNext">
+                <p:cond evt="onNext" delay="0">
                   <p:tgtEl>
                     <p:sldTgt/>
                   </p:tgtEl>
@@ -6885,7 +8246,7 @@
 </file>
 
 <file path=ppt/slides/slide26.xml><?xml version="1.0" encoding="utf-8"?>
-<p:sld xmlns:a="http://schemas.openxmlformats.org/drawingml/2006/main" xmlns:p="http://schemas.openxmlformats.org/presentationml/2006/main" xmlns:r="http://schemas.openxmlformats.org/officeDocument/2006/relationships" xmlns:p14="http://schemas.microsoft.com/office/powerpoint/2010/main" xmlns:p15="http://schemas.microsoft.com/office/powerpoint/2012/main" xmlns:mc="http://schemas.openxmlformats.org/markup-compatibility/2006">
+<p:sld xmlns:a="http://schemas.openxmlformats.org/drawingml/2006/main" xmlns:r="http://schemas.openxmlformats.org/officeDocument/2006/relationships" xmlns:p="http://schemas.openxmlformats.org/presentationml/2006/main">
   <p:cSld>
     <p:spTree>
       <p:nvGrpSpPr>
@@ -6921,13 +8282,20 @@
           </a:ln>
         </p:spPr>
         <p:style>
-          <a:lnRef idx="0"/>
-          <a:fillRef idx="0"/>
-          <a:effectRef idx="0"/>
+          <a:lnRef idx="0">
+            <a:scrgbClr r="0" g="0" b="0"/>
+          </a:lnRef>
+          <a:fillRef idx="0">
+            <a:scrgbClr r="0" g="0" b="0"/>
+          </a:fillRef>
+          <a:effectRef idx="0">
+            <a:scrgbClr r="0" g="0" b="0"/>
+          </a:effectRef>
           <a:fontRef idx="minor"/>
         </p:style>
         <p:txBody>
-          <a:bodyPr lIns="90000" rIns="90000" tIns="45000" bIns="45000" anchor="ctr"/>
+          <a:bodyPr lIns="90000" tIns="45000" rIns="90000" bIns="45000" anchor="ctr"/>
+          <a:lstStyle/>
           <a:p>
             <a:pPr>
               <a:lnSpc>
@@ -6935,7 +8303,7 @@
               </a:lnSpc>
             </a:pPr>
             <a:r>
-              <a:rPr b="1" lang="en-US" sz="3000" spc="-1" strike="noStrike">
+              <a:rPr lang="en-US" sz="3000" b="1" strike="noStrike" spc="-1">
                 <a:solidFill>
                   <a:srgbClr val="404041"/>
                 </a:solidFill>
@@ -6944,7 +8312,7 @@
               </a:rPr>
               <a:t>Data Map:2012 rise of deaths in Syria</a:t>
             </a:r>
-            <a:endParaRPr b="0" lang="en-US" sz="3000" spc="-1" strike="noStrike">
+            <a:endParaRPr lang="en-US" sz="3000" b="0" strike="noStrike" spc="-1">
               <a:latin typeface="Arial"/>
             </a:endParaRPr>
           </a:p>
@@ -6952,12 +8320,12 @@
       </p:sp>
       <p:pic>
         <p:nvPicPr>
-          <p:cNvPr id="154" name="Imagen 3" descr=""/>
+          <p:cNvPr id="154" name="Imagen 3"/>
           <p:cNvPicPr/>
           <p:nvPr/>
         </p:nvPicPr>
         <p:blipFill>
-          <a:blip r:embed="rId1"/>
+          <a:blip r:embed="rId2"/>
           <a:stretch/>
         </p:blipFill>
         <p:spPr>
@@ -6975,22 +8343,33 @@
       </p:pic>
     </p:spTree>
   </p:cSld>
+  <p:clrMapOvr>
+    <a:masterClrMapping/>
+  </p:clrMapOvr>
+  <mc:AlternateContent xmlns:mc="http://schemas.openxmlformats.org/markup-compatibility/2006">
+    <mc:Choice xmlns:p14="http://schemas.microsoft.com/office/powerpoint/2010/main" Requires="p14">
+      <p:transition spd="slow" p14:dur="2000" advTm="15000"/>
+    </mc:Choice>
+    <mc:Fallback>
+      <p:transition spd="slow" advTm="15000"/>
+    </mc:Fallback>
+  </mc:AlternateContent>
   <p:timing>
     <p:tnLst>
       <p:par>
-        <p:cTn id="51" dur="indefinite" restart="never" nodeType="tmRoot">
+        <p:cTn id="1" dur="indefinite" restart="never" nodeType="tmRoot">
           <p:childTnLst>
             <p:seq>
-              <p:cTn id="52" dur="indefinite" nodeType="mainSeq"/>
+              <p:cTn id="2" dur="indefinite" nodeType="mainSeq"/>
               <p:prevCondLst>
-                <p:cond delay="0" evt="onPrev">
+                <p:cond evt="onPrev" delay="0">
                   <p:tgtEl>
                     <p:sldTgt/>
                   </p:tgtEl>
                 </p:cond>
               </p:prevCondLst>
               <p:nextCondLst>
-                <p:cond delay="0" evt="onNext">
+                <p:cond evt="onNext" delay="0">
                   <p:tgtEl>
                     <p:sldTgt/>
                   </p:tgtEl>
@@ -7006,7 +8385,7 @@
 </file>
 
 <file path=ppt/slides/slide27.xml><?xml version="1.0" encoding="utf-8"?>
-<p:sld xmlns:a="http://schemas.openxmlformats.org/drawingml/2006/main" xmlns:p="http://schemas.openxmlformats.org/presentationml/2006/main" xmlns:r="http://schemas.openxmlformats.org/officeDocument/2006/relationships" xmlns:p14="http://schemas.microsoft.com/office/powerpoint/2010/main" xmlns:p15="http://schemas.microsoft.com/office/powerpoint/2012/main" xmlns:mc="http://schemas.openxmlformats.org/markup-compatibility/2006">
+<p:sld xmlns:a="http://schemas.openxmlformats.org/drawingml/2006/main" xmlns:r="http://schemas.openxmlformats.org/officeDocument/2006/relationships" xmlns:p="http://schemas.openxmlformats.org/presentationml/2006/main">
   <p:cSld>
     <p:spTree>
       <p:nvGrpSpPr>
@@ -7042,13 +8421,20 @@
           </a:ln>
         </p:spPr>
         <p:style>
-          <a:lnRef idx="0"/>
-          <a:fillRef idx="0"/>
-          <a:effectRef idx="0"/>
+          <a:lnRef idx="0">
+            <a:scrgbClr r="0" g="0" b="0"/>
+          </a:lnRef>
+          <a:fillRef idx="0">
+            <a:scrgbClr r="0" g="0" b="0"/>
+          </a:fillRef>
+          <a:effectRef idx="0">
+            <a:scrgbClr r="0" g="0" b="0"/>
+          </a:effectRef>
           <a:fontRef idx="minor"/>
         </p:style>
         <p:txBody>
-          <a:bodyPr lIns="90000" rIns="90000" tIns="45000" bIns="45000" anchor="ctr"/>
+          <a:bodyPr lIns="90000" tIns="45000" rIns="90000" bIns="45000" anchor="ctr"/>
+          <a:lstStyle/>
           <a:p>
             <a:pPr>
               <a:lnSpc>
@@ -7056,7 +8442,7 @@
               </a:lnSpc>
             </a:pPr>
             <a:r>
-              <a:rPr b="1" lang="en-US" sz="3000" spc="-1" strike="noStrike">
+              <a:rPr lang="en-US" sz="3000" b="1" strike="noStrike" spc="-1">
                 <a:solidFill>
                   <a:srgbClr val="404041"/>
                 </a:solidFill>
@@ -7065,7 +8451,7 @@
               </a:rPr>
               <a:t>Data Map:1995 Algerian Civil War</a:t>
             </a:r>
-            <a:endParaRPr b="0" lang="en-US" sz="3000" spc="-1" strike="noStrike">
+            <a:endParaRPr lang="en-US" sz="3000" b="0" strike="noStrike" spc="-1">
               <a:latin typeface="Arial"/>
             </a:endParaRPr>
           </a:p>
@@ -7073,12 +8459,12 @@
       </p:sp>
       <p:pic>
         <p:nvPicPr>
-          <p:cNvPr id="156" name="Imagen 1" descr=""/>
+          <p:cNvPr id="156" name="Imagen 1"/>
           <p:cNvPicPr/>
           <p:nvPr/>
         </p:nvPicPr>
         <p:blipFill>
-          <a:blip r:embed="rId1"/>
+          <a:blip r:embed="rId2"/>
           <a:stretch/>
         </p:blipFill>
         <p:spPr>
@@ -7096,22 +8482,33 @@
       </p:pic>
     </p:spTree>
   </p:cSld>
+  <p:clrMapOvr>
+    <a:masterClrMapping/>
+  </p:clrMapOvr>
+  <mc:AlternateContent xmlns:mc="http://schemas.openxmlformats.org/markup-compatibility/2006">
+    <mc:Choice xmlns:p14="http://schemas.microsoft.com/office/powerpoint/2010/main" Requires="p14">
+      <p:transition spd="slow" p14:dur="2000" advTm="15000"/>
+    </mc:Choice>
+    <mc:Fallback>
+      <p:transition spd="slow" advTm="15000"/>
+    </mc:Fallback>
+  </mc:AlternateContent>
   <p:timing>
     <p:tnLst>
       <p:par>
-        <p:cTn id="53" dur="indefinite" restart="never" nodeType="tmRoot">
+        <p:cTn id="1" dur="indefinite" restart="never" nodeType="tmRoot">
           <p:childTnLst>
             <p:seq>
-              <p:cTn id="54" dur="indefinite" nodeType="mainSeq"/>
+              <p:cTn id="2" dur="indefinite" nodeType="mainSeq"/>
               <p:prevCondLst>
-                <p:cond delay="0" evt="onPrev">
+                <p:cond evt="onPrev" delay="0">
                   <p:tgtEl>
                     <p:sldTgt/>
                   </p:tgtEl>
                 </p:cond>
               </p:prevCondLst>
               <p:nextCondLst>
-                <p:cond delay="0" evt="onNext">
+                <p:cond evt="onNext" delay="0">
                   <p:tgtEl>
                     <p:sldTgt/>
                   </p:tgtEl>
@@ -7127,7 +8524,7 @@
 </file>
 
 <file path=ppt/slides/slide28.xml><?xml version="1.0" encoding="utf-8"?>
-<p:sld xmlns:a="http://schemas.openxmlformats.org/drawingml/2006/main" xmlns:p="http://schemas.openxmlformats.org/presentationml/2006/main" xmlns:r="http://schemas.openxmlformats.org/officeDocument/2006/relationships" xmlns:p14="http://schemas.microsoft.com/office/powerpoint/2010/main" xmlns:p15="http://schemas.microsoft.com/office/powerpoint/2012/main" xmlns:mc="http://schemas.openxmlformats.org/markup-compatibility/2006">
+<p:sld xmlns:a="http://schemas.openxmlformats.org/drawingml/2006/main" xmlns:r="http://schemas.openxmlformats.org/officeDocument/2006/relationships" xmlns:p="http://schemas.openxmlformats.org/presentationml/2006/main">
   <p:cSld>
     <p:spTree>
       <p:nvGrpSpPr>
@@ -7163,13 +8560,20 @@
           </a:ln>
         </p:spPr>
         <p:style>
-          <a:lnRef idx="0"/>
-          <a:fillRef idx="0"/>
-          <a:effectRef idx="0"/>
+          <a:lnRef idx="0">
+            <a:scrgbClr r="0" g="0" b="0"/>
+          </a:lnRef>
+          <a:fillRef idx="0">
+            <a:scrgbClr r="0" g="0" b="0"/>
+          </a:fillRef>
+          <a:effectRef idx="0">
+            <a:scrgbClr r="0" g="0" b="0"/>
+          </a:effectRef>
           <a:fontRef idx="minor"/>
         </p:style>
         <p:txBody>
-          <a:bodyPr lIns="90000" rIns="90000" tIns="45000" bIns="45000" anchor="ctr"/>
+          <a:bodyPr lIns="90000" tIns="45000" rIns="90000" bIns="45000" anchor="ctr"/>
+          <a:lstStyle/>
           <a:p>
             <a:pPr>
               <a:lnSpc>
@@ -7177,7 +8581,7 @@
               </a:lnSpc>
             </a:pPr>
             <a:r>
-              <a:rPr b="1" lang="en-US" sz="3000" spc="-1" strike="noStrike">
+              <a:rPr lang="en-US" sz="3000" b="1" strike="noStrike" spc="-1">
                 <a:solidFill>
                   <a:srgbClr val="404041"/>
                 </a:solidFill>
@@ -7186,7 +8590,7 @@
               </a:rPr>
               <a:t>Network Graph: 1992-2016</a:t>
             </a:r>
-            <a:endParaRPr b="0" lang="en-US" sz="3000" spc="-1" strike="noStrike">
+            <a:endParaRPr lang="en-US" sz="3000" b="0" strike="noStrike" spc="-1">
               <a:latin typeface="Arial"/>
             </a:endParaRPr>
           </a:p>
@@ -7194,12 +8598,12 @@
       </p:sp>
       <p:pic>
         <p:nvPicPr>
-          <p:cNvPr id="158" name="Imagen 1" descr=""/>
+          <p:cNvPr id="158" name="Imagen 1"/>
           <p:cNvPicPr/>
           <p:nvPr/>
         </p:nvPicPr>
         <p:blipFill>
-          <a:blip r:embed="rId1"/>
+          <a:blip r:embed="rId2"/>
           <a:stretch/>
         </p:blipFill>
         <p:spPr>
@@ -7235,13 +8639,20 @@
           </a:ln>
         </p:spPr>
         <p:style>
-          <a:lnRef idx="0"/>
-          <a:fillRef idx="0"/>
-          <a:effectRef idx="0"/>
+          <a:lnRef idx="0">
+            <a:scrgbClr r="0" g="0" b="0"/>
+          </a:lnRef>
+          <a:fillRef idx="0">
+            <a:scrgbClr r="0" g="0" b="0"/>
+          </a:fillRef>
+          <a:effectRef idx="0">
+            <a:scrgbClr r="0" g="0" b="0"/>
+          </a:effectRef>
           <a:fontRef idx="minor"/>
         </p:style>
         <p:txBody>
-          <a:bodyPr lIns="90000" rIns="90000" tIns="45000" bIns="45000"/>
+          <a:bodyPr lIns="90000" tIns="45000" rIns="90000" bIns="45000"/>
+          <a:lstStyle/>
           <a:p>
             <a:pPr>
               <a:lnSpc>
@@ -7249,7 +8660,7 @@
               </a:lnSpc>
             </a:pPr>
             <a:r>
-              <a:rPr b="0" lang="en-US" sz="1800" spc="-1" strike="noStrike">
+              <a:rPr lang="en-US" sz="1800" b="0" strike="noStrike" spc="-1">
                 <a:solidFill>
                   <a:srgbClr val="000000"/>
                 </a:solidFill>
@@ -7258,7 +8669,7 @@
               </a:rPr>
               <a:t>Network of Journalists and coverage</a:t>
             </a:r>
-            <a:endParaRPr b="0" lang="en-US" sz="1800" spc="-1" strike="noStrike">
+            <a:endParaRPr lang="en-US" sz="1800" b="0" strike="noStrike" spc="-1">
               <a:latin typeface="Arial"/>
             </a:endParaRPr>
           </a:p>
@@ -7266,22 +8677,33 @@
       </p:sp>
     </p:spTree>
   </p:cSld>
+  <p:clrMapOvr>
+    <a:masterClrMapping/>
+  </p:clrMapOvr>
+  <mc:AlternateContent xmlns:mc="http://schemas.openxmlformats.org/markup-compatibility/2006">
+    <mc:Choice xmlns:p14="http://schemas.microsoft.com/office/powerpoint/2010/main" Requires="p14">
+      <p:transition spd="slow" p14:dur="2000" advTm="15000"/>
+    </mc:Choice>
+    <mc:Fallback>
+      <p:transition spd="slow" advTm="15000"/>
+    </mc:Fallback>
+  </mc:AlternateContent>
   <p:timing>
     <p:tnLst>
       <p:par>
-        <p:cTn id="55" dur="indefinite" restart="never" nodeType="tmRoot">
+        <p:cTn id="1" dur="indefinite" restart="never" nodeType="tmRoot">
           <p:childTnLst>
             <p:seq>
-              <p:cTn id="56" dur="indefinite" nodeType="mainSeq"/>
+              <p:cTn id="2" dur="indefinite" nodeType="mainSeq"/>
               <p:prevCondLst>
-                <p:cond delay="0" evt="onPrev">
+                <p:cond evt="onPrev" delay="0">
                   <p:tgtEl>
                     <p:sldTgt/>
                   </p:tgtEl>
                 </p:cond>
               </p:prevCondLst>
               <p:nextCondLst>
-                <p:cond delay="0" evt="onNext">
+                <p:cond evt="onNext" delay="0">
                   <p:tgtEl>
                     <p:sldTgt/>
                   </p:tgtEl>
@@ -7297,7 +8719,7 @@
 </file>
 
 <file path=ppt/slides/slide29.xml><?xml version="1.0" encoding="utf-8"?>
-<p:sld xmlns:a="http://schemas.openxmlformats.org/drawingml/2006/main" xmlns:p="http://schemas.openxmlformats.org/presentationml/2006/main" xmlns:r="http://schemas.openxmlformats.org/officeDocument/2006/relationships" xmlns:p14="http://schemas.microsoft.com/office/powerpoint/2010/main" xmlns:p15="http://schemas.microsoft.com/office/powerpoint/2012/main" xmlns:mc="http://schemas.openxmlformats.org/markup-compatibility/2006">
+<p:sld xmlns:a="http://schemas.openxmlformats.org/drawingml/2006/main" xmlns:r="http://schemas.openxmlformats.org/officeDocument/2006/relationships" xmlns:p="http://schemas.openxmlformats.org/presentationml/2006/main">
   <p:cSld>
     <p:spTree>
       <p:nvGrpSpPr>
@@ -7333,13 +8755,20 @@
           </a:ln>
         </p:spPr>
         <p:style>
-          <a:lnRef idx="0"/>
-          <a:fillRef idx="0"/>
-          <a:effectRef idx="0"/>
+          <a:lnRef idx="0">
+            <a:scrgbClr r="0" g="0" b="0"/>
+          </a:lnRef>
+          <a:fillRef idx="0">
+            <a:scrgbClr r="0" g="0" b="0"/>
+          </a:fillRef>
+          <a:effectRef idx="0">
+            <a:scrgbClr r="0" g="0" b="0"/>
+          </a:effectRef>
           <a:fontRef idx="minor"/>
         </p:style>
         <p:txBody>
-          <a:bodyPr lIns="90000" rIns="90000" tIns="45000" bIns="45000" anchor="ctr"/>
+          <a:bodyPr lIns="90000" tIns="45000" rIns="90000" bIns="45000" anchor="ctr"/>
+          <a:lstStyle/>
           <a:p>
             <a:pPr>
               <a:lnSpc>
@@ -7347,7 +8776,7 @@
               </a:lnSpc>
             </a:pPr>
             <a:r>
-              <a:rPr b="1" lang="en-US" sz="3000" spc="-1" strike="noStrike">
+              <a:rPr lang="en-US" sz="3000" b="1" strike="noStrike" spc="-1">
                 <a:solidFill>
                   <a:srgbClr val="404041"/>
                 </a:solidFill>
@@ -7356,7 +8785,7 @@
               </a:rPr>
               <a:t>Demo</a:t>
             </a:r>
-            <a:endParaRPr b="0" lang="en-US" sz="3000" spc="-1" strike="noStrike">
+            <a:endParaRPr lang="en-US" sz="3000" b="0" strike="noStrike" spc="-1">
               <a:latin typeface="Arial"/>
             </a:endParaRPr>
           </a:p>
@@ -7382,13 +8811,20 @@
           </a:ln>
         </p:spPr>
         <p:style>
-          <a:lnRef idx="0"/>
-          <a:fillRef idx="0"/>
-          <a:effectRef idx="0"/>
+          <a:lnRef idx="0">
+            <a:scrgbClr r="0" g="0" b="0"/>
+          </a:lnRef>
+          <a:fillRef idx="0">
+            <a:scrgbClr r="0" g="0" b="0"/>
+          </a:fillRef>
+          <a:effectRef idx="0">
+            <a:scrgbClr r="0" g="0" b="0"/>
+          </a:effectRef>
           <a:fontRef idx="minor"/>
         </p:style>
         <p:txBody>
-          <a:bodyPr lIns="90000" rIns="90000" tIns="45000" bIns="45000"/>
+          <a:bodyPr lIns="90000" tIns="45000" rIns="90000" bIns="45000"/>
+          <a:lstStyle/>
           <a:p>
             <a:pPr>
               <a:lnSpc>
@@ -7396,19 +8832,19 @@
               </a:lnSpc>
             </a:pPr>
             <a:r>
-              <a:rPr b="0" lang="en-US" sz="1800" spc="-1" strike="noStrike" u="sng">
+              <a:rPr lang="en-US" sz="1800" b="0" u="sng" strike="noStrike" spc="-1">
                 <a:solidFill>
-                  <a:srgbClr val="0000ff"/>
+                  <a:srgbClr val="0000FF"/>
                 </a:solidFill>
                 <a:uFillTx/>
                 <a:latin typeface="Arial"/>
                 <a:ea typeface="DejaVu Sans"/>
-                <a:hlinkClick r:id="rId1"/>
+                <a:hlinkClick r:id="rId2"/>
               </a:rPr>
               <a:t>Webpage</a:t>
             </a:r>
             <a:r>
-              <a:rPr b="0" lang="en-US" sz="1800" spc="-1" strike="noStrike">
+              <a:rPr lang="en-US" sz="1800" b="0" strike="noStrike" spc="-1">
                 <a:solidFill>
                   <a:srgbClr val="000000"/>
                 </a:solidFill>
@@ -7417,7 +8853,7 @@
               </a:rPr>
               <a:t>: https://seashiva94.github.io/data_viz_project/</a:t>
             </a:r>
-            <a:endParaRPr b="0" lang="en-US" sz="1800" spc="-1" strike="noStrike">
+            <a:endParaRPr lang="en-US" sz="1800" b="0" strike="noStrike" spc="-1">
               <a:latin typeface="Arial"/>
             </a:endParaRPr>
           </a:p>
@@ -7425,22 +8861,33 @@
       </p:sp>
     </p:spTree>
   </p:cSld>
+  <p:clrMapOvr>
+    <a:masterClrMapping/>
+  </p:clrMapOvr>
+  <mc:AlternateContent xmlns:mc="http://schemas.openxmlformats.org/markup-compatibility/2006">
+    <mc:Choice xmlns:p14="http://schemas.microsoft.com/office/powerpoint/2010/main" Requires="p14">
+      <p:transition spd="slow" p14:dur="2000" advTm="15000"/>
+    </mc:Choice>
+    <mc:Fallback>
+      <p:transition spd="slow" advTm="15000"/>
+    </mc:Fallback>
+  </mc:AlternateContent>
   <p:timing>
     <p:tnLst>
       <p:par>
-        <p:cTn id="57" dur="indefinite" restart="never" nodeType="tmRoot">
+        <p:cTn id="1" dur="indefinite" restart="never" nodeType="tmRoot">
           <p:childTnLst>
             <p:seq>
-              <p:cTn id="58" dur="indefinite" nodeType="mainSeq"/>
+              <p:cTn id="2" dur="indefinite" nodeType="mainSeq"/>
               <p:prevCondLst>
-                <p:cond delay="0" evt="onPrev">
+                <p:cond evt="onPrev" delay="0">
                   <p:tgtEl>
                     <p:sldTgt/>
                   </p:tgtEl>
                 </p:cond>
               </p:prevCondLst>
               <p:nextCondLst>
-                <p:cond delay="0" evt="onNext">
+                <p:cond evt="onNext" delay="0">
                   <p:tgtEl>
                     <p:sldTgt/>
                   </p:tgtEl>
@@ -7456,7 +8903,7 @@
 </file>
 
 <file path=ppt/slides/slide3.xml><?xml version="1.0" encoding="utf-8"?>
-<p:sld xmlns:a="http://schemas.openxmlformats.org/drawingml/2006/main" xmlns:p="http://schemas.openxmlformats.org/presentationml/2006/main" xmlns:r="http://schemas.openxmlformats.org/officeDocument/2006/relationships" xmlns:p14="http://schemas.microsoft.com/office/powerpoint/2010/main" xmlns:p15="http://schemas.microsoft.com/office/powerpoint/2012/main" xmlns:mc="http://schemas.openxmlformats.org/markup-compatibility/2006">
+<p:sld xmlns:a="http://schemas.openxmlformats.org/drawingml/2006/main" xmlns:r="http://schemas.openxmlformats.org/officeDocument/2006/relationships" xmlns:p="http://schemas.openxmlformats.org/presentationml/2006/main">
   <p:cSld>
     <p:spTree>
       <p:nvGrpSpPr>
@@ -7492,13 +8939,20 @@
           </a:ln>
         </p:spPr>
         <p:style>
-          <a:lnRef idx="0"/>
-          <a:fillRef idx="0"/>
-          <a:effectRef idx="0"/>
+          <a:lnRef idx="0">
+            <a:scrgbClr r="0" g="0" b="0"/>
+          </a:lnRef>
+          <a:fillRef idx="0">
+            <a:scrgbClr r="0" g="0" b="0"/>
+          </a:fillRef>
+          <a:effectRef idx="0">
+            <a:scrgbClr r="0" g="0" b="0"/>
+          </a:effectRef>
           <a:fontRef idx="minor"/>
         </p:style>
         <p:txBody>
-          <a:bodyPr lIns="90000" rIns="90000" tIns="45000" bIns="45000" anchor="ctr"/>
+          <a:bodyPr lIns="90000" tIns="45000" rIns="90000" bIns="45000" anchor="ctr"/>
+          <a:lstStyle/>
           <a:p>
             <a:pPr>
               <a:lnSpc>
@@ -7506,7 +8960,7 @@
               </a:lnSpc>
             </a:pPr>
             <a:r>
-              <a:rPr b="1" lang="en-US" sz="3000" spc="-1" strike="noStrike">
+              <a:rPr lang="en-US" sz="3000" b="1" strike="noStrike" spc="-1">
                 <a:solidFill>
                   <a:srgbClr val="404041"/>
                 </a:solidFill>
@@ -7515,7 +8969,7 @@
               </a:rPr>
               <a:t>Introduction</a:t>
             </a:r>
-            <a:endParaRPr b="0" lang="en-US" sz="3000" spc="-1" strike="noStrike">
+            <a:endParaRPr lang="en-US" sz="3000" b="0" strike="noStrike" spc="-1">
               <a:latin typeface="Arial"/>
             </a:endParaRPr>
           </a:p>
@@ -7541,13 +8995,20 @@
           </a:ln>
         </p:spPr>
         <p:style>
-          <a:lnRef idx="0"/>
-          <a:fillRef idx="0"/>
-          <a:effectRef idx="0"/>
+          <a:lnRef idx="0">
+            <a:scrgbClr r="0" g="0" b="0"/>
+          </a:lnRef>
+          <a:fillRef idx="0">
+            <a:scrgbClr r="0" g="0" b="0"/>
+          </a:fillRef>
+          <a:effectRef idx="0">
+            <a:scrgbClr r="0" g="0" b="0"/>
+          </a:effectRef>
           <a:fontRef idx="minor"/>
         </p:style>
         <p:txBody>
-          <a:bodyPr lIns="90000" rIns="90000" tIns="45000" bIns="45000"/>
+          <a:bodyPr lIns="90000" tIns="45000" rIns="90000" bIns="45000"/>
+          <a:lstStyle/>
           <a:p>
             <a:pPr marL="216000" indent="-215640">
               <a:lnSpc>
@@ -7561,7 +9022,7 @@
               <a:buChar char=""/>
             </a:pPr>
             <a:r>
-              <a:rPr b="0" lang="en-US" sz="1800" spc="-1" strike="noStrike">
+              <a:rPr lang="en-US" sz="1800" b="0" strike="noStrike" spc="-1">
                 <a:solidFill>
                   <a:srgbClr val="000000"/>
                 </a:solidFill>
@@ -7570,7 +9031,7 @@
               </a:rPr>
               <a:t>In this project, we aim to visualize the deaths of journalists across the world from 1992 to March 2016, and hope to shine some light on these deaths, provided by the CPJ.</a:t>
             </a:r>
-            <a:endParaRPr b="0" lang="en-US" sz="1800" spc="-1" strike="noStrike">
+            <a:endParaRPr lang="en-US" sz="1800" b="0" strike="noStrike" spc="-1">
               <a:latin typeface="Arial"/>
             </a:endParaRPr>
           </a:p>
@@ -7580,7 +9041,7 @@
                 <a:spcPct val="100000"/>
               </a:lnSpc>
             </a:pPr>
-            <a:endParaRPr b="0" lang="en-US" sz="1800" spc="-1" strike="noStrike">
+            <a:endParaRPr lang="en-US" sz="1800" b="0" strike="noStrike" spc="-1">
               <a:latin typeface="Arial"/>
             </a:endParaRPr>
           </a:p>
@@ -7597,7 +9058,7 @@
               <a:buChar char=""/>
             </a:pPr>
             <a:r>
-              <a:rPr b="0" lang="en-US" sz="1800" spc="-1" strike="noStrike">
+              <a:rPr lang="en-US" sz="1800" b="0" strike="noStrike" spc="-1">
                 <a:solidFill>
                   <a:srgbClr val="000000"/>
                 </a:solidFill>
@@ -7606,7 +9067,7 @@
               </a:rPr>
               <a:t>Over the years journalists have had to face various perilous situations and many of them have been fatal.</a:t>
             </a:r>
-            <a:endParaRPr b="0" lang="en-US" sz="1800" spc="-1" strike="noStrike">
+            <a:endParaRPr lang="en-US" sz="1800" b="0" strike="noStrike" spc="-1">
               <a:latin typeface="Arial"/>
             </a:endParaRPr>
           </a:p>
@@ -7616,7 +9077,7 @@
                 <a:spcPct val="100000"/>
               </a:lnSpc>
             </a:pPr>
-            <a:endParaRPr b="0" lang="en-US" sz="1800" spc="-1" strike="noStrike">
+            <a:endParaRPr lang="en-US" sz="1800" b="0" strike="noStrike" spc="-1">
               <a:latin typeface="Arial"/>
             </a:endParaRPr>
           </a:p>
@@ -7633,7 +9094,7 @@
               <a:buChar char=""/>
             </a:pPr>
             <a:r>
-              <a:rPr b="0" lang="en-US" sz="1800" spc="-1" strike="noStrike">
+              <a:rPr lang="en-US" sz="1800" b="0" strike="noStrike" spc="-1">
                 <a:solidFill>
                   <a:srgbClr val="000000"/>
                 </a:solidFill>
@@ -7642,7 +9103,7 @@
               </a:rPr>
               <a:t>A good visualization would help understand the importance of the issue and aid in further analysis of the problem</a:t>
             </a:r>
-            <a:endParaRPr b="0" lang="en-US" sz="1800" spc="-1" strike="noStrike">
+            <a:endParaRPr lang="en-US" sz="1800" b="0" strike="noStrike" spc="-1">
               <a:latin typeface="Arial"/>
             </a:endParaRPr>
           </a:p>
@@ -7650,22 +9111,33 @@
       </p:sp>
     </p:spTree>
   </p:cSld>
+  <p:clrMapOvr>
+    <a:masterClrMapping/>
+  </p:clrMapOvr>
+  <mc:AlternateContent xmlns:mc="http://schemas.openxmlformats.org/markup-compatibility/2006">
+    <mc:Choice xmlns:p14="http://schemas.microsoft.com/office/powerpoint/2010/main" Requires="p14">
+      <p:transition spd="slow" p14:dur="2000" advTm="15000"/>
+    </mc:Choice>
+    <mc:Fallback>
+      <p:transition spd="slow" advTm="15000"/>
+    </mc:Fallback>
+  </mc:AlternateContent>
   <p:timing>
     <p:tnLst>
       <p:par>
-        <p:cTn id="5" dur="indefinite" restart="never" nodeType="tmRoot">
+        <p:cTn id="1" dur="indefinite" restart="never" nodeType="tmRoot">
           <p:childTnLst>
             <p:seq>
-              <p:cTn id="6" dur="indefinite" nodeType="mainSeq"/>
+              <p:cTn id="2" dur="indefinite" nodeType="mainSeq"/>
               <p:prevCondLst>
-                <p:cond delay="0" evt="onPrev">
+                <p:cond evt="onPrev" delay="0">
                   <p:tgtEl>
                     <p:sldTgt/>
                   </p:tgtEl>
                 </p:cond>
               </p:prevCondLst>
               <p:nextCondLst>
-                <p:cond delay="0" evt="onNext">
+                <p:cond evt="onNext" delay="0">
                   <p:tgtEl>
                     <p:sldTgt/>
                   </p:tgtEl>
@@ -7681,7 +9153,7 @@
 </file>
 
 <file path=ppt/slides/slide30.xml><?xml version="1.0" encoding="utf-8"?>
-<p:sld xmlns:a="http://schemas.openxmlformats.org/drawingml/2006/main" xmlns:p="http://schemas.openxmlformats.org/presentationml/2006/main" xmlns:r="http://schemas.openxmlformats.org/officeDocument/2006/relationships" xmlns:p14="http://schemas.microsoft.com/office/powerpoint/2010/main" xmlns:p15="http://schemas.microsoft.com/office/powerpoint/2012/main" xmlns:mc="http://schemas.openxmlformats.org/markup-compatibility/2006">
+<p:sld xmlns:a="http://schemas.openxmlformats.org/drawingml/2006/main" xmlns:r="http://schemas.openxmlformats.org/officeDocument/2006/relationships" xmlns:p="http://schemas.openxmlformats.org/presentationml/2006/main">
   <p:cSld>
     <p:spTree>
       <p:nvGrpSpPr>
@@ -7717,13 +9189,20 @@
           </a:ln>
         </p:spPr>
         <p:style>
-          <a:lnRef idx="0"/>
-          <a:fillRef idx="0"/>
-          <a:effectRef idx="0"/>
+          <a:lnRef idx="0">
+            <a:scrgbClr r="0" g="0" b="0"/>
+          </a:lnRef>
+          <a:fillRef idx="0">
+            <a:scrgbClr r="0" g="0" b="0"/>
+          </a:fillRef>
+          <a:effectRef idx="0">
+            <a:scrgbClr r="0" g="0" b="0"/>
+          </a:effectRef>
           <a:fontRef idx="minor"/>
         </p:style>
         <p:txBody>
-          <a:bodyPr lIns="90000" rIns="90000" tIns="45000" bIns="45000" anchor="ctr"/>
+          <a:bodyPr lIns="90000" tIns="45000" rIns="90000" bIns="45000" anchor="ctr"/>
+          <a:lstStyle/>
           <a:p>
             <a:pPr>
               <a:lnSpc>
@@ -7731,7 +9210,7 @@
               </a:lnSpc>
             </a:pPr>
             <a:r>
-              <a:rPr b="1" lang="en-US" sz="3000" spc="-1" strike="noStrike">
+              <a:rPr lang="en-US" sz="3000" b="1" strike="noStrike" spc="-1">
                 <a:solidFill>
                   <a:srgbClr val="404041"/>
                 </a:solidFill>
@@ -7740,7 +9219,7 @@
               </a:rPr>
               <a:t>Challenges</a:t>
             </a:r>
-            <a:endParaRPr b="0" lang="en-US" sz="3000" spc="-1" strike="noStrike">
+            <a:endParaRPr lang="en-US" sz="3000" b="0" strike="noStrike" spc="-1">
               <a:latin typeface="Arial"/>
             </a:endParaRPr>
           </a:p>
@@ -7766,13 +9245,20 @@
           </a:ln>
         </p:spPr>
         <p:style>
-          <a:lnRef idx="0"/>
-          <a:fillRef idx="0"/>
-          <a:effectRef idx="0"/>
+          <a:lnRef idx="0">
+            <a:scrgbClr r="0" g="0" b="0"/>
+          </a:lnRef>
+          <a:fillRef idx="0">
+            <a:scrgbClr r="0" g="0" b="0"/>
+          </a:fillRef>
+          <a:effectRef idx="0">
+            <a:scrgbClr r="0" g="0" b="0"/>
+          </a:effectRef>
           <a:fontRef idx="minor"/>
         </p:style>
         <p:txBody>
-          <a:bodyPr lIns="90000" rIns="90000" tIns="45000" bIns="45000"/>
+          <a:bodyPr lIns="90000" tIns="45000" rIns="90000" bIns="45000"/>
+          <a:lstStyle/>
           <a:p>
             <a:pPr marL="285840" indent="-285480">
               <a:lnSpc>
@@ -7785,7 +9271,7 @@
               <a:buChar char="•"/>
             </a:pPr>
             <a:r>
-              <a:rPr b="0" lang="en-US" sz="1800" spc="-1" strike="noStrike">
+              <a:rPr lang="en-US" sz="1800" b="0" strike="noStrike" spc="-1">
                 <a:solidFill>
                   <a:srgbClr val="000000"/>
                 </a:solidFill>
@@ -7794,12 +9280,12 @@
               </a:rPr>
               <a:t>Learning to make interactive maps in altair</a:t>
             </a:r>
-            <a:endParaRPr b="0" lang="en-US" sz="1800" spc="-1" strike="noStrike">
-              <a:latin typeface="Arial"/>
-            </a:endParaRPr>
-          </a:p>
-          <a:p>
-            <a:pPr lvl="1" marL="743040" indent="-285480">
+            <a:endParaRPr lang="en-US" sz="1800" b="0" strike="noStrike" spc="-1">
+              <a:latin typeface="Arial"/>
+            </a:endParaRPr>
+          </a:p>
+          <a:p>
+            <a:pPr marL="743040" lvl="1" indent="-285480">
               <a:lnSpc>
                 <a:spcPct val="100000"/>
               </a:lnSpc>
@@ -7810,7 +9296,7 @@
               <a:buChar char="•"/>
             </a:pPr>
             <a:r>
-              <a:rPr b="0" lang="en-US" sz="1800" spc="-1" strike="noStrike">
+              <a:rPr lang="en-US" sz="1800" b="0" strike="noStrike" spc="-1">
                 <a:solidFill>
                   <a:srgbClr val="000000"/>
                 </a:solidFill>
@@ -7819,7 +9305,7 @@
               </a:rPr>
               <a:t>Maps do not support some common functionality</a:t>
             </a:r>
-            <a:endParaRPr b="0" lang="en-US" sz="1800" spc="-1" strike="noStrike">
+            <a:endParaRPr lang="en-US" sz="1800" b="0" strike="noStrike" spc="-1">
               <a:latin typeface="Arial"/>
             </a:endParaRPr>
           </a:p>
@@ -7829,7 +9315,7 @@
                 <a:spcPct val="100000"/>
               </a:lnSpc>
             </a:pPr>
-            <a:endParaRPr b="0" lang="en-US" sz="1800" spc="-1" strike="noStrike">
+            <a:endParaRPr lang="en-US" sz="1800" b="0" strike="noStrike" spc="-1">
               <a:latin typeface="Arial"/>
             </a:endParaRPr>
           </a:p>
@@ -7845,7 +9331,7 @@
               <a:buChar char="•"/>
             </a:pPr>
             <a:r>
-              <a:rPr b="0" lang="en-US" sz="1800" spc="-1" strike="noStrike">
+              <a:rPr lang="en-US" sz="1800" b="0" strike="noStrike" spc="-1">
                 <a:solidFill>
                   <a:srgbClr val="000000"/>
                 </a:solidFill>
@@ -7854,12 +9340,12 @@
               </a:rPr>
               <a:t>Slider for year selection in python did not work</a:t>
             </a:r>
-            <a:endParaRPr b="0" lang="en-US" sz="1800" spc="-1" strike="noStrike">
-              <a:latin typeface="Arial"/>
-            </a:endParaRPr>
-          </a:p>
-          <a:p>
-            <a:pPr lvl="1" marL="743040" indent="-285480">
+            <a:endParaRPr lang="en-US" sz="1800" b="0" strike="noStrike" spc="-1">
+              <a:latin typeface="Arial"/>
+            </a:endParaRPr>
+          </a:p>
+          <a:p>
+            <a:pPr marL="743040" lvl="1" indent="-285480">
               <a:lnSpc>
                 <a:spcPct val="100000"/>
               </a:lnSpc>
@@ -7870,7 +9356,7 @@
               <a:buChar char="•"/>
             </a:pPr>
             <a:r>
-              <a:rPr b="0" lang="en-US" sz="1800" spc="-1" strike="noStrike">
+              <a:rPr lang="en-US" sz="1800" b="0" strike="noStrike" spc="-1">
                 <a:solidFill>
                   <a:srgbClr val="000000"/>
                 </a:solidFill>
@@ -7879,7 +9365,7 @@
               </a:rPr>
               <a:t>Used jquery in the end</a:t>
             </a:r>
-            <a:endParaRPr b="0" lang="en-US" sz="1800" spc="-1" strike="noStrike">
+            <a:endParaRPr lang="en-US" sz="1800" b="0" strike="noStrike" spc="-1">
               <a:latin typeface="Arial"/>
             </a:endParaRPr>
           </a:p>
@@ -7887,22 +9373,33 @@
       </p:sp>
     </p:spTree>
   </p:cSld>
+  <p:clrMapOvr>
+    <a:masterClrMapping/>
+  </p:clrMapOvr>
+  <mc:AlternateContent xmlns:mc="http://schemas.openxmlformats.org/markup-compatibility/2006">
+    <mc:Choice xmlns:p14="http://schemas.microsoft.com/office/powerpoint/2010/main" Requires="p14">
+      <p:transition spd="slow" p14:dur="2000" advTm="15000"/>
+    </mc:Choice>
+    <mc:Fallback>
+      <p:transition spd="slow" advTm="15000"/>
+    </mc:Fallback>
+  </mc:AlternateContent>
   <p:timing>
     <p:tnLst>
       <p:par>
-        <p:cTn id="59" dur="indefinite" restart="never" nodeType="tmRoot">
+        <p:cTn id="1" dur="indefinite" restart="never" nodeType="tmRoot">
           <p:childTnLst>
             <p:seq>
-              <p:cTn id="60" dur="indefinite" nodeType="mainSeq"/>
+              <p:cTn id="2" dur="indefinite" nodeType="mainSeq"/>
               <p:prevCondLst>
-                <p:cond delay="0" evt="onPrev">
+                <p:cond evt="onPrev" delay="0">
                   <p:tgtEl>
                     <p:sldTgt/>
                   </p:tgtEl>
                 </p:cond>
               </p:prevCondLst>
               <p:nextCondLst>
-                <p:cond delay="0" evt="onNext">
+                <p:cond evt="onNext" delay="0">
                   <p:tgtEl>
                     <p:sldTgt/>
                   </p:tgtEl>
@@ -7918,7 +9415,7 @@
 </file>
 
 <file path=ppt/slides/slide31.xml><?xml version="1.0" encoding="utf-8"?>
-<p:sld xmlns:a="http://schemas.openxmlformats.org/drawingml/2006/main" xmlns:p="http://schemas.openxmlformats.org/presentationml/2006/main" xmlns:r="http://schemas.openxmlformats.org/officeDocument/2006/relationships" xmlns:p14="http://schemas.microsoft.com/office/powerpoint/2010/main" xmlns:p15="http://schemas.microsoft.com/office/powerpoint/2012/main" xmlns:mc="http://schemas.openxmlformats.org/markup-compatibility/2006">
+<p:sld xmlns:a="http://schemas.openxmlformats.org/drawingml/2006/main" xmlns:r="http://schemas.openxmlformats.org/officeDocument/2006/relationships" xmlns:p="http://schemas.openxmlformats.org/presentationml/2006/main">
   <p:cSld>
     <p:spTree>
       <p:nvGrpSpPr>
@@ -7954,13 +9451,20 @@
           </a:ln>
         </p:spPr>
         <p:style>
-          <a:lnRef idx="0"/>
-          <a:fillRef idx="0"/>
-          <a:effectRef idx="0"/>
+          <a:lnRef idx="0">
+            <a:scrgbClr r="0" g="0" b="0"/>
+          </a:lnRef>
+          <a:fillRef idx="0">
+            <a:scrgbClr r="0" g="0" b="0"/>
+          </a:fillRef>
+          <a:effectRef idx="0">
+            <a:scrgbClr r="0" g="0" b="0"/>
+          </a:effectRef>
           <a:fontRef idx="minor"/>
         </p:style>
         <p:txBody>
-          <a:bodyPr lIns="90000" rIns="90000" tIns="45000" bIns="45000" anchor="ctr"/>
+          <a:bodyPr lIns="90000" tIns="45000" rIns="90000" bIns="45000" anchor="ctr"/>
+          <a:lstStyle/>
           <a:p>
             <a:pPr>
               <a:lnSpc>
@@ -7968,7 +9472,7 @@
               </a:lnSpc>
             </a:pPr>
             <a:r>
-              <a:rPr b="1" lang="en-US" sz="3000" spc="-1" strike="noStrike">
+              <a:rPr lang="en-US" sz="3000" b="1" strike="noStrike" spc="-1">
                 <a:solidFill>
                   <a:srgbClr val="404041"/>
                 </a:solidFill>
@@ -7977,7 +9481,7 @@
               </a:rPr>
               <a:t>Future Work</a:t>
             </a:r>
-            <a:endParaRPr b="0" lang="en-US" sz="3000" spc="-1" strike="noStrike">
+            <a:endParaRPr lang="en-US" sz="3000" b="0" strike="noStrike" spc="-1">
               <a:latin typeface="Arial"/>
             </a:endParaRPr>
           </a:p>
@@ -8003,13 +9507,20 @@
           </a:ln>
         </p:spPr>
         <p:style>
-          <a:lnRef idx="0"/>
-          <a:fillRef idx="0"/>
-          <a:effectRef idx="0"/>
+          <a:lnRef idx="0">
+            <a:scrgbClr r="0" g="0" b="0"/>
+          </a:lnRef>
+          <a:fillRef idx="0">
+            <a:scrgbClr r="0" g="0" b="0"/>
+          </a:fillRef>
+          <a:effectRef idx="0">
+            <a:scrgbClr r="0" g="0" b="0"/>
+          </a:effectRef>
           <a:fontRef idx="minor"/>
         </p:style>
         <p:txBody>
-          <a:bodyPr lIns="90000" rIns="90000" tIns="45000" bIns="45000"/>
+          <a:bodyPr lIns="90000" tIns="45000" rIns="90000" bIns="45000"/>
+          <a:lstStyle/>
           <a:p>
             <a:pPr marL="285840" indent="-285480">
               <a:lnSpc>
@@ -8022,7 +9533,7 @@
               <a:buChar char="•"/>
             </a:pPr>
             <a:r>
-              <a:rPr b="0" lang="en-US" sz="1800" spc="-1" strike="noStrike">
+              <a:rPr lang="en-US" sz="1800" b="0" strike="noStrike" spc="-1">
                 <a:solidFill>
                   <a:srgbClr val="000000"/>
                 </a:solidFill>
@@ -8031,7 +9542,7 @@
               </a:rPr>
               <a:t>Get information about the deaths of various journalists from twitter and news articles to better describe each of the deaths</a:t>
             </a:r>
-            <a:endParaRPr b="0" lang="en-US" sz="1800" spc="-1" strike="noStrike">
+            <a:endParaRPr lang="en-US" sz="1800" b="0" strike="noStrike" spc="-1">
               <a:latin typeface="Arial"/>
             </a:endParaRPr>
           </a:p>
@@ -8041,7 +9552,7 @@
                 <a:spcPct val="100000"/>
               </a:lnSpc>
             </a:pPr>
-            <a:endParaRPr b="0" lang="en-US" sz="1800" spc="-1" strike="noStrike">
+            <a:endParaRPr lang="en-US" sz="1800" b="0" strike="noStrike" spc="-1">
               <a:latin typeface="Arial"/>
             </a:endParaRPr>
           </a:p>
@@ -8057,7 +9568,7 @@
               <a:buChar char="•"/>
             </a:pPr>
             <a:r>
-              <a:rPr b="0" lang="en-US" sz="1800" spc="-1" strike="noStrike">
+              <a:rPr lang="en-US" sz="1800" b="0" strike="noStrike" spc="-1">
                 <a:solidFill>
                   <a:srgbClr val="000000"/>
                 </a:solidFill>
@@ -8066,7 +9577,7 @@
               </a:rPr>
               <a:t>Use this information to perform detailed analysis on the data</a:t>
             </a:r>
-            <a:endParaRPr b="0" lang="en-US" sz="1800" spc="-1" strike="noStrike">
+            <a:endParaRPr lang="en-US" sz="1800" b="0" strike="noStrike" spc="-1">
               <a:latin typeface="Arial"/>
             </a:endParaRPr>
           </a:p>
@@ -8076,7 +9587,7 @@
                 <a:spcPct val="100000"/>
               </a:lnSpc>
             </a:pPr>
-            <a:endParaRPr b="0" lang="en-US" sz="1800" spc="-1" strike="noStrike">
+            <a:endParaRPr lang="en-US" sz="1800" b="0" strike="noStrike" spc="-1">
               <a:latin typeface="Arial"/>
             </a:endParaRPr>
           </a:p>
@@ -8092,7 +9603,7 @@
               <a:buChar char="•"/>
             </a:pPr>
             <a:r>
-              <a:rPr b="0" lang="en-US" sz="1800" spc="-1" strike="noStrike">
+              <a:rPr lang="en-US" sz="1800" b="0" strike="noStrike" spc="-1">
                 <a:solidFill>
                   <a:srgbClr val="000000"/>
                 </a:solidFill>
@@ -8101,7 +9612,7 @@
               </a:rPr>
               <a:t>Perform deeper network analysis</a:t>
             </a:r>
-            <a:endParaRPr b="0" lang="en-US" sz="1800" spc="-1" strike="noStrike">
+            <a:endParaRPr lang="en-US" sz="1800" b="0" strike="noStrike" spc="-1">
               <a:latin typeface="Arial"/>
             </a:endParaRPr>
           </a:p>
@@ -8109,22 +9620,33 @@
       </p:sp>
     </p:spTree>
   </p:cSld>
+  <p:clrMapOvr>
+    <a:masterClrMapping/>
+  </p:clrMapOvr>
+  <mc:AlternateContent xmlns:mc="http://schemas.openxmlformats.org/markup-compatibility/2006">
+    <mc:Choice xmlns:p14="http://schemas.microsoft.com/office/powerpoint/2010/main" Requires="p14">
+      <p:transition spd="slow" p14:dur="2000" advTm="15000"/>
+    </mc:Choice>
+    <mc:Fallback>
+      <p:transition spd="slow" advTm="15000"/>
+    </mc:Fallback>
+  </mc:AlternateContent>
   <p:timing>
     <p:tnLst>
       <p:par>
-        <p:cTn id="61" dur="indefinite" restart="never" nodeType="tmRoot">
+        <p:cTn id="1" dur="indefinite" restart="never" nodeType="tmRoot">
           <p:childTnLst>
             <p:seq>
-              <p:cTn id="62" dur="indefinite" nodeType="mainSeq"/>
+              <p:cTn id="2" dur="indefinite" nodeType="mainSeq"/>
               <p:prevCondLst>
-                <p:cond delay="0" evt="onPrev">
+                <p:cond evt="onPrev" delay="0">
                   <p:tgtEl>
                     <p:sldTgt/>
                   </p:tgtEl>
                 </p:cond>
               </p:prevCondLst>
               <p:nextCondLst>
-                <p:cond delay="0" evt="onNext">
+                <p:cond evt="onNext" delay="0">
                   <p:tgtEl>
                     <p:sldTgt/>
                   </p:tgtEl>
@@ -8140,7 +9662,7 @@
 </file>
 
 <file path=ppt/slides/slide32.xml><?xml version="1.0" encoding="utf-8"?>
-<p:sld xmlns:a="http://schemas.openxmlformats.org/drawingml/2006/main" xmlns:p="http://schemas.openxmlformats.org/presentationml/2006/main" xmlns:r="http://schemas.openxmlformats.org/officeDocument/2006/relationships" xmlns:p14="http://schemas.microsoft.com/office/powerpoint/2010/main" xmlns:p15="http://schemas.microsoft.com/office/powerpoint/2012/main" xmlns:mc="http://schemas.openxmlformats.org/markup-compatibility/2006">
+<p:sld xmlns:a="http://schemas.openxmlformats.org/drawingml/2006/main" xmlns:r="http://schemas.openxmlformats.org/officeDocument/2006/relationships" xmlns:p="http://schemas.openxmlformats.org/presentationml/2006/main">
   <p:cSld>
     <p:spTree>
       <p:nvGrpSpPr>
@@ -8176,13 +9698,20 @@
           </a:ln>
         </p:spPr>
         <p:style>
-          <a:lnRef idx="0"/>
-          <a:fillRef idx="0"/>
-          <a:effectRef idx="0"/>
+          <a:lnRef idx="0">
+            <a:scrgbClr r="0" g="0" b="0"/>
+          </a:lnRef>
+          <a:fillRef idx="0">
+            <a:scrgbClr r="0" g="0" b="0"/>
+          </a:fillRef>
+          <a:effectRef idx="0">
+            <a:scrgbClr r="0" g="0" b="0"/>
+          </a:effectRef>
           <a:fontRef idx="minor"/>
         </p:style>
         <p:txBody>
-          <a:bodyPr lIns="90000" rIns="90000" tIns="45000" bIns="45000" anchor="ctr"/>
+          <a:bodyPr lIns="90000" tIns="45000" rIns="90000" bIns="45000" anchor="ctr"/>
+          <a:lstStyle/>
           <a:p>
             <a:pPr>
               <a:lnSpc>
@@ -8190,7 +9719,7 @@
               </a:lnSpc>
             </a:pPr>
             <a:r>
-              <a:rPr b="1" lang="en-US" sz="3000" spc="-1" strike="noStrike">
+              <a:rPr lang="en-US" sz="3000" b="1" strike="noStrike" spc="-1">
                 <a:solidFill>
                   <a:srgbClr val="404041"/>
                 </a:solidFill>
@@ -8199,7 +9728,7 @@
               </a:rPr>
               <a:t>References</a:t>
             </a:r>
-            <a:endParaRPr b="0" lang="en-US" sz="3000" spc="-1" strike="noStrike">
+            <a:endParaRPr lang="en-US" sz="3000" b="0" strike="noStrike" spc="-1">
               <a:latin typeface="Arial"/>
             </a:endParaRPr>
           </a:p>
@@ -8225,13 +9754,20 @@
           </a:ln>
         </p:spPr>
         <p:style>
-          <a:lnRef idx="0"/>
-          <a:fillRef idx="0"/>
-          <a:effectRef idx="0"/>
+          <a:lnRef idx="0">
+            <a:scrgbClr r="0" g="0" b="0"/>
+          </a:lnRef>
+          <a:fillRef idx="0">
+            <a:scrgbClr r="0" g="0" b="0"/>
+          </a:fillRef>
+          <a:effectRef idx="0">
+            <a:scrgbClr r="0" g="0" b="0"/>
+          </a:effectRef>
           <a:fontRef idx="minor"/>
         </p:style>
         <p:txBody>
-          <a:bodyPr lIns="90000" rIns="90000" tIns="45000" bIns="45000"/>
+          <a:bodyPr lIns="90000" tIns="45000" rIns="90000" bIns="45000"/>
+          <a:lstStyle/>
           <a:p>
             <a:pPr marL="216000" indent="-215640">
               <a:lnSpc>
@@ -8245,18 +9781,18 @@
               <a:buChar char=""/>
             </a:pPr>
             <a:r>
-              <a:rPr b="0" lang="en-US" sz="1200" spc="-1" strike="noStrike" u="sng">
+              <a:rPr lang="en-US" sz="1200" b="0" u="sng" strike="noStrike" spc="-1">
                 <a:solidFill>
-                  <a:srgbClr val="0000ff"/>
+                  <a:srgbClr val="0000FF"/>
                 </a:solidFill>
                 <a:uFillTx/>
                 <a:latin typeface="Arial"/>
                 <a:ea typeface="DejaVu Sans"/>
-                <a:hlinkClick r:id="rId1"/>
+                <a:hlinkClick r:id="rId2"/>
               </a:rPr>
               <a:t>https://ichef.bbci.co.uk/news/624/media/images/80127000/jpg/_80127035_0b2b0a90-e3b4-4c0a-b1b3-06569f774e57.jpg</a:t>
             </a:r>
-            <a:endParaRPr b="0" lang="en-US" sz="1200" spc="-1" strike="noStrike">
+            <a:endParaRPr lang="en-US" sz="1200" b="0" strike="noStrike" spc="-1">
               <a:latin typeface="Arial"/>
             </a:endParaRPr>
           </a:p>
@@ -8273,7 +9809,7 @@
               <a:buChar char=""/>
             </a:pPr>
             <a:r>
-              <a:rPr b="0" lang="en-US" sz="1200" spc="-1" strike="noStrike">
+              <a:rPr lang="en-US" sz="1200" b="0" strike="noStrike" spc="-1">
                 <a:solidFill>
                   <a:srgbClr val="000000"/>
                 </a:solidFill>
@@ -8282,7 +9818,7 @@
               </a:rPr>
               <a:t>[Reporters Without Borders 2018c]  Reporters  Without  Borders. 2018c. Missing journalists. Reporters Without BordersWebsite.</a:t>
             </a:r>
-            <a:endParaRPr b="0" lang="en-US" sz="1200" spc="-1" strike="noStrike">
+            <a:endParaRPr lang="en-US" sz="1200" b="0" strike="noStrike" spc="-1">
               <a:latin typeface="Arial"/>
             </a:endParaRPr>
           </a:p>
@@ -8299,7 +9835,7 @@
               <a:buChar char=""/>
             </a:pPr>
             <a:r>
-              <a:rPr b="0" lang="en-US" sz="1200" spc="-1" strike="noStrike">
+              <a:rPr lang="en-US" sz="1200" b="0" strike="noStrike" spc="-1">
                 <a:solidFill>
                   <a:srgbClr val="000000"/>
                 </a:solidFill>
@@ -8308,7 +9844,7 @@
               </a:rPr>
               <a:t>[Reporters Without Borders 2018c]  Reporters  Without  Borders. 2018c. Missing journalists. Reporters Without Borders Website.</a:t>
             </a:r>
-            <a:endParaRPr b="0" lang="en-US" sz="1200" spc="-1" strike="noStrike">
+            <a:endParaRPr lang="en-US" sz="1200" b="0" strike="noStrike" spc="-1">
               <a:latin typeface="Arial"/>
             </a:endParaRPr>
           </a:p>
@@ -8325,7 +9861,7 @@
               <a:buChar char=""/>
             </a:pPr>
             <a:r>
-              <a:rPr b="0" lang="en-US" sz="1200" spc="-1" strike="noStrike">
+              <a:rPr lang="en-US" sz="1200" b="0" strike="noStrike" spc="-1">
                 <a:solidFill>
                   <a:srgbClr val="000000"/>
                 </a:solidFill>
@@ -8334,7 +9870,7 @@
               </a:rPr>
               <a:t>[Committee to Protect Journalists 2018c]  Committee to Protect Journalists.   2018c.   Committee to protect journalists. CPJ website. </a:t>
             </a:r>
-            <a:endParaRPr b="0" lang="en-US" sz="1200" spc="-1" strike="noStrike">
+            <a:endParaRPr lang="en-US" sz="1200" b="0" strike="noStrike" spc="-1">
               <a:latin typeface="Arial"/>
             </a:endParaRPr>
           </a:p>
@@ -8351,7 +9887,7 @@
               <a:buChar char=""/>
             </a:pPr>
             <a:r>
-              <a:rPr b="0" lang="en-US" sz="1200" spc="-1" strike="noStrike">
+              <a:rPr lang="en-US" sz="1200" b="0" strike="noStrike" spc="-1">
                 <a:solidFill>
                   <a:srgbClr val="000000"/>
                 </a:solidFill>
@@ -8360,7 +9896,7 @@
               </a:rPr>
               <a:t>[Reporters Without Borders 2018a]  Reporters  Without  Borders.   2018a.   2018 world press freedom index.   Reporters Without Borders website</a:t>
             </a:r>
-            <a:endParaRPr b="0" lang="en-US" sz="1200" spc="-1" strike="noStrike">
+            <a:endParaRPr lang="en-US" sz="1200" b="0" strike="noStrike" spc="-1">
               <a:latin typeface="Arial"/>
             </a:endParaRPr>
           </a:p>
@@ -8377,7 +9913,7 @@
               <a:buChar char=""/>
             </a:pPr>
             <a:r>
-              <a:rPr b="0" lang="en-US" sz="1200" spc="-1" strike="noStrike">
+              <a:rPr lang="en-US" sz="1200" b="0" strike="noStrike" spc="-1">
                 <a:solidFill>
                   <a:srgbClr val="000000"/>
                 </a:solidFill>
@@ -8386,7 +9922,7 @@
               </a:rPr>
               <a:t>[Seelke 2018]  Seelke, C. R.  2018.  Violence against journalists and media workers in Mexico and u. s. policy</a:t>
             </a:r>
-            <a:endParaRPr b="0" lang="en-US" sz="1200" spc="-1" strike="noStrike">
+            <a:endParaRPr lang="en-US" sz="1200" b="0" strike="noStrike" spc="-1">
               <a:latin typeface="Arial"/>
             </a:endParaRPr>
           </a:p>
@@ -8403,7 +9939,7 @@
               <a:buChar char=""/>
             </a:pPr>
             <a:r>
-              <a:rPr b="0" lang="en-US" sz="1200" spc="-1" strike="noStrike">
+              <a:rPr lang="en-US" sz="1200" b="0" strike="noStrike" spc="-1">
                 <a:solidFill>
                   <a:srgbClr val="000000"/>
                 </a:solidFill>
@@ -8412,7 +9948,7 @@
               </a:rPr>
               <a:t>[National Coalition Against Censorship 2018]  National Coalition Against Censorship.   2018.   Visualizing  censorship. National Coalition Against Censorship website.</a:t>
             </a:r>
-            <a:endParaRPr b="0" lang="en-US" sz="1200" spc="-1" strike="noStrike">
+            <a:endParaRPr lang="en-US" sz="1200" b="0" strike="noStrike" spc="-1">
               <a:latin typeface="Arial"/>
             </a:endParaRPr>
           </a:p>
@@ -8429,7 +9965,7 @@
               <a:buChar char=""/>
             </a:pPr>
             <a:r>
-              <a:rPr b="0" lang="en-US" sz="1200" spc="-1" strike="noStrike">
+              <a:rPr lang="en-US" sz="1200" b="0" strike="noStrike" spc="-1">
                 <a:solidFill>
                   <a:srgbClr val="000000"/>
                 </a:solidFill>
@@ -8438,7 +9974,7 @@
               </a:rPr>
               <a:t>[Committee to Protect Journalists 2016]  Committee  to  Protect Journalists.   2016.   Journalists killed worldwide since1992. Kaggle.</a:t>
             </a:r>
-            <a:endParaRPr b="0" lang="en-US" sz="1200" spc="-1" strike="noStrike">
+            <a:endParaRPr lang="en-US" sz="1200" b="0" strike="noStrike" spc="-1">
               <a:latin typeface="Arial"/>
             </a:endParaRPr>
           </a:p>
@@ -8446,22 +9982,33 @@
       </p:sp>
     </p:spTree>
   </p:cSld>
+  <p:clrMapOvr>
+    <a:masterClrMapping/>
+  </p:clrMapOvr>
+  <mc:AlternateContent xmlns:mc="http://schemas.openxmlformats.org/markup-compatibility/2006">
+    <mc:Choice xmlns:p14="http://schemas.microsoft.com/office/powerpoint/2010/main" Requires="p14">
+      <p:transition spd="slow" p14:dur="2000" advTm="15000"/>
+    </mc:Choice>
+    <mc:Fallback>
+      <p:transition spd="slow" advTm="15000"/>
+    </mc:Fallback>
+  </mc:AlternateContent>
   <p:timing>
     <p:tnLst>
       <p:par>
-        <p:cTn id="63" dur="indefinite" restart="never" nodeType="tmRoot">
+        <p:cTn id="1" dur="indefinite" restart="never" nodeType="tmRoot">
           <p:childTnLst>
             <p:seq>
-              <p:cTn id="64" dur="indefinite" nodeType="mainSeq"/>
+              <p:cTn id="2" dur="indefinite" nodeType="mainSeq"/>
               <p:prevCondLst>
-                <p:cond delay="0" evt="onPrev">
+                <p:cond evt="onPrev" delay="0">
                   <p:tgtEl>
                     <p:sldTgt/>
                   </p:tgtEl>
                 </p:cond>
               </p:prevCondLst>
               <p:nextCondLst>
-                <p:cond delay="0" evt="onNext">
+                <p:cond evt="onNext" delay="0">
                   <p:tgtEl>
                     <p:sldTgt/>
                   </p:tgtEl>
@@ -8477,7 +10024,7 @@
 </file>
 
 <file path=ppt/slides/slide4.xml><?xml version="1.0" encoding="utf-8"?>
-<p:sld xmlns:a="http://schemas.openxmlformats.org/drawingml/2006/main" xmlns:p="http://schemas.openxmlformats.org/presentationml/2006/main" xmlns:r="http://schemas.openxmlformats.org/officeDocument/2006/relationships" xmlns:p14="http://schemas.microsoft.com/office/powerpoint/2010/main" xmlns:p15="http://schemas.microsoft.com/office/powerpoint/2012/main" xmlns:mc="http://schemas.openxmlformats.org/markup-compatibility/2006">
+<p:sld xmlns:a="http://schemas.openxmlformats.org/drawingml/2006/main" xmlns:r="http://schemas.openxmlformats.org/officeDocument/2006/relationships" xmlns:p="http://schemas.openxmlformats.org/presentationml/2006/main">
   <p:cSld>
     <p:spTree>
       <p:nvGrpSpPr>
@@ -8513,13 +10060,20 @@
           </a:ln>
         </p:spPr>
         <p:style>
-          <a:lnRef idx="0"/>
-          <a:fillRef idx="0"/>
-          <a:effectRef idx="0"/>
+          <a:lnRef idx="0">
+            <a:scrgbClr r="0" g="0" b="0"/>
+          </a:lnRef>
+          <a:fillRef idx="0">
+            <a:scrgbClr r="0" g="0" b="0"/>
+          </a:fillRef>
+          <a:effectRef idx="0">
+            <a:scrgbClr r="0" g="0" b="0"/>
+          </a:effectRef>
           <a:fontRef idx="minor"/>
         </p:style>
         <p:txBody>
-          <a:bodyPr lIns="90000" rIns="90000" tIns="45000" bIns="45000" anchor="ctr"/>
+          <a:bodyPr lIns="90000" tIns="45000" rIns="90000" bIns="45000" anchor="ctr"/>
+          <a:lstStyle/>
           <a:p>
             <a:pPr>
               <a:lnSpc>
@@ -8527,7 +10081,7 @@
               </a:lnSpc>
             </a:pPr>
             <a:r>
-              <a:rPr b="1" lang="en-US" sz="3000" spc="-1" strike="noStrike">
+              <a:rPr lang="en-US" sz="3000" b="1" strike="noStrike" spc="-1">
                 <a:solidFill>
                   <a:srgbClr val="404041"/>
                 </a:solidFill>
@@ -8536,7 +10090,7 @@
               </a:rPr>
               <a:t>Motivation: Attacks on Journalists</a:t>
             </a:r>
-            <a:endParaRPr b="0" lang="en-US" sz="3000" spc="-1" strike="noStrike">
+            <a:endParaRPr lang="en-US" sz="3000" b="0" strike="noStrike" spc="-1">
               <a:latin typeface="Arial"/>
             </a:endParaRPr>
           </a:p>
@@ -8562,13 +10116,20 @@
           </a:ln>
         </p:spPr>
         <p:style>
-          <a:lnRef idx="0"/>
-          <a:fillRef idx="0"/>
-          <a:effectRef idx="0"/>
+          <a:lnRef idx="0">
+            <a:scrgbClr r="0" g="0" b="0"/>
+          </a:lnRef>
+          <a:fillRef idx="0">
+            <a:scrgbClr r="0" g="0" b="0"/>
+          </a:fillRef>
+          <a:effectRef idx="0">
+            <a:scrgbClr r="0" g="0" b="0"/>
+          </a:effectRef>
           <a:fontRef idx="minor"/>
         </p:style>
         <p:txBody>
-          <a:bodyPr lIns="90000" rIns="90000" tIns="45000" bIns="45000"/>
+          <a:bodyPr lIns="90000" tIns="45000" rIns="90000" bIns="45000"/>
+          <a:lstStyle/>
           <a:p>
             <a:pPr marL="216000" indent="-215640">
               <a:lnSpc>
@@ -8582,7 +10143,7 @@
               <a:buChar char=""/>
             </a:pPr>
             <a:r>
-              <a:rPr b="0" lang="en-US" sz="1800" spc="-1" strike="noStrike">
+              <a:rPr lang="en-US" sz="1800" b="0" strike="noStrike" spc="-1">
                 <a:solidFill>
                   <a:srgbClr val="000000"/>
                 </a:solidFill>
@@ -8591,7 +10152,7 @@
               </a:rPr>
               <a:t>One of the most noticeable attacks on the freedom of press in the recent past has been the attack on the office of the French satirical newspaper Charlie Hebdo in Paris in 2015.</a:t>
             </a:r>
-            <a:endParaRPr b="0" lang="en-US" sz="1800" spc="-1" strike="noStrike">
+            <a:endParaRPr lang="en-US" sz="1800" b="0" strike="noStrike" spc="-1">
               <a:latin typeface="Arial"/>
             </a:endParaRPr>
           </a:p>
@@ -8599,12 +10160,12 @@
       </p:sp>
       <p:pic>
         <p:nvPicPr>
-          <p:cNvPr id="94" name="Imagen 93" descr=""/>
+          <p:cNvPr id="94" name="Imagen 93"/>
           <p:cNvPicPr/>
           <p:nvPr/>
         </p:nvPicPr>
         <p:blipFill>
-          <a:blip r:embed="rId1"/>
+          <a:blip r:embed="rId2"/>
           <a:stretch/>
         </p:blipFill>
         <p:spPr>
@@ -8622,22 +10183,33 @@
       </p:pic>
     </p:spTree>
   </p:cSld>
+  <p:clrMapOvr>
+    <a:masterClrMapping/>
+  </p:clrMapOvr>
+  <mc:AlternateContent xmlns:mc="http://schemas.openxmlformats.org/markup-compatibility/2006">
+    <mc:Choice xmlns:p14="http://schemas.microsoft.com/office/powerpoint/2010/main" Requires="p14">
+      <p:transition spd="slow" p14:dur="2000" advTm="15000"/>
+    </mc:Choice>
+    <mc:Fallback>
+      <p:transition spd="slow" advTm="15000"/>
+    </mc:Fallback>
+  </mc:AlternateContent>
   <p:timing>
     <p:tnLst>
       <p:par>
-        <p:cTn id="7" dur="indefinite" restart="never" nodeType="tmRoot">
+        <p:cTn id="1" dur="indefinite" restart="never" nodeType="tmRoot">
           <p:childTnLst>
             <p:seq>
-              <p:cTn id="8" dur="indefinite" nodeType="mainSeq"/>
+              <p:cTn id="2" dur="indefinite" nodeType="mainSeq"/>
               <p:prevCondLst>
-                <p:cond delay="0" evt="onPrev">
+                <p:cond evt="onPrev" delay="0">
                   <p:tgtEl>
                     <p:sldTgt/>
                   </p:tgtEl>
                 </p:cond>
               </p:prevCondLst>
               <p:nextCondLst>
-                <p:cond delay="0" evt="onNext">
+                <p:cond evt="onNext" delay="0">
                   <p:tgtEl>
                     <p:sldTgt/>
                   </p:tgtEl>
@@ -8653,7 +10225,7 @@
 </file>
 
 <file path=ppt/slides/slide5.xml><?xml version="1.0" encoding="utf-8"?>
-<p:sld xmlns:a="http://schemas.openxmlformats.org/drawingml/2006/main" xmlns:p="http://schemas.openxmlformats.org/presentationml/2006/main" xmlns:r="http://schemas.openxmlformats.org/officeDocument/2006/relationships" xmlns:p14="http://schemas.microsoft.com/office/powerpoint/2010/main" xmlns:p15="http://schemas.microsoft.com/office/powerpoint/2012/main" xmlns:mc="http://schemas.openxmlformats.org/markup-compatibility/2006">
+<p:sld xmlns:a="http://schemas.openxmlformats.org/drawingml/2006/main" xmlns:r="http://schemas.openxmlformats.org/officeDocument/2006/relationships" xmlns:p="http://schemas.openxmlformats.org/presentationml/2006/main">
   <p:cSld>
     <p:spTree>
       <p:nvGrpSpPr>
@@ -8689,13 +10261,20 @@
           </a:ln>
         </p:spPr>
         <p:style>
-          <a:lnRef idx="0"/>
-          <a:fillRef idx="0"/>
-          <a:effectRef idx="0"/>
+          <a:lnRef idx="0">
+            <a:scrgbClr r="0" g="0" b="0"/>
+          </a:lnRef>
+          <a:fillRef idx="0">
+            <a:scrgbClr r="0" g="0" b="0"/>
+          </a:fillRef>
+          <a:effectRef idx="0">
+            <a:scrgbClr r="0" g="0" b="0"/>
+          </a:effectRef>
           <a:fontRef idx="minor"/>
         </p:style>
         <p:txBody>
-          <a:bodyPr lIns="90000" rIns="90000" tIns="45000" bIns="45000" anchor="ctr"/>
+          <a:bodyPr lIns="90000" tIns="45000" rIns="90000" bIns="45000" anchor="ctr"/>
+          <a:lstStyle/>
           <a:p>
             <a:pPr>
               <a:lnSpc>
@@ -8703,7 +10282,7 @@
               </a:lnSpc>
             </a:pPr>
             <a:r>
-              <a:rPr b="1" lang="en-US" sz="3000" spc="-1" strike="noStrike">
+              <a:rPr lang="en-US" sz="3000" b="1" strike="noStrike" spc="-1">
                 <a:solidFill>
                   <a:srgbClr val="404041"/>
                 </a:solidFill>
@@ -8712,7 +10291,7 @@
               </a:rPr>
               <a:t>Motivation: Missing Journalists</a:t>
             </a:r>
-            <a:endParaRPr b="0" lang="en-US" sz="3000" spc="-1" strike="noStrike">
+            <a:endParaRPr lang="en-US" sz="3000" b="0" strike="noStrike" spc="-1">
               <a:latin typeface="Arial"/>
             </a:endParaRPr>
           </a:p>
@@ -8738,13 +10317,20 @@
           </a:ln>
         </p:spPr>
         <p:style>
-          <a:lnRef idx="0"/>
-          <a:fillRef idx="0"/>
-          <a:effectRef idx="0"/>
+          <a:lnRef idx="0">
+            <a:scrgbClr r="0" g="0" b="0"/>
+          </a:lnRef>
+          <a:fillRef idx="0">
+            <a:scrgbClr r="0" g="0" b="0"/>
+          </a:fillRef>
+          <a:effectRef idx="0">
+            <a:scrgbClr r="0" g="0" b="0"/>
+          </a:effectRef>
           <a:fontRef idx="minor"/>
         </p:style>
         <p:txBody>
-          <a:bodyPr lIns="90000" rIns="90000" tIns="45000" bIns="45000"/>
+          <a:bodyPr lIns="90000" tIns="45000" rIns="90000" bIns="45000"/>
+          <a:lstStyle/>
           <a:p>
             <a:pPr marL="216000" indent="-215640">
               <a:lnSpc>
@@ -8758,26 +10344,16 @@
               <a:buChar char=""/>
             </a:pPr>
             <a:r>
-              <a:rPr b="0" lang="en-US" sz="1800" spc="-1" strike="noStrike">
+              <a:rPr lang="en-US" sz="1800" b="0" strike="noStrike" spc="-1">
                 <a:solidFill>
                   <a:srgbClr val="000000"/>
                 </a:solidFill>
                 <a:latin typeface="Times New Roman"/>
                 <a:ea typeface="DejaVu Sans"/>
               </a:rPr>
-              <a:t> </a:t>
+              <a:t> Reports from Reporters Without Borders (RSF) about the two journalists who are missing since 2017 emphasize the need for protection of freedom of speech.</a:t>
             </a:r>
-            <a:r>
-              <a:rPr b="0" lang="en-US" sz="1800" spc="-1" strike="noStrike">
-                <a:solidFill>
-                  <a:srgbClr val="000000"/>
-                </a:solidFill>
-                <a:latin typeface="Times New Roman"/>
-                <a:ea typeface="DejaVu Sans"/>
-              </a:rPr>
-              <a:t>Reports from Reporters Without Borders (RSF) about the two journalists who are missing since 2017 emphasize the need for protection of freedom of speech.</a:t>
-            </a:r>
-            <a:endParaRPr b="0" lang="en-US" sz="1800" spc="-1" strike="noStrike">
+            <a:endParaRPr lang="en-US" sz="1800" b="0" strike="noStrike" spc="-1">
               <a:latin typeface="Arial"/>
             </a:endParaRPr>
           </a:p>
@@ -8785,30 +10361,7 @@
       </p:sp>
       <p:pic>
         <p:nvPicPr>
-          <p:cNvPr id="97" name="Imagen 96" descr=""/>
-          <p:cNvPicPr/>
-          <p:nvPr/>
-        </p:nvPicPr>
-        <p:blipFill>
-          <a:blip r:embed="rId1"/>
-          <a:stretch/>
-        </p:blipFill>
-        <p:spPr>
-          <a:xfrm rot="7200">
-            <a:off x="1281600" y="2195280"/>
-            <a:ext cx="1369800" cy="1752840"/>
-          </a:xfrm>
-          <a:prstGeom prst="rect">
-            <a:avLst/>
-          </a:prstGeom>
-          <a:ln>
-            <a:noFill/>
-          </a:ln>
-        </p:spPr>
-      </p:pic>
-      <p:pic>
-        <p:nvPicPr>
-          <p:cNvPr id="98" name="Imagen 97" descr=""/>
+          <p:cNvPr id="97" name="Imagen 96"/>
           <p:cNvPicPr/>
           <p:nvPr/>
         </p:nvPicPr>
@@ -8817,6 +10370,29 @@
           <a:stretch/>
         </p:blipFill>
         <p:spPr>
+          <a:xfrm rot="7200">
+            <a:off x="1281600" y="2195280"/>
+            <a:ext cx="1369800" cy="1752840"/>
+          </a:xfrm>
+          <a:prstGeom prst="rect">
+            <a:avLst/>
+          </a:prstGeom>
+          <a:ln>
+            <a:noFill/>
+          </a:ln>
+        </p:spPr>
+      </p:pic>
+      <p:pic>
+        <p:nvPicPr>
+          <p:cNvPr id="98" name="Imagen 97"/>
+          <p:cNvPicPr/>
+          <p:nvPr/>
+        </p:nvPicPr>
+        <p:blipFill>
+          <a:blip r:embed="rId3"/>
+          <a:stretch/>
+        </p:blipFill>
+        <p:spPr>
           <a:xfrm>
             <a:off x="5212080" y="2194560"/>
             <a:ext cx="1279800" cy="1669320"/>
@@ -8849,13 +10425,20 @@
           </a:ln>
         </p:spPr>
         <p:style>
-          <a:lnRef idx="0"/>
-          <a:fillRef idx="0"/>
-          <a:effectRef idx="0"/>
+          <a:lnRef idx="0">
+            <a:scrgbClr r="0" g="0" b="0"/>
+          </a:lnRef>
+          <a:fillRef idx="0">
+            <a:scrgbClr r="0" g="0" b="0"/>
+          </a:fillRef>
+          <a:effectRef idx="0">
+            <a:scrgbClr r="0" g="0" b="0"/>
+          </a:effectRef>
           <a:fontRef idx="minor"/>
         </p:style>
         <p:txBody>
-          <a:bodyPr lIns="90000" rIns="90000" tIns="45000" bIns="45000"/>
+          <a:bodyPr lIns="90000" tIns="45000" rIns="90000" bIns="45000"/>
+          <a:lstStyle/>
           <a:p>
             <a:pPr>
               <a:lnSpc>
@@ -8863,7 +10446,7 @@
               </a:lnSpc>
             </a:pPr>
             <a:r>
-              <a:rPr b="0" lang="en-US" sz="1800" spc="-1" strike="noStrike">
+              <a:rPr lang="en-US" sz="1800" b="0" strike="noStrike" spc="-1">
                 <a:solidFill>
                   <a:srgbClr val="000000"/>
                 </a:solidFill>
@@ -8872,7 +10455,7 @@
               </a:rPr>
               <a:t>38 year old Pakistani </a:t>
             </a:r>
-            <a:endParaRPr b="0" lang="en-US" sz="1800" spc="-1" strike="noStrike">
+            <a:endParaRPr lang="en-US" sz="1800" b="0" strike="noStrike" spc="-1">
               <a:latin typeface="Arial"/>
             </a:endParaRPr>
           </a:p>
@@ -8883,7 +10466,7 @@
               </a:lnSpc>
             </a:pPr>
             <a:r>
-              <a:rPr b="0" lang="en-US" sz="1800" spc="-1" strike="noStrike">
+              <a:rPr lang="en-US" sz="1800" b="0" strike="noStrike" spc="-1">
                 <a:solidFill>
                   <a:srgbClr val="000000"/>
                 </a:solidFill>
@@ -8892,7 +10475,7 @@
               </a:rPr>
               <a:t>blogger missing since 2017</a:t>
             </a:r>
-            <a:endParaRPr b="0" lang="en-US" sz="1800" spc="-1" strike="noStrike">
+            <a:endParaRPr lang="en-US" sz="1800" b="0" strike="noStrike" spc="-1">
               <a:latin typeface="Arial"/>
             </a:endParaRPr>
           </a:p>
@@ -8918,13 +10501,20 @@
           </a:ln>
         </p:spPr>
         <p:style>
-          <a:lnRef idx="0"/>
-          <a:fillRef idx="0"/>
-          <a:effectRef idx="0"/>
+          <a:lnRef idx="0">
+            <a:scrgbClr r="0" g="0" b="0"/>
+          </a:lnRef>
+          <a:fillRef idx="0">
+            <a:scrgbClr r="0" g="0" b="0"/>
+          </a:fillRef>
+          <a:effectRef idx="0">
+            <a:scrgbClr r="0" g="0" b="0"/>
+          </a:effectRef>
           <a:fontRef idx="minor"/>
         </p:style>
         <p:txBody>
-          <a:bodyPr lIns="90000" rIns="90000" tIns="45000" bIns="45000"/>
+          <a:bodyPr lIns="90000" tIns="45000" rIns="90000" bIns="45000"/>
+          <a:lstStyle/>
           <a:p>
             <a:pPr>
               <a:lnSpc>
@@ -8932,7 +10522,7 @@
               </a:lnSpc>
             </a:pPr>
             <a:r>
-              <a:rPr b="0" lang="en-US" sz="1800" spc="-1" strike="noStrike">
+              <a:rPr lang="en-US" sz="1800" b="0" strike="noStrike" spc="-1">
                 <a:solidFill>
                   <a:srgbClr val="000000"/>
                 </a:solidFill>
@@ -8941,7 +10531,7 @@
               </a:rPr>
               <a:t>29 year old Bangladeshi reporter</a:t>
             </a:r>
-            <a:endParaRPr b="0" lang="en-US" sz="1800" spc="-1" strike="noStrike">
+            <a:endParaRPr lang="en-US" sz="1800" b="0" strike="noStrike" spc="-1">
               <a:latin typeface="Arial"/>
             </a:endParaRPr>
           </a:p>
@@ -8952,7 +10542,7 @@
               </a:lnSpc>
             </a:pPr>
             <a:r>
-              <a:rPr b="0" lang="en-US" sz="1800" spc="-1" strike="noStrike">
+              <a:rPr lang="en-US" sz="1800" b="0" strike="noStrike" spc="-1">
                 <a:solidFill>
                   <a:srgbClr val="000000"/>
                 </a:solidFill>
@@ -8961,7 +10551,7 @@
               </a:rPr>
               <a:t>missing 2017</a:t>
             </a:r>
-            <a:endParaRPr b="0" lang="en-US" sz="1800" spc="-1" strike="noStrike">
+            <a:endParaRPr lang="en-US" sz="1800" b="0" strike="noStrike" spc="-1">
               <a:latin typeface="Arial"/>
             </a:endParaRPr>
           </a:p>
@@ -8969,22 +10559,33 @@
       </p:sp>
     </p:spTree>
   </p:cSld>
+  <p:clrMapOvr>
+    <a:masterClrMapping/>
+  </p:clrMapOvr>
+  <mc:AlternateContent xmlns:mc="http://schemas.openxmlformats.org/markup-compatibility/2006">
+    <mc:Choice xmlns:p14="http://schemas.microsoft.com/office/powerpoint/2010/main" Requires="p14">
+      <p:transition spd="slow" p14:dur="2000" advTm="15000"/>
+    </mc:Choice>
+    <mc:Fallback>
+      <p:transition spd="slow" advTm="15000"/>
+    </mc:Fallback>
+  </mc:AlternateContent>
   <p:timing>
     <p:tnLst>
       <p:par>
-        <p:cTn id="9" dur="indefinite" restart="never" nodeType="tmRoot">
+        <p:cTn id="1" dur="indefinite" restart="never" nodeType="tmRoot">
           <p:childTnLst>
             <p:seq>
-              <p:cTn id="10" dur="indefinite" nodeType="mainSeq"/>
+              <p:cTn id="2" dur="indefinite" nodeType="mainSeq"/>
               <p:prevCondLst>
-                <p:cond delay="0" evt="onPrev">
+                <p:cond evt="onPrev" delay="0">
                   <p:tgtEl>
                     <p:sldTgt/>
                   </p:tgtEl>
                 </p:cond>
               </p:prevCondLst>
               <p:nextCondLst>
-                <p:cond delay="0" evt="onNext">
+                <p:cond evt="onNext" delay="0">
                   <p:tgtEl>
                     <p:sldTgt/>
                   </p:tgtEl>
@@ -9000,7 +10601,7 @@
 </file>
 
 <file path=ppt/slides/slide6.xml><?xml version="1.0" encoding="utf-8"?>
-<p:sld xmlns:a="http://schemas.openxmlformats.org/drawingml/2006/main" xmlns:p="http://schemas.openxmlformats.org/presentationml/2006/main" xmlns:r="http://schemas.openxmlformats.org/officeDocument/2006/relationships" xmlns:p14="http://schemas.microsoft.com/office/powerpoint/2010/main" xmlns:p15="http://schemas.microsoft.com/office/powerpoint/2012/main" xmlns:mc="http://schemas.openxmlformats.org/markup-compatibility/2006">
+<p:sld xmlns:a="http://schemas.openxmlformats.org/drawingml/2006/main" xmlns:r="http://schemas.openxmlformats.org/officeDocument/2006/relationships" xmlns:p="http://schemas.openxmlformats.org/presentationml/2006/main">
   <p:cSld>
     <p:spTree>
       <p:nvGrpSpPr>
@@ -9036,13 +10637,20 @@
           </a:ln>
         </p:spPr>
         <p:style>
-          <a:lnRef idx="0"/>
-          <a:fillRef idx="0"/>
-          <a:effectRef idx="0"/>
+          <a:lnRef idx="0">
+            <a:scrgbClr r="0" g="0" b="0"/>
+          </a:lnRef>
+          <a:fillRef idx="0">
+            <a:scrgbClr r="0" g="0" b="0"/>
+          </a:fillRef>
+          <a:effectRef idx="0">
+            <a:scrgbClr r="0" g="0" b="0"/>
+          </a:effectRef>
           <a:fontRef idx="minor"/>
         </p:style>
         <p:txBody>
-          <a:bodyPr lIns="90000" rIns="90000" tIns="45000" bIns="45000" anchor="ctr"/>
+          <a:bodyPr lIns="90000" tIns="45000" rIns="90000" bIns="45000" anchor="ctr"/>
+          <a:lstStyle/>
           <a:p>
             <a:pPr>
               <a:lnSpc>
@@ -9050,7 +10658,7 @@
               </a:lnSpc>
             </a:pPr>
             <a:r>
-              <a:rPr b="1" lang="en-US" sz="3000" spc="-1" strike="noStrike">
+              <a:rPr lang="en-US" sz="3000" b="1" strike="noStrike" spc="-1">
                 <a:solidFill>
                   <a:srgbClr val="404041"/>
                 </a:solidFill>
@@ -9059,7 +10667,7 @@
               </a:rPr>
               <a:t>Motivation: Organizations</a:t>
             </a:r>
-            <a:endParaRPr b="0" lang="en-US" sz="3000" spc="-1" strike="noStrike">
+            <a:endParaRPr lang="en-US" sz="3000" b="0" strike="noStrike" spc="-1">
               <a:latin typeface="Arial"/>
             </a:endParaRPr>
           </a:p>
@@ -9085,13 +10693,20 @@
           </a:ln>
         </p:spPr>
         <p:style>
-          <a:lnRef idx="0"/>
-          <a:fillRef idx="0"/>
-          <a:effectRef idx="0"/>
+          <a:lnRef idx="0">
+            <a:scrgbClr r="0" g="0" b="0"/>
+          </a:lnRef>
+          <a:fillRef idx="0">
+            <a:scrgbClr r="0" g="0" b="0"/>
+          </a:fillRef>
+          <a:effectRef idx="0">
+            <a:scrgbClr r="0" g="0" b="0"/>
+          </a:effectRef>
           <a:fontRef idx="minor"/>
         </p:style>
         <p:txBody>
-          <a:bodyPr lIns="90000" rIns="90000" tIns="45000" bIns="45000"/>
+          <a:bodyPr lIns="90000" tIns="45000" rIns="90000" bIns="45000"/>
+          <a:lstStyle/>
           <a:p>
             <a:pPr marL="216000" indent="-215640">
               <a:lnSpc>
@@ -9105,7 +10720,7 @@
               <a:buChar char=""/>
             </a:pPr>
             <a:r>
-              <a:rPr b="0" lang="en-US" sz="1800" spc="-1" strike="noStrike">
+              <a:rPr lang="en-US" sz="1800" b="0" strike="noStrike" spc="-1">
                 <a:solidFill>
                   <a:srgbClr val="000000"/>
                 </a:solidFill>
@@ -9114,7 +10729,7 @@
               </a:rPr>
               <a:t>The Committee to Protect Journalists (CPJ) is an American non-profit organization that was founded in 1981</a:t>
             </a:r>
-            <a:endParaRPr b="0" lang="en-US" sz="1800" spc="-1" strike="noStrike">
+            <a:endParaRPr lang="en-US" sz="1800" b="0" strike="noStrike" spc="-1">
               <a:latin typeface="Arial"/>
             </a:endParaRPr>
           </a:p>
@@ -9131,7 +10746,7 @@
               <a:buChar char=""/>
             </a:pPr>
             <a:r>
-              <a:rPr b="0" lang="en-US" sz="1800" spc="-1" strike="noStrike">
+              <a:rPr lang="en-US" sz="1800" b="0" strike="noStrike" spc="-1">
                 <a:solidFill>
                   <a:srgbClr val="000000"/>
                 </a:solidFill>
@@ -9140,7 +10755,7 @@
               </a:rPr>
               <a:t>Advocates press freedom and honor the journalists who face attacks, intimidation and even prison in order to report the world events.</a:t>
             </a:r>
-            <a:endParaRPr b="0" lang="en-US" sz="1800" spc="-1" strike="noStrike">
+            <a:endParaRPr lang="en-US" sz="1800" b="0" strike="noStrike" spc="-1">
               <a:latin typeface="Arial"/>
             </a:endParaRPr>
           </a:p>
@@ -9157,7 +10772,7 @@
               <a:buChar char=""/>
             </a:pPr>
             <a:r>
-              <a:rPr b="0" lang="en-US" sz="1800" spc="-1" strike="noStrike">
+              <a:rPr lang="en-US" sz="1800" b="0" strike="noStrike" spc="-1">
                 <a:solidFill>
                   <a:srgbClr val="000000"/>
                 </a:solidFill>
@@ -9166,7 +10781,7 @@
               </a:rPr>
               <a:t>The CPJ maintains a running list of the journalists killed across the globe</a:t>
             </a:r>
-            <a:endParaRPr b="0" lang="en-US" sz="1800" spc="-1" strike="noStrike">
+            <a:endParaRPr lang="en-US" sz="1800" b="0" strike="noStrike" spc="-1">
               <a:latin typeface="Arial"/>
             </a:endParaRPr>
           </a:p>
@@ -9174,12 +10789,12 @@
       </p:sp>
       <p:pic>
         <p:nvPicPr>
-          <p:cNvPr id="103" name="Imagen 102" descr=""/>
+          <p:cNvPr id="103" name="Imagen 102"/>
           <p:cNvPicPr/>
           <p:nvPr/>
         </p:nvPicPr>
         <p:blipFill>
-          <a:blip r:embed="rId1"/>
+          <a:blip r:embed="rId2"/>
           <a:stretch/>
         </p:blipFill>
         <p:spPr>
@@ -9197,22 +10812,33 @@
       </p:pic>
     </p:spTree>
   </p:cSld>
+  <p:clrMapOvr>
+    <a:masterClrMapping/>
+  </p:clrMapOvr>
+  <mc:AlternateContent xmlns:mc="http://schemas.openxmlformats.org/markup-compatibility/2006">
+    <mc:Choice xmlns:p14="http://schemas.microsoft.com/office/powerpoint/2010/main" Requires="p14">
+      <p:transition spd="slow" p14:dur="2000" advTm="15000"/>
+    </mc:Choice>
+    <mc:Fallback>
+      <p:transition spd="slow" advTm="15000"/>
+    </mc:Fallback>
+  </mc:AlternateContent>
   <p:timing>
     <p:tnLst>
       <p:par>
-        <p:cTn id="11" dur="indefinite" restart="never" nodeType="tmRoot">
+        <p:cTn id="1" dur="indefinite" restart="never" nodeType="tmRoot">
           <p:childTnLst>
             <p:seq>
-              <p:cTn id="12" dur="indefinite" nodeType="mainSeq"/>
+              <p:cTn id="2" dur="indefinite" nodeType="mainSeq"/>
               <p:prevCondLst>
-                <p:cond delay="0" evt="onPrev">
+                <p:cond evt="onPrev" delay="0">
                   <p:tgtEl>
                     <p:sldTgt/>
                   </p:tgtEl>
                 </p:cond>
               </p:prevCondLst>
               <p:nextCondLst>
-                <p:cond delay="0" evt="onNext">
+                <p:cond evt="onNext" delay="0">
                   <p:tgtEl>
                     <p:sldTgt/>
                   </p:tgtEl>
@@ -9228,7 +10854,7 @@
 </file>
 
 <file path=ppt/slides/slide7.xml><?xml version="1.0" encoding="utf-8"?>
-<p:sld xmlns:a="http://schemas.openxmlformats.org/drawingml/2006/main" xmlns:p="http://schemas.openxmlformats.org/presentationml/2006/main" xmlns:r="http://schemas.openxmlformats.org/officeDocument/2006/relationships" xmlns:p14="http://schemas.microsoft.com/office/powerpoint/2010/main" xmlns:p15="http://schemas.microsoft.com/office/powerpoint/2012/main" xmlns:mc="http://schemas.openxmlformats.org/markup-compatibility/2006">
+<p:sld xmlns:a="http://schemas.openxmlformats.org/drawingml/2006/main" xmlns:r="http://schemas.openxmlformats.org/officeDocument/2006/relationships" xmlns:p="http://schemas.openxmlformats.org/presentationml/2006/main">
   <p:cSld>
     <p:spTree>
       <p:nvGrpSpPr>
@@ -9264,13 +10890,20 @@
           </a:ln>
         </p:spPr>
         <p:style>
-          <a:lnRef idx="0"/>
-          <a:fillRef idx="0"/>
-          <a:effectRef idx="0"/>
+          <a:lnRef idx="0">
+            <a:scrgbClr r="0" g="0" b="0"/>
+          </a:lnRef>
+          <a:fillRef idx="0">
+            <a:scrgbClr r="0" g="0" b="0"/>
+          </a:fillRef>
+          <a:effectRef idx="0">
+            <a:scrgbClr r="0" g="0" b="0"/>
+          </a:effectRef>
           <a:fontRef idx="minor"/>
         </p:style>
         <p:txBody>
-          <a:bodyPr lIns="90000" rIns="90000" tIns="45000" bIns="45000" anchor="ctr"/>
+          <a:bodyPr lIns="90000" tIns="45000" rIns="90000" bIns="45000" anchor="ctr"/>
+          <a:lstStyle/>
           <a:p>
             <a:pPr>
               <a:lnSpc>
@@ -9278,7 +10911,7 @@
               </a:lnSpc>
             </a:pPr>
             <a:r>
-              <a:rPr b="1" lang="en-US" sz="3000" spc="-1" strike="noStrike">
+              <a:rPr lang="en-US" sz="3000" b="1" strike="noStrike" spc="-1">
                 <a:solidFill>
                   <a:srgbClr val="404041"/>
                 </a:solidFill>
@@ -9287,7 +10920,7 @@
               </a:rPr>
               <a:t>Motivation: Organizations</a:t>
             </a:r>
-            <a:endParaRPr b="0" lang="en-US" sz="3000" spc="-1" strike="noStrike">
+            <a:endParaRPr lang="en-US" sz="3000" b="0" strike="noStrike" spc="-1">
               <a:latin typeface="Arial"/>
             </a:endParaRPr>
           </a:p>
@@ -9313,13 +10946,20 @@
           </a:ln>
         </p:spPr>
         <p:style>
-          <a:lnRef idx="0"/>
-          <a:fillRef idx="0"/>
-          <a:effectRef idx="0"/>
+          <a:lnRef idx="0">
+            <a:scrgbClr r="0" g="0" b="0"/>
+          </a:lnRef>
+          <a:fillRef idx="0">
+            <a:scrgbClr r="0" g="0" b="0"/>
+          </a:fillRef>
+          <a:effectRef idx="0">
+            <a:scrgbClr r="0" g="0" b="0"/>
+          </a:effectRef>
           <a:fontRef idx="minor"/>
         </p:style>
         <p:txBody>
-          <a:bodyPr lIns="90000" rIns="90000" tIns="45000" bIns="45000"/>
+          <a:bodyPr lIns="90000" tIns="45000" rIns="90000" bIns="45000"/>
+          <a:lstStyle/>
           <a:p>
             <a:pPr marL="216000" indent="-215640">
               <a:lnSpc>
@@ -9333,7 +10973,7 @@
               <a:buChar char=""/>
             </a:pPr>
             <a:r>
-              <a:rPr b="0" lang="en-US" sz="1800" spc="-1" strike="noStrike">
+              <a:rPr lang="en-US" sz="1800" b="0" strike="noStrike" spc="-1">
                 <a:solidFill>
                   <a:srgbClr val="000000"/>
                 </a:solidFill>
@@ -9342,7 +10982,7 @@
               </a:rPr>
               <a:t>Reporters without Borders (RSF) is a non profit organization based in Paris,  advocating freedom of press and information, since its foundation in 1981 </a:t>
             </a:r>
-            <a:endParaRPr b="0" lang="en-US" sz="1800" spc="-1" strike="noStrike">
+            <a:endParaRPr lang="en-US" sz="1800" b="0" strike="noStrike" spc="-1">
               <a:latin typeface="Arial"/>
             </a:endParaRPr>
           </a:p>
@@ -9350,12 +10990,12 @@
       </p:sp>
       <p:pic>
         <p:nvPicPr>
-          <p:cNvPr id="106" name="Imagen 105" descr=""/>
+          <p:cNvPr id="106" name="Imagen 105"/>
           <p:cNvPicPr/>
           <p:nvPr/>
         </p:nvPicPr>
         <p:blipFill>
-          <a:blip r:embed="rId1"/>
+          <a:blip r:embed="rId2"/>
           <a:stretch/>
         </p:blipFill>
         <p:spPr>
@@ -9373,22 +11013,33 @@
       </p:pic>
     </p:spTree>
   </p:cSld>
+  <p:clrMapOvr>
+    <a:masterClrMapping/>
+  </p:clrMapOvr>
+  <mc:AlternateContent xmlns:mc="http://schemas.openxmlformats.org/markup-compatibility/2006">
+    <mc:Choice xmlns:p14="http://schemas.microsoft.com/office/powerpoint/2010/main" Requires="p14">
+      <p:transition spd="slow" p14:dur="2000" advTm="15000"/>
+    </mc:Choice>
+    <mc:Fallback>
+      <p:transition spd="slow" advTm="15000"/>
+    </mc:Fallback>
+  </mc:AlternateContent>
   <p:timing>
     <p:tnLst>
       <p:par>
-        <p:cTn id="13" dur="indefinite" restart="never" nodeType="tmRoot">
+        <p:cTn id="1" dur="indefinite" restart="never" nodeType="tmRoot">
           <p:childTnLst>
             <p:seq>
-              <p:cTn id="14" dur="indefinite" nodeType="mainSeq"/>
+              <p:cTn id="2" dur="indefinite" nodeType="mainSeq"/>
               <p:prevCondLst>
-                <p:cond delay="0" evt="onPrev">
+                <p:cond evt="onPrev" delay="0">
                   <p:tgtEl>
                     <p:sldTgt/>
                   </p:tgtEl>
                 </p:cond>
               </p:prevCondLst>
               <p:nextCondLst>
-                <p:cond delay="0" evt="onNext">
+                <p:cond evt="onNext" delay="0">
                   <p:tgtEl>
                     <p:sldTgt/>
                   </p:tgtEl>
@@ -9404,7 +11055,7 @@
 </file>
 
 <file path=ppt/slides/slide8.xml><?xml version="1.0" encoding="utf-8"?>
-<p:sld xmlns:a="http://schemas.openxmlformats.org/drawingml/2006/main" xmlns:p="http://schemas.openxmlformats.org/presentationml/2006/main" xmlns:r="http://schemas.openxmlformats.org/officeDocument/2006/relationships" xmlns:p14="http://schemas.microsoft.com/office/powerpoint/2010/main" xmlns:p15="http://schemas.microsoft.com/office/powerpoint/2012/main" xmlns:mc="http://schemas.openxmlformats.org/markup-compatibility/2006">
+<p:sld xmlns:a="http://schemas.openxmlformats.org/drawingml/2006/main" xmlns:r="http://schemas.openxmlformats.org/officeDocument/2006/relationships" xmlns:p="http://schemas.openxmlformats.org/presentationml/2006/main">
   <p:cSld>
     <p:spTree>
       <p:nvGrpSpPr>
@@ -9440,13 +11091,20 @@
           </a:ln>
         </p:spPr>
         <p:style>
-          <a:lnRef idx="0"/>
-          <a:fillRef idx="0"/>
-          <a:effectRef idx="0"/>
+          <a:lnRef idx="0">
+            <a:scrgbClr r="0" g="0" b="0"/>
+          </a:lnRef>
+          <a:fillRef idx="0">
+            <a:scrgbClr r="0" g="0" b="0"/>
+          </a:fillRef>
+          <a:effectRef idx="0">
+            <a:scrgbClr r="0" g="0" b="0"/>
+          </a:effectRef>
           <a:fontRef idx="minor"/>
         </p:style>
         <p:txBody>
-          <a:bodyPr lIns="90000" rIns="90000" tIns="45000" bIns="45000" anchor="ctr"/>
+          <a:bodyPr lIns="90000" tIns="45000" rIns="90000" bIns="45000" anchor="ctr"/>
+          <a:lstStyle/>
           <a:p>
             <a:pPr>
               <a:lnSpc>
@@ -9454,7 +11112,7 @@
               </a:lnSpc>
             </a:pPr>
             <a:r>
-              <a:rPr b="1" lang="en-US" sz="3000" spc="-1" strike="noStrike">
+              <a:rPr lang="en-US" sz="3000" b="1" strike="noStrike" spc="-1">
                 <a:solidFill>
                   <a:srgbClr val="404041"/>
                 </a:solidFill>
@@ -9463,7 +11121,7 @@
               </a:rPr>
               <a:t>Related Work</a:t>
             </a:r>
-            <a:endParaRPr b="0" lang="en-US" sz="3000" spc="-1" strike="noStrike">
+            <a:endParaRPr lang="en-US" sz="3000" b="0" strike="noStrike" spc="-1">
               <a:latin typeface="Arial"/>
             </a:endParaRPr>
           </a:p>
@@ -9471,12 +11129,12 @@
       </p:sp>
       <p:pic>
         <p:nvPicPr>
-          <p:cNvPr id="108" name="Imagen 107" descr=""/>
+          <p:cNvPr id="108" name="Imagen 107"/>
           <p:cNvPicPr/>
           <p:nvPr/>
         </p:nvPicPr>
         <p:blipFill>
-          <a:blip r:embed="rId1"/>
+          <a:blip r:embed="rId2"/>
           <a:stretch/>
         </p:blipFill>
         <p:spPr>
@@ -9512,13 +11170,20 @@
           </a:ln>
         </p:spPr>
         <p:style>
-          <a:lnRef idx="0"/>
-          <a:fillRef idx="0"/>
-          <a:effectRef idx="0"/>
+          <a:lnRef idx="0">
+            <a:scrgbClr r="0" g="0" b="0"/>
+          </a:lnRef>
+          <a:fillRef idx="0">
+            <a:scrgbClr r="0" g="0" b="0"/>
+          </a:fillRef>
+          <a:effectRef idx="0">
+            <a:scrgbClr r="0" g="0" b="0"/>
+          </a:effectRef>
           <a:fontRef idx="minor"/>
         </p:style>
         <p:txBody>
-          <a:bodyPr lIns="90000" rIns="90000" tIns="45000" bIns="45000"/>
+          <a:bodyPr lIns="90000" tIns="45000" rIns="90000" bIns="45000"/>
+          <a:lstStyle/>
           <a:p>
             <a:pPr marL="216000" indent="-215640">
               <a:lnSpc>
@@ -9532,7 +11197,7 @@
               <a:buChar char=""/>
             </a:pPr>
             <a:r>
-              <a:rPr b="0" lang="en-US" sz="1800" spc="-1" strike="noStrike">
+              <a:rPr lang="en-US" sz="1800" b="0" strike="noStrike" spc="-1">
                 <a:solidFill>
                   <a:srgbClr val="000000"/>
                 </a:solidFill>
@@ -9541,7 +11206,7 @@
               </a:rPr>
               <a:t>CPJ Visualization for journalists killed between 1992 and 2018 by year  </a:t>
             </a:r>
-            <a:endParaRPr b="0" lang="en-US" sz="1800" spc="-1" strike="noStrike">
+            <a:endParaRPr lang="en-US" sz="1800" b="0" strike="noStrike" spc="-1">
               <a:latin typeface="Arial"/>
             </a:endParaRPr>
           </a:p>
@@ -9549,22 +11214,33 @@
       </p:sp>
     </p:spTree>
   </p:cSld>
+  <p:clrMapOvr>
+    <a:masterClrMapping/>
+  </p:clrMapOvr>
+  <mc:AlternateContent xmlns:mc="http://schemas.openxmlformats.org/markup-compatibility/2006">
+    <mc:Choice xmlns:p14="http://schemas.microsoft.com/office/powerpoint/2010/main" Requires="p14">
+      <p:transition spd="slow" p14:dur="2000" advTm="15000"/>
+    </mc:Choice>
+    <mc:Fallback>
+      <p:transition spd="slow" advTm="15000"/>
+    </mc:Fallback>
+  </mc:AlternateContent>
   <p:timing>
     <p:tnLst>
       <p:par>
-        <p:cTn id="15" dur="indefinite" restart="never" nodeType="tmRoot">
+        <p:cTn id="1" dur="indefinite" restart="never" nodeType="tmRoot">
           <p:childTnLst>
             <p:seq>
-              <p:cTn id="16" dur="indefinite" nodeType="mainSeq"/>
+              <p:cTn id="2" dur="indefinite" nodeType="mainSeq"/>
               <p:prevCondLst>
-                <p:cond delay="0" evt="onPrev">
+                <p:cond evt="onPrev" delay="0">
                   <p:tgtEl>
                     <p:sldTgt/>
                   </p:tgtEl>
                 </p:cond>
               </p:prevCondLst>
               <p:nextCondLst>
-                <p:cond delay="0" evt="onNext">
+                <p:cond evt="onNext" delay="0">
                   <p:tgtEl>
                     <p:sldTgt/>
                   </p:tgtEl>
@@ -9580,7 +11256,7 @@
 </file>
 
 <file path=ppt/slides/slide9.xml><?xml version="1.0" encoding="utf-8"?>
-<p:sld xmlns:a="http://schemas.openxmlformats.org/drawingml/2006/main" xmlns:p="http://schemas.openxmlformats.org/presentationml/2006/main" xmlns:r="http://schemas.openxmlformats.org/officeDocument/2006/relationships" xmlns:p14="http://schemas.microsoft.com/office/powerpoint/2010/main" xmlns:p15="http://schemas.microsoft.com/office/powerpoint/2012/main" xmlns:mc="http://schemas.openxmlformats.org/markup-compatibility/2006">
+<p:sld xmlns:a="http://schemas.openxmlformats.org/drawingml/2006/main" xmlns:r="http://schemas.openxmlformats.org/officeDocument/2006/relationships" xmlns:p="http://schemas.openxmlformats.org/presentationml/2006/main">
   <p:cSld>
     <p:spTree>
       <p:nvGrpSpPr>
@@ -9616,13 +11292,20 @@
           </a:ln>
         </p:spPr>
         <p:style>
-          <a:lnRef idx="0"/>
-          <a:fillRef idx="0"/>
-          <a:effectRef idx="0"/>
+          <a:lnRef idx="0">
+            <a:scrgbClr r="0" g="0" b="0"/>
+          </a:lnRef>
+          <a:fillRef idx="0">
+            <a:scrgbClr r="0" g="0" b="0"/>
+          </a:fillRef>
+          <a:effectRef idx="0">
+            <a:scrgbClr r="0" g="0" b="0"/>
+          </a:effectRef>
           <a:fontRef idx="minor"/>
         </p:style>
         <p:txBody>
-          <a:bodyPr lIns="90000" rIns="90000" tIns="45000" bIns="45000" anchor="ctr"/>
+          <a:bodyPr lIns="90000" tIns="45000" rIns="90000" bIns="45000" anchor="ctr"/>
+          <a:lstStyle/>
           <a:p>
             <a:pPr>
               <a:lnSpc>
@@ -9630,7 +11313,7 @@
               </a:lnSpc>
             </a:pPr>
             <a:r>
-              <a:rPr b="1" lang="en-US" sz="3000" spc="-1" strike="noStrike">
+              <a:rPr lang="en-US" sz="3000" b="1" strike="noStrike" spc="-1">
                 <a:solidFill>
                   <a:srgbClr val="404041"/>
                 </a:solidFill>
@@ -9639,7 +11322,7 @@
               </a:rPr>
               <a:t>Related Work</a:t>
             </a:r>
-            <a:endParaRPr b="0" lang="en-US" sz="3000" spc="-1" strike="noStrike">
+            <a:endParaRPr lang="en-US" sz="3000" b="0" strike="noStrike" spc="-1">
               <a:latin typeface="Arial"/>
             </a:endParaRPr>
           </a:p>
@@ -9665,13 +11348,20 @@
           </a:ln>
         </p:spPr>
         <p:style>
-          <a:lnRef idx="0"/>
-          <a:fillRef idx="0"/>
-          <a:effectRef idx="0"/>
+          <a:lnRef idx="0">
+            <a:scrgbClr r="0" g="0" b="0"/>
+          </a:lnRef>
+          <a:fillRef idx="0">
+            <a:scrgbClr r="0" g="0" b="0"/>
+          </a:fillRef>
+          <a:effectRef idx="0">
+            <a:scrgbClr r="0" g="0" b="0"/>
+          </a:effectRef>
           <a:fontRef idx="minor"/>
         </p:style>
         <p:txBody>
-          <a:bodyPr lIns="90000" rIns="90000" tIns="45000" bIns="45000"/>
+          <a:bodyPr lIns="90000" tIns="45000" rIns="90000" bIns="45000"/>
+          <a:lstStyle/>
           <a:p>
             <a:pPr marL="216000" indent="-215640">
               <a:lnSpc>
@@ -9685,7 +11375,7 @@
               <a:buChar char=""/>
             </a:pPr>
             <a:r>
-              <a:rPr b="0" lang="en-US" sz="1800" spc="-1" strike="noStrike">
+              <a:rPr lang="en-US" sz="1800" b="0" strike="noStrike" spc="-1">
                 <a:solidFill>
                   <a:srgbClr val="000000"/>
                 </a:solidFill>
@@ -9694,7 +11384,7 @@
               </a:rPr>
               <a:t>CPJ data map for journalists killed in the year 2018  </a:t>
             </a:r>
-            <a:endParaRPr b="0" lang="en-US" sz="1800" spc="-1" strike="noStrike">
+            <a:endParaRPr lang="en-US" sz="1800" b="0" strike="noStrike" spc="-1">
               <a:latin typeface="Arial"/>
             </a:endParaRPr>
           </a:p>
@@ -9702,12 +11392,12 @@
       </p:sp>
       <p:pic>
         <p:nvPicPr>
-          <p:cNvPr id="112" name="Imagen 111" descr=""/>
+          <p:cNvPr id="112" name="Imagen 111"/>
           <p:cNvPicPr/>
           <p:nvPr/>
         </p:nvPicPr>
         <p:blipFill>
-          <a:blip r:embed="rId1"/>
+          <a:blip r:embed="rId2"/>
           <a:stretch/>
         </p:blipFill>
         <p:spPr>
@@ -9725,22 +11415,33 @@
       </p:pic>
     </p:spTree>
   </p:cSld>
+  <p:clrMapOvr>
+    <a:masterClrMapping/>
+  </p:clrMapOvr>
+  <mc:AlternateContent xmlns:mc="http://schemas.openxmlformats.org/markup-compatibility/2006">
+    <mc:Choice xmlns:p14="http://schemas.microsoft.com/office/powerpoint/2010/main" Requires="p14">
+      <p:transition spd="slow" p14:dur="2000" advTm="15000"/>
+    </mc:Choice>
+    <mc:Fallback>
+      <p:transition spd="slow" advTm="15000"/>
+    </mc:Fallback>
+  </mc:AlternateContent>
   <p:timing>
     <p:tnLst>
       <p:par>
-        <p:cTn id="17" dur="indefinite" restart="never" nodeType="tmRoot">
+        <p:cTn id="1" dur="indefinite" restart="never" nodeType="tmRoot">
           <p:childTnLst>
             <p:seq>
-              <p:cTn id="18" dur="indefinite" nodeType="mainSeq"/>
+              <p:cTn id="2" dur="indefinite" nodeType="mainSeq"/>
               <p:prevCondLst>
-                <p:cond delay="0" evt="onPrev">
+                <p:cond evt="onPrev" delay="0">
                   <p:tgtEl>
                     <p:sldTgt/>
                   </p:tgtEl>
                 </p:cond>
               </p:prevCondLst>
               <p:nextCondLst>
-                <p:cond delay="0" evt="onNext">
+                <p:cond evt="onNext" delay="0">
                   <p:tgtEl>
                     <p:sldTgt/>
                   </p:tgtEl>
@@ -9766,31 +11467,31 @@
         <a:sysClr val="window" lastClr="FFFFFF"/>
       </a:lt1>
       <a:dk2>
-        <a:srgbClr val="1f497d"/>
+        <a:srgbClr val="1F497D"/>
       </a:dk2>
       <a:lt2>
-        <a:srgbClr val="eeece1"/>
+        <a:srgbClr val="EEECE1"/>
       </a:lt2>
       <a:accent1>
-        <a:srgbClr val="4f81bd"/>
+        <a:srgbClr val="4F81BD"/>
       </a:accent1>
       <a:accent2>
-        <a:srgbClr val="c0504d"/>
+        <a:srgbClr val="C0504D"/>
       </a:accent2>
       <a:accent3>
-        <a:srgbClr val="9bbb59"/>
+        <a:srgbClr val="9BBB59"/>
       </a:accent3>
       <a:accent4>
-        <a:srgbClr val="8064a2"/>
+        <a:srgbClr val="8064A2"/>
       </a:accent4>
       <a:accent5>
-        <a:srgbClr val="4bacc6"/>
+        <a:srgbClr val="4BACC6"/>
       </a:accent5>
       <a:accent6>
-        <a:srgbClr val="f79646"/>
+        <a:srgbClr val="F79646"/>
       </a:accent6>
       <a:hlink>
-        <a:srgbClr val="0000ff"/>
+        <a:srgbClr val="0000FF"/>
       </a:hlink>
       <a:folHlink>
         <a:srgbClr val="800080"/>
@@ -9975,6 +11676,8 @@
       </a:bgFillStyleLst>
     </a:fmtScheme>
   </a:themeElements>
+  <a:objectDefaults/>
+  <a:extraClrSchemeLst/>
 </a:theme>
 </file>
 
@@ -9989,31 +11692,31 @@
         <a:sysClr val="window" lastClr="FFFFFF"/>
       </a:lt1>
       <a:dk2>
-        <a:srgbClr val="1f497d"/>
+        <a:srgbClr val="1F497D"/>
       </a:dk2>
       <a:lt2>
-        <a:srgbClr val="eeece1"/>
+        <a:srgbClr val="EEECE1"/>
       </a:lt2>
       <a:accent1>
-        <a:srgbClr val="4f81bd"/>
+        <a:srgbClr val="4F81BD"/>
       </a:accent1>
       <a:accent2>
-        <a:srgbClr val="c0504d"/>
+        <a:srgbClr val="C0504D"/>
       </a:accent2>
       <a:accent3>
-        <a:srgbClr val="9bbb59"/>
+        <a:srgbClr val="9BBB59"/>
       </a:accent3>
       <a:accent4>
-        <a:srgbClr val="8064a2"/>
+        <a:srgbClr val="8064A2"/>
       </a:accent4>
       <a:accent5>
-        <a:srgbClr val="4bacc6"/>
+        <a:srgbClr val="4BACC6"/>
       </a:accent5>
       <a:accent6>
-        <a:srgbClr val="f79646"/>
+        <a:srgbClr val="F79646"/>
       </a:accent6>
       <a:hlink>
-        <a:srgbClr val="0000ff"/>
+        <a:srgbClr val="0000FF"/>
       </a:hlink>
       <a:folHlink>
         <a:srgbClr val="800080"/>
@@ -10198,5 +11901,7 @@
       </a:bgFillStyleLst>
     </a:fmtScheme>
   </a:themeElements>
+  <a:objectDefaults/>
+  <a:extraClrSchemeLst/>
 </a:theme>
 </file>
--- a/dviz_ppt.pptx
+++ b/dviz_ppt.pptx
@@ -4861,10 +4861,10 @@
   </p:clrMapOvr>
   <mc:AlternateContent xmlns:mc="http://schemas.openxmlformats.org/markup-compatibility/2006">
     <mc:Choice xmlns:p14="http://schemas.microsoft.com/office/powerpoint/2010/main" Requires="p14">
-      <p:transition spd="slow" p14:dur="2000" advTm="15000"/>
+      <p:transition spd="slow" p14:dur="2000" advTm="5000"/>
     </mc:Choice>
     <mc:Fallback>
-      <p:transition spd="slow" advTm="15000"/>
+      <p:transition spd="slow" advTm="5000"/>
     </mc:Fallback>
   </mc:AlternateContent>
   <p:timing>
@@ -7375,10 +7375,10 @@
   </p:clrMapOvr>
   <mc:AlternateContent xmlns:mc="http://schemas.openxmlformats.org/markup-compatibility/2006">
     <mc:Choice xmlns:p14="http://schemas.microsoft.com/office/powerpoint/2010/main" Requires="p14">
-      <p:transition spd="slow" p14:dur="2000" advTm="15000"/>
+      <p:transition spd="slow" p14:dur="2000" advTm="5000"/>
     </mc:Choice>
     <mc:Fallback>
-      <p:transition spd="slow" advTm="15000"/>
+      <p:transition spd="slow" advTm="5000"/>
     </mc:Fallback>
   </mc:AlternateContent>
   <p:timing>
